--- a/case-study-2/Loan Default case study findings.pptx
+++ b/case-study-2/Loan Default case study findings.pptx
@@ -5,7 +5,7 @@
     <p:sldMasterId id="2147483660" r:id="rId1"/>
   </p:sldMasterIdLst>
   <p:notesMasterIdLst>
-    <p:notesMasterId r:id="rId14"/>
+    <p:notesMasterId r:id="rId15"/>
   </p:notesMasterIdLst>
   <p:sldIdLst>
     <p:sldId id="256" r:id="rId2"/>
@@ -15,11 +15,12 @@
     <p:sldId id="285" r:id="rId6"/>
     <p:sldId id="284" r:id="rId7"/>
     <p:sldId id="258" r:id="rId8"/>
-    <p:sldId id="286" r:id="rId9"/>
-    <p:sldId id="259" r:id="rId10"/>
-    <p:sldId id="287" r:id="rId11"/>
-    <p:sldId id="288" r:id="rId12"/>
-    <p:sldId id="270" r:id="rId13"/>
+    <p:sldId id="289" r:id="rId9"/>
+    <p:sldId id="286" r:id="rId10"/>
+    <p:sldId id="259" r:id="rId11"/>
+    <p:sldId id="287" r:id="rId12"/>
+    <p:sldId id="288" r:id="rId13"/>
+    <p:sldId id="270" r:id="rId14"/>
   </p:sldIdLst>
   <p:sldSz cx="12192000" cy="6858000"/>
   <p:notesSz cx="6858000" cy="9144000"/>
@@ -1649,10 +1650,9 @@
         <a:lstStyle/>
         <a:p>
           <a:r>
-            <a:rPr lang="en-US" sz="2000" dirty="0" smtClean="0"/>
+            <a:rPr lang="en-US" sz="2000" dirty="0"/>
             <a:t>Available column</a:t>
           </a:r>
-          <a:endParaRPr lang="en-US" sz="2000" dirty="0"/>
         </a:p>
       </dgm:t>
     </dgm:pt>
@@ -1686,10 +1686,9 @@
         <a:lstStyle/>
         <a:p>
           <a:r>
-            <a:rPr lang="en-US" sz="1600" dirty="0" smtClean="0"/>
+            <a:rPr lang="en-US" sz="1600" dirty="0"/>
             <a:t>Reason</a:t>
           </a:r>
-          <a:endParaRPr lang="en-US" sz="1600" dirty="0"/>
         </a:p>
       </dgm:t>
     </dgm:pt>
@@ -1723,10 +1722,9 @@
         <a:lstStyle/>
         <a:p>
           <a:r>
-            <a:rPr lang="en-US" sz="1400" dirty="0" smtClean="0"/>
+            <a:rPr lang="en-US" sz="1400" dirty="0"/>
             <a:t>DTI Bin</a:t>
           </a:r>
-          <a:endParaRPr lang="en-US" sz="1400" dirty="0"/>
         </a:p>
       </dgm:t>
     </dgm:pt>
@@ -1738,10 +1736,9 @@
         <a:lstStyle/>
         <a:p>
           <a:r>
-            <a:rPr lang="en-US" sz="1800" dirty="0" smtClean="0"/>
+            <a:rPr lang="en-US" sz="1800" dirty="0"/>
             <a:t>Derived Columns</a:t>
           </a:r>
-          <a:endParaRPr lang="en-US" sz="1800" dirty="0"/>
         </a:p>
       </dgm:t>
     </dgm:pt>
@@ -1797,10 +1794,9 @@
         <a:lstStyle/>
         <a:p>
           <a:r>
-            <a:rPr lang="en-US" sz="1400" dirty="0" smtClean="0"/>
+            <a:rPr lang="en-US" sz="1400" dirty="0"/>
             <a:t>DTI</a:t>
           </a:r>
-          <a:endParaRPr lang="en-US" sz="1400" dirty="0"/>
         </a:p>
       </dgm:t>
     </dgm:pt>
@@ -1834,10 +1830,9 @@
         <a:lstStyle/>
         <a:p>
           <a:r>
-            <a:rPr lang="en-US" sz="1200" dirty="0" smtClean="0"/>
+            <a:rPr lang="en-US" sz="1200" dirty="0"/>
             <a:t>To understand patterns by specific categories</a:t>
           </a:r>
-          <a:endParaRPr lang="en-US" sz="1200" dirty="0"/>
         </a:p>
       </dgm:t>
     </dgm:pt>
@@ -1871,10 +1866,9 @@
         <a:lstStyle/>
         <a:p>
           <a:r>
-            <a:rPr lang="en-US" sz="1400" dirty="0" smtClean="0"/>
+            <a:rPr lang="en-US" sz="1400" dirty="0"/>
             <a:t>Revolving Utilization</a:t>
           </a:r>
-          <a:endParaRPr lang="en-US" sz="1400" dirty="0"/>
         </a:p>
       </dgm:t>
     </dgm:pt>
@@ -1908,10 +1902,9 @@
         <a:lstStyle/>
         <a:p>
           <a:r>
-            <a:rPr lang="en-US" sz="1400" dirty="0" smtClean="0"/>
+            <a:rPr lang="en-US" sz="1400" dirty="0"/>
             <a:t>Interest rate</a:t>
           </a:r>
-          <a:endParaRPr lang="en-US" sz="1400" dirty="0"/>
         </a:p>
       </dgm:t>
     </dgm:pt>
@@ -1945,10 +1938,9 @@
         <a:lstStyle/>
         <a:p>
           <a:r>
-            <a:rPr lang="en-US" sz="1400" dirty="0" smtClean="0"/>
+            <a:rPr lang="en-US" sz="1400" dirty="0"/>
             <a:t>Revolving Utilization</a:t>
           </a:r>
-          <a:endParaRPr lang="en-US" sz="1400" dirty="0"/>
         </a:p>
       </dgm:t>
     </dgm:pt>
@@ -1982,10 +1974,9 @@
         <a:lstStyle/>
         <a:p>
           <a:r>
-            <a:rPr lang="en-US" sz="1400" dirty="0" smtClean="0"/>
+            <a:rPr lang="en-US" sz="1400" dirty="0"/>
             <a:t>Interest rate</a:t>
           </a:r>
-          <a:endParaRPr lang="en-US" sz="1400" dirty="0"/>
         </a:p>
       </dgm:t>
     </dgm:pt>
@@ -2019,13 +2010,6 @@
         </dgm:presLayoutVars>
       </dgm:prSet>
       <dgm:spPr/>
-      <dgm:t>
-        <a:bodyPr/>
-        <a:lstStyle/>
-        <a:p>
-          <a:endParaRPr lang="en-US"/>
-        </a:p>
-      </dgm:t>
     </dgm:pt>
     <dgm:pt modelId="{8D36B8EE-95BD-42E9-97E4-C76FF1BEC880}" type="pres">
       <dgm:prSet presAssocID="{EF1B1446-69BC-47C4-8514-F150AA28F0EA}" presName="composite" presStyleCnt="0"/>
@@ -2042,13 +2026,6 @@
         </dgm:presLayoutVars>
       </dgm:prSet>
       <dgm:spPr/>
-      <dgm:t>
-        <a:bodyPr/>
-        <a:lstStyle/>
-        <a:p>
-          <a:endParaRPr lang="en-US"/>
-        </a:p>
-      </dgm:t>
     </dgm:pt>
     <dgm:pt modelId="{BBB44E7E-AB3E-4D92-871E-B292ADB76B47}" type="pres">
       <dgm:prSet presAssocID="{7F856221-4F2B-4CA4-B600-9543E5A308DE}" presName="compositeSpace" presStyleCnt="0"/>
@@ -2069,13 +2046,6 @@
         </dgm:presLayoutVars>
       </dgm:prSet>
       <dgm:spPr/>
-      <dgm:t>
-        <a:bodyPr/>
-        <a:lstStyle/>
-        <a:p>
-          <a:endParaRPr lang="en-US"/>
-        </a:p>
-      </dgm:t>
     </dgm:pt>
     <dgm:pt modelId="{EA368C30-64A2-47E9-941D-4C1C0539C4AC}" type="pres">
       <dgm:prSet presAssocID="{C15E0D35-8EE1-43BE-99E2-026621475164}" presName="compositeSpace" presStyleCnt="0"/>
@@ -2096,37 +2066,30 @@
         </dgm:presLayoutVars>
       </dgm:prSet>
       <dgm:spPr/>
-      <dgm:t>
-        <a:bodyPr/>
-        <a:lstStyle/>
-        <a:p>
-          <a:endParaRPr lang="en-US"/>
-        </a:p>
-      </dgm:t>
     </dgm:pt>
   </dgm:ptLst>
   <dgm:cxnLst>
+    <dgm:cxn modelId="{375D9F00-A4E3-4DDB-88BE-A02D0F0266CC}" srcId="{260ED0EC-3CE0-4CED-A9DE-21D7404BDCD0}" destId="{86B8F369-2BAD-44A2-B061-A58F77A3D914}" srcOrd="1" destOrd="0" parTransId="{17AC7101-8587-49E1-8062-06B18423A11C}" sibTransId="{C15E0D35-8EE1-43BE-99E2-026621475164}"/>
     <dgm:cxn modelId="{6B332801-2428-4431-84A6-351E5BB1B875}" type="presOf" srcId="{C22126E4-D9D6-4406-A97E-8721897B7987}" destId="{2038D8A7-44D1-4F6C-96B1-E9C5DB2ECD20}" srcOrd="0" destOrd="1" presId="urn:microsoft.com/office/officeart/2005/8/layout/chevronAccent+Icon"/>
-    <dgm:cxn modelId="{89754CB2-798E-4FF8-91A4-6433A8F09D0E}" type="presOf" srcId="{31E364CA-B981-4057-A779-A996CA2F34B2}" destId="{58A6145A-6296-47E3-BC97-C07C29E364BC}" srcOrd="0" destOrd="2" presId="urn:microsoft.com/office/officeart/2005/8/layout/chevronAccent+Icon"/>
-    <dgm:cxn modelId="{CDA9D7E9-97D4-4E02-9257-FD7463CBF676}" srcId="{86B8F369-2BAD-44A2-B061-A58F77A3D914}" destId="{31E364CA-B981-4057-A779-A996CA2F34B2}" srcOrd="1" destOrd="0" parTransId="{0426EFB4-46D2-40AE-9C56-D1D4B923FDE6}" sibTransId="{A155A401-493D-4ACE-B747-12CE40125C05}"/>
-    <dgm:cxn modelId="{375D9F00-A4E3-4DDB-88BE-A02D0F0266CC}" srcId="{260ED0EC-3CE0-4CED-A9DE-21D7404BDCD0}" destId="{86B8F369-2BAD-44A2-B061-A58F77A3D914}" srcOrd="1" destOrd="0" parTransId="{17AC7101-8587-49E1-8062-06B18423A11C}" sibTransId="{C15E0D35-8EE1-43BE-99E2-026621475164}"/>
-    <dgm:cxn modelId="{FFEBB1A7-4574-4D8F-BDE4-B687D415FB8A}" srcId="{EF1B1446-69BC-47C4-8514-F150AA28F0EA}" destId="{C22126E4-D9D6-4406-A97E-8721897B7987}" srcOrd="0" destOrd="0" parTransId="{15D43299-0801-4844-A658-D850E193BD3D}" sibTransId="{482582C1-E0E5-485A-B66A-91E58EE6C971}"/>
-    <dgm:cxn modelId="{71545CF0-566C-4C30-BEF2-EB1AF8B6747C}" srcId="{86B8F369-2BAD-44A2-B061-A58F77A3D914}" destId="{F30F06E4-DC9C-4F09-ADAB-0A909D4BB14D}" srcOrd="0" destOrd="0" parTransId="{F73A12B3-C849-420B-978A-C2E42D7C7834}" sibTransId="{66928491-A25A-4754-8622-7431AE382D31}"/>
-    <dgm:cxn modelId="{CA5079AA-19BF-40ED-BE5A-F56E59647B37}" srcId="{81D1BB8B-FAA6-4D95-9961-8D6FAA4CE46E}" destId="{FF8DEC90-0BB5-4CC5-B690-76CE4C123E1A}" srcOrd="0" destOrd="0" parTransId="{1F5C6231-86D9-4E19-8845-56D2221D5474}" sibTransId="{F38A8B1D-D1B7-4CB8-8223-9A37A9884A8F}"/>
+    <dgm:cxn modelId="{EA60E505-4B26-4BC5-A132-A1C5A3B167B4}" type="presOf" srcId="{81D1BB8B-FAA6-4D95-9961-8D6FAA4CE46E}" destId="{B107831F-CEBB-41D5-95CB-0396851292DD}" srcOrd="0" destOrd="0" presId="urn:microsoft.com/office/officeart/2005/8/layout/chevronAccent+Icon"/>
+    <dgm:cxn modelId="{3C561A1E-D16C-4848-A12F-509C6BA03CB3}" type="presOf" srcId="{ED1CF0BA-E2DE-4DA7-946A-14214A8680F9}" destId="{58A6145A-6296-47E3-BC97-C07C29E364BC}" srcOrd="0" destOrd="3" presId="urn:microsoft.com/office/officeart/2005/8/layout/chevronAccent+Icon"/>
+    <dgm:cxn modelId="{23315F2E-1438-493A-B0F0-47AFBD37827F}" type="presOf" srcId="{78939EBB-1C96-4E36-B0FE-829E192333B6}" destId="{2038D8A7-44D1-4F6C-96B1-E9C5DB2ECD20}" srcOrd="0" destOrd="3" presId="urn:microsoft.com/office/officeart/2005/8/layout/chevronAccent+Icon"/>
+    <dgm:cxn modelId="{D4C0733D-68A9-4B86-AC7B-AD40D4D60DF6}" srcId="{260ED0EC-3CE0-4CED-A9DE-21D7404BDCD0}" destId="{EF1B1446-69BC-47C4-8514-F150AA28F0EA}" srcOrd="0" destOrd="0" parTransId="{7C22C5F4-35E8-4AD7-8731-9D394C041A22}" sibTransId="{7F856221-4F2B-4CA4-B600-9543E5A308DE}"/>
+    <dgm:cxn modelId="{F8929C62-CF7A-466B-9A8C-05B721052F36}" srcId="{86B8F369-2BAD-44A2-B061-A58F77A3D914}" destId="{ED1CF0BA-E2DE-4DA7-946A-14214A8680F9}" srcOrd="2" destOrd="0" parTransId="{8CA5FFB9-6664-4FA8-813A-395D0BC99AA5}" sibTransId="{80BE054C-6C31-48B2-A46A-7273F69CC5A5}"/>
     <dgm:cxn modelId="{F60B8966-7C8C-4407-A0C3-6E3925D16A82}" type="presOf" srcId="{F30F06E4-DC9C-4F09-ADAB-0A909D4BB14D}" destId="{58A6145A-6296-47E3-BC97-C07C29E364BC}" srcOrd="0" destOrd="1" presId="urn:microsoft.com/office/officeart/2005/8/layout/chevronAccent+Icon"/>
-    <dgm:cxn modelId="{3C561A1E-D16C-4848-A12F-509C6BA03CB3}" type="presOf" srcId="{ED1CF0BA-E2DE-4DA7-946A-14214A8680F9}" destId="{58A6145A-6296-47E3-BC97-C07C29E364BC}" srcOrd="0" destOrd="3" presId="urn:microsoft.com/office/officeart/2005/8/layout/chevronAccent+Icon"/>
     <dgm:cxn modelId="{7B2A5F76-A6DB-4AB4-BAE4-A6976238A83F}" type="presOf" srcId="{EF1B1446-69BC-47C4-8514-F150AA28F0EA}" destId="{2038D8A7-44D1-4F6C-96B1-E9C5DB2ECD20}" srcOrd="0" destOrd="0" presId="urn:microsoft.com/office/officeart/2005/8/layout/chevronAccent+Icon"/>
     <dgm:cxn modelId="{6C1CF68E-7E78-40D5-8D7E-F72754F60CEF}" type="presOf" srcId="{4A9D639A-18EB-43A3-9E6C-966481711B33}" destId="{2038D8A7-44D1-4F6C-96B1-E9C5DB2ECD20}" srcOrd="0" destOrd="2" presId="urn:microsoft.com/office/officeart/2005/8/layout/chevronAccent+Icon"/>
-    <dgm:cxn modelId="{F8929C62-CF7A-466B-9A8C-05B721052F36}" srcId="{86B8F369-2BAD-44A2-B061-A58F77A3D914}" destId="{ED1CF0BA-E2DE-4DA7-946A-14214A8680F9}" srcOrd="2" destOrd="0" parTransId="{8CA5FFB9-6664-4FA8-813A-395D0BC99AA5}" sibTransId="{80BE054C-6C31-48B2-A46A-7273F69CC5A5}"/>
-    <dgm:cxn modelId="{D4C0733D-68A9-4B86-AC7B-AD40D4D60DF6}" srcId="{260ED0EC-3CE0-4CED-A9DE-21D7404BDCD0}" destId="{EF1B1446-69BC-47C4-8514-F150AA28F0EA}" srcOrd="0" destOrd="0" parTransId="{7C22C5F4-35E8-4AD7-8731-9D394C041A22}" sibTransId="{7F856221-4F2B-4CA4-B600-9543E5A308DE}"/>
-    <dgm:cxn modelId="{CC1B06E5-17F1-4AB9-A456-5A0AE6E4F5FE}" type="presOf" srcId="{260ED0EC-3CE0-4CED-A9DE-21D7404BDCD0}" destId="{7D301E9D-EBE8-4637-A01D-BB538FC5E50B}" srcOrd="0" destOrd="0" presId="urn:microsoft.com/office/officeart/2005/8/layout/chevronAccent+Icon"/>
+    <dgm:cxn modelId="{854D128F-8789-413A-A294-715FABDD1119}" srcId="{EF1B1446-69BC-47C4-8514-F150AA28F0EA}" destId="{4A9D639A-18EB-43A3-9E6C-966481711B33}" srcOrd="1" destOrd="0" parTransId="{7F968EA3-C2C9-47DF-945E-1A6F1E259885}" sibTransId="{F9550CE1-1AE7-485B-BC91-02771481EFF6}"/>
+    <dgm:cxn modelId="{24D3B892-5992-45F1-9BF6-7EC3C08C4476}" type="presOf" srcId="{86B8F369-2BAD-44A2-B061-A58F77A3D914}" destId="{58A6145A-6296-47E3-BC97-C07C29E364BC}" srcOrd="0" destOrd="0" presId="urn:microsoft.com/office/officeart/2005/8/layout/chevronAccent+Icon"/>
+    <dgm:cxn modelId="{FFEBB1A7-4574-4D8F-BDE4-B687D415FB8A}" srcId="{EF1B1446-69BC-47C4-8514-F150AA28F0EA}" destId="{C22126E4-D9D6-4406-A97E-8721897B7987}" srcOrd="0" destOrd="0" parTransId="{15D43299-0801-4844-A658-D850E193BD3D}" sibTransId="{482582C1-E0E5-485A-B66A-91E58EE6C971}"/>
+    <dgm:cxn modelId="{CA5079AA-19BF-40ED-BE5A-F56E59647B37}" srcId="{81D1BB8B-FAA6-4D95-9961-8D6FAA4CE46E}" destId="{FF8DEC90-0BB5-4CC5-B690-76CE4C123E1A}" srcOrd="0" destOrd="0" parTransId="{1F5C6231-86D9-4E19-8845-56D2221D5474}" sibTransId="{F38A8B1D-D1B7-4CB8-8223-9A37A9884A8F}"/>
     <dgm:cxn modelId="{940607AB-4675-4257-9C0D-80C7D67DAB18}" srcId="{260ED0EC-3CE0-4CED-A9DE-21D7404BDCD0}" destId="{81D1BB8B-FAA6-4D95-9961-8D6FAA4CE46E}" srcOrd="2" destOrd="0" parTransId="{370B0C6A-D786-4B69-B009-B7650CAD43ED}" sibTransId="{41B71C27-8B5C-40A4-8634-7AC27047E0E4}"/>
-    <dgm:cxn modelId="{23315F2E-1438-493A-B0F0-47AFBD37827F}" type="presOf" srcId="{78939EBB-1C96-4E36-B0FE-829E192333B6}" destId="{2038D8A7-44D1-4F6C-96B1-E9C5DB2ECD20}" srcOrd="0" destOrd="3" presId="urn:microsoft.com/office/officeart/2005/8/layout/chevronAccent+Icon"/>
-    <dgm:cxn modelId="{24D3B892-5992-45F1-9BF6-7EC3C08C4476}" type="presOf" srcId="{86B8F369-2BAD-44A2-B061-A58F77A3D914}" destId="{58A6145A-6296-47E3-BC97-C07C29E364BC}" srcOrd="0" destOrd="0" presId="urn:microsoft.com/office/officeart/2005/8/layout/chevronAccent+Icon"/>
-    <dgm:cxn modelId="{EA60E505-4B26-4BC5-A132-A1C5A3B167B4}" type="presOf" srcId="{81D1BB8B-FAA6-4D95-9961-8D6FAA4CE46E}" destId="{B107831F-CEBB-41D5-95CB-0396851292DD}" srcOrd="0" destOrd="0" presId="urn:microsoft.com/office/officeart/2005/8/layout/chevronAccent+Icon"/>
-    <dgm:cxn modelId="{854D128F-8789-413A-A294-715FABDD1119}" srcId="{EF1B1446-69BC-47C4-8514-F150AA28F0EA}" destId="{4A9D639A-18EB-43A3-9E6C-966481711B33}" srcOrd="1" destOrd="0" parTransId="{7F968EA3-C2C9-47DF-945E-1A6F1E259885}" sibTransId="{F9550CE1-1AE7-485B-BC91-02771481EFF6}"/>
+    <dgm:cxn modelId="{89754CB2-798E-4FF8-91A4-6433A8F09D0E}" type="presOf" srcId="{31E364CA-B981-4057-A779-A996CA2F34B2}" destId="{58A6145A-6296-47E3-BC97-C07C29E364BC}" srcOrd="0" destOrd="2" presId="urn:microsoft.com/office/officeart/2005/8/layout/chevronAccent+Icon"/>
     <dgm:cxn modelId="{407E0AC5-EA5E-4C56-8632-700DD14F3FC2}" srcId="{EF1B1446-69BC-47C4-8514-F150AA28F0EA}" destId="{78939EBB-1C96-4E36-B0FE-829E192333B6}" srcOrd="2" destOrd="0" parTransId="{3FD27A03-F7A2-431E-97D5-04010645A050}" sibTransId="{B2D72634-189B-483C-965D-2E37C9A85657}"/>
     <dgm:cxn modelId="{E2F960E4-743C-4ECB-B80A-F721AFE7E072}" type="presOf" srcId="{FF8DEC90-0BB5-4CC5-B690-76CE4C123E1A}" destId="{B107831F-CEBB-41D5-95CB-0396851292DD}" srcOrd="0" destOrd="1" presId="urn:microsoft.com/office/officeart/2005/8/layout/chevronAccent+Icon"/>
+    <dgm:cxn modelId="{CC1B06E5-17F1-4AB9-A456-5A0AE6E4F5FE}" type="presOf" srcId="{260ED0EC-3CE0-4CED-A9DE-21D7404BDCD0}" destId="{7D301E9D-EBE8-4637-A01D-BB538FC5E50B}" srcOrd="0" destOrd="0" presId="urn:microsoft.com/office/officeart/2005/8/layout/chevronAccent+Icon"/>
+    <dgm:cxn modelId="{CDA9D7E9-97D4-4E02-9257-FD7463CBF676}" srcId="{86B8F369-2BAD-44A2-B061-A58F77A3D914}" destId="{31E364CA-B981-4057-A779-A996CA2F34B2}" srcOrd="1" destOrd="0" parTransId="{0426EFB4-46D2-40AE-9C56-D1D4B923FDE6}" sibTransId="{A155A401-493D-4ACE-B747-12CE40125C05}"/>
+    <dgm:cxn modelId="{71545CF0-566C-4C30-BEF2-EB1AF8B6747C}" srcId="{86B8F369-2BAD-44A2-B061-A58F77A3D914}" destId="{F30F06E4-DC9C-4F09-ADAB-0A909D4BB14D}" srcOrd="0" destOrd="0" parTransId="{F73A12B3-C849-420B-978A-C2E42D7C7834}" sibTransId="{66928491-A25A-4754-8622-7431AE382D31}"/>
     <dgm:cxn modelId="{0E023CB3-98AE-4B85-9551-431FA1AD5DA3}" type="presParOf" srcId="{7D301E9D-EBE8-4637-A01D-BB538FC5E50B}" destId="{8D36B8EE-95BD-42E9-97E4-C76FF1BEC880}" srcOrd="0" destOrd="0" presId="urn:microsoft.com/office/officeart/2005/8/layout/chevronAccent+Icon"/>
     <dgm:cxn modelId="{C74D6C2B-9426-4A43-8A6F-8D7A324726A4}" type="presParOf" srcId="{8D36B8EE-95BD-42E9-97E4-C76FF1BEC880}" destId="{3B66FC59-1B17-4256-BC4A-69EBCA3E6787}" srcOrd="0" destOrd="0" presId="urn:microsoft.com/office/officeart/2005/8/layout/chevronAccent+Icon"/>
     <dgm:cxn modelId="{7AE9414F-E5CB-4CBA-BC6F-6EA12785ECB4}" type="presParOf" srcId="{8D36B8EE-95BD-42E9-97E4-C76FF1BEC880}" destId="{2038D8A7-44D1-4F6C-96B1-E9C5DB2ECD20}" srcOrd="1" destOrd="0" presId="urn:microsoft.com/office/officeart/2005/8/layout/chevronAccent+Icon"/>
@@ -2143,7 +2106,7 @@
   <dgm:whole/>
   <dgm:extLst>
     <a:ext uri="http://schemas.microsoft.com/office/drawing/2008/diagram">
-      <dsp:dataModelExt xmlns:dsp="http://schemas.microsoft.com/office/drawing/2008/diagram" relId="rId6" minVer="http://schemas.openxmlformats.org/drawingml/2006/diagram"/>
+      <dsp:dataModelExt xmlns:dsp="http://schemas.microsoft.com/office/drawing/2008/diagram" relId="rId7" minVer="http://schemas.openxmlformats.org/drawingml/2006/diagram"/>
     </a:ext>
   </dgm:extLst>
 </dgm:dataModel>
@@ -2179,10 +2142,9 @@
         <a:p>
           <a:pPr algn="l"/>
           <a:r>
-            <a:rPr lang="en-US" dirty="0" smtClean="0"/>
+            <a:rPr lang="en-US" dirty="0"/>
             <a:t>Idle time and Trip duration are higher in the morning due to peak hours and lack of flights</a:t>
           </a:r>
-          <a:endParaRPr lang="en-US" dirty="0"/>
         </a:p>
       </dgm:t>
     </dgm:pt>
@@ -2223,10 +2185,9 @@
         <a:p>
           <a:pPr algn="l"/>
           <a:r>
-            <a:rPr lang="en-US" dirty="0" smtClean="0"/>
+            <a:rPr lang="en-US" dirty="0"/>
             <a:t>Higher cancellations</a:t>
           </a:r>
-          <a:endParaRPr lang="en-US" dirty="0"/>
         </a:p>
       </dgm:t>
     </dgm:pt>
@@ -2268,10 +2229,9 @@
         <a:p>
           <a:pPr algn="l"/>
           <a:r>
-            <a:rPr lang="en-US" dirty="0" smtClean="0"/>
+            <a:rPr lang="en-US" dirty="0"/>
             <a:t>Evening, Night and late night cars availability at airport is an issue because drivers are moving towards city</a:t>
           </a:r>
-          <a:endParaRPr lang="en-US" dirty="0"/>
         </a:p>
       </dgm:t>
     </dgm:pt>
@@ -2312,10 +2272,9 @@
         <a:p>
           <a:pPr algn="l"/>
           <a:r>
-            <a:rPr lang="en-US" dirty="0" smtClean="0"/>
+            <a:rPr lang="en-US" dirty="0"/>
             <a:t>Huge supply demand gap at airports</a:t>
           </a:r>
-          <a:endParaRPr lang="en-US" dirty="0"/>
         </a:p>
       </dgm:t>
     </dgm:pt>
@@ -2356,25 +2315,24 @@
         <a:p>
           <a:pPr algn="ctr"/>
           <a:r>
-            <a:rPr lang="en-US" sz="1600" b="1" u="sng" dirty="0" smtClean="0"/>
+            <a:rPr lang="en-US" sz="1600" b="1" u="sng" dirty="0"/>
             <a:t>Recommendations</a:t>
           </a:r>
-          <a:endParaRPr lang="en-US" sz="1500" b="1" u="sng" dirty="0" smtClean="0"/>
+          <a:endParaRPr lang="en-US" sz="1500" b="1" u="sng" dirty="0"/>
         </a:p>
         <a:p>
           <a:pPr algn="l"/>
           <a:r>
-            <a:rPr lang="en-US" sz="1500" dirty="0" smtClean="0"/>
+            <a:rPr lang="en-US" sz="1500" dirty="0"/>
             <a:t>1) Idle time needs to be solved by incentivizing the drivers who wait at airport</a:t>
           </a:r>
         </a:p>
         <a:p>
           <a:pPr algn="l"/>
           <a:r>
-            <a:rPr lang="en-US" sz="1500" dirty="0" smtClean="0"/>
+            <a:rPr lang="en-US" sz="1500" dirty="0"/>
             <a:t>2) Dedicate airport cabs with bit premium rates could be made available from airport during Evening, night and late night hours</a:t>
           </a:r>
-          <a:endParaRPr lang="en-US" sz="1500" dirty="0"/>
         </a:p>
       </dgm:t>
     </dgm:pt>
@@ -2408,13 +2366,6 @@
         </dgm:presLayoutVars>
       </dgm:prSet>
       <dgm:spPr/>
-      <dgm:t>
-        <a:bodyPr/>
-        <a:lstStyle/>
-        <a:p>
-          <a:endParaRPr lang="en-US"/>
-        </a:p>
-      </dgm:t>
     </dgm:pt>
     <dgm:pt modelId="{5754AB50-5138-46A7-BC39-0EBB17175FDF}" type="pres">
       <dgm:prSet presAssocID="{174B8CC8-94C2-40B2-8B16-226A635FDB2E}" presName="node" presStyleLbl="node1" presStyleIdx="0" presStyleCnt="5">
@@ -2423,13 +2374,6 @@
         </dgm:presLayoutVars>
       </dgm:prSet>
       <dgm:spPr/>
-      <dgm:t>
-        <a:bodyPr/>
-        <a:lstStyle/>
-        <a:p>
-          <a:endParaRPr lang="en-US"/>
-        </a:p>
-      </dgm:t>
     </dgm:pt>
     <dgm:pt modelId="{91FAAA92-CFFD-4A17-9BDE-C2F2F93833D8}" type="pres">
       <dgm:prSet presAssocID="{AD8CC473-C8FB-40CF-AE2F-4DC96737587F}" presName="sibTrans" presStyleCnt="0"/>
@@ -2442,13 +2386,6 @@
         </dgm:presLayoutVars>
       </dgm:prSet>
       <dgm:spPr/>
-      <dgm:t>
-        <a:bodyPr/>
-        <a:lstStyle/>
-        <a:p>
-          <a:endParaRPr lang="en-US"/>
-        </a:p>
-      </dgm:t>
     </dgm:pt>
     <dgm:pt modelId="{ABAA7878-B847-4D4B-95D1-267AACAF39B3}" type="pres">
       <dgm:prSet presAssocID="{5AB5BABC-897C-450F-9521-43B086FCB8AC}" presName="sibTrans" presStyleCnt="0"/>
@@ -2461,13 +2398,6 @@
         </dgm:presLayoutVars>
       </dgm:prSet>
       <dgm:spPr/>
-      <dgm:t>
-        <a:bodyPr/>
-        <a:lstStyle/>
-        <a:p>
-          <a:endParaRPr lang="en-US"/>
-        </a:p>
-      </dgm:t>
     </dgm:pt>
     <dgm:pt modelId="{792753AE-53A2-4D03-B393-8599116D964A}" type="pres">
       <dgm:prSet presAssocID="{EAE8AC85-36E8-4A1A-9D8A-DED9FEF958B7}" presName="sibTrans" presStyleCnt="0"/>
@@ -2480,13 +2410,6 @@
         </dgm:presLayoutVars>
       </dgm:prSet>
       <dgm:spPr/>
-      <dgm:t>
-        <a:bodyPr/>
-        <a:lstStyle/>
-        <a:p>
-          <a:endParaRPr lang="en-US"/>
-        </a:p>
-      </dgm:t>
     </dgm:pt>
     <dgm:pt modelId="{8D739B1B-1B2D-41F5-868E-32BB1D1D212A}" type="pres">
       <dgm:prSet presAssocID="{A54F562E-A39F-44A7-AB3E-F5142D8E4C86}" presName="sibTrans" presStyleCnt="0"/>
@@ -2499,27 +2422,20 @@
         </dgm:presLayoutVars>
       </dgm:prSet>
       <dgm:spPr/>
-      <dgm:t>
-        <a:bodyPr/>
-        <a:lstStyle/>
-        <a:p>
-          <a:endParaRPr lang="en-US"/>
-        </a:p>
-      </dgm:t>
     </dgm:pt>
   </dgm:ptLst>
   <dgm:cxnLst>
+    <dgm:cxn modelId="{69FF5B19-2C17-49C7-818B-06F4E8CCB19F}" srcId="{DC041154-F0B5-4CBD-A6DD-E0EFB8D014E4}" destId="{79299D3B-EE87-40C6-830C-068B540B7E07}" srcOrd="1" destOrd="0" parTransId="{8080858D-49E0-4698-B567-0FAB52965F9A}" sibTransId="{5AB5BABC-897C-450F-9521-43B086FCB8AC}"/>
+    <dgm:cxn modelId="{FEFC195D-7D82-4279-91D7-F2EE6263D475}" srcId="{DC041154-F0B5-4CBD-A6DD-E0EFB8D014E4}" destId="{8A48A12A-C404-4020-824E-D49F89E14C71}" srcOrd="4" destOrd="0" parTransId="{58EE057A-5814-47FB-A983-1A71B5DF6146}" sibTransId="{88FC3478-113E-4C59-853B-80F01AF6397E}"/>
+    <dgm:cxn modelId="{9B390E42-FB9A-45DC-9BDB-0570FB572F73}" type="presOf" srcId="{DC041154-F0B5-4CBD-A6DD-E0EFB8D014E4}" destId="{0B13829F-2664-40EA-9E51-82B319FC310B}" srcOrd="0" destOrd="0" presId="urn:microsoft.com/office/officeart/2005/8/layout/default"/>
+    <dgm:cxn modelId="{A572336C-6DF6-40D8-AF93-030A5E337995}" type="presOf" srcId="{665B8820-E5D6-4421-A892-5BC573708853}" destId="{13E42E5F-4EB9-4DD4-A050-E1CF14CA3B85}" srcOrd="0" destOrd="0" presId="urn:microsoft.com/office/officeart/2005/8/layout/default"/>
+    <dgm:cxn modelId="{ABC3AC4C-66DF-4464-9ADE-9E9894D91A0A}" type="presOf" srcId="{8A48A12A-C404-4020-824E-D49F89E14C71}" destId="{44D47586-5AE1-4FC3-B194-168E1BD7FB2A}" srcOrd="0" destOrd="0" presId="urn:microsoft.com/office/officeart/2005/8/layout/default"/>
+    <dgm:cxn modelId="{A349FC8A-7633-444E-8E30-28600BE81252}" srcId="{DC041154-F0B5-4CBD-A6DD-E0EFB8D014E4}" destId="{665B8820-E5D6-4421-A892-5BC573708853}" srcOrd="3" destOrd="0" parTransId="{2DB81970-C5DD-4AE2-86EC-33039910C0CB}" sibTransId="{A54F562E-A39F-44A7-AB3E-F5142D8E4C86}"/>
+    <dgm:cxn modelId="{FA9D9C92-8C52-46C0-A11A-FD19B1084A86}" type="presOf" srcId="{174B8CC8-94C2-40B2-8B16-226A635FDB2E}" destId="{5754AB50-5138-46A7-BC39-0EBB17175FDF}" srcOrd="0" destOrd="0" presId="urn:microsoft.com/office/officeart/2005/8/layout/default"/>
+    <dgm:cxn modelId="{0A235294-CA4D-491B-9C48-B95E4967D986}" type="presOf" srcId="{6571444D-1E06-44E8-ABF4-5EC377577174}" destId="{A5AABAE6-CC5D-4404-92AE-8BE2E3E60A76}" srcOrd="0" destOrd="0" presId="urn:microsoft.com/office/officeart/2005/8/layout/default"/>
     <dgm:cxn modelId="{F69D03B9-A598-4C25-A351-2197B1D12AC0}" srcId="{DC041154-F0B5-4CBD-A6DD-E0EFB8D014E4}" destId="{174B8CC8-94C2-40B2-8B16-226A635FDB2E}" srcOrd="0" destOrd="0" parTransId="{6D17835A-FE69-4A43-94A1-A0BAAA172FC5}" sibTransId="{AD8CC473-C8FB-40CF-AE2F-4DC96737587F}"/>
-    <dgm:cxn modelId="{0A235294-CA4D-491B-9C48-B95E4967D986}" type="presOf" srcId="{6571444D-1E06-44E8-ABF4-5EC377577174}" destId="{A5AABAE6-CC5D-4404-92AE-8BE2E3E60A76}" srcOrd="0" destOrd="0" presId="urn:microsoft.com/office/officeart/2005/8/layout/default"/>
-    <dgm:cxn modelId="{A572336C-6DF6-40D8-AF93-030A5E337995}" type="presOf" srcId="{665B8820-E5D6-4421-A892-5BC573708853}" destId="{13E42E5F-4EB9-4DD4-A050-E1CF14CA3B85}" srcOrd="0" destOrd="0" presId="urn:microsoft.com/office/officeart/2005/8/layout/default"/>
+    <dgm:cxn modelId="{8F1622E0-5B5E-4AD2-85FB-518D064A8F42}" type="presOf" srcId="{79299D3B-EE87-40C6-830C-068B540B7E07}" destId="{7D36522F-69F4-4621-8D51-D2DC07DBF2E6}" srcOrd="0" destOrd="0" presId="urn:microsoft.com/office/officeart/2005/8/layout/default"/>
     <dgm:cxn modelId="{6EA343EB-4CD3-49DA-8205-50744B566761}" srcId="{DC041154-F0B5-4CBD-A6DD-E0EFB8D014E4}" destId="{6571444D-1E06-44E8-ABF4-5EC377577174}" srcOrd="2" destOrd="0" parTransId="{F3B846BD-3D51-4CC2-B0D9-F5ADB274E2A0}" sibTransId="{EAE8AC85-36E8-4A1A-9D8A-DED9FEF958B7}"/>
-    <dgm:cxn modelId="{8F1622E0-5B5E-4AD2-85FB-518D064A8F42}" type="presOf" srcId="{79299D3B-EE87-40C6-830C-068B540B7E07}" destId="{7D36522F-69F4-4621-8D51-D2DC07DBF2E6}" srcOrd="0" destOrd="0" presId="urn:microsoft.com/office/officeart/2005/8/layout/default"/>
-    <dgm:cxn modelId="{ABC3AC4C-66DF-4464-9ADE-9E9894D91A0A}" type="presOf" srcId="{8A48A12A-C404-4020-824E-D49F89E14C71}" destId="{44D47586-5AE1-4FC3-B194-168E1BD7FB2A}" srcOrd="0" destOrd="0" presId="urn:microsoft.com/office/officeart/2005/8/layout/default"/>
-    <dgm:cxn modelId="{FEFC195D-7D82-4279-91D7-F2EE6263D475}" srcId="{DC041154-F0B5-4CBD-A6DD-E0EFB8D014E4}" destId="{8A48A12A-C404-4020-824E-D49F89E14C71}" srcOrd="4" destOrd="0" parTransId="{58EE057A-5814-47FB-A983-1A71B5DF6146}" sibTransId="{88FC3478-113E-4C59-853B-80F01AF6397E}"/>
-    <dgm:cxn modelId="{FA9D9C92-8C52-46C0-A11A-FD19B1084A86}" type="presOf" srcId="{174B8CC8-94C2-40B2-8B16-226A635FDB2E}" destId="{5754AB50-5138-46A7-BC39-0EBB17175FDF}" srcOrd="0" destOrd="0" presId="urn:microsoft.com/office/officeart/2005/8/layout/default"/>
-    <dgm:cxn modelId="{9B390E42-FB9A-45DC-9BDB-0570FB572F73}" type="presOf" srcId="{DC041154-F0B5-4CBD-A6DD-E0EFB8D014E4}" destId="{0B13829F-2664-40EA-9E51-82B319FC310B}" srcOrd="0" destOrd="0" presId="urn:microsoft.com/office/officeart/2005/8/layout/default"/>
-    <dgm:cxn modelId="{69FF5B19-2C17-49C7-818B-06F4E8CCB19F}" srcId="{DC041154-F0B5-4CBD-A6DD-E0EFB8D014E4}" destId="{79299D3B-EE87-40C6-830C-068B540B7E07}" srcOrd="1" destOrd="0" parTransId="{8080858D-49E0-4698-B567-0FAB52965F9A}" sibTransId="{5AB5BABC-897C-450F-9521-43B086FCB8AC}"/>
-    <dgm:cxn modelId="{A349FC8A-7633-444E-8E30-28600BE81252}" srcId="{DC041154-F0B5-4CBD-A6DD-E0EFB8D014E4}" destId="{665B8820-E5D6-4421-A892-5BC573708853}" srcOrd="3" destOrd="0" parTransId="{2DB81970-C5DD-4AE2-86EC-33039910C0CB}" sibTransId="{A54F562E-A39F-44A7-AB3E-F5142D8E4C86}"/>
     <dgm:cxn modelId="{8278575B-B113-4B1E-9796-C9CB89F4726F}" type="presParOf" srcId="{0B13829F-2664-40EA-9E51-82B319FC310B}" destId="{5754AB50-5138-46A7-BC39-0EBB17175FDF}" srcOrd="0" destOrd="0" presId="urn:microsoft.com/office/officeart/2005/8/layout/default"/>
     <dgm:cxn modelId="{4D2CDA41-E2ED-47C6-ABD6-8A6C43EAD703}" type="presParOf" srcId="{0B13829F-2664-40EA-9E51-82B319FC310B}" destId="{91FAAA92-CFFD-4A17-9BDE-C2F2F93833D8}" srcOrd="1" destOrd="0" presId="urn:microsoft.com/office/officeart/2005/8/layout/default"/>
     <dgm:cxn modelId="{50A24BAF-7751-4C1D-ABEF-5B5685EFA2DD}" type="presParOf" srcId="{0B13829F-2664-40EA-9E51-82B319FC310B}" destId="{7D36522F-69F4-4621-8D51-D2DC07DBF2E6}" srcOrd="2" destOrd="0" presId="urn:microsoft.com/office/officeart/2005/8/layout/default"/>
@@ -2656,7 +2572,7 @@
         </a:bodyPr>
         <a:lstStyle/>
         <a:p>
-          <a:pPr lvl="0" algn="l" defTabSz="889000">
+          <a:pPr marL="0" lvl="0" indent="0" algn="l" defTabSz="889000">
             <a:lnSpc>
               <a:spcPct val="90000"/>
             </a:lnSpc>
@@ -2666,12 +2582,12 @@
             <a:spcAft>
               <a:spcPct val="35000"/>
             </a:spcAft>
+            <a:buNone/>
           </a:pPr>
           <a:r>
-            <a:rPr lang="en-US" sz="2000" kern="1200" dirty="0" smtClean="0"/>
+            <a:rPr lang="en-US" sz="2000" kern="1200" dirty="0"/>
             <a:t>Available column</a:t>
           </a:r>
-          <a:endParaRPr lang="en-US" sz="2000" kern="1200" dirty="0"/>
         </a:p>
         <a:p>
           <a:pPr marL="114300" lvl="1" indent="-114300" algn="l" defTabSz="622300">
@@ -2684,13 +2600,12 @@
             <a:spcAft>
               <a:spcPct val="15000"/>
             </a:spcAft>
-            <a:buChar char="••"/>
+            <a:buChar char="•"/>
           </a:pPr>
           <a:r>
-            <a:rPr lang="en-US" sz="1400" kern="1200" dirty="0" smtClean="0"/>
+            <a:rPr lang="en-US" sz="1400" kern="1200" dirty="0"/>
             <a:t>DTI</a:t>
           </a:r>
-          <a:endParaRPr lang="en-US" sz="1400" kern="1200" dirty="0"/>
         </a:p>
         <a:p>
           <a:pPr marL="114300" lvl="1" indent="-114300" algn="l" defTabSz="622300">
@@ -2703,13 +2618,12 @@
             <a:spcAft>
               <a:spcPct val="15000"/>
             </a:spcAft>
-            <a:buChar char="••"/>
+            <a:buChar char="•"/>
           </a:pPr>
           <a:r>
-            <a:rPr lang="en-US" sz="1400" kern="1200" dirty="0" smtClean="0"/>
+            <a:rPr lang="en-US" sz="1400" kern="1200" dirty="0"/>
             <a:t>Revolving Utilization</a:t>
           </a:r>
-          <a:endParaRPr lang="en-US" sz="1400" kern="1200" dirty="0"/>
         </a:p>
         <a:p>
           <a:pPr marL="114300" lvl="1" indent="-114300" algn="l" defTabSz="622300">
@@ -2722,13 +2636,12 @@
             <a:spcAft>
               <a:spcPct val="15000"/>
             </a:spcAft>
-            <a:buChar char="••"/>
+            <a:buChar char="•"/>
           </a:pPr>
           <a:r>
-            <a:rPr lang="en-US" sz="1400" kern="1200" dirty="0" smtClean="0"/>
+            <a:rPr lang="en-US" sz="1400" kern="1200" dirty="0"/>
             <a:t>Interest rate</a:t>
           </a:r>
-          <a:endParaRPr lang="en-US" sz="1400" kern="1200" dirty="0"/>
         </a:p>
       </dsp:txBody>
       <dsp:txXfrm>
@@ -2844,7 +2757,7 @@
         </a:bodyPr>
         <a:lstStyle/>
         <a:p>
-          <a:pPr lvl="0" algn="l" defTabSz="800100">
+          <a:pPr marL="0" lvl="0" indent="0" algn="l" defTabSz="800100">
             <a:lnSpc>
               <a:spcPct val="90000"/>
             </a:lnSpc>
@@ -2854,12 +2767,12 @@
             <a:spcAft>
               <a:spcPct val="35000"/>
             </a:spcAft>
+            <a:buNone/>
           </a:pPr>
           <a:r>
-            <a:rPr lang="en-US" sz="1800" kern="1200" dirty="0" smtClean="0"/>
+            <a:rPr lang="en-US" sz="1800" kern="1200" dirty="0"/>
             <a:t>Derived Columns</a:t>
           </a:r>
-          <a:endParaRPr lang="en-US" sz="1800" kern="1200" dirty="0"/>
         </a:p>
         <a:p>
           <a:pPr marL="114300" lvl="1" indent="-114300" algn="l" defTabSz="622300">
@@ -2872,13 +2785,12 @@
             <a:spcAft>
               <a:spcPct val="15000"/>
             </a:spcAft>
-            <a:buChar char="••"/>
+            <a:buChar char="•"/>
           </a:pPr>
           <a:r>
-            <a:rPr lang="en-US" sz="1400" kern="1200" dirty="0" smtClean="0"/>
+            <a:rPr lang="en-US" sz="1400" kern="1200" dirty="0"/>
             <a:t>DTI Bin</a:t>
           </a:r>
-          <a:endParaRPr lang="en-US" sz="1400" kern="1200" dirty="0"/>
         </a:p>
         <a:p>
           <a:pPr marL="114300" lvl="1" indent="-114300" algn="l" defTabSz="622300">
@@ -2891,13 +2803,12 @@
             <a:spcAft>
               <a:spcPct val="15000"/>
             </a:spcAft>
-            <a:buChar char="••"/>
+            <a:buChar char="•"/>
           </a:pPr>
           <a:r>
-            <a:rPr lang="en-US" sz="1400" kern="1200" dirty="0" smtClean="0"/>
+            <a:rPr lang="en-US" sz="1400" kern="1200" dirty="0"/>
             <a:t>Revolving Utilization</a:t>
           </a:r>
-          <a:endParaRPr lang="en-US" sz="1400" kern="1200" dirty="0"/>
         </a:p>
         <a:p>
           <a:pPr marL="114300" lvl="1" indent="-114300" algn="l" defTabSz="622300">
@@ -2910,13 +2821,12 @@
             <a:spcAft>
               <a:spcPct val="15000"/>
             </a:spcAft>
-            <a:buChar char="••"/>
+            <a:buChar char="•"/>
           </a:pPr>
           <a:r>
-            <a:rPr lang="en-US" sz="1400" kern="1200" dirty="0" smtClean="0"/>
+            <a:rPr lang="en-US" sz="1400" kern="1200" dirty="0"/>
             <a:t>Interest rate</a:t>
           </a:r>
-          <a:endParaRPr lang="en-US" sz="1400" kern="1200" dirty="0"/>
         </a:p>
       </dsp:txBody>
       <dsp:txXfrm>
@@ -3032,7 +2942,7 @@
         </a:bodyPr>
         <a:lstStyle/>
         <a:p>
-          <a:pPr lvl="0" algn="l" defTabSz="711200">
+          <a:pPr marL="0" lvl="0" indent="0" algn="l" defTabSz="711200">
             <a:lnSpc>
               <a:spcPct val="90000"/>
             </a:lnSpc>
@@ -3042,12 +2952,12 @@
             <a:spcAft>
               <a:spcPct val="35000"/>
             </a:spcAft>
+            <a:buNone/>
           </a:pPr>
           <a:r>
-            <a:rPr lang="en-US" sz="1600" kern="1200" dirty="0" smtClean="0"/>
+            <a:rPr lang="en-US" sz="1600" kern="1200" dirty="0"/>
             <a:t>Reason</a:t>
           </a:r>
-          <a:endParaRPr lang="en-US" sz="1600" kern="1200" dirty="0"/>
         </a:p>
         <a:p>
           <a:pPr marL="114300" lvl="1" indent="-114300" algn="l" defTabSz="533400">
@@ -3060,13 +2970,12 @@
             <a:spcAft>
               <a:spcPct val="15000"/>
             </a:spcAft>
-            <a:buChar char="••"/>
+            <a:buChar char="•"/>
           </a:pPr>
           <a:r>
-            <a:rPr lang="en-US" sz="1200" kern="1200" dirty="0" smtClean="0"/>
+            <a:rPr lang="en-US" sz="1200" kern="1200" dirty="0"/>
             <a:t>To understand patterns by specific categories</a:t>
           </a:r>
-          <a:endParaRPr lang="en-US" sz="1200" kern="1200" dirty="0"/>
         </a:p>
       </dsp:txBody>
       <dsp:txXfrm>
@@ -3139,7 +3048,7 @@
         </a:bodyPr>
         <a:lstStyle/>
         <a:p>
-          <a:pPr lvl="0" algn="l" defTabSz="1066800">
+          <a:pPr marL="0" lvl="0" indent="0" algn="l" defTabSz="1066800">
             <a:lnSpc>
               <a:spcPct val="90000"/>
             </a:lnSpc>
@@ -3149,12 +3058,12 @@
             <a:spcAft>
               <a:spcPct val="35000"/>
             </a:spcAft>
+            <a:buNone/>
           </a:pPr>
           <a:r>
-            <a:rPr lang="en-US" sz="2400" kern="1200" dirty="0" smtClean="0"/>
+            <a:rPr lang="en-US" sz="2400" kern="1200" dirty="0"/>
             <a:t>Idle time and Trip duration are higher in the morning due to peak hours and lack of flights</a:t>
           </a:r>
-          <a:endParaRPr lang="en-US" sz="2400" kern="1200" dirty="0"/>
         </a:p>
       </dsp:txBody>
       <dsp:txXfrm>
@@ -3214,7 +3123,7 @@
         </a:bodyPr>
         <a:lstStyle/>
         <a:p>
-          <a:pPr lvl="0" algn="l" defTabSz="1066800">
+          <a:pPr marL="0" lvl="0" indent="0" algn="l" defTabSz="1066800">
             <a:lnSpc>
               <a:spcPct val="90000"/>
             </a:lnSpc>
@@ -3224,12 +3133,12 @@
             <a:spcAft>
               <a:spcPct val="35000"/>
             </a:spcAft>
+            <a:buNone/>
           </a:pPr>
           <a:r>
-            <a:rPr lang="en-US" sz="2400" kern="1200" dirty="0" smtClean="0"/>
+            <a:rPr lang="en-US" sz="2400" kern="1200" dirty="0"/>
             <a:t>Higher cancellations</a:t>
           </a:r>
-          <a:endParaRPr lang="en-US" sz="2400" kern="1200" dirty="0"/>
         </a:p>
       </dsp:txBody>
       <dsp:txXfrm>
@@ -3290,7 +3199,7 @@
         </a:bodyPr>
         <a:lstStyle/>
         <a:p>
-          <a:pPr lvl="0" algn="l" defTabSz="1066800">
+          <a:pPr marL="0" lvl="0" indent="0" algn="l" defTabSz="1066800">
             <a:lnSpc>
               <a:spcPct val="90000"/>
             </a:lnSpc>
@@ -3300,12 +3209,12 @@
             <a:spcAft>
               <a:spcPct val="35000"/>
             </a:spcAft>
+            <a:buNone/>
           </a:pPr>
           <a:r>
-            <a:rPr lang="en-US" sz="2400" kern="1200" dirty="0" smtClean="0"/>
+            <a:rPr lang="en-US" sz="2400" kern="1200" dirty="0"/>
             <a:t>Evening, Night and late night cars availability at airport is an issue because drivers are moving towards city</a:t>
           </a:r>
-          <a:endParaRPr lang="en-US" sz="2400" kern="1200" dirty="0"/>
         </a:p>
       </dsp:txBody>
       <dsp:txXfrm>
@@ -3365,7 +3274,7 @@
         </a:bodyPr>
         <a:lstStyle/>
         <a:p>
-          <a:pPr lvl="0" algn="l" defTabSz="1066800">
+          <a:pPr marL="0" lvl="0" indent="0" algn="l" defTabSz="1066800">
             <a:lnSpc>
               <a:spcPct val="90000"/>
             </a:lnSpc>
@@ -3375,12 +3284,12 @@
             <a:spcAft>
               <a:spcPct val="35000"/>
             </a:spcAft>
+            <a:buNone/>
           </a:pPr>
           <a:r>
-            <a:rPr lang="en-US" sz="2400" kern="1200" dirty="0" smtClean="0"/>
+            <a:rPr lang="en-US" sz="2400" kern="1200" dirty="0"/>
             <a:t>Huge supply demand gap at airports</a:t>
           </a:r>
-          <a:endParaRPr lang="en-US" sz="2400" kern="1200" dirty="0"/>
         </a:p>
       </dsp:txBody>
       <dsp:txXfrm>
@@ -3440,7 +3349,7 @@
         </a:bodyPr>
         <a:lstStyle/>
         <a:p>
-          <a:pPr lvl="0" algn="ctr" defTabSz="711200">
+          <a:pPr marL="0" lvl="0" indent="0" algn="ctr" defTabSz="711200">
             <a:lnSpc>
               <a:spcPct val="90000"/>
             </a:lnSpc>
@@ -3450,15 +3359,16 @@
             <a:spcAft>
               <a:spcPct val="35000"/>
             </a:spcAft>
+            <a:buNone/>
           </a:pPr>
           <a:r>
-            <a:rPr lang="en-US" sz="1600" b="1" u="sng" kern="1200" dirty="0" smtClean="0"/>
+            <a:rPr lang="en-US" sz="1600" b="1" u="sng" kern="1200" dirty="0"/>
             <a:t>Recommendations</a:t>
           </a:r>
-          <a:endParaRPr lang="en-US" sz="1500" b="1" u="sng" kern="1200" dirty="0" smtClean="0"/>
+          <a:endParaRPr lang="en-US" sz="1500" b="1" u="sng" kern="1200" dirty="0"/>
         </a:p>
         <a:p>
-          <a:pPr lvl="0" algn="l" defTabSz="711200">
+          <a:pPr marL="0" lvl="0" indent="0" algn="l" defTabSz="711200">
             <a:lnSpc>
               <a:spcPct val="90000"/>
             </a:lnSpc>
@@ -3468,14 +3378,15 @@
             <a:spcAft>
               <a:spcPct val="35000"/>
             </a:spcAft>
+            <a:buNone/>
           </a:pPr>
           <a:r>
-            <a:rPr lang="en-US" sz="1500" kern="1200" dirty="0" smtClean="0"/>
+            <a:rPr lang="en-US" sz="1500" kern="1200" dirty="0"/>
             <a:t>1) Idle time needs to be solved by incentivizing the drivers who wait at airport</a:t>
           </a:r>
         </a:p>
         <a:p>
-          <a:pPr lvl="0" algn="l" defTabSz="711200">
+          <a:pPr marL="0" lvl="0" indent="0" algn="l" defTabSz="711200">
             <a:lnSpc>
               <a:spcPct val="90000"/>
             </a:lnSpc>
@@ -3485,12 +3396,12 @@
             <a:spcAft>
               <a:spcPct val="35000"/>
             </a:spcAft>
+            <a:buNone/>
           </a:pPr>
           <a:r>
-            <a:rPr lang="en-US" sz="1500" kern="1200" dirty="0" smtClean="0"/>
+            <a:rPr lang="en-US" sz="1500" kern="1200" dirty="0"/>
             <a:t>2) Dedicate airport cabs with bit premium rates could be made available from airport during Evening, night and late night hours</a:t>
           </a:r>
-          <a:endParaRPr lang="en-US" sz="1500" kern="1200" dirty="0"/>
         </a:p>
       </dsp:txBody>
       <dsp:txXfrm>
@@ -6226,6 +6137,203 @@
     </a:lvl9pPr>
   </p:notesStyle>
 </p:notesMaster>
+</file>
+
+<file path=ppt/notesSlides/notesSlide1.xml><?xml version="1.0" encoding="utf-8"?>
+<p:notes xmlns:a="http://schemas.openxmlformats.org/drawingml/2006/main" xmlns:r="http://schemas.openxmlformats.org/officeDocument/2006/relationships" xmlns:p="http://schemas.openxmlformats.org/presentationml/2006/main">
+  <p:cSld>
+    <p:spTree>
+      <p:nvGrpSpPr>
+        <p:cNvPr id="1" name=""/>
+        <p:cNvGrpSpPr/>
+        <p:nvPr/>
+      </p:nvGrpSpPr>
+      <p:grpSpPr>
+        <a:xfrm>
+          <a:off x="0" y="0"/>
+          <a:ext cx="0" cy="0"/>
+          <a:chOff x="0" y="0"/>
+          <a:chExt cx="0" cy="0"/>
+        </a:xfrm>
+      </p:grpSpPr>
+      <p:sp>
+        <p:nvSpPr>
+          <p:cNvPr id="2" name="Slide Image Placeholder 1"/>
+          <p:cNvSpPr>
+            <a:spLocks noGrp="1" noRot="1" noChangeAspect="1"/>
+          </p:cNvSpPr>
+          <p:nvPr>
+            <p:ph type="sldImg"/>
+          </p:nvPr>
+        </p:nvSpPr>
+        <p:spPr/>
+      </p:sp>
+      <p:sp>
+        <p:nvSpPr>
+          <p:cNvPr id="3" name="Notes Placeholder 2"/>
+          <p:cNvSpPr>
+            <a:spLocks noGrp="1"/>
+          </p:cNvSpPr>
+          <p:nvPr>
+            <p:ph type="body" idx="1"/>
+          </p:nvPr>
+        </p:nvSpPr>
+        <p:spPr/>
+        <p:txBody>
+          <a:bodyPr/>
+          <a:lstStyle/>
+          <a:p>
+            <a:r>
+              <a:rPr lang="en-US" dirty="0"/>
+              <a:t>Additional derived columns</a:t>
+            </a:r>
+          </a:p>
+          <a:p>
+            <a:pPr marL="228600" indent="-228600">
+              <a:buAutoNum type="arabicPeriod"/>
+            </a:pPr>
+            <a:r>
+              <a:rPr lang="en-US" dirty="0" err="1"/>
+              <a:t>loan_default</a:t>
+            </a:r>
+            <a:endParaRPr lang="en-US" dirty="0"/>
+          </a:p>
+          <a:p>
+            <a:pPr marL="228600" indent="-228600">
+              <a:buAutoNum type="arabicPeriod"/>
+            </a:pPr>
+            <a:r>
+              <a:rPr lang="en-US" dirty="0" err="1"/>
+              <a:t>annual_inc</a:t>
+            </a:r>
+            <a:r>
+              <a:rPr lang="en-US" dirty="0"/>
+              <a:t> </a:t>
+            </a:r>
+          </a:p>
+        </p:txBody>
+      </p:sp>
+      <p:sp>
+        <p:nvSpPr>
+          <p:cNvPr id="4" name="Slide Number Placeholder 3"/>
+          <p:cNvSpPr>
+            <a:spLocks noGrp="1"/>
+          </p:cNvSpPr>
+          <p:nvPr>
+            <p:ph type="sldNum" sz="quarter" idx="5"/>
+          </p:nvPr>
+        </p:nvSpPr>
+        <p:spPr/>
+        <p:txBody>
+          <a:bodyPr/>
+          <a:lstStyle/>
+          <a:p>
+            <a:fld id="{5354517F-9C19-4E9A-AB98-AA89BD9F1D1D}" type="slidenum">
+              <a:rPr lang="en-IN" smtClean="0"/>
+              <a:t>6</a:t>
+            </a:fld>
+            <a:endParaRPr lang="en-IN"/>
+          </a:p>
+        </p:txBody>
+      </p:sp>
+    </p:spTree>
+    <p:extLst>
+      <p:ext uri="{BB962C8B-B14F-4D97-AF65-F5344CB8AC3E}">
+        <p14:creationId xmlns:p14="http://schemas.microsoft.com/office/powerpoint/2010/main" val="1989229739"/>
+      </p:ext>
+    </p:extLst>
+  </p:cSld>
+  <p:clrMapOvr>
+    <a:masterClrMapping/>
+  </p:clrMapOvr>
+</p:notes>
+</file>
+
+<file path=ppt/notesSlides/notesSlide2.xml><?xml version="1.0" encoding="utf-8"?>
+<p:notes xmlns:a="http://schemas.openxmlformats.org/drawingml/2006/main" xmlns:r="http://schemas.openxmlformats.org/officeDocument/2006/relationships" xmlns:p="http://schemas.openxmlformats.org/presentationml/2006/main">
+  <p:cSld>
+    <p:spTree>
+      <p:nvGrpSpPr>
+        <p:cNvPr id="1" name=""/>
+        <p:cNvGrpSpPr/>
+        <p:nvPr/>
+      </p:nvGrpSpPr>
+      <p:grpSpPr>
+        <a:xfrm>
+          <a:off x="0" y="0"/>
+          <a:ext cx="0" cy="0"/>
+          <a:chOff x="0" y="0"/>
+          <a:chExt cx="0" cy="0"/>
+        </a:xfrm>
+      </p:grpSpPr>
+      <p:sp>
+        <p:nvSpPr>
+          <p:cNvPr id="2" name="Slide Image Placeholder 1"/>
+          <p:cNvSpPr>
+            <a:spLocks noGrp="1" noRot="1" noChangeAspect="1"/>
+          </p:cNvSpPr>
+          <p:nvPr>
+            <p:ph type="sldImg"/>
+          </p:nvPr>
+        </p:nvSpPr>
+        <p:spPr/>
+      </p:sp>
+      <p:sp>
+        <p:nvSpPr>
+          <p:cNvPr id="3" name="Notes Placeholder 2"/>
+          <p:cNvSpPr>
+            <a:spLocks noGrp="1"/>
+          </p:cNvSpPr>
+          <p:nvPr>
+            <p:ph type="body" idx="1"/>
+          </p:nvPr>
+        </p:nvSpPr>
+        <p:spPr/>
+        <p:txBody>
+          <a:bodyPr/>
+          <a:lstStyle/>
+          <a:p>
+            <a:r>
+              <a:rPr lang="en-US" dirty="0"/>
+              <a:t>Change the title</a:t>
+            </a:r>
+          </a:p>
+        </p:txBody>
+      </p:sp>
+      <p:sp>
+        <p:nvSpPr>
+          <p:cNvPr id="4" name="Slide Number Placeholder 3"/>
+          <p:cNvSpPr>
+            <a:spLocks noGrp="1"/>
+          </p:cNvSpPr>
+          <p:nvPr>
+            <p:ph type="sldNum" sz="quarter" idx="5"/>
+          </p:nvPr>
+        </p:nvSpPr>
+        <p:spPr/>
+        <p:txBody>
+          <a:bodyPr/>
+          <a:lstStyle/>
+          <a:p>
+            <a:fld id="{5354517F-9C19-4E9A-AB98-AA89BD9F1D1D}" type="slidenum">
+              <a:rPr lang="en-IN" smtClean="0"/>
+              <a:t>12</a:t>
+            </a:fld>
+            <a:endParaRPr lang="en-IN"/>
+          </a:p>
+        </p:txBody>
+      </p:sp>
+    </p:spTree>
+    <p:extLst>
+      <p:ext uri="{BB962C8B-B14F-4D97-AF65-F5344CB8AC3E}">
+        <p14:creationId xmlns:p14="http://schemas.microsoft.com/office/powerpoint/2010/main" val="4045554462"/>
+      </p:ext>
+    </p:extLst>
+  </p:cSld>
+  <p:clrMapOvr>
+    <a:masterClrMapping/>
+  </p:clrMapOvr>
+</p:notes>
 </file>
 
 <file path=ppt/slideLayouts/slideLayout1.xml><?xml version="1.0" encoding="utf-8"?>
@@ -9210,29 +9318,24 @@
           <a:lstStyle/>
           <a:p>
             <a:r>
-              <a:rPr lang="en-IN" sz="2800" dirty="0" smtClean="0"/>
+              <a:rPr lang="en-IN" sz="2800" dirty="0"/>
               <a:t>Loan Default </a:t>
             </a:r>
             <a:r>
-              <a:rPr lang="en-IN" sz="2800" dirty="0" err="1" smtClean="0"/>
+              <a:rPr lang="en-IN" sz="2800" dirty="0" err="1"/>
               <a:t>Gramener</a:t>
             </a:r>
             <a:r>
-              <a:rPr lang="en-IN" sz="2800" dirty="0" smtClean="0"/>
+              <a:rPr lang="en-IN" sz="2800" dirty="0"/>
               <a:t> Case Study</a:t>
             </a:r>
-            <a:r>
-              <a:rPr lang="en-IN" sz="2800" dirty="0" smtClean="0"/>
-              <a:t/>
-            </a:r>
             <a:br>
-              <a:rPr lang="en-IN" sz="2800" dirty="0" smtClean="0"/>
+              <a:rPr lang="en-IN" sz="2800" dirty="0"/>
             </a:br>
             <a:r>
-              <a:rPr lang="en-IN" sz="2800" dirty="0" smtClean="0"/>
+              <a:rPr lang="en-IN" sz="2800" dirty="0"/>
               <a:t> </a:t>
             </a:r>
-            <a:endParaRPr lang="en-IN" sz="2800" dirty="0"/>
           </a:p>
         </p:txBody>
       </p:sp>
@@ -9257,7 +9360,7 @@
           <a:lstStyle/>
           <a:p>
             <a:r>
-              <a:rPr lang="en-IN" dirty="0" smtClean="0"/>
+              <a:rPr lang="en-IN" dirty="0"/>
               <a:t>SUBMISSION</a:t>
             </a:r>
             <a:endParaRPr lang="en-US" dirty="0"/>
@@ -9452,7 +9555,7 @@
           <a:p>
             <a:pPr algn="l"/>
             <a:r>
-              <a:rPr lang="en-IN" sz="1600" b="1" dirty="0" smtClean="0"/>
+              <a:rPr lang="en-IN" sz="1600" b="1" dirty="0"/>
               <a:t>Team</a:t>
             </a:r>
           </a:p>
@@ -9462,14 +9565,14 @@
               <a:buChar char="•"/>
             </a:pPr>
             <a:r>
-              <a:rPr lang="en-IN" sz="1400" dirty="0" smtClean="0"/>
+              <a:rPr lang="en-IN" sz="1400" dirty="0"/>
               <a:t>Krishnan R</a:t>
             </a:r>
             <a:r>
-              <a:rPr lang="en-US" sz="1400" dirty="0" err="1" smtClean="0"/>
-              <a:t>aghupati</a:t>
+              <a:rPr lang="en-US" sz="1400" dirty="0" err="1"/>
+              <a:t>aghupathi</a:t>
             </a:r>
-            <a:endParaRPr lang="en-US" sz="1400" dirty="0" smtClean="0"/>
+            <a:endParaRPr lang="en-US" sz="1400" dirty="0"/>
           </a:p>
           <a:p>
             <a:pPr marL="285750" indent="-285750" algn="l">
@@ -9477,11 +9580,11 @@
               <a:buChar char="•"/>
             </a:pPr>
             <a:r>
-              <a:rPr lang="en-US" sz="1400" dirty="0" err="1" smtClean="0"/>
-              <a:t>Nandita</a:t>
+              <a:rPr lang="en-US" sz="1400" dirty="0" err="1"/>
+              <a:t>Nanditha</a:t>
             </a:r>
             <a:r>
-              <a:rPr lang="en-US" sz="1400" dirty="0" smtClean="0"/>
+              <a:rPr lang="en-US" sz="1400" dirty="0"/>
               <a:t> GN</a:t>
             </a:r>
           </a:p>
@@ -9491,18 +9594,18 @@
               <a:buChar char="•"/>
             </a:pPr>
             <a:r>
-              <a:rPr lang="en-US" sz="1400" dirty="0" err="1" smtClean="0"/>
+              <a:rPr lang="en-US" sz="1400" dirty="0" err="1"/>
               <a:t>Srividya</a:t>
             </a:r>
             <a:r>
-              <a:rPr lang="en-US" sz="1400" dirty="0" smtClean="0"/>
+              <a:rPr lang="en-US" sz="1400" dirty="0"/>
               <a:t> </a:t>
             </a:r>
             <a:r>
-              <a:rPr lang="en-US" sz="1400" dirty="0" err="1" smtClean="0"/>
+              <a:rPr lang="en-US" sz="1400" dirty="0" err="1"/>
               <a:t>Ravichandran</a:t>
             </a:r>
-            <a:endParaRPr lang="en-US" sz="1400" dirty="0" smtClean="0"/>
+            <a:endParaRPr lang="en-US" sz="1400" dirty="0"/>
           </a:p>
           <a:p>
             <a:pPr marL="285750" indent="-285750" algn="l">
@@ -9510,10 +9613,10 @@
               <a:buChar char="•"/>
             </a:pPr>
             <a:r>
-              <a:rPr lang="en-US" sz="1400" dirty="0" smtClean="0"/>
+              <a:rPr lang="en-US" sz="1400" dirty="0"/>
               <a:t>Abhijith N V</a:t>
             </a:r>
-            <a:endParaRPr lang="en-IN" sz="1400" dirty="0" smtClean="0"/>
+            <a:endParaRPr lang="en-IN" sz="1400" dirty="0"/>
           </a:p>
         </p:txBody>
       </p:sp>
@@ -9527,13 +9630,6 @@
   <p:clrMapOvr>
     <a:masterClrMapping/>
   </p:clrMapOvr>
-  <p:timing>
-    <p:tnLst>
-      <p:par>
-        <p:cTn id="1" dur="indefinite" restart="never" nodeType="tmRoot"/>
-      </p:par>
-    </p:tnLst>
-  </p:timing>
 </p:sld>
 </file>
 
@@ -9559,7 +9655,7 @@
           <p:cNvPr id="6" name="Title 1">
             <a:extLst>
               <a:ext uri="{FF2B5EF4-FFF2-40B4-BE49-F238E27FC236}">
-                <a16:creationId xmlns="" xmlns:a16="http://schemas.microsoft.com/office/drawing/2014/main" id="{C9ED24FB-F1DF-43A2-A28A-E1B9714DF31A}"/>
+                <a16:creationId xmlns:a16="http://schemas.microsoft.com/office/drawing/2014/main" id="{C9ED24FB-F1DF-43A2-A28A-E1B9714DF31A}"/>
               </a:ext>
             </a:extLst>
           </p:cNvPr>
@@ -9583,10 +9679,238 @@
           <a:lstStyle/>
           <a:p>
             <a:r>
-              <a:rPr lang="en-IN" sz="3600" b="1" dirty="0" smtClean="0"/>
+              <a:rPr lang="en-IN" sz="3600" b="1" dirty="0"/>
+              <a:t>Home ownership impact</a:t>
+            </a:r>
+          </a:p>
+        </p:txBody>
+      </p:sp>
+      <p:sp>
+        <p:nvSpPr>
+          <p:cNvPr id="9" name="TextBox 8"/>
+          <p:cNvSpPr txBox="1"/>
+          <p:nvPr/>
+        </p:nvSpPr>
+        <p:spPr>
+          <a:xfrm>
+            <a:off x="8091377" y="1562986"/>
+            <a:ext cx="3949995" cy="4939814"/>
+          </a:xfrm>
+          <a:prstGeom prst="rect">
+            <a:avLst/>
+          </a:prstGeom>
+          <a:noFill/>
+        </p:spPr>
+        <p:txBody>
+          <a:bodyPr wrap="square" rtlCol="0">
+            <a:spAutoFit/>
+          </a:bodyPr>
+          <a:lstStyle/>
+          <a:p>
+            <a:pPr>
+              <a:lnSpc>
+                <a:spcPct val="150000"/>
+              </a:lnSpc>
+            </a:pPr>
+            <a:r>
+              <a:rPr lang="en-US" sz="1400" b="1" u="sng" dirty="0"/>
+              <a:t>Observations:</a:t>
+            </a:r>
+            <a:r>
+              <a:rPr lang="en-US" sz="1400" dirty="0"/>
+              <a:t> </a:t>
+            </a:r>
+          </a:p>
+          <a:p>
+            <a:pPr marL="285750" indent="-285750">
+              <a:lnSpc>
+                <a:spcPct val="150000"/>
+              </a:lnSpc>
+              <a:buFont typeface="Wingdings" panose="05000000000000000000" pitchFamily="2" charset="2"/>
+              <a:buChar char="Ø"/>
+            </a:pPr>
+            <a:r>
+              <a:rPr lang="en-US" sz="1400" dirty="0"/>
+              <a:t>Mortgage and rent have the highest loans given</a:t>
+            </a:r>
+          </a:p>
+          <a:p>
+            <a:pPr marL="285750" indent="-285750">
+              <a:lnSpc>
+                <a:spcPct val="150000"/>
+              </a:lnSpc>
+              <a:buFont typeface="Wingdings" panose="05000000000000000000" pitchFamily="2" charset="2"/>
+              <a:buChar char="Ø"/>
+            </a:pPr>
+            <a:r>
+              <a:rPr lang="en-US" sz="1400" dirty="0"/>
+              <a:t>Between mortgage, rent and own, rented and own home owners tend to default more compared to Mortgage</a:t>
+            </a:r>
+          </a:p>
+          <a:p>
+            <a:pPr marL="285750" indent="-285750">
+              <a:lnSpc>
+                <a:spcPct val="150000"/>
+              </a:lnSpc>
+              <a:buFont typeface="Wingdings" panose="05000000000000000000" pitchFamily="2" charset="2"/>
+              <a:buChar char="Ø"/>
+            </a:pPr>
+            <a:r>
+              <a:rPr lang="en-US" sz="1400" dirty="0"/>
+              <a:t>Although not many loans under others, it has a significant percentage of loan defaulting (&gt;20%)</a:t>
+            </a:r>
+          </a:p>
+          <a:p>
+            <a:pPr>
+              <a:lnSpc>
+                <a:spcPct val="150000"/>
+              </a:lnSpc>
+            </a:pPr>
+            <a:r>
+              <a:rPr lang="en-US" sz="1400" b="1" u="sng" dirty="0"/>
+              <a:t>Inferences:</a:t>
+            </a:r>
+            <a:r>
+              <a:rPr lang="en-US" sz="1400" dirty="0"/>
+              <a:t> </a:t>
+            </a:r>
+          </a:p>
+          <a:p>
+            <a:pPr marL="285750" indent="-285750">
+              <a:lnSpc>
+                <a:spcPct val="150000"/>
+              </a:lnSpc>
+              <a:buFont typeface="Wingdings" panose="05000000000000000000" pitchFamily="2" charset="2"/>
+              <a:buChar char="Ø"/>
+            </a:pPr>
+            <a:r>
+              <a:rPr lang="en-US" sz="1400" dirty="0"/>
+              <a:t>Others is an undefined category, need more data to understand why it has more defaults</a:t>
+            </a:r>
+          </a:p>
+          <a:p>
+            <a:pPr marL="285750" indent="-285750">
+              <a:lnSpc>
+                <a:spcPct val="150000"/>
+              </a:lnSpc>
+              <a:buFont typeface="Wingdings" panose="05000000000000000000" pitchFamily="2" charset="2"/>
+              <a:buChar char="Ø"/>
+            </a:pPr>
+            <a:r>
+              <a:rPr lang="en-US" sz="1400" dirty="0"/>
+              <a:t>Mortgage has lower percentage of default. Since mortgage is a major loan and any default on other loan will increase the </a:t>
+            </a:r>
+            <a:r>
+              <a:rPr lang="en-US" sz="1400" dirty="0" err="1"/>
+              <a:t>RoI</a:t>
+            </a:r>
+            <a:r>
+              <a:rPr lang="en-US" sz="1400" dirty="0"/>
+              <a:t> or loan </a:t>
+            </a:r>
+            <a:r>
+              <a:rPr lang="en-US" sz="1400" dirty="0" err="1"/>
+              <a:t>categrory</a:t>
+            </a:r>
+            <a:r>
+              <a:rPr lang="en-US" sz="1400" dirty="0"/>
+              <a:t>, hence Mortgage owners tends to pay back and have a less risk of defaulting</a:t>
+            </a:r>
+          </a:p>
+        </p:txBody>
+      </p:sp>
+      <p:pic>
+        <p:nvPicPr>
+          <p:cNvPr id="5" name="Picture 4"/>
+          <p:cNvPicPr>
+            <a:picLocks noChangeAspect="1"/>
+          </p:cNvPicPr>
+          <p:nvPr/>
+        </p:nvPicPr>
+        <p:blipFill>
+          <a:blip r:embed="rId2">
+            <a:extLst>
+              <a:ext uri="{28A0092B-C50C-407E-A947-70E740481C1C}">
+                <a14:useLocalDpi xmlns:a14="http://schemas.microsoft.com/office/drawing/2010/main" val="0"/>
+              </a:ext>
+            </a:extLst>
+          </a:blip>
+          <a:stretch>
+            <a:fillRect/>
+          </a:stretch>
+        </p:blipFill>
+        <p:spPr>
+          <a:xfrm>
+            <a:off x="318446" y="1656474"/>
+            <a:ext cx="7028652" cy="4414717"/>
+          </a:xfrm>
+          <a:prstGeom prst="rect">
+            <a:avLst/>
+          </a:prstGeom>
+        </p:spPr>
+      </p:pic>
+    </p:spTree>
+    <p:extLst>
+      <p:ext uri="{BB962C8B-B14F-4D97-AF65-F5344CB8AC3E}">
+        <p14:creationId xmlns:p14="http://schemas.microsoft.com/office/powerpoint/2010/main" val="3095347154"/>
+      </p:ext>
+    </p:extLst>
+  </p:cSld>
+  <p:clrMapOvr>
+    <a:masterClrMapping/>
+  </p:clrMapOvr>
+</p:sld>
+</file>
+
+<file path=ppt/slides/slide11.xml><?xml version="1.0" encoding="utf-8"?>
+<p:sld xmlns:a="http://schemas.openxmlformats.org/drawingml/2006/main" xmlns:r="http://schemas.openxmlformats.org/officeDocument/2006/relationships" xmlns:p="http://schemas.openxmlformats.org/presentationml/2006/main">
+  <p:cSld>
+    <p:spTree>
+      <p:nvGrpSpPr>
+        <p:cNvPr id="1" name=""/>
+        <p:cNvGrpSpPr/>
+        <p:nvPr/>
+      </p:nvGrpSpPr>
+      <p:grpSpPr>
+        <a:xfrm>
+          <a:off x="0" y="0"/>
+          <a:ext cx="0" cy="0"/>
+          <a:chOff x="0" y="0"/>
+          <a:chExt cx="0" cy="0"/>
+        </a:xfrm>
+      </p:grpSpPr>
+      <p:sp>
+        <p:nvSpPr>
+          <p:cNvPr id="6" name="Title 1">
+            <a:extLst>
+              <a:ext uri="{FF2B5EF4-FFF2-40B4-BE49-F238E27FC236}">
+                <a16:creationId xmlns:a16="http://schemas.microsoft.com/office/drawing/2014/main" id="{C9ED24FB-F1DF-43A2-A28A-E1B9714DF31A}"/>
+              </a:ext>
+            </a:extLst>
+          </p:cNvPr>
+          <p:cNvSpPr>
+            <a:spLocks noGrp="1"/>
+          </p:cNvSpPr>
+          <p:nvPr>
+            <p:ph type="title"/>
+          </p:nvPr>
+        </p:nvSpPr>
+        <p:spPr>
+          <a:xfrm>
+            <a:off x="404949" y="800336"/>
+            <a:ext cx="11168742" cy="856138"/>
+          </a:xfrm>
+        </p:spPr>
+        <p:txBody>
+          <a:bodyPr>
+            <a:normAutofit/>
+          </a:bodyPr>
+          <a:lstStyle/>
+          <a:p>
+            <a:r>
+              <a:rPr lang="en-IN" sz="3600" b="1" dirty="0"/>
               <a:t>Loan purpose impact</a:t>
             </a:r>
-            <a:endParaRPr lang="en-IN" sz="3600" b="1" dirty="0"/>
           </a:p>
         </p:txBody>
       </p:sp>
@@ -9618,11 +9942,11 @@
               </a:lnSpc>
             </a:pPr>
             <a:r>
-              <a:rPr lang="en-US" sz="1400" b="1" u="sng" dirty="0" smtClean="0"/>
+              <a:rPr lang="en-US" sz="1400" b="1" u="sng" dirty="0"/>
               <a:t>Observations:</a:t>
             </a:r>
             <a:r>
-              <a:rPr lang="en-US" sz="1400" dirty="0" smtClean="0"/>
+              <a:rPr lang="en-US" sz="1400" dirty="0"/>
               <a:t> </a:t>
             </a:r>
           </a:p>
@@ -9635,7 +9959,7 @@
               <a:buChar char="Ø"/>
             </a:pPr>
             <a:r>
-              <a:rPr lang="en-US" sz="1400" dirty="0" smtClean="0"/>
+              <a:rPr lang="en-US" sz="1400" dirty="0"/>
               <a:t>Debt consolidation has the highest loan applications are for</a:t>
             </a:r>
           </a:p>
@@ -9648,7 +9972,7 @@
               <a:buChar char="Ø"/>
             </a:pPr>
             <a:r>
-              <a:rPr lang="en-US" sz="1400" dirty="0" smtClean="0"/>
+              <a:rPr lang="en-US" sz="1400" dirty="0"/>
               <a:t>Small Business has the highest default percentage followed by renewal energy</a:t>
             </a:r>
           </a:p>
@@ -9659,15 +9983,11 @@
               </a:lnSpc>
             </a:pPr>
             <a:r>
-              <a:rPr lang="en-US" sz="1400" b="1" u="sng" dirty="0" smtClean="0"/>
-              <a:t>Inferences</a:t>
+              <a:rPr lang="en-US" sz="1400" b="1" u="sng" dirty="0"/>
+              <a:t>Inferences:</a:t>
             </a:r>
             <a:r>
-              <a:rPr lang="en-US" sz="1400" b="1" u="sng" dirty="0" smtClean="0"/>
-              <a:t>:</a:t>
-            </a:r>
-            <a:r>
-              <a:rPr lang="en-US" sz="1400" dirty="0" smtClean="0"/>
+              <a:rPr lang="en-US" sz="1400" dirty="0"/>
               <a:t> </a:t>
             </a:r>
           </a:p>
@@ -9680,14 +10000,9 @@
               <a:buChar char="Ø"/>
             </a:pPr>
             <a:r>
-              <a:rPr lang="en-US" sz="1400" dirty="0" smtClean="0"/>
-              <a:t>People take loan with better </a:t>
+              <a:rPr lang="en-US" sz="1400" dirty="0"/>
+              <a:t>People take loan with better rate to consolidate their loans</a:t>
             </a:r>
-            <a:r>
-              <a:rPr lang="en-US" sz="1400" dirty="0" smtClean="0"/>
-              <a:t>rate to consolidate their loans</a:t>
-            </a:r>
-            <a:endParaRPr lang="en-US" sz="1400" dirty="0" smtClean="0"/>
           </a:p>
           <a:p>
             <a:pPr marL="285750" indent="-285750">
@@ -9698,10 +10013,9 @@
               <a:buChar char="Ø"/>
             </a:pPr>
             <a:r>
-              <a:rPr lang="en-US" sz="1400" dirty="0" smtClean="0"/>
+              <a:rPr lang="en-US" sz="1400" dirty="0"/>
               <a:t>Small business have high risk of failure, hence loan default is also quite high</a:t>
             </a:r>
-            <a:endParaRPr lang="en-US" sz="1400" dirty="0"/>
           </a:p>
         </p:txBody>
       </p:sp>
@@ -9784,17 +10098,10 @@
   <p:clrMapOvr>
     <a:masterClrMapping/>
   </p:clrMapOvr>
-  <p:timing>
-    <p:tnLst>
-      <p:par>
-        <p:cTn id="1" dur="indefinite" restart="never" nodeType="tmRoot"/>
-      </p:par>
-    </p:tnLst>
-  </p:timing>
 </p:sld>
 </file>
 
-<file path=ppt/slides/slide11.xml><?xml version="1.0" encoding="utf-8"?>
+<file path=ppt/slides/slide12.xml><?xml version="1.0" encoding="utf-8"?>
 <p:sld xmlns:a="http://schemas.openxmlformats.org/drawingml/2006/main" xmlns:r="http://schemas.openxmlformats.org/officeDocument/2006/relationships" xmlns:p="http://schemas.openxmlformats.org/presentationml/2006/main">
   <p:cSld>
     <p:spTree>
@@ -9816,7 +10123,7 @@
           <p:cNvPr id="6" name="Title 1">
             <a:extLst>
               <a:ext uri="{FF2B5EF4-FFF2-40B4-BE49-F238E27FC236}">
-                <a16:creationId xmlns="" xmlns:a16="http://schemas.microsoft.com/office/drawing/2014/main" id="{C9ED24FB-F1DF-43A2-A28A-E1B9714DF31A}"/>
+                <a16:creationId xmlns:a16="http://schemas.microsoft.com/office/drawing/2014/main" id="{C9ED24FB-F1DF-43A2-A28A-E1B9714DF31A}"/>
               </a:ext>
             </a:extLst>
           </p:cNvPr>
@@ -9840,10 +10147,9 @@
           <a:lstStyle/>
           <a:p>
             <a:r>
-              <a:rPr lang="en-IN" sz="3600" b="1" dirty="0" smtClean="0"/>
+              <a:rPr lang="en-IN" sz="3600" b="1" dirty="0"/>
               <a:t>Loan purpose impact</a:t>
             </a:r>
-            <a:endParaRPr lang="en-IN" sz="3600" b="1" dirty="0"/>
           </a:p>
         </p:txBody>
       </p:sp>
@@ -9875,11 +10181,11 @@
               </a:lnSpc>
             </a:pPr>
             <a:r>
-              <a:rPr lang="en-US" sz="1400" b="1" u="sng" dirty="0" smtClean="0"/>
+              <a:rPr lang="en-US" sz="1400" b="1" u="sng" dirty="0"/>
               <a:t>Observations:</a:t>
             </a:r>
             <a:r>
-              <a:rPr lang="en-US" sz="1400" dirty="0" smtClean="0"/>
+              <a:rPr lang="en-US" sz="1400" dirty="0"/>
               <a:t> </a:t>
             </a:r>
           </a:p>
@@ -9892,7 +10198,7 @@
               <a:buChar char="Ø"/>
             </a:pPr>
             <a:r>
-              <a:rPr lang="en-US" sz="1400" dirty="0" smtClean="0"/>
+              <a:rPr lang="en-US" sz="1400" dirty="0"/>
               <a:t>Highest loans are given without any  applications verification</a:t>
             </a:r>
           </a:p>
@@ -9905,7 +10211,7 @@
               <a:buChar char="Ø"/>
             </a:pPr>
             <a:r>
-              <a:rPr lang="en-US" sz="1400" dirty="0" smtClean="0"/>
+              <a:rPr lang="en-US" sz="1400" dirty="0"/>
               <a:t>Verified loans have the highest default percentage</a:t>
             </a:r>
           </a:p>
@@ -9916,15 +10222,11 @@
               </a:lnSpc>
             </a:pPr>
             <a:r>
-              <a:rPr lang="en-US" sz="1400" b="1" u="sng" dirty="0" smtClean="0"/>
-              <a:t>Inferences</a:t>
+              <a:rPr lang="en-US" sz="1400" b="1" u="sng" dirty="0"/>
+              <a:t>Inferences:</a:t>
             </a:r>
             <a:r>
-              <a:rPr lang="en-US" sz="1400" b="1" u="sng" dirty="0" smtClean="0"/>
-              <a:t>:</a:t>
-            </a:r>
-            <a:r>
-              <a:rPr lang="en-US" sz="1400" dirty="0" smtClean="0"/>
+              <a:rPr lang="en-US" sz="1400" dirty="0"/>
               <a:t> </a:t>
             </a:r>
           </a:p>
@@ -9937,26 +10239,9 @@
               <a:buChar char="Ø"/>
             </a:pPr>
             <a:r>
-              <a:rPr lang="en-US" sz="1400" dirty="0" smtClean="0"/>
-              <a:t>Verification process need to be relooked into to see what are </a:t>
+              <a:rPr lang="en-US" sz="1400" dirty="0"/>
+              <a:t>Verification process need to be relooked into to see what are the reasons for default even after verification</a:t>
             </a:r>
-            <a:r>
-              <a:rPr lang="en-US" sz="1400" smtClean="0"/>
-              <a:t>the reasons </a:t>
-            </a:r>
-            <a:r>
-              <a:rPr lang="en-US" sz="1400" dirty="0" smtClean="0"/>
-              <a:t>for default </a:t>
-            </a:r>
-            <a:r>
-              <a:rPr lang="en-US" sz="1400" dirty="0" err="1" smtClean="0"/>
-              <a:t>een</a:t>
-            </a:r>
-            <a:r>
-              <a:rPr lang="en-US" sz="1400" dirty="0" smtClean="0"/>
-              <a:t> after verification</a:t>
-            </a:r>
-            <a:endParaRPr lang="en-US" sz="1400" dirty="0"/>
           </a:p>
         </p:txBody>
       </p:sp>
@@ -10008,7 +10293,7 @@
           <p:nvPr/>
         </p:nvPicPr>
         <p:blipFill>
-          <a:blip r:embed="rId2">
+          <a:blip r:embed="rId3">
             <a:extLst>
               <a:ext uri="{28A0092B-C50C-407E-A947-70E740481C1C}">
                 <a14:useLocalDpi xmlns:a14="http://schemas.microsoft.com/office/drawing/2010/main" val="0"/>
@@ -10039,17 +10324,10 @@
   <p:clrMapOvr>
     <a:masterClrMapping/>
   </p:clrMapOvr>
-  <p:timing>
-    <p:tnLst>
-      <p:par>
-        <p:cTn id="1" dur="indefinite" restart="never" nodeType="tmRoot"/>
-      </p:par>
-    </p:tnLst>
-  </p:timing>
 </p:sld>
 </file>
 
-<file path=ppt/slides/slide12.xml><?xml version="1.0" encoding="utf-8"?>
+<file path=ppt/slides/slide13.xml><?xml version="1.0" encoding="utf-8"?>
 <p:sld xmlns:a="http://schemas.openxmlformats.org/drawingml/2006/main" xmlns:r="http://schemas.openxmlformats.org/officeDocument/2006/relationships" xmlns:p="http://schemas.openxmlformats.org/presentationml/2006/main">
   <p:cSld>
     <p:spTree>
@@ -10071,7 +10349,7 @@
           <p:cNvPr id="6" name="Title 1">
             <a:extLst>
               <a:ext uri="{FF2B5EF4-FFF2-40B4-BE49-F238E27FC236}">
-                <a16:creationId xmlns="" xmlns:a16="http://schemas.microsoft.com/office/drawing/2014/main" id="{C9ED24FB-F1DF-43A2-A28A-E1B9714DF31A}"/>
+                <a16:creationId xmlns:a16="http://schemas.microsoft.com/office/drawing/2014/main" id="{C9ED24FB-F1DF-43A2-A28A-E1B9714DF31A}"/>
               </a:ext>
             </a:extLst>
           </p:cNvPr>
@@ -10095,10 +10373,9 @@
           <a:lstStyle/>
           <a:p>
             <a:r>
-              <a:rPr lang="en-IN" sz="3200" b="1" dirty="0" smtClean="0"/>
+              <a:rPr lang="en-IN" sz="3200" b="1" dirty="0"/>
               <a:t>Conclusions</a:t>
             </a:r>
-            <a:endParaRPr lang="en-IN" sz="3200" b="1" dirty="0"/>
           </a:p>
         </p:txBody>
       </p:sp>
@@ -10134,13 +10411,6 @@
   <p:clrMapOvr>
     <a:masterClrMapping/>
   </p:clrMapOvr>
-  <p:timing>
-    <p:tnLst>
-      <p:par>
-        <p:cTn id="1" dur="indefinite" restart="never" nodeType="tmRoot"/>
-      </p:par>
-    </p:tnLst>
-  </p:timing>
 </p:sld>
 </file>
 
@@ -10185,66 +10455,47 @@
           <a:p>
             <a:r>
               <a:rPr lang="en-IN" dirty="0"/>
-              <a:t>Identify </a:t>
+              <a:t>Identify driving factors that influence loan default</a:t>
             </a:r>
+          </a:p>
+          <a:p>
+            <a:endParaRPr lang="en-IN" dirty="0"/>
+          </a:p>
+          <a:p>
             <a:r>
-              <a:rPr lang="en-IN" dirty="0" smtClean="0"/>
-              <a:t>driving </a:t>
-            </a:r>
-            <a:r>
-              <a:rPr lang="en-IN" dirty="0" smtClean="0"/>
-              <a:t>factors that influence loan default</a:t>
-            </a:r>
-          </a:p>
-          <a:p>
-            <a:endParaRPr lang="en-IN" dirty="0" smtClean="0"/>
-          </a:p>
-          <a:p>
-            <a:r>
-              <a:rPr lang="en-IN" dirty="0" smtClean="0"/>
+              <a:rPr lang="en-IN" dirty="0"/>
               <a:t>Identify driver variables which are a strong indicators of default</a:t>
             </a:r>
+          </a:p>
+          <a:p>
             <a:endParaRPr lang="en-IN" dirty="0"/>
           </a:p>
           <a:p>
-            <a:endParaRPr lang="en-IN" dirty="0"/>
-          </a:p>
-          <a:p>
-            <a:r>
-              <a:rPr lang="en-IN" dirty="0" smtClean="0"/>
-              <a:t>Ensure </a:t>
-            </a:r>
             <a:r>
               <a:rPr lang="en-IN" dirty="0"/>
-              <a:t>that the </a:t>
+              <a:t>Ensure that the inferences are</a:t>
             </a:r>
-            <a:r>
-              <a:rPr lang="en-IN" dirty="0" smtClean="0"/>
-              <a:t>hypothesis/analyses are</a:t>
-            </a:r>
-            <a:endParaRPr lang="en-IN" dirty="0"/>
           </a:p>
           <a:p>
             <a:pPr lvl="1"/>
             <a:r>
-              <a:rPr lang="en-IN" sz="2000" dirty="0" smtClean="0"/>
+              <a:rPr lang="en-IN" sz="2000" dirty="0"/>
               <a:t>Data driven</a:t>
             </a:r>
           </a:p>
           <a:p>
             <a:pPr lvl="1"/>
             <a:r>
-              <a:rPr lang="en-IN" sz="2000" dirty="0" smtClean="0"/>
+              <a:rPr lang="en-IN" sz="2000" dirty="0"/>
               <a:t>Explained through visualizations</a:t>
             </a:r>
           </a:p>
           <a:p>
             <a:pPr lvl="1"/>
             <a:r>
-              <a:rPr lang="en-IN" sz="2000" dirty="0" smtClean="0"/>
+              <a:rPr lang="en-IN" sz="2000" dirty="0"/>
               <a:t>Inferences are made based on correct trends</a:t>
             </a:r>
-            <a:endParaRPr lang="en-IN" sz="2000" dirty="0"/>
           </a:p>
           <a:p>
             <a:endParaRPr lang="en-IN" sz="1800" dirty="0"/>
@@ -10290,13 +10541,6 @@
   <p:clrMapOvr>
     <a:masterClrMapping/>
   </p:clrMapOvr>
-  <p:timing>
-    <p:tnLst>
-      <p:par>
-        <p:cTn id="1" dur="indefinite" restart="never" nodeType="tmRoot"/>
-      </p:par>
-    </p:tnLst>
-  </p:timing>
 </p:sld>
 </file>
 
@@ -10345,16 +10589,8 @@
               </a:lnSpc>
             </a:pPr>
             <a:r>
-              <a:rPr lang="en-US" sz="2400" dirty="0" smtClean="0"/>
-              <a:t>Loan </a:t>
-            </a:r>
-            <a:r>
               <a:rPr lang="en-US" sz="2400" dirty="0"/>
-              <a:t>data for all loans issued through the time period 2007 </a:t>
-            </a:r>
-            <a:r>
-              <a:rPr lang="en-US" sz="2400" dirty="0" smtClean="0"/>
-              <a:t>to 2011from lending club</a:t>
+              <a:t>Loan data for all loans issued through the time period 2007 to 2011from lending club</a:t>
             </a:r>
           </a:p>
           <a:p>
@@ -10364,7 +10600,7 @@
               </a:lnSpc>
             </a:pPr>
             <a:r>
-              <a:rPr lang="en-US" sz="2400" dirty="0" smtClean="0"/>
+              <a:rPr lang="en-US" sz="2400" dirty="0"/>
               <a:t>Loans rejected by lending club data is not available in the data set</a:t>
             </a:r>
           </a:p>
@@ -10375,7 +10611,7 @@
               </a:lnSpc>
             </a:pPr>
             <a:r>
-              <a:rPr lang="en-US" sz="2400" dirty="0" smtClean="0"/>
+              <a:rPr lang="en-US" sz="2400" dirty="0"/>
               <a:t>Loans have 3 statuses</a:t>
             </a:r>
           </a:p>
@@ -10386,7 +10622,7 @@
               </a:lnSpc>
             </a:pPr>
             <a:r>
-              <a:rPr lang="en-US" sz="2000" dirty="0" smtClean="0"/>
+              <a:rPr lang="en-US" sz="2000" dirty="0"/>
               <a:t>Fully Paid – Loans that are closed</a:t>
             </a:r>
           </a:p>
@@ -10397,7 +10633,7 @@
               </a:lnSpc>
             </a:pPr>
             <a:r>
-              <a:rPr lang="en-US" sz="2000" dirty="0" smtClean="0"/>
+              <a:rPr lang="en-US" sz="2000" dirty="0"/>
               <a:t>Current – Ongoing loans</a:t>
             </a:r>
           </a:p>
@@ -10408,17 +10644,16 @@
               </a:lnSpc>
             </a:pPr>
             <a:r>
-              <a:rPr lang="en-US" sz="2000" dirty="0" smtClean="0"/>
+              <a:rPr lang="en-US" sz="2000" dirty="0"/>
               <a:t>Charged Off – Loans that are defaulted by the customers</a:t>
             </a:r>
-            <a:endParaRPr lang="en-IN" sz="2000" dirty="0" smtClean="0"/>
+            <a:endParaRPr lang="en-IN" sz="2000" dirty="0"/>
           </a:p>
           <a:p>
             <a:r>
-              <a:rPr lang="en-IN" sz="2400" dirty="0" smtClean="0"/>
+              <a:rPr lang="en-IN" sz="2400" dirty="0"/>
               <a:t>Few key columns and our understanding of those columns are listed in the next slide</a:t>
             </a:r>
-            <a:endParaRPr lang="en-IN" sz="2400" dirty="0" smtClean="0"/>
           </a:p>
         </p:txBody>
       </p:sp>
@@ -10445,12 +10680,8 @@
           <a:lstStyle/>
           <a:p>
             <a:r>
-              <a:rPr lang="en-IN" sz="3600" b="1" dirty="0" smtClean="0"/>
-              <a:t>What Data we have</a:t>
-            </a:r>
-            <a:r>
               <a:rPr lang="en-IN" sz="3600" b="1" dirty="0"/>
-              <a:t>	</a:t>
+              <a:t>What Data we have	</a:t>
             </a:r>
           </a:p>
         </p:txBody>
@@ -10465,13 +10696,6 @@
   <p:clrMapOvr>
     <a:masterClrMapping/>
   </p:clrMapOvr>
-  <p:timing>
-    <p:tnLst>
-      <p:par>
-        <p:cTn id="1" dur="indefinite" restart="never" nodeType="tmRoot"/>
-      </p:par>
-    </p:tnLst>
-  </p:timing>
 </p:sld>
 </file>
 
@@ -10517,8 +10741,20 @@
                 <a:tableStyleId>{5C22544A-7EE6-4342-B048-85BDC9FD1C3A}</a:tableStyleId>
               </a:tblPr>
               <a:tblGrid>
-                <a:gridCol w="2103519"/>
-                <a:gridCol w="9252055"/>
+                <a:gridCol w="2103519">
+                  <a:extLst>
+                    <a:ext uri="{9D8B030D-6E8A-4147-A177-3AD203B41FA5}">
+                      <a16:colId xmlns:a16="http://schemas.microsoft.com/office/drawing/2014/main" val="20000"/>
+                    </a:ext>
+                  </a:extLst>
+                </a:gridCol>
+                <a:gridCol w="9252055">
+                  <a:extLst>
+                    <a:ext uri="{9D8B030D-6E8A-4147-A177-3AD203B41FA5}">
+                      <a16:colId xmlns:a16="http://schemas.microsoft.com/office/drawing/2014/main" val="20001"/>
+                    </a:ext>
+                  </a:extLst>
+                </a:gridCol>
               </a:tblGrid>
               <a:tr h="271158">
                 <a:tc>
@@ -10528,7 +10764,7 @@
                     <a:p>
                       <a:pPr algn="ctr" fontAlgn="b"/>
                       <a:r>
-                        <a:rPr lang="en-US" sz="1400" b="1" i="0" u="none" strike="noStrike" dirty="0" smtClean="0">
+                        <a:rPr lang="en-US" sz="1400" b="1" i="0" u="none" strike="noStrike" dirty="0">
                           <a:solidFill>
                             <a:srgbClr val="000000"/>
                           </a:solidFill>
@@ -10539,7 +10775,7 @@
                         <a:t>Column</a:t>
                       </a:r>
                       <a:r>
-                        <a:rPr lang="en-US" sz="1400" b="1" i="0" u="none" strike="noStrike" baseline="0" dirty="0" smtClean="0">
+                        <a:rPr lang="en-US" sz="1400" b="1" i="0" u="none" strike="noStrike" baseline="0" dirty="0">
                           <a:solidFill>
                             <a:srgbClr val="000000"/>
                           </a:solidFill>
@@ -10610,7 +10846,7 @@
                     <a:p>
                       <a:pPr algn="ctr" fontAlgn="b"/>
                       <a:r>
-                        <a:rPr lang="en-US" sz="1400" b="1" i="0" u="none" strike="noStrike" dirty="0" smtClean="0">
+                        <a:rPr lang="en-US" sz="1400" b="1" i="0" u="none" strike="noStrike" dirty="0">
                           <a:solidFill>
                             <a:srgbClr val="000000"/>
                           </a:solidFill>
@@ -10620,14 +10856,6 @@
                         </a:rPr>
                         <a:t> Explanation</a:t>
                       </a:r>
-                      <a:endParaRPr lang="en-US" sz="1400" b="1" i="0" u="none" strike="noStrike" dirty="0">
-                        <a:solidFill>
-                          <a:srgbClr val="000000"/>
-                        </a:solidFill>
-                        <a:effectLst/>
-                        <a:latin typeface="Times New Roman" panose="02020603050405020304" pitchFamily="18" charset="0"/>
-                        <a:cs typeface="Times New Roman" panose="02020603050405020304" pitchFamily="18" charset="0"/>
-                      </a:endParaRPr>
                     </a:p>
                   </a:txBody>
                   <a:tcPr marL="513" marR="513" marT="513" marB="0" anchor="ctr">
@@ -10674,6 +10902,11 @@
                     </a:solidFill>
                   </a:tcPr>
                 </a:tc>
+                <a:extLst>
+                  <a:ext uri="{0D108BD9-81ED-4DB2-BD59-A6C34878D82A}">
+                    <a16:rowId xmlns:a16="http://schemas.microsoft.com/office/drawing/2014/main" val="10000"/>
+                  </a:ext>
+                </a:extLst>
               </a:tr>
               <a:tr h="271158">
                 <a:tc>
@@ -10804,6 +11037,11 @@
                     <a:noFill/>
                   </a:tcPr>
                 </a:tc>
+                <a:extLst>
+                  <a:ext uri="{0D108BD9-81ED-4DB2-BD59-A6C34878D82A}">
+                    <a16:rowId xmlns:a16="http://schemas.microsoft.com/office/drawing/2014/main" val="10001"/>
+                  </a:ext>
+                </a:extLst>
               </a:tr>
               <a:tr h="383927">
                 <a:tc>
@@ -10934,6 +11172,11 @@
                     <a:noFill/>
                   </a:tcPr>
                 </a:tc>
+                <a:extLst>
+                  <a:ext uri="{0D108BD9-81ED-4DB2-BD59-A6C34878D82A}">
+                    <a16:rowId xmlns:a16="http://schemas.microsoft.com/office/drawing/2014/main" val="10002"/>
+                  </a:ext>
+                </a:extLst>
               </a:tr>
               <a:tr h="0">
                 <a:tc>
@@ -11064,6 +11307,11 @@
                     <a:noFill/>
                   </a:tcPr>
                 </a:tc>
+                <a:extLst>
+                  <a:ext uri="{0D108BD9-81ED-4DB2-BD59-A6C34878D82A}">
+                    <a16:rowId xmlns:a16="http://schemas.microsoft.com/office/drawing/2014/main" val="10003"/>
+                  </a:ext>
+                </a:extLst>
               </a:tr>
               <a:tr h="180943">
                 <a:tc>
@@ -11194,6 +11442,11 @@
                     <a:noFill/>
                   </a:tcPr>
                 </a:tc>
+                <a:extLst>
+                  <a:ext uri="{0D108BD9-81ED-4DB2-BD59-A6C34878D82A}">
+                    <a16:rowId xmlns:a16="http://schemas.microsoft.com/office/drawing/2014/main" val="10004"/>
+                  </a:ext>
+                </a:extLst>
               </a:tr>
               <a:tr h="0">
                 <a:tc>
@@ -11324,6 +11577,11 @@
                     <a:noFill/>
                   </a:tcPr>
                 </a:tc>
+                <a:extLst>
+                  <a:ext uri="{0D108BD9-81ED-4DB2-BD59-A6C34878D82A}">
+                    <a16:rowId xmlns:a16="http://schemas.microsoft.com/office/drawing/2014/main" val="10005"/>
+                  </a:ext>
+                </a:extLst>
               </a:tr>
               <a:tr h="147625">
                 <a:tc>
@@ -11454,6 +11712,11 @@
                     <a:noFill/>
                   </a:tcPr>
                 </a:tc>
+                <a:extLst>
+                  <a:ext uri="{0D108BD9-81ED-4DB2-BD59-A6C34878D82A}">
+                    <a16:rowId xmlns:a16="http://schemas.microsoft.com/office/drawing/2014/main" val="10006"/>
+                  </a:ext>
+                </a:extLst>
               </a:tr>
               <a:tr h="135835">
                 <a:tc>
@@ -11584,6 +11847,11 @@
                     <a:noFill/>
                   </a:tcPr>
                 </a:tc>
+                <a:extLst>
+                  <a:ext uri="{0D108BD9-81ED-4DB2-BD59-A6C34878D82A}">
+                    <a16:rowId xmlns:a16="http://schemas.microsoft.com/office/drawing/2014/main" val="10007"/>
+                  </a:ext>
+                </a:extLst>
               </a:tr>
               <a:tr h="135835">
                 <a:tc>
@@ -11714,6 +11982,11 @@
                     <a:noFill/>
                   </a:tcPr>
                 </a:tc>
+                <a:extLst>
+                  <a:ext uri="{0D108BD9-81ED-4DB2-BD59-A6C34878D82A}">
+                    <a16:rowId xmlns:a16="http://schemas.microsoft.com/office/drawing/2014/main" val="10008"/>
+                  </a:ext>
+                </a:extLst>
               </a:tr>
               <a:tr h="226050">
                 <a:tc>
@@ -11844,6 +12117,11 @@
                     <a:noFill/>
                   </a:tcPr>
                 </a:tc>
+                <a:extLst>
+                  <a:ext uri="{0D108BD9-81ED-4DB2-BD59-A6C34878D82A}">
+                    <a16:rowId xmlns:a16="http://schemas.microsoft.com/office/drawing/2014/main" val="10009"/>
+                  </a:ext>
+                </a:extLst>
               </a:tr>
               <a:tr h="180943">
                 <a:tc>
@@ -11974,6 +12252,11 @@
                     <a:noFill/>
                   </a:tcPr>
                 </a:tc>
+                <a:extLst>
+                  <a:ext uri="{0D108BD9-81ED-4DB2-BD59-A6C34878D82A}">
+                    <a16:rowId xmlns:a16="http://schemas.microsoft.com/office/drawing/2014/main" val="10010"/>
+                  </a:ext>
+                </a:extLst>
               </a:tr>
               <a:tr h="438419">
                 <a:tc>
@@ -12120,6 +12403,11 @@
                     <a:noFill/>
                   </a:tcPr>
                 </a:tc>
+                <a:extLst>
+                  <a:ext uri="{0D108BD9-81ED-4DB2-BD59-A6C34878D82A}">
+                    <a16:rowId xmlns:a16="http://schemas.microsoft.com/office/drawing/2014/main" val="10011"/>
+                  </a:ext>
+                </a:extLst>
               </a:tr>
               <a:tr h="0">
                 <a:tc>
@@ -12258,6 +12546,11 @@
                     <a:noFill/>
                   </a:tcPr>
                 </a:tc>
+                <a:extLst>
+                  <a:ext uri="{0D108BD9-81ED-4DB2-BD59-A6C34878D82A}">
+                    <a16:rowId xmlns:a16="http://schemas.microsoft.com/office/drawing/2014/main" val="10012"/>
+                  </a:ext>
+                </a:extLst>
               </a:tr>
               <a:tr h="316265">
                 <a:tc>
@@ -12388,6 +12681,11 @@
                     <a:noFill/>
                   </a:tcPr>
                 </a:tc>
+                <a:extLst>
+                  <a:ext uri="{0D108BD9-81ED-4DB2-BD59-A6C34878D82A}">
+                    <a16:rowId xmlns:a16="http://schemas.microsoft.com/office/drawing/2014/main" val="10013"/>
+                  </a:ext>
+                </a:extLst>
               </a:tr>
               <a:tr h="365478">
                 <a:tc>
@@ -12534,6 +12832,11 @@
                     <a:noFill/>
                   </a:tcPr>
                 </a:tc>
+                <a:extLst>
+                  <a:ext uri="{0D108BD9-81ED-4DB2-BD59-A6C34878D82A}">
+                    <a16:rowId xmlns:a16="http://schemas.microsoft.com/office/drawing/2014/main" val="10014"/>
+                  </a:ext>
+                </a:extLst>
               </a:tr>
               <a:tr h="158389">
                 <a:tc>
@@ -12612,23 +12915,7 @@
                           <a:latin typeface="Times New Roman" panose="02020603050405020304" pitchFamily="18" charset="0"/>
                           <a:cs typeface="Times New Roman" panose="02020603050405020304" pitchFamily="18" charset="0"/>
                         </a:rPr>
-                        <a:t>loan term</a:t>
-                      </a:r>
-                      <a:r>
-                        <a:rPr lang="en-US" sz="1100" u="none" strike="noStrike" dirty="0" smtClean="0">
-                          <a:effectLst/>
-                          <a:latin typeface="Times New Roman" panose="02020603050405020304" pitchFamily="18" charset="0"/>
-                          <a:cs typeface="Times New Roman" panose="02020603050405020304" pitchFamily="18" charset="0"/>
-                        </a:rPr>
-                        <a:t>. Only </a:t>
-                      </a:r>
-                      <a:r>
-                        <a:rPr lang="en-US" sz="1100" u="none" strike="noStrike" dirty="0">
-                          <a:effectLst/>
-                          <a:latin typeface="Times New Roman" panose="02020603050405020304" pitchFamily="18" charset="0"/>
-                          <a:cs typeface="Times New Roman" panose="02020603050405020304" pitchFamily="18" charset="0"/>
-                        </a:rPr>
-                        <a:t>2 term is available 36 months and 60 months</a:t>
+                        <a:t>loan term. Only 2 term is available 36 months and 60 months</a:t>
                       </a:r>
                       <a:endParaRPr lang="en-US" sz="1100" b="0" i="0" u="none" strike="noStrike" dirty="0">
                         <a:solidFill>
@@ -12680,6 +12967,11 @@
                     <a:noFill/>
                   </a:tcPr>
                 </a:tc>
+                <a:extLst>
+                  <a:ext uri="{0D108BD9-81ED-4DB2-BD59-A6C34878D82A}">
+                    <a16:rowId xmlns:a16="http://schemas.microsoft.com/office/drawing/2014/main" val="10015"/>
+                  </a:ext>
+                </a:extLst>
               </a:tr>
               <a:tr h="135835">
                 <a:tc>
@@ -12810,6 +13102,11 @@
                     <a:noFill/>
                   </a:tcPr>
                 </a:tc>
+                <a:extLst>
+                  <a:ext uri="{0D108BD9-81ED-4DB2-BD59-A6C34878D82A}">
+                    <a16:rowId xmlns:a16="http://schemas.microsoft.com/office/drawing/2014/main" val="10016"/>
+                  </a:ext>
+                </a:extLst>
               </a:tr>
               <a:tr h="0">
                 <a:tc>
@@ -12940,6 +13237,11 @@
                     <a:noFill/>
                   </a:tcPr>
                 </a:tc>
+                <a:extLst>
+                  <a:ext uri="{0D108BD9-81ED-4DB2-BD59-A6C34878D82A}">
+                    <a16:rowId xmlns:a16="http://schemas.microsoft.com/office/drawing/2014/main" val="10017"/>
+                  </a:ext>
+                </a:extLst>
               </a:tr>
               <a:tr h="389177">
                 <a:tc>
@@ -13070,6 +13372,11 @@
                     <a:noFill/>
                   </a:tcPr>
                 </a:tc>
+                <a:extLst>
+                  <a:ext uri="{0D108BD9-81ED-4DB2-BD59-A6C34878D82A}">
+                    <a16:rowId xmlns:a16="http://schemas.microsoft.com/office/drawing/2014/main" val="10018"/>
+                  </a:ext>
+                </a:extLst>
               </a:tr>
             </a:tbl>
           </a:graphicData>
@@ -13085,13 +13392,6 @@
   <p:clrMapOvr>
     <a:masterClrMapping/>
   </p:clrMapOvr>
-  <p:timing>
-    <p:tnLst>
-      <p:par>
-        <p:cTn id="1" dur="indefinite" restart="never" nodeType="tmRoot"/>
-      </p:par>
-    </p:tnLst>
-  </p:timing>
 </p:sld>
 </file>
 
@@ -13121,7 +13421,7 @@
           <p:nvPr>
             <p:extLst>
               <p:ext uri="{D42A27DB-BD31-4B8C-83A1-F6EECF244321}">
-                <p14:modId xmlns:p14="http://schemas.microsoft.com/office/powerpoint/2010/main" val="190846913"/>
+                <p14:modId xmlns:p14="http://schemas.microsoft.com/office/powerpoint/2010/main" val="970500304"/>
               </p:ext>
             </p:extLst>
           </p:nvPr>
@@ -13137,8 +13437,20 @@
                 <a:tableStyleId>{5C22544A-7EE6-4342-B048-85BDC9FD1C3A}</a:tableStyleId>
               </a:tblPr>
               <a:tblGrid>
-                <a:gridCol w="2103519"/>
-                <a:gridCol w="9252055"/>
+                <a:gridCol w="2103519">
+                  <a:extLst>
+                    <a:ext uri="{9D8B030D-6E8A-4147-A177-3AD203B41FA5}">
+                      <a16:colId xmlns:a16="http://schemas.microsoft.com/office/drawing/2014/main" val="20000"/>
+                    </a:ext>
+                  </a:extLst>
+                </a:gridCol>
+                <a:gridCol w="9252055">
+                  <a:extLst>
+                    <a:ext uri="{9D8B030D-6E8A-4147-A177-3AD203B41FA5}">
+                      <a16:colId xmlns:a16="http://schemas.microsoft.com/office/drawing/2014/main" val="20001"/>
+                    </a:ext>
+                  </a:extLst>
+                </a:gridCol>
               </a:tblGrid>
               <a:tr h="230245">
                 <a:tc>
@@ -13148,7 +13460,7 @@
                     <a:p>
                       <a:pPr algn="ctr" fontAlgn="b"/>
                       <a:r>
-                        <a:rPr lang="en-US" sz="1400" b="1" i="0" u="none" strike="noStrike" dirty="0" smtClean="0">
+                        <a:rPr lang="en-US" sz="1400" b="1" i="0" u="none" strike="noStrike" dirty="0">
                           <a:solidFill>
                             <a:srgbClr val="000000"/>
                           </a:solidFill>
@@ -13159,7 +13471,7 @@
                         <a:t>Column</a:t>
                       </a:r>
                       <a:r>
-                        <a:rPr lang="en-US" sz="1400" b="1" i="0" u="none" strike="noStrike" baseline="0" dirty="0" smtClean="0">
+                        <a:rPr lang="en-US" sz="1400" b="1" i="0" u="none" strike="noStrike" baseline="0" dirty="0">
                           <a:solidFill>
                             <a:srgbClr val="000000"/>
                           </a:solidFill>
@@ -13230,7 +13542,7 @@
                     <a:p>
                       <a:pPr algn="ctr" fontAlgn="b"/>
                       <a:r>
-                        <a:rPr lang="en-US" sz="1400" b="1" i="0" u="none" strike="noStrike" dirty="0" smtClean="0">
+                        <a:rPr lang="en-US" sz="1400" b="1" i="0" u="none" strike="noStrike" dirty="0">
                           <a:solidFill>
                             <a:srgbClr val="000000"/>
                           </a:solidFill>
@@ -13240,14 +13552,6 @@
                         </a:rPr>
                         <a:t> Explanation</a:t>
                       </a:r>
-                      <a:endParaRPr lang="en-US" sz="1400" b="1" i="0" u="none" strike="noStrike" dirty="0">
-                        <a:solidFill>
-                          <a:srgbClr val="000000"/>
-                        </a:solidFill>
-                        <a:effectLst/>
-                        <a:latin typeface="Times New Roman" panose="02020603050405020304" pitchFamily="18" charset="0"/>
-                        <a:cs typeface="Times New Roman" panose="02020603050405020304" pitchFamily="18" charset="0"/>
-                      </a:endParaRPr>
                     </a:p>
                   </a:txBody>
                   <a:tcPr marL="513" marR="513" marT="513" marB="0" anchor="ctr">
@@ -13294,6 +13598,11 @@
                     </a:solidFill>
                   </a:tcPr>
                 </a:tc>
+                <a:extLst>
+                  <a:ext uri="{0D108BD9-81ED-4DB2-BD59-A6C34878D82A}">
+                    <a16:rowId xmlns:a16="http://schemas.microsoft.com/office/drawing/2014/main" val="10000"/>
+                  </a:ext>
+                </a:extLst>
               </a:tr>
               <a:tr h="219990">
                 <a:tc>
@@ -13303,7 +13612,7 @@
                     <a:p>
                       <a:pPr algn="l" fontAlgn="b"/>
                       <a:r>
-                        <a:rPr lang="en-US" sz="1100" b="0" i="0" u="none" strike="noStrike" dirty="0" err="1" smtClean="0">
+                        <a:rPr lang="en-US" sz="1100" b="0" i="0" u="none" strike="noStrike" dirty="0" err="1">
                           <a:solidFill>
                             <a:srgbClr val="000000"/>
                           </a:solidFill>
@@ -13370,7 +13679,7 @@
                     <a:p>
                       <a:pPr algn="l" fontAlgn="b"/>
                       <a:r>
-                        <a:rPr lang="en-US" sz="1100" b="0" i="0" u="none" strike="noStrike" dirty="0" smtClean="0">
+                        <a:rPr lang="en-US" sz="1100" b="0" i="0" u="none" strike="noStrike" dirty="0">
                           <a:solidFill>
                             <a:srgbClr val="000000"/>
                           </a:solidFill>
@@ -13381,7 +13690,7 @@
                         <a:t>Converted tot date time. Correcting dates</a:t>
                       </a:r>
                       <a:r>
-                        <a:rPr lang="en-US" sz="1100" b="0" i="0" u="none" strike="noStrike" baseline="0" dirty="0" smtClean="0">
+                        <a:rPr lang="en-US" sz="1100" b="0" i="0" u="none" strike="noStrike" baseline="0" dirty="0">
                           <a:solidFill>
                             <a:srgbClr val="000000"/>
                           </a:solidFill>
@@ -13441,6 +13750,11 @@
                     <a:noFill/>
                   </a:tcPr>
                 </a:tc>
+                <a:extLst>
+                  <a:ext uri="{0D108BD9-81ED-4DB2-BD59-A6C34878D82A}">
+                    <a16:rowId xmlns:a16="http://schemas.microsoft.com/office/drawing/2014/main" val="10001"/>
+                  </a:ext>
+                </a:extLst>
               </a:tr>
               <a:tr h="330458">
                 <a:tc>
@@ -13450,7 +13764,7 @@
                     <a:p>
                       <a:pPr algn="l" fontAlgn="b"/>
                       <a:r>
-                        <a:rPr lang="en-US" sz="1100" b="0" i="0" u="none" strike="noStrike" dirty="0" err="1" smtClean="0">
+                        <a:rPr lang="en-US" sz="1100" b="0" i="0" u="none" strike="noStrike" dirty="0" err="1">
                           <a:solidFill>
                             <a:srgbClr val="000000"/>
                           </a:solidFill>
@@ -13517,7 +13831,7 @@
                     <a:p>
                       <a:pPr algn="l" fontAlgn="b"/>
                       <a:r>
-                        <a:rPr lang="en-US" sz="1100" b="0" i="0" u="none" strike="noStrike" smtClean="0">
+                        <a:rPr lang="en-US" sz="1100" b="0" i="0" u="none" strike="noStrike">
                           <a:solidFill>
                             <a:srgbClr val="000000"/>
                           </a:solidFill>
@@ -13577,6 +13891,11 @@
                     <a:noFill/>
                   </a:tcPr>
                 </a:tc>
+                <a:extLst>
+                  <a:ext uri="{0D108BD9-81ED-4DB2-BD59-A6C34878D82A}">
+                    <a16:rowId xmlns:a16="http://schemas.microsoft.com/office/drawing/2014/main" val="10002"/>
+                  </a:ext>
+                </a:extLst>
               </a:tr>
               <a:tr h="330458">
                 <a:tc>
@@ -13586,7 +13905,7 @@
                     <a:p>
                       <a:pPr algn="l" fontAlgn="b"/>
                       <a:r>
-                        <a:rPr lang="en-US" sz="1100" b="0" i="0" u="none" strike="noStrike" dirty="0" err="1" smtClean="0">
+                        <a:rPr lang="en-US" sz="1100" b="0" i="0" u="none" strike="noStrike" dirty="0" err="1">
                           <a:solidFill>
                             <a:srgbClr val="000000"/>
                           </a:solidFill>
@@ -13653,7 +13972,7 @@
                     <a:p>
                       <a:pPr algn="l" fontAlgn="b"/>
                       <a:r>
-                        <a:rPr lang="en-US" sz="1100" b="0" i="0" u="none" strike="noStrike" smtClean="0">
+                        <a:rPr lang="en-US" sz="1100" b="0" i="0" u="none" strike="noStrike">
                           <a:solidFill>
                             <a:srgbClr val="000000"/>
                           </a:solidFill>
@@ -13713,6 +14032,11 @@
                     <a:noFill/>
                   </a:tcPr>
                 </a:tc>
+                <a:extLst>
+                  <a:ext uri="{0D108BD9-81ED-4DB2-BD59-A6C34878D82A}">
+                    <a16:rowId xmlns:a16="http://schemas.microsoft.com/office/drawing/2014/main" val="10003"/>
+                  </a:ext>
+                </a:extLst>
               </a:tr>
               <a:tr h="330458">
                 <a:tc>
@@ -13722,7 +14046,7 @@
                     <a:p>
                       <a:pPr algn="l" fontAlgn="b"/>
                       <a:r>
-                        <a:rPr lang="en-US" sz="1100" b="0" i="0" u="none" strike="noStrike" dirty="0" err="1" smtClean="0">
+                        <a:rPr lang="en-US" sz="1100" b="0" i="0" u="none" strike="noStrike" dirty="0" err="1">
                           <a:solidFill>
                             <a:srgbClr val="000000"/>
                           </a:solidFill>
@@ -13789,7 +14113,7 @@
                     <a:p>
                       <a:pPr algn="l" fontAlgn="b"/>
                       <a:r>
-                        <a:rPr lang="en-US" sz="1100" b="0" i="0" u="none" strike="noStrike" smtClean="0">
+                        <a:rPr lang="en-US" sz="1100" b="0" i="0" u="none" strike="noStrike">
                           <a:solidFill>
                             <a:srgbClr val="000000"/>
                           </a:solidFill>
@@ -13849,6 +14173,11 @@
                     <a:noFill/>
                   </a:tcPr>
                 </a:tc>
+                <a:extLst>
+                  <a:ext uri="{0D108BD9-81ED-4DB2-BD59-A6C34878D82A}">
+                    <a16:rowId xmlns:a16="http://schemas.microsoft.com/office/drawing/2014/main" val="10004"/>
+                  </a:ext>
+                </a:extLst>
               </a:tr>
               <a:tr h="330458">
                 <a:tc>
@@ -13858,7 +14187,7 @@
                     <a:p>
                       <a:pPr algn="l" fontAlgn="b"/>
                       <a:r>
-                        <a:rPr lang="en-US" sz="1100" b="0" i="0" u="none" strike="noStrike" dirty="0" err="1" smtClean="0">
+                        <a:rPr lang="en-US" sz="1100" b="0" i="0" u="none" strike="noStrike" dirty="0" err="1">
                           <a:solidFill>
                             <a:srgbClr val="000000"/>
                           </a:solidFill>
@@ -13925,7 +14254,7 @@
                     <a:p>
                       <a:pPr algn="l" fontAlgn="b"/>
                       <a:r>
-                        <a:rPr lang="en-US" sz="1100" b="0" i="0" u="none" strike="noStrike" dirty="0" smtClean="0">
+                        <a:rPr lang="en-US" sz="1100" b="0" i="0" u="none" strike="noStrike" dirty="0">
                           <a:solidFill>
                             <a:srgbClr val="000000"/>
                           </a:solidFill>
@@ -13934,6 +14263,72 @@
                           <a:cs typeface="Times New Roman" panose="02020603050405020304" pitchFamily="18" charset="0"/>
                         </a:rPr>
                         <a:t>Converted tot date time</a:t>
+                      </a:r>
+                    </a:p>
+                  </a:txBody>
+                  <a:tcPr anchor="ctr">
+                    <a:lnL w="12700" cap="flat" cmpd="sng" algn="ctr">
+                      <a:solidFill>
+                        <a:schemeClr val="tx1"/>
+                      </a:solidFill>
+                      <a:prstDash val="solid"/>
+                      <a:round/>
+                      <a:headEnd type="none" w="med" len="med"/>
+                      <a:tailEnd type="none" w="med" len="med"/>
+                    </a:lnL>
+                    <a:lnR w="12700" cap="flat" cmpd="sng" algn="ctr">
+                      <a:solidFill>
+                        <a:schemeClr val="tx1"/>
+                      </a:solidFill>
+                      <a:prstDash val="solid"/>
+                      <a:round/>
+                      <a:headEnd type="none" w="med" len="med"/>
+                      <a:tailEnd type="none" w="med" len="med"/>
+                    </a:lnR>
+                    <a:lnT w="12700" cap="flat" cmpd="sng" algn="ctr">
+                      <a:solidFill>
+                        <a:schemeClr val="tx1"/>
+                      </a:solidFill>
+                      <a:prstDash val="solid"/>
+                      <a:round/>
+                      <a:headEnd type="none" w="med" len="med"/>
+                      <a:tailEnd type="none" w="med" len="med"/>
+                    </a:lnT>
+                    <a:lnB w="12700" cap="flat" cmpd="sng" algn="ctr">
+                      <a:solidFill>
+                        <a:schemeClr val="tx1"/>
+                      </a:solidFill>
+                      <a:prstDash val="solid"/>
+                      <a:round/>
+                      <a:headEnd type="none" w="med" len="med"/>
+                      <a:tailEnd type="none" w="med" len="med"/>
+                    </a:lnB>
+                    <a:noFill/>
+                  </a:tcPr>
+                </a:tc>
+                <a:extLst>
+                  <a:ext uri="{0D108BD9-81ED-4DB2-BD59-A6C34878D82A}">
+                    <a16:rowId xmlns:a16="http://schemas.microsoft.com/office/drawing/2014/main" val="10005"/>
+                  </a:ext>
+                </a:extLst>
+              </a:tr>
+              <a:tr h="330458">
+                <a:tc>
+                  <a:txBody>
+                    <a:bodyPr/>
+                    <a:lstStyle/>
+                    <a:p>
+                      <a:pPr algn="l" fontAlgn="b"/>
+                      <a:r>
+                        <a:rPr lang="en-US" sz="1100" b="0" i="0" u="none" strike="noStrike" dirty="0" err="1">
+                          <a:solidFill>
+                            <a:srgbClr val="000000"/>
+                          </a:solidFill>
+                          <a:effectLst/>
+                          <a:latin typeface="Times New Roman" panose="02020603050405020304" pitchFamily="18" charset="0"/>
+                          <a:cs typeface="Times New Roman" panose="02020603050405020304" pitchFamily="18" charset="0"/>
+                        </a:rPr>
+                        <a:t>int_rate</a:t>
                       </a:r>
                       <a:endParaRPr lang="en-US" sz="1100" b="0" i="0" u="none" strike="noStrike" dirty="0">
                         <a:solidFill>
@@ -13985,8 +14380,6 @@
                     <a:noFill/>
                   </a:tcPr>
                 </a:tc>
-              </a:tr>
-              <a:tr h="330458">
                 <a:tc>
                   <a:txBody>
                     <a:bodyPr/>
@@ -13994,74 +14387,7 @@
                     <a:p>
                       <a:pPr algn="l" fontAlgn="b"/>
                       <a:r>
-                        <a:rPr lang="en-US" sz="1100" b="0" i="0" u="none" strike="noStrike" dirty="0" err="1" smtClean="0">
-                          <a:solidFill>
-                            <a:srgbClr val="000000"/>
-                          </a:solidFill>
-                          <a:effectLst/>
-                          <a:latin typeface="Times New Roman" panose="02020603050405020304" pitchFamily="18" charset="0"/>
-                          <a:cs typeface="Times New Roman" panose="02020603050405020304" pitchFamily="18" charset="0"/>
-                        </a:rPr>
-                        <a:t>dti</a:t>
-                      </a:r>
-                      <a:endParaRPr lang="en-US" sz="1100" b="0" i="0" u="none" strike="noStrike" dirty="0">
-                        <a:solidFill>
-                          <a:srgbClr val="000000"/>
-                        </a:solidFill>
-                        <a:effectLst/>
-                        <a:latin typeface="Times New Roman" panose="02020603050405020304" pitchFamily="18" charset="0"/>
-                        <a:cs typeface="Times New Roman" panose="02020603050405020304" pitchFamily="18" charset="0"/>
-                      </a:endParaRPr>
-                    </a:p>
-                  </a:txBody>
-                  <a:tcPr anchor="ctr">
-                    <a:lnL w="12700" cap="flat" cmpd="sng" algn="ctr">
-                      <a:solidFill>
-                        <a:schemeClr val="tx1"/>
-                      </a:solidFill>
-                      <a:prstDash val="solid"/>
-                      <a:round/>
-                      <a:headEnd type="none" w="med" len="med"/>
-                      <a:tailEnd type="none" w="med" len="med"/>
-                    </a:lnL>
-                    <a:lnR w="12700" cap="flat" cmpd="sng" algn="ctr">
-                      <a:solidFill>
-                        <a:schemeClr val="tx1"/>
-                      </a:solidFill>
-                      <a:prstDash val="solid"/>
-                      <a:round/>
-                      <a:headEnd type="none" w="med" len="med"/>
-                      <a:tailEnd type="none" w="med" len="med"/>
-                    </a:lnR>
-                    <a:lnT w="12700" cap="flat" cmpd="sng" algn="ctr">
-                      <a:solidFill>
-                        <a:schemeClr val="tx1"/>
-                      </a:solidFill>
-                      <a:prstDash val="solid"/>
-                      <a:round/>
-                      <a:headEnd type="none" w="med" len="med"/>
-                      <a:tailEnd type="none" w="med" len="med"/>
-                    </a:lnT>
-                    <a:lnB w="12700" cap="flat" cmpd="sng" algn="ctr">
-                      <a:solidFill>
-                        <a:schemeClr val="tx1"/>
-                      </a:solidFill>
-                      <a:prstDash val="solid"/>
-                      <a:round/>
-                      <a:headEnd type="none" w="med" len="med"/>
-                      <a:tailEnd type="none" w="med" len="med"/>
-                    </a:lnB>
-                    <a:noFill/>
-                  </a:tcPr>
-                </a:tc>
-                <a:tc>
-                  <a:txBody>
-                    <a:bodyPr/>
-                    <a:lstStyle/>
-                    <a:p>
-                      <a:pPr algn="l" fontAlgn="b"/>
-                      <a:r>
-                        <a:rPr lang="en-US" sz="1100" b="0" i="0" u="none" strike="noStrike" dirty="0" smtClean="0">
+                        <a:rPr lang="en-US" sz="1100" b="0" i="0" u="none" strike="noStrike" dirty="0">
                           <a:solidFill>
                             <a:srgbClr val="000000"/>
                           </a:solidFill>
@@ -14072,7 +14398,7 @@
                         <a:t>Stripped</a:t>
                       </a:r>
                       <a:r>
-                        <a:rPr lang="en-US" sz="1100" b="0" i="0" u="none" strike="noStrike" baseline="0" dirty="0" smtClean="0">
+                        <a:rPr lang="en-US" sz="1100" b="0" i="0" u="none" strike="noStrike" baseline="0" dirty="0">
                           <a:solidFill>
                             <a:srgbClr val="000000"/>
                           </a:solidFill>
@@ -14132,6 +14458,11 @@
                     <a:noFill/>
                   </a:tcPr>
                 </a:tc>
+                <a:extLst>
+                  <a:ext uri="{0D108BD9-81ED-4DB2-BD59-A6C34878D82A}">
+                    <a16:rowId xmlns:a16="http://schemas.microsoft.com/office/drawing/2014/main" val="10006"/>
+                  </a:ext>
+                </a:extLst>
               </a:tr>
               <a:tr h="330458">
                 <a:tc>
@@ -14141,7 +14472,7 @@
                     <a:p>
                       <a:pPr algn="l" fontAlgn="b"/>
                       <a:r>
-                        <a:rPr lang="en-US" sz="1100" b="0" i="0" u="none" strike="noStrike" dirty="0" err="1" smtClean="0">
+                        <a:rPr lang="en-US" sz="1100" b="0" i="0" u="none" strike="noStrike" dirty="0" err="1">
                           <a:solidFill>
                             <a:srgbClr val="000000"/>
                           </a:solidFill>
@@ -14208,7 +14539,7 @@
                     <a:p>
                       <a:pPr algn="l" fontAlgn="b"/>
                       <a:r>
-                        <a:rPr lang="en-US" sz="1100" b="0" i="0" u="none" strike="noStrike" dirty="0" smtClean="0">
+                        <a:rPr lang="en-US" sz="1100" b="0" i="0" u="none" strike="noStrike" dirty="0">
                           <a:solidFill>
                             <a:srgbClr val="000000"/>
                           </a:solidFill>
@@ -14219,7 +14550,7 @@
                         <a:t>Stripped</a:t>
                       </a:r>
                       <a:r>
-                        <a:rPr lang="en-US" sz="1100" b="0" i="0" u="none" strike="noStrike" baseline="0" dirty="0" smtClean="0">
+                        <a:rPr lang="en-US" sz="1100" b="0" i="0" u="none" strike="noStrike" baseline="0" dirty="0">
                           <a:solidFill>
                             <a:srgbClr val="000000"/>
                           </a:solidFill>
@@ -14279,6 +14610,11 @@
                     <a:noFill/>
                   </a:tcPr>
                 </a:tc>
+                <a:extLst>
+                  <a:ext uri="{0D108BD9-81ED-4DB2-BD59-A6C34878D82A}">
+                    <a16:rowId xmlns:a16="http://schemas.microsoft.com/office/drawing/2014/main" val="10007"/>
+                  </a:ext>
+                </a:extLst>
               </a:tr>
             </a:tbl>
           </a:graphicData>
@@ -14307,16 +14643,8 @@
           <a:lstStyle/>
           <a:p>
             <a:r>
-              <a:rPr lang="en-IN" sz="3600" b="1" dirty="0" smtClean="0"/>
-              <a:t>Data </a:t>
-            </a:r>
-            <a:r>
-              <a:rPr lang="en-IN" sz="3600" b="1" dirty="0" smtClean="0"/>
-              <a:t>cleaning</a:t>
-            </a:r>
-            <a:r>
               <a:rPr lang="en-IN" sz="3600" b="1" dirty="0"/>
-              <a:t>	</a:t>
+              <a:t>Data cleaning	</a:t>
             </a:r>
           </a:p>
         </p:txBody>
@@ -14331,13 +14659,6 @@
   <p:clrMapOvr>
     <a:masterClrMapping/>
   </p:clrMapOvr>
-  <p:timing>
-    <p:tnLst>
-      <p:par>
-        <p:cTn id="1" dur="indefinite" restart="never" nodeType="tmRoot"/>
-      </p:par>
-    </p:tnLst>
-  </p:timing>
 </p:sld>
 </file>
 
@@ -14381,12 +14702,8 @@
           <a:lstStyle/>
           <a:p>
             <a:r>
-              <a:rPr lang="en-IN" sz="3600" b="1" dirty="0" smtClean="0"/>
-              <a:t>Data we derived</a:t>
-            </a:r>
-            <a:r>
               <a:rPr lang="en-IN" sz="3600" b="1" dirty="0"/>
-              <a:t>	</a:t>
+              <a:t>Data we derived	</a:t>
             </a:r>
           </a:p>
         </p:txBody>
@@ -14412,7 +14729,7 @@
         </p:xfrm>
         <a:graphic>
           <a:graphicData uri="http://schemas.openxmlformats.org/drawingml/2006/diagram">
-            <dgm:relIds xmlns:dgm="http://schemas.openxmlformats.org/drawingml/2006/diagram" xmlns:r="http://schemas.openxmlformats.org/officeDocument/2006/relationships" r:dm="rId2" r:lo="rId3" r:qs="rId4" r:cs="rId5"/>
+            <dgm:relIds xmlns:dgm="http://schemas.openxmlformats.org/drawingml/2006/diagram" xmlns:r="http://schemas.openxmlformats.org/officeDocument/2006/relationships" r:dm="rId3" r:lo="rId4" r:qs="rId5" r:cs="rId6"/>
           </a:graphicData>
         </a:graphic>
       </p:graphicFrame>
@@ -14426,13 +14743,6 @@
   <p:clrMapOvr>
     <a:masterClrMapping/>
   </p:clrMapOvr>
-  <p:timing>
-    <p:tnLst>
-      <p:par>
-        <p:cTn id="1" dur="indefinite" restart="never" nodeType="tmRoot"/>
-      </p:par>
-    </p:tnLst>
-  </p:timing>
 </p:sld>
 </file>
 
@@ -14496,17 +14806,16 @@
           <a:p>
             <a:pPr algn="ctr"/>
             <a:r>
-              <a:rPr lang="en-IN" sz="2800" dirty="0" smtClean="0"/>
-              <a:t>Analyses &amp; Hypothesis</a:t>
+              <a:rPr lang="en-IN" sz="2800" dirty="0"/>
+              <a:t>Analyses &amp; Inferences</a:t>
             </a:r>
             <a:br>
-              <a:rPr lang="en-IN" sz="2800" dirty="0" smtClean="0"/>
+              <a:rPr lang="en-IN" sz="2800" dirty="0"/>
             </a:br>
             <a:r>
-              <a:rPr lang="en-IN" sz="2800" dirty="0" smtClean="0"/>
+              <a:rPr lang="en-IN" sz="2800" dirty="0"/>
               <a:t> </a:t>
             </a:r>
-            <a:endParaRPr lang="en-IN" sz="2800" dirty="0"/>
           </a:p>
         </p:txBody>
       </p:sp>
@@ -14520,13 +14829,6 @@
   <p:clrMapOvr>
     <a:masterClrMapping/>
   </p:clrMapOvr>
-  <p:timing>
-    <p:tnLst>
-      <p:par>
-        <p:cTn id="1" dur="indefinite" restart="never" nodeType="tmRoot"/>
-      </p:par>
-    </p:tnLst>
-  </p:timing>
 </p:sld>
 </file>
 
@@ -14549,10 +14851,10 @@
       </p:grpSpPr>
       <p:sp>
         <p:nvSpPr>
-          <p:cNvPr id="6" name="Title 1">
+          <p:cNvPr id="2" name="Title 1">
             <a:extLst>
               <a:ext uri="{FF2B5EF4-FFF2-40B4-BE49-F238E27FC236}">
-                <a16:creationId xmlns="" xmlns:a16="http://schemas.microsoft.com/office/drawing/2014/main" id="{C9ED24FB-F1DF-43A2-A28A-E1B9714DF31A}"/>
+                <a16:creationId xmlns:a16="http://schemas.microsoft.com/office/drawing/2014/main" id="{703D027D-982D-473A-9128-2B36AFB31D45}"/>
               </a:ext>
             </a:extLst>
           </p:cNvPr>
@@ -14563,205 +14865,53 @@
             <p:ph type="title"/>
           </p:nvPr>
         </p:nvSpPr>
-        <p:spPr>
-          <a:xfrm>
-            <a:off x="404949" y="800336"/>
-            <a:ext cx="11168742" cy="856138"/>
-          </a:xfrm>
-        </p:spPr>
+        <p:spPr/>
         <p:txBody>
-          <a:bodyPr>
-            <a:normAutofit/>
-          </a:bodyPr>
+          <a:bodyPr/>
           <a:lstStyle/>
           <a:p>
             <a:r>
-              <a:rPr lang="en-IN" sz="3600" b="1" dirty="0" smtClean="0"/>
-              <a:t>Rate of interest impact</a:t>
+              <a:rPr lang="en-US" dirty="0"/>
+              <a:t>Analysis of various columns</a:t>
             </a:r>
-            <a:endParaRPr lang="en-IN" sz="3600" b="1" dirty="0"/>
           </a:p>
         </p:txBody>
       </p:sp>
       <p:sp>
         <p:nvSpPr>
-          <p:cNvPr id="9" name="TextBox 8"/>
-          <p:cNvSpPr txBox="1"/>
-          <p:nvPr/>
+          <p:cNvPr id="3" name="Content Placeholder 2">
+            <a:extLst>
+              <a:ext uri="{FF2B5EF4-FFF2-40B4-BE49-F238E27FC236}">
+                <a16:creationId xmlns:a16="http://schemas.microsoft.com/office/drawing/2014/main" id="{AF2107F1-B9AA-400F-9F0E-8FF275D3B65E}"/>
+              </a:ext>
+            </a:extLst>
+          </p:cNvPr>
+          <p:cNvSpPr>
+            <a:spLocks noGrp="1"/>
+          </p:cNvSpPr>
+          <p:nvPr>
+            <p:ph idx="1"/>
+          </p:nvPr>
         </p:nvSpPr>
-        <p:spPr>
-          <a:xfrm>
-            <a:off x="8091377" y="1562986"/>
-            <a:ext cx="3949995" cy="3647152"/>
-          </a:xfrm>
-          <a:prstGeom prst="rect">
-            <a:avLst/>
-          </a:prstGeom>
-          <a:noFill/>
-        </p:spPr>
+        <p:spPr/>
         <p:txBody>
-          <a:bodyPr wrap="square" rtlCol="0">
-            <a:spAutoFit/>
-          </a:bodyPr>
+          <a:bodyPr/>
           <a:lstStyle/>
           <a:p>
-            <a:pPr>
-              <a:lnSpc>
-                <a:spcPct val="150000"/>
-              </a:lnSpc>
-            </a:pPr>
-            <a:r>
-              <a:rPr lang="en-US" sz="1400" b="1" u="sng" dirty="0" smtClean="0"/>
-              <a:t>Observations:</a:t>
-            </a:r>
-            <a:r>
-              <a:rPr lang="en-US" sz="1400" dirty="0" smtClean="0"/>
-              <a:t> </a:t>
-            </a:r>
-          </a:p>
-          <a:p>
-            <a:pPr marL="285750" indent="-285750">
-              <a:lnSpc>
-                <a:spcPct val="150000"/>
-              </a:lnSpc>
-              <a:buFont typeface="Wingdings" panose="05000000000000000000" pitchFamily="2" charset="2"/>
-              <a:buChar char="Ø"/>
-            </a:pPr>
-            <a:r>
-              <a:rPr lang="en-US" sz="1400" dirty="0" smtClean="0"/>
-              <a:t>Rate of interes</a:t>
-            </a:r>
-            <a:r>
-              <a:rPr lang="en-US" sz="1400" dirty="0" smtClean="0"/>
-              <a:t>t for fully paid is consistently lower </a:t>
-            </a:r>
-            <a:r>
-              <a:rPr lang="en-US" sz="1400" dirty="0" err="1" smtClean="0"/>
-              <a:t>vompared</a:t>
-            </a:r>
-            <a:r>
-              <a:rPr lang="en-US" sz="1400" dirty="0" smtClean="0"/>
-              <a:t> to charged off/default over the years</a:t>
-            </a:r>
-          </a:p>
-          <a:p>
-            <a:pPr marL="285750" indent="-285750">
-              <a:lnSpc>
-                <a:spcPct val="150000"/>
-              </a:lnSpc>
-              <a:buFont typeface="Wingdings" panose="05000000000000000000" pitchFamily="2" charset="2"/>
-              <a:buChar char="Ø"/>
-            </a:pPr>
-            <a:r>
-              <a:rPr lang="en-US" sz="1400" dirty="0" smtClean="0"/>
-              <a:t>Post 2010 the gap is significantly higher</a:t>
-            </a:r>
-            <a:endParaRPr lang="en-US" sz="1400" dirty="0" smtClean="0"/>
-          </a:p>
-          <a:p>
-            <a:pPr>
-              <a:lnSpc>
-                <a:spcPct val="150000"/>
-              </a:lnSpc>
-            </a:pPr>
-            <a:r>
-              <a:rPr lang="en-US" sz="1400" b="1" u="sng" dirty="0" smtClean="0"/>
-              <a:t>Inferences:</a:t>
-            </a:r>
-            <a:r>
-              <a:rPr lang="en-US" sz="1400" dirty="0" smtClean="0"/>
-              <a:t> </a:t>
-            </a:r>
-          </a:p>
-          <a:p>
-            <a:pPr marL="285750" indent="-285750">
-              <a:lnSpc>
-                <a:spcPct val="150000"/>
-              </a:lnSpc>
-              <a:buFont typeface="Wingdings" panose="05000000000000000000" pitchFamily="2" charset="2"/>
-              <a:buChar char="Ø"/>
-            </a:pPr>
-            <a:r>
-              <a:rPr lang="en-US" sz="1400" dirty="0" smtClean="0"/>
-              <a:t>Higher rate of interest are guided by high risky loans</a:t>
-            </a:r>
-          </a:p>
-          <a:p>
-            <a:pPr marL="285750" indent="-285750">
-              <a:lnSpc>
-                <a:spcPct val="150000"/>
-              </a:lnSpc>
-              <a:buFont typeface="Wingdings" panose="05000000000000000000" pitchFamily="2" charset="2"/>
-              <a:buChar char="Ø"/>
-            </a:pPr>
-            <a:r>
-              <a:rPr lang="en-US" sz="1400" dirty="0" smtClean="0"/>
-              <a:t>People with lower grades tend to get higher rate of interest</a:t>
-            </a:r>
-          </a:p>
-          <a:p>
-            <a:pPr marL="285750" indent="-285750">
-              <a:lnSpc>
-                <a:spcPct val="150000"/>
-              </a:lnSpc>
-              <a:buFont typeface="Wingdings" panose="05000000000000000000" pitchFamily="2" charset="2"/>
-              <a:buChar char="Ø"/>
-            </a:pPr>
-            <a:r>
-              <a:rPr lang="en-US" sz="1400" dirty="0" smtClean="0"/>
-              <a:t>This risk factor leads to charged off</a:t>
-            </a:r>
-            <a:endParaRPr lang="en-US" sz="1400" dirty="0"/>
+            <a:endParaRPr lang="en-US"/>
           </a:p>
         </p:txBody>
       </p:sp>
-      <p:pic>
-        <p:nvPicPr>
-          <p:cNvPr id="4" name="Picture 3"/>
-          <p:cNvPicPr>
-            <a:picLocks noChangeAspect="1"/>
-          </p:cNvPicPr>
-          <p:nvPr/>
-        </p:nvPicPr>
-        <p:blipFill>
-          <a:blip r:embed="rId2">
-            <a:extLst>
-              <a:ext uri="{28A0092B-C50C-407E-A947-70E740481C1C}">
-                <a14:useLocalDpi xmlns:a14="http://schemas.microsoft.com/office/drawing/2010/main" val="0"/>
-              </a:ext>
-            </a:extLst>
-          </a:blip>
-          <a:stretch>
-            <a:fillRect/>
-          </a:stretch>
-        </p:blipFill>
-        <p:spPr>
-          <a:xfrm>
-            <a:off x="0" y="1461976"/>
-            <a:ext cx="7403384" cy="5544879"/>
-          </a:xfrm>
-          <a:prstGeom prst="rect">
-            <a:avLst/>
-          </a:prstGeom>
-        </p:spPr>
-      </p:pic>
     </p:spTree>
     <p:extLst>
       <p:ext uri="{BB962C8B-B14F-4D97-AF65-F5344CB8AC3E}">
-        <p14:creationId xmlns:p14="http://schemas.microsoft.com/office/powerpoint/2010/main" val="3608566508"/>
+        <p14:creationId xmlns:p14="http://schemas.microsoft.com/office/powerpoint/2010/main" val="3459183276"/>
       </p:ext>
     </p:extLst>
   </p:cSld>
   <p:clrMapOvr>
     <a:masterClrMapping/>
   </p:clrMapOvr>
-  <p:timing>
-    <p:tnLst>
-      <p:par>
-        <p:cTn id="1" dur="indefinite" restart="never" nodeType="tmRoot"/>
-      </p:par>
-    </p:tnLst>
-  </p:timing>
 </p:sld>
 </file>
 
@@ -14787,7 +14937,7 @@
           <p:cNvPr id="6" name="Title 1">
             <a:extLst>
               <a:ext uri="{FF2B5EF4-FFF2-40B4-BE49-F238E27FC236}">
-                <a16:creationId xmlns="" xmlns:a16="http://schemas.microsoft.com/office/drawing/2014/main" id="{C9ED24FB-F1DF-43A2-A28A-E1B9714DF31A}"/>
+                <a16:creationId xmlns:a16="http://schemas.microsoft.com/office/drawing/2014/main" id="{C9ED24FB-F1DF-43A2-A28A-E1B9714DF31A}"/>
               </a:ext>
             </a:extLst>
           </p:cNvPr>
@@ -14811,10 +14961,9 @@
           <a:lstStyle/>
           <a:p>
             <a:r>
-              <a:rPr lang="en-IN" sz="3600" b="1" dirty="0" smtClean="0"/>
-              <a:t>Home ownership impact</a:t>
+              <a:rPr lang="en-IN" sz="3600" b="1" dirty="0"/>
+              <a:t>Rate of interest impact</a:t>
             </a:r>
-            <a:endParaRPr lang="en-IN" sz="3600" b="1" dirty="0"/>
           </a:p>
         </p:txBody>
       </p:sp>
@@ -14827,7 +14976,7 @@
         <p:spPr>
           <a:xfrm>
             <a:off x="8091377" y="1562986"/>
-            <a:ext cx="3949995" cy="4939814"/>
+            <a:ext cx="3949995" cy="3647152"/>
           </a:xfrm>
           <a:prstGeom prst="rect">
             <a:avLst/>
@@ -14846,25 +14995,12 @@
               </a:lnSpc>
             </a:pPr>
             <a:r>
-              <a:rPr lang="en-US" sz="1400" b="1" u="sng" dirty="0" smtClean="0"/>
+              <a:rPr lang="en-US" sz="1400" b="1" u="sng" dirty="0"/>
               <a:t>Observations:</a:t>
             </a:r>
             <a:r>
-              <a:rPr lang="en-US" sz="1400" dirty="0" smtClean="0"/>
+              <a:rPr lang="en-US" sz="1400" dirty="0"/>
               <a:t> </a:t>
-            </a:r>
-          </a:p>
-          <a:p>
-            <a:pPr marL="285750" indent="-285750">
-              <a:lnSpc>
-                <a:spcPct val="150000"/>
-              </a:lnSpc>
-              <a:buFont typeface="Wingdings" panose="05000000000000000000" pitchFamily="2" charset="2"/>
-              <a:buChar char="Ø"/>
-            </a:pPr>
-            <a:r>
-              <a:rPr lang="en-US" sz="1400" dirty="0" smtClean="0"/>
-              <a:t>Mortgage and rent have the highest loans given</a:t>
             </a:r>
           </a:p>
           <a:p>
@@ -14877,29 +15013,16 @@
             </a:pPr>
             <a:r>
               <a:rPr lang="en-US" sz="1400" dirty="0"/>
-              <a:t>Between </a:t>
+              <a:t>Rate of interest for fully paid is consistently lower </a:t>
             </a:r>
             <a:r>
-              <a:rPr lang="en-US" sz="1400" dirty="0" smtClean="0"/>
-              <a:t>mortgage, rent and own, </a:t>
+              <a:rPr lang="en-US" sz="1400" dirty="0" err="1"/>
+              <a:t>vompared</a:t>
             </a:r>
             <a:r>
               <a:rPr lang="en-US" sz="1400" dirty="0"/>
-              <a:t>rented </a:t>
+              <a:t> to charged off/default over the years</a:t>
             </a:r>
-            <a:r>
-              <a:rPr lang="en-US" sz="1400" dirty="0" smtClean="0"/>
-              <a:t>and own home owners tend </a:t>
-            </a:r>
-            <a:r>
-              <a:rPr lang="en-US" sz="1400" dirty="0"/>
-              <a:t>to default </a:t>
-            </a:r>
-            <a:r>
-              <a:rPr lang="en-US" sz="1400" dirty="0" smtClean="0"/>
-              <a:t>more compared to Mortgage</a:t>
-            </a:r>
-            <a:endParaRPr lang="en-US" sz="1400" dirty="0"/>
           </a:p>
           <a:p>
             <a:pPr marL="285750" indent="-285750">
@@ -14910,8 +15033,8 @@
               <a:buChar char="Ø"/>
             </a:pPr>
             <a:r>
-              <a:rPr lang="en-US" sz="1400" dirty="0" smtClean="0"/>
-              <a:t>Although not many loans under others, it has a significant percentage of loan defaulting (&gt;20%)</a:t>
+              <a:rPr lang="en-US" sz="1400" dirty="0"/>
+              <a:t>Post 2010 the gap is significantly higher</a:t>
             </a:r>
           </a:p>
           <a:p>
@@ -14921,15 +15044,11 @@
               </a:lnSpc>
             </a:pPr>
             <a:r>
-              <a:rPr lang="en-US" sz="1400" b="1" u="sng" dirty="0" smtClean="0"/>
-              <a:t>Inferences</a:t>
+              <a:rPr lang="en-US" sz="1400" b="1" u="sng" dirty="0"/>
+              <a:t>Inferences:</a:t>
             </a:r>
             <a:r>
-              <a:rPr lang="en-US" sz="1400" b="1" u="sng" dirty="0" smtClean="0"/>
-              <a:t>:</a:t>
-            </a:r>
-            <a:r>
-              <a:rPr lang="en-US" sz="1400" dirty="0" smtClean="0"/>
+              <a:rPr lang="en-US" sz="1400" dirty="0"/>
               <a:t> </a:t>
             </a:r>
           </a:p>
@@ -14942,8 +15061,8 @@
               <a:buChar char="Ø"/>
             </a:pPr>
             <a:r>
-              <a:rPr lang="en-US" sz="1400" dirty="0" smtClean="0"/>
-              <a:t>Others is an undefined category, need more data to understand why it has more defaults</a:t>
+              <a:rPr lang="en-US" sz="1400" dirty="0"/>
+              <a:t>Higher rate of interest are guided by high risky loans</a:t>
             </a:r>
           </a:p>
           <a:p>
@@ -14955,36 +15074,28 @@
               <a:buChar char="Ø"/>
             </a:pPr>
             <a:r>
-              <a:rPr lang="en-US" sz="1400" dirty="0" smtClean="0"/>
-              <a:t>Mortgage has lower percentage of default. Since mortgage is a major loan and any default on other loan will increase the </a:t>
+              <a:rPr lang="en-US" sz="1400" dirty="0"/>
+              <a:t>People with lower grades tend to get higher rate of interest</a:t>
             </a:r>
+          </a:p>
+          <a:p>
+            <a:pPr marL="285750" indent="-285750">
+              <a:lnSpc>
+                <a:spcPct val="150000"/>
+              </a:lnSpc>
+              <a:buFont typeface="Wingdings" panose="05000000000000000000" pitchFamily="2" charset="2"/>
+              <a:buChar char="Ø"/>
+            </a:pPr>
             <a:r>
-              <a:rPr lang="en-US" sz="1400" dirty="0" err="1" smtClean="0"/>
-              <a:t>RoI</a:t>
+              <a:rPr lang="en-US" sz="1400" dirty="0"/>
+              <a:t>This risk factor leads to charged off</a:t>
             </a:r>
-            <a:r>
-              <a:rPr lang="en-US" sz="1400" dirty="0" smtClean="0"/>
-              <a:t> or loan </a:t>
-            </a:r>
-            <a:r>
-              <a:rPr lang="en-US" sz="1400" dirty="0" err="1" smtClean="0"/>
-              <a:t>categrory</a:t>
-            </a:r>
-            <a:r>
-              <a:rPr lang="en-US" sz="1400" dirty="0" smtClean="0"/>
-              <a:t>, hence Mortgage owners tends to pay back and have a less risk of </a:t>
-            </a:r>
-            <a:r>
-              <a:rPr lang="en-US" sz="1400" dirty="0" err="1" smtClean="0"/>
-              <a:t>efaulting</a:t>
-            </a:r>
-            <a:endParaRPr lang="en-US" sz="1400" dirty="0"/>
           </a:p>
         </p:txBody>
       </p:sp>
       <p:pic>
         <p:nvPicPr>
-          <p:cNvPr id="5" name="Picture 4"/>
+          <p:cNvPr id="4" name="Picture 3"/>
           <p:cNvPicPr>
             <a:picLocks noChangeAspect="1"/>
           </p:cNvPicPr>
@@ -15004,8 +15115,8 @@
         </p:blipFill>
         <p:spPr>
           <a:xfrm>
-            <a:off x="318446" y="1656474"/>
-            <a:ext cx="7028652" cy="4414717"/>
+            <a:off x="150628" y="1483830"/>
+            <a:ext cx="7175458" cy="5374170"/>
           </a:xfrm>
           <a:prstGeom prst="rect">
             <a:avLst/>
@@ -15015,20 +15126,13 @@
     </p:spTree>
     <p:extLst>
       <p:ext uri="{BB962C8B-B14F-4D97-AF65-F5344CB8AC3E}">
-        <p14:creationId xmlns:p14="http://schemas.microsoft.com/office/powerpoint/2010/main" val="3095347154"/>
+        <p14:creationId xmlns:p14="http://schemas.microsoft.com/office/powerpoint/2010/main" val="3608566508"/>
       </p:ext>
     </p:extLst>
   </p:cSld>
   <p:clrMapOvr>
     <a:masterClrMapping/>
   </p:clrMapOvr>
-  <p:timing>
-    <p:tnLst>
-      <p:par>
-        <p:cTn id="1" dur="indefinite" restart="never" nodeType="tmRoot"/>
-      </p:par>
-    </p:tnLst>
-  </p:timing>
 </p:sld>
 </file>
 

--- a/case-study-2/Loan Default case study findings.pptx
+++ b/case-study-2/Loan Default case study findings.pptx
@@ -5,7 +5,7 @@
     <p:sldMasterId id="2147483660" r:id="rId1"/>
   </p:sldMasterIdLst>
   <p:notesMasterIdLst>
-    <p:notesMasterId r:id="rId15"/>
+    <p:notesMasterId r:id="rId17"/>
   </p:notesMasterIdLst>
   <p:sldIdLst>
     <p:sldId id="256" r:id="rId2"/>
@@ -17,10 +17,12 @@
     <p:sldId id="258" r:id="rId8"/>
     <p:sldId id="289" r:id="rId9"/>
     <p:sldId id="286" r:id="rId10"/>
-    <p:sldId id="259" r:id="rId11"/>
-    <p:sldId id="287" r:id="rId12"/>
-    <p:sldId id="288" r:id="rId13"/>
-    <p:sldId id="270" r:id="rId14"/>
+    <p:sldId id="290" r:id="rId11"/>
+    <p:sldId id="291" r:id="rId12"/>
+    <p:sldId id="287" r:id="rId13"/>
+    <p:sldId id="259" r:id="rId14"/>
+    <p:sldId id="288" r:id="rId15"/>
+    <p:sldId id="270" r:id="rId16"/>
   </p:sldIdLst>
   <p:sldSz cx="12192000" cy="6858000"/>
   <p:notesSz cx="6858000" cy="9144000"/>
@@ -878,6 +880,753 @@
 </file>
 
 <file path=ppt/diagrams/colors2.xml><?xml version="1.0" encoding="utf-8"?>
+<dgm:colorsDef xmlns:dgm="http://schemas.openxmlformats.org/drawingml/2006/diagram" xmlns:a="http://schemas.openxmlformats.org/drawingml/2006/main" uniqueId="urn:microsoft.com/office/officeart/2005/8/colors/accent2_2">
+  <dgm:title val=""/>
+  <dgm:desc val=""/>
+  <dgm:catLst>
+    <dgm:cat type="accent2" pri="11200"/>
+  </dgm:catLst>
+  <dgm:styleLbl name="node0">
+    <dgm:fillClrLst meth="repeat">
+      <a:schemeClr val="accent2"/>
+    </dgm:fillClrLst>
+    <dgm:linClrLst meth="repeat">
+      <a:schemeClr val="lt1"/>
+    </dgm:linClrLst>
+    <dgm:effectClrLst/>
+    <dgm:txLinClrLst/>
+    <dgm:txFillClrLst/>
+    <dgm:txEffectClrLst/>
+  </dgm:styleLbl>
+  <dgm:styleLbl name="node1">
+    <dgm:fillClrLst meth="repeat">
+      <a:schemeClr val="accent2"/>
+    </dgm:fillClrLst>
+    <dgm:linClrLst meth="repeat">
+      <a:schemeClr val="lt1"/>
+    </dgm:linClrLst>
+    <dgm:effectClrLst/>
+    <dgm:txLinClrLst/>
+    <dgm:txFillClrLst/>
+    <dgm:txEffectClrLst/>
+  </dgm:styleLbl>
+  <dgm:styleLbl name="alignNode1">
+    <dgm:fillClrLst meth="repeat">
+      <a:schemeClr val="accent2"/>
+    </dgm:fillClrLst>
+    <dgm:linClrLst meth="repeat">
+      <a:schemeClr val="accent2"/>
+    </dgm:linClrLst>
+    <dgm:effectClrLst/>
+    <dgm:txLinClrLst/>
+    <dgm:txFillClrLst/>
+    <dgm:txEffectClrLst/>
+  </dgm:styleLbl>
+  <dgm:styleLbl name="lnNode1">
+    <dgm:fillClrLst meth="repeat">
+      <a:schemeClr val="accent2"/>
+    </dgm:fillClrLst>
+    <dgm:linClrLst meth="repeat">
+      <a:schemeClr val="lt1"/>
+    </dgm:linClrLst>
+    <dgm:effectClrLst/>
+    <dgm:txLinClrLst/>
+    <dgm:txFillClrLst/>
+    <dgm:txEffectClrLst/>
+  </dgm:styleLbl>
+  <dgm:styleLbl name="vennNode1">
+    <dgm:fillClrLst meth="repeat">
+      <a:schemeClr val="accent2">
+        <a:alpha val="50000"/>
+      </a:schemeClr>
+    </dgm:fillClrLst>
+    <dgm:linClrLst meth="repeat">
+      <a:schemeClr val="lt1"/>
+    </dgm:linClrLst>
+    <dgm:effectClrLst/>
+    <dgm:txLinClrLst/>
+    <dgm:txFillClrLst/>
+    <dgm:txEffectClrLst/>
+  </dgm:styleLbl>
+  <dgm:styleLbl name="node2">
+    <dgm:fillClrLst meth="repeat">
+      <a:schemeClr val="accent2"/>
+    </dgm:fillClrLst>
+    <dgm:linClrLst meth="repeat">
+      <a:schemeClr val="lt1"/>
+    </dgm:linClrLst>
+    <dgm:effectClrLst/>
+    <dgm:txLinClrLst/>
+    <dgm:txFillClrLst/>
+    <dgm:txEffectClrLst/>
+  </dgm:styleLbl>
+  <dgm:styleLbl name="node3">
+    <dgm:fillClrLst meth="repeat">
+      <a:schemeClr val="accent2"/>
+    </dgm:fillClrLst>
+    <dgm:linClrLst meth="repeat">
+      <a:schemeClr val="lt1"/>
+    </dgm:linClrLst>
+    <dgm:effectClrLst/>
+    <dgm:txLinClrLst/>
+    <dgm:txFillClrLst/>
+    <dgm:txEffectClrLst/>
+  </dgm:styleLbl>
+  <dgm:styleLbl name="node4">
+    <dgm:fillClrLst meth="repeat">
+      <a:schemeClr val="accent2"/>
+    </dgm:fillClrLst>
+    <dgm:linClrLst meth="repeat">
+      <a:schemeClr val="lt1"/>
+    </dgm:linClrLst>
+    <dgm:effectClrLst/>
+    <dgm:txLinClrLst/>
+    <dgm:txFillClrLst/>
+    <dgm:txEffectClrLst/>
+  </dgm:styleLbl>
+  <dgm:styleLbl name="fgImgPlace1">
+    <dgm:fillClrLst meth="repeat">
+      <a:schemeClr val="accent2">
+        <a:tint val="50000"/>
+      </a:schemeClr>
+    </dgm:fillClrLst>
+    <dgm:linClrLst meth="repeat">
+      <a:schemeClr val="lt1"/>
+    </dgm:linClrLst>
+    <dgm:effectClrLst/>
+    <dgm:txLinClrLst/>
+    <dgm:txFillClrLst meth="repeat">
+      <a:schemeClr val="lt1"/>
+    </dgm:txFillClrLst>
+    <dgm:txEffectClrLst/>
+  </dgm:styleLbl>
+  <dgm:styleLbl name="alignImgPlace1">
+    <dgm:fillClrLst meth="repeat">
+      <a:schemeClr val="accent2">
+        <a:tint val="50000"/>
+      </a:schemeClr>
+    </dgm:fillClrLst>
+    <dgm:linClrLst meth="repeat">
+      <a:schemeClr val="lt1"/>
+    </dgm:linClrLst>
+    <dgm:effectClrLst/>
+    <dgm:txLinClrLst/>
+    <dgm:txFillClrLst meth="repeat">
+      <a:schemeClr val="lt1"/>
+    </dgm:txFillClrLst>
+    <dgm:txEffectClrLst/>
+  </dgm:styleLbl>
+  <dgm:styleLbl name="bgImgPlace1">
+    <dgm:fillClrLst meth="repeat">
+      <a:schemeClr val="accent2">
+        <a:tint val="50000"/>
+      </a:schemeClr>
+    </dgm:fillClrLst>
+    <dgm:linClrLst meth="repeat">
+      <a:schemeClr val="lt1"/>
+    </dgm:linClrLst>
+    <dgm:effectClrLst/>
+    <dgm:txLinClrLst/>
+    <dgm:txFillClrLst meth="repeat">
+      <a:schemeClr val="lt1"/>
+    </dgm:txFillClrLst>
+    <dgm:txEffectClrLst/>
+  </dgm:styleLbl>
+  <dgm:styleLbl name="sibTrans2D1">
+    <dgm:fillClrLst meth="repeat">
+      <a:schemeClr val="accent2">
+        <a:tint val="60000"/>
+      </a:schemeClr>
+    </dgm:fillClrLst>
+    <dgm:linClrLst meth="repeat">
+      <a:schemeClr val="accent2">
+        <a:tint val="60000"/>
+      </a:schemeClr>
+    </dgm:linClrLst>
+    <dgm:effectClrLst/>
+    <dgm:txLinClrLst/>
+    <dgm:txFillClrLst/>
+    <dgm:txEffectClrLst/>
+  </dgm:styleLbl>
+  <dgm:styleLbl name="fgSibTrans2D1">
+    <dgm:fillClrLst meth="repeat">
+      <a:schemeClr val="accent2">
+        <a:tint val="60000"/>
+      </a:schemeClr>
+    </dgm:fillClrLst>
+    <dgm:linClrLst meth="repeat">
+      <a:schemeClr val="accent2">
+        <a:tint val="60000"/>
+      </a:schemeClr>
+    </dgm:linClrLst>
+    <dgm:effectClrLst/>
+    <dgm:txLinClrLst/>
+    <dgm:txFillClrLst/>
+    <dgm:txEffectClrLst/>
+  </dgm:styleLbl>
+  <dgm:styleLbl name="bgSibTrans2D1">
+    <dgm:fillClrLst meth="repeat">
+      <a:schemeClr val="accent2">
+        <a:tint val="60000"/>
+      </a:schemeClr>
+    </dgm:fillClrLst>
+    <dgm:linClrLst meth="repeat">
+      <a:schemeClr val="accent2">
+        <a:tint val="60000"/>
+      </a:schemeClr>
+    </dgm:linClrLst>
+    <dgm:effectClrLst/>
+    <dgm:txLinClrLst/>
+    <dgm:txFillClrLst/>
+    <dgm:txEffectClrLst/>
+  </dgm:styleLbl>
+  <dgm:styleLbl name="sibTrans1D1">
+    <dgm:fillClrLst meth="repeat">
+      <a:schemeClr val="accent2"/>
+    </dgm:fillClrLst>
+    <dgm:linClrLst meth="repeat">
+      <a:schemeClr val="accent2"/>
+    </dgm:linClrLst>
+    <dgm:effectClrLst/>
+    <dgm:txLinClrLst/>
+    <dgm:txFillClrLst meth="repeat">
+      <a:schemeClr val="tx1"/>
+    </dgm:txFillClrLst>
+    <dgm:txEffectClrLst/>
+  </dgm:styleLbl>
+  <dgm:styleLbl name="callout">
+    <dgm:fillClrLst meth="repeat">
+      <a:schemeClr val="accent2"/>
+    </dgm:fillClrLst>
+    <dgm:linClrLst meth="repeat">
+      <a:schemeClr val="accent2">
+        <a:tint val="50000"/>
+      </a:schemeClr>
+    </dgm:linClrLst>
+    <dgm:effectClrLst/>
+    <dgm:txLinClrLst/>
+    <dgm:txFillClrLst meth="repeat">
+      <a:schemeClr val="tx1"/>
+    </dgm:txFillClrLst>
+    <dgm:txEffectClrLst/>
+  </dgm:styleLbl>
+  <dgm:styleLbl name="asst0">
+    <dgm:fillClrLst meth="repeat">
+      <a:schemeClr val="accent2"/>
+    </dgm:fillClrLst>
+    <dgm:linClrLst meth="repeat">
+      <a:schemeClr val="lt1"/>
+    </dgm:linClrLst>
+    <dgm:effectClrLst/>
+    <dgm:txLinClrLst/>
+    <dgm:txFillClrLst/>
+    <dgm:txEffectClrLst/>
+  </dgm:styleLbl>
+  <dgm:styleLbl name="asst1">
+    <dgm:fillClrLst meth="repeat">
+      <a:schemeClr val="accent2"/>
+    </dgm:fillClrLst>
+    <dgm:linClrLst meth="repeat">
+      <a:schemeClr val="lt1"/>
+    </dgm:linClrLst>
+    <dgm:effectClrLst/>
+    <dgm:txLinClrLst/>
+    <dgm:txFillClrLst/>
+    <dgm:txEffectClrLst/>
+  </dgm:styleLbl>
+  <dgm:styleLbl name="asst2">
+    <dgm:fillClrLst meth="repeat">
+      <a:schemeClr val="accent2"/>
+    </dgm:fillClrLst>
+    <dgm:linClrLst meth="repeat">
+      <a:schemeClr val="lt1"/>
+    </dgm:linClrLst>
+    <dgm:effectClrLst/>
+    <dgm:txLinClrLst/>
+    <dgm:txFillClrLst/>
+    <dgm:txEffectClrLst/>
+  </dgm:styleLbl>
+  <dgm:styleLbl name="asst3">
+    <dgm:fillClrLst meth="repeat">
+      <a:schemeClr val="accent2"/>
+    </dgm:fillClrLst>
+    <dgm:linClrLst meth="repeat">
+      <a:schemeClr val="lt1"/>
+    </dgm:linClrLst>
+    <dgm:effectClrLst/>
+    <dgm:txLinClrLst/>
+    <dgm:txFillClrLst/>
+    <dgm:txEffectClrLst/>
+  </dgm:styleLbl>
+  <dgm:styleLbl name="asst4">
+    <dgm:fillClrLst meth="repeat">
+      <a:schemeClr val="accent2"/>
+    </dgm:fillClrLst>
+    <dgm:linClrLst meth="repeat">
+      <a:schemeClr val="lt1"/>
+    </dgm:linClrLst>
+    <dgm:effectClrLst/>
+    <dgm:txLinClrLst/>
+    <dgm:txFillClrLst/>
+    <dgm:txEffectClrLst/>
+  </dgm:styleLbl>
+  <dgm:styleLbl name="parChTrans2D1">
+    <dgm:fillClrLst meth="repeat">
+      <a:schemeClr val="accent2">
+        <a:tint val="60000"/>
+      </a:schemeClr>
+    </dgm:fillClrLst>
+    <dgm:linClrLst meth="repeat">
+      <a:schemeClr val="accent2">
+        <a:tint val="60000"/>
+      </a:schemeClr>
+    </dgm:linClrLst>
+    <dgm:effectClrLst/>
+    <dgm:txLinClrLst/>
+    <dgm:txFillClrLst meth="repeat">
+      <a:schemeClr val="lt1"/>
+    </dgm:txFillClrLst>
+    <dgm:txEffectClrLst/>
+  </dgm:styleLbl>
+  <dgm:styleLbl name="parChTrans2D2">
+    <dgm:fillClrLst meth="repeat">
+      <a:schemeClr val="accent2"/>
+    </dgm:fillClrLst>
+    <dgm:linClrLst meth="repeat">
+      <a:schemeClr val="accent2"/>
+    </dgm:linClrLst>
+    <dgm:effectClrLst/>
+    <dgm:txLinClrLst/>
+    <dgm:txFillClrLst meth="repeat">
+      <a:schemeClr val="lt1"/>
+    </dgm:txFillClrLst>
+    <dgm:txEffectClrLst/>
+  </dgm:styleLbl>
+  <dgm:styleLbl name="parChTrans2D3">
+    <dgm:fillClrLst meth="repeat">
+      <a:schemeClr val="accent2"/>
+    </dgm:fillClrLst>
+    <dgm:linClrLst meth="repeat">
+      <a:schemeClr val="accent2"/>
+    </dgm:linClrLst>
+    <dgm:effectClrLst/>
+    <dgm:txLinClrLst/>
+    <dgm:txFillClrLst meth="repeat">
+      <a:schemeClr val="lt1"/>
+    </dgm:txFillClrLst>
+    <dgm:txEffectClrLst/>
+  </dgm:styleLbl>
+  <dgm:styleLbl name="parChTrans2D4">
+    <dgm:fillClrLst meth="repeat">
+      <a:schemeClr val="accent2"/>
+    </dgm:fillClrLst>
+    <dgm:linClrLst meth="repeat">
+      <a:schemeClr val="accent2"/>
+    </dgm:linClrLst>
+    <dgm:effectClrLst/>
+    <dgm:txLinClrLst/>
+    <dgm:txFillClrLst meth="repeat">
+      <a:schemeClr val="lt1"/>
+    </dgm:txFillClrLst>
+    <dgm:txEffectClrLst/>
+  </dgm:styleLbl>
+  <dgm:styleLbl name="parChTrans1D1">
+    <dgm:fillClrLst meth="repeat">
+      <a:schemeClr val="accent2"/>
+    </dgm:fillClrLst>
+    <dgm:linClrLst meth="repeat">
+      <a:schemeClr val="accent2">
+        <a:shade val="60000"/>
+      </a:schemeClr>
+    </dgm:linClrLst>
+    <dgm:effectClrLst/>
+    <dgm:txLinClrLst/>
+    <dgm:txFillClrLst meth="repeat">
+      <a:schemeClr val="tx1"/>
+    </dgm:txFillClrLst>
+    <dgm:txEffectClrLst/>
+  </dgm:styleLbl>
+  <dgm:styleLbl name="parChTrans1D2">
+    <dgm:fillClrLst meth="repeat">
+      <a:schemeClr val="accent2"/>
+    </dgm:fillClrLst>
+    <dgm:linClrLst meth="repeat">
+      <a:schemeClr val="accent2">
+        <a:shade val="60000"/>
+      </a:schemeClr>
+    </dgm:linClrLst>
+    <dgm:effectClrLst/>
+    <dgm:txLinClrLst/>
+    <dgm:txFillClrLst meth="repeat">
+      <a:schemeClr val="tx1"/>
+    </dgm:txFillClrLst>
+    <dgm:txEffectClrLst/>
+  </dgm:styleLbl>
+  <dgm:styleLbl name="parChTrans1D3">
+    <dgm:fillClrLst meth="repeat">
+      <a:schemeClr val="accent2"/>
+    </dgm:fillClrLst>
+    <dgm:linClrLst meth="repeat">
+      <a:schemeClr val="accent2">
+        <a:shade val="80000"/>
+      </a:schemeClr>
+    </dgm:linClrLst>
+    <dgm:effectClrLst/>
+    <dgm:txLinClrLst/>
+    <dgm:txFillClrLst meth="repeat">
+      <a:schemeClr val="tx1"/>
+    </dgm:txFillClrLst>
+    <dgm:txEffectClrLst/>
+  </dgm:styleLbl>
+  <dgm:styleLbl name="parChTrans1D4">
+    <dgm:fillClrLst meth="repeat">
+      <a:schemeClr val="accent2"/>
+    </dgm:fillClrLst>
+    <dgm:linClrLst meth="repeat">
+      <a:schemeClr val="accent2">
+        <a:shade val="80000"/>
+      </a:schemeClr>
+    </dgm:linClrLst>
+    <dgm:effectClrLst/>
+    <dgm:txLinClrLst/>
+    <dgm:txFillClrLst meth="repeat">
+      <a:schemeClr val="tx1"/>
+    </dgm:txFillClrLst>
+    <dgm:txEffectClrLst/>
+  </dgm:styleLbl>
+  <dgm:styleLbl name="fgAcc1">
+    <dgm:fillClrLst meth="repeat">
+      <a:schemeClr val="lt1">
+        <a:alpha val="90000"/>
+      </a:schemeClr>
+    </dgm:fillClrLst>
+    <dgm:linClrLst meth="repeat">
+      <a:schemeClr val="accent2"/>
+    </dgm:linClrLst>
+    <dgm:effectClrLst/>
+    <dgm:txLinClrLst/>
+    <dgm:txFillClrLst meth="repeat">
+      <a:schemeClr val="dk1"/>
+    </dgm:txFillClrLst>
+    <dgm:txEffectClrLst/>
+  </dgm:styleLbl>
+  <dgm:styleLbl name="conFgAcc1">
+    <dgm:fillClrLst meth="repeat">
+      <a:schemeClr val="lt1">
+        <a:alpha val="90000"/>
+      </a:schemeClr>
+    </dgm:fillClrLst>
+    <dgm:linClrLst meth="repeat">
+      <a:schemeClr val="accent2"/>
+    </dgm:linClrLst>
+    <dgm:effectClrLst/>
+    <dgm:txLinClrLst/>
+    <dgm:txFillClrLst meth="repeat">
+      <a:schemeClr val="dk1"/>
+    </dgm:txFillClrLst>
+    <dgm:txEffectClrLst/>
+  </dgm:styleLbl>
+  <dgm:styleLbl name="alignAcc1">
+    <dgm:fillClrLst meth="repeat">
+      <a:schemeClr val="lt1">
+        <a:alpha val="90000"/>
+      </a:schemeClr>
+    </dgm:fillClrLst>
+    <dgm:linClrLst meth="repeat">
+      <a:schemeClr val="accent2"/>
+    </dgm:linClrLst>
+    <dgm:effectClrLst/>
+    <dgm:txLinClrLst/>
+    <dgm:txFillClrLst meth="repeat">
+      <a:schemeClr val="dk1"/>
+    </dgm:txFillClrLst>
+    <dgm:txEffectClrLst/>
+  </dgm:styleLbl>
+  <dgm:styleLbl name="trAlignAcc1">
+    <dgm:fillClrLst meth="repeat">
+      <a:schemeClr val="lt1">
+        <a:alpha val="40000"/>
+      </a:schemeClr>
+    </dgm:fillClrLst>
+    <dgm:linClrLst meth="repeat">
+      <a:schemeClr val="accent2"/>
+    </dgm:linClrLst>
+    <dgm:effectClrLst/>
+    <dgm:txLinClrLst/>
+    <dgm:txFillClrLst meth="repeat">
+      <a:schemeClr val="dk1"/>
+    </dgm:txFillClrLst>
+    <dgm:txEffectClrLst/>
+  </dgm:styleLbl>
+  <dgm:styleLbl name="bgAcc1">
+    <dgm:fillClrLst meth="repeat">
+      <a:schemeClr val="lt1">
+        <a:alpha val="90000"/>
+      </a:schemeClr>
+    </dgm:fillClrLst>
+    <dgm:linClrLst meth="repeat">
+      <a:schemeClr val="accent2"/>
+    </dgm:linClrLst>
+    <dgm:effectClrLst/>
+    <dgm:txLinClrLst/>
+    <dgm:txFillClrLst meth="repeat">
+      <a:schemeClr val="dk1"/>
+    </dgm:txFillClrLst>
+    <dgm:txEffectClrLst/>
+  </dgm:styleLbl>
+  <dgm:styleLbl name="solidFgAcc1">
+    <dgm:fillClrLst meth="repeat">
+      <a:schemeClr val="lt1"/>
+    </dgm:fillClrLst>
+    <dgm:linClrLst meth="repeat">
+      <a:schemeClr val="accent2"/>
+    </dgm:linClrLst>
+    <dgm:effectClrLst/>
+    <dgm:txLinClrLst/>
+    <dgm:txFillClrLst meth="repeat">
+      <a:schemeClr val="dk1"/>
+    </dgm:txFillClrLst>
+    <dgm:txEffectClrLst/>
+  </dgm:styleLbl>
+  <dgm:styleLbl name="solidAlignAcc1">
+    <dgm:fillClrLst meth="repeat">
+      <a:schemeClr val="lt1"/>
+    </dgm:fillClrLst>
+    <dgm:linClrLst meth="repeat">
+      <a:schemeClr val="accent2"/>
+    </dgm:linClrLst>
+    <dgm:effectClrLst/>
+    <dgm:txLinClrLst/>
+    <dgm:txFillClrLst meth="repeat">
+      <a:schemeClr val="dk1"/>
+    </dgm:txFillClrLst>
+    <dgm:txEffectClrLst/>
+  </dgm:styleLbl>
+  <dgm:styleLbl name="solidBgAcc1">
+    <dgm:fillClrLst meth="repeat">
+      <a:schemeClr val="lt1"/>
+    </dgm:fillClrLst>
+    <dgm:linClrLst meth="repeat">
+      <a:schemeClr val="accent2"/>
+    </dgm:linClrLst>
+    <dgm:effectClrLst/>
+    <dgm:txLinClrLst/>
+    <dgm:txFillClrLst meth="repeat">
+      <a:schemeClr val="dk1"/>
+    </dgm:txFillClrLst>
+    <dgm:txEffectClrLst/>
+  </dgm:styleLbl>
+  <dgm:styleLbl name="fgAccFollowNode1">
+    <dgm:fillClrLst meth="repeat">
+      <a:schemeClr val="accent2">
+        <a:alpha val="90000"/>
+        <a:tint val="40000"/>
+      </a:schemeClr>
+    </dgm:fillClrLst>
+    <dgm:linClrLst meth="repeat">
+      <a:schemeClr val="accent2">
+        <a:alpha val="90000"/>
+        <a:tint val="40000"/>
+      </a:schemeClr>
+    </dgm:linClrLst>
+    <dgm:effectClrLst/>
+    <dgm:txLinClrLst/>
+    <dgm:txFillClrLst meth="repeat">
+      <a:schemeClr val="dk1"/>
+    </dgm:txFillClrLst>
+    <dgm:txEffectClrLst/>
+  </dgm:styleLbl>
+  <dgm:styleLbl name="alignAccFollowNode1">
+    <dgm:fillClrLst meth="repeat">
+      <a:schemeClr val="accent2">
+        <a:alpha val="90000"/>
+        <a:tint val="40000"/>
+      </a:schemeClr>
+    </dgm:fillClrLst>
+    <dgm:linClrLst meth="repeat">
+      <a:schemeClr val="accent2">
+        <a:alpha val="90000"/>
+        <a:tint val="40000"/>
+      </a:schemeClr>
+    </dgm:linClrLst>
+    <dgm:effectClrLst/>
+    <dgm:txLinClrLst/>
+    <dgm:txFillClrLst meth="repeat">
+      <a:schemeClr val="dk1"/>
+    </dgm:txFillClrLst>
+    <dgm:txEffectClrLst/>
+  </dgm:styleLbl>
+  <dgm:styleLbl name="bgAccFollowNode1">
+    <dgm:fillClrLst meth="repeat">
+      <a:schemeClr val="accent2">
+        <a:alpha val="90000"/>
+        <a:tint val="40000"/>
+      </a:schemeClr>
+    </dgm:fillClrLst>
+    <dgm:linClrLst meth="repeat">
+      <a:schemeClr val="accent2">
+        <a:alpha val="90000"/>
+        <a:tint val="40000"/>
+      </a:schemeClr>
+    </dgm:linClrLst>
+    <dgm:effectClrLst/>
+    <dgm:txLinClrLst/>
+    <dgm:txFillClrLst meth="repeat">
+      <a:schemeClr val="dk1"/>
+    </dgm:txFillClrLst>
+    <dgm:txEffectClrLst/>
+  </dgm:styleLbl>
+  <dgm:styleLbl name="fgAcc0">
+    <dgm:fillClrLst meth="repeat">
+      <a:schemeClr val="lt1">
+        <a:alpha val="90000"/>
+      </a:schemeClr>
+    </dgm:fillClrLst>
+    <dgm:linClrLst meth="repeat">
+      <a:schemeClr val="accent2"/>
+    </dgm:linClrLst>
+    <dgm:effectClrLst/>
+    <dgm:txLinClrLst/>
+    <dgm:txFillClrLst meth="repeat">
+      <a:schemeClr val="dk1"/>
+    </dgm:txFillClrLst>
+    <dgm:txEffectClrLst/>
+  </dgm:styleLbl>
+  <dgm:styleLbl name="fgAcc2">
+    <dgm:fillClrLst meth="repeat">
+      <a:schemeClr val="lt1">
+        <a:alpha val="90000"/>
+      </a:schemeClr>
+    </dgm:fillClrLst>
+    <dgm:linClrLst meth="repeat">
+      <a:schemeClr val="accent2"/>
+    </dgm:linClrLst>
+    <dgm:effectClrLst/>
+    <dgm:txLinClrLst/>
+    <dgm:txFillClrLst meth="repeat">
+      <a:schemeClr val="dk1"/>
+    </dgm:txFillClrLst>
+    <dgm:txEffectClrLst/>
+  </dgm:styleLbl>
+  <dgm:styleLbl name="fgAcc3">
+    <dgm:fillClrLst meth="repeat">
+      <a:schemeClr val="lt1">
+        <a:alpha val="90000"/>
+      </a:schemeClr>
+    </dgm:fillClrLst>
+    <dgm:linClrLst meth="repeat">
+      <a:schemeClr val="accent2"/>
+    </dgm:linClrLst>
+    <dgm:effectClrLst/>
+    <dgm:txLinClrLst/>
+    <dgm:txFillClrLst meth="repeat">
+      <a:schemeClr val="dk1"/>
+    </dgm:txFillClrLst>
+    <dgm:txEffectClrLst/>
+  </dgm:styleLbl>
+  <dgm:styleLbl name="fgAcc4">
+    <dgm:fillClrLst meth="repeat">
+      <a:schemeClr val="lt1">
+        <a:alpha val="90000"/>
+      </a:schemeClr>
+    </dgm:fillClrLst>
+    <dgm:linClrLst meth="repeat">
+      <a:schemeClr val="accent2"/>
+    </dgm:linClrLst>
+    <dgm:effectClrLst/>
+    <dgm:txLinClrLst/>
+    <dgm:txFillClrLst meth="repeat">
+      <a:schemeClr val="dk1"/>
+    </dgm:txFillClrLst>
+    <dgm:txEffectClrLst/>
+  </dgm:styleLbl>
+  <dgm:styleLbl name="bgShp">
+    <dgm:fillClrLst meth="repeat">
+      <a:schemeClr val="accent2">
+        <a:tint val="40000"/>
+      </a:schemeClr>
+    </dgm:fillClrLst>
+    <dgm:linClrLst meth="repeat">
+      <a:schemeClr val="accent2"/>
+    </dgm:linClrLst>
+    <dgm:effectClrLst/>
+    <dgm:txLinClrLst/>
+    <dgm:txFillClrLst meth="repeat">
+      <a:schemeClr val="dk1"/>
+    </dgm:txFillClrLst>
+    <dgm:txEffectClrLst/>
+  </dgm:styleLbl>
+  <dgm:styleLbl name="dkBgShp">
+    <dgm:fillClrLst meth="repeat">
+      <a:schemeClr val="accent2">
+        <a:shade val="80000"/>
+      </a:schemeClr>
+    </dgm:fillClrLst>
+    <dgm:linClrLst meth="repeat">
+      <a:schemeClr val="accent2"/>
+    </dgm:linClrLst>
+    <dgm:effectClrLst/>
+    <dgm:txLinClrLst/>
+    <dgm:txFillClrLst meth="repeat">
+      <a:schemeClr val="lt1"/>
+    </dgm:txFillClrLst>
+    <dgm:txEffectClrLst/>
+  </dgm:styleLbl>
+  <dgm:styleLbl name="trBgShp">
+    <dgm:fillClrLst meth="repeat">
+      <a:schemeClr val="accent2">
+        <a:tint val="50000"/>
+        <a:alpha val="40000"/>
+      </a:schemeClr>
+    </dgm:fillClrLst>
+    <dgm:linClrLst meth="repeat">
+      <a:schemeClr val="accent2"/>
+    </dgm:linClrLst>
+    <dgm:effectClrLst/>
+    <dgm:txLinClrLst/>
+    <dgm:txFillClrLst meth="repeat">
+      <a:schemeClr val="lt1"/>
+    </dgm:txFillClrLst>
+    <dgm:txEffectClrLst/>
+  </dgm:styleLbl>
+  <dgm:styleLbl name="fgShp">
+    <dgm:fillClrLst meth="repeat">
+      <a:schemeClr val="accent2">
+        <a:tint val="60000"/>
+      </a:schemeClr>
+    </dgm:fillClrLst>
+    <dgm:linClrLst meth="repeat">
+      <a:schemeClr val="lt1"/>
+    </dgm:linClrLst>
+    <dgm:effectClrLst/>
+    <dgm:txLinClrLst/>
+    <dgm:txFillClrLst meth="repeat">
+      <a:schemeClr val="dk1"/>
+    </dgm:txFillClrLst>
+    <dgm:txEffectClrLst/>
+  </dgm:styleLbl>
+  <dgm:styleLbl name="revTx">
+    <dgm:fillClrLst meth="repeat">
+      <a:schemeClr val="lt1">
+        <a:alpha val="0"/>
+      </a:schemeClr>
+    </dgm:fillClrLst>
+    <dgm:linClrLst meth="repeat">
+      <a:schemeClr val="dk1">
+        <a:alpha val="0"/>
+      </a:schemeClr>
+    </dgm:linClrLst>
+    <dgm:effectClrLst/>
+    <dgm:txLinClrLst/>
+    <dgm:txFillClrLst meth="repeat">
+      <a:schemeClr val="tx1"/>
+    </dgm:txFillClrLst>
+    <dgm:txEffectClrLst/>
+  </dgm:styleLbl>
+</dgm:colorsDef>
+</file>
+
+<file path=ppt/diagrams/colors3.xml><?xml version="1.0" encoding="utf-8"?>
 <dgm:colorsDef xmlns:dgm="http://schemas.openxmlformats.org/drawingml/2006/diagram" xmlns:a="http://schemas.openxmlformats.org/drawingml/2006/main" uniqueId="urn:microsoft.com/office/officeart/2005/8/colors/accent0_3">
   <dgm:title val=""/>
   <dgm:desc val=""/>
@@ -1831,8 +2580,13 @@
         <a:p>
           <a:r>
             <a:rPr lang="en-US" sz="1200" dirty="0"/>
-            <a:t>To understand patterns by specific categories</a:t>
+            <a:t>To understand patterns by </a:t>
           </a:r>
+          <a:r>
+            <a:rPr lang="en-US" sz="1200" dirty="0" smtClean="0"/>
+            <a:t>specific bins</a:t>
+          </a:r>
+          <a:endParaRPr lang="en-US" sz="1200" dirty="0"/>
         </a:p>
       </dgm:t>
     </dgm:pt>
@@ -2010,6 +2764,13 @@
         </dgm:presLayoutVars>
       </dgm:prSet>
       <dgm:spPr/>
+      <dgm:t>
+        <a:bodyPr/>
+        <a:lstStyle/>
+        <a:p>
+          <a:endParaRPr lang="en-US"/>
+        </a:p>
+      </dgm:t>
     </dgm:pt>
     <dgm:pt modelId="{8D36B8EE-95BD-42E9-97E4-C76FF1BEC880}" type="pres">
       <dgm:prSet presAssocID="{EF1B1446-69BC-47C4-8514-F150AA28F0EA}" presName="composite" presStyleCnt="0"/>
@@ -2026,6 +2787,13 @@
         </dgm:presLayoutVars>
       </dgm:prSet>
       <dgm:spPr/>
+      <dgm:t>
+        <a:bodyPr/>
+        <a:lstStyle/>
+        <a:p>
+          <a:endParaRPr lang="en-US"/>
+        </a:p>
+      </dgm:t>
     </dgm:pt>
     <dgm:pt modelId="{BBB44E7E-AB3E-4D92-871E-B292ADB76B47}" type="pres">
       <dgm:prSet presAssocID="{7F856221-4F2B-4CA4-B600-9543E5A308DE}" presName="compositeSpace" presStyleCnt="0"/>
@@ -2046,6 +2814,13 @@
         </dgm:presLayoutVars>
       </dgm:prSet>
       <dgm:spPr/>
+      <dgm:t>
+        <a:bodyPr/>
+        <a:lstStyle/>
+        <a:p>
+          <a:endParaRPr lang="en-US"/>
+        </a:p>
+      </dgm:t>
     </dgm:pt>
     <dgm:pt modelId="{EA368C30-64A2-47E9-941D-4C1C0539C4AC}" type="pres">
       <dgm:prSet presAssocID="{C15E0D35-8EE1-43BE-99E2-026621475164}" presName="compositeSpace" presStyleCnt="0"/>
@@ -2066,30 +2841,37 @@
         </dgm:presLayoutVars>
       </dgm:prSet>
       <dgm:spPr/>
+      <dgm:t>
+        <a:bodyPr/>
+        <a:lstStyle/>
+        <a:p>
+          <a:endParaRPr lang="en-US"/>
+        </a:p>
+      </dgm:t>
     </dgm:pt>
   </dgm:ptLst>
   <dgm:cxnLst>
+    <dgm:cxn modelId="{6B332801-2428-4431-84A6-351E5BB1B875}" type="presOf" srcId="{C22126E4-D9D6-4406-A97E-8721897B7987}" destId="{2038D8A7-44D1-4F6C-96B1-E9C5DB2ECD20}" srcOrd="0" destOrd="1" presId="urn:microsoft.com/office/officeart/2005/8/layout/chevronAccent+Icon"/>
+    <dgm:cxn modelId="{CDA9D7E9-97D4-4E02-9257-FD7463CBF676}" srcId="{86B8F369-2BAD-44A2-B061-A58F77A3D914}" destId="{31E364CA-B981-4057-A779-A996CA2F34B2}" srcOrd="1" destOrd="0" parTransId="{0426EFB4-46D2-40AE-9C56-D1D4B923FDE6}" sibTransId="{A155A401-493D-4ACE-B747-12CE40125C05}"/>
+    <dgm:cxn modelId="{89754CB2-798E-4FF8-91A4-6433A8F09D0E}" type="presOf" srcId="{31E364CA-B981-4057-A779-A996CA2F34B2}" destId="{58A6145A-6296-47E3-BC97-C07C29E364BC}" srcOrd="0" destOrd="2" presId="urn:microsoft.com/office/officeart/2005/8/layout/chevronAccent+Icon"/>
     <dgm:cxn modelId="{375D9F00-A4E3-4DDB-88BE-A02D0F0266CC}" srcId="{260ED0EC-3CE0-4CED-A9DE-21D7404BDCD0}" destId="{86B8F369-2BAD-44A2-B061-A58F77A3D914}" srcOrd="1" destOrd="0" parTransId="{17AC7101-8587-49E1-8062-06B18423A11C}" sibTransId="{C15E0D35-8EE1-43BE-99E2-026621475164}"/>
-    <dgm:cxn modelId="{6B332801-2428-4431-84A6-351E5BB1B875}" type="presOf" srcId="{C22126E4-D9D6-4406-A97E-8721897B7987}" destId="{2038D8A7-44D1-4F6C-96B1-E9C5DB2ECD20}" srcOrd="0" destOrd="1" presId="urn:microsoft.com/office/officeart/2005/8/layout/chevronAccent+Icon"/>
-    <dgm:cxn modelId="{EA60E505-4B26-4BC5-A132-A1C5A3B167B4}" type="presOf" srcId="{81D1BB8B-FAA6-4D95-9961-8D6FAA4CE46E}" destId="{B107831F-CEBB-41D5-95CB-0396851292DD}" srcOrd="0" destOrd="0" presId="urn:microsoft.com/office/officeart/2005/8/layout/chevronAccent+Icon"/>
+    <dgm:cxn modelId="{FFEBB1A7-4574-4D8F-BDE4-B687D415FB8A}" srcId="{EF1B1446-69BC-47C4-8514-F150AA28F0EA}" destId="{C22126E4-D9D6-4406-A97E-8721897B7987}" srcOrd="0" destOrd="0" parTransId="{15D43299-0801-4844-A658-D850E193BD3D}" sibTransId="{482582C1-E0E5-485A-B66A-91E58EE6C971}"/>
+    <dgm:cxn modelId="{71545CF0-566C-4C30-BEF2-EB1AF8B6747C}" srcId="{86B8F369-2BAD-44A2-B061-A58F77A3D914}" destId="{F30F06E4-DC9C-4F09-ADAB-0A909D4BB14D}" srcOrd="0" destOrd="0" parTransId="{F73A12B3-C849-420B-978A-C2E42D7C7834}" sibTransId="{66928491-A25A-4754-8622-7431AE382D31}"/>
+    <dgm:cxn modelId="{CA5079AA-19BF-40ED-BE5A-F56E59647B37}" srcId="{81D1BB8B-FAA6-4D95-9961-8D6FAA4CE46E}" destId="{FF8DEC90-0BB5-4CC5-B690-76CE4C123E1A}" srcOrd="0" destOrd="0" parTransId="{1F5C6231-86D9-4E19-8845-56D2221D5474}" sibTransId="{F38A8B1D-D1B7-4CB8-8223-9A37A9884A8F}"/>
+    <dgm:cxn modelId="{F60B8966-7C8C-4407-A0C3-6E3925D16A82}" type="presOf" srcId="{F30F06E4-DC9C-4F09-ADAB-0A909D4BB14D}" destId="{58A6145A-6296-47E3-BC97-C07C29E364BC}" srcOrd="0" destOrd="1" presId="urn:microsoft.com/office/officeart/2005/8/layout/chevronAccent+Icon"/>
     <dgm:cxn modelId="{3C561A1E-D16C-4848-A12F-509C6BA03CB3}" type="presOf" srcId="{ED1CF0BA-E2DE-4DA7-946A-14214A8680F9}" destId="{58A6145A-6296-47E3-BC97-C07C29E364BC}" srcOrd="0" destOrd="3" presId="urn:microsoft.com/office/officeart/2005/8/layout/chevronAccent+Icon"/>
-    <dgm:cxn modelId="{23315F2E-1438-493A-B0F0-47AFBD37827F}" type="presOf" srcId="{78939EBB-1C96-4E36-B0FE-829E192333B6}" destId="{2038D8A7-44D1-4F6C-96B1-E9C5DB2ECD20}" srcOrd="0" destOrd="3" presId="urn:microsoft.com/office/officeart/2005/8/layout/chevronAccent+Icon"/>
-    <dgm:cxn modelId="{D4C0733D-68A9-4B86-AC7B-AD40D4D60DF6}" srcId="{260ED0EC-3CE0-4CED-A9DE-21D7404BDCD0}" destId="{EF1B1446-69BC-47C4-8514-F150AA28F0EA}" srcOrd="0" destOrd="0" parTransId="{7C22C5F4-35E8-4AD7-8731-9D394C041A22}" sibTransId="{7F856221-4F2B-4CA4-B600-9543E5A308DE}"/>
-    <dgm:cxn modelId="{F8929C62-CF7A-466B-9A8C-05B721052F36}" srcId="{86B8F369-2BAD-44A2-B061-A58F77A3D914}" destId="{ED1CF0BA-E2DE-4DA7-946A-14214A8680F9}" srcOrd="2" destOrd="0" parTransId="{8CA5FFB9-6664-4FA8-813A-395D0BC99AA5}" sibTransId="{80BE054C-6C31-48B2-A46A-7273F69CC5A5}"/>
-    <dgm:cxn modelId="{F60B8966-7C8C-4407-A0C3-6E3925D16A82}" type="presOf" srcId="{F30F06E4-DC9C-4F09-ADAB-0A909D4BB14D}" destId="{58A6145A-6296-47E3-BC97-C07C29E364BC}" srcOrd="0" destOrd="1" presId="urn:microsoft.com/office/officeart/2005/8/layout/chevronAccent+Icon"/>
     <dgm:cxn modelId="{7B2A5F76-A6DB-4AB4-BAE4-A6976238A83F}" type="presOf" srcId="{EF1B1446-69BC-47C4-8514-F150AA28F0EA}" destId="{2038D8A7-44D1-4F6C-96B1-E9C5DB2ECD20}" srcOrd="0" destOrd="0" presId="urn:microsoft.com/office/officeart/2005/8/layout/chevronAccent+Icon"/>
     <dgm:cxn modelId="{6C1CF68E-7E78-40D5-8D7E-F72754F60CEF}" type="presOf" srcId="{4A9D639A-18EB-43A3-9E6C-966481711B33}" destId="{2038D8A7-44D1-4F6C-96B1-E9C5DB2ECD20}" srcOrd="0" destOrd="2" presId="urn:microsoft.com/office/officeart/2005/8/layout/chevronAccent+Icon"/>
+    <dgm:cxn modelId="{F8929C62-CF7A-466B-9A8C-05B721052F36}" srcId="{86B8F369-2BAD-44A2-B061-A58F77A3D914}" destId="{ED1CF0BA-E2DE-4DA7-946A-14214A8680F9}" srcOrd="2" destOrd="0" parTransId="{8CA5FFB9-6664-4FA8-813A-395D0BC99AA5}" sibTransId="{80BE054C-6C31-48B2-A46A-7273F69CC5A5}"/>
+    <dgm:cxn modelId="{D4C0733D-68A9-4B86-AC7B-AD40D4D60DF6}" srcId="{260ED0EC-3CE0-4CED-A9DE-21D7404BDCD0}" destId="{EF1B1446-69BC-47C4-8514-F150AA28F0EA}" srcOrd="0" destOrd="0" parTransId="{7C22C5F4-35E8-4AD7-8731-9D394C041A22}" sibTransId="{7F856221-4F2B-4CA4-B600-9543E5A308DE}"/>
+    <dgm:cxn modelId="{CC1B06E5-17F1-4AB9-A456-5A0AE6E4F5FE}" type="presOf" srcId="{260ED0EC-3CE0-4CED-A9DE-21D7404BDCD0}" destId="{7D301E9D-EBE8-4637-A01D-BB538FC5E50B}" srcOrd="0" destOrd="0" presId="urn:microsoft.com/office/officeart/2005/8/layout/chevronAccent+Icon"/>
+    <dgm:cxn modelId="{940607AB-4675-4257-9C0D-80C7D67DAB18}" srcId="{260ED0EC-3CE0-4CED-A9DE-21D7404BDCD0}" destId="{81D1BB8B-FAA6-4D95-9961-8D6FAA4CE46E}" srcOrd="2" destOrd="0" parTransId="{370B0C6A-D786-4B69-B009-B7650CAD43ED}" sibTransId="{41B71C27-8B5C-40A4-8634-7AC27047E0E4}"/>
+    <dgm:cxn modelId="{23315F2E-1438-493A-B0F0-47AFBD37827F}" type="presOf" srcId="{78939EBB-1C96-4E36-B0FE-829E192333B6}" destId="{2038D8A7-44D1-4F6C-96B1-E9C5DB2ECD20}" srcOrd="0" destOrd="3" presId="urn:microsoft.com/office/officeart/2005/8/layout/chevronAccent+Icon"/>
+    <dgm:cxn modelId="{24D3B892-5992-45F1-9BF6-7EC3C08C4476}" type="presOf" srcId="{86B8F369-2BAD-44A2-B061-A58F77A3D914}" destId="{58A6145A-6296-47E3-BC97-C07C29E364BC}" srcOrd="0" destOrd="0" presId="urn:microsoft.com/office/officeart/2005/8/layout/chevronAccent+Icon"/>
+    <dgm:cxn modelId="{EA60E505-4B26-4BC5-A132-A1C5A3B167B4}" type="presOf" srcId="{81D1BB8B-FAA6-4D95-9961-8D6FAA4CE46E}" destId="{B107831F-CEBB-41D5-95CB-0396851292DD}" srcOrd="0" destOrd="0" presId="urn:microsoft.com/office/officeart/2005/8/layout/chevronAccent+Icon"/>
     <dgm:cxn modelId="{854D128F-8789-413A-A294-715FABDD1119}" srcId="{EF1B1446-69BC-47C4-8514-F150AA28F0EA}" destId="{4A9D639A-18EB-43A3-9E6C-966481711B33}" srcOrd="1" destOrd="0" parTransId="{7F968EA3-C2C9-47DF-945E-1A6F1E259885}" sibTransId="{F9550CE1-1AE7-485B-BC91-02771481EFF6}"/>
-    <dgm:cxn modelId="{24D3B892-5992-45F1-9BF6-7EC3C08C4476}" type="presOf" srcId="{86B8F369-2BAD-44A2-B061-A58F77A3D914}" destId="{58A6145A-6296-47E3-BC97-C07C29E364BC}" srcOrd="0" destOrd="0" presId="urn:microsoft.com/office/officeart/2005/8/layout/chevronAccent+Icon"/>
-    <dgm:cxn modelId="{FFEBB1A7-4574-4D8F-BDE4-B687D415FB8A}" srcId="{EF1B1446-69BC-47C4-8514-F150AA28F0EA}" destId="{C22126E4-D9D6-4406-A97E-8721897B7987}" srcOrd="0" destOrd="0" parTransId="{15D43299-0801-4844-A658-D850E193BD3D}" sibTransId="{482582C1-E0E5-485A-B66A-91E58EE6C971}"/>
-    <dgm:cxn modelId="{CA5079AA-19BF-40ED-BE5A-F56E59647B37}" srcId="{81D1BB8B-FAA6-4D95-9961-8D6FAA4CE46E}" destId="{FF8DEC90-0BB5-4CC5-B690-76CE4C123E1A}" srcOrd="0" destOrd="0" parTransId="{1F5C6231-86D9-4E19-8845-56D2221D5474}" sibTransId="{F38A8B1D-D1B7-4CB8-8223-9A37A9884A8F}"/>
-    <dgm:cxn modelId="{940607AB-4675-4257-9C0D-80C7D67DAB18}" srcId="{260ED0EC-3CE0-4CED-A9DE-21D7404BDCD0}" destId="{81D1BB8B-FAA6-4D95-9961-8D6FAA4CE46E}" srcOrd="2" destOrd="0" parTransId="{370B0C6A-D786-4B69-B009-B7650CAD43ED}" sibTransId="{41B71C27-8B5C-40A4-8634-7AC27047E0E4}"/>
-    <dgm:cxn modelId="{89754CB2-798E-4FF8-91A4-6433A8F09D0E}" type="presOf" srcId="{31E364CA-B981-4057-A779-A996CA2F34B2}" destId="{58A6145A-6296-47E3-BC97-C07C29E364BC}" srcOrd="0" destOrd="2" presId="urn:microsoft.com/office/officeart/2005/8/layout/chevronAccent+Icon"/>
     <dgm:cxn modelId="{407E0AC5-EA5E-4C56-8632-700DD14F3FC2}" srcId="{EF1B1446-69BC-47C4-8514-F150AA28F0EA}" destId="{78939EBB-1C96-4E36-B0FE-829E192333B6}" srcOrd="2" destOrd="0" parTransId="{3FD27A03-F7A2-431E-97D5-04010645A050}" sibTransId="{B2D72634-189B-483C-965D-2E37C9A85657}"/>
     <dgm:cxn modelId="{E2F960E4-743C-4ECB-B80A-F721AFE7E072}" type="presOf" srcId="{FF8DEC90-0BB5-4CC5-B690-76CE4C123E1A}" destId="{B107831F-CEBB-41D5-95CB-0396851292DD}" srcOrd="0" destOrd="1" presId="urn:microsoft.com/office/officeart/2005/8/layout/chevronAccent+Icon"/>
-    <dgm:cxn modelId="{CC1B06E5-17F1-4AB9-A456-5A0AE6E4F5FE}" type="presOf" srcId="{260ED0EC-3CE0-4CED-A9DE-21D7404BDCD0}" destId="{7D301E9D-EBE8-4637-A01D-BB538FC5E50B}" srcOrd="0" destOrd="0" presId="urn:microsoft.com/office/officeart/2005/8/layout/chevronAccent+Icon"/>
-    <dgm:cxn modelId="{CDA9D7E9-97D4-4E02-9257-FD7463CBF676}" srcId="{86B8F369-2BAD-44A2-B061-A58F77A3D914}" destId="{31E364CA-B981-4057-A779-A996CA2F34B2}" srcOrd="1" destOrd="0" parTransId="{0426EFB4-46D2-40AE-9C56-D1D4B923FDE6}" sibTransId="{A155A401-493D-4ACE-B747-12CE40125C05}"/>
-    <dgm:cxn modelId="{71545CF0-566C-4C30-BEF2-EB1AF8B6747C}" srcId="{86B8F369-2BAD-44A2-B061-A58F77A3D914}" destId="{F30F06E4-DC9C-4F09-ADAB-0A909D4BB14D}" srcOrd="0" destOrd="0" parTransId="{F73A12B3-C849-420B-978A-C2E42D7C7834}" sibTransId="{66928491-A25A-4754-8622-7431AE382D31}"/>
     <dgm:cxn modelId="{0E023CB3-98AE-4B85-9551-431FA1AD5DA3}" type="presParOf" srcId="{7D301E9D-EBE8-4637-A01D-BB538FC5E50B}" destId="{8D36B8EE-95BD-42E9-97E4-C76FF1BEC880}" srcOrd="0" destOrd="0" presId="urn:microsoft.com/office/officeart/2005/8/layout/chevronAccent+Icon"/>
     <dgm:cxn modelId="{C74D6C2B-9426-4A43-8A6F-8D7A324726A4}" type="presParOf" srcId="{8D36B8EE-95BD-42E9-97E4-C76FF1BEC880}" destId="{3B66FC59-1B17-4256-BC4A-69EBCA3E6787}" srcOrd="0" destOrd="0" presId="urn:microsoft.com/office/officeart/2005/8/layout/chevronAccent+Icon"/>
     <dgm:cxn modelId="{7AE9414F-E5CB-4CBA-BC6F-6EA12785ECB4}" type="presParOf" srcId="{8D36B8EE-95BD-42E9-97E4-C76FF1BEC880}" destId="{2038D8A7-44D1-4F6C-96B1-E9C5DB2ECD20}" srcOrd="1" destOrd="0" presId="urn:microsoft.com/office/officeart/2005/8/layout/chevronAccent+Icon"/>
@@ -2115,8 +2897,540 @@
 <file path=ppt/diagrams/data2.xml><?xml version="1.0" encoding="utf-8"?>
 <dgm:dataModel xmlns:dgm="http://schemas.openxmlformats.org/drawingml/2006/diagram" xmlns:a="http://schemas.openxmlformats.org/drawingml/2006/main">
   <dgm:ptLst>
+    <dgm:pt modelId="{260ED0EC-3CE0-4CED-A9DE-21D7404BDCD0}" type="doc">
+      <dgm:prSet loTypeId="urn:microsoft.com/office/officeart/2005/8/layout/chevronAccent+Icon" loCatId="officeonline" qsTypeId="urn:microsoft.com/office/officeart/2005/8/quickstyle/simple1" qsCatId="simple" csTypeId="urn:microsoft.com/office/officeart/2005/8/colors/accent2_2" csCatId="accent2" phldr="1"/>
+      <dgm:spPr/>
+      <dgm:t>
+        <a:bodyPr/>
+        <a:lstStyle/>
+        <a:p>
+          <a:endParaRPr lang="en-US"/>
+        </a:p>
+      </dgm:t>
+    </dgm:pt>
+    <dgm:pt modelId="{EF1B1446-69BC-47C4-8514-F150AA28F0EA}">
+      <dgm:prSet phldrT="[Text]" custT="1"/>
+      <dgm:spPr/>
+      <dgm:t>
+        <a:bodyPr/>
+        <a:lstStyle/>
+        <a:p>
+          <a:r>
+            <a:rPr lang="en-US" sz="2000" dirty="0"/>
+            <a:t>Available column</a:t>
+          </a:r>
+        </a:p>
+      </dgm:t>
+    </dgm:pt>
+    <dgm:pt modelId="{7C22C5F4-35E8-4AD7-8731-9D394C041A22}" type="parTrans" cxnId="{D4C0733D-68A9-4B86-AC7B-AD40D4D60DF6}">
+      <dgm:prSet/>
+      <dgm:spPr/>
+      <dgm:t>
+        <a:bodyPr/>
+        <a:lstStyle/>
+        <a:p>
+          <a:endParaRPr lang="en-US"/>
+        </a:p>
+      </dgm:t>
+    </dgm:pt>
+    <dgm:pt modelId="{7F856221-4F2B-4CA4-B600-9543E5A308DE}" type="sibTrans" cxnId="{D4C0733D-68A9-4B86-AC7B-AD40D4D60DF6}">
+      <dgm:prSet/>
+      <dgm:spPr/>
+      <dgm:t>
+        <a:bodyPr/>
+        <a:lstStyle/>
+        <a:p>
+          <a:endParaRPr lang="en-US"/>
+        </a:p>
+      </dgm:t>
+    </dgm:pt>
+    <dgm:pt modelId="{81D1BB8B-FAA6-4D95-9961-8D6FAA4CE46E}">
+      <dgm:prSet phldrT="[Text]" custT="1"/>
+      <dgm:spPr/>
+      <dgm:t>
+        <a:bodyPr/>
+        <a:lstStyle/>
+        <a:p>
+          <a:r>
+            <a:rPr lang="en-US" sz="1600" dirty="0"/>
+            <a:t>Reason</a:t>
+          </a:r>
+        </a:p>
+      </dgm:t>
+    </dgm:pt>
+    <dgm:pt modelId="{370B0C6A-D786-4B69-B009-B7650CAD43ED}" type="parTrans" cxnId="{940607AB-4675-4257-9C0D-80C7D67DAB18}">
+      <dgm:prSet/>
+      <dgm:spPr/>
+      <dgm:t>
+        <a:bodyPr/>
+        <a:lstStyle/>
+        <a:p>
+          <a:endParaRPr lang="en-US"/>
+        </a:p>
+      </dgm:t>
+    </dgm:pt>
+    <dgm:pt modelId="{41B71C27-8B5C-40A4-8634-7AC27047E0E4}" type="sibTrans" cxnId="{940607AB-4675-4257-9C0D-80C7D67DAB18}">
+      <dgm:prSet/>
+      <dgm:spPr/>
+      <dgm:t>
+        <a:bodyPr/>
+        <a:lstStyle/>
+        <a:p>
+          <a:endParaRPr lang="en-US"/>
+        </a:p>
+      </dgm:t>
+    </dgm:pt>
+    <dgm:pt modelId="{F30F06E4-DC9C-4F09-ADAB-0A909D4BB14D}">
+      <dgm:prSet phldrT="[Text]" custT="1"/>
+      <dgm:spPr/>
+      <dgm:t>
+        <a:bodyPr/>
+        <a:lstStyle/>
+        <a:p>
+          <a:r>
+            <a:rPr lang="en-US" sz="1400" dirty="0" smtClean="0"/>
+            <a:t>Annual Income Bin</a:t>
+          </a:r>
+          <a:endParaRPr lang="en-US" sz="1400" dirty="0"/>
+        </a:p>
+      </dgm:t>
+    </dgm:pt>
+    <dgm:pt modelId="{86B8F369-2BAD-44A2-B061-A58F77A3D914}">
+      <dgm:prSet phldrT="[Text]" custT="1"/>
+      <dgm:spPr/>
+      <dgm:t>
+        <a:bodyPr/>
+        <a:lstStyle/>
+        <a:p>
+          <a:r>
+            <a:rPr lang="en-US" sz="1800" dirty="0"/>
+            <a:t>Derived Columns</a:t>
+          </a:r>
+        </a:p>
+      </dgm:t>
+    </dgm:pt>
+    <dgm:pt modelId="{C15E0D35-8EE1-43BE-99E2-026621475164}" type="sibTrans" cxnId="{375D9F00-A4E3-4DDB-88BE-A02D0F0266CC}">
+      <dgm:prSet/>
+      <dgm:spPr/>
+      <dgm:t>
+        <a:bodyPr/>
+        <a:lstStyle/>
+        <a:p>
+          <a:endParaRPr lang="en-US"/>
+        </a:p>
+      </dgm:t>
+    </dgm:pt>
+    <dgm:pt modelId="{17AC7101-8587-49E1-8062-06B18423A11C}" type="parTrans" cxnId="{375D9F00-A4E3-4DDB-88BE-A02D0F0266CC}">
+      <dgm:prSet/>
+      <dgm:spPr/>
+      <dgm:t>
+        <a:bodyPr/>
+        <a:lstStyle/>
+        <a:p>
+          <a:endParaRPr lang="en-US"/>
+        </a:p>
+      </dgm:t>
+    </dgm:pt>
+    <dgm:pt modelId="{66928491-A25A-4754-8622-7431AE382D31}" type="sibTrans" cxnId="{71545CF0-566C-4C30-BEF2-EB1AF8B6747C}">
+      <dgm:prSet/>
+      <dgm:spPr/>
+      <dgm:t>
+        <a:bodyPr/>
+        <a:lstStyle/>
+        <a:p>
+          <a:endParaRPr lang="en-US"/>
+        </a:p>
+      </dgm:t>
+    </dgm:pt>
+    <dgm:pt modelId="{F73A12B3-C849-420B-978A-C2E42D7C7834}" type="parTrans" cxnId="{71545CF0-566C-4C30-BEF2-EB1AF8B6747C}">
+      <dgm:prSet/>
+      <dgm:spPr/>
+      <dgm:t>
+        <a:bodyPr/>
+        <a:lstStyle/>
+        <a:p>
+          <a:endParaRPr lang="en-US"/>
+        </a:p>
+      </dgm:t>
+    </dgm:pt>
+    <dgm:pt modelId="{C22126E4-D9D6-4406-A97E-8721897B7987}">
+      <dgm:prSet phldrT="[Text]" custT="1"/>
+      <dgm:spPr/>
+      <dgm:t>
+        <a:bodyPr/>
+        <a:lstStyle/>
+        <a:p>
+          <a:r>
+            <a:rPr lang="en-US" sz="1400" dirty="0" smtClean="0"/>
+            <a:t>Annual Income</a:t>
+          </a:r>
+          <a:endParaRPr lang="en-US" sz="1400" dirty="0"/>
+        </a:p>
+      </dgm:t>
+    </dgm:pt>
+    <dgm:pt modelId="{482582C1-E0E5-485A-B66A-91E58EE6C971}" type="sibTrans" cxnId="{FFEBB1A7-4574-4D8F-BDE4-B687D415FB8A}">
+      <dgm:prSet/>
+      <dgm:spPr/>
+      <dgm:t>
+        <a:bodyPr/>
+        <a:lstStyle/>
+        <a:p>
+          <a:endParaRPr lang="en-US"/>
+        </a:p>
+      </dgm:t>
+    </dgm:pt>
+    <dgm:pt modelId="{15D43299-0801-4844-A658-D850E193BD3D}" type="parTrans" cxnId="{FFEBB1A7-4574-4D8F-BDE4-B687D415FB8A}">
+      <dgm:prSet/>
+      <dgm:spPr/>
+      <dgm:t>
+        <a:bodyPr/>
+        <a:lstStyle/>
+        <a:p>
+          <a:endParaRPr lang="en-US"/>
+        </a:p>
+      </dgm:t>
+    </dgm:pt>
+    <dgm:pt modelId="{FF8DEC90-0BB5-4CC5-B690-76CE4C123E1A}">
+      <dgm:prSet phldrT="[Text]" custT="1"/>
+      <dgm:spPr/>
+      <dgm:t>
+        <a:bodyPr/>
+        <a:lstStyle/>
+        <a:p>
+          <a:r>
+            <a:rPr lang="en-US" sz="1200" dirty="0" smtClean="0"/>
+            <a:t>Annual Income bins to understand </a:t>
+          </a:r>
+          <a:r>
+            <a:rPr lang="en-US" sz="1200" dirty="0"/>
+            <a:t>patterns by </a:t>
+          </a:r>
+          <a:r>
+            <a:rPr lang="en-US" sz="1200" dirty="0" smtClean="0"/>
+            <a:t>specific bins</a:t>
+          </a:r>
+          <a:endParaRPr lang="en-US" sz="1200" dirty="0"/>
+        </a:p>
+      </dgm:t>
+    </dgm:pt>
+    <dgm:pt modelId="{1F5C6231-86D9-4E19-8845-56D2221D5474}" type="parTrans" cxnId="{CA5079AA-19BF-40ED-BE5A-F56E59647B37}">
+      <dgm:prSet/>
+      <dgm:spPr/>
+      <dgm:t>
+        <a:bodyPr/>
+        <a:lstStyle/>
+        <a:p>
+          <a:endParaRPr lang="en-US"/>
+        </a:p>
+      </dgm:t>
+    </dgm:pt>
+    <dgm:pt modelId="{F38A8B1D-D1B7-4CB8-8223-9A37A9884A8F}" type="sibTrans" cxnId="{CA5079AA-19BF-40ED-BE5A-F56E59647B37}">
+      <dgm:prSet/>
+      <dgm:spPr/>
+      <dgm:t>
+        <a:bodyPr/>
+        <a:lstStyle/>
+        <a:p>
+          <a:endParaRPr lang="en-US"/>
+        </a:p>
+      </dgm:t>
+    </dgm:pt>
+    <dgm:pt modelId="{31E364CA-B981-4057-A779-A996CA2F34B2}">
+      <dgm:prSet phldrT="[Text]" custT="1"/>
+      <dgm:spPr/>
+      <dgm:t>
+        <a:bodyPr/>
+        <a:lstStyle/>
+        <a:p>
+          <a:r>
+            <a:rPr lang="en-US" sz="1400" dirty="0" smtClean="0"/>
+            <a:t>Loan Default</a:t>
+          </a:r>
+          <a:endParaRPr lang="en-US" sz="1400" dirty="0"/>
+        </a:p>
+      </dgm:t>
+    </dgm:pt>
+    <dgm:pt modelId="{0426EFB4-46D2-40AE-9C56-D1D4B923FDE6}" type="parTrans" cxnId="{CDA9D7E9-97D4-4E02-9257-FD7463CBF676}">
+      <dgm:prSet/>
+      <dgm:spPr/>
+      <dgm:t>
+        <a:bodyPr/>
+        <a:lstStyle/>
+        <a:p>
+          <a:endParaRPr lang="en-US"/>
+        </a:p>
+      </dgm:t>
+    </dgm:pt>
+    <dgm:pt modelId="{A155A401-493D-4ACE-B747-12CE40125C05}" type="sibTrans" cxnId="{CDA9D7E9-97D4-4E02-9257-FD7463CBF676}">
+      <dgm:prSet/>
+      <dgm:spPr/>
+      <dgm:t>
+        <a:bodyPr/>
+        <a:lstStyle/>
+        <a:p>
+          <a:endParaRPr lang="en-US"/>
+        </a:p>
+      </dgm:t>
+    </dgm:pt>
+    <dgm:pt modelId="{F5212BBA-779A-46BB-9A61-AAC29A260A75}">
+      <dgm:prSet phldrT="[Text]" custT="1"/>
+      <dgm:spPr/>
+      <dgm:t>
+        <a:bodyPr/>
+        <a:lstStyle/>
+        <a:p>
+          <a:r>
+            <a:rPr lang="en-US" sz="1400" dirty="0" smtClean="0"/>
+            <a:t>Loan Status	</a:t>
+          </a:r>
+          <a:endParaRPr lang="en-US" sz="1400" dirty="0"/>
+        </a:p>
+      </dgm:t>
+    </dgm:pt>
+    <dgm:pt modelId="{D95FEF63-7E47-4BCE-9B13-64CF192CF975}" type="parTrans" cxnId="{42AC1BAB-5B19-4C47-B5F1-C9B841F1DB2E}">
+      <dgm:prSet/>
+      <dgm:spPr/>
+      <dgm:t>
+        <a:bodyPr/>
+        <a:lstStyle/>
+        <a:p>
+          <a:endParaRPr lang="en-US"/>
+        </a:p>
+      </dgm:t>
+    </dgm:pt>
+    <dgm:pt modelId="{E7DCE3BD-D517-4CDA-A3E4-108813FD5D13}" type="sibTrans" cxnId="{42AC1BAB-5B19-4C47-B5F1-C9B841F1DB2E}">
+      <dgm:prSet/>
+      <dgm:spPr/>
+      <dgm:t>
+        <a:bodyPr/>
+        <a:lstStyle/>
+        <a:p>
+          <a:endParaRPr lang="en-US"/>
+        </a:p>
+      </dgm:t>
+    </dgm:pt>
+    <dgm:pt modelId="{1D125DE1-7771-4E8C-B2B6-21F2C0D9C2F5}">
+      <dgm:prSet phldrT="[Text]" custT="1"/>
+      <dgm:spPr/>
+      <dgm:t>
+        <a:bodyPr/>
+        <a:lstStyle/>
+        <a:p>
+          <a:r>
+            <a:rPr lang="en-US" sz="1200" dirty="0" smtClean="0"/>
+            <a:t>Loan Default will have 1 for Charged Off and 0 for Fully Paid and Current. This will help in aggregating data</a:t>
+          </a:r>
+          <a:endParaRPr lang="en-US" sz="1200" dirty="0"/>
+        </a:p>
+      </dgm:t>
+    </dgm:pt>
+    <dgm:pt modelId="{F21DB5E3-F568-49D7-A531-C28513B38106}" type="parTrans" cxnId="{51BF79CB-7D8B-43FC-8780-04B5D1E7A40B}">
+      <dgm:prSet/>
+      <dgm:spPr/>
+    </dgm:pt>
+    <dgm:pt modelId="{E7969BA0-B8D1-471E-996C-BB5B65201A7C}" type="sibTrans" cxnId="{51BF79CB-7D8B-43FC-8780-04B5D1E7A40B}">
+      <dgm:prSet/>
+      <dgm:spPr/>
+    </dgm:pt>
+    <dgm:pt modelId="{7D301E9D-EBE8-4637-A01D-BB538FC5E50B}" type="pres">
+      <dgm:prSet presAssocID="{260ED0EC-3CE0-4CED-A9DE-21D7404BDCD0}" presName="Name0" presStyleCnt="0">
+        <dgm:presLayoutVars>
+          <dgm:dir/>
+          <dgm:resizeHandles val="exact"/>
+        </dgm:presLayoutVars>
+      </dgm:prSet>
+      <dgm:spPr/>
+      <dgm:t>
+        <a:bodyPr/>
+        <a:lstStyle/>
+        <a:p>
+          <a:endParaRPr lang="en-US"/>
+        </a:p>
+      </dgm:t>
+    </dgm:pt>
+    <dgm:pt modelId="{8D36B8EE-95BD-42E9-97E4-C76FF1BEC880}" type="pres">
+      <dgm:prSet presAssocID="{EF1B1446-69BC-47C4-8514-F150AA28F0EA}" presName="composite" presStyleCnt="0"/>
+      <dgm:spPr/>
+      <dgm:t>
+        <a:bodyPr/>
+        <a:lstStyle/>
+        <a:p>
+          <a:endParaRPr lang="en-US"/>
+        </a:p>
+      </dgm:t>
+    </dgm:pt>
+    <dgm:pt modelId="{3B66FC59-1B17-4256-BC4A-69EBCA3E6787}" type="pres">
+      <dgm:prSet presAssocID="{EF1B1446-69BC-47C4-8514-F150AA28F0EA}" presName="bgChev" presStyleLbl="node1" presStyleIdx="0" presStyleCnt="3"/>
+      <dgm:spPr/>
+      <dgm:t>
+        <a:bodyPr/>
+        <a:lstStyle/>
+        <a:p>
+          <a:endParaRPr lang="en-US"/>
+        </a:p>
+      </dgm:t>
+    </dgm:pt>
+    <dgm:pt modelId="{2038D8A7-44D1-4F6C-96B1-E9C5DB2ECD20}" type="pres">
+      <dgm:prSet presAssocID="{EF1B1446-69BC-47C4-8514-F150AA28F0EA}" presName="txNode" presStyleLbl="fgAcc1" presStyleIdx="0" presStyleCnt="3">
+        <dgm:presLayoutVars>
+          <dgm:bulletEnabled val="1"/>
+        </dgm:presLayoutVars>
+      </dgm:prSet>
+      <dgm:spPr/>
+      <dgm:t>
+        <a:bodyPr/>
+        <a:lstStyle/>
+        <a:p>
+          <a:endParaRPr lang="en-US"/>
+        </a:p>
+      </dgm:t>
+    </dgm:pt>
+    <dgm:pt modelId="{BBB44E7E-AB3E-4D92-871E-B292ADB76B47}" type="pres">
+      <dgm:prSet presAssocID="{7F856221-4F2B-4CA4-B600-9543E5A308DE}" presName="compositeSpace" presStyleCnt="0"/>
+      <dgm:spPr/>
+      <dgm:t>
+        <a:bodyPr/>
+        <a:lstStyle/>
+        <a:p>
+          <a:endParaRPr lang="en-US"/>
+        </a:p>
+      </dgm:t>
+    </dgm:pt>
+    <dgm:pt modelId="{5FFFD53B-4C2E-4F7C-96F7-FC9F197EAFE0}" type="pres">
+      <dgm:prSet presAssocID="{86B8F369-2BAD-44A2-B061-A58F77A3D914}" presName="composite" presStyleCnt="0"/>
+      <dgm:spPr/>
+      <dgm:t>
+        <a:bodyPr/>
+        <a:lstStyle/>
+        <a:p>
+          <a:endParaRPr lang="en-US"/>
+        </a:p>
+      </dgm:t>
+    </dgm:pt>
+    <dgm:pt modelId="{51531E4D-7BAC-4397-A3C0-7B12FBC5010C}" type="pres">
+      <dgm:prSet presAssocID="{86B8F369-2BAD-44A2-B061-A58F77A3D914}" presName="bgChev" presStyleLbl="node1" presStyleIdx="1" presStyleCnt="3"/>
+      <dgm:spPr/>
+      <dgm:t>
+        <a:bodyPr/>
+        <a:lstStyle/>
+        <a:p>
+          <a:endParaRPr lang="en-US"/>
+        </a:p>
+      </dgm:t>
+    </dgm:pt>
+    <dgm:pt modelId="{58A6145A-6296-47E3-BC97-C07C29E364BC}" type="pres">
+      <dgm:prSet presAssocID="{86B8F369-2BAD-44A2-B061-A58F77A3D914}" presName="txNode" presStyleLbl="fgAcc1" presStyleIdx="1" presStyleCnt="3">
+        <dgm:presLayoutVars>
+          <dgm:bulletEnabled val="1"/>
+        </dgm:presLayoutVars>
+      </dgm:prSet>
+      <dgm:spPr/>
+      <dgm:t>
+        <a:bodyPr/>
+        <a:lstStyle/>
+        <a:p>
+          <a:endParaRPr lang="en-US"/>
+        </a:p>
+      </dgm:t>
+    </dgm:pt>
+    <dgm:pt modelId="{EA368C30-64A2-47E9-941D-4C1C0539C4AC}" type="pres">
+      <dgm:prSet presAssocID="{C15E0D35-8EE1-43BE-99E2-026621475164}" presName="compositeSpace" presStyleCnt="0"/>
+      <dgm:spPr/>
+      <dgm:t>
+        <a:bodyPr/>
+        <a:lstStyle/>
+        <a:p>
+          <a:endParaRPr lang="en-US"/>
+        </a:p>
+      </dgm:t>
+    </dgm:pt>
+    <dgm:pt modelId="{D3DE9953-9BF6-4750-A4A1-DDC58D5B5A2A}" type="pres">
+      <dgm:prSet presAssocID="{81D1BB8B-FAA6-4D95-9961-8D6FAA4CE46E}" presName="composite" presStyleCnt="0"/>
+      <dgm:spPr/>
+      <dgm:t>
+        <a:bodyPr/>
+        <a:lstStyle/>
+        <a:p>
+          <a:endParaRPr lang="en-US"/>
+        </a:p>
+      </dgm:t>
+    </dgm:pt>
+    <dgm:pt modelId="{3A457D63-83D2-4ABC-9F16-B3ECA7C24D62}" type="pres">
+      <dgm:prSet presAssocID="{81D1BB8B-FAA6-4D95-9961-8D6FAA4CE46E}" presName="bgChev" presStyleLbl="node1" presStyleIdx="2" presStyleCnt="3"/>
+      <dgm:spPr/>
+      <dgm:t>
+        <a:bodyPr/>
+        <a:lstStyle/>
+        <a:p>
+          <a:endParaRPr lang="en-US"/>
+        </a:p>
+      </dgm:t>
+    </dgm:pt>
+    <dgm:pt modelId="{B107831F-CEBB-41D5-95CB-0396851292DD}" type="pres">
+      <dgm:prSet presAssocID="{81D1BB8B-FAA6-4D95-9961-8D6FAA4CE46E}" presName="txNode" presStyleLbl="fgAcc1" presStyleIdx="2" presStyleCnt="3" custScaleY="111805">
+        <dgm:presLayoutVars>
+          <dgm:bulletEnabled val="1"/>
+        </dgm:presLayoutVars>
+      </dgm:prSet>
+      <dgm:spPr/>
+      <dgm:t>
+        <a:bodyPr/>
+        <a:lstStyle/>
+        <a:p>
+          <a:endParaRPr lang="en-US"/>
+        </a:p>
+      </dgm:t>
+    </dgm:pt>
+  </dgm:ptLst>
+  <dgm:cxnLst>
+    <dgm:cxn modelId="{71545CF0-566C-4C30-BEF2-EB1AF8B6747C}" srcId="{86B8F369-2BAD-44A2-B061-A58F77A3D914}" destId="{F30F06E4-DC9C-4F09-ADAB-0A909D4BB14D}" srcOrd="0" destOrd="0" parTransId="{F73A12B3-C849-420B-978A-C2E42D7C7834}" sibTransId="{66928491-A25A-4754-8622-7431AE382D31}"/>
+    <dgm:cxn modelId="{3016284C-82FE-4C4C-B1D2-96D4ABD04232}" type="presOf" srcId="{EF1B1446-69BC-47C4-8514-F150AA28F0EA}" destId="{2038D8A7-44D1-4F6C-96B1-E9C5DB2ECD20}" srcOrd="0" destOrd="0" presId="urn:microsoft.com/office/officeart/2005/8/layout/chevronAccent+Icon"/>
+    <dgm:cxn modelId="{1613A132-5CD7-469D-B6F3-B8BEF2FC088E}" type="presOf" srcId="{260ED0EC-3CE0-4CED-A9DE-21D7404BDCD0}" destId="{7D301E9D-EBE8-4637-A01D-BB538FC5E50B}" srcOrd="0" destOrd="0" presId="urn:microsoft.com/office/officeart/2005/8/layout/chevronAccent+Icon"/>
+    <dgm:cxn modelId="{D4C0733D-68A9-4B86-AC7B-AD40D4D60DF6}" srcId="{260ED0EC-3CE0-4CED-A9DE-21D7404BDCD0}" destId="{EF1B1446-69BC-47C4-8514-F150AA28F0EA}" srcOrd="0" destOrd="0" parTransId="{7C22C5F4-35E8-4AD7-8731-9D394C041A22}" sibTransId="{7F856221-4F2B-4CA4-B600-9543E5A308DE}"/>
+    <dgm:cxn modelId="{51BF79CB-7D8B-43FC-8780-04B5D1E7A40B}" srcId="{81D1BB8B-FAA6-4D95-9961-8D6FAA4CE46E}" destId="{1D125DE1-7771-4E8C-B2B6-21F2C0D9C2F5}" srcOrd="1" destOrd="0" parTransId="{F21DB5E3-F568-49D7-A531-C28513B38106}" sibTransId="{E7969BA0-B8D1-471E-996C-BB5B65201A7C}"/>
+    <dgm:cxn modelId="{8D148974-C0A9-4432-A920-9EF041C32694}" type="presOf" srcId="{C22126E4-D9D6-4406-A97E-8721897B7987}" destId="{2038D8A7-44D1-4F6C-96B1-E9C5DB2ECD20}" srcOrd="0" destOrd="1" presId="urn:microsoft.com/office/officeart/2005/8/layout/chevronAccent+Icon"/>
+    <dgm:cxn modelId="{D16177CC-4D00-4EAF-8033-F0182D8FDD2A}" type="presOf" srcId="{F30F06E4-DC9C-4F09-ADAB-0A909D4BB14D}" destId="{58A6145A-6296-47E3-BC97-C07C29E364BC}" srcOrd="0" destOrd="1" presId="urn:microsoft.com/office/officeart/2005/8/layout/chevronAccent+Icon"/>
+    <dgm:cxn modelId="{6E2D2096-5646-491E-9860-081842F19729}" type="presOf" srcId="{1D125DE1-7771-4E8C-B2B6-21F2C0D9C2F5}" destId="{B107831F-CEBB-41D5-95CB-0396851292DD}" srcOrd="0" destOrd="2" presId="urn:microsoft.com/office/officeart/2005/8/layout/chevronAccent+Icon"/>
+    <dgm:cxn modelId="{E6EBCCB2-D91B-4A72-8B58-552EA26E149A}" type="presOf" srcId="{F5212BBA-779A-46BB-9A61-AAC29A260A75}" destId="{2038D8A7-44D1-4F6C-96B1-E9C5DB2ECD20}" srcOrd="0" destOrd="2" presId="urn:microsoft.com/office/officeart/2005/8/layout/chevronAccent+Icon"/>
+    <dgm:cxn modelId="{CDA9D7E9-97D4-4E02-9257-FD7463CBF676}" srcId="{86B8F369-2BAD-44A2-B061-A58F77A3D914}" destId="{31E364CA-B981-4057-A779-A996CA2F34B2}" srcOrd="1" destOrd="0" parTransId="{0426EFB4-46D2-40AE-9C56-D1D4B923FDE6}" sibTransId="{A155A401-493D-4ACE-B747-12CE40125C05}"/>
+    <dgm:cxn modelId="{CA5079AA-19BF-40ED-BE5A-F56E59647B37}" srcId="{81D1BB8B-FAA6-4D95-9961-8D6FAA4CE46E}" destId="{FF8DEC90-0BB5-4CC5-B690-76CE4C123E1A}" srcOrd="0" destOrd="0" parTransId="{1F5C6231-86D9-4E19-8845-56D2221D5474}" sibTransId="{F38A8B1D-D1B7-4CB8-8223-9A37A9884A8F}"/>
+    <dgm:cxn modelId="{940607AB-4675-4257-9C0D-80C7D67DAB18}" srcId="{260ED0EC-3CE0-4CED-A9DE-21D7404BDCD0}" destId="{81D1BB8B-FAA6-4D95-9961-8D6FAA4CE46E}" srcOrd="2" destOrd="0" parTransId="{370B0C6A-D786-4B69-B009-B7650CAD43ED}" sibTransId="{41B71C27-8B5C-40A4-8634-7AC27047E0E4}"/>
+    <dgm:cxn modelId="{981DD1B4-BCD7-4CF0-BC11-F0C858964C93}" type="presOf" srcId="{FF8DEC90-0BB5-4CC5-B690-76CE4C123E1A}" destId="{B107831F-CEBB-41D5-95CB-0396851292DD}" srcOrd="0" destOrd="1" presId="urn:microsoft.com/office/officeart/2005/8/layout/chevronAccent+Icon"/>
+    <dgm:cxn modelId="{DEC225CE-AA36-4EFC-8411-5E730B3AFD7F}" type="presOf" srcId="{31E364CA-B981-4057-A779-A996CA2F34B2}" destId="{58A6145A-6296-47E3-BC97-C07C29E364BC}" srcOrd="0" destOrd="2" presId="urn:microsoft.com/office/officeart/2005/8/layout/chevronAccent+Icon"/>
+    <dgm:cxn modelId="{375D9F00-A4E3-4DDB-88BE-A02D0F0266CC}" srcId="{260ED0EC-3CE0-4CED-A9DE-21D7404BDCD0}" destId="{86B8F369-2BAD-44A2-B061-A58F77A3D914}" srcOrd="1" destOrd="0" parTransId="{17AC7101-8587-49E1-8062-06B18423A11C}" sibTransId="{C15E0D35-8EE1-43BE-99E2-026621475164}"/>
+    <dgm:cxn modelId="{ACBBED9C-C8D0-4FC6-8734-1D4B490E593F}" type="presOf" srcId="{86B8F369-2BAD-44A2-B061-A58F77A3D914}" destId="{58A6145A-6296-47E3-BC97-C07C29E364BC}" srcOrd="0" destOrd="0" presId="urn:microsoft.com/office/officeart/2005/8/layout/chevronAccent+Icon"/>
+    <dgm:cxn modelId="{42AC1BAB-5B19-4C47-B5F1-C9B841F1DB2E}" srcId="{EF1B1446-69BC-47C4-8514-F150AA28F0EA}" destId="{F5212BBA-779A-46BB-9A61-AAC29A260A75}" srcOrd="1" destOrd="0" parTransId="{D95FEF63-7E47-4BCE-9B13-64CF192CF975}" sibTransId="{E7DCE3BD-D517-4CDA-A3E4-108813FD5D13}"/>
+    <dgm:cxn modelId="{FFEBB1A7-4574-4D8F-BDE4-B687D415FB8A}" srcId="{EF1B1446-69BC-47C4-8514-F150AA28F0EA}" destId="{C22126E4-D9D6-4406-A97E-8721897B7987}" srcOrd="0" destOrd="0" parTransId="{15D43299-0801-4844-A658-D850E193BD3D}" sibTransId="{482582C1-E0E5-485A-B66A-91E58EE6C971}"/>
+    <dgm:cxn modelId="{09C468C7-8FFA-45DD-9BAE-7F37E9F607D8}" type="presOf" srcId="{81D1BB8B-FAA6-4D95-9961-8D6FAA4CE46E}" destId="{B107831F-CEBB-41D5-95CB-0396851292DD}" srcOrd="0" destOrd="0" presId="urn:microsoft.com/office/officeart/2005/8/layout/chevronAccent+Icon"/>
+    <dgm:cxn modelId="{535CDB2B-2A61-4E28-AEE6-6DCACAA03F96}" type="presParOf" srcId="{7D301E9D-EBE8-4637-A01D-BB538FC5E50B}" destId="{8D36B8EE-95BD-42E9-97E4-C76FF1BEC880}" srcOrd="0" destOrd="0" presId="urn:microsoft.com/office/officeart/2005/8/layout/chevronAccent+Icon"/>
+    <dgm:cxn modelId="{C08B2D41-B79C-458C-BA10-D74550071C68}" type="presParOf" srcId="{8D36B8EE-95BD-42E9-97E4-C76FF1BEC880}" destId="{3B66FC59-1B17-4256-BC4A-69EBCA3E6787}" srcOrd="0" destOrd="0" presId="urn:microsoft.com/office/officeart/2005/8/layout/chevronAccent+Icon"/>
+    <dgm:cxn modelId="{E2223627-FD27-4E20-92BE-D0C69FE74916}" type="presParOf" srcId="{8D36B8EE-95BD-42E9-97E4-C76FF1BEC880}" destId="{2038D8A7-44D1-4F6C-96B1-E9C5DB2ECD20}" srcOrd="1" destOrd="0" presId="urn:microsoft.com/office/officeart/2005/8/layout/chevronAccent+Icon"/>
+    <dgm:cxn modelId="{514EDC78-AC77-4823-A212-55629A3FF466}" type="presParOf" srcId="{7D301E9D-EBE8-4637-A01D-BB538FC5E50B}" destId="{BBB44E7E-AB3E-4D92-871E-B292ADB76B47}" srcOrd="1" destOrd="0" presId="urn:microsoft.com/office/officeart/2005/8/layout/chevronAccent+Icon"/>
+    <dgm:cxn modelId="{466A0757-D302-404E-AA30-5E7D13681999}" type="presParOf" srcId="{7D301E9D-EBE8-4637-A01D-BB538FC5E50B}" destId="{5FFFD53B-4C2E-4F7C-96F7-FC9F197EAFE0}" srcOrd="2" destOrd="0" presId="urn:microsoft.com/office/officeart/2005/8/layout/chevronAccent+Icon"/>
+    <dgm:cxn modelId="{9BAD3423-C90A-426D-AD96-8AA331164664}" type="presParOf" srcId="{5FFFD53B-4C2E-4F7C-96F7-FC9F197EAFE0}" destId="{51531E4D-7BAC-4397-A3C0-7B12FBC5010C}" srcOrd="0" destOrd="0" presId="urn:microsoft.com/office/officeart/2005/8/layout/chevronAccent+Icon"/>
+    <dgm:cxn modelId="{C85AD945-F4C2-4082-A24D-68E186DA919B}" type="presParOf" srcId="{5FFFD53B-4C2E-4F7C-96F7-FC9F197EAFE0}" destId="{58A6145A-6296-47E3-BC97-C07C29E364BC}" srcOrd="1" destOrd="0" presId="urn:microsoft.com/office/officeart/2005/8/layout/chevronAccent+Icon"/>
+    <dgm:cxn modelId="{8596E51D-9450-40CF-B418-D1299ED47A27}" type="presParOf" srcId="{7D301E9D-EBE8-4637-A01D-BB538FC5E50B}" destId="{EA368C30-64A2-47E9-941D-4C1C0539C4AC}" srcOrd="3" destOrd="0" presId="urn:microsoft.com/office/officeart/2005/8/layout/chevronAccent+Icon"/>
+    <dgm:cxn modelId="{DE692FCE-7A11-4474-BB63-1CCC3D820A2C}" type="presParOf" srcId="{7D301E9D-EBE8-4637-A01D-BB538FC5E50B}" destId="{D3DE9953-9BF6-4750-A4A1-DDC58D5B5A2A}" srcOrd="4" destOrd="0" presId="urn:microsoft.com/office/officeart/2005/8/layout/chevronAccent+Icon"/>
+    <dgm:cxn modelId="{9DC45770-853A-468E-9C4E-6615679996FC}" type="presParOf" srcId="{D3DE9953-9BF6-4750-A4A1-DDC58D5B5A2A}" destId="{3A457D63-83D2-4ABC-9F16-B3ECA7C24D62}" srcOrd="0" destOrd="0" presId="urn:microsoft.com/office/officeart/2005/8/layout/chevronAccent+Icon"/>
+    <dgm:cxn modelId="{35C2AB83-E367-43AD-9945-4778110A50A5}" type="presParOf" srcId="{D3DE9953-9BF6-4750-A4A1-DDC58D5B5A2A}" destId="{B107831F-CEBB-41D5-95CB-0396851292DD}" srcOrd="1" destOrd="0" presId="urn:microsoft.com/office/officeart/2005/8/layout/chevronAccent+Icon"/>
+  </dgm:cxnLst>
+  <dgm:bg>
+    <a:noFill/>
+  </dgm:bg>
+  <dgm:whole/>
+  <dgm:extLst>
+    <a:ext uri="http://schemas.microsoft.com/office/drawing/2008/diagram">
+      <dsp:dataModelExt xmlns:dsp="http://schemas.microsoft.com/office/drawing/2008/diagram" relId="rId12" minVer="http://schemas.openxmlformats.org/drawingml/2006/diagram"/>
+    </a:ext>
+  </dgm:extLst>
+</dgm:dataModel>
+</file>
+
+<file path=ppt/diagrams/data3.xml><?xml version="1.0" encoding="utf-8"?>
+<dgm:dataModel xmlns:dgm="http://schemas.openxmlformats.org/drawingml/2006/diagram" xmlns:a="http://schemas.openxmlformats.org/drawingml/2006/main">
+  <dgm:ptLst>
     <dgm:pt modelId="{DC041154-F0B5-4CBD-A6DD-E0EFB8D014E4}" type="doc">
-      <dgm:prSet loTypeId="urn:microsoft.com/office/officeart/2005/8/layout/default" loCatId="list" qsTypeId="urn:microsoft.com/office/officeart/2005/8/quickstyle/simple1" qsCatId="simple" csTypeId="urn:microsoft.com/office/officeart/2005/8/colors/accent0_3" csCatId="mainScheme" phldr="1"/>
+      <dgm:prSet loTypeId="urn:microsoft.com/office/officeart/2005/8/layout/vList5" loCatId="list" qsTypeId="urn:microsoft.com/office/officeart/2005/8/quickstyle/simple2" qsCatId="simple" csTypeId="urn:microsoft.com/office/officeart/2005/8/colors/accent0_3" csCatId="mainScheme" phldr="1"/>
       <dgm:spPr/>
       <dgm:t>
         <a:bodyPr/>
@@ -2128,23 +3442,17 @@
     </dgm:pt>
     <dgm:pt modelId="{174B8CC8-94C2-40B2-8B16-226A635FDB2E}">
       <dgm:prSet phldrT="[Text]"/>
-      <dgm:spPr>
-        <a:solidFill>
-          <a:schemeClr val="accent1">
-            <a:lumMod val="60000"/>
-            <a:lumOff val="40000"/>
-          </a:schemeClr>
-        </a:solidFill>
-      </dgm:spPr>
+      <dgm:spPr/>
       <dgm:t>
         <a:bodyPr/>
         <a:lstStyle/>
         <a:p>
           <a:pPr algn="l"/>
           <a:r>
-            <a:rPr lang="en-US" dirty="0"/>
-            <a:t>Idle time and Trip duration are higher in the morning due to peak hours and lack of flights</a:t>
+            <a:rPr lang="en-US" dirty="0" smtClean="0"/>
+            <a:t>Interest Rate</a:t>
           </a:r>
+          <a:endParaRPr lang="en-US" dirty="0"/>
         </a:p>
       </dgm:t>
     </dgm:pt>
@@ -2172,22 +3480,17 @@
     </dgm:pt>
     <dgm:pt modelId="{79299D3B-EE87-40C6-830C-068B540B7E07}">
       <dgm:prSet phldrT="[Text]"/>
-      <dgm:spPr>
-        <a:solidFill>
-          <a:schemeClr val="accent1">
-            <a:lumMod val="75000"/>
-          </a:schemeClr>
-        </a:solidFill>
-      </dgm:spPr>
+      <dgm:spPr/>
       <dgm:t>
         <a:bodyPr/>
         <a:lstStyle/>
         <a:p>
           <a:pPr algn="l"/>
           <a:r>
-            <a:rPr lang="en-US" dirty="0"/>
-            <a:t>Higher cancellations</a:t>
+            <a:rPr lang="en-US" dirty="0" smtClean="0"/>
+            <a:t>DTI : Debt to Income Ratio</a:t>
           </a:r>
+          <a:endParaRPr lang="en-US" dirty="0"/>
         </a:p>
       </dgm:t>
     </dgm:pt>
@@ -2215,23 +3518,13 @@
     </dgm:pt>
     <dgm:pt modelId="{6571444D-1E06-44E8-ABF4-5EC377577174}">
       <dgm:prSet phldrT="[Text]"/>
-      <dgm:spPr>
-        <a:solidFill>
-          <a:schemeClr val="accent2">
-            <a:lumMod val="60000"/>
-            <a:lumOff val="40000"/>
-          </a:schemeClr>
-        </a:solidFill>
-      </dgm:spPr>
+      <dgm:spPr/>
       <dgm:t>
         <a:bodyPr/>
         <a:lstStyle/>
         <a:p>
           <a:pPr algn="l"/>
-          <a:r>
-            <a:rPr lang="en-US" dirty="0"/>
-            <a:t>Evening, Night and late night cars availability at airport is an issue because drivers are moving towards city</a:t>
-          </a:r>
+          <a:endParaRPr lang="en-US" dirty="0"/>
         </a:p>
       </dgm:t>
     </dgm:pt>
@@ -2259,22 +3552,13 @@
     </dgm:pt>
     <dgm:pt modelId="{665B8820-E5D6-4421-A892-5BC573708853}">
       <dgm:prSet phldrT="[Text]"/>
-      <dgm:spPr>
-        <a:solidFill>
-          <a:schemeClr val="accent2">
-            <a:lumMod val="75000"/>
-          </a:schemeClr>
-        </a:solidFill>
-      </dgm:spPr>
+      <dgm:spPr/>
       <dgm:t>
         <a:bodyPr/>
         <a:lstStyle/>
         <a:p>
           <a:pPr algn="l"/>
-          <a:r>
-            <a:rPr lang="en-US" dirty="0"/>
-            <a:t>Huge supply demand gap at airports</a:t>
-          </a:r>
+          <a:endParaRPr lang="en-US" dirty="0"/>
         </a:p>
       </dgm:t>
     </dgm:pt>
@@ -2302,37 +3586,13 @@
     </dgm:pt>
     <dgm:pt modelId="{8A48A12A-C404-4020-824E-D49F89E14C71}">
       <dgm:prSet phldrT="[Text]" custT="1"/>
-      <dgm:spPr>
-        <a:solidFill>
-          <a:schemeClr val="accent6">
-            <a:lumMod val="75000"/>
-          </a:schemeClr>
-        </a:solidFill>
-      </dgm:spPr>
+      <dgm:spPr/>
       <dgm:t>
         <a:bodyPr/>
         <a:lstStyle/>
         <a:p>
           <a:pPr algn="ctr"/>
-          <a:r>
-            <a:rPr lang="en-US" sz="1600" b="1" u="sng" dirty="0"/>
-            <a:t>Recommendations</a:t>
-          </a:r>
-          <a:endParaRPr lang="en-US" sz="1500" b="1" u="sng" dirty="0"/>
-        </a:p>
-        <a:p>
-          <a:pPr algn="l"/>
-          <a:r>
-            <a:rPr lang="en-US" sz="1500" dirty="0"/>
-            <a:t>1) Idle time needs to be solved by incentivizing the drivers who wait at airport</a:t>
-          </a:r>
-        </a:p>
-        <a:p>
-          <a:pPr algn="l"/>
-          <a:r>
-            <a:rPr lang="en-US" sz="1500" dirty="0"/>
-            <a:t>2) Dedicate airport cabs with bit premium rates could be made available from airport during Evening, night and late night hours</a:t>
-          </a:r>
+          <a:endParaRPr lang="en-US" sz="1500" dirty="0"/>
         </a:p>
       </dgm:t>
     </dgm:pt>
@@ -2358,93 +3618,335 @@
         </a:p>
       </dgm:t>
     </dgm:pt>
-    <dgm:pt modelId="{0B13829F-2664-40EA-9E51-82B319FC310B}" type="pres">
-      <dgm:prSet presAssocID="{DC041154-F0B5-4CBD-A6DD-E0EFB8D014E4}" presName="diagram" presStyleCnt="0">
+    <dgm:pt modelId="{AE2DEB4A-2365-4E73-A0D1-A63F32EAE477}">
+      <dgm:prSet phldrT="[Text]"/>
+      <dgm:spPr/>
+      <dgm:t>
+        <a:bodyPr/>
+        <a:lstStyle/>
+        <a:p>
+          <a:pPr algn="l"/>
+          <a:r>
+            <a:rPr lang="en-US" dirty="0" smtClean="0"/>
+            <a:t>Higher interest rates are having higher charged off</a:t>
+          </a:r>
+          <a:endParaRPr lang="en-US" dirty="0"/>
+        </a:p>
+      </dgm:t>
+    </dgm:pt>
+    <dgm:pt modelId="{14FA42E5-9026-4DD4-8D5B-73060AAA0839}" type="parTrans" cxnId="{C247A8E3-0EA0-46CE-B0A7-7AB72645B3C6}">
+      <dgm:prSet/>
+      <dgm:spPr/>
+    </dgm:pt>
+    <dgm:pt modelId="{72D6EB60-EAAE-456F-B6F9-CAFEF2668F45}" type="sibTrans" cxnId="{C247A8E3-0EA0-46CE-B0A7-7AB72645B3C6}">
+      <dgm:prSet/>
+      <dgm:spPr/>
+    </dgm:pt>
+    <dgm:pt modelId="{39923927-2CF6-425F-9428-E8701B7D480A}">
+      <dgm:prSet phldrT="[Text]"/>
+      <dgm:spPr/>
+      <dgm:t>
+        <a:bodyPr/>
+        <a:lstStyle/>
+        <a:p>
+          <a:pPr algn="l"/>
+          <a:r>
+            <a:rPr lang="en-US" dirty="0" smtClean="0"/>
+            <a:t>Since interest rates are derived by grades and subgrade, higher risk grades needs to be monitored for charged off</a:t>
+          </a:r>
+          <a:endParaRPr lang="en-US" dirty="0"/>
+        </a:p>
+      </dgm:t>
+    </dgm:pt>
+    <dgm:pt modelId="{51B98856-5E7F-4589-9690-54EEBA6525A3}" type="parTrans" cxnId="{B55F2DE8-F09A-4823-931C-449CEC430404}">
+      <dgm:prSet/>
+      <dgm:spPr/>
+    </dgm:pt>
+    <dgm:pt modelId="{E68AC9D6-C8AF-4468-BF0C-FA4DC915C412}" type="sibTrans" cxnId="{B55F2DE8-F09A-4823-931C-449CEC430404}">
+      <dgm:prSet/>
+      <dgm:spPr/>
+    </dgm:pt>
+    <dgm:pt modelId="{0D49AD60-F5D9-44CB-94F6-411467CAB09B}">
+      <dgm:prSet phldrT="[Text]"/>
+      <dgm:spPr/>
+      <dgm:t>
+        <a:bodyPr/>
+        <a:lstStyle/>
+        <a:p>
+          <a:pPr algn="l"/>
+          <a:endParaRPr lang="en-US" dirty="0"/>
+        </a:p>
+      </dgm:t>
+    </dgm:pt>
+    <dgm:pt modelId="{DBC4C1E3-A293-4514-AC96-E47FC5A43C7A}" type="parTrans" cxnId="{2D8BC0D7-DD76-4982-95D0-9672ACFDDF1C}">
+      <dgm:prSet/>
+      <dgm:spPr/>
+    </dgm:pt>
+    <dgm:pt modelId="{5E064BE7-F7E8-4BD5-83B6-23EAE85AC1EA}" type="sibTrans" cxnId="{2D8BC0D7-DD76-4982-95D0-9672ACFDDF1C}">
+      <dgm:prSet/>
+      <dgm:spPr/>
+    </dgm:pt>
+    <dgm:pt modelId="{2A5BC991-A0DF-4028-A53E-B370256924F1}" type="pres">
+      <dgm:prSet presAssocID="{DC041154-F0B5-4CBD-A6DD-E0EFB8D014E4}" presName="Name0" presStyleCnt="0">
         <dgm:presLayoutVars>
           <dgm:dir/>
+          <dgm:animLvl val="lvl"/>
           <dgm:resizeHandles val="exact"/>
         </dgm:presLayoutVars>
       </dgm:prSet>
       <dgm:spPr/>
+      <dgm:t>
+        <a:bodyPr/>
+        <a:lstStyle/>
+        <a:p>
+          <a:endParaRPr lang="en-US"/>
+        </a:p>
+      </dgm:t>
     </dgm:pt>
-    <dgm:pt modelId="{5754AB50-5138-46A7-BC39-0EBB17175FDF}" type="pres">
-      <dgm:prSet presAssocID="{174B8CC8-94C2-40B2-8B16-226A635FDB2E}" presName="node" presStyleLbl="node1" presStyleIdx="0" presStyleCnt="5">
+    <dgm:pt modelId="{5A657AE5-0581-418D-8949-DD74DAA5B283}" type="pres">
+      <dgm:prSet presAssocID="{174B8CC8-94C2-40B2-8B16-226A635FDB2E}" presName="linNode" presStyleCnt="0"/>
+      <dgm:spPr/>
+      <dgm:t>
+        <a:bodyPr/>
+        <a:lstStyle/>
+        <a:p>
+          <a:endParaRPr lang="en-US"/>
+        </a:p>
+      </dgm:t>
+    </dgm:pt>
+    <dgm:pt modelId="{361A6850-DD8F-45ED-909A-410C98CF1104}" type="pres">
+      <dgm:prSet presAssocID="{174B8CC8-94C2-40B2-8B16-226A635FDB2E}" presName="parentText" presStyleLbl="node1" presStyleIdx="0" presStyleCnt="5">
+        <dgm:presLayoutVars>
+          <dgm:chMax val="1"/>
+          <dgm:bulletEnabled val="1"/>
+        </dgm:presLayoutVars>
+      </dgm:prSet>
+      <dgm:spPr/>
+      <dgm:t>
+        <a:bodyPr/>
+        <a:lstStyle/>
+        <a:p>
+          <a:endParaRPr lang="en-US"/>
+        </a:p>
+      </dgm:t>
+    </dgm:pt>
+    <dgm:pt modelId="{62421612-7476-46E1-BB43-CDC2E7F24183}" type="pres">
+      <dgm:prSet presAssocID="{174B8CC8-94C2-40B2-8B16-226A635FDB2E}" presName="descendantText" presStyleLbl="alignAccFollowNode1" presStyleIdx="0" presStyleCnt="2">
         <dgm:presLayoutVars>
           <dgm:bulletEnabled val="1"/>
         </dgm:presLayoutVars>
       </dgm:prSet>
       <dgm:spPr/>
+      <dgm:t>
+        <a:bodyPr/>
+        <a:lstStyle/>
+        <a:p>
+          <a:endParaRPr lang="en-US"/>
+        </a:p>
+      </dgm:t>
     </dgm:pt>
-    <dgm:pt modelId="{91FAAA92-CFFD-4A17-9BDE-C2F2F93833D8}" type="pres">
-      <dgm:prSet presAssocID="{AD8CC473-C8FB-40CF-AE2F-4DC96737587F}" presName="sibTrans" presStyleCnt="0"/>
+    <dgm:pt modelId="{14418DF0-29E4-4BB7-8898-DC3E05D5FAA4}" type="pres">
+      <dgm:prSet presAssocID="{AD8CC473-C8FB-40CF-AE2F-4DC96737587F}" presName="sp" presStyleCnt="0"/>
       <dgm:spPr/>
+      <dgm:t>
+        <a:bodyPr/>
+        <a:lstStyle/>
+        <a:p>
+          <a:endParaRPr lang="en-US"/>
+        </a:p>
+      </dgm:t>
     </dgm:pt>
-    <dgm:pt modelId="{7D36522F-69F4-4621-8D51-D2DC07DBF2E6}" type="pres">
-      <dgm:prSet presAssocID="{79299D3B-EE87-40C6-830C-068B540B7E07}" presName="node" presStyleLbl="node1" presStyleIdx="1" presStyleCnt="5">
+    <dgm:pt modelId="{675596C5-EADC-43E1-B13D-CA028EA69734}" type="pres">
+      <dgm:prSet presAssocID="{79299D3B-EE87-40C6-830C-068B540B7E07}" presName="linNode" presStyleCnt="0"/>
+      <dgm:spPr/>
+      <dgm:t>
+        <a:bodyPr/>
+        <a:lstStyle/>
+        <a:p>
+          <a:endParaRPr lang="en-US"/>
+        </a:p>
+      </dgm:t>
+    </dgm:pt>
+    <dgm:pt modelId="{75543A78-F5F9-4A8D-9BA4-707BDC9E8C66}" type="pres">
+      <dgm:prSet presAssocID="{79299D3B-EE87-40C6-830C-068B540B7E07}" presName="parentText" presStyleLbl="node1" presStyleIdx="1" presStyleCnt="5">
+        <dgm:presLayoutVars>
+          <dgm:chMax val="1"/>
+          <dgm:bulletEnabled val="1"/>
+        </dgm:presLayoutVars>
+      </dgm:prSet>
+      <dgm:spPr/>
+      <dgm:t>
+        <a:bodyPr/>
+        <a:lstStyle/>
+        <a:p>
+          <a:endParaRPr lang="en-US"/>
+        </a:p>
+      </dgm:t>
+    </dgm:pt>
+    <dgm:pt modelId="{C5F5BA09-EE82-4C3C-ABBC-57E13534D0D4}" type="pres">
+      <dgm:prSet presAssocID="{79299D3B-EE87-40C6-830C-068B540B7E07}" presName="descendantText" presStyleLbl="alignAccFollowNode1" presStyleIdx="1" presStyleCnt="2">
         <dgm:presLayoutVars>
           <dgm:bulletEnabled val="1"/>
         </dgm:presLayoutVars>
       </dgm:prSet>
       <dgm:spPr/>
+      <dgm:t>
+        <a:bodyPr/>
+        <a:lstStyle/>
+        <a:p>
+          <a:endParaRPr lang="en-US"/>
+        </a:p>
+      </dgm:t>
     </dgm:pt>
-    <dgm:pt modelId="{ABAA7878-B847-4D4B-95D1-267AACAF39B3}" type="pres">
-      <dgm:prSet presAssocID="{5AB5BABC-897C-450F-9521-43B086FCB8AC}" presName="sibTrans" presStyleCnt="0"/>
+    <dgm:pt modelId="{0E5208B5-169B-4C62-B0D0-65972256E679}" type="pres">
+      <dgm:prSet presAssocID="{5AB5BABC-897C-450F-9521-43B086FCB8AC}" presName="sp" presStyleCnt="0"/>
       <dgm:spPr/>
+      <dgm:t>
+        <a:bodyPr/>
+        <a:lstStyle/>
+        <a:p>
+          <a:endParaRPr lang="en-US"/>
+        </a:p>
+      </dgm:t>
     </dgm:pt>
-    <dgm:pt modelId="{A5AABAE6-CC5D-4404-92AE-8BE2E3E60A76}" type="pres">
-      <dgm:prSet presAssocID="{6571444D-1E06-44E8-ABF4-5EC377577174}" presName="node" presStyleLbl="node1" presStyleIdx="2" presStyleCnt="5">
+    <dgm:pt modelId="{EE58F977-3BD8-443F-A521-C81E5FDC29E6}" type="pres">
+      <dgm:prSet presAssocID="{6571444D-1E06-44E8-ABF4-5EC377577174}" presName="linNode" presStyleCnt="0"/>
+      <dgm:spPr/>
+      <dgm:t>
+        <a:bodyPr/>
+        <a:lstStyle/>
+        <a:p>
+          <a:endParaRPr lang="en-US"/>
+        </a:p>
+      </dgm:t>
+    </dgm:pt>
+    <dgm:pt modelId="{39307DE9-0198-4C5E-B84F-EC93D1A278FC}" type="pres">
+      <dgm:prSet presAssocID="{6571444D-1E06-44E8-ABF4-5EC377577174}" presName="parentText" presStyleLbl="node1" presStyleIdx="2" presStyleCnt="5">
         <dgm:presLayoutVars>
+          <dgm:chMax val="1"/>
           <dgm:bulletEnabled val="1"/>
         </dgm:presLayoutVars>
       </dgm:prSet>
       <dgm:spPr/>
+      <dgm:t>
+        <a:bodyPr/>
+        <a:lstStyle/>
+        <a:p>
+          <a:endParaRPr lang="en-US"/>
+        </a:p>
+      </dgm:t>
     </dgm:pt>
-    <dgm:pt modelId="{792753AE-53A2-4D03-B393-8599116D964A}" type="pres">
-      <dgm:prSet presAssocID="{EAE8AC85-36E8-4A1A-9D8A-DED9FEF958B7}" presName="sibTrans" presStyleCnt="0"/>
+    <dgm:pt modelId="{3868A8C3-0AF7-478B-ADD7-BA1B310A61A0}" type="pres">
+      <dgm:prSet presAssocID="{EAE8AC85-36E8-4A1A-9D8A-DED9FEF958B7}" presName="sp" presStyleCnt="0"/>
       <dgm:spPr/>
+      <dgm:t>
+        <a:bodyPr/>
+        <a:lstStyle/>
+        <a:p>
+          <a:endParaRPr lang="en-US"/>
+        </a:p>
+      </dgm:t>
     </dgm:pt>
-    <dgm:pt modelId="{13E42E5F-4EB9-4DD4-A050-E1CF14CA3B85}" type="pres">
-      <dgm:prSet presAssocID="{665B8820-E5D6-4421-A892-5BC573708853}" presName="node" presStyleLbl="node1" presStyleIdx="3" presStyleCnt="5" custLinFactNeighborY="356">
+    <dgm:pt modelId="{D85383AA-4CAC-4289-9330-251AB0F379C6}" type="pres">
+      <dgm:prSet presAssocID="{665B8820-E5D6-4421-A892-5BC573708853}" presName="linNode" presStyleCnt="0"/>
+      <dgm:spPr/>
+      <dgm:t>
+        <a:bodyPr/>
+        <a:lstStyle/>
+        <a:p>
+          <a:endParaRPr lang="en-US"/>
+        </a:p>
+      </dgm:t>
+    </dgm:pt>
+    <dgm:pt modelId="{37484C98-9704-4D2D-8256-3FFF55592DD3}" type="pres">
+      <dgm:prSet presAssocID="{665B8820-E5D6-4421-A892-5BC573708853}" presName="parentText" presStyleLbl="node1" presStyleIdx="3" presStyleCnt="5">
         <dgm:presLayoutVars>
+          <dgm:chMax val="1"/>
           <dgm:bulletEnabled val="1"/>
         </dgm:presLayoutVars>
       </dgm:prSet>
       <dgm:spPr/>
+      <dgm:t>
+        <a:bodyPr/>
+        <a:lstStyle/>
+        <a:p>
+          <a:endParaRPr lang="en-US"/>
+        </a:p>
+      </dgm:t>
     </dgm:pt>
-    <dgm:pt modelId="{8D739B1B-1B2D-41F5-868E-32BB1D1D212A}" type="pres">
-      <dgm:prSet presAssocID="{A54F562E-A39F-44A7-AB3E-F5142D8E4C86}" presName="sibTrans" presStyleCnt="0"/>
+    <dgm:pt modelId="{1AA79198-0E41-4BF7-B22D-C3BD913B2392}" type="pres">
+      <dgm:prSet presAssocID="{A54F562E-A39F-44A7-AB3E-F5142D8E4C86}" presName="sp" presStyleCnt="0"/>
       <dgm:spPr/>
+      <dgm:t>
+        <a:bodyPr/>
+        <a:lstStyle/>
+        <a:p>
+          <a:endParaRPr lang="en-US"/>
+        </a:p>
+      </dgm:t>
     </dgm:pt>
-    <dgm:pt modelId="{44D47586-5AE1-4FC3-B194-168E1BD7FB2A}" type="pres">
-      <dgm:prSet presAssocID="{8A48A12A-C404-4020-824E-D49F89E14C71}" presName="node" presStyleLbl="node1" presStyleIdx="4" presStyleCnt="5" custScaleX="169485">
+    <dgm:pt modelId="{6495288D-EC41-4ACD-9406-50260B3B5F25}" type="pres">
+      <dgm:prSet presAssocID="{8A48A12A-C404-4020-824E-D49F89E14C71}" presName="linNode" presStyleCnt="0"/>
+      <dgm:spPr/>
+      <dgm:t>
+        <a:bodyPr/>
+        <a:lstStyle/>
+        <a:p>
+          <a:endParaRPr lang="en-US"/>
+        </a:p>
+      </dgm:t>
+    </dgm:pt>
+    <dgm:pt modelId="{358D7957-496C-44C8-872C-682A572E18A6}" type="pres">
+      <dgm:prSet presAssocID="{8A48A12A-C404-4020-824E-D49F89E14C71}" presName="parentText" presStyleLbl="node1" presStyleIdx="4" presStyleCnt="5">
         <dgm:presLayoutVars>
+          <dgm:chMax val="1"/>
           <dgm:bulletEnabled val="1"/>
         </dgm:presLayoutVars>
       </dgm:prSet>
       <dgm:spPr/>
+      <dgm:t>
+        <a:bodyPr/>
+        <a:lstStyle/>
+        <a:p>
+          <a:endParaRPr lang="en-US"/>
+        </a:p>
+      </dgm:t>
     </dgm:pt>
   </dgm:ptLst>
   <dgm:cxnLst>
+    <dgm:cxn modelId="{9791354C-3134-4447-A7D7-DFA2FC71DBA7}" type="presOf" srcId="{665B8820-E5D6-4421-A892-5BC573708853}" destId="{37484C98-9704-4D2D-8256-3FFF55592DD3}" srcOrd="0" destOrd="0" presId="urn:microsoft.com/office/officeart/2005/8/layout/vList5"/>
+    <dgm:cxn modelId="{6EA343EB-4CD3-49DA-8205-50744B566761}" srcId="{DC041154-F0B5-4CBD-A6DD-E0EFB8D014E4}" destId="{6571444D-1E06-44E8-ABF4-5EC377577174}" srcOrd="2" destOrd="0" parTransId="{F3B846BD-3D51-4CC2-B0D9-F5ADB274E2A0}" sibTransId="{EAE8AC85-36E8-4A1A-9D8A-DED9FEF958B7}"/>
+    <dgm:cxn modelId="{F69D03B9-A598-4C25-A351-2197B1D12AC0}" srcId="{DC041154-F0B5-4CBD-A6DD-E0EFB8D014E4}" destId="{174B8CC8-94C2-40B2-8B16-226A635FDB2E}" srcOrd="0" destOrd="0" parTransId="{6D17835A-FE69-4A43-94A1-A0BAAA172FC5}" sibTransId="{AD8CC473-C8FB-40CF-AE2F-4DC96737587F}"/>
+    <dgm:cxn modelId="{B55F2DE8-F09A-4823-931C-449CEC430404}" srcId="{174B8CC8-94C2-40B2-8B16-226A635FDB2E}" destId="{39923927-2CF6-425F-9428-E8701B7D480A}" srcOrd="1" destOrd="0" parTransId="{51B98856-5E7F-4589-9690-54EEBA6525A3}" sibTransId="{E68AC9D6-C8AF-4468-BF0C-FA4DC915C412}"/>
+    <dgm:cxn modelId="{4D59CFBD-01C6-4888-8244-5AF33DADBB65}" type="presOf" srcId="{AE2DEB4A-2365-4E73-A0D1-A63F32EAE477}" destId="{62421612-7476-46E1-BB43-CDC2E7F24183}" srcOrd="0" destOrd="0" presId="urn:microsoft.com/office/officeart/2005/8/layout/vList5"/>
+    <dgm:cxn modelId="{A349FC8A-7633-444E-8E30-28600BE81252}" srcId="{DC041154-F0B5-4CBD-A6DD-E0EFB8D014E4}" destId="{665B8820-E5D6-4421-A892-5BC573708853}" srcOrd="3" destOrd="0" parTransId="{2DB81970-C5DD-4AE2-86EC-33039910C0CB}" sibTransId="{A54F562E-A39F-44A7-AB3E-F5142D8E4C86}"/>
+    <dgm:cxn modelId="{B67E89B5-456C-4222-A7DA-23A6B2FD676E}" type="presOf" srcId="{DC041154-F0B5-4CBD-A6DD-E0EFB8D014E4}" destId="{2A5BC991-A0DF-4028-A53E-B370256924F1}" srcOrd="0" destOrd="0" presId="urn:microsoft.com/office/officeart/2005/8/layout/vList5"/>
     <dgm:cxn modelId="{69FF5B19-2C17-49C7-818B-06F4E8CCB19F}" srcId="{DC041154-F0B5-4CBD-A6DD-E0EFB8D014E4}" destId="{79299D3B-EE87-40C6-830C-068B540B7E07}" srcOrd="1" destOrd="0" parTransId="{8080858D-49E0-4698-B567-0FAB52965F9A}" sibTransId="{5AB5BABC-897C-450F-9521-43B086FCB8AC}"/>
+    <dgm:cxn modelId="{37FA4C66-46B9-4BBE-8FC2-B66A4EBFF125}" type="presOf" srcId="{8A48A12A-C404-4020-824E-D49F89E14C71}" destId="{358D7957-496C-44C8-872C-682A572E18A6}" srcOrd="0" destOrd="0" presId="urn:microsoft.com/office/officeart/2005/8/layout/vList5"/>
+    <dgm:cxn modelId="{596D1560-AFD4-4146-8719-39389DAF6229}" type="presOf" srcId="{79299D3B-EE87-40C6-830C-068B540B7E07}" destId="{75543A78-F5F9-4A8D-9BA4-707BDC9E8C66}" srcOrd="0" destOrd="0" presId="urn:microsoft.com/office/officeart/2005/8/layout/vList5"/>
+    <dgm:cxn modelId="{C0C33343-7FF7-4A60-B8E8-313E5D76D488}" type="presOf" srcId="{174B8CC8-94C2-40B2-8B16-226A635FDB2E}" destId="{361A6850-DD8F-45ED-909A-410C98CF1104}" srcOrd="0" destOrd="0" presId="urn:microsoft.com/office/officeart/2005/8/layout/vList5"/>
+    <dgm:cxn modelId="{8169F85B-EF6C-423D-B9BC-3DF342F9725E}" type="presOf" srcId="{39923927-2CF6-425F-9428-E8701B7D480A}" destId="{62421612-7476-46E1-BB43-CDC2E7F24183}" srcOrd="0" destOrd="1" presId="urn:microsoft.com/office/officeart/2005/8/layout/vList5"/>
+    <dgm:cxn modelId="{C5F9A84F-5AF2-4B27-9D40-A7CC6A88C149}" type="presOf" srcId="{6571444D-1E06-44E8-ABF4-5EC377577174}" destId="{39307DE9-0198-4C5E-B84F-EC93D1A278FC}" srcOrd="0" destOrd="0" presId="urn:microsoft.com/office/officeart/2005/8/layout/vList5"/>
+    <dgm:cxn modelId="{4B306CEA-0CFC-4E30-93FF-BCB4A3138208}" type="presOf" srcId="{0D49AD60-F5D9-44CB-94F6-411467CAB09B}" destId="{C5F5BA09-EE82-4C3C-ABBC-57E13534D0D4}" srcOrd="0" destOrd="0" presId="urn:microsoft.com/office/officeart/2005/8/layout/vList5"/>
+    <dgm:cxn modelId="{C247A8E3-0EA0-46CE-B0A7-7AB72645B3C6}" srcId="{174B8CC8-94C2-40B2-8B16-226A635FDB2E}" destId="{AE2DEB4A-2365-4E73-A0D1-A63F32EAE477}" srcOrd="0" destOrd="0" parTransId="{14FA42E5-9026-4DD4-8D5B-73060AAA0839}" sibTransId="{72D6EB60-EAAE-456F-B6F9-CAFEF2668F45}"/>
+    <dgm:cxn modelId="{2D8BC0D7-DD76-4982-95D0-9672ACFDDF1C}" srcId="{79299D3B-EE87-40C6-830C-068B540B7E07}" destId="{0D49AD60-F5D9-44CB-94F6-411467CAB09B}" srcOrd="0" destOrd="0" parTransId="{DBC4C1E3-A293-4514-AC96-E47FC5A43C7A}" sibTransId="{5E064BE7-F7E8-4BD5-83B6-23EAE85AC1EA}"/>
     <dgm:cxn modelId="{FEFC195D-7D82-4279-91D7-F2EE6263D475}" srcId="{DC041154-F0B5-4CBD-A6DD-E0EFB8D014E4}" destId="{8A48A12A-C404-4020-824E-D49F89E14C71}" srcOrd="4" destOrd="0" parTransId="{58EE057A-5814-47FB-A983-1A71B5DF6146}" sibTransId="{88FC3478-113E-4C59-853B-80F01AF6397E}"/>
-    <dgm:cxn modelId="{9B390E42-FB9A-45DC-9BDB-0570FB572F73}" type="presOf" srcId="{DC041154-F0B5-4CBD-A6DD-E0EFB8D014E4}" destId="{0B13829F-2664-40EA-9E51-82B319FC310B}" srcOrd="0" destOrd="0" presId="urn:microsoft.com/office/officeart/2005/8/layout/default"/>
-    <dgm:cxn modelId="{A572336C-6DF6-40D8-AF93-030A5E337995}" type="presOf" srcId="{665B8820-E5D6-4421-A892-5BC573708853}" destId="{13E42E5F-4EB9-4DD4-A050-E1CF14CA3B85}" srcOrd="0" destOrd="0" presId="urn:microsoft.com/office/officeart/2005/8/layout/default"/>
-    <dgm:cxn modelId="{ABC3AC4C-66DF-4464-9ADE-9E9894D91A0A}" type="presOf" srcId="{8A48A12A-C404-4020-824E-D49F89E14C71}" destId="{44D47586-5AE1-4FC3-B194-168E1BD7FB2A}" srcOrd="0" destOrd="0" presId="urn:microsoft.com/office/officeart/2005/8/layout/default"/>
-    <dgm:cxn modelId="{A349FC8A-7633-444E-8E30-28600BE81252}" srcId="{DC041154-F0B5-4CBD-A6DD-E0EFB8D014E4}" destId="{665B8820-E5D6-4421-A892-5BC573708853}" srcOrd="3" destOrd="0" parTransId="{2DB81970-C5DD-4AE2-86EC-33039910C0CB}" sibTransId="{A54F562E-A39F-44A7-AB3E-F5142D8E4C86}"/>
-    <dgm:cxn modelId="{FA9D9C92-8C52-46C0-A11A-FD19B1084A86}" type="presOf" srcId="{174B8CC8-94C2-40B2-8B16-226A635FDB2E}" destId="{5754AB50-5138-46A7-BC39-0EBB17175FDF}" srcOrd="0" destOrd="0" presId="urn:microsoft.com/office/officeart/2005/8/layout/default"/>
-    <dgm:cxn modelId="{0A235294-CA4D-491B-9C48-B95E4967D986}" type="presOf" srcId="{6571444D-1E06-44E8-ABF4-5EC377577174}" destId="{A5AABAE6-CC5D-4404-92AE-8BE2E3E60A76}" srcOrd="0" destOrd="0" presId="urn:microsoft.com/office/officeart/2005/8/layout/default"/>
-    <dgm:cxn modelId="{F69D03B9-A598-4C25-A351-2197B1D12AC0}" srcId="{DC041154-F0B5-4CBD-A6DD-E0EFB8D014E4}" destId="{174B8CC8-94C2-40B2-8B16-226A635FDB2E}" srcOrd="0" destOrd="0" parTransId="{6D17835A-FE69-4A43-94A1-A0BAAA172FC5}" sibTransId="{AD8CC473-C8FB-40CF-AE2F-4DC96737587F}"/>
-    <dgm:cxn modelId="{8F1622E0-5B5E-4AD2-85FB-518D064A8F42}" type="presOf" srcId="{79299D3B-EE87-40C6-830C-068B540B7E07}" destId="{7D36522F-69F4-4621-8D51-D2DC07DBF2E6}" srcOrd="0" destOrd="0" presId="urn:microsoft.com/office/officeart/2005/8/layout/default"/>
-    <dgm:cxn modelId="{6EA343EB-4CD3-49DA-8205-50744B566761}" srcId="{DC041154-F0B5-4CBD-A6DD-E0EFB8D014E4}" destId="{6571444D-1E06-44E8-ABF4-5EC377577174}" srcOrd="2" destOrd="0" parTransId="{F3B846BD-3D51-4CC2-B0D9-F5ADB274E2A0}" sibTransId="{EAE8AC85-36E8-4A1A-9D8A-DED9FEF958B7}"/>
-    <dgm:cxn modelId="{8278575B-B113-4B1E-9796-C9CB89F4726F}" type="presParOf" srcId="{0B13829F-2664-40EA-9E51-82B319FC310B}" destId="{5754AB50-5138-46A7-BC39-0EBB17175FDF}" srcOrd="0" destOrd="0" presId="urn:microsoft.com/office/officeart/2005/8/layout/default"/>
-    <dgm:cxn modelId="{4D2CDA41-E2ED-47C6-ABD6-8A6C43EAD703}" type="presParOf" srcId="{0B13829F-2664-40EA-9E51-82B319FC310B}" destId="{91FAAA92-CFFD-4A17-9BDE-C2F2F93833D8}" srcOrd="1" destOrd="0" presId="urn:microsoft.com/office/officeart/2005/8/layout/default"/>
-    <dgm:cxn modelId="{50A24BAF-7751-4C1D-ABEF-5B5685EFA2DD}" type="presParOf" srcId="{0B13829F-2664-40EA-9E51-82B319FC310B}" destId="{7D36522F-69F4-4621-8D51-D2DC07DBF2E6}" srcOrd="2" destOrd="0" presId="urn:microsoft.com/office/officeart/2005/8/layout/default"/>
-    <dgm:cxn modelId="{EA9B8CDE-741D-457B-8230-7741D5B43BAB}" type="presParOf" srcId="{0B13829F-2664-40EA-9E51-82B319FC310B}" destId="{ABAA7878-B847-4D4B-95D1-267AACAF39B3}" srcOrd="3" destOrd="0" presId="urn:microsoft.com/office/officeart/2005/8/layout/default"/>
-    <dgm:cxn modelId="{0DB89CFA-3B88-4876-B8CD-1EF4BCABCA7B}" type="presParOf" srcId="{0B13829F-2664-40EA-9E51-82B319FC310B}" destId="{A5AABAE6-CC5D-4404-92AE-8BE2E3E60A76}" srcOrd="4" destOrd="0" presId="urn:microsoft.com/office/officeart/2005/8/layout/default"/>
-    <dgm:cxn modelId="{01FE2E2F-E075-464A-A75D-A4FB468E9413}" type="presParOf" srcId="{0B13829F-2664-40EA-9E51-82B319FC310B}" destId="{792753AE-53A2-4D03-B393-8599116D964A}" srcOrd="5" destOrd="0" presId="urn:microsoft.com/office/officeart/2005/8/layout/default"/>
-    <dgm:cxn modelId="{1245EB10-2941-40C4-B209-9CB1C01536AC}" type="presParOf" srcId="{0B13829F-2664-40EA-9E51-82B319FC310B}" destId="{13E42E5F-4EB9-4DD4-A050-E1CF14CA3B85}" srcOrd="6" destOrd="0" presId="urn:microsoft.com/office/officeart/2005/8/layout/default"/>
-    <dgm:cxn modelId="{A17EF706-E1F6-41D1-AB04-90913E5ED2E8}" type="presParOf" srcId="{0B13829F-2664-40EA-9E51-82B319FC310B}" destId="{8D739B1B-1B2D-41F5-868E-32BB1D1D212A}" srcOrd="7" destOrd="0" presId="urn:microsoft.com/office/officeart/2005/8/layout/default"/>
-    <dgm:cxn modelId="{834E6122-8F02-4368-8C5E-90C853003577}" type="presParOf" srcId="{0B13829F-2664-40EA-9E51-82B319FC310B}" destId="{44D47586-5AE1-4FC3-B194-168E1BD7FB2A}" srcOrd="8" destOrd="0" presId="urn:microsoft.com/office/officeart/2005/8/layout/default"/>
+    <dgm:cxn modelId="{7110EC6B-353B-4E1D-8446-90D426A61022}" type="presParOf" srcId="{2A5BC991-A0DF-4028-A53E-B370256924F1}" destId="{5A657AE5-0581-418D-8949-DD74DAA5B283}" srcOrd="0" destOrd="0" presId="urn:microsoft.com/office/officeart/2005/8/layout/vList5"/>
+    <dgm:cxn modelId="{F78653D5-CD97-431F-9038-77A1EB147C14}" type="presParOf" srcId="{5A657AE5-0581-418D-8949-DD74DAA5B283}" destId="{361A6850-DD8F-45ED-909A-410C98CF1104}" srcOrd="0" destOrd="0" presId="urn:microsoft.com/office/officeart/2005/8/layout/vList5"/>
+    <dgm:cxn modelId="{CD2FAD89-405A-4667-9E58-5CB9F8CC8868}" type="presParOf" srcId="{5A657AE5-0581-418D-8949-DD74DAA5B283}" destId="{62421612-7476-46E1-BB43-CDC2E7F24183}" srcOrd="1" destOrd="0" presId="urn:microsoft.com/office/officeart/2005/8/layout/vList5"/>
+    <dgm:cxn modelId="{D593A2C3-C897-4880-AF4E-D8B9A3CB5E36}" type="presParOf" srcId="{2A5BC991-A0DF-4028-A53E-B370256924F1}" destId="{14418DF0-29E4-4BB7-8898-DC3E05D5FAA4}" srcOrd="1" destOrd="0" presId="urn:microsoft.com/office/officeart/2005/8/layout/vList5"/>
+    <dgm:cxn modelId="{B9FD2E56-478A-41A2-91C5-0A8BE0E5B100}" type="presParOf" srcId="{2A5BC991-A0DF-4028-A53E-B370256924F1}" destId="{675596C5-EADC-43E1-B13D-CA028EA69734}" srcOrd="2" destOrd="0" presId="urn:microsoft.com/office/officeart/2005/8/layout/vList5"/>
+    <dgm:cxn modelId="{46AB9BEC-BC45-4C1B-849A-E0A335AF7FAA}" type="presParOf" srcId="{675596C5-EADC-43E1-B13D-CA028EA69734}" destId="{75543A78-F5F9-4A8D-9BA4-707BDC9E8C66}" srcOrd="0" destOrd="0" presId="urn:microsoft.com/office/officeart/2005/8/layout/vList5"/>
+    <dgm:cxn modelId="{B71C2294-90DD-41F7-BA5A-6A2038B74C6E}" type="presParOf" srcId="{675596C5-EADC-43E1-B13D-CA028EA69734}" destId="{C5F5BA09-EE82-4C3C-ABBC-57E13534D0D4}" srcOrd="1" destOrd="0" presId="urn:microsoft.com/office/officeart/2005/8/layout/vList5"/>
+    <dgm:cxn modelId="{E04C5FA3-4F8D-423F-BEBE-9889F4271F55}" type="presParOf" srcId="{2A5BC991-A0DF-4028-A53E-B370256924F1}" destId="{0E5208B5-169B-4C62-B0D0-65972256E679}" srcOrd="3" destOrd="0" presId="urn:microsoft.com/office/officeart/2005/8/layout/vList5"/>
+    <dgm:cxn modelId="{5D576C83-D695-4B63-94D8-16D435BBB100}" type="presParOf" srcId="{2A5BC991-A0DF-4028-A53E-B370256924F1}" destId="{EE58F977-3BD8-443F-A521-C81E5FDC29E6}" srcOrd="4" destOrd="0" presId="urn:microsoft.com/office/officeart/2005/8/layout/vList5"/>
+    <dgm:cxn modelId="{639D766C-E1C2-4D3D-85D6-9BD90A19C582}" type="presParOf" srcId="{EE58F977-3BD8-443F-A521-C81E5FDC29E6}" destId="{39307DE9-0198-4C5E-B84F-EC93D1A278FC}" srcOrd="0" destOrd="0" presId="urn:microsoft.com/office/officeart/2005/8/layout/vList5"/>
+    <dgm:cxn modelId="{30D37F43-AE0E-47D1-80B4-1B9650EBC8A7}" type="presParOf" srcId="{2A5BC991-A0DF-4028-A53E-B370256924F1}" destId="{3868A8C3-0AF7-478B-ADD7-BA1B310A61A0}" srcOrd="5" destOrd="0" presId="urn:microsoft.com/office/officeart/2005/8/layout/vList5"/>
+    <dgm:cxn modelId="{7F29DD72-157A-465C-8F43-2F94B6CDDC4A}" type="presParOf" srcId="{2A5BC991-A0DF-4028-A53E-B370256924F1}" destId="{D85383AA-4CAC-4289-9330-251AB0F379C6}" srcOrd="6" destOrd="0" presId="urn:microsoft.com/office/officeart/2005/8/layout/vList5"/>
+    <dgm:cxn modelId="{BAB2D35F-12BE-4F10-BC2E-A49D59860C84}" type="presParOf" srcId="{D85383AA-4CAC-4289-9330-251AB0F379C6}" destId="{37484C98-9704-4D2D-8256-3FFF55592DD3}" srcOrd="0" destOrd="0" presId="urn:microsoft.com/office/officeart/2005/8/layout/vList5"/>
+    <dgm:cxn modelId="{98D9D5E1-A9DD-46F5-AD44-9DD38A10E43D}" type="presParOf" srcId="{2A5BC991-A0DF-4028-A53E-B370256924F1}" destId="{1AA79198-0E41-4BF7-B22D-C3BD913B2392}" srcOrd="7" destOrd="0" presId="urn:microsoft.com/office/officeart/2005/8/layout/vList5"/>
+    <dgm:cxn modelId="{0B79D74A-20AE-4E2E-AE0C-27BE4A4B04DF}" type="presParOf" srcId="{2A5BC991-A0DF-4028-A53E-B370256924F1}" destId="{6495288D-EC41-4ACD-9406-50260B3B5F25}" srcOrd="8" destOrd="0" presId="urn:microsoft.com/office/officeart/2005/8/layout/vList5"/>
+    <dgm:cxn modelId="{6B944D31-5F0B-4AF3-AD87-BDFBFBA7CFF5}" type="presParOf" srcId="{6495288D-EC41-4ACD-9406-50260B3B5F25}" destId="{358D7957-496C-44C8-872C-682A572E18A6}" srcOrd="0" destOrd="0" presId="urn:microsoft.com/office/officeart/2005/8/layout/vList5"/>
   </dgm:cxnLst>
   <dgm:bg/>
   <dgm:whole/>
@@ -2572,7 +4074,7 @@
         </a:bodyPr>
         <a:lstStyle/>
         <a:p>
-          <a:pPr marL="0" lvl="0" indent="0" algn="l" defTabSz="889000">
+          <a:pPr lvl="0" algn="l" defTabSz="889000">
             <a:lnSpc>
               <a:spcPct val="90000"/>
             </a:lnSpc>
@@ -2582,7 +4084,6 @@
             <a:spcAft>
               <a:spcPct val="35000"/>
             </a:spcAft>
-            <a:buNone/>
           </a:pPr>
           <a:r>
             <a:rPr lang="en-US" sz="2000" kern="1200" dirty="0"/>
@@ -2600,7 +4101,7 @@
             <a:spcAft>
               <a:spcPct val="15000"/>
             </a:spcAft>
-            <a:buChar char="•"/>
+            <a:buChar char="••"/>
           </a:pPr>
           <a:r>
             <a:rPr lang="en-US" sz="1400" kern="1200" dirty="0"/>
@@ -2618,7 +4119,7 @@
             <a:spcAft>
               <a:spcPct val="15000"/>
             </a:spcAft>
-            <a:buChar char="•"/>
+            <a:buChar char="••"/>
           </a:pPr>
           <a:r>
             <a:rPr lang="en-US" sz="1400" kern="1200" dirty="0"/>
@@ -2636,7 +4137,7 @@
             <a:spcAft>
               <a:spcPct val="15000"/>
             </a:spcAft>
-            <a:buChar char="•"/>
+            <a:buChar char="••"/>
           </a:pPr>
           <a:r>
             <a:rPr lang="en-US" sz="1400" kern="1200" dirty="0"/>
@@ -2757,7 +4258,7 @@
         </a:bodyPr>
         <a:lstStyle/>
         <a:p>
-          <a:pPr marL="0" lvl="0" indent="0" algn="l" defTabSz="800100">
+          <a:pPr lvl="0" algn="l" defTabSz="800100">
             <a:lnSpc>
               <a:spcPct val="90000"/>
             </a:lnSpc>
@@ -2767,7 +4268,6 @@
             <a:spcAft>
               <a:spcPct val="35000"/>
             </a:spcAft>
-            <a:buNone/>
           </a:pPr>
           <a:r>
             <a:rPr lang="en-US" sz="1800" kern="1200" dirty="0"/>
@@ -2785,7 +4285,7 @@
             <a:spcAft>
               <a:spcPct val="15000"/>
             </a:spcAft>
-            <a:buChar char="•"/>
+            <a:buChar char="••"/>
           </a:pPr>
           <a:r>
             <a:rPr lang="en-US" sz="1400" kern="1200" dirty="0"/>
@@ -2803,7 +4303,7 @@
             <a:spcAft>
               <a:spcPct val="15000"/>
             </a:spcAft>
-            <a:buChar char="•"/>
+            <a:buChar char="••"/>
           </a:pPr>
           <a:r>
             <a:rPr lang="en-US" sz="1400" kern="1200" dirty="0"/>
@@ -2821,7 +4321,7 @@
             <a:spcAft>
               <a:spcPct val="15000"/>
             </a:spcAft>
-            <a:buChar char="•"/>
+            <a:buChar char="••"/>
           </a:pPr>
           <a:r>
             <a:rPr lang="en-US" sz="1400" kern="1200" dirty="0"/>
@@ -2942,7 +4442,7 @@
         </a:bodyPr>
         <a:lstStyle/>
         <a:p>
-          <a:pPr marL="0" lvl="0" indent="0" algn="l" defTabSz="711200">
+          <a:pPr lvl="0" algn="l" defTabSz="711200">
             <a:lnSpc>
               <a:spcPct val="90000"/>
             </a:lnSpc>
@@ -2952,7 +4452,6 @@
             <a:spcAft>
               <a:spcPct val="35000"/>
             </a:spcAft>
-            <a:buNone/>
           </a:pPr>
           <a:r>
             <a:rPr lang="en-US" sz="1600" kern="1200" dirty="0"/>
@@ -2970,12 +4469,17 @@
             <a:spcAft>
               <a:spcPct val="15000"/>
             </a:spcAft>
-            <a:buChar char="•"/>
+            <a:buChar char="••"/>
           </a:pPr>
           <a:r>
             <a:rPr lang="en-US" sz="1200" kern="1200" dirty="0"/>
-            <a:t>To understand patterns by specific categories</a:t>
+            <a:t>To understand patterns by </a:t>
           </a:r>
+          <a:r>
+            <a:rPr lang="en-US" sz="1200" kern="1200" dirty="0" smtClean="0"/>
+            <a:t>specific bins</a:t>
+          </a:r>
+          <a:endParaRPr lang="en-US" sz="1200" kern="1200" dirty="0"/>
         </a:p>
       </dsp:txBody>
       <dsp:txXfrm>
@@ -2995,28 +4499,32 @@
       <dsp:cNvGrpSpPr/>
     </dsp:nvGrpSpPr>
     <dsp:grpSpPr/>
-    <dsp:sp modelId="{5754AB50-5138-46A7-BC39-0EBB17175FDF}">
+    <dsp:sp modelId="{3B66FC59-1B17-4256-BC4A-69EBCA3E6787}">
       <dsp:nvSpPr>
         <dsp:cNvPr id="0" name=""/>
         <dsp:cNvSpPr/>
       </dsp:nvSpPr>
       <dsp:spPr>
         <a:xfrm>
-          <a:off x="1443296" y="986"/>
-          <a:ext cx="3120266" cy="1872160"/>
+          <a:off x="1308" y="505544"/>
+          <a:ext cx="3288720" cy="1269445"/>
         </a:xfrm>
-        <a:prstGeom prst="rect">
-          <a:avLst/>
+        <a:prstGeom prst="chevron">
+          <a:avLst>
+            <a:gd name="adj" fmla="val 40000"/>
+          </a:avLst>
         </a:prstGeom>
         <a:solidFill>
-          <a:schemeClr val="accent1">
-            <a:lumMod val="60000"/>
-            <a:lumOff val="40000"/>
+          <a:schemeClr val="accent2">
+            <a:hueOff val="0"/>
+            <a:satOff val="0"/>
+            <a:lumOff val="0"/>
+            <a:alphaOff val="0"/>
           </a:schemeClr>
         </a:solidFill>
         <a:ln w="12700" cap="flat" cmpd="sng" algn="ctr">
           <a:solidFill>
-            <a:schemeClr val="lt2">
+            <a:schemeClr val="lt1">
               <a:hueOff val="0"/>
               <a:satOff val="0"/>
               <a:lumOff val="0"/>
@@ -3042,13 +4550,64 @@
           <a:schemeClr val="lt1"/>
         </a:fontRef>
       </dsp:style>
+    </dsp:sp>
+    <dsp:sp modelId="{2038D8A7-44D1-4F6C-96B1-E9C5DB2ECD20}">
+      <dsp:nvSpPr>
+        <dsp:cNvPr id="0" name=""/>
+        <dsp:cNvSpPr/>
+      </dsp:nvSpPr>
+      <dsp:spPr>
+        <a:xfrm>
+          <a:off x="878300" y="822906"/>
+          <a:ext cx="2777141" cy="1269445"/>
+        </a:xfrm>
+        <a:prstGeom prst="roundRect">
+          <a:avLst>
+            <a:gd name="adj" fmla="val 10000"/>
+          </a:avLst>
+        </a:prstGeom>
+        <a:solidFill>
+          <a:schemeClr val="lt1">
+            <a:alpha val="90000"/>
+            <a:hueOff val="0"/>
+            <a:satOff val="0"/>
+            <a:lumOff val="0"/>
+            <a:alphaOff val="0"/>
+          </a:schemeClr>
+        </a:solidFill>
+        <a:ln w="12700" cap="flat" cmpd="sng" algn="ctr">
+          <a:solidFill>
+            <a:schemeClr val="accent2">
+              <a:hueOff val="0"/>
+              <a:satOff val="0"/>
+              <a:lumOff val="0"/>
+              <a:alphaOff val="0"/>
+            </a:schemeClr>
+          </a:solidFill>
+          <a:prstDash val="solid"/>
+          <a:miter lim="800000"/>
+        </a:ln>
+        <a:effectLst/>
+      </dsp:spPr>
+      <dsp:style>
+        <a:lnRef idx="2">
+          <a:scrgbClr r="0" g="0" b="0"/>
+        </a:lnRef>
+        <a:fillRef idx="1">
+          <a:scrgbClr r="0" g="0" b="0"/>
+        </a:fillRef>
+        <a:effectRef idx="0">
+          <a:scrgbClr r="0" g="0" b="0"/>
+        </a:effectRef>
+        <a:fontRef idx="minor"/>
+      </dsp:style>
       <dsp:txBody>
-        <a:bodyPr spcFirstLastPara="0" vert="horz" wrap="square" lIns="91440" tIns="91440" rIns="91440" bIns="91440" numCol="1" spcCol="1270" anchor="ctr" anchorCtr="0">
+        <a:bodyPr spcFirstLastPara="0" vert="horz" wrap="square" lIns="142240" tIns="142240" rIns="142240" bIns="142240" numCol="1" spcCol="1270" anchor="t" anchorCtr="0">
           <a:noAutofit/>
         </a:bodyPr>
         <a:lstStyle/>
         <a:p>
-          <a:pPr marL="0" lvl="0" indent="0" algn="l" defTabSz="1066800">
+          <a:pPr lvl="0" algn="l" defTabSz="889000">
             <a:lnSpc>
               <a:spcPct val="90000"/>
             </a:lnSpc>
@@ -3058,40 +4617,82 @@
             <a:spcAft>
               <a:spcPct val="35000"/>
             </a:spcAft>
-            <a:buNone/>
           </a:pPr>
           <a:r>
-            <a:rPr lang="en-US" sz="2400" kern="1200" dirty="0"/>
-            <a:t>Idle time and Trip duration are higher in the morning due to peak hours and lack of flights</a:t>
+            <a:rPr lang="en-US" sz="2000" kern="1200" dirty="0"/>
+            <a:t>Available column</a:t>
           </a:r>
+        </a:p>
+        <a:p>
+          <a:pPr marL="114300" lvl="1" indent="-114300" algn="l" defTabSz="622300">
+            <a:lnSpc>
+              <a:spcPct val="90000"/>
+            </a:lnSpc>
+            <a:spcBef>
+              <a:spcPct val="0"/>
+            </a:spcBef>
+            <a:spcAft>
+              <a:spcPct val="15000"/>
+            </a:spcAft>
+            <a:buChar char="••"/>
+          </a:pPr>
+          <a:r>
+            <a:rPr lang="en-US" sz="1400" kern="1200" dirty="0" smtClean="0"/>
+            <a:t>Annual Income</a:t>
+          </a:r>
+          <a:endParaRPr lang="en-US" sz="1400" kern="1200" dirty="0"/>
+        </a:p>
+        <a:p>
+          <a:pPr marL="114300" lvl="1" indent="-114300" algn="l" defTabSz="622300">
+            <a:lnSpc>
+              <a:spcPct val="90000"/>
+            </a:lnSpc>
+            <a:spcBef>
+              <a:spcPct val="0"/>
+            </a:spcBef>
+            <a:spcAft>
+              <a:spcPct val="15000"/>
+            </a:spcAft>
+            <a:buChar char="••"/>
+          </a:pPr>
+          <a:r>
+            <a:rPr lang="en-US" sz="1400" kern="1200" dirty="0" smtClean="0"/>
+            <a:t>Loan Status	</a:t>
+          </a:r>
+          <a:endParaRPr lang="en-US" sz="1400" kern="1200" dirty="0"/>
         </a:p>
       </dsp:txBody>
       <dsp:txXfrm>
-        <a:off x="1443296" y="986"/>
-        <a:ext cx="3120266" cy="1872160"/>
+        <a:off x="915481" y="860087"/>
+        <a:ext cx="2702779" cy="1195083"/>
       </dsp:txXfrm>
     </dsp:sp>
-    <dsp:sp modelId="{7D36522F-69F4-4621-8D51-D2DC07DBF2E6}">
+    <dsp:sp modelId="{51531E4D-7BAC-4397-A3C0-7B12FBC5010C}">
       <dsp:nvSpPr>
         <dsp:cNvPr id="0" name=""/>
         <dsp:cNvSpPr/>
       </dsp:nvSpPr>
       <dsp:spPr>
         <a:xfrm>
-          <a:off x="4875589" y="986"/>
-          <a:ext cx="3120266" cy="1872160"/>
+          <a:off x="3757758" y="505544"/>
+          <a:ext cx="3288720" cy="1269445"/>
         </a:xfrm>
-        <a:prstGeom prst="rect">
-          <a:avLst/>
+        <a:prstGeom prst="chevron">
+          <a:avLst>
+            <a:gd name="adj" fmla="val 40000"/>
+          </a:avLst>
         </a:prstGeom>
         <a:solidFill>
-          <a:schemeClr val="accent1">
-            <a:lumMod val="75000"/>
+          <a:schemeClr val="accent2">
+            <a:hueOff val="0"/>
+            <a:satOff val="0"/>
+            <a:lumOff val="0"/>
+            <a:alphaOff val="0"/>
           </a:schemeClr>
         </a:solidFill>
         <a:ln w="12700" cap="flat" cmpd="sng" algn="ctr">
           <a:solidFill>
-            <a:schemeClr val="lt2">
+            <a:schemeClr val="lt1">
               <a:hueOff val="0"/>
               <a:satOff val="0"/>
               <a:lumOff val="0"/>
@@ -3117,13 +4718,64 @@
           <a:schemeClr val="lt1"/>
         </a:fontRef>
       </dsp:style>
+    </dsp:sp>
+    <dsp:sp modelId="{58A6145A-6296-47E3-BC97-C07C29E364BC}">
+      <dsp:nvSpPr>
+        <dsp:cNvPr id="0" name=""/>
+        <dsp:cNvSpPr/>
+      </dsp:nvSpPr>
+      <dsp:spPr>
+        <a:xfrm>
+          <a:off x="4634750" y="822906"/>
+          <a:ext cx="2777141" cy="1269445"/>
+        </a:xfrm>
+        <a:prstGeom prst="roundRect">
+          <a:avLst>
+            <a:gd name="adj" fmla="val 10000"/>
+          </a:avLst>
+        </a:prstGeom>
+        <a:solidFill>
+          <a:schemeClr val="lt1">
+            <a:alpha val="90000"/>
+            <a:hueOff val="0"/>
+            <a:satOff val="0"/>
+            <a:lumOff val="0"/>
+            <a:alphaOff val="0"/>
+          </a:schemeClr>
+        </a:solidFill>
+        <a:ln w="12700" cap="flat" cmpd="sng" algn="ctr">
+          <a:solidFill>
+            <a:schemeClr val="accent2">
+              <a:hueOff val="0"/>
+              <a:satOff val="0"/>
+              <a:lumOff val="0"/>
+              <a:alphaOff val="0"/>
+            </a:schemeClr>
+          </a:solidFill>
+          <a:prstDash val="solid"/>
+          <a:miter lim="800000"/>
+        </a:ln>
+        <a:effectLst/>
+      </dsp:spPr>
+      <dsp:style>
+        <a:lnRef idx="2">
+          <a:scrgbClr r="0" g="0" b="0"/>
+        </a:lnRef>
+        <a:fillRef idx="1">
+          <a:scrgbClr r="0" g="0" b="0"/>
+        </a:fillRef>
+        <a:effectRef idx="0">
+          <a:scrgbClr r="0" g="0" b="0"/>
+        </a:effectRef>
+        <a:fontRef idx="minor"/>
+      </dsp:style>
       <dsp:txBody>
-        <a:bodyPr spcFirstLastPara="0" vert="horz" wrap="square" lIns="91440" tIns="91440" rIns="91440" bIns="91440" numCol="1" spcCol="1270" anchor="ctr" anchorCtr="0">
+        <a:bodyPr spcFirstLastPara="0" vert="horz" wrap="square" lIns="128016" tIns="128016" rIns="128016" bIns="128016" numCol="1" spcCol="1270" anchor="t" anchorCtr="0">
           <a:noAutofit/>
         </a:bodyPr>
         <a:lstStyle/>
         <a:p>
-          <a:pPr marL="0" lvl="0" indent="0" algn="l" defTabSz="1066800">
+          <a:pPr lvl="0" algn="l" defTabSz="800100">
             <a:lnSpc>
               <a:spcPct val="90000"/>
             </a:lnSpc>
@@ -3133,41 +4785,82 @@
             <a:spcAft>
               <a:spcPct val="35000"/>
             </a:spcAft>
-            <a:buNone/>
           </a:pPr>
           <a:r>
-            <a:rPr lang="en-US" sz="2400" kern="1200" dirty="0"/>
-            <a:t>Higher cancellations</a:t>
+            <a:rPr lang="en-US" sz="1800" kern="1200" dirty="0"/>
+            <a:t>Derived Columns</a:t>
           </a:r>
+        </a:p>
+        <a:p>
+          <a:pPr marL="114300" lvl="1" indent="-114300" algn="l" defTabSz="622300">
+            <a:lnSpc>
+              <a:spcPct val="90000"/>
+            </a:lnSpc>
+            <a:spcBef>
+              <a:spcPct val="0"/>
+            </a:spcBef>
+            <a:spcAft>
+              <a:spcPct val="15000"/>
+            </a:spcAft>
+            <a:buChar char="••"/>
+          </a:pPr>
+          <a:r>
+            <a:rPr lang="en-US" sz="1400" kern="1200" dirty="0" smtClean="0"/>
+            <a:t>Annual Income Bin</a:t>
+          </a:r>
+          <a:endParaRPr lang="en-US" sz="1400" kern="1200" dirty="0"/>
+        </a:p>
+        <a:p>
+          <a:pPr marL="114300" lvl="1" indent="-114300" algn="l" defTabSz="622300">
+            <a:lnSpc>
+              <a:spcPct val="90000"/>
+            </a:lnSpc>
+            <a:spcBef>
+              <a:spcPct val="0"/>
+            </a:spcBef>
+            <a:spcAft>
+              <a:spcPct val="15000"/>
+            </a:spcAft>
+            <a:buChar char="••"/>
+          </a:pPr>
+          <a:r>
+            <a:rPr lang="en-US" sz="1400" kern="1200" dirty="0" smtClean="0"/>
+            <a:t>Loan Default</a:t>
+          </a:r>
+          <a:endParaRPr lang="en-US" sz="1400" kern="1200" dirty="0"/>
         </a:p>
       </dsp:txBody>
       <dsp:txXfrm>
-        <a:off x="4875589" y="986"/>
-        <a:ext cx="3120266" cy="1872160"/>
+        <a:off x="4671931" y="860087"/>
+        <a:ext cx="2702779" cy="1195083"/>
       </dsp:txXfrm>
     </dsp:sp>
-    <dsp:sp modelId="{A5AABAE6-CC5D-4404-92AE-8BE2E3E60A76}">
+    <dsp:sp modelId="{3A457D63-83D2-4ABC-9F16-B3ECA7C24D62}">
       <dsp:nvSpPr>
         <dsp:cNvPr id="0" name=""/>
         <dsp:cNvSpPr/>
       </dsp:nvSpPr>
       <dsp:spPr>
         <a:xfrm>
-          <a:off x="1443296" y="2185172"/>
-          <a:ext cx="3120266" cy="1872160"/>
+          <a:off x="7514207" y="468080"/>
+          <a:ext cx="3288720" cy="1269445"/>
         </a:xfrm>
-        <a:prstGeom prst="rect">
-          <a:avLst/>
+        <a:prstGeom prst="chevron">
+          <a:avLst>
+            <a:gd name="adj" fmla="val 40000"/>
+          </a:avLst>
         </a:prstGeom>
         <a:solidFill>
           <a:schemeClr val="accent2">
-            <a:lumMod val="60000"/>
-            <a:lumOff val="40000"/>
+            <a:hueOff val="0"/>
+            <a:satOff val="0"/>
+            <a:lumOff val="0"/>
+            <a:alphaOff val="0"/>
           </a:schemeClr>
         </a:solidFill>
         <a:ln w="12700" cap="flat" cmpd="sng" algn="ctr">
           <a:solidFill>
-            <a:schemeClr val="lt2">
+            <a:schemeClr val="lt1">
               <a:hueOff val="0"/>
               <a:satOff val="0"/>
               <a:lumOff val="0"/>
@@ -3193,56 +4886,34 @@
           <a:schemeClr val="lt1"/>
         </a:fontRef>
       </dsp:style>
-      <dsp:txBody>
-        <a:bodyPr spcFirstLastPara="0" vert="horz" wrap="square" lIns="91440" tIns="91440" rIns="91440" bIns="91440" numCol="1" spcCol="1270" anchor="ctr" anchorCtr="0">
-          <a:noAutofit/>
-        </a:bodyPr>
-        <a:lstStyle/>
-        <a:p>
-          <a:pPr marL="0" lvl="0" indent="0" algn="l" defTabSz="1066800">
-            <a:lnSpc>
-              <a:spcPct val="90000"/>
-            </a:lnSpc>
-            <a:spcBef>
-              <a:spcPct val="0"/>
-            </a:spcBef>
-            <a:spcAft>
-              <a:spcPct val="35000"/>
-            </a:spcAft>
-            <a:buNone/>
-          </a:pPr>
-          <a:r>
-            <a:rPr lang="en-US" sz="2400" kern="1200" dirty="0"/>
-            <a:t>Evening, Night and late night cars availability at airport is an issue because drivers are moving towards city</a:t>
-          </a:r>
-        </a:p>
-      </dsp:txBody>
-      <dsp:txXfrm>
-        <a:off x="1443296" y="2185172"/>
-        <a:ext cx="3120266" cy="1872160"/>
-      </dsp:txXfrm>
     </dsp:sp>
-    <dsp:sp modelId="{13E42E5F-4EB9-4DD4-A050-E1CF14CA3B85}">
+    <dsp:sp modelId="{B107831F-CEBB-41D5-95CB-0396851292DD}">
       <dsp:nvSpPr>
         <dsp:cNvPr id="0" name=""/>
         <dsp:cNvSpPr/>
       </dsp:nvSpPr>
       <dsp:spPr>
         <a:xfrm>
-          <a:off x="4875589" y="2191837"/>
-          <a:ext cx="3120266" cy="1872160"/>
+          <a:off x="8391199" y="710512"/>
+          <a:ext cx="2777141" cy="1419304"/>
         </a:xfrm>
-        <a:prstGeom prst="rect">
-          <a:avLst/>
+        <a:prstGeom prst="roundRect">
+          <a:avLst>
+            <a:gd name="adj" fmla="val 10000"/>
+          </a:avLst>
         </a:prstGeom>
         <a:solidFill>
-          <a:schemeClr val="accent2">
-            <a:lumMod val="75000"/>
+          <a:schemeClr val="lt1">
+            <a:alpha val="90000"/>
+            <a:hueOff val="0"/>
+            <a:satOff val="0"/>
+            <a:lumOff val="0"/>
+            <a:alphaOff val="0"/>
           </a:schemeClr>
         </a:solidFill>
         <a:ln w="12700" cap="flat" cmpd="sng" algn="ctr">
           <a:solidFill>
-            <a:schemeClr val="lt2">
+            <a:schemeClr val="accent2">
               <a:hueOff val="0"/>
               <a:satOff val="0"/>
               <a:lumOff val="0"/>
@@ -3264,17 +4935,15 @@
         <a:effectRef idx="0">
           <a:scrgbClr r="0" g="0" b="0"/>
         </a:effectRef>
-        <a:fontRef idx="minor">
-          <a:schemeClr val="lt1"/>
-        </a:fontRef>
+        <a:fontRef idx="minor"/>
       </dsp:style>
       <dsp:txBody>
-        <a:bodyPr spcFirstLastPara="0" vert="horz" wrap="square" lIns="91440" tIns="91440" rIns="91440" bIns="91440" numCol="1" spcCol="1270" anchor="ctr" anchorCtr="0">
+        <a:bodyPr spcFirstLastPara="0" vert="horz" wrap="square" lIns="113792" tIns="113792" rIns="113792" bIns="113792" numCol="1" spcCol="1270" anchor="t" anchorCtr="0">
           <a:noAutofit/>
         </a:bodyPr>
         <a:lstStyle/>
         <a:p>
-          <a:pPr marL="0" lvl="0" indent="0" algn="l" defTabSz="1066800">
+          <a:pPr lvl="0" algn="l" defTabSz="711200">
             <a:lnSpc>
               <a:spcPct val="90000"/>
             </a:lnSpc>
@@ -3284,40 +4953,104 @@
             <a:spcAft>
               <a:spcPct val="35000"/>
             </a:spcAft>
-            <a:buNone/>
           </a:pPr>
           <a:r>
-            <a:rPr lang="en-US" sz="2400" kern="1200" dirty="0"/>
-            <a:t>Huge supply demand gap at airports</a:t>
+            <a:rPr lang="en-US" sz="1600" kern="1200" dirty="0"/>
+            <a:t>Reason</a:t>
           </a:r>
+        </a:p>
+        <a:p>
+          <a:pPr marL="114300" lvl="1" indent="-114300" algn="l" defTabSz="533400">
+            <a:lnSpc>
+              <a:spcPct val="90000"/>
+            </a:lnSpc>
+            <a:spcBef>
+              <a:spcPct val="0"/>
+            </a:spcBef>
+            <a:spcAft>
+              <a:spcPct val="15000"/>
+            </a:spcAft>
+            <a:buChar char="••"/>
+          </a:pPr>
+          <a:r>
+            <a:rPr lang="en-US" sz="1200" kern="1200" dirty="0" smtClean="0"/>
+            <a:t>Annual Income bins to understand </a:t>
+          </a:r>
+          <a:r>
+            <a:rPr lang="en-US" sz="1200" kern="1200" dirty="0"/>
+            <a:t>patterns by </a:t>
+          </a:r>
+          <a:r>
+            <a:rPr lang="en-US" sz="1200" kern="1200" dirty="0" smtClean="0"/>
+            <a:t>specific bins</a:t>
+          </a:r>
+          <a:endParaRPr lang="en-US" sz="1200" kern="1200" dirty="0"/>
+        </a:p>
+        <a:p>
+          <a:pPr marL="114300" lvl="1" indent="-114300" algn="l" defTabSz="533400">
+            <a:lnSpc>
+              <a:spcPct val="90000"/>
+            </a:lnSpc>
+            <a:spcBef>
+              <a:spcPct val="0"/>
+            </a:spcBef>
+            <a:spcAft>
+              <a:spcPct val="15000"/>
+            </a:spcAft>
+            <a:buChar char="••"/>
+          </a:pPr>
+          <a:r>
+            <a:rPr lang="en-US" sz="1200" kern="1200" dirty="0" smtClean="0"/>
+            <a:t>Loan Default will have 1 for Charged Off and 0 for Fully Paid and Current. This will help in aggregating data</a:t>
+          </a:r>
+          <a:endParaRPr lang="en-US" sz="1200" kern="1200" dirty="0"/>
         </a:p>
       </dsp:txBody>
       <dsp:txXfrm>
-        <a:off x="4875589" y="2191837"/>
-        <a:ext cx="3120266" cy="1872160"/>
+        <a:off x="8432769" y="752082"/>
+        <a:ext cx="2694001" cy="1336164"/>
       </dsp:txXfrm>
     </dsp:sp>
-    <dsp:sp modelId="{44D47586-5AE1-4FC3-B194-168E1BD7FB2A}">
+  </dsp:spTree>
+</dsp:drawing>
+</file>
+
+<file path=ppt/diagrams/drawing3.xml><?xml version="1.0" encoding="utf-8"?>
+<dsp:drawing xmlns:dgm="http://schemas.openxmlformats.org/drawingml/2006/diagram" xmlns:dsp="http://schemas.microsoft.com/office/drawing/2008/diagram" xmlns:a="http://schemas.openxmlformats.org/drawingml/2006/main">
+  <dsp:spTree>
+    <dsp:nvGrpSpPr>
+      <dsp:cNvPr id="0" name=""/>
+      <dsp:cNvGrpSpPr/>
+    </dsp:nvGrpSpPr>
+    <dsp:grpSpPr/>
+    <dsp:sp modelId="{62421612-7476-46E1-BB43-CDC2E7F24183}">
       <dsp:nvSpPr>
         <dsp:cNvPr id="0" name=""/>
         <dsp:cNvSpPr/>
       </dsp:nvSpPr>
       <dsp:spPr>
-        <a:xfrm>
-          <a:off x="2075384" y="4369359"/>
-          <a:ext cx="5288384" cy="1872160"/>
+        <a:xfrm rot="5400000">
+          <a:off x="5962862" y="-2448221"/>
+          <a:ext cx="911522" cy="6041057"/>
         </a:xfrm>
-        <a:prstGeom prst="rect">
+        <a:prstGeom prst="round2SameRect">
           <a:avLst/>
         </a:prstGeom>
         <a:solidFill>
-          <a:schemeClr val="accent6">
-            <a:lumMod val="75000"/>
+          <a:schemeClr val="dk2">
+            <a:alpha val="90000"/>
+            <a:tint val="40000"/>
+            <a:hueOff val="0"/>
+            <a:satOff val="0"/>
+            <a:lumOff val="0"/>
+            <a:alphaOff val="0"/>
           </a:schemeClr>
         </a:solidFill>
         <a:ln w="12700" cap="flat" cmpd="sng" algn="ctr">
           <a:solidFill>
-            <a:schemeClr val="lt2">
+            <a:schemeClr val="dk2">
+              <a:alpha val="90000"/>
+              <a:tint val="40000"/>
               <a:hueOff val="0"/>
               <a:satOff val="0"/>
               <a:lumOff val="0"/>
@@ -3339,17 +5072,113 @@
         <a:effectRef idx="0">
           <a:scrgbClr r="0" g="0" b="0"/>
         </a:effectRef>
+        <a:fontRef idx="minor"/>
+      </dsp:style>
+      <dsp:txBody>
+        <a:bodyPr spcFirstLastPara="0" vert="horz" wrap="square" lIns="64770" tIns="32385" rIns="64770" bIns="32385" numCol="1" spcCol="1270" anchor="ctr" anchorCtr="0">
+          <a:noAutofit/>
+        </a:bodyPr>
+        <a:lstStyle/>
+        <a:p>
+          <a:pPr marL="171450" lvl="1" indent="-171450" algn="l" defTabSz="755650">
+            <a:lnSpc>
+              <a:spcPct val="90000"/>
+            </a:lnSpc>
+            <a:spcBef>
+              <a:spcPct val="0"/>
+            </a:spcBef>
+            <a:spcAft>
+              <a:spcPct val="15000"/>
+            </a:spcAft>
+            <a:buChar char="••"/>
+          </a:pPr>
+          <a:r>
+            <a:rPr lang="en-US" sz="1700" kern="1200" dirty="0" smtClean="0"/>
+            <a:t>Higher interest rates are having higher charged off</a:t>
+          </a:r>
+          <a:endParaRPr lang="en-US" sz="1700" kern="1200" dirty="0"/>
+        </a:p>
+        <a:p>
+          <a:pPr marL="171450" lvl="1" indent="-171450" algn="l" defTabSz="755650">
+            <a:lnSpc>
+              <a:spcPct val="90000"/>
+            </a:lnSpc>
+            <a:spcBef>
+              <a:spcPct val="0"/>
+            </a:spcBef>
+            <a:spcAft>
+              <a:spcPct val="15000"/>
+            </a:spcAft>
+            <a:buChar char="••"/>
+          </a:pPr>
+          <a:r>
+            <a:rPr lang="en-US" sz="1700" kern="1200" dirty="0" smtClean="0"/>
+            <a:t>Since interest rates are derived by grades and subgrade, higher risk grades needs to be monitored for charged off</a:t>
+          </a:r>
+          <a:endParaRPr lang="en-US" sz="1700" kern="1200" dirty="0"/>
+        </a:p>
+      </dsp:txBody>
+      <dsp:txXfrm rot="-5400000">
+        <a:off x="3398095" y="161043"/>
+        <a:ext cx="5996560" cy="822528"/>
+      </dsp:txXfrm>
+    </dsp:sp>
+    <dsp:sp modelId="{361A6850-DD8F-45ED-909A-410C98CF1104}">
+      <dsp:nvSpPr>
+        <dsp:cNvPr id="0" name=""/>
+        <dsp:cNvSpPr/>
+      </dsp:nvSpPr>
+      <dsp:spPr>
+        <a:xfrm>
+          <a:off x="0" y="2606"/>
+          <a:ext cx="3398095" cy="1139402"/>
+        </a:xfrm>
+        <a:prstGeom prst="roundRect">
+          <a:avLst/>
+        </a:prstGeom>
+        <a:solidFill>
+          <a:schemeClr val="dk2">
+            <a:hueOff val="0"/>
+            <a:satOff val="0"/>
+            <a:lumOff val="0"/>
+            <a:alphaOff val="0"/>
+          </a:schemeClr>
+        </a:solidFill>
+        <a:ln w="19050" cap="flat" cmpd="sng" algn="ctr">
+          <a:solidFill>
+            <a:schemeClr val="lt2">
+              <a:hueOff val="0"/>
+              <a:satOff val="0"/>
+              <a:lumOff val="0"/>
+              <a:alphaOff val="0"/>
+            </a:schemeClr>
+          </a:solidFill>
+          <a:prstDash val="solid"/>
+          <a:miter lim="800000"/>
+        </a:ln>
+        <a:effectLst/>
+      </dsp:spPr>
+      <dsp:style>
+        <a:lnRef idx="3">
+          <a:scrgbClr r="0" g="0" b="0"/>
+        </a:lnRef>
+        <a:fillRef idx="1">
+          <a:scrgbClr r="0" g="0" b="0"/>
+        </a:fillRef>
+        <a:effectRef idx="1">
+          <a:scrgbClr r="0" g="0" b="0"/>
+        </a:effectRef>
         <a:fontRef idx="minor">
           <a:schemeClr val="lt1"/>
         </a:fontRef>
       </dsp:style>
       <dsp:txBody>
-        <a:bodyPr spcFirstLastPara="0" vert="horz" wrap="square" lIns="60960" tIns="60960" rIns="60960" bIns="60960" numCol="1" spcCol="1270" anchor="ctr" anchorCtr="0">
+        <a:bodyPr spcFirstLastPara="0" vert="horz" wrap="square" lIns="121920" tIns="60960" rIns="121920" bIns="60960" numCol="1" spcCol="1270" anchor="ctr" anchorCtr="0">
           <a:noAutofit/>
         </a:bodyPr>
         <a:lstStyle/>
         <a:p>
-          <a:pPr marL="0" lvl="0" indent="0" algn="ctr" defTabSz="711200">
+          <a:pPr lvl="0" algn="l" defTabSz="1422400">
             <a:lnSpc>
               <a:spcPct val="90000"/>
             </a:lnSpc>
@@ -3359,16 +5188,152 @@
             <a:spcAft>
               <a:spcPct val="35000"/>
             </a:spcAft>
-            <a:buNone/>
           </a:pPr>
           <a:r>
-            <a:rPr lang="en-US" sz="1600" b="1" u="sng" kern="1200" dirty="0"/>
-            <a:t>Recommendations</a:t>
+            <a:rPr lang="en-US" sz="3200" kern="1200" dirty="0" smtClean="0"/>
+            <a:t>Interest Rate</a:t>
           </a:r>
-          <a:endParaRPr lang="en-US" sz="1500" b="1" u="sng" kern="1200" dirty="0"/>
+          <a:endParaRPr lang="en-US" sz="3200" kern="1200" dirty="0"/>
         </a:p>
+      </dsp:txBody>
+      <dsp:txXfrm>
+        <a:off x="55621" y="58227"/>
+        <a:ext cx="3286853" cy="1028160"/>
+      </dsp:txXfrm>
+    </dsp:sp>
+    <dsp:sp modelId="{C5F5BA09-EE82-4C3C-ABBC-57E13534D0D4}">
+      <dsp:nvSpPr>
+        <dsp:cNvPr id="0" name=""/>
+        <dsp:cNvSpPr/>
+      </dsp:nvSpPr>
+      <dsp:spPr>
+        <a:xfrm rot="5400000">
+          <a:off x="5962862" y="-1251848"/>
+          <a:ext cx="911522" cy="6041057"/>
+        </a:xfrm>
+        <a:prstGeom prst="round2SameRect">
+          <a:avLst/>
+        </a:prstGeom>
+        <a:solidFill>
+          <a:schemeClr val="dk2">
+            <a:alpha val="90000"/>
+            <a:tint val="40000"/>
+            <a:hueOff val="0"/>
+            <a:satOff val="0"/>
+            <a:lumOff val="0"/>
+            <a:alphaOff val="0"/>
+          </a:schemeClr>
+        </a:solidFill>
+        <a:ln w="12700" cap="flat" cmpd="sng" algn="ctr">
+          <a:solidFill>
+            <a:schemeClr val="dk2">
+              <a:alpha val="90000"/>
+              <a:tint val="40000"/>
+              <a:hueOff val="0"/>
+              <a:satOff val="0"/>
+              <a:lumOff val="0"/>
+              <a:alphaOff val="0"/>
+            </a:schemeClr>
+          </a:solidFill>
+          <a:prstDash val="solid"/>
+          <a:miter lim="800000"/>
+        </a:ln>
+        <a:effectLst/>
+      </dsp:spPr>
+      <dsp:style>
+        <a:lnRef idx="2">
+          <a:scrgbClr r="0" g="0" b="0"/>
+        </a:lnRef>
+        <a:fillRef idx="1">
+          <a:scrgbClr r="0" g="0" b="0"/>
+        </a:fillRef>
+        <a:effectRef idx="0">
+          <a:scrgbClr r="0" g="0" b="0"/>
+        </a:effectRef>
+        <a:fontRef idx="minor"/>
+      </dsp:style>
+      <dsp:txBody>
+        <a:bodyPr spcFirstLastPara="0" vert="horz" wrap="square" lIns="64770" tIns="32385" rIns="64770" bIns="32385" numCol="1" spcCol="1270" anchor="ctr" anchorCtr="0">
+          <a:noAutofit/>
+        </a:bodyPr>
+        <a:lstStyle/>
         <a:p>
-          <a:pPr marL="0" lvl="0" indent="0" algn="l" defTabSz="711200">
+          <a:pPr marL="171450" lvl="1" indent="-171450" algn="l" defTabSz="755650">
+            <a:lnSpc>
+              <a:spcPct val="90000"/>
+            </a:lnSpc>
+            <a:spcBef>
+              <a:spcPct val="0"/>
+            </a:spcBef>
+            <a:spcAft>
+              <a:spcPct val="15000"/>
+            </a:spcAft>
+            <a:buChar char="••"/>
+          </a:pPr>
+          <a:endParaRPr lang="en-US" sz="1700" kern="1200" dirty="0"/>
+        </a:p>
+      </dsp:txBody>
+      <dsp:txXfrm rot="-5400000">
+        <a:off x="3398095" y="1357416"/>
+        <a:ext cx="5996560" cy="822528"/>
+      </dsp:txXfrm>
+    </dsp:sp>
+    <dsp:sp modelId="{75543A78-F5F9-4A8D-9BA4-707BDC9E8C66}">
+      <dsp:nvSpPr>
+        <dsp:cNvPr id="0" name=""/>
+        <dsp:cNvSpPr/>
+      </dsp:nvSpPr>
+      <dsp:spPr>
+        <a:xfrm>
+          <a:off x="0" y="1198978"/>
+          <a:ext cx="3398095" cy="1139402"/>
+        </a:xfrm>
+        <a:prstGeom prst="roundRect">
+          <a:avLst/>
+        </a:prstGeom>
+        <a:solidFill>
+          <a:schemeClr val="dk2">
+            <a:hueOff val="0"/>
+            <a:satOff val="0"/>
+            <a:lumOff val="0"/>
+            <a:alphaOff val="0"/>
+          </a:schemeClr>
+        </a:solidFill>
+        <a:ln w="19050" cap="flat" cmpd="sng" algn="ctr">
+          <a:solidFill>
+            <a:schemeClr val="lt2">
+              <a:hueOff val="0"/>
+              <a:satOff val="0"/>
+              <a:lumOff val="0"/>
+              <a:alphaOff val="0"/>
+            </a:schemeClr>
+          </a:solidFill>
+          <a:prstDash val="solid"/>
+          <a:miter lim="800000"/>
+        </a:ln>
+        <a:effectLst/>
+      </dsp:spPr>
+      <dsp:style>
+        <a:lnRef idx="3">
+          <a:scrgbClr r="0" g="0" b="0"/>
+        </a:lnRef>
+        <a:fillRef idx="1">
+          <a:scrgbClr r="0" g="0" b="0"/>
+        </a:fillRef>
+        <a:effectRef idx="1">
+          <a:scrgbClr r="0" g="0" b="0"/>
+        </a:effectRef>
+        <a:fontRef idx="minor">
+          <a:schemeClr val="lt1"/>
+        </a:fontRef>
+      </dsp:style>
+      <dsp:txBody>
+        <a:bodyPr spcFirstLastPara="0" vert="horz" wrap="square" lIns="121920" tIns="60960" rIns="121920" bIns="60960" numCol="1" spcCol="1270" anchor="ctr" anchorCtr="0">
+          <a:noAutofit/>
+        </a:bodyPr>
+        <a:lstStyle/>
+        <a:p>
+          <a:pPr lvl="0" algn="l" defTabSz="1422400">
             <a:lnSpc>
               <a:spcPct val="90000"/>
             </a:lnSpc>
@@ -3378,15 +5343,75 @@
             <a:spcAft>
               <a:spcPct val="35000"/>
             </a:spcAft>
-            <a:buNone/>
           </a:pPr>
           <a:r>
-            <a:rPr lang="en-US" sz="1500" kern="1200" dirty="0"/>
-            <a:t>1) Idle time needs to be solved by incentivizing the drivers who wait at airport</a:t>
+            <a:rPr lang="en-US" sz="3200" kern="1200" dirty="0" smtClean="0"/>
+            <a:t>DTI : Debt to Income Ratio</a:t>
           </a:r>
+          <a:endParaRPr lang="en-US" sz="3200" kern="1200" dirty="0"/>
         </a:p>
+      </dsp:txBody>
+      <dsp:txXfrm>
+        <a:off x="55621" y="1254599"/>
+        <a:ext cx="3286853" cy="1028160"/>
+      </dsp:txXfrm>
+    </dsp:sp>
+    <dsp:sp modelId="{39307DE9-0198-4C5E-B84F-EC93D1A278FC}">
+      <dsp:nvSpPr>
+        <dsp:cNvPr id="0" name=""/>
+        <dsp:cNvSpPr/>
+      </dsp:nvSpPr>
+      <dsp:spPr>
+        <a:xfrm>
+          <a:off x="0" y="2395351"/>
+          <a:ext cx="3398095" cy="1139402"/>
+        </a:xfrm>
+        <a:prstGeom prst="roundRect">
+          <a:avLst/>
+        </a:prstGeom>
+        <a:solidFill>
+          <a:schemeClr val="dk2">
+            <a:hueOff val="0"/>
+            <a:satOff val="0"/>
+            <a:lumOff val="0"/>
+            <a:alphaOff val="0"/>
+          </a:schemeClr>
+        </a:solidFill>
+        <a:ln w="19050" cap="flat" cmpd="sng" algn="ctr">
+          <a:solidFill>
+            <a:schemeClr val="lt2">
+              <a:hueOff val="0"/>
+              <a:satOff val="0"/>
+              <a:lumOff val="0"/>
+              <a:alphaOff val="0"/>
+            </a:schemeClr>
+          </a:solidFill>
+          <a:prstDash val="solid"/>
+          <a:miter lim="800000"/>
+        </a:ln>
+        <a:effectLst/>
+      </dsp:spPr>
+      <dsp:style>
+        <a:lnRef idx="3">
+          <a:scrgbClr r="0" g="0" b="0"/>
+        </a:lnRef>
+        <a:fillRef idx="1">
+          <a:scrgbClr r="0" g="0" b="0"/>
+        </a:fillRef>
+        <a:effectRef idx="1">
+          <a:scrgbClr r="0" g="0" b="0"/>
+        </a:effectRef>
+        <a:fontRef idx="minor">
+          <a:schemeClr val="lt1"/>
+        </a:fontRef>
+      </dsp:style>
+      <dsp:txBody>
+        <a:bodyPr spcFirstLastPara="0" vert="horz" wrap="square" lIns="121920" tIns="60960" rIns="121920" bIns="60960" numCol="1" spcCol="1270" anchor="ctr" anchorCtr="0">
+          <a:noAutofit/>
+        </a:bodyPr>
+        <a:lstStyle/>
         <a:p>
-          <a:pPr marL="0" lvl="0" indent="0" algn="l" defTabSz="711200">
+          <a:pPr lvl="0" algn="l" defTabSz="1422400">
             <a:lnSpc>
               <a:spcPct val="90000"/>
             </a:lnSpc>
@@ -3396,17 +5421,161 @@
             <a:spcAft>
               <a:spcPct val="35000"/>
             </a:spcAft>
-            <a:buNone/>
           </a:pPr>
-          <a:r>
-            <a:rPr lang="en-US" sz="1500" kern="1200" dirty="0"/>
-            <a:t>2) Dedicate airport cabs with bit premium rates could be made available from airport during Evening, night and late night hours</a:t>
-          </a:r>
+          <a:endParaRPr lang="en-US" sz="3200" kern="1200" dirty="0"/>
         </a:p>
       </dsp:txBody>
       <dsp:txXfrm>
-        <a:off x="2075384" y="4369359"/>
-        <a:ext cx="5288384" cy="1872160"/>
+        <a:off x="55621" y="2450972"/>
+        <a:ext cx="3286853" cy="1028160"/>
+      </dsp:txXfrm>
+    </dsp:sp>
+    <dsp:sp modelId="{37484C98-9704-4D2D-8256-3FFF55592DD3}">
+      <dsp:nvSpPr>
+        <dsp:cNvPr id="0" name=""/>
+        <dsp:cNvSpPr/>
+      </dsp:nvSpPr>
+      <dsp:spPr>
+        <a:xfrm>
+          <a:off x="0" y="3591724"/>
+          <a:ext cx="3398095" cy="1139402"/>
+        </a:xfrm>
+        <a:prstGeom prst="roundRect">
+          <a:avLst/>
+        </a:prstGeom>
+        <a:solidFill>
+          <a:schemeClr val="dk2">
+            <a:hueOff val="0"/>
+            <a:satOff val="0"/>
+            <a:lumOff val="0"/>
+            <a:alphaOff val="0"/>
+          </a:schemeClr>
+        </a:solidFill>
+        <a:ln w="19050" cap="flat" cmpd="sng" algn="ctr">
+          <a:solidFill>
+            <a:schemeClr val="lt2">
+              <a:hueOff val="0"/>
+              <a:satOff val="0"/>
+              <a:lumOff val="0"/>
+              <a:alphaOff val="0"/>
+            </a:schemeClr>
+          </a:solidFill>
+          <a:prstDash val="solid"/>
+          <a:miter lim="800000"/>
+        </a:ln>
+        <a:effectLst/>
+      </dsp:spPr>
+      <dsp:style>
+        <a:lnRef idx="3">
+          <a:scrgbClr r="0" g="0" b="0"/>
+        </a:lnRef>
+        <a:fillRef idx="1">
+          <a:scrgbClr r="0" g="0" b="0"/>
+        </a:fillRef>
+        <a:effectRef idx="1">
+          <a:scrgbClr r="0" g="0" b="0"/>
+        </a:effectRef>
+        <a:fontRef idx="minor">
+          <a:schemeClr val="lt1"/>
+        </a:fontRef>
+      </dsp:style>
+      <dsp:txBody>
+        <a:bodyPr spcFirstLastPara="0" vert="horz" wrap="square" lIns="121920" tIns="60960" rIns="121920" bIns="60960" numCol="1" spcCol="1270" anchor="ctr" anchorCtr="0">
+          <a:noAutofit/>
+        </a:bodyPr>
+        <a:lstStyle/>
+        <a:p>
+          <a:pPr lvl="0" algn="l" defTabSz="1422400">
+            <a:lnSpc>
+              <a:spcPct val="90000"/>
+            </a:lnSpc>
+            <a:spcBef>
+              <a:spcPct val="0"/>
+            </a:spcBef>
+            <a:spcAft>
+              <a:spcPct val="35000"/>
+            </a:spcAft>
+          </a:pPr>
+          <a:endParaRPr lang="en-US" sz="3200" kern="1200" dirty="0"/>
+        </a:p>
+      </dsp:txBody>
+      <dsp:txXfrm>
+        <a:off x="55621" y="3647345"/>
+        <a:ext cx="3286853" cy="1028160"/>
+      </dsp:txXfrm>
+    </dsp:sp>
+    <dsp:sp modelId="{358D7957-496C-44C8-872C-682A572E18A6}">
+      <dsp:nvSpPr>
+        <dsp:cNvPr id="0" name=""/>
+        <dsp:cNvSpPr/>
+      </dsp:nvSpPr>
+      <dsp:spPr>
+        <a:xfrm>
+          <a:off x="0" y="4788097"/>
+          <a:ext cx="3398095" cy="1139402"/>
+        </a:xfrm>
+        <a:prstGeom prst="roundRect">
+          <a:avLst/>
+        </a:prstGeom>
+        <a:solidFill>
+          <a:schemeClr val="dk2">
+            <a:hueOff val="0"/>
+            <a:satOff val="0"/>
+            <a:lumOff val="0"/>
+            <a:alphaOff val="0"/>
+          </a:schemeClr>
+        </a:solidFill>
+        <a:ln w="19050" cap="flat" cmpd="sng" algn="ctr">
+          <a:solidFill>
+            <a:schemeClr val="lt2">
+              <a:hueOff val="0"/>
+              <a:satOff val="0"/>
+              <a:lumOff val="0"/>
+              <a:alphaOff val="0"/>
+            </a:schemeClr>
+          </a:solidFill>
+          <a:prstDash val="solid"/>
+          <a:miter lim="800000"/>
+        </a:ln>
+        <a:effectLst/>
+      </dsp:spPr>
+      <dsp:style>
+        <a:lnRef idx="3">
+          <a:scrgbClr r="0" g="0" b="0"/>
+        </a:lnRef>
+        <a:fillRef idx="1">
+          <a:scrgbClr r="0" g="0" b="0"/>
+        </a:fillRef>
+        <a:effectRef idx="1">
+          <a:scrgbClr r="0" g="0" b="0"/>
+        </a:effectRef>
+        <a:fontRef idx="minor">
+          <a:schemeClr val="lt1"/>
+        </a:fontRef>
+      </dsp:style>
+      <dsp:txBody>
+        <a:bodyPr spcFirstLastPara="0" vert="horz" wrap="square" lIns="57150" tIns="28575" rIns="57150" bIns="28575" numCol="1" spcCol="1270" anchor="ctr" anchorCtr="0">
+          <a:noAutofit/>
+        </a:bodyPr>
+        <a:lstStyle/>
+        <a:p>
+          <a:pPr lvl="0" algn="ctr" defTabSz="666750">
+            <a:lnSpc>
+              <a:spcPct val="90000"/>
+            </a:lnSpc>
+            <a:spcBef>
+              <a:spcPct val="0"/>
+            </a:spcBef>
+            <a:spcAft>
+              <a:spcPct val="35000"/>
+            </a:spcAft>
+          </a:pPr>
+          <a:endParaRPr lang="en-US" sz="1500" kern="1200" dirty="0"/>
+        </a:p>
+      </dsp:txBody>
+      <dsp:txXfrm>
+        <a:off x="55621" y="4843718"/>
+        <a:ext cx="3286853" cy="1028160"/>
       </dsp:txXfrm>
     </dsp:sp>
   </dsp:spTree>
@@ -3575,39 +5744,16 @@
 </file>
 
 <file path=ppt/diagrams/layout2.xml><?xml version="1.0" encoding="utf-8"?>
-<dgm:layoutDef xmlns:dgm="http://schemas.openxmlformats.org/drawingml/2006/diagram" xmlns:a="http://schemas.openxmlformats.org/drawingml/2006/main" uniqueId="urn:microsoft.com/office/officeart/2005/8/layout/default">
-  <dgm:title val=""/>
-  <dgm:desc val=""/>
+<dgm:layoutDef xmlns:dgm="http://schemas.openxmlformats.org/drawingml/2006/diagram" xmlns:a="http://schemas.openxmlformats.org/drawingml/2006/main" uniqueId="urn:microsoft.com/office/officeart/2005/8/layout/chevronAccent+Icon">
+  <dgm:title val="Chevron Accent Process"/>
+  <dgm:desc val="Use to show sequential steps in a task, process, or workflow, or to emphasize movement or direction. Works best with minimal Level 1 and Level 2 text."/>
   <dgm:catLst>
-    <dgm:cat type="list" pri="400"/>
+    <dgm:cat type="process" pri="9500"/>
+    <dgm:cat type="officeonline" pri="2000"/>
   </dgm:catLst>
-  <dgm:sampData>
+  <dgm:sampData useDef="1">
     <dgm:dataModel>
-      <dgm:ptLst>
-        <dgm:pt modelId="0" type="doc"/>
-        <dgm:pt modelId="1">
-          <dgm:prSet phldr="1"/>
-        </dgm:pt>
-        <dgm:pt modelId="2">
-          <dgm:prSet phldr="1"/>
-        </dgm:pt>
-        <dgm:pt modelId="3">
-          <dgm:prSet phldr="1"/>
-        </dgm:pt>
-        <dgm:pt modelId="4">
-          <dgm:prSet phldr="1"/>
-        </dgm:pt>
-        <dgm:pt modelId="5">
-          <dgm:prSet phldr="1"/>
-        </dgm:pt>
-      </dgm:ptLst>
-      <dgm:cxnLst>
-        <dgm:cxn modelId="6" srcId="0" destId="1" srcOrd="0" destOrd="0"/>
-        <dgm:cxn modelId="7" srcId="0" destId="2" srcOrd="1" destOrd="0"/>
-        <dgm:cxn modelId="8" srcId="0" destId="3" srcOrd="2" destOrd="0"/>
-        <dgm:cxn modelId="9" srcId="0" destId="4" srcOrd="3" destOrd="0"/>
-        <dgm:cxn modelId="10" srcId="0" destId="5" srcOrd="4" destOrd="0"/>
-      </dgm:cxnLst>
+      <dgm:ptLst/>
       <dgm:bg/>
       <dgm:whole/>
     </dgm:dataModel>
@@ -3620,8 +5766,8 @@
         <dgm:pt modelId="2"/>
       </dgm:ptLst>
       <dgm:cxnLst>
-        <dgm:cxn modelId="3" srcId="0" destId="1" srcOrd="0" destOrd="0"/>
-        <dgm:cxn modelId="4" srcId="0" destId="2" srcOrd="1" destOrd="0"/>
+        <dgm:cxn modelId="4" srcId="0" destId="1" srcOrd="0" destOrd="0"/>
+        <dgm:cxn modelId="5" srcId="0" destId="2" srcOrd="1" destOrd="0"/>
       </dgm:cxnLst>
       <dgm:bg/>
       <dgm:whole/>
@@ -3635,41 +5781,29 @@
         <dgm:pt modelId="2"/>
         <dgm:pt modelId="3"/>
         <dgm:pt modelId="4"/>
-        <dgm:pt modelId="5"/>
-        <dgm:pt modelId="6"/>
       </dgm:ptLst>
       <dgm:cxnLst>
-        <dgm:cxn modelId="7" srcId="0" destId="1" srcOrd="0" destOrd="0"/>
-        <dgm:cxn modelId="8" srcId="0" destId="2" srcOrd="1" destOrd="0"/>
-        <dgm:cxn modelId="9" srcId="0" destId="3" srcOrd="2" destOrd="0"/>
-        <dgm:cxn modelId="10" srcId="0" destId="4" srcOrd="3" destOrd="0"/>
-        <dgm:cxn modelId="11" srcId="0" destId="5" srcOrd="4" destOrd="0"/>
-        <dgm:cxn modelId="12" srcId="0" destId="6" srcOrd="5" destOrd="0"/>
+        <dgm:cxn modelId="5" srcId="0" destId="1" srcOrd="0" destOrd="0"/>
+        <dgm:cxn modelId="6" srcId="0" destId="2" srcOrd="1" destOrd="0"/>
+        <dgm:cxn modelId="7" srcId="0" destId="3" srcOrd="2" destOrd="0"/>
+        <dgm:cxn modelId="8" srcId="0" destId="4" srcOrd="3" destOrd="0"/>
       </dgm:cxnLst>
       <dgm:bg/>
       <dgm:whole/>
     </dgm:dataModel>
   </dgm:clrData>
-  <dgm:layoutNode name="diagram">
+  <dgm:layoutNode name="Name0">
     <dgm:varLst>
       <dgm:dir/>
       <dgm:resizeHandles val="exact"/>
     </dgm:varLst>
-    <dgm:choose name="Name0">
-      <dgm:if name="Name1" func="var" arg="dir" op="equ" val="norm">
-        <dgm:alg type="snake">
-          <dgm:param type="grDir" val="tL"/>
-          <dgm:param type="flowDir" val="row"/>
-          <dgm:param type="contDir" val="sameDir"/>
-          <dgm:param type="off" val="ctr"/>
-        </dgm:alg>
+    <dgm:choose name="Name1">
+      <dgm:if name="Name2" func="var" arg="dir" op="equ" val="norm">
+        <dgm:alg type="lin"/>
       </dgm:if>
-      <dgm:else name="Name2">
-        <dgm:alg type="snake">
-          <dgm:param type="grDir" val="tR"/>
-          <dgm:param type="flowDir" val="row"/>
-          <dgm:param type="contDir" val="sameDir"/>
-          <dgm:param type="off" val="ctr"/>
+      <dgm:else name="Name3">
+        <dgm:alg type="lin">
+          <dgm:param type="linDir" val="fromR"/>
         </dgm:alg>
       </dgm:else>
     </dgm:choose>
@@ -3678,35 +5812,317 @@
     </dgm:shape>
     <dgm:presOf/>
     <dgm:constrLst>
-      <dgm:constr type="w" for="ch" forName="node" refType="w"/>
-      <dgm:constr type="h" for="ch" forName="node" refType="w" refFor="ch" refForName="node" fact="0.6"/>
-      <dgm:constr type="w" for="ch" forName="sibTrans" refType="w" refFor="ch" refForName="node" fact="0.1"/>
-      <dgm:constr type="sp" refType="w" refFor="ch" refForName="sibTrans"/>
-      <dgm:constr type="primFontSz" for="ch" forName="node" op="equ" val="65"/>
+      <dgm:constr type="w" for="ch" forName="composite" refType="w"/>
+      <dgm:constr type="primFontSz" for="des" forName="txNode" op="equ" val="65"/>
+      <dgm:constr type="w" for="ch" forName="compositeSpace" refType="w" refFor="ch" refForName="composite" fact="0.028"/>
     </dgm:constrLst>
     <dgm:ruleLst/>
-    <dgm:forEach name="Name3" axis="ch" ptType="node">
-      <dgm:layoutNode name="node">
-        <dgm:varLst>
-          <dgm:bulletEnabled val="1"/>
-        </dgm:varLst>
-        <dgm:alg type="tx"/>
-        <dgm:shape xmlns:r="http://schemas.openxmlformats.org/officeDocument/2006/relationships" type="rect" r:blip="">
+    <dgm:forEach name="Name4" axis="ch" ptType="node">
+      <dgm:layoutNode name="composite">
+        <dgm:alg type="composite"/>
+        <dgm:shape xmlns:r="http://schemas.openxmlformats.org/officeDocument/2006/relationships" r:blip="">
           <dgm:adjLst/>
         </dgm:shape>
-        <dgm:presOf axis="desOrSelf" ptType="node"/>
+        <dgm:presOf/>
+        <dgm:choose name="Name5">
+          <dgm:if name="Name6" func="var" arg="dir" op="equ" val="norm">
+            <dgm:constrLst>
+              <dgm:constr type="l" for="ch" forName="bgChev"/>
+              <dgm:constr type="w" for="ch" forName="bgChev" refType="w" fact="0.9"/>
+              <dgm:constr type="t" for="ch" forName="bgChev"/>
+              <dgm:constr type="h" for="ch" forName="bgChev" refType="w" refFor="ch" refForName="bgChev" fact="0.386"/>
+              <dgm:constr type="l" for="ch" forName="txNode" refType="w" fact="0.24"/>
+              <dgm:constr type="w" for="ch" forName="txNode" refType="w" fact="0.76"/>
+              <dgm:constr type="t" for="ch" forName="txNode" refType="h" refFor="ch" refForName="bgChev" fact="0.25"/>
+              <dgm:constr type="h" for="ch" forName="txNode" refType="h" refFor="ch" refForName="bgChev"/>
+            </dgm:constrLst>
+          </dgm:if>
+          <dgm:else name="Name7">
+            <dgm:constrLst>
+              <dgm:constr type="l" for="ch" forName="bgChev" refType="w" fact="0.1"/>
+              <dgm:constr type="w" for="ch" forName="bgChev" refType="w" fact="0.9"/>
+              <dgm:constr type="t" for="ch" forName="bgChev"/>
+              <dgm:constr type="h" for="ch" forName="bgChev" refType="w" refFor="ch" refForName="bgChev" fact="0.386"/>
+              <dgm:constr type="l" for="ch" forName="txNode"/>
+              <dgm:constr type="w" for="ch" forName="txNode" refType="w" fact="0.76"/>
+              <dgm:constr type="t" for="ch" forName="txNode" refType="h" refFor="ch" refForName="bgChev" fact="0.25"/>
+              <dgm:constr type="h" for="ch" forName="txNode" refType="h" refFor="ch" refForName="bgChev"/>
+            </dgm:constrLst>
+          </dgm:else>
+        </dgm:choose>
+        <dgm:ruleLst/>
+        <dgm:layoutNode name="bgChev" styleLbl="node1">
+          <dgm:alg type="sp"/>
+          <dgm:choose name="Name8">
+            <dgm:if name="Name9" func="var" arg="dir" op="equ" val="norm">
+              <dgm:shape xmlns:r="http://schemas.openxmlformats.org/officeDocument/2006/relationships" type="chevron" r:blip="">
+                <dgm:adjLst>
+                  <dgm:adj idx="1" val="0.4"/>
+                </dgm:adjLst>
+              </dgm:shape>
+            </dgm:if>
+            <dgm:else name="Name10">
+              <dgm:shape xmlns:r="http://schemas.openxmlformats.org/officeDocument/2006/relationships" rot="180" type="chevron" r:blip="">
+                <dgm:adjLst>
+                  <dgm:adj idx="1" val="0.4"/>
+                </dgm:adjLst>
+              </dgm:shape>
+            </dgm:else>
+          </dgm:choose>
+          <dgm:presOf/>
+          <dgm:constrLst/>
+        </dgm:layoutNode>
+        <dgm:layoutNode name="txNode" styleLbl="fgAcc1">
+          <dgm:varLst>
+            <dgm:bulletEnabled val="1"/>
+          </dgm:varLst>
+          <dgm:alg type="tx"/>
+          <dgm:shape xmlns:r="http://schemas.openxmlformats.org/officeDocument/2006/relationships" type="roundRect" r:blip="">
+            <dgm:adjLst>
+              <dgm:adj idx="1" val="0.1"/>
+            </dgm:adjLst>
+          </dgm:shape>
+          <dgm:presOf axis="desOrSelf" ptType="node"/>
+          <dgm:ruleLst>
+            <dgm:rule type="primFontSz" val="5" fact="NaN" max="NaN"/>
+          </dgm:ruleLst>
+        </dgm:layoutNode>
+      </dgm:layoutNode>
+      <dgm:forEach name="Name11" axis="followSib" ptType="sibTrans" cnt="1">
+        <dgm:layoutNode name="compositeSpace">
+          <dgm:alg type="sp"/>
+          <dgm:shape xmlns:r="http://schemas.openxmlformats.org/officeDocument/2006/relationships" r:blip="">
+            <dgm:adjLst/>
+          </dgm:shape>
+          <dgm:presOf axis="self"/>
+          <dgm:constrLst/>
+          <dgm:ruleLst/>
+        </dgm:layoutNode>
+      </dgm:forEach>
+    </dgm:forEach>
+  </dgm:layoutNode>
+</dgm:layoutDef>
+</file>
+
+<file path=ppt/diagrams/layout3.xml><?xml version="1.0" encoding="utf-8"?>
+<dgm:layoutDef xmlns:dgm="http://schemas.openxmlformats.org/drawingml/2006/diagram" xmlns:a="http://schemas.openxmlformats.org/drawingml/2006/main" uniqueId="urn:microsoft.com/office/officeart/2005/8/layout/vList5">
+  <dgm:title val=""/>
+  <dgm:desc val=""/>
+  <dgm:catLst>
+    <dgm:cat type="list" pri="15000"/>
+    <dgm:cat type="convert" pri="2000"/>
+  </dgm:catLst>
+  <dgm:sampData>
+    <dgm:dataModel>
+      <dgm:ptLst>
+        <dgm:pt modelId="0" type="doc"/>
+        <dgm:pt modelId="1">
+          <dgm:prSet phldr="1"/>
+        </dgm:pt>
+        <dgm:pt modelId="11">
+          <dgm:prSet phldr="1"/>
+        </dgm:pt>
+        <dgm:pt modelId="12">
+          <dgm:prSet phldr="1"/>
+        </dgm:pt>
+        <dgm:pt modelId="2">
+          <dgm:prSet phldr="1"/>
+        </dgm:pt>
+        <dgm:pt modelId="21">
+          <dgm:prSet phldr="1"/>
+        </dgm:pt>
+        <dgm:pt modelId="22">
+          <dgm:prSet phldr="1"/>
+        </dgm:pt>
+        <dgm:pt modelId="3">
+          <dgm:prSet phldr="1"/>
+        </dgm:pt>
+        <dgm:pt modelId="31">
+          <dgm:prSet phldr="1"/>
+        </dgm:pt>
+        <dgm:pt modelId="32">
+          <dgm:prSet phldr="1"/>
+        </dgm:pt>
+      </dgm:ptLst>
+      <dgm:cxnLst>
+        <dgm:cxn modelId="4" srcId="0" destId="1" srcOrd="0" destOrd="0"/>
+        <dgm:cxn modelId="5" srcId="0" destId="2" srcOrd="1" destOrd="0"/>
+        <dgm:cxn modelId="6" srcId="0" destId="3" srcOrd="2" destOrd="0"/>
+        <dgm:cxn modelId="13" srcId="1" destId="11" srcOrd="0" destOrd="0"/>
+        <dgm:cxn modelId="14" srcId="1" destId="12" srcOrd="1" destOrd="0"/>
+        <dgm:cxn modelId="23" srcId="2" destId="21" srcOrd="0" destOrd="0"/>
+        <dgm:cxn modelId="24" srcId="2" destId="22" srcOrd="1" destOrd="0"/>
+        <dgm:cxn modelId="33" srcId="3" destId="31" srcOrd="0" destOrd="0"/>
+        <dgm:cxn modelId="34" srcId="3" destId="32" srcOrd="1" destOrd="0"/>
+      </dgm:cxnLst>
+      <dgm:bg/>
+      <dgm:whole/>
+    </dgm:dataModel>
+  </dgm:sampData>
+  <dgm:styleData>
+    <dgm:dataModel>
+      <dgm:ptLst>
+        <dgm:pt modelId="0" type="doc"/>
+        <dgm:pt modelId="1"/>
+        <dgm:pt modelId="11"/>
+        <dgm:pt modelId="2"/>
+        <dgm:pt modelId="21"/>
+      </dgm:ptLst>
+      <dgm:cxnLst>
+        <dgm:cxn modelId="4" srcId="0" destId="1" srcOrd="0" destOrd="0"/>
+        <dgm:cxn modelId="5" srcId="0" destId="2" srcOrd="1" destOrd="0"/>
+        <dgm:cxn modelId="13" srcId="1" destId="11" srcOrd="0" destOrd="0"/>
+        <dgm:cxn modelId="23" srcId="2" destId="21" srcOrd="0" destOrd="0"/>
+      </dgm:cxnLst>
+      <dgm:bg/>
+      <dgm:whole/>
+    </dgm:dataModel>
+  </dgm:styleData>
+  <dgm:clrData>
+    <dgm:dataModel>
+      <dgm:ptLst>
+        <dgm:pt modelId="0" type="doc"/>
+        <dgm:pt modelId="1"/>
+        <dgm:pt modelId="11"/>
+        <dgm:pt modelId="2"/>
+        <dgm:pt modelId="21"/>
+        <dgm:pt modelId="3"/>
+        <dgm:pt modelId="31"/>
+        <dgm:pt modelId="4"/>
+        <dgm:pt modelId="41"/>
+      </dgm:ptLst>
+      <dgm:cxnLst>
+        <dgm:cxn modelId="5" srcId="0" destId="1" srcOrd="0" destOrd="0"/>
+        <dgm:cxn modelId="6" srcId="0" destId="2" srcOrd="1" destOrd="0"/>
+        <dgm:cxn modelId="7" srcId="0" destId="3" srcOrd="2" destOrd="0"/>
+        <dgm:cxn modelId="8" srcId="0" destId="4" srcOrd="3" destOrd="0"/>
+        <dgm:cxn modelId="13" srcId="1" destId="11" srcOrd="0" destOrd="0"/>
+        <dgm:cxn modelId="23" srcId="2" destId="21" srcOrd="0" destOrd="0"/>
+        <dgm:cxn modelId="33" srcId="3" destId="31" srcOrd="0" destOrd="0"/>
+        <dgm:cxn modelId="43" srcId="4" destId="41" srcOrd="0" destOrd="0"/>
+      </dgm:cxnLst>
+      <dgm:bg/>
+      <dgm:whole/>
+    </dgm:dataModel>
+  </dgm:clrData>
+  <dgm:layoutNode name="Name0">
+    <dgm:varLst>
+      <dgm:dir/>
+      <dgm:animLvl val="lvl"/>
+      <dgm:resizeHandles val="exact"/>
+    </dgm:varLst>
+    <dgm:choose name="Name1">
+      <dgm:if name="Name2" func="var" arg="dir" op="equ" val="norm">
+        <dgm:alg type="lin">
+          <dgm:param type="linDir" val="fromT"/>
+          <dgm:param type="nodeHorzAlign" val="l"/>
+        </dgm:alg>
+      </dgm:if>
+      <dgm:else name="Name3">
+        <dgm:alg type="lin">
+          <dgm:param type="linDir" val="fromT"/>
+          <dgm:param type="nodeHorzAlign" val="r"/>
+        </dgm:alg>
+      </dgm:else>
+    </dgm:choose>
+    <dgm:shape xmlns:r="http://schemas.openxmlformats.org/officeDocument/2006/relationships" r:blip="">
+      <dgm:adjLst/>
+    </dgm:shape>
+    <dgm:presOf/>
+    <dgm:constrLst>
+      <dgm:constr type="h" for="ch" forName="linNode" refType="h"/>
+      <dgm:constr type="w" for="ch" forName="linNode" refType="w"/>
+      <dgm:constr type="h" for="ch" forName="sp" refType="h" fact="0.05"/>
+      <dgm:constr type="primFontSz" for="des" forName="parentText" op="equ" val="65"/>
+      <dgm:constr type="secFontSz" for="des" forName="descendantText" op="equ"/>
+    </dgm:constrLst>
+    <dgm:ruleLst/>
+    <dgm:forEach name="Name4" axis="ch" ptType="node">
+      <dgm:layoutNode name="linNode">
+        <dgm:choose name="Name5">
+          <dgm:if name="Name6" func="var" arg="dir" op="equ" val="norm">
+            <dgm:alg type="lin">
+              <dgm:param type="linDir" val="fromL"/>
+            </dgm:alg>
+          </dgm:if>
+          <dgm:else name="Name7">
+            <dgm:alg type="lin">
+              <dgm:param type="linDir" val="fromR"/>
+            </dgm:alg>
+          </dgm:else>
+        </dgm:choose>
+        <dgm:shape xmlns:r="http://schemas.openxmlformats.org/officeDocument/2006/relationships" r:blip="">
+          <dgm:adjLst/>
+        </dgm:shape>
+        <dgm:presOf/>
         <dgm:constrLst>
-          <dgm:constr type="lMarg" refType="primFontSz" fact="0.3"/>
-          <dgm:constr type="rMarg" refType="primFontSz" fact="0.3"/>
-          <dgm:constr type="tMarg" refType="primFontSz" fact="0.3"/>
-          <dgm:constr type="bMarg" refType="primFontSz" fact="0.3"/>
+          <dgm:constr type="w" for="ch" forName="parentText" refType="w" fact="0.36"/>
+          <dgm:constr type="w" for="ch" forName="descendantText" refType="w" fact="0.64"/>
+          <dgm:constr type="h" for="ch" forName="parentText" refType="h"/>
+          <dgm:constr type="h" for="ch" forName="descendantText" refType="h" refFor="ch" refForName="parentText" fact="0.8"/>
         </dgm:constrLst>
-        <dgm:ruleLst>
-          <dgm:rule type="primFontSz" val="5" fact="NaN" max="NaN"/>
-        </dgm:ruleLst>
+        <dgm:ruleLst/>
+        <dgm:layoutNode name="parentText">
+          <dgm:varLst>
+            <dgm:chMax val="1"/>
+            <dgm:bulletEnabled val="1"/>
+          </dgm:varLst>
+          <dgm:alg type="tx"/>
+          <dgm:shape xmlns:r="http://schemas.openxmlformats.org/officeDocument/2006/relationships" type="roundRect" r:blip="" zOrderOff="3">
+            <dgm:adjLst/>
+          </dgm:shape>
+          <dgm:presOf axis="self" ptType="node"/>
+          <dgm:constrLst>
+            <dgm:constr type="tMarg" refType="primFontSz" fact="0.15"/>
+            <dgm:constr type="bMarg" refType="primFontSz" fact="0.15"/>
+            <dgm:constr type="lMarg" refType="primFontSz" fact="0.3"/>
+            <dgm:constr type="rMarg" refType="primFontSz" fact="0.3"/>
+          </dgm:constrLst>
+          <dgm:ruleLst>
+            <dgm:rule type="primFontSz" val="5" fact="NaN" max="NaN"/>
+          </dgm:ruleLst>
+        </dgm:layoutNode>
+        <dgm:choose name="Name8">
+          <dgm:if name="Name9" axis="ch" ptType="node" func="cnt" op="gte" val="1">
+            <dgm:layoutNode name="descendantText" styleLbl="alignAccFollowNode1">
+              <dgm:varLst>
+                <dgm:bulletEnabled val="1"/>
+              </dgm:varLst>
+              <dgm:alg type="tx">
+                <dgm:param type="stBulletLvl" val="1"/>
+                <dgm:param type="txAnchorVertCh" val="mid"/>
+              </dgm:alg>
+              <dgm:choose name="Name10">
+                <dgm:if name="Name11" func="var" arg="dir" op="equ" val="norm">
+                  <dgm:shape xmlns:r="http://schemas.openxmlformats.org/officeDocument/2006/relationships" rot="90" type="round2SameRect" r:blip="">
+                    <dgm:adjLst/>
+                  </dgm:shape>
+                </dgm:if>
+                <dgm:else name="Name12">
+                  <dgm:shape xmlns:r="http://schemas.openxmlformats.org/officeDocument/2006/relationships" rot="-90" type="round2SameRect" r:blip="">
+                    <dgm:adjLst/>
+                  </dgm:shape>
+                </dgm:else>
+              </dgm:choose>
+              <dgm:presOf axis="des" ptType="node"/>
+              <dgm:constrLst>
+                <dgm:constr type="secFontSz" val="65"/>
+                <dgm:constr type="primFontSz" refType="secFontSz"/>
+                <dgm:constr type="lMarg" refType="secFontSz" fact="0.3"/>
+                <dgm:constr type="rMarg" refType="secFontSz" fact="0.3"/>
+                <dgm:constr type="tMarg" refType="secFontSz" fact="0.15"/>
+                <dgm:constr type="bMarg" refType="secFontSz" fact="0.15"/>
+              </dgm:constrLst>
+              <dgm:ruleLst>
+                <dgm:rule type="secFontSz" val="5" fact="NaN" max="NaN"/>
+              </dgm:ruleLst>
+            </dgm:layoutNode>
+          </dgm:if>
+          <dgm:else name="Name13"/>
+        </dgm:choose>
       </dgm:layoutNode>
-      <dgm:forEach name="Name4" axis="followSib" ptType="sibTrans" cnt="1">
-        <dgm:layoutNode name="sibTrans">
+      <dgm:forEach name="Name14" axis="followSib" ptType="sibTrans" cnt="1">
+        <dgm:layoutNode name="sp">
           <dgm:alg type="sp"/>
           <dgm:shape xmlns:r="http://schemas.openxmlformats.org/officeDocument/2006/relationships" r:blip="">
             <dgm:adjLst/>
@@ -5761,6 +8177,1040 @@
         <a:scrgbClr r="0" g="0" b="0"/>
       </a:fillRef>
       <a:effectRef idx="0">
+        <a:scrgbClr r="0" g="0" b="0"/>
+      </a:effectRef>
+      <a:fontRef idx="minor"/>
+    </dgm:style>
+  </dgm:styleLbl>
+  <dgm:styleLbl name="revTx">
+    <dgm:scene3d>
+      <a:camera prst="orthographicFront"/>
+      <a:lightRig rig="threePt" dir="t"/>
+    </dgm:scene3d>
+    <dgm:sp3d/>
+    <dgm:txPr/>
+    <dgm:style>
+      <a:lnRef idx="0">
+        <a:scrgbClr r="0" g="0" b="0"/>
+      </a:lnRef>
+      <a:fillRef idx="0">
+        <a:scrgbClr r="0" g="0" b="0"/>
+      </a:fillRef>
+      <a:effectRef idx="0">
+        <a:scrgbClr r="0" g="0" b="0"/>
+      </a:effectRef>
+      <a:fontRef idx="minor"/>
+    </dgm:style>
+  </dgm:styleLbl>
+</dgm:styleDef>
+</file>
+
+<file path=ppt/diagrams/quickStyle3.xml><?xml version="1.0" encoding="utf-8"?>
+<dgm:styleDef xmlns:dgm="http://schemas.openxmlformats.org/drawingml/2006/diagram" xmlns:a="http://schemas.openxmlformats.org/drawingml/2006/main" uniqueId="urn:microsoft.com/office/officeart/2005/8/quickstyle/simple2">
+  <dgm:title val=""/>
+  <dgm:desc val=""/>
+  <dgm:catLst>
+    <dgm:cat type="simple" pri="10200"/>
+  </dgm:catLst>
+  <dgm:scene3d>
+    <a:camera prst="orthographicFront"/>
+    <a:lightRig rig="threePt" dir="t"/>
+  </dgm:scene3d>
+  <dgm:styleLbl name="node0">
+    <dgm:scene3d>
+      <a:camera prst="orthographicFront"/>
+      <a:lightRig rig="threePt" dir="t"/>
+    </dgm:scene3d>
+    <dgm:sp3d/>
+    <dgm:txPr/>
+    <dgm:style>
+      <a:lnRef idx="3">
+        <a:scrgbClr r="0" g="0" b="0"/>
+      </a:lnRef>
+      <a:fillRef idx="1">
+        <a:scrgbClr r="0" g="0" b="0"/>
+      </a:fillRef>
+      <a:effectRef idx="1">
+        <a:scrgbClr r="0" g="0" b="0"/>
+      </a:effectRef>
+      <a:fontRef idx="minor">
+        <a:schemeClr val="lt1"/>
+      </a:fontRef>
+    </dgm:style>
+  </dgm:styleLbl>
+  <dgm:styleLbl name="lnNode1">
+    <dgm:scene3d>
+      <a:camera prst="orthographicFront"/>
+      <a:lightRig rig="threePt" dir="t"/>
+    </dgm:scene3d>
+    <dgm:sp3d/>
+    <dgm:txPr/>
+    <dgm:style>
+      <a:lnRef idx="3">
+        <a:scrgbClr r="0" g="0" b="0"/>
+      </a:lnRef>
+      <a:fillRef idx="1">
+        <a:scrgbClr r="0" g="0" b="0"/>
+      </a:fillRef>
+      <a:effectRef idx="1">
+        <a:scrgbClr r="0" g="0" b="0"/>
+      </a:effectRef>
+      <a:fontRef idx="minor">
+        <a:schemeClr val="lt1"/>
+      </a:fontRef>
+    </dgm:style>
+  </dgm:styleLbl>
+  <dgm:styleLbl name="vennNode1">
+    <dgm:scene3d>
+      <a:camera prst="orthographicFront"/>
+      <a:lightRig rig="threePt" dir="t"/>
+    </dgm:scene3d>
+    <dgm:sp3d/>
+    <dgm:txPr/>
+    <dgm:style>
+      <a:lnRef idx="3">
+        <a:scrgbClr r="0" g="0" b="0"/>
+      </a:lnRef>
+      <a:fillRef idx="1">
+        <a:scrgbClr r="0" g="0" b="0"/>
+      </a:fillRef>
+      <a:effectRef idx="0">
+        <a:scrgbClr r="0" g="0" b="0"/>
+      </a:effectRef>
+      <a:fontRef idx="minor">
+        <a:schemeClr val="tx1"/>
+      </a:fontRef>
+    </dgm:style>
+  </dgm:styleLbl>
+  <dgm:styleLbl name="alignNode1">
+    <dgm:scene3d>
+      <a:camera prst="orthographicFront"/>
+      <a:lightRig rig="threePt" dir="t"/>
+    </dgm:scene3d>
+    <dgm:sp3d/>
+    <dgm:txPr/>
+    <dgm:style>
+      <a:lnRef idx="2">
+        <a:scrgbClr r="0" g="0" b="0"/>
+      </a:lnRef>
+      <a:fillRef idx="1">
+        <a:scrgbClr r="0" g="0" b="0"/>
+      </a:fillRef>
+      <a:effectRef idx="1">
+        <a:scrgbClr r="0" g="0" b="0"/>
+      </a:effectRef>
+      <a:fontRef idx="minor">
+        <a:schemeClr val="lt1"/>
+      </a:fontRef>
+    </dgm:style>
+  </dgm:styleLbl>
+  <dgm:styleLbl name="node1">
+    <dgm:scene3d>
+      <a:camera prst="orthographicFront"/>
+      <a:lightRig rig="threePt" dir="t"/>
+    </dgm:scene3d>
+    <dgm:sp3d/>
+    <dgm:txPr/>
+    <dgm:style>
+      <a:lnRef idx="3">
+        <a:scrgbClr r="0" g="0" b="0"/>
+      </a:lnRef>
+      <a:fillRef idx="1">
+        <a:scrgbClr r="0" g="0" b="0"/>
+      </a:fillRef>
+      <a:effectRef idx="1">
+        <a:scrgbClr r="0" g="0" b="0"/>
+      </a:effectRef>
+      <a:fontRef idx="minor">
+        <a:schemeClr val="lt1"/>
+      </a:fontRef>
+    </dgm:style>
+  </dgm:styleLbl>
+  <dgm:styleLbl name="node2">
+    <dgm:scene3d>
+      <a:camera prst="orthographicFront"/>
+      <a:lightRig rig="threePt" dir="t"/>
+    </dgm:scene3d>
+    <dgm:sp3d/>
+    <dgm:txPr/>
+    <dgm:style>
+      <a:lnRef idx="3">
+        <a:scrgbClr r="0" g="0" b="0"/>
+      </a:lnRef>
+      <a:fillRef idx="1">
+        <a:scrgbClr r="0" g="0" b="0"/>
+      </a:fillRef>
+      <a:effectRef idx="1">
+        <a:scrgbClr r="0" g="0" b="0"/>
+      </a:effectRef>
+      <a:fontRef idx="minor">
+        <a:schemeClr val="lt1"/>
+      </a:fontRef>
+    </dgm:style>
+  </dgm:styleLbl>
+  <dgm:styleLbl name="node3">
+    <dgm:scene3d>
+      <a:camera prst="orthographicFront"/>
+      <a:lightRig rig="threePt" dir="t"/>
+    </dgm:scene3d>
+    <dgm:sp3d/>
+    <dgm:txPr/>
+    <dgm:style>
+      <a:lnRef idx="3">
+        <a:scrgbClr r="0" g="0" b="0"/>
+      </a:lnRef>
+      <a:fillRef idx="1">
+        <a:scrgbClr r="0" g="0" b="0"/>
+      </a:fillRef>
+      <a:effectRef idx="1">
+        <a:scrgbClr r="0" g="0" b="0"/>
+      </a:effectRef>
+      <a:fontRef idx="minor">
+        <a:schemeClr val="lt1"/>
+      </a:fontRef>
+    </dgm:style>
+  </dgm:styleLbl>
+  <dgm:styleLbl name="node4">
+    <dgm:scene3d>
+      <a:camera prst="orthographicFront"/>
+      <a:lightRig rig="threePt" dir="t"/>
+    </dgm:scene3d>
+    <dgm:sp3d/>
+    <dgm:txPr/>
+    <dgm:style>
+      <a:lnRef idx="3">
+        <a:scrgbClr r="0" g="0" b="0"/>
+      </a:lnRef>
+      <a:fillRef idx="1">
+        <a:scrgbClr r="0" g="0" b="0"/>
+      </a:fillRef>
+      <a:effectRef idx="1">
+        <a:scrgbClr r="0" g="0" b="0"/>
+      </a:effectRef>
+      <a:fontRef idx="minor">
+        <a:schemeClr val="lt1"/>
+      </a:fontRef>
+    </dgm:style>
+  </dgm:styleLbl>
+  <dgm:styleLbl name="fgImgPlace1">
+    <dgm:scene3d>
+      <a:camera prst="orthographicFront"/>
+      <a:lightRig rig="threePt" dir="t"/>
+    </dgm:scene3d>
+    <dgm:sp3d/>
+    <dgm:txPr/>
+    <dgm:style>
+      <a:lnRef idx="3">
+        <a:scrgbClr r="0" g="0" b="0"/>
+      </a:lnRef>
+      <a:fillRef idx="1">
+        <a:scrgbClr r="0" g="0" b="0"/>
+      </a:fillRef>
+      <a:effectRef idx="1">
+        <a:scrgbClr r="0" g="0" b="0"/>
+      </a:effectRef>
+      <a:fontRef idx="minor"/>
+    </dgm:style>
+  </dgm:styleLbl>
+  <dgm:styleLbl name="alignImgPlace1">
+    <dgm:scene3d>
+      <a:camera prst="orthographicFront"/>
+      <a:lightRig rig="threePt" dir="t"/>
+    </dgm:scene3d>
+    <dgm:sp3d/>
+    <dgm:txPr/>
+    <dgm:style>
+      <a:lnRef idx="3">
+        <a:scrgbClr r="0" g="0" b="0"/>
+      </a:lnRef>
+      <a:fillRef idx="1">
+        <a:scrgbClr r="0" g="0" b="0"/>
+      </a:fillRef>
+      <a:effectRef idx="1">
+        <a:scrgbClr r="0" g="0" b="0"/>
+      </a:effectRef>
+      <a:fontRef idx="minor"/>
+    </dgm:style>
+  </dgm:styleLbl>
+  <dgm:styleLbl name="bgImgPlace1">
+    <dgm:scene3d>
+      <a:camera prst="orthographicFront"/>
+      <a:lightRig rig="threePt" dir="t"/>
+    </dgm:scene3d>
+    <dgm:sp3d/>
+    <dgm:txPr/>
+    <dgm:style>
+      <a:lnRef idx="3">
+        <a:scrgbClr r="0" g="0" b="0"/>
+      </a:lnRef>
+      <a:fillRef idx="1">
+        <a:scrgbClr r="0" g="0" b="0"/>
+      </a:fillRef>
+      <a:effectRef idx="1">
+        <a:scrgbClr r="0" g="0" b="0"/>
+      </a:effectRef>
+      <a:fontRef idx="minor"/>
+    </dgm:style>
+  </dgm:styleLbl>
+  <dgm:styleLbl name="sibTrans2D1">
+    <dgm:scene3d>
+      <a:camera prst="orthographicFront"/>
+      <a:lightRig rig="threePt" dir="t"/>
+    </dgm:scene3d>
+    <dgm:sp3d/>
+    <dgm:txPr/>
+    <dgm:style>
+      <a:lnRef idx="0">
+        <a:scrgbClr r="0" g="0" b="0"/>
+      </a:lnRef>
+      <a:fillRef idx="1">
+        <a:scrgbClr r="0" g="0" b="0"/>
+      </a:fillRef>
+      <a:effectRef idx="1">
+        <a:scrgbClr r="0" g="0" b="0"/>
+      </a:effectRef>
+      <a:fontRef idx="minor">
+        <a:schemeClr val="lt1"/>
+      </a:fontRef>
+    </dgm:style>
+  </dgm:styleLbl>
+  <dgm:styleLbl name="fgSibTrans2D1">
+    <dgm:scene3d>
+      <a:camera prst="orthographicFront"/>
+      <a:lightRig rig="threePt" dir="t"/>
+    </dgm:scene3d>
+    <dgm:sp3d/>
+    <dgm:txPr/>
+    <dgm:style>
+      <a:lnRef idx="0">
+        <a:scrgbClr r="0" g="0" b="0"/>
+      </a:lnRef>
+      <a:fillRef idx="1">
+        <a:scrgbClr r="0" g="0" b="0"/>
+      </a:fillRef>
+      <a:effectRef idx="1">
+        <a:scrgbClr r="0" g="0" b="0"/>
+      </a:effectRef>
+      <a:fontRef idx="minor">
+        <a:schemeClr val="lt1"/>
+      </a:fontRef>
+    </dgm:style>
+  </dgm:styleLbl>
+  <dgm:styleLbl name="bgSibTrans2D1">
+    <dgm:scene3d>
+      <a:camera prst="orthographicFront"/>
+      <a:lightRig rig="threePt" dir="t"/>
+    </dgm:scene3d>
+    <dgm:sp3d/>
+    <dgm:txPr/>
+    <dgm:style>
+      <a:lnRef idx="0">
+        <a:scrgbClr r="0" g="0" b="0"/>
+      </a:lnRef>
+      <a:fillRef idx="1">
+        <a:scrgbClr r="0" g="0" b="0"/>
+      </a:fillRef>
+      <a:effectRef idx="1">
+        <a:scrgbClr r="0" g="0" b="0"/>
+      </a:effectRef>
+      <a:fontRef idx="minor">
+        <a:schemeClr val="lt1"/>
+      </a:fontRef>
+    </dgm:style>
+  </dgm:styleLbl>
+  <dgm:styleLbl name="sibTrans1D1">
+    <dgm:scene3d>
+      <a:camera prst="orthographicFront"/>
+      <a:lightRig rig="threePt" dir="t"/>
+    </dgm:scene3d>
+    <dgm:sp3d/>
+    <dgm:txPr/>
+    <dgm:style>
+      <a:lnRef idx="1">
+        <a:scrgbClr r="0" g="0" b="0"/>
+      </a:lnRef>
+      <a:fillRef idx="0">
+        <a:scrgbClr r="0" g="0" b="0"/>
+      </a:fillRef>
+      <a:effectRef idx="0">
+        <a:scrgbClr r="0" g="0" b="0"/>
+      </a:effectRef>
+      <a:fontRef idx="minor"/>
+    </dgm:style>
+  </dgm:styleLbl>
+  <dgm:styleLbl name="callout">
+    <dgm:scene3d>
+      <a:camera prst="orthographicFront"/>
+      <a:lightRig rig="threePt" dir="t"/>
+    </dgm:scene3d>
+    <dgm:sp3d/>
+    <dgm:txPr/>
+    <dgm:style>
+      <a:lnRef idx="2">
+        <a:scrgbClr r="0" g="0" b="0"/>
+      </a:lnRef>
+      <a:fillRef idx="1">
+        <a:scrgbClr r="0" g="0" b="0"/>
+      </a:fillRef>
+      <a:effectRef idx="1">
+        <a:scrgbClr r="0" g="0" b="0"/>
+      </a:effectRef>
+      <a:fontRef idx="minor"/>
+    </dgm:style>
+  </dgm:styleLbl>
+  <dgm:styleLbl name="asst0">
+    <dgm:scene3d>
+      <a:camera prst="orthographicFront"/>
+      <a:lightRig rig="threePt" dir="t"/>
+    </dgm:scene3d>
+    <dgm:sp3d/>
+    <dgm:txPr/>
+    <dgm:style>
+      <a:lnRef idx="3">
+        <a:scrgbClr r="0" g="0" b="0"/>
+      </a:lnRef>
+      <a:fillRef idx="1">
+        <a:scrgbClr r="0" g="0" b="0"/>
+      </a:fillRef>
+      <a:effectRef idx="1">
+        <a:scrgbClr r="0" g="0" b="0"/>
+      </a:effectRef>
+      <a:fontRef idx="minor">
+        <a:schemeClr val="lt1"/>
+      </a:fontRef>
+    </dgm:style>
+  </dgm:styleLbl>
+  <dgm:styleLbl name="asst1">
+    <dgm:scene3d>
+      <a:camera prst="orthographicFront"/>
+      <a:lightRig rig="threePt" dir="t"/>
+    </dgm:scene3d>
+    <dgm:sp3d/>
+    <dgm:txPr/>
+    <dgm:style>
+      <a:lnRef idx="3">
+        <a:scrgbClr r="0" g="0" b="0"/>
+      </a:lnRef>
+      <a:fillRef idx="1">
+        <a:scrgbClr r="0" g="0" b="0"/>
+      </a:fillRef>
+      <a:effectRef idx="1">
+        <a:scrgbClr r="0" g="0" b="0"/>
+      </a:effectRef>
+      <a:fontRef idx="minor">
+        <a:schemeClr val="lt1"/>
+      </a:fontRef>
+    </dgm:style>
+  </dgm:styleLbl>
+  <dgm:styleLbl name="asst2">
+    <dgm:scene3d>
+      <a:camera prst="orthographicFront"/>
+      <a:lightRig rig="threePt" dir="t"/>
+    </dgm:scene3d>
+    <dgm:sp3d/>
+    <dgm:txPr/>
+    <dgm:style>
+      <a:lnRef idx="3">
+        <a:scrgbClr r="0" g="0" b="0"/>
+      </a:lnRef>
+      <a:fillRef idx="1">
+        <a:scrgbClr r="0" g="0" b="0"/>
+      </a:fillRef>
+      <a:effectRef idx="1">
+        <a:scrgbClr r="0" g="0" b="0"/>
+      </a:effectRef>
+      <a:fontRef idx="minor">
+        <a:schemeClr val="lt1"/>
+      </a:fontRef>
+    </dgm:style>
+  </dgm:styleLbl>
+  <dgm:styleLbl name="asst3">
+    <dgm:scene3d>
+      <a:camera prst="orthographicFront"/>
+      <a:lightRig rig="threePt" dir="t"/>
+    </dgm:scene3d>
+    <dgm:sp3d/>
+    <dgm:txPr/>
+    <dgm:style>
+      <a:lnRef idx="3">
+        <a:scrgbClr r="0" g="0" b="0"/>
+      </a:lnRef>
+      <a:fillRef idx="1">
+        <a:scrgbClr r="0" g="0" b="0"/>
+      </a:fillRef>
+      <a:effectRef idx="1">
+        <a:scrgbClr r="0" g="0" b="0"/>
+      </a:effectRef>
+      <a:fontRef idx="minor">
+        <a:schemeClr val="lt1"/>
+      </a:fontRef>
+    </dgm:style>
+  </dgm:styleLbl>
+  <dgm:styleLbl name="asst4">
+    <dgm:scene3d>
+      <a:camera prst="orthographicFront"/>
+      <a:lightRig rig="threePt" dir="t"/>
+    </dgm:scene3d>
+    <dgm:sp3d/>
+    <dgm:txPr/>
+    <dgm:style>
+      <a:lnRef idx="3">
+        <a:scrgbClr r="0" g="0" b="0"/>
+      </a:lnRef>
+      <a:fillRef idx="1">
+        <a:scrgbClr r="0" g="0" b="0"/>
+      </a:fillRef>
+      <a:effectRef idx="1">
+        <a:scrgbClr r="0" g="0" b="0"/>
+      </a:effectRef>
+      <a:fontRef idx="minor">
+        <a:schemeClr val="lt1"/>
+      </a:fontRef>
+    </dgm:style>
+  </dgm:styleLbl>
+  <dgm:styleLbl name="parChTrans2D1">
+    <dgm:scene3d>
+      <a:camera prst="orthographicFront"/>
+      <a:lightRig rig="threePt" dir="t"/>
+    </dgm:scene3d>
+    <dgm:sp3d/>
+    <dgm:txPr/>
+    <dgm:style>
+      <a:lnRef idx="3">
+        <a:scrgbClr r="0" g="0" b="0"/>
+      </a:lnRef>
+      <a:fillRef idx="1">
+        <a:scrgbClr r="0" g="0" b="0"/>
+      </a:fillRef>
+      <a:effectRef idx="1">
+        <a:scrgbClr r="0" g="0" b="0"/>
+      </a:effectRef>
+      <a:fontRef idx="minor">
+        <a:schemeClr val="lt1"/>
+      </a:fontRef>
+    </dgm:style>
+  </dgm:styleLbl>
+  <dgm:styleLbl name="parChTrans2D2">
+    <dgm:scene3d>
+      <a:camera prst="orthographicFront"/>
+      <a:lightRig rig="threePt" dir="t"/>
+    </dgm:scene3d>
+    <dgm:sp3d/>
+    <dgm:txPr/>
+    <dgm:style>
+      <a:lnRef idx="3">
+        <a:scrgbClr r="0" g="0" b="0"/>
+      </a:lnRef>
+      <a:fillRef idx="1">
+        <a:scrgbClr r="0" g="0" b="0"/>
+      </a:fillRef>
+      <a:effectRef idx="1">
+        <a:scrgbClr r="0" g="0" b="0"/>
+      </a:effectRef>
+      <a:fontRef idx="minor">
+        <a:schemeClr val="lt1"/>
+      </a:fontRef>
+    </dgm:style>
+  </dgm:styleLbl>
+  <dgm:styleLbl name="parChTrans2D3">
+    <dgm:scene3d>
+      <a:camera prst="orthographicFront"/>
+      <a:lightRig rig="threePt" dir="t"/>
+    </dgm:scene3d>
+    <dgm:sp3d/>
+    <dgm:txPr/>
+    <dgm:style>
+      <a:lnRef idx="3">
+        <a:scrgbClr r="0" g="0" b="0"/>
+      </a:lnRef>
+      <a:fillRef idx="1">
+        <a:scrgbClr r="0" g="0" b="0"/>
+      </a:fillRef>
+      <a:effectRef idx="1">
+        <a:scrgbClr r="0" g="0" b="0"/>
+      </a:effectRef>
+      <a:fontRef idx="minor">
+        <a:schemeClr val="lt1"/>
+      </a:fontRef>
+    </dgm:style>
+  </dgm:styleLbl>
+  <dgm:styleLbl name="parChTrans2D4">
+    <dgm:scene3d>
+      <a:camera prst="orthographicFront"/>
+      <a:lightRig rig="threePt" dir="t"/>
+    </dgm:scene3d>
+    <dgm:sp3d/>
+    <dgm:txPr/>
+    <dgm:style>
+      <a:lnRef idx="3">
+        <a:scrgbClr r="0" g="0" b="0"/>
+      </a:lnRef>
+      <a:fillRef idx="1">
+        <a:scrgbClr r="0" g="0" b="0"/>
+      </a:fillRef>
+      <a:effectRef idx="1">
+        <a:scrgbClr r="0" g="0" b="0"/>
+      </a:effectRef>
+      <a:fontRef idx="minor">
+        <a:schemeClr val="lt1"/>
+      </a:fontRef>
+    </dgm:style>
+  </dgm:styleLbl>
+  <dgm:styleLbl name="parChTrans1D1">
+    <dgm:scene3d>
+      <a:camera prst="orthographicFront"/>
+      <a:lightRig rig="threePt" dir="t"/>
+    </dgm:scene3d>
+    <dgm:sp3d/>
+    <dgm:txPr/>
+    <dgm:style>
+      <a:lnRef idx="2">
+        <a:scrgbClr r="0" g="0" b="0"/>
+      </a:lnRef>
+      <a:fillRef idx="0">
+        <a:scrgbClr r="0" g="0" b="0"/>
+      </a:fillRef>
+      <a:effectRef idx="0">
+        <a:scrgbClr r="0" g="0" b="0"/>
+      </a:effectRef>
+      <a:fontRef idx="minor"/>
+    </dgm:style>
+  </dgm:styleLbl>
+  <dgm:styleLbl name="parChTrans1D2">
+    <dgm:scene3d>
+      <a:camera prst="orthographicFront"/>
+      <a:lightRig rig="threePt" dir="t"/>
+    </dgm:scene3d>
+    <dgm:sp3d/>
+    <dgm:txPr/>
+    <dgm:style>
+      <a:lnRef idx="2">
+        <a:scrgbClr r="0" g="0" b="0"/>
+      </a:lnRef>
+      <a:fillRef idx="0">
+        <a:scrgbClr r="0" g="0" b="0"/>
+      </a:fillRef>
+      <a:effectRef idx="0">
+        <a:scrgbClr r="0" g="0" b="0"/>
+      </a:effectRef>
+      <a:fontRef idx="minor"/>
+    </dgm:style>
+  </dgm:styleLbl>
+  <dgm:styleLbl name="parChTrans1D3">
+    <dgm:scene3d>
+      <a:camera prst="orthographicFront"/>
+      <a:lightRig rig="threePt" dir="t"/>
+    </dgm:scene3d>
+    <dgm:sp3d/>
+    <dgm:txPr/>
+    <dgm:style>
+      <a:lnRef idx="2">
+        <a:scrgbClr r="0" g="0" b="0"/>
+      </a:lnRef>
+      <a:fillRef idx="0">
+        <a:scrgbClr r="0" g="0" b="0"/>
+      </a:fillRef>
+      <a:effectRef idx="0">
+        <a:scrgbClr r="0" g="0" b="0"/>
+      </a:effectRef>
+      <a:fontRef idx="minor"/>
+    </dgm:style>
+  </dgm:styleLbl>
+  <dgm:styleLbl name="parChTrans1D4">
+    <dgm:scene3d>
+      <a:camera prst="orthographicFront"/>
+      <a:lightRig rig="threePt" dir="t"/>
+    </dgm:scene3d>
+    <dgm:sp3d/>
+    <dgm:txPr/>
+    <dgm:style>
+      <a:lnRef idx="2">
+        <a:scrgbClr r="0" g="0" b="0"/>
+      </a:lnRef>
+      <a:fillRef idx="0">
+        <a:scrgbClr r="0" g="0" b="0"/>
+      </a:fillRef>
+      <a:effectRef idx="0">
+        <a:scrgbClr r="0" g="0" b="0"/>
+      </a:effectRef>
+      <a:fontRef idx="minor"/>
+    </dgm:style>
+  </dgm:styleLbl>
+  <dgm:styleLbl name="fgAcc1">
+    <dgm:scene3d>
+      <a:camera prst="orthographicFront"/>
+      <a:lightRig rig="threePt" dir="t"/>
+    </dgm:scene3d>
+    <dgm:sp3d/>
+    <dgm:txPr/>
+    <dgm:style>
+      <a:lnRef idx="2">
+        <a:scrgbClr r="0" g="0" b="0"/>
+      </a:lnRef>
+      <a:fillRef idx="1">
+        <a:scrgbClr r="0" g="0" b="0"/>
+      </a:fillRef>
+      <a:effectRef idx="0">
+        <a:scrgbClr r="0" g="0" b="0"/>
+      </a:effectRef>
+      <a:fontRef idx="minor"/>
+    </dgm:style>
+  </dgm:styleLbl>
+  <dgm:styleLbl name="conFgAcc1">
+    <dgm:scene3d>
+      <a:camera prst="orthographicFront"/>
+      <a:lightRig rig="threePt" dir="t"/>
+    </dgm:scene3d>
+    <dgm:sp3d/>
+    <dgm:txPr/>
+    <dgm:style>
+      <a:lnRef idx="2">
+        <a:scrgbClr r="0" g="0" b="0"/>
+      </a:lnRef>
+      <a:fillRef idx="1">
+        <a:scrgbClr r="0" g="0" b="0"/>
+      </a:fillRef>
+      <a:effectRef idx="0">
+        <a:scrgbClr r="0" g="0" b="0"/>
+      </a:effectRef>
+      <a:fontRef idx="minor"/>
+    </dgm:style>
+  </dgm:styleLbl>
+  <dgm:styleLbl name="alignAcc1">
+    <dgm:scene3d>
+      <a:camera prst="orthographicFront"/>
+      <a:lightRig rig="threePt" dir="t"/>
+    </dgm:scene3d>
+    <dgm:sp3d/>
+    <dgm:txPr/>
+    <dgm:style>
+      <a:lnRef idx="2">
+        <a:scrgbClr r="0" g="0" b="0"/>
+      </a:lnRef>
+      <a:fillRef idx="1">
+        <a:scrgbClr r="0" g="0" b="0"/>
+      </a:fillRef>
+      <a:effectRef idx="0">
+        <a:scrgbClr r="0" g="0" b="0"/>
+      </a:effectRef>
+      <a:fontRef idx="minor"/>
+    </dgm:style>
+  </dgm:styleLbl>
+  <dgm:styleLbl name="trAlignAcc1">
+    <dgm:scene3d>
+      <a:camera prst="orthographicFront"/>
+      <a:lightRig rig="threePt" dir="t"/>
+    </dgm:scene3d>
+    <dgm:sp3d/>
+    <dgm:txPr/>
+    <dgm:style>
+      <a:lnRef idx="1">
+        <a:scrgbClr r="0" g="0" b="0"/>
+      </a:lnRef>
+      <a:fillRef idx="1">
+        <a:scrgbClr r="0" g="0" b="0"/>
+      </a:fillRef>
+      <a:effectRef idx="0">
+        <a:scrgbClr r="0" g="0" b="0"/>
+      </a:effectRef>
+      <a:fontRef idx="minor"/>
+    </dgm:style>
+  </dgm:styleLbl>
+  <dgm:styleLbl name="bgAcc1">
+    <dgm:scene3d>
+      <a:camera prst="orthographicFront"/>
+      <a:lightRig rig="threePt" dir="t"/>
+    </dgm:scene3d>
+    <dgm:sp3d/>
+    <dgm:txPr/>
+    <dgm:style>
+      <a:lnRef idx="2">
+        <a:scrgbClr r="0" g="0" b="0"/>
+      </a:lnRef>
+      <a:fillRef idx="1">
+        <a:scrgbClr r="0" g="0" b="0"/>
+      </a:fillRef>
+      <a:effectRef idx="0">
+        <a:scrgbClr r="0" g="0" b="0"/>
+      </a:effectRef>
+      <a:fontRef idx="minor"/>
+    </dgm:style>
+  </dgm:styleLbl>
+  <dgm:styleLbl name="solidFgAcc1">
+    <dgm:scene3d>
+      <a:camera prst="orthographicFront"/>
+      <a:lightRig rig="threePt" dir="t"/>
+    </dgm:scene3d>
+    <dgm:sp3d/>
+    <dgm:txPr/>
+    <dgm:style>
+      <a:lnRef idx="2">
+        <a:scrgbClr r="0" g="0" b="0"/>
+      </a:lnRef>
+      <a:fillRef idx="1">
+        <a:scrgbClr r="0" g="0" b="0"/>
+      </a:fillRef>
+      <a:effectRef idx="0">
+        <a:scrgbClr r="0" g="0" b="0"/>
+      </a:effectRef>
+      <a:fontRef idx="minor"/>
+    </dgm:style>
+  </dgm:styleLbl>
+  <dgm:styleLbl name="solidAlignAcc1">
+    <dgm:scene3d>
+      <a:camera prst="orthographicFront"/>
+      <a:lightRig rig="threePt" dir="t"/>
+    </dgm:scene3d>
+    <dgm:sp3d/>
+    <dgm:txPr/>
+    <dgm:style>
+      <a:lnRef idx="2">
+        <a:scrgbClr r="0" g="0" b="0"/>
+      </a:lnRef>
+      <a:fillRef idx="1">
+        <a:scrgbClr r="0" g="0" b="0"/>
+      </a:fillRef>
+      <a:effectRef idx="0">
+        <a:scrgbClr r="0" g="0" b="0"/>
+      </a:effectRef>
+      <a:fontRef idx="minor"/>
+    </dgm:style>
+  </dgm:styleLbl>
+  <dgm:styleLbl name="solidBgAcc1">
+    <dgm:scene3d>
+      <a:camera prst="orthographicFront"/>
+      <a:lightRig rig="threePt" dir="t"/>
+    </dgm:scene3d>
+    <dgm:sp3d/>
+    <dgm:txPr/>
+    <dgm:style>
+      <a:lnRef idx="2">
+        <a:scrgbClr r="0" g="0" b="0"/>
+      </a:lnRef>
+      <a:fillRef idx="1">
+        <a:scrgbClr r="0" g="0" b="0"/>
+      </a:fillRef>
+      <a:effectRef idx="0">
+        <a:scrgbClr r="0" g="0" b="0"/>
+      </a:effectRef>
+      <a:fontRef idx="minor"/>
+    </dgm:style>
+  </dgm:styleLbl>
+  <dgm:styleLbl name="fgAccFollowNode1">
+    <dgm:scene3d>
+      <a:camera prst="orthographicFront"/>
+      <a:lightRig rig="threePt" dir="t"/>
+    </dgm:scene3d>
+    <dgm:sp3d/>
+    <dgm:txPr/>
+    <dgm:style>
+      <a:lnRef idx="2">
+        <a:scrgbClr r="0" g="0" b="0"/>
+      </a:lnRef>
+      <a:fillRef idx="1">
+        <a:scrgbClr r="0" g="0" b="0"/>
+      </a:fillRef>
+      <a:effectRef idx="0">
+        <a:scrgbClr r="0" g="0" b="0"/>
+      </a:effectRef>
+      <a:fontRef idx="minor"/>
+    </dgm:style>
+  </dgm:styleLbl>
+  <dgm:styleLbl name="alignAccFollowNode1">
+    <dgm:scene3d>
+      <a:camera prst="orthographicFront"/>
+      <a:lightRig rig="threePt" dir="t"/>
+    </dgm:scene3d>
+    <dgm:sp3d/>
+    <dgm:txPr/>
+    <dgm:style>
+      <a:lnRef idx="2">
+        <a:scrgbClr r="0" g="0" b="0"/>
+      </a:lnRef>
+      <a:fillRef idx="1">
+        <a:scrgbClr r="0" g="0" b="0"/>
+      </a:fillRef>
+      <a:effectRef idx="0">
+        <a:scrgbClr r="0" g="0" b="0"/>
+      </a:effectRef>
+      <a:fontRef idx="minor"/>
+    </dgm:style>
+  </dgm:styleLbl>
+  <dgm:styleLbl name="bgAccFollowNode1">
+    <dgm:scene3d>
+      <a:camera prst="orthographicFront"/>
+      <a:lightRig rig="threePt" dir="t"/>
+    </dgm:scene3d>
+    <dgm:sp3d/>
+    <dgm:txPr/>
+    <dgm:style>
+      <a:lnRef idx="2">
+        <a:scrgbClr r="0" g="0" b="0"/>
+      </a:lnRef>
+      <a:fillRef idx="1">
+        <a:scrgbClr r="0" g="0" b="0"/>
+      </a:fillRef>
+      <a:effectRef idx="0">
+        <a:scrgbClr r="0" g="0" b="0"/>
+      </a:effectRef>
+      <a:fontRef idx="minor"/>
+    </dgm:style>
+  </dgm:styleLbl>
+  <dgm:styleLbl name="fgAcc0">
+    <dgm:scene3d>
+      <a:camera prst="orthographicFront"/>
+      <a:lightRig rig="threePt" dir="t"/>
+    </dgm:scene3d>
+    <dgm:sp3d/>
+    <dgm:txPr/>
+    <dgm:style>
+      <a:lnRef idx="2">
+        <a:scrgbClr r="0" g="0" b="0"/>
+      </a:lnRef>
+      <a:fillRef idx="1">
+        <a:scrgbClr r="0" g="0" b="0"/>
+      </a:fillRef>
+      <a:effectRef idx="0">
+        <a:scrgbClr r="0" g="0" b="0"/>
+      </a:effectRef>
+      <a:fontRef idx="minor"/>
+    </dgm:style>
+  </dgm:styleLbl>
+  <dgm:styleLbl name="fgAcc2">
+    <dgm:scene3d>
+      <a:camera prst="orthographicFront"/>
+      <a:lightRig rig="threePt" dir="t"/>
+    </dgm:scene3d>
+    <dgm:sp3d/>
+    <dgm:txPr/>
+    <dgm:style>
+      <a:lnRef idx="2">
+        <a:scrgbClr r="0" g="0" b="0"/>
+      </a:lnRef>
+      <a:fillRef idx="1">
+        <a:scrgbClr r="0" g="0" b="0"/>
+      </a:fillRef>
+      <a:effectRef idx="0">
+        <a:scrgbClr r="0" g="0" b="0"/>
+      </a:effectRef>
+      <a:fontRef idx="minor"/>
+    </dgm:style>
+  </dgm:styleLbl>
+  <dgm:styleLbl name="fgAcc3">
+    <dgm:scene3d>
+      <a:camera prst="orthographicFront"/>
+      <a:lightRig rig="threePt" dir="t"/>
+    </dgm:scene3d>
+    <dgm:sp3d/>
+    <dgm:txPr/>
+    <dgm:style>
+      <a:lnRef idx="2">
+        <a:scrgbClr r="0" g="0" b="0"/>
+      </a:lnRef>
+      <a:fillRef idx="1">
+        <a:scrgbClr r="0" g="0" b="0"/>
+      </a:fillRef>
+      <a:effectRef idx="0">
+        <a:scrgbClr r="0" g="0" b="0"/>
+      </a:effectRef>
+      <a:fontRef idx="minor"/>
+    </dgm:style>
+  </dgm:styleLbl>
+  <dgm:styleLbl name="fgAcc4">
+    <dgm:scene3d>
+      <a:camera prst="orthographicFront"/>
+      <a:lightRig rig="threePt" dir="t"/>
+    </dgm:scene3d>
+    <dgm:sp3d/>
+    <dgm:txPr/>
+    <dgm:style>
+      <a:lnRef idx="2">
+        <a:scrgbClr r="0" g="0" b="0"/>
+      </a:lnRef>
+      <a:fillRef idx="1">
+        <a:scrgbClr r="0" g="0" b="0"/>
+      </a:fillRef>
+      <a:effectRef idx="0">
+        <a:scrgbClr r="0" g="0" b="0"/>
+      </a:effectRef>
+      <a:fontRef idx="minor"/>
+    </dgm:style>
+  </dgm:styleLbl>
+  <dgm:styleLbl name="bgShp">
+    <dgm:scene3d>
+      <a:camera prst="orthographicFront"/>
+      <a:lightRig rig="threePt" dir="t"/>
+    </dgm:scene3d>
+    <dgm:sp3d/>
+    <dgm:txPr/>
+    <dgm:style>
+      <a:lnRef idx="0">
+        <a:scrgbClr r="0" g="0" b="0"/>
+      </a:lnRef>
+      <a:fillRef idx="1">
+        <a:scrgbClr r="0" g="0" b="0"/>
+      </a:fillRef>
+      <a:effectRef idx="0">
+        <a:scrgbClr r="0" g="0" b="0"/>
+      </a:effectRef>
+      <a:fontRef idx="minor"/>
+    </dgm:style>
+  </dgm:styleLbl>
+  <dgm:styleLbl name="dkBgShp">
+    <dgm:scene3d>
+      <a:camera prst="orthographicFront"/>
+      <a:lightRig rig="threePt" dir="t"/>
+    </dgm:scene3d>
+    <dgm:sp3d/>
+    <dgm:txPr/>
+    <dgm:style>
+      <a:lnRef idx="0">
+        <a:scrgbClr r="0" g="0" b="0"/>
+      </a:lnRef>
+      <a:fillRef idx="1">
+        <a:scrgbClr r="0" g="0" b="0"/>
+      </a:fillRef>
+      <a:effectRef idx="0">
+        <a:scrgbClr r="0" g="0" b="0"/>
+      </a:effectRef>
+      <a:fontRef idx="minor"/>
+    </dgm:style>
+  </dgm:styleLbl>
+  <dgm:styleLbl name="trBgShp">
+    <dgm:scene3d>
+      <a:camera prst="orthographicFront"/>
+      <a:lightRig rig="threePt" dir="t"/>
+    </dgm:scene3d>
+    <dgm:sp3d/>
+    <dgm:txPr/>
+    <dgm:style>
+      <a:lnRef idx="0">
+        <a:scrgbClr r="0" g="0" b="0"/>
+      </a:lnRef>
+      <a:fillRef idx="1">
+        <a:scrgbClr r="0" g="0" b="0"/>
+      </a:fillRef>
+      <a:effectRef idx="0">
+        <a:scrgbClr r="0" g="0" b="0"/>
+      </a:effectRef>
+      <a:fontRef idx="minor"/>
+    </dgm:style>
+  </dgm:styleLbl>
+  <dgm:styleLbl name="fgShp">
+    <dgm:scene3d>
+      <a:camera prst="orthographicFront"/>
+      <a:lightRig rig="threePt" dir="t"/>
+    </dgm:scene3d>
+    <dgm:sp3d/>
+    <dgm:txPr/>
+    <dgm:style>
+      <a:lnRef idx="3">
+        <a:scrgbClr r="0" g="0" b="0"/>
+      </a:lnRef>
+      <a:fillRef idx="1">
+        <a:scrgbClr r="0" g="0" b="0"/>
+      </a:fillRef>
+      <a:effectRef idx="1">
         <a:scrgbClr r="0" g="0" b="0"/>
       </a:effectRef>
       <a:fontRef idx="minor"/>
@@ -6183,33 +9633,7 @@
           <a:bodyPr/>
           <a:lstStyle/>
           <a:p>
-            <a:r>
-              <a:rPr lang="en-US" dirty="0"/>
-              <a:t>Additional derived columns</a:t>
-            </a:r>
-          </a:p>
-          <a:p>
-            <a:pPr marL="228600" indent="-228600">
-              <a:buAutoNum type="arabicPeriod"/>
-            </a:pPr>
-            <a:r>
-              <a:rPr lang="en-US" dirty="0" err="1"/>
-              <a:t>loan_default</a:t>
-            </a:r>
             <a:endParaRPr lang="en-US" dirty="0"/>
-          </a:p>
-          <a:p>
-            <a:pPr marL="228600" indent="-228600">
-              <a:buAutoNum type="arabicPeriod"/>
-            </a:pPr>
-            <a:r>
-              <a:rPr lang="en-US" dirty="0" err="1"/>
-              <a:t>annual_inc</a:t>
-            </a:r>
-            <a:r>
-              <a:rPr lang="en-US" dirty="0"/>
-              <a:t> </a:t>
-            </a:r>
           </a:p>
         </p:txBody>
       </p:sp>
@@ -6317,7 +9741,7 @@
           <a:p>
             <a:fld id="{5354517F-9C19-4E9A-AB98-AA89BD9F1D1D}" type="slidenum">
               <a:rPr lang="en-IN" smtClean="0"/>
-              <a:t>12</a:t>
+              <a:t>14</a:t>
             </a:fld>
             <a:endParaRPr lang="en-IN"/>
           </a:p>
@@ -9630,6 +13054,13 @@
   <p:clrMapOvr>
     <a:masterClrMapping/>
   </p:clrMapOvr>
+  <p:timing>
+    <p:tnLst>
+      <p:par>
+        <p:cTn id="1" dur="indefinite" restart="never" nodeType="tmRoot"/>
+      </p:par>
+    </p:tnLst>
+  </p:timing>
 </p:sld>
 </file>
 
@@ -9655,7 +13086,7 @@
           <p:cNvPr id="6" name="Title 1">
             <a:extLst>
               <a:ext uri="{FF2B5EF4-FFF2-40B4-BE49-F238E27FC236}">
-                <a16:creationId xmlns:a16="http://schemas.microsoft.com/office/drawing/2014/main" id="{C9ED24FB-F1DF-43A2-A28A-E1B9714DF31A}"/>
+                <a16:creationId xmlns:a16="http://schemas.microsoft.com/office/drawing/2014/main" xmlns="" id="{C9ED24FB-F1DF-43A2-A28A-E1B9714DF31A}"/>
               </a:ext>
             </a:extLst>
           </p:cNvPr>
@@ -9668,7 +13099,7 @@
         </p:nvSpPr>
         <p:spPr>
           <a:xfrm>
-            <a:off x="404949" y="800336"/>
+            <a:off x="1119515" y="116045"/>
             <a:ext cx="11168742" cy="856138"/>
           </a:xfrm>
         </p:spPr>
@@ -9679,9 +13110,10 @@
           <a:lstStyle/>
           <a:p>
             <a:r>
-              <a:rPr lang="en-IN" sz="3600" b="1" dirty="0"/>
-              <a:t>Home ownership impact</a:t>
+              <a:rPr lang="en-IN" sz="2400" b="1" dirty="0" smtClean="0"/>
+              <a:t>Debt to income ratio impact</a:t>
             </a:r>
+            <a:endParaRPr lang="en-IN" sz="2400" b="1" dirty="0"/>
           </a:p>
         </p:txBody>
       </p:sp>
@@ -9694,7 +13126,7 @@
         <p:spPr>
           <a:xfrm>
             <a:off x="8091377" y="1562986"/>
-            <a:ext cx="3949995" cy="4939814"/>
+            <a:ext cx="3949995" cy="3000821"/>
           </a:xfrm>
           <a:prstGeom prst="rect">
             <a:avLst/>
@@ -9730,8 +13162,8 @@
               <a:buChar char="Ø"/>
             </a:pPr>
             <a:r>
-              <a:rPr lang="en-US" sz="1400" dirty="0"/>
-              <a:t>Mortgage and rent have the highest loans given</a:t>
+              <a:rPr lang="en-US" sz="1400" dirty="0" smtClean="0"/>
+              <a:t>DTI is higher for charged off compared to fully paid</a:t>
             </a:r>
           </a:p>
           <a:p>
@@ -9743,22 +13175,10 @@
               <a:buChar char="Ø"/>
             </a:pPr>
             <a:r>
-              <a:rPr lang="en-US" sz="1400" dirty="0"/>
-              <a:t>Between mortgage, rent and own, rented and own home owners tend to default more compared to Mortgage</a:t>
+              <a:rPr lang="en-US" sz="1400" dirty="0" smtClean="0"/>
+              <a:t>Charged off count to Fully paid count ratio is highest in the 20-25 DTI Bin</a:t>
             </a:r>
-          </a:p>
-          <a:p>
-            <a:pPr marL="285750" indent="-285750">
-              <a:lnSpc>
-                <a:spcPct val="150000"/>
-              </a:lnSpc>
-              <a:buFont typeface="Wingdings" panose="05000000000000000000" pitchFamily="2" charset="2"/>
-              <a:buChar char="Ø"/>
-            </a:pPr>
-            <a:r>
-              <a:rPr lang="en-US" sz="1400" dirty="0"/>
-              <a:t>Although not many loans under others, it has a significant percentage of loan defaulting (&gt;20%)</a:t>
-            </a:r>
+            <a:endParaRPr lang="en-US" sz="1400" dirty="0"/>
           </a:p>
           <a:p>
             <a:pPr>
@@ -9784,8 +13204,8 @@
               <a:buChar char="Ø"/>
             </a:pPr>
             <a:r>
-              <a:rPr lang="en-US" sz="1400" dirty="0"/>
-              <a:t>Others is an undefined category, need more data to understand why it has more defaults</a:t>
+              <a:rPr lang="en-US" sz="1400" dirty="0" smtClean="0"/>
+              <a:t>Higher the debt to income ratio there is a high risk of people defaulting on the loan</a:t>
             </a:r>
           </a:p>
           <a:p>
@@ -9796,32 +13216,13 @@
               <a:buFont typeface="Wingdings" panose="05000000000000000000" pitchFamily="2" charset="2"/>
               <a:buChar char="Ø"/>
             </a:pPr>
-            <a:r>
-              <a:rPr lang="en-US" sz="1400" dirty="0"/>
-              <a:t>Mortgage has lower percentage of default. Since mortgage is a major loan and any default on other loan will increase the </a:t>
-            </a:r>
-            <a:r>
-              <a:rPr lang="en-US" sz="1400" dirty="0" err="1"/>
-              <a:t>RoI</a:t>
-            </a:r>
-            <a:r>
-              <a:rPr lang="en-US" sz="1400" dirty="0"/>
-              <a:t> or loan </a:t>
-            </a:r>
-            <a:r>
-              <a:rPr lang="en-US" sz="1400" dirty="0" err="1"/>
-              <a:t>categrory</a:t>
-            </a:r>
-            <a:r>
-              <a:rPr lang="en-US" sz="1400" dirty="0"/>
-              <a:t>, hence Mortgage owners tends to pay back and have a less risk of defaulting</a:t>
-            </a:r>
+            <a:endParaRPr lang="en-US" sz="1400" dirty="0"/>
           </a:p>
         </p:txBody>
       </p:sp>
       <p:pic>
         <p:nvPicPr>
-          <p:cNvPr id="5" name="Picture 4"/>
+          <p:cNvPr id="3" name="Picture 2"/>
           <p:cNvPicPr>
             <a:picLocks noChangeAspect="1"/>
           </p:cNvPicPr>
@@ -9841,8 +13242,38 @@
         </p:blipFill>
         <p:spPr>
           <a:xfrm>
-            <a:off x="318446" y="1656474"/>
-            <a:ext cx="7028652" cy="4414717"/>
+            <a:off x="464650" y="3179205"/>
+            <a:ext cx="7116998" cy="3438062"/>
+          </a:xfrm>
+          <a:prstGeom prst="rect">
+            <a:avLst/>
+          </a:prstGeom>
+        </p:spPr>
+      </p:pic>
+      <p:pic>
+        <p:nvPicPr>
+          <p:cNvPr id="5" name="Picture 4"/>
+          <p:cNvPicPr>
+            <a:picLocks noChangeAspect="1"/>
+          </p:cNvPicPr>
+          <p:nvPr/>
+        </p:nvPicPr>
+        <p:blipFill>
+          <a:blip r:embed="rId3">
+            <a:extLst>
+              <a:ext uri="{28A0092B-C50C-407E-A947-70E740481C1C}">
+                <a14:useLocalDpi xmlns:a14="http://schemas.microsoft.com/office/drawing/2010/main" val="0"/>
+              </a:ext>
+            </a:extLst>
+          </a:blip>
+          <a:stretch>
+            <a:fillRect/>
+          </a:stretch>
+        </p:blipFill>
+        <p:spPr>
+          <a:xfrm>
+            <a:off x="412654" y="972182"/>
+            <a:ext cx="6376853" cy="2067743"/>
           </a:xfrm>
           <a:prstGeom prst="rect">
             <a:avLst/>
@@ -9852,13 +13283,20 @@
     </p:spTree>
     <p:extLst>
       <p:ext uri="{BB962C8B-B14F-4D97-AF65-F5344CB8AC3E}">
-        <p14:creationId xmlns:p14="http://schemas.microsoft.com/office/powerpoint/2010/main" val="3095347154"/>
+        <p14:creationId xmlns:p14="http://schemas.microsoft.com/office/powerpoint/2010/main" val="1535357682"/>
       </p:ext>
     </p:extLst>
   </p:cSld>
   <p:clrMapOvr>
     <a:masterClrMapping/>
   </p:clrMapOvr>
+  <p:timing>
+    <p:tnLst>
+      <p:par>
+        <p:cTn id="1" dur="indefinite" restart="never" nodeType="tmRoot"/>
+      </p:par>
+    </p:tnLst>
+  </p:timing>
 </p:sld>
 </file>
 
@@ -9884,7 +13322,259 @@
           <p:cNvPr id="6" name="Title 1">
             <a:extLst>
               <a:ext uri="{FF2B5EF4-FFF2-40B4-BE49-F238E27FC236}">
-                <a16:creationId xmlns:a16="http://schemas.microsoft.com/office/drawing/2014/main" id="{C9ED24FB-F1DF-43A2-A28A-E1B9714DF31A}"/>
+                <a16:creationId xmlns:a16="http://schemas.microsoft.com/office/drawing/2014/main" xmlns="" id="{C9ED24FB-F1DF-43A2-A28A-E1B9714DF31A}"/>
+              </a:ext>
+            </a:extLst>
+          </p:cNvPr>
+          <p:cNvSpPr>
+            <a:spLocks noGrp="1"/>
+          </p:cNvSpPr>
+          <p:nvPr>
+            <p:ph type="title"/>
+          </p:nvPr>
+        </p:nvSpPr>
+        <p:spPr>
+          <a:xfrm>
+            <a:off x="1119515" y="116045"/>
+            <a:ext cx="11168742" cy="856138"/>
+          </a:xfrm>
+        </p:spPr>
+        <p:txBody>
+          <a:bodyPr>
+            <a:normAutofit/>
+          </a:bodyPr>
+          <a:lstStyle/>
+          <a:p>
+            <a:r>
+              <a:rPr lang="en-IN" sz="2400" b="1" dirty="0" smtClean="0"/>
+              <a:t>Revolving utilization percentage impact</a:t>
+            </a:r>
+            <a:endParaRPr lang="en-IN" sz="2400" b="1" dirty="0"/>
+          </a:p>
+        </p:txBody>
+      </p:sp>
+      <p:sp>
+        <p:nvSpPr>
+          <p:cNvPr id="9" name="TextBox 8"/>
+          <p:cNvSpPr txBox="1"/>
+          <p:nvPr/>
+        </p:nvSpPr>
+        <p:spPr>
+          <a:xfrm>
+            <a:off x="8091377" y="1562986"/>
+            <a:ext cx="3949995" cy="3000821"/>
+          </a:xfrm>
+          <a:prstGeom prst="rect">
+            <a:avLst/>
+          </a:prstGeom>
+          <a:noFill/>
+        </p:spPr>
+        <p:txBody>
+          <a:bodyPr wrap="square" rtlCol="0">
+            <a:spAutoFit/>
+          </a:bodyPr>
+          <a:lstStyle/>
+          <a:p>
+            <a:pPr>
+              <a:lnSpc>
+                <a:spcPct val="150000"/>
+              </a:lnSpc>
+            </a:pPr>
+            <a:r>
+              <a:rPr lang="en-US" sz="1400" b="1" u="sng" dirty="0"/>
+              <a:t>Observations:</a:t>
+            </a:r>
+            <a:r>
+              <a:rPr lang="en-US" sz="1400" dirty="0"/>
+              <a:t> </a:t>
+            </a:r>
+          </a:p>
+          <a:p>
+            <a:pPr marL="285750" indent="-285750">
+              <a:lnSpc>
+                <a:spcPct val="150000"/>
+              </a:lnSpc>
+              <a:buFont typeface="Wingdings" panose="05000000000000000000" pitchFamily="2" charset="2"/>
+              <a:buChar char="Ø"/>
+            </a:pPr>
+            <a:r>
+              <a:rPr lang="en-US" sz="1400" dirty="0" smtClean="0"/>
+              <a:t>Revolving Utilization %</a:t>
+            </a:r>
+            <a:r>
+              <a:rPr lang="en-US" sz="1400" dirty="0" err="1" smtClean="0"/>
+              <a:t>ge</a:t>
+            </a:r>
+            <a:r>
+              <a:rPr lang="en-US" sz="1400" dirty="0" smtClean="0"/>
+              <a:t> is higher for charged off compared to fully paid</a:t>
+            </a:r>
+          </a:p>
+          <a:p>
+            <a:pPr marL="285750" indent="-285750">
+              <a:lnSpc>
+                <a:spcPct val="150000"/>
+              </a:lnSpc>
+              <a:buFont typeface="Wingdings" panose="05000000000000000000" pitchFamily="2" charset="2"/>
+              <a:buChar char="Ø"/>
+            </a:pPr>
+            <a:r>
+              <a:rPr lang="en-US" sz="1400" dirty="0" smtClean="0"/>
+              <a:t>Charged off count to Fully paid count ratio is increases as Revolving utilization %</a:t>
+            </a:r>
+            <a:r>
+              <a:rPr lang="en-US" sz="1400" dirty="0" err="1" smtClean="0"/>
+              <a:t>ge</a:t>
+            </a:r>
+            <a:r>
+              <a:rPr lang="en-US" sz="1400" dirty="0" smtClean="0"/>
+              <a:t> increases</a:t>
+            </a:r>
+            <a:endParaRPr lang="en-US" sz="1400" dirty="0"/>
+          </a:p>
+          <a:p>
+            <a:pPr>
+              <a:lnSpc>
+                <a:spcPct val="150000"/>
+              </a:lnSpc>
+            </a:pPr>
+            <a:r>
+              <a:rPr lang="en-US" sz="1400" b="1" u="sng" dirty="0"/>
+              <a:t>Inferences:</a:t>
+            </a:r>
+            <a:r>
+              <a:rPr lang="en-US" sz="1400" dirty="0"/>
+              <a:t> </a:t>
+            </a:r>
+          </a:p>
+          <a:p>
+            <a:pPr marL="285750" indent="-285750">
+              <a:lnSpc>
+                <a:spcPct val="150000"/>
+              </a:lnSpc>
+              <a:buFont typeface="Wingdings" panose="05000000000000000000" pitchFamily="2" charset="2"/>
+              <a:buChar char="Ø"/>
+            </a:pPr>
+            <a:r>
+              <a:rPr lang="en-US" sz="1400" dirty="0" smtClean="0"/>
+              <a:t>Customers having higher revolving utilizations have a high risk of defaulting on the loan</a:t>
+            </a:r>
+          </a:p>
+          <a:p>
+            <a:pPr marL="285750" indent="-285750">
+              <a:lnSpc>
+                <a:spcPct val="150000"/>
+              </a:lnSpc>
+              <a:buFont typeface="Wingdings" panose="05000000000000000000" pitchFamily="2" charset="2"/>
+              <a:buChar char="Ø"/>
+            </a:pPr>
+            <a:endParaRPr lang="en-US" sz="1400" dirty="0"/>
+          </a:p>
+        </p:txBody>
+      </p:sp>
+      <p:pic>
+        <p:nvPicPr>
+          <p:cNvPr id="2" name="Picture 1"/>
+          <p:cNvPicPr>
+            <a:picLocks noChangeAspect="1"/>
+          </p:cNvPicPr>
+          <p:nvPr/>
+        </p:nvPicPr>
+        <p:blipFill>
+          <a:blip r:embed="rId2">
+            <a:extLst>
+              <a:ext uri="{28A0092B-C50C-407E-A947-70E740481C1C}">
+                <a14:useLocalDpi xmlns:a14="http://schemas.microsoft.com/office/drawing/2010/main" val="0"/>
+              </a:ext>
+            </a:extLst>
+          </a:blip>
+          <a:stretch>
+            <a:fillRect/>
+          </a:stretch>
+        </p:blipFill>
+        <p:spPr>
+          <a:xfrm>
+            <a:off x="557260" y="3340637"/>
+            <a:ext cx="6471802" cy="3438144"/>
+          </a:xfrm>
+          <a:prstGeom prst="rect">
+            <a:avLst/>
+          </a:prstGeom>
+        </p:spPr>
+      </p:pic>
+      <p:pic>
+        <p:nvPicPr>
+          <p:cNvPr id="4" name="Picture 3"/>
+          <p:cNvPicPr>
+            <a:picLocks noChangeAspect="1"/>
+          </p:cNvPicPr>
+          <p:nvPr/>
+        </p:nvPicPr>
+        <p:blipFill>
+          <a:blip r:embed="rId3">
+            <a:extLst>
+              <a:ext uri="{28A0092B-C50C-407E-A947-70E740481C1C}">
+                <a14:useLocalDpi xmlns:a14="http://schemas.microsoft.com/office/drawing/2010/main" val="0"/>
+              </a:ext>
+            </a:extLst>
+          </a:blip>
+          <a:stretch>
+            <a:fillRect/>
+          </a:stretch>
+        </p:blipFill>
+        <p:spPr>
+          <a:xfrm>
+            <a:off x="1314072" y="1051783"/>
+            <a:ext cx="4251051" cy="2066544"/>
+          </a:xfrm>
+          <a:prstGeom prst="rect">
+            <a:avLst/>
+          </a:prstGeom>
+        </p:spPr>
+      </p:pic>
+    </p:spTree>
+    <p:extLst>
+      <p:ext uri="{BB962C8B-B14F-4D97-AF65-F5344CB8AC3E}">
+        <p14:creationId xmlns:p14="http://schemas.microsoft.com/office/powerpoint/2010/main" val="1535803616"/>
+      </p:ext>
+    </p:extLst>
+  </p:cSld>
+  <p:clrMapOvr>
+    <a:masterClrMapping/>
+  </p:clrMapOvr>
+  <p:timing>
+    <p:tnLst>
+      <p:par>
+        <p:cTn id="1" dur="indefinite" restart="never" nodeType="tmRoot"/>
+      </p:par>
+    </p:tnLst>
+  </p:timing>
+</p:sld>
+</file>
+
+<file path=ppt/slides/slide12.xml><?xml version="1.0" encoding="utf-8"?>
+<p:sld xmlns:a="http://schemas.openxmlformats.org/drawingml/2006/main" xmlns:r="http://schemas.openxmlformats.org/officeDocument/2006/relationships" xmlns:p="http://schemas.openxmlformats.org/presentationml/2006/main">
+  <p:cSld>
+    <p:spTree>
+      <p:nvGrpSpPr>
+        <p:cNvPr id="1" name=""/>
+        <p:cNvGrpSpPr/>
+        <p:nvPr/>
+      </p:nvGrpSpPr>
+      <p:grpSpPr>
+        <a:xfrm>
+          <a:off x="0" y="0"/>
+          <a:ext cx="0" cy="0"/>
+          <a:chOff x="0" y="0"/>
+          <a:chExt cx="0" cy="0"/>
+        </a:xfrm>
+      </p:grpSpPr>
+      <p:sp>
+        <p:nvSpPr>
+          <p:cNvPr id="6" name="Title 1">
+            <a:extLst>
+              <a:ext uri="{FF2B5EF4-FFF2-40B4-BE49-F238E27FC236}">
+                <a16:creationId xmlns:a16="http://schemas.microsoft.com/office/drawing/2014/main" xmlns="" id="{C9ED24FB-F1DF-43A2-A28A-E1B9714DF31A}"/>
               </a:ext>
             </a:extLst>
           </p:cNvPr>
@@ -10088,6 +13778,44 @@
           </a:prstGeom>
         </p:spPr>
       </p:pic>
+      <p:sp>
+        <p:nvSpPr>
+          <p:cNvPr id="2" name="TextBox 1"/>
+          <p:cNvSpPr txBox="1"/>
+          <p:nvPr/>
+        </p:nvSpPr>
+        <p:spPr>
+          <a:xfrm>
+            <a:off x="254334" y="6257444"/>
+            <a:ext cx="9513394" cy="307777"/>
+          </a:xfrm>
+          <a:prstGeom prst="rect">
+            <a:avLst/>
+          </a:prstGeom>
+          <a:noFill/>
+        </p:spPr>
+        <p:txBody>
+          <a:bodyPr wrap="square" rtlCol="0">
+            <a:spAutoFit/>
+          </a:bodyPr>
+          <a:lstStyle/>
+          <a:p>
+            <a:r>
+              <a:rPr lang="en-US" sz="1400" b="1" dirty="0" smtClean="0">
+                <a:solidFill>
+                  <a:srgbClr val="FF0000"/>
+                </a:solidFill>
+              </a:rPr>
+              <a:t>* Red trend line shows the Charged off count to Fully paid count ratio. This is a good indicator of the likely hood of default</a:t>
+            </a:r>
+            <a:endParaRPr lang="en-US" sz="1400" b="1" dirty="0">
+              <a:solidFill>
+                <a:srgbClr val="FF0000"/>
+              </a:solidFill>
+            </a:endParaRPr>
+          </a:p>
+        </p:txBody>
+      </p:sp>
     </p:spTree>
     <p:extLst>
       <p:ext uri="{BB962C8B-B14F-4D97-AF65-F5344CB8AC3E}">
@@ -10098,10 +13826,17 @@
   <p:clrMapOvr>
     <a:masterClrMapping/>
   </p:clrMapOvr>
+  <p:timing>
+    <p:tnLst>
+      <p:par>
+        <p:cTn id="1" dur="indefinite" restart="never" nodeType="tmRoot"/>
+      </p:par>
+    </p:tnLst>
+  </p:timing>
 </p:sld>
 </file>
 
-<file path=ppt/slides/slide12.xml><?xml version="1.0" encoding="utf-8"?>
+<file path=ppt/slides/slide13.xml><?xml version="1.0" encoding="utf-8"?>
 <p:sld xmlns:a="http://schemas.openxmlformats.org/drawingml/2006/main" xmlns:r="http://schemas.openxmlformats.org/officeDocument/2006/relationships" xmlns:p="http://schemas.openxmlformats.org/presentationml/2006/main">
   <p:cSld>
     <p:spTree>
@@ -10123,7 +13858,281 @@
           <p:cNvPr id="6" name="Title 1">
             <a:extLst>
               <a:ext uri="{FF2B5EF4-FFF2-40B4-BE49-F238E27FC236}">
-                <a16:creationId xmlns:a16="http://schemas.microsoft.com/office/drawing/2014/main" id="{C9ED24FB-F1DF-43A2-A28A-E1B9714DF31A}"/>
+                <a16:creationId xmlns:a16="http://schemas.microsoft.com/office/drawing/2014/main" xmlns="" id="{C9ED24FB-F1DF-43A2-A28A-E1B9714DF31A}"/>
+              </a:ext>
+            </a:extLst>
+          </p:cNvPr>
+          <p:cNvSpPr>
+            <a:spLocks noGrp="1"/>
+          </p:cNvSpPr>
+          <p:nvPr>
+            <p:ph type="title"/>
+          </p:nvPr>
+        </p:nvSpPr>
+        <p:spPr>
+          <a:xfrm>
+            <a:off x="404949" y="800336"/>
+            <a:ext cx="11168742" cy="856138"/>
+          </a:xfrm>
+        </p:spPr>
+        <p:txBody>
+          <a:bodyPr>
+            <a:normAutofit/>
+          </a:bodyPr>
+          <a:lstStyle/>
+          <a:p>
+            <a:r>
+              <a:rPr lang="en-IN" sz="3600" b="1" dirty="0"/>
+              <a:t>Home ownership impact</a:t>
+            </a:r>
+          </a:p>
+        </p:txBody>
+      </p:sp>
+      <p:sp>
+        <p:nvSpPr>
+          <p:cNvPr id="9" name="TextBox 8"/>
+          <p:cNvSpPr txBox="1"/>
+          <p:nvPr/>
+        </p:nvSpPr>
+        <p:spPr>
+          <a:xfrm>
+            <a:off x="8091377" y="1562986"/>
+            <a:ext cx="3949995" cy="4939814"/>
+          </a:xfrm>
+          <a:prstGeom prst="rect">
+            <a:avLst/>
+          </a:prstGeom>
+          <a:noFill/>
+        </p:spPr>
+        <p:txBody>
+          <a:bodyPr wrap="square" rtlCol="0">
+            <a:spAutoFit/>
+          </a:bodyPr>
+          <a:lstStyle/>
+          <a:p>
+            <a:pPr>
+              <a:lnSpc>
+                <a:spcPct val="150000"/>
+              </a:lnSpc>
+            </a:pPr>
+            <a:r>
+              <a:rPr lang="en-US" sz="1400" b="1" u="sng" dirty="0"/>
+              <a:t>Observations:</a:t>
+            </a:r>
+            <a:r>
+              <a:rPr lang="en-US" sz="1400" dirty="0"/>
+              <a:t> </a:t>
+            </a:r>
+          </a:p>
+          <a:p>
+            <a:pPr marL="285750" indent="-285750">
+              <a:lnSpc>
+                <a:spcPct val="150000"/>
+              </a:lnSpc>
+              <a:buFont typeface="Wingdings" panose="05000000000000000000" pitchFamily="2" charset="2"/>
+              <a:buChar char="Ø"/>
+            </a:pPr>
+            <a:r>
+              <a:rPr lang="en-US" sz="1400" dirty="0"/>
+              <a:t>Mortgage and rent have the highest loans given</a:t>
+            </a:r>
+          </a:p>
+          <a:p>
+            <a:pPr marL="285750" indent="-285750">
+              <a:lnSpc>
+                <a:spcPct val="150000"/>
+              </a:lnSpc>
+              <a:buFont typeface="Wingdings" panose="05000000000000000000" pitchFamily="2" charset="2"/>
+              <a:buChar char="Ø"/>
+            </a:pPr>
+            <a:r>
+              <a:rPr lang="en-US" sz="1400" dirty="0"/>
+              <a:t>Between mortgage, rent and own, rented and own home owners tend to default more compared to Mortgage</a:t>
+            </a:r>
+          </a:p>
+          <a:p>
+            <a:pPr marL="285750" indent="-285750">
+              <a:lnSpc>
+                <a:spcPct val="150000"/>
+              </a:lnSpc>
+              <a:buFont typeface="Wingdings" panose="05000000000000000000" pitchFamily="2" charset="2"/>
+              <a:buChar char="Ø"/>
+            </a:pPr>
+            <a:r>
+              <a:rPr lang="en-US" sz="1400" dirty="0"/>
+              <a:t>Although not many loans under others, it has a significant percentage of loan defaulting (&gt;20%)</a:t>
+            </a:r>
+          </a:p>
+          <a:p>
+            <a:pPr>
+              <a:lnSpc>
+                <a:spcPct val="150000"/>
+              </a:lnSpc>
+            </a:pPr>
+            <a:r>
+              <a:rPr lang="en-US" sz="1400" b="1" u="sng" dirty="0"/>
+              <a:t>Inferences:</a:t>
+            </a:r>
+            <a:r>
+              <a:rPr lang="en-US" sz="1400" dirty="0"/>
+              <a:t> </a:t>
+            </a:r>
+          </a:p>
+          <a:p>
+            <a:pPr marL="285750" indent="-285750">
+              <a:lnSpc>
+                <a:spcPct val="150000"/>
+              </a:lnSpc>
+              <a:buFont typeface="Wingdings" panose="05000000000000000000" pitchFamily="2" charset="2"/>
+              <a:buChar char="Ø"/>
+            </a:pPr>
+            <a:r>
+              <a:rPr lang="en-US" sz="1400" dirty="0"/>
+              <a:t>Others is an undefined category, need more data to understand why it has more defaults</a:t>
+            </a:r>
+          </a:p>
+          <a:p>
+            <a:pPr marL="285750" indent="-285750">
+              <a:lnSpc>
+                <a:spcPct val="150000"/>
+              </a:lnSpc>
+              <a:buFont typeface="Wingdings" panose="05000000000000000000" pitchFamily="2" charset="2"/>
+              <a:buChar char="Ø"/>
+            </a:pPr>
+            <a:r>
+              <a:rPr lang="en-US" sz="1400" dirty="0"/>
+              <a:t>Mortgage has lower percentage of default. Since mortgage is a major loan and any default on other loan will increase the </a:t>
+            </a:r>
+            <a:r>
+              <a:rPr lang="en-US" sz="1400" dirty="0" err="1"/>
+              <a:t>RoI</a:t>
+            </a:r>
+            <a:r>
+              <a:rPr lang="en-US" sz="1400" dirty="0"/>
+              <a:t> or loan </a:t>
+            </a:r>
+            <a:r>
+              <a:rPr lang="en-US" sz="1400" dirty="0" err="1"/>
+              <a:t>categrory</a:t>
+            </a:r>
+            <a:r>
+              <a:rPr lang="en-US" sz="1400" dirty="0"/>
+              <a:t>, hence Mortgage owners tends to pay back and have a less risk of defaulting</a:t>
+            </a:r>
+          </a:p>
+        </p:txBody>
+      </p:sp>
+      <p:pic>
+        <p:nvPicPr>
+          <p:cNvPr id="5" name="Picture 4"/>
+          <p:cNvPicPr>
+            <a:picLocks noChangeAspect="1"/>
+          </p:cNvPicPr>
+          <p:nvPr/>
+        </p:nvPicPr>
+        <p:blipFill>
+          <a:blip r:embed="rId2">
+            <a:extLst>
+              <a:ext uri="{28A0092B-C50C-407E-A947-70E740481C1C}">
+                <a14:useLocalDpi xmlns:a14="http://schemas.microsoft.com/office/drawing/2010/main" val="0"/>
+              </a:ext>
+            </a:extLst>
+          </a:blip>
+          <a:stretch>
+            <a:fillRect/>
+          </a:stretch>
+        </p:blipFill>
+        <p:spPr>
+          <a:xfrm>
+            <a:off x="318446" y="1656474"/>
+            <a:ext cx="7028652" cy="4414717"/>
+          </a:xfrm>
+          <a:prstGeom prst="rect">
+            <a:avLst/>
+          </a:prstGeom>
+        </p:spPr>
+      </p:pic>
+      <p:sp>
+        <p:nvSpPr>
+          <p:cNvPr id="7" name="TextBox 6"/>
+          <p:cNvSpPr txBox="1"/>
+          <p:nvPr/>
+        </p:nvSpPr>
+        <p:spPr>
+          <a:xfrm>
+            <a:off x="0" y="6451224"/>
+            <a:ext cx="9513394" cy="307777"/>
+          </a:xfrm>
+          <a:prstGeom prst="rect">
+            <a:avLst/>
+          </a:prstGeom>
+          <a:noFill/>
+        </p:spPr>
+        <p:txBody>
+          <a:bodyPr wrap="square" rtlCol="0">
+            <a:spAutoFit/>
+          </a:bodyPr>
+          <a:lstStyle/>
+          <a:p>
+            <a:r>
+              <a:rPr lang="en-US" sz="1400" b="1" dirty="0" smtClean="0">
+                <a:solidFill>
+                  <a:srgbClr val="FF0000"/>
+                </a:solidFill>
+              </a:rPr>
+              <a:t>* Red trend line shows the Charged off count to Fully paid count ratio. This is a good indicator of the likely hood of default</a:t>
+            </a:r>
+            <a:endParaRPr lang="en-US" sz="1400" b="1" dirty="0">
+              <a:solidFill>
+                <a:srgbClr val="FF0000"/>
+              </a:solidFill>
+            </a:endParaRPr>
+          </a:p>
+        </p:txBody>
+      </p:sp>
+    </p:spTree>
+    <p:extLst>
+      <p:ext uri="{BB962C8B-B14F-4D97-AF65-F5344CB8AC3E}">
+        <p14:creationId xmlns:p14="http://schemas.microsoft.com/office/powerpoint/2010/main" val="3095347154"/>
+      </p:ext>
+    </p:extLst>
+  </p:cSld>
+  <p:clrMapOvr>
+    <a:masterClrMapping/>
+  </p:clrMapOvr>
+  <p:timing>
+    <p:tnLst>
+      <p:par>
+        <p:cTn id="1" dur="indefinite" restart="never" nodeType="tmRoot"/>
+      </p:par>
+    </p:tnLst>
+  </p:timing>
+</p:sld>
+</file>
+
+<file path=ppt/slides/slide14.xml><?xml version="1.0" encoding="utf-8"?>
+<p:sld xmlns:a="http://schemas.openxmlformats.org/drawingml/2006/main" xmlns:r="http://schemas.openxmlformats.org/officeDocument/2006/relationships" xmlns:p="http://schemas.openxmlformats.org/presentationml/2006/main">
+  <p:cSld>
+    <p:spTree>
+      <p:nvGrpSpPr>
+        <p:cNvPr id="1" name=""/>
+        <p:cNvGrpSpPr/>
+        <p:nvPr/>
+      </p:nvGrpSpPr>
+      <p:grpSpPr>
+        <a:xfrm>
+          <a:off x="0" y="0"/>
+          <a:ext cx="0" cy="0"/>
+          <a:chOff x="0" y="0"/>
+          <a:chExt cx="0" cy="0"/>
+        </a:xfrm>
+      </p:grpSpPr>
+      <p:sp>
+        <p:nvSpPr>
+          <p:cNvPr id="6" name="Title 1">
+            <a:extLst>
+              <a:ext uri="{FF2B5EF4-FFF2-40B4-BE49-F238E27FC236}">
+                <a16:creationId xmlns:a16="http://schemas.microsoft.com/office/drawing/2014/main" xmlns="" id="{C9ED24FB-F1DF-43A2-A28A-E1B9714DF31A}"/>
               </a:ext>
             </a:extLst>
           </p:cNvPr>
@@ -10314,6 +14323,44 @@
           </a:prstGeom>
         </p:spPr>
       </p:pic>
+      <p:sp>
+        <p:nvSpPr>
+          <p:cNvPr id="7" name="TextBox 6"/>
+          <p:cNvSpPr txBox="1"/>
+          <p:nvPr/>
+        </p:nvSpPr>
+        <p:spPr>
+          <a:xfrm>
+            <a:off x="254334" y="6257444"/>
+            <a:ext cx="9513394" cy="307777"/>
+          </a:xfrm>
+          <a:prstGeom prst="rect">
+            <a:avLst/>
+          </a:prstGeom>
+          <a:noFill/>
+        </p:spPr>
+        <p:txBody>
+          <a:bodyPr wrap="square" rtlCol="0">
+            <a:spAutoFit/>
+          </a:bodyPr>
+          <a:lstStyle/>
+          <a:p>
+            <a:r>
+              <a:rPr lang="en-US" sz="1400" b="1" dirty="0" smtClean="0">
+                <a:solidFill>
+                  <a:srgbClr val="FF0000"/>
+                </a:solidFill>
+              </a:rPr>
+              <a:t>* Red trend line shows the Charged off count to Fully paid count ratio. This is a good indicator of the likely hood of default</a:t>
+            </a:r>
+            <a:endParaRPr lang="en-US" sz="1400" b="1" dirty="0">
+              <a:solidFill>
+                <a:srgbClr val="FF0000"/>
+              </a:solidFill>
+            </a:endParaRPr>
+          </a:p>
+        </p:txBody>
+      </p:sp>
     </p:spTree>
     <p:extLst>
       <p:ext uri="{BB962C8B-B14F-4D97-AF65-F5344CB8AC3E}">
@@ -10324,10 +14371,17 @@
   <p:clrMapOvr>
     <a:masterClrMapping/>
   </p:clrMapOvr>
+  <p:timing>
+    <p:tnLst>
+      <p:par>
+        <p:cTn id="1" dur="indefinite" restart="never" nodeType="tmRoot"/>
+      </p:par>
+    </p:tnLst>
+  </p:timing>
 </p:sld>
 </file>
 
-<file path=ppt/slides/slide13.xml><?xml version="1.0" encoding="utf-8"?>
+<file path=ppt/slides/slide15.xml><?xml version="1.0" encoding="utf-8"?>
 <p:sld xmlns:a="http://schemas.openxmlformats.org/drawingml/2006/main" xmlns:r="http://schemas.openxmlformats.org/officeDocument/2006/relationships" xmlns:p="http://schemas.openxmlformats.org/presentationml/2006/main">
   <p:cSld>
     <p:spTree>
@@ -10349,7 +14403,7 @@
           <p:cNvPr id="6" name="Title 1">
             <a:extLst>
               <a:ext uri="{FF2B5EF4-FFF2-40B4-BE49-F238E27FC236}">
-                <a16:creationId xmlns:a16="http://schemas.microsoft.com/office/drawing/2014/main" id="{C9ED24FB-F1DF-43A2-A28A-E1B9714DF31A}"/>
+                <a16:creationId xmlns:a16="http://schemas.microsoft.com/office/drawing/2014/main" xmlns="" id="{C9ED24FB-F1DF-43A2-A28A-E1B9714DF31A}"/>
               </a:ext>
             </a:extLst>
           </p:cNvPr>
@@ -10362,7 +14416,7 @@
         </p:nvSpPr>
         <p:spPr>
           <a:xfrm>
-            <a:off x="404949" y="708162"/>
+            <a:off x="1137681" y="0"/>
             <a:ext cx="11168742" cy="668964"/>
           </a:xfrm>
         </p:spPr>
@@ -10373,7 +14427,7 @@
           <a:lstStyle/>
           <a:p>
             <a:r>
-              <a:rPr lang="en-IN" sz="3200" b="1" dirty="0"/>
+              <a:rPr lang="en-IN" sz="2800" b="1" dirty="0"/>
               <a:t>Conclusions</a:t>
             </a:r>
           </a:p>
@@ -10386,14 +14440,14 @@
           <p:nvPr>
             <p:extLst>
               <p:ext uri="{D42A27DB-BD31-4B8C-83A1-F6EECF244321}">
-                <p14:modId xmlns:p14="http://schemas.microsoft.com/office/powerpoint/2010/main" val="3889744648"/>
+                <p14:modId xmlns:p14="http://schemas.microsoft.com/office/powerpoint/2010/main" val="2317170462"/>
               </p:ext>
             </p:extLst>
           </p:nvPr>
         </p:nvGraphicFramePr>
         <p:xfrm>
-          <a:off x="1649383" y="468777"/>
-          <a:ext cx="9439153" cy="6242506"/>
+          <a:off x="1649383" y="781177"/>
+          <a:ext cx="9439153" cy="5930106"/>
         </p:xfrm>
         <a:graphic>
           <a:graphicData uri="http://schemas.openxmlformats.org/drawingml/2006/diagram">
@@ -10411,6 +14465,13 @@
   <p:clrMapOvr>
     <a:masterClrMapping/>
   </p:clrMapOvr>
+  <p:timing>
+    <p:tnLst>
+      <p:par>
+        <p:cTn id="1" dur="indefinite" restart="never" nodeType="tmRoot"/>
+      </p:par>
+    </p:tnLst>
+  </p:timing>
 </p:sld>
 </file>
 
@@ -10541,6 +14602,13 @@
   <p:clrMapOvr>
     <a:masterClrMapping/>
   </p:clrMapOvr>
+  <p:timing>
+    <p:tnLst>
+      <p:par>
+        <p:cTn id="1" dur="indefinite" restart="never" nodeType="tmRoot"/>
+      </p:par>
+    </p:tnLst>
+  </p:timing>
 </p:sld>
 </file>
 
@@ -10696,6 +14764,13 @@
   <p:clrMapOvr>
     <a:masterClrMapping/>
   </p:clrMapOvr>
+  <p:timing>
+    <p:tnLst>
+      <p:par>
+        <p:cTn id="1" dur="indefinite" restart="never" nodeType="tmRoot"/>
+      </p:par>
+    </p:tnLst>
+  </p:timing>
 </p:sld>
 </file>
 
@@ -10744,14 +14819,14 @@
                 <a:gridCol w="2103519">
                   <a:extLst>
                     <a:ext uri="{9D8B030D-6E8A-4147-A177-3AD203B41FA5}">
-                      <a16:colId xmlns:a16="http://schemas.microsoft.com/office/drawing/2014/main" val="20000"/>
+                      <a16:colId xmlns:a16="http://schemas.microsoft.com/office/drawing/2014/main" xmlns="" val="20000"/>
                     </a:ext>
                   </a:extLst>
                 </a:gridCol>
                 <a:gridCol w="9252055">
                   <a:extLst>
                     <a:ext uri="{9D8B030D-6E8A-4147-A177-3AD203B41FA5}">
-                      <a16:colId xmlns:a16="http://schemas.microsoft.com/office/drawing/2014/main" val="20001"/>
+                      <a16:colId xmlns:a16="http://schemas.microsoft.com/office/drawing/2014/main" xmlns="" val="20001"/>
                     </a:ext>
                   </a:extLst>
                 </a:gridCol>
@@ -10904,7 +14979,7 @@
                 </a:tc>
                 <a:extLst>
                   <a:ext uri="{0D108BD9-81ED-4DB2-BD59-A6C34878D82A}">
-                    <a16:rowId xmlns:a16="http://schemas.microsoft.com/office/drawing/2014/main" val="10000"/>
+                    <a16:rowId xmlns:a16="http://schemas.microsoft.com/office/drawing/2014/main" xmlns="" val="10000"/>
                   </a:ext>
                 </a:extLst>
               </a:tr>
@@ -11039,7 +15114,7 @@
                 </a:tc>
                 <a:extLst>
                   <a:ext uri="{0D108BD9-81ED-4DB2-BD59-A6C34878D82A}">
-                    <a16:rowId xmlns:a16="http://schemas.microsoft.com/office/drawing/2014/main" val="10001"/>
+                    <a16:rowId xmlns:a16="http://schemas.microsoft.com/office/drawing/2014/main" xmlns="" val="10001"/>
                   </a:ext>
                 </a:extLst>
               </a:tr>
@@ -11174,7 +15249,7 @@
                 </a:tc>
                 <a:extLst>
                   <a:ext uri="{0D108BD9-81ED-4DB2-BD59-A6C34878D82A}">
-                    <a16:rowId xmlns:a16="http://schemas.microsoft.com/office/drawing/2014/main" val="10002"/>
+                    <a16:rowId xmlns:a16="http://schemas.microsoft.com/office/drawing/2014/main" xmlns="" val="10002"/>
                   </a:ext>
                 </a:extLst>
               </a:tr>
@@ -11309,7 +15384,7 @@
                 </a:tc>
                 <a:extLst>
                   <a:ext uri="{0D108BD9-81ED-4DB2-BD59-A6C34878D82A}">
-                    <a16:rowId xmlns:a16="http://schemas.microsoft.com/office/drawing/2014/main" val="10003"/>
+                    <a16:rowId xmlns:a16="http://schemas.microsoft.com/office/drawing/2014/main" xmlns="" val="10003"/>
                   </a:ext>
                 </a:extLst>
               </a:tr>
@@ -11444,7 +15519,7 @@
                 </a:tc>
                 <a:extLst>
                   <a:ext uri="{0D108BD9-81ED-4DB2-BD59-A6C34878D82A}">
-                    <a16:rowId xmlns:a16="http://schemas.microsoft.com/office/drawing/2014/main" val="10004"/>
+                    <a16:rowId xmlns:a16="http://schemas.microsoft.com/office/drawing/2014/main" xmlns="" val="10004"/>
                   </a:ext>
                 </a:extLst>
               </a:tr>
@@ -11579,7 +15654,7 @@
                 </a:tc>
                 <a:extLst>
                   <a:ext uri="{0D108BD9-81ED-4DB2-BD59-A6C34878D82A}">
-                    <a16:rowId xmlns:a16="http://schemas.microsoft.com/office/drawing/2014/main" val="10005"/>
+                    <a16:rowId xmlns:a16="http://schemas.microsoft.com/office/drawing/2014/main" xmlns="" val="10005"/>
                   </a:ext>
                 </a:extLst>
               </a:tr>
@@ -11714,7 +15789,7 @@
                 </a:tc>
                 <a:extLst>
                   <a:ext uri="{0D108BD9-81ED-4DB2-BD59-A6C34878D82A}">
-                    <a16:rowId xmlns:a16="http://schemas.microsoft.com/office/drawing/2014/main" val="10006"/>
+                    <a16:rowId xmlns:a16="http://schemas.microsoft.com/office/drawing/2014/main" xmlns="" val="10006"/>
                   </a:ext>
                 </a:extLst>
               </a:tr>
@@ -11849,7 +15924,7 @@
                 </a:tc>
                 <a:extLst>
                   <a:ext uri="{0D108BD9-81ED-4DB2-BD59-A6C34878D82A}">
-                    <a16:rowId xmlns:a16="http://schemas.microsoft.com/office/drawing/2014/main" val="10007"/>
+                    <a16:rowId xmlns:a16="http://schemas.microsoft.com/office/drawing/2014/main" xmlns="" val="10007"/>
                   </a:ext>
                 </a:extLst>
               </a:tr>
@@ -11984,7 +16059,7 @@
                 </a:tc>
                 <a:extLst>
                   <a:ext uri="{0D108BD9-81ED-4DB2-BD59-A6C34878D82A}">
-                    <a16:rowId xmlns:a16="http://schemas.microsoft.com/office/drawing/2014/main" val="10008"/>
+                    <a16:rowId xmlns:a16="http://schemas.microsoft.com/office/drawing/2014/main" xmlns="" val="10008"/>
                   </a:ext>
                 </a:extLst>
               </a:tr>
@@ -12119,7 +16194,7 @@
                 </a:tc>
                 <a:extLst>
                   <a:ext uri="{0D108BD9-81ED-4DB2-BD59-A6C34878D82A}">
-                    <a16:rowId xmlns:a16="http://schemas.microsoft.com/office/drawing/2014/main" val="10009"/>
+                    <a16:rowId xmlns:a16="http://schemas.microsoft.com/office/drawing/2014/main" xmlns="" val="10009"/>
                   </a:ext>
                 </a:extLst>
               </a:tr>
@@ -12254,7 +16329,7 @@
                 </a:tc>
                 <a:extLst>
                   <a:ext uri="{0D108BD9-81ED-4DB2-BD59-A6C34878D82A}">
-                    <a16:rowId xmlns:a16="http://schemas.microsoft.com/office/drawing/2014/main" val="10010"/>
+                    <a16:rowId xmlns:a16="http://schemas.microsoft.com/office/drawing/2014/main" xmlns="" val="10010"/>
                   </a:ext>
                 </a:extLst>
               </a:tr>
@@ -12405,7 +16480,7 @@
                 </a:tc>
                 <a:extLst>
                   <a:ext uri="{0D108BD9-81ED-4DB2-BD59-A6C34878D82A}">
-                    <a16:rowId xmlns:a16="http://schemas.microsoft.com/office/drawing/2014/main" val="10011"/>
+                    <a16:rowId xmlns:a16="http://schemas.microsoft.com/office/drawing/2014/main" xmlns="" val="10011"/>
                   </a:ext>
                 </a:extLst>
               </a:tr>
@@ -12548,7 +16623,7 @@
                 </a:tc>
                 <a:extLst>
                   <a:ext uri="{0D108BD9-81ED-4DB2-BD59-A6C34878D82A}">
-                    <a16:rowId xmlns:a16="http://schemas.microsoft.com/office/drawing/2014/main" val="10012"/>
+                    <a16:rowId xmlns:a16="http://schemas.microsoft.com/office/drawing/2014/main" xmlns="" val="10012"/>
                   </a:ext>
                 </a:extLst>
               </a:tr>
@@ -12683,7 +16758,7 @@
                 </a:tc>
                 <a:extLst>
                   <a:ext uri="{0D108BD9-81ED-4DB2-BD59-A6C34878D82A}">
-                    <a16:rowId xmlns:a16="http://schemas.microsoft.com/office/drawing/2014/main" val="10013"/>
+                    <a16:rowId xmlns:a16="http://schemas.microsoft.com/office/drawing/2014/main" xmlns="" val="10013"/>
                   </a:ext>
                 </a:extLst>
               </a:tr>
@@ -12834,7 +16909,7 @@
                 </a:tc>
                 <a:extLst>
                   <a:ext uri="{0D108BD9-81ED-4DB2-BD59-A6C34878D82A}">
-                    <a16:rowId xmlns:a16="http://schemas.microsoft.com/office/drawing/2014/main" val="10014"/>
+                    <a16:rowId xmlns:a16="http://schemas.microsoft.com/office/drawing/2014/main" xmlns="" val="10014"/>
                   </a:ext>
                 </a:extLst>
               </a:tr>
@@ -12969,7 +17044,7 @@
                 </a:tc>
                 <a:extLst>
                   <a:ext uri="{0D108BD9-81ED-4DB2-BD59-A6C34878D82A}">
-                    <a16:rowId xmlns:a16="http://schemas.microsoft.com/office/drawing/2014/main" val="10015"/>
+                    <a16:rowId xmlns:a16="http://schemas.microsoft.com/office/drawing/2014/main" xmlns="" val="10015"/>
                   </a:ext>
                 </a:extLst>
               </a:tr>
@@ -13104,7 +17179,7 @@
                 </a:tc>
                 <a:extLst>
                   <a:ext uri="{0D108BD9-81ED-4DB2-BD59-A6C34878D82A}">
-                    <a16:rowId xmlns:a16="http://schemas.microsoft.com/office/drawing/2014/main" val="10016"/>
+                    <a16:rowId xmlns:a16="http://schemas.microsoft.com/office/drawing/2014/main" xmlns="" val="10016"/>
                   </a:ext>
                 </a:extLst>
               </a:tr>
@@ -13239,7 +17314,7 @@
                 </a:tc>
                 <a:extLst>
                   <a:ext uri="{0D108BD9-81ED-4DB2-BD59-A6C34878D82A}">
-                    <a16:rowId xmlns:a16="http://schemas.microsoft.com/office/drawing/2014/main" val="10017"/>
+                    <a16:rowId xmlns:a16="http://schemas.microsoft.com/office/drawing/2014/main" xmlns="" val="10017"/>
                   </a:ext>
                 </a:extLst>
               </a:tr>
@@ -13374,7 +17449,7 @@
                 </a:tc>
                 <a:extLst>
                   <a:ext uri="{0D108BD9-81ED-4DB2-BD59-A6C34878D82A}">
-                    <a16:rowId xmlns:a16="http://schemas.microsoft.com/office/drawing/2014/main" val="10018"/>
+                    <a16:rowId xmlns:a16="http://schemas.microsoft.com/office/drawing/2014/main" xmlns="" val="10018"/>
                   </a:ext>
                 </a:extLst>
               </a:tr>
@@ -13392,6 +17467,13 @@
   <p:clrMapOvr>
     <a:masterClrMapping/>
   </p:clrMapOvr>
+  <p:timing>
+    <p:tnLst>
+      <p:par>
+        <p:cTn id="1" dur="indefinite" restart="never" nodeType="tmRoot"/>
+      </p:par>
+    </p:tnLst>
+  </p:timing>
 </p:sld>
 </file>
 
@@ -13440,14 +17522,14 @@
                 <a:gridCol w="2103519">
                   <a:extLst>
                     <a:ext uri="{9D8B030D-6E8A-4147-A177-3AD203B41FA5}">
-                      <a16:colId xmlns:a16="http://schemas.microsoft.com/office/drawing/2014/main" val="20000"/>
+                      <a16:colId xmlns:a16="http://schemas.microsoft.com/office/drawing/2014/main" xmlns="" val="20000"/>
                     </a:ext>
                   </a:extLst>
                 </a:gridCol>
                 <a:gridCol w="9252055">
                   <a:extLst>
                     <a:ext uri="{9D8B030D-6E8A-4147-A177-3AD203B41FA5}">
-                      <a16:colId xmlns:a16="http://schemas.microsoft.com/office/drawing/2014/main" val="20001"/>
+                      <a16:colId xmlns:a16="http://schemas.microsoft.com/office/drawing/2014/main" xmlns="" val="20001"/>
                     </a:ext>
                   </a:extLst>
                 </a:gridCol>
@@ -13600,7 +17682,7 @@
                 </a:tc>
                 <a:extLst>
                   <a:ext uri="{0D108BD9-81ED-4DB2-BD59-A6C34878D82A}">
-                    <a16:rowId xmlns:a16="http://schemas.microsoft.com/office/drawing/2014/main" val="10000"/>
+                    <a16:rowId xmlns:a16="http://schemas.microsoft.com/office/drawing/2014/main" xmlns="" val="10000"/>
                   </a:ext>
                 </a:extLst>
               </a:tr>
@@ -13752,7 +17834,7 @@
                 </a:tc>
                 <a:extLst>
                   <a:ext uri="{0D108BD9-81ED-4DB2-BD59-A6C34878D82A}">
-                    <a16:rowId xmlns:a16="http://schemas.microsoft.com/office/drawing/2014/main" val="10001"/>
+                    <a16:rowId xmlns:a16="http://schemas.microsoft.com/office/drawing/2014/main" xmlns="" val="10001"/>
                   </a:ext>
                 </a:extLst>
               </a:tr>
@@ -13893,7 +17975,7 @@
                 </a:tc>
                 <a:extLst>
                   <a:ext uri="{0D108BD9-81ED-4DB2-BD59-A6C34878D82A}">
-                    <a16:rowId xmlns:a16="http://schemas.microsoft.com/office/drawing/2014/main" val="10002"/>
+                    <a16:rowId xmlns:a16="http://schemas.microsoft.com/office/drawing/2014/main" xmlns="" val="10002"/>
                   </a:ext>
                 </a:extLst>
               </a:tr>
@@ -14034,7 +18116,7 @@
                 </a:tc>
                 <a:extLst>
                   <a:ext uri="{0D108BD9-81ED-4DB2-BD59-A6C34878D82A}">
-                    <a16:rowId xmlns:a16="http://schemas.microsoft.com/office/drawing/2014/main" val="10003"/>
+                    <a16:rowId xmlns:a16="http://schemas.microsoft.com/office/drawing/2014/main" xmlns="" val="10003"/>
                   </a:ext>
                 </a:extLst>
               </a:tr>
@@ -14175,7 +18257,7 @@
                 </a:tc>
                 <a:extLst>
                   <a:ext uri="{0D108BD9-81ED-4DB2-BD59-A6C34878D82A}">
-                    <a16:rowId xmlns:a16="http://schemas.microsoft.com/office/drawing/2014/main" val="10004"/>
+                    <a16:rowId xmlns:a16="http://schemas.microsoft.com/office/drawing/2014/main" xmlns="" val="10004"/>
                   </a:ext>
                 </a:extLst>
               </a:tr>
@@ -14308,7 +18390,7 @@
                 </a:tc>
                 <a:extLst>
                   <a:ext uri="{0D108BD9-81ED-4DB2-BD59-A6C34878D82A}">
-                    <a16:rowId xmlns:a16="http://schemas.microsoft.com/office/drawing/2014/main" val="10005"/>
+                    <a16:rowId xmlns:a16="http://schemas.microsoft.com/office/drawing/2014/main" xmlns="" val="10005"/>
                   </a:ext>
                 </a:extLst>
               </a:tr>
@@ -14460,7 +18542,7 @@
                 </a:tc>
                 <a:extLst>
                   <a:ext uri="{0D108BD9-81ED-4DB2-BD59-A6C34878D82A}">
-                    <a16:rowId xmlns:a16="http://schemas.microsoft.com/office/drawing/2014/main" val="10006"/>
+                    <a16:rowId xmlns:a16="http://schemas.microsoft.com/office/drawing/2014/main" xmlns="" val="10006"/>
                   </a:ext>
                 </a:extLst>
               </a:tr>
@@ -14612,7 +18694,7 @@
                 </a:tc>
                 <a:extLst>
                   <a:ext uri="{0D108BD9-81ED-4DB2-BD59-A6C34878D82A}">
-                    <a16:rowId xmlns:a16="http://schemas.microsoft.com/office/drawing/2014/main" val="10007"/>
+                    <a16:rowId xmlns:a16="http://schemas.microsoft.com/office/drawing/2014/main" xmlns="" val="10007"/>
                   </a:ext>
                 </a:extLst>
               </a:tr>
@@ -14659,6 +18741,13 @@
   <p:clrMapOvr>
     <a:masterClrMapping/>
   </p:clrMapOvr>
+  <p:timing>
+    <p:tnLst>
+      <p:par>
+        <p:cTn id="1" dur="indefinite" restart="never" nodeType="tmRoot"/>
+      </p:par>
+    </p:tnLst>
+  </p:timing>
 </p:sld>
 </file>
 
@@ -14718,18 +18807,42 @@
             <p:ph idx="1"/>
             <p:extLst>
               <p:ext uri="{D42A27DB-BD31-4B8C-83A1-F6EECF244321}">
-                <p14:modId xmlns:p14="http://schemas.microsoft.com/office/powerpoint/2010/main" val="4046486111"/>
+                <p14:modId xmlns:p14="http://schemas.microsoft.com/office/powerpoint/2010/main" val="2286332767"/>
               </p:ext>
             </p:extLst>
           </p:nvPr>
         </p:nvGraphicFramePr>
         <p:xfrm>
-          <a:off x="473038" y="1740187"/>
+          <a:off x="404041" y="1576684"/>
           <a:ext cx="11169650" cy="2597897"/>
         </p:xfrm>
         <a:graphic>
           <a:graphicData uri="http://schemas.openxmlformats.org/drawingml/2006/diagram">
             <dgm:relIds xmlns:dgm="http://schemas.openxmlformats.org/drawingml/2006/diagram" xmlns:r="http://schemas.openxmlformats.org/officeDocument/2006/relationships" r:dm="rId3" r:lo="rId4" r:qs="rId5" r:cs="rId6"/>
+          </a:graphicData>
+        </a:graphic>
+      </p:graphicFrame>
+      <p:graphicFrame>
+        <p:nvGraphicFramePr>
+          <p:cNvPr id="4" name="Content Placeholder 7"/>
+          <p:cNvGraphicFramePr>
+            <a:graphicFrameLocks/>
+          </p:cNvGraphicFramePr>
+          <p:nvPr>
+            <p:extLst>
+              <p:ext uri="{D42A27DB-BD31-4B8C-83A1-F6EECF244321}">
+                <p14:modId xmlns:p14="http://schemas.microsoft.com/office/powerpoint/2010/main" val="2580340001"/>
+              </p:ext>
+            </p:extLst>
+          </p:nvPr>
+        </p:nvGraphicFramePr>
+        <p:xfrm>
+          <a:off x="692050" y="4012057"/>
+          <a:ext cx="11169650" cy="2597897"/>
+        </p:xfrm>
+        <a:graphic>
+          <a:graphicData uri="http://schemas.openxmlformats.org/drawingml/2006/diagram">
+            <dgm:relIds xmlns:dgm="http://schemas.openxmlformats.org/drawingml/2006/diagram" xmlns:r="http://schemas.openxmlformats.org/officeDocument/2006/relationships" r:dm="rId8" r:lo="rId9" r:qs="rId10" r:cs="rId11"/>
           </a:graphicData>
         </a:graphic>
       </p:graphicFrame>
@@ -14743,6 +18856,13 @@
   <p:clrMapOvr>
     <a:masterClrMapping/>
   </p:clrMapOvr>
+  <p:timing>
+    <p:tnLst>
+      <p:par>
+        <p:cTn id="1" dur="indefinite" restart="never" nodeType="tmRoot"/>
+      </p:par>
+    </p:tnLst>
+  </p:timing>
 </p:sld>
 </file>
 
@@ -14829,6 +18949,13 @@
   <p:clrMapOvr>
     <a:masterClrMapping/>
   </p:clrMapOvr>
+  <p:timing>
+    <p:tnLst>
+      <p:par>
+        <p:cTn id="1" dur="indefinite" restart="never" nodeType="tmRoot"/>
+      </p:par>
+    </p:tnLst>
+  </p:timing>
 </p:sld>
 </file>
 
@@ -14854,7 +18981,7 @@
           <p:cNvPr id="2" name="Title 1">
             <a:extLst>
               <a:ext uri="{FF2B5EF4-FFF2-40B4-BE49-F238E27FC236}">
-                <a16:creationId xmlns:a16="http://schemas.microsoft.com/office/drawing/2014/main" id="{703D027D-982D-473A-9128-2B36AFB31D45}"/>
+                <a16:creationId xmlns:a16="http://schemas.microsoft.com/office/drawing/2014/main" xmlns="" id="{703D027D-982D-473A-9128-2B36AFB31D45}"/>
               </a:ext>
             </a:extLst>
           </p:cNvPr>
@@ -14865,40 +18992,236 @@
             <p:ph type="title"/>
           </p:nvPr>
         </p:nvSpPr>
-        <p:spPr/>
+        <p:spPr>
+          <a:xfrm>
+            <a:off x="1136469" y="28460"/>
+            <a:ext cx="9313817" cy="856138"/>
+          </a:xfrm>
+        </p:spPr>
         <p:txBody>
-          <a:bodyPr/>
+          <a:bodyPr>
+            <a:normAutofit/>
+          </a:bodyPr>
           <a:lstStyle/>
           <a:p>
             <a:r>
-              <a:rPr lang="en-US" dirty="0"/>
-              <a:t>Analysis of various columns</a:t>
+              <a:rPr lang="en-US" sz="2800" dirty="0" smtClean="0"/>
+              <a:t>Univariate and outlier Analysis</a:t>
             </a:r>
+            <a:endParaRPr lang="en-US" sz="2800" dirty="0"/>
+          </a:p>
+        </p:txBody>
+      </p:sp>
+      <p:pic>
+        <p:nvPicPr>
+          <p:cNvPr id="4" name="Picture 3"/>
+          <p:cNvPicPr>
+            <a:picLocks noChangeAspect="1"/>
+          </p:cNvPicPr>
+          <p:nvPr/>
+        </p:nvPicPr>
+        <p:blipFill>
+          <a:blip r:embed="rId2">
+            <a:extLst>
+              <a:ext uri="{28A0092B-C50C-407E-A947-70E740481C1C}">
+                <a14:useLocalDpi xmlns:a14="http://schemas.microsoft.com/office/drawing/2010/main" val="0"/>
+              </a:ext>
+            </a:extLst>
+          </a:blip>
+          <a:stretch>
+            <a:fillRect/>
+          </a:stretch>
+        </p:blipFill>
+        <p:spPr>
+          <a:xfrm>
+            <a:off x="0" y="1511628"/>
+            <a:ext cx="5309810" cy="3023289"/>
+          </a:xfrm>
+          <a:prstGeom prst="rect">
+            <a:avLst/>
+          </a:prstGeom>
+        </p:spPr>
+      </p:pic>
+      <p:sp>
+        <p:nvSpPr>
+          <p:cNvPr id="5" name="TextBox 4"/>
+          <p:cNvSpPr txBox="1"/>
+          <p:nvPr/>
+        </p:nvSpPr>
+        <p:spPr>
+          <a:xfrm>
+            <a:off x="702452" y="1235827"/>
+            <a:ext cx="4892949" cy="369332"/>
+          </a:xfrm>
+          <a:prstGeom prst="rect">
+            <a:avLst/>
+          </a:prstGeom>
+          <a:noFill/>
+        </p:spPr>
+        <p:txBody>
+          <a:bodyPr wrap="square" rtlCol="0">
+            <a:spAutoFit/>
+          </a:bodyPr>
+          <a:lstStyle/>
+          <a:p>
+            <a:pPr algn="ctr"/>
+            <a:r>
+              <a:rPr lang="en-US" dirty="0" smtClean="0"/>
+              <a:t>Annual income distribution – With all data</a:t>
+            </a:r>
+            <a:endParaRPr lang="en-US" dirty="0"/>
+          </a:p>
+        </p:txBody>
+      </p:sp>
+      <p:pic>
+        <p:nvPicPr>
+          <p:cNvPr id="6" name="Picture 5"/>
+          <p:cNvPicPr>
+            <a:picLocks noChangeAspect="1"/>
+          </p:cNvPicPr>
+          <p:nvPr/>
+        </p:nvPicPr>
+        <p:blipFill>
+          <a:blip r:embed="rId2">
+            <a:extLst>
+              <a:ext uri="{28A0092B-C50C-407E-A947-70E740481C1C}">
+                <a14:useLocalDpi xmlns:a14="http://schemas.microsoft.com/office/drawing/2010/main" val="0"/>
+              </a:ext>
+            </a:extLst>
+          </a:blip>
+          <a:stretch>
+            <a:fillRect/>
+          </a:stretch>
+        </p:blipFill>
+        <p:spPr>
+          <a:xfrm>
+            <a:off x="5547965" y="1511628"/>
+            <a:ext cx="5309810" cy="3023289"/>
+          </a:xfrm>
+          <a:prstGeom prst="rect">
+            <a:avLst/>
+          </a:prstGeom>
+        </p:spPr>
+      </p:pic>
+      <p:sp>
+        <p:nvSpPr>
+          <p:cNvPr id="7" name="TextBox 6"/>
+          <p:cNvSpPr txBox="1"/>
+          <p:nvPr/>
+        </p:nvSpPr>
+        <p:spPr>
+          <a:xfrm>
+            <a:off x="6250417" y="1235827"/>
+            <a:ext cx="4892949" cy="369332"/>
+          </a:xfrm>
+          <a:prstGeom prst="rect">
+            <a:avLst/>
+          </a:prstGeom>
+          <a:noFill/>
+        </p:spPr>
+        <p:txBody>
+          <a:bodyPr wrap="square" rtlCol="0">
+            <a:spAutoFit/>
+          </a:bodyPr>
+          <a:lstStyle/>
+          <a:p>
+            <a:pPr algn="ctr"/>
+            <a:r>
+              <a:rPr lang="en-US" dirty="0" smtClean="0"/>
+              <a:t>Annual income distribution – removing outliers</a:t>
+            </a:r>
+            <a:endParaRPr lang="en-US" dirty="0"/>
           </a:p>
         </p:txBody>
       </p:sp>
       <p:sp>
         <p:nvSpPr>
-          <p:cNvPr id="3" name="Content Placeholder 2">
-            <a:extLst>
-              <a:ext uri="{FF2B5EF4-FFF2-40B4-BE49-F238E27FC236}">
-                <a16:creationId xmlns:a16="http://schemas.microsoft.com/office/drawing/2014/main" id="{AF2107F1-B9AA-400F-9F0E-8FF275D3B65E}"/>
-              </a:ext>
-            </a:extLst>
-          </p:cNvPr>
-          <p:cNvSpPr>
-            <a:spLocks noGrp="1"/>
-          </p:cNvSpPr>
-          <p:nvPr>
-            <p:ph idx="1"/>
-          </p:nvPr>
+          <p:cNvPr id="8" name="TextBox 7"/>
+          <p:cNvSpPr txBox="1"/>
+          <p:nvPr/>
         </p:nvSpPr>
-        <p:spPr/>
+        <p:spPr>
+          <a:xfrm>
+            <a:off x="399672" y="4662834"/>
+            <a:ext cx="11039411" cy="2031325"/>
+          </a:xfrm>
+          <a:prstGeom prst="rect">
+            <a:avLst/>
+          </a:prstGeom>
+          <a:noFill/>
+        </p:spPr>
         <p:txBody>
-          <a:bodyPr/>
+          <a:bodyPr wrap="square" rtlCol="0">
+            <a:spAutoFit/>
+          </a:bodyPr>
           <a:lstStyle/>
           <a:p>
-            <a:endParaRPr lang="en-US"/>
+            <a:pPr marL="342900" indent="-342900">
+              <a:buAutoNum type="arabicParenR"/>
+            </a:pPr>
+            <a:r>
+              <a:rPr lang="en-US" dirty="0" smtClean="0"/>
+              <a:t>Univariate and Outlier analysis was performed on all important value columns and appropriate percentiles were taken to remove the outliers</a:t>
+            </a:r>
+          </a:p>
+          <a:p>
+            <a:pPr marL="342900" indent="-342900">
+              <a:buAutoNum type="arabicParenR"/>
+            </a:pPr>
+            <a:r>
+              <a:rPr lang="en-US" dirty="0" smtClean="0"/>
+              <a:t>Annual income graphs are shown </a:t>
+            </a:r>
+            <a:r>
+              <a:rPr lang="en-US" dirty="0" err="1" smtClean="0"/>
+              <a:t>abov</a:t>
+            </a:r>
+            <a:endParaRPr lang="en-US" dirty="0" smtClean="0"/>
+          </a:p>
+          <a:p>
+            <a:pPr marL="342900" indent="-342900">
+              <a:buAutoNum type="arabicParenR"/>
+            </a:pPr>
+            <a:r>
+              <a:rPr lang="en-US" dirty="0" smtClean="0"/>
+              <a:t>Similar exercise was done for</a:t>
+            </a:r>
+          </a:p>
+          <a:p>
+            <a:pPr marL="800100" lvl="1" indent="-342900">
+              <a:buAutoNum type="arabicParenR"/>
+            </a:pPr>
+            <a:r>
+              <a:rPr lang="en-US" dirty="0" smtClean="0"/>
+              <a:t>Instalment				4) </a:t>
+            </a:r>
+            <a:r>
+              <a:rPr lang="en-US" dirty="0" err="1" smtClean="0"/>
+              <a:t>funded_amnt</a:t>
+            </a:r>
+            <a:endParaRPr lang="en-US" dirty="0" smtClean="0"/>
+          </a:p>
+          <a:p>
+            <a:pPr marL="800100" lvl="1" indent="-342900">
+              <a:buAutoNum type="arabicParenR"/>
+            </a:pPr>
+            <a:r>
+              <a:rPr lang="en-US" dirty="0" smtClean="0"/>
+              <a:t>DTI					5) Interest rate</a:t>
+            </a:r>
+          </a:p>
+          <a:p>
+            <a:pPr marL="800100" lvl="1" indent="-342900">
+              <a:buAutoNum type="arabicParenR"/>
+            </a:pPr>
+            <a:r>
+              <a:rPr lang="en-US" dirty="0" err="1" smtClean="0"/>
+              <a:t>Revol_bal</a:t>
+            </a:r>
+            <a:r>
+              <a:rPr lang="en-US" dirty="0" smtClean="0"/>
+              <a:t>				6) Loan Amount</a:t>
+            </a:r>
           </a:p>
         </p:txBody>
       </p:sp>
@@ -14912,6 +19235,13 @@
   <p:clrMapOvr>
     <a:masterClrMapping/>
   </p:clrMapOvr>
+  <p:timing>
+    <p:tnLst>
+      <p:par>
+        <p:cTn id="1" dur="indefinite" restart="never" nodeType="tmRoot"/>
+      </p:par>
+    </p:tnLst>
+  </p:timing>
 </p:sld>
 </file>
 
@@ -14937,7 +19267,7 @@
           <p:cNvPr id="6" name="Title 1">
             <a:extLst>
               <a:ext uri="{FF2B5EF4-FFF2-40B4-BE49-F238E27FC236}">
-                <a16:creationId xmlns:a16="http://schemas.microsoft.com/office/drawing/2014/main" id="{C9ED24FB-F1DF-43A2-A28A-E1B9714DF31A}"/>
+                <a16:creationId xmlns:a16="http://schemas.microsoft.com/office/drawing/2014/main" xmlns="" id="{C9ED24FB-F1DF-43A2-A28A-E1B9714DF31A}"/>
               </a:ext>
             </a:extLst>
           </p:cNvPr>
@@ -14976,7 +19306,7 @@
         <p:spPr>
           <a:xfrm>
             <a:off x="8091377" y="1562986"/>
-            <a:ext cx="3949995" cy="3647152"/>
+            <a:ext cx="3949995" cy="4293483"/>
           </a:xfrm>
           <a:prstGeom prst="rect">
             <a:avLst/>
@@ -15016,13 +19346,31 @@
               <a:t>Rate of interest for fully paid is consistently lower </a:t>
             </a:r>
             <a:r>
-              <a:rPr lang="en-US" sz="1400" dirty="0" err="1"/>
-              <a:t>vompared</a:t>
+              <a:rPr lang="en-US" sz="1400" dirty="0" smtClean="0"/>
+              <a:t>compared </a:t>
             </a:r>
             <a:r>
               <a:rPr lang="en-US" sz="1400" dirty="0"/>
-              <a:t> to charged off/default over the years</a:t>
+              <a:t>to charged off/default over the </a:t>
             </a:r>
+            <a:r>
+              <a:rPr lang="en-US" sz="1400" dirty="0" smtClean="0"/>
+              <a:t>years</a:t>
+            </a:r>
+          </a:p>
+          <a:p>
+            <a:pPr marL="285750" indent="-285750">
+              <a:lnSpc>
+                <a:spcPct val="150000"/>
+              </a:lnSpc>
+              <a:buFont typeface="Wingdings" panose="05000000000000000000" pitchFamily="2" charset="2"/>
+              <a:buChar char="Ø"/>
+            </a:pPr>
+            <a:r>
+              <a:rPr lang="en-US" sz="1400" dirty="0" smtClean="0"/>
+              <a:t>Median of interest rate is higher for charged off compared to Fully paid</a:t>
+            </a:r>
+            <a:endParaRPr lang="en-US" sz="1400" dirty="0"/>
           </a:p>
           <a:p>
             <a:pPr marL="285750" indent="-285750">
@@ -15115,8 +19463,38 @@
         </p:blipFill>
         <p:spPr>
           <a:xfrm>
-            <a:off x="150628" y="1483830"/>
-            <a:ext cx="7175458" cy="5374170"/>
+            <a:off x="108745" y="1453552"/>
+            <a:ext cx="3778969" cy="2830317"/>
+          </a:xfrm>
+          <a:prstGeom prst="rect">
+            <a:avLst/>
+          </a:prstGeom>
+        </p:spPr>
+      </p:pic>
+      <p:pic>
+        <p:nvPicPr>
+          <p:cNvPr id="2" name="Picture 1"/>
+          <p:cNvPicPr>
+            <a:picLocks noChangeAspect="1"/>
+          </p:cNvPicPr>
+          <p:nvPr/>
+        </p:nvPicPr>
+        <p:blipFill>
+          <a:blip r:embed="rId3">
+            <a:extLst>
+              <a:ext uri="{28A0092B-C50C-407E-A947-70E740481C1C}">
+                <a14:useLocalDpi xmlns:a14="http://schemas.microsoft.com/office/drawing/2010/main" val="0"/>
+              </a:ext>
+            </a:extLst>
+          </a:blip>
+          <a:stretch>
+            <a:fillRect/>
+          </a:stretch>
+        </p:blipFill>
+        <p:spPr>
+          <a:xfrm>
+            <a:off x="3239116" y="3621101"/>
+            <a:ext cx="4273673" cy="3178074"/>
           </a:xfrm>
           <a:prstGeom prst="rect">
             <a:avLst/>
@@ -15133,6 +19511,13 @@
   <p:clrMapOvr>
     <a:masterClrMapping/>
   </p:clrMapOvr>
+  <p:timing>
+    <p:tnLst>
+      <p:par>
+        <p:cTn id="1" dur="indefinite" restart="never" nodeType="tmRoot"/>
+      </p:par>
+    </p:tnLst>
+  </p:timing>
 </p:sld>
 </file>
 

--- a/case-study-2/Loan Default case study findings.pptx
+++ b/case-study-2/Loan Default case study findings.pptx
@@ -2580,13 +2580,8 @@
         <a:p>
           <a:r>
             <a:rPr lang="en-US" sz="1200" dirty="0"/>
-            <a:t>To understand patterns by </a:t>
+            <a:t>To understand patterns by specific bins</a:t>
           </a:r>
-          <a:r>
-            <a:rPr lang="en-US" sz="1200" dirty="0" smtClean="0"/>
-            <a:t>specific bins</a:t>
-          </a:r>
-          <a:endParaRPr lang="en-US" sz="1200" dirty="0"/>
         </a:p>
       </dgm:t>
     </dgm:pt>
@@ -2764,13 +2759,6 @@
         </dgm:presLayoutVars>
       </dgm:prSet>
       <dgm:spPr/>
-      <dgm:t>
-        <a:bodyPr/>
-        <a:lstStyle/>
-        <a:p>
-          <a:endParaRPr lang="en-US"/>
-        </a:p>
-      </dgm:t>
     </dgm:pt>
     <dgm:pt modelId="{8D36B8EE-95BD-42E9-97E4-C76FF1BEC880}" type="pres">
       <dgm:prSet presAssocID="{EF1B1446-69BC-47C4-8514-F150AA28F0EA}" presName="composite" presStyleCnt="0"/>
@@ -2787,13 +2775,6 @@
         </dgm:presLayoutVars>
       </dgm:prSet>
       <dgm:spPr/>
-      <dgm:t>
-        <a:bodyPr/>
-        <a:lstStyle/>
-        <a:p>
-          <a:endParaRPr lang="en-US"/>
-        </a:p>
-      </dgm:t>
     </dgm:pt>
     <dgm:pt modelId="{BBB44E7E-AB3E-4D92-871E-B292ADB76B47}" type="pres">
       <dgm:prSet presAssocID="{7F856221-4F2B-4CA4-B600-9543E5A308DE}" presName="compositeSpace" presStyleCnt="0"/>
@@ -2814,13 +2795,6 @@
         </dgm:presLayoutVars>
       </dgm:prSet>
       <dgm:spPr/>
-      <dgm:t>
-        <a:bodyPr/>
-        <a:lstStyle/>
-        <a:p>
-          <a:endParaRPr lang="en-US"/>
-        </a:p>
-      </dgm:t>
     </dgm:pt>
     <dgm:pt modelId="{EA368C30-64A2-47E9-941D-4C1C0539C4AC}" type="pres">
       <dgm:prSet presAssocID="{C15E0D35-8EE1-43BE-99E2-026621475164}" presName="compositeSpace" presStyleCnt="0"/>
@@ -2841,37 +2815,30 @@
         </dgm:presLayoutVars>
       </dgm:prSet>
       <dgm:spPr/>
-      <dgm:t>
-        <a:bodyPr/>
-        <a:lstStyle/>
-        <a:p>
-          <a:endParaRPr lang="en-US"/>
-        </a:p>
-      </dgm:t>
     </dgm:pt>
   </dgm:ptLst>
   <dgm:cxnLst>
+    <dgm:cxn modelId="{375D9F00-A4E3-4DDB-88BE-A02D0F0266CC}" srcId="{260ED0EC-3CE0-4CED-A9DE-21D7404BDCD0}" destId="{86B8F369-2BAD-44A2-B061-A58F77A3D914}" srcOrd="1" destOrd="0" parTransId="{17AC7101-8587-49E1-8062-06B18423A11C}" sibTransId="{C15E0D35-8EE1-43BE-99E2-026621475164}"/>
     <dgm:cxn modelId="{6B332801-2428-4431-84A6-351E5BB1B875}" type="presOf" srcId="{C22126E4-D9D6-4406-A97E-8721897B7987}" destId="{2038D8A7-44D1-4F6C-96B1-E9C5DB2ECD20}" srcOrd="0" destOrd="1" presId="urn:microsoft.com/office/officeart/2005/8/layout/chevronAccent+Icon"/>
-    <dgm:cxn modelId="{CDA9D7E9-97D4-4E02-9257-FD7463CBF676}" srcId="{86B8F369-2BAD-44A2-B061-A58F77A3D914}" destId="{31E364CA-B981-4057-A779-A996CA2F34B2}" srcOrd="1" destOrd="0" parTransId="{0426EFB4-46D2-40AE-9C56-D1D4B923FDE6}" sibTransId="{A155A401-493D-4ACE-B747-12CE40125C05}"/>
-    <dgm:cxn modelId="{89754CB2-798E-4FF8-91A4-6433A8F09D0E}" type="presOf" srcId="{31E364CA-B981-4057-A779-A996CA2F34B2}" destId="{58A6145A-6296-47E3-BC97-C07C29E364BC}" srcOrd="0" destOrd="2" presId="urn:microsoft.com/office/officeart/2005/8/layout/chevronAccent+Icon"/>
-    <dgm:cxn modelId="{375D9F00-A4E3-4DDB-88BE-A02D0F0266CC}" srcId="{260ED0EC-3CE0-4CED-A9DE-21D7404BDCD0}" destId="{86B8F369-2BAD-44A2-B061-A58F77A3D914}" srcOrd="1" destOrd="0" parTransId="{17AC7101-8587-49E1-8062-06B18423A11C}" sibTransId="{C15E0D35-8EE1-43BE-99E2-026621475164}"/>
-    <dgm:cxn modelId="{FFEBB1A7-4574-4D8F-BDE4-B687D415FB8A}" srcId="{EF1B1446-69BC-47C4-8514-F150AA28F0EA}" destId="{C22126E4-D9D6-4406-A97E-8721897B7987}" srcOrd="0" destOrd="0" parTransId="{15D43299-0801-4844-A658-D850E193BD3D}" sibTransId="{482582C1-E0E5-485A-B66A-91E58EE6C971}"/>
-    <dgm:cxn modelId="{71545CF0-566C-4C30-BEF2-EB1AF8B6747C}" srcId="{86B8F369-2BAD-44A2-B061-A58F77A3D914}" destId="{F30F06E4-DC9C-4F09-ADAB-0A909D4BB14D}" srcOrd="0" destOrd="0" parTransId="{F73A12B3-C849-420B-978A-C2E42D7C7834}" sibTransId="{66928491-A25A-4754-8622-7431AE382D31}"/>
-    <dgm:cxn modelId="{CA5079AA-19BF-40ED-BE5A-F56E59647B37}" srcId="{81D1BB8B-FAA6-4D95-9961-8D6FAA4CE46E}" destId="{FF8DEC90-0BB5-4CC5-B690-76CE4C123E1A}" srcOrd="0" destOrd="0" parTransId="{1F5C6231-86D9-4E19-8845-56D2221D5474}" sibTransId="{F38A8B1D-D1B7-4CB8-8223-9A37A9884A8F}"/>
+    <dgm:cxn modelId="{EA60E505-4B26-4BC5-A132-A1C5A3B167B4}" type="presOf" srcId="{81D1BB8B-FAA6-4D95-9961-8D6FAA4CE46E}" destId="{B107831F-CEBB-41D5-95CB-0396851292DD}" srcOrd="0" destOrd="0" presId="urn:microsoft.com/office/officeart/2005/8/layout/chevronAccent+Icon"/>
+    <dgm:cxn modelId="{3C561A1E-D16C-4848-A12F-509C6BA03CB3}" type="presOf" srcId="{ED1CF0BA-E2DE-4DA7-946A-14214A8680F9}" destId="{58A6145A-6296-47E3-BC97-C07C29E364BC}" srcOrd="0" destOrd="3" presId="urn:microsoft.com/office/officeart/2005/8/layout/chevronAccent+Icon"/>
+    <dgm:cxn modelId="{23315F2E-1438-493A-B0F0-47AFBD37827F}" type="presOf" srcId="{78939EBB-1C96-4E36-B0FE-829E192333B6}" destId="{2038D8A7-44D1-4F6C-96B1-E9C5DB2ECD20}" srcOrd="0" destOrd="3" presId="urn:microsoft.com/office/officeart/2005/8/layout/chevronAccent+Icon"/>
+    <dgm:cxn modelId="{D4C0733D-68A9-4B86-AC7B-AD40D4D60DF6}" srcId="{260ED0EC-3CE0-4CED-A9DE-21D7404BDCD0}" destId="{EF1B1446-69BC-47C4-8514-F150AA28F0EA}" srcOrd="0" destOrd="0" parTransId="{7C22C5F4-35E8-4AD7-8731-9D394C041A22}" sibTransId="{7F856221-4F2B-4CA4-B600-9543E5A308DE}"/>
+    <dgm:cxn modelId="{F8929C62-CF7A-466B-9A8C-05B721052F36}" srcId="{86B8F369-2BAD-44A2-B061-A58F77A3D914}" destId="{ED1CF0BA-E2DE-4DA7-946A-14214A8680F9}" srcOrd="2" destOrd="0" parTransId="{8CA5FFB9-6664-4FA8-813A-395D0BC99AA5}" sibTransId="{80BE054C-6C31-48B2-A46A-7273F69CC5A5}"/>
     <dgm:cxn modelId="{F60B8966-7C8C-4407-A0C3-6E3925D16A82}" type="presOf" srcId="{F30F06E4-DC9C-4F09-ADAB-0A909D4BB14D}" destId="{58A6145A-6296-47E3-BC97-C07C29E364BC}" srcOrd="0" destOrd="1" presId="urn:microsoft.com/office/officeart/2005/8/layout/chevronAccent+Icon"/>
-    <dgm:cxn modelId="{3C561A1E-D16C-4848-A12F-509C6BA03CB3}" type="presOf" srcId="{ED1CF0BA-E2DE-4DA7-946A-14214A8680F9}" destId="{58A6145A-6296-47E3-BC97-C07C29E364BC}" srcOrd="0" destOrd="3" presId="urn:microsoft.com/office/officeart/2005/8/layout/chevronAccent+Icon"/>
     <dgm:cxn modelId="{7B2A5F76-A6DB-4AB4-BAE4-A6976238A83F}" type="presOf" srcId="{EF1B1446-69BC-47C4-8514-F150AA28F0EA}" destId="{2038D8A7-44D1-4F6C-96B1-E9C5DB2ECD20}" srcOrd="0" destOrd="0" presId="urn:microsoft.com/office/officeart/2005/8/layout/chevronAccent+Icon"/>
     <dgm:cxn modelId="{6C1CF68E-7E78-40D5-8D7E-F72754F60CEF}" type="presOf" srcId="{4A9D639A-18EB-43A3-9E6C-966481711B33}" destId="{2038D8A7-44D1-4F6C-96B1-E9C5DB2ECD20}" srcOrd="0" destOrd="2" presId="urn:microsoft.com/office/officeart/2005/8/layout/chevronAccent+Icon"/>
-    <dgm:cxn modelId="{F8929C62-CF7A-466B-9A8C-05B721052F36}" srcId="{86B8F369-2BAD-44A2-B061-A58F77A3D914}" destId="{ED1CF0BA-E2DE-4DA7-946A-14214A8680F9}" srcOrd="2" destOrd="0" parTransId="{8CA5FFB9-6664-4FA8-813A-395D0BC99AA5}" sibTransId="{80BE054C-6C31-48B2-A46A-7273F69CC5A5}"/>
-    <dgm:cxn modelId="{D4C0733D-68A9-4B86-AC7B-AD40D4D60DF6}" srcId="{260ED0EC-3CE0-4CED-A9DE-21D7404BDCD0}" destId="{EF1B1446-69BC-47C4-8514-F150AA28F0EA}" srcOrd="0" destOrd="0" parTransId="{7C22C5F4-35E8-4AD7-8731-9D394C041A22}" sibTransId="{7F856221-4F2B-4CA4-B600-9543E5A308DE}"/>
-    <dgm:cxn modelId="{CC1B06E5-17F1-4AB9-A456-5A0AE6E4F5FE}" type="presOf" srcId="{260ED0EC-3CE0-4CED-A9DE-21D7404BDCD0}" destId="{7D301E9D-EBE8-4637-A01D-BB538FC5E50B}" srcOrd="0" destOrd="0" presId="urn:microsoft.com/office/officeart/2005/8/layout/chevronAccent+Icon"/>
+    <dgm:cxn modelId="{854D128F-8789-413A-A294-715FABDD1119}" srcId="{EF1B1446-69BC-47C4-8514-F150AA28F0EA}" destId="{4A9D639A-18EB-43A3-9E6C-966481711B33}" srcOrd="1" destOrd="0" parTransId="{7F968EA3-C2C9-47DF-945E-1A6F1E259885}" sibTransId="{F9550CE1-1AE7-485B-BC91-02771481EFF6}"/>
+    <dgm:cxn modelId="{24D3B892-5992-45F1-9BF6-7EC3C08C4476}" type="presOf" srcId="{86B8F369-2BAD-44A2-B061-A58F77A3D914}" destId="{58A6145A-6296-47E3-BC97-C07C29E364BC}" srcOrd="0" destOrd="0" presId="urn:microsoft.com/office/officeart/2005/8/layout/chevronAccent+Icon"/>
+    <dgm:cxn modelId="{FFEBB1A7-4574-4D8F-BDE4-B687D415FB8A}" srcId="{EF1B1446-69BC-47C4-8514-F150AA28F0EA}" destId="{C22126E4-D9D6-4406-A97E-8721897B7987}" srcOrd="0" destOrd="0" parTransId="{15D43299-0801-4844-A658-D850E193BD3D}" sibTransId="{482582C1-E0E5-485A-B66A-91E58EE6C971}"/>
+    <dgm:cxn modelId="{CA5079AA-19BF-40ED-BE5A-F56E59647B37}" srcId="{81D1BB8B-FAA6-4D95-9961-8D6FAA4CE46E}" destId="{FF8DEC90-0BB5-4CC5-B690-76CE4C123E1A}" srcOrd="0" destOrd="0" parTransId="{1F5C6231-86D9-4E19-8845-56D2221D5474}" sibTransId="{F38A8B1D-D1B7-4CB8-8223-9A37A9884A8F}"/>
     <dgm:cxn modelId="{940607AB-4675-4257-9C0D-80C7D67DAB18}" srcId="{260ED0EC-3CE0-4CED-A9DE-21D7404BDCD0}" destId="{81D1BB8B-FAA6-4D95-9961-8D6FAA4CE46E}" srcOrd="2" destOrd="0" parTransId="{370B0C6A-D786-4B69-B009-B7650CAD43ED}" sibTransId="{41B71C27-8B5C-40A4-8634-7AC27047E0E4}"/>
-    <dgm:cxn modelId="{23315F2E-1438-493A-B0F0-47AFBD37827F}" type="presOf" srcId="{78939EBB-1C96-4E36-B0FE-829E192333B6}" destId="{2038D8A7-44D1-4F6C-96B1-E9C5DB2ECD20}" srcOrd="0" destOrd="3" presId="urn:microsoft.com/office/officeart/2005/8/layout/chevronAccent+Icon"/>
-    <dgm:cxn modelId="{24D3B892-5992-45F1-9BF6-7EC3C08C4476}" type="presOf" srcId="{86B8F369-2BAD-44A2-B061-A58F77A3D914}" destId="{58A6145A-6296-47E3-BC97-C07C29E364BC}" srcOrd="0" destOrd="0" presId="urn:microsoft.com/office/officeart/2005/8/layout/chevronAccent+Icon"/>
-    <dgm:cxn modelId="{EA60E505-4B26-4BC5-A132-A1C5A3B167B4}" type="presOf" srcId="{81D1BB8B-FAA6-4D95-9961-8D6FAA4CE46E}" destId="{B107831F-CEBB-41D5-95CB-0396851292DD}" srcOrd="0" destOrd="0" presId="urn:microsoft.com/office/officeart/2005/8/layout/chevronAccent+Icon"/>
-    <dgm:cxn modelId="{854D128F-8789-413A-A294-715FABDD1119}" srcId="{EF1B1446-69BC-47C4-8514-F150AA28F0EA}" destId="{4A9D639A-18EB-43A3-9E6C-966481711B33}" srcOrd="1" destOrd="0" parTransId="{7F968EA3-C2C9-47DF-945E-1A6F1E259885}" sibTransId="{F9550CE1-1AE7-485B-BC91-02771481EFF6}"/>
+    <dgm:cxn modelId="{89754CB2-798E-4FF8-91A4-6433A8F09D0E}" type="presOf" srcId="{31E364CA-B981-4057-A779-A996CA2F34B2}" destId="{58A6145A-6296-47E3-BC97-C07C29E364BC}" srcOrd="0" destOrd="2" presId="urn:microsoft.com/office/officeart/2005/8/layout/chevronAccent+Icon"/>
     <dgm:cxn modelId="{407E0AC5-EA5E-4C56-8632-700DD14F3FC2}" srcId="{EF1B1446-69BC-47C4-8514-F150AA28F0EA}" destId="{78939EBB-1C96-4E36-B0FE-829E192333B6}" srcOrd="2" destOrd="0" parTransId="{3FD27A03-F7A2-431E-97D5-04010645A050}" sibTransId="{B2D72634-189B-483C-965D-2E37C9A85657}"/>
     <dgm:cxn modelId="{E2F960E4-743C-4ECB-B80A-F721AFE7E072}" type="presOf" srcId="{FF8DEC90-0BB5-4CC5-B690-76CE4C123E1A}" destId="{B107831F-CEBB-41D5-95CB-0396851292DD}" srcOrd="0" destOrd="1" presId="urn:microsoft.com/office/officeart/2005/8/layout/chevronAccent+Icon"/>
+    <dgm:cxn modelId="{CC1B06E5-17F1-4AB9-A456-5A0AE6E4F5FE}" type="presOf" srcId="{260ED0EC-3CE0-4CED-A9DE-21D7404BDCD0}" destId="{7D301E9D-EBE8-4637-A01D-BB538FC5E50B}" srcOrd="0" destOrd="0" presId="urn:microsoft.com/office/officeart/2005/8/layout/chevronAccent+Icon"/>
+    <dgm:cxn modelId="{CDA9D7E9-97D4-4E02-9257-FD7463CBF676}" srcId="{86B8F369-2BAD-44A2-B061-A58F77A3D914}" destId="{31E364CA-B981-4057-A779-A996CA2F34B2}" srcOrd="1" destOrd="0" parTransId="{0426EFB4-46D2-40AE-9C56-D1D4B923FDE6}" sibTransId="{A155A401-493D-4ACE-B747-12CE40125C05}"/>
+    <dgm:cxn modelId="{71545CF0-566C-4C30-BEF2-EB1AF8B6747C}" srcId="{86B8F369-2BAD-44A2-B061-A58F77A3D914}" destId="{F30F06E4-DC9C-4F09-ADAB-0A909D4BB14D}" srcOrd="0" destOrd="0" parTransId="{F73A12B3-C849-420B-978A-C2E42D7C7834}" sibTransId="{66928491-A25A-4754-8622-7431AE382D31}"/>
     <dgm:cxn modelId="{0E023CB3-98AE-4B85-9551-431FA1AD5DA3}" type="presParOf" srcId="{7D301E9D-EBE8-4637-A01D-BB538FC5E50B}" destId="{8D36B8EE-95BD-42E9-97E4-C76FF1BEC880}" srcOrd="0" destOrd="0" presId="urn:microsoft.com/office/officeart/2005/8/layout/chevronAccent+Icon"/>
     <dgm:cxn modelId="{C74D6C2B-9426-4A43-8A6F-8D7A324726A4}" type="presParOf" srcId="{8D36B8EE-95BD-42E9-97E4-C76FF1BEC880}" destId="{3B66FC59-1B17-4256-BC4A-69EBCA3E6787}" srcOrd="0" destOrd="0" presId="urn:microsoft.com/office/officeart/2005/8/layout/chevronAccent+Icon"/>
     <dgm:cxn modelId="{7AE9414F-E5CB-4CBA-BC6F-6EA12785ECB4}" type="presParOf" srcId="{8D36B8EE-95BD-42E9-97E4-C76FF1BEC880}" destId="{2038D8A7-44D1-4F6C-96B1-E9C5DB2ECD20}" srcOrd="1" destOrd="0" presId="urn:microsoft.com/office/officeart/2005/8/layout/chevronAccent+Icon"/>
@@ -2988,10 +2955,9 @@
         <a:lstStyle/>
         <a:p>
           <a:r>
-            <a:rPr lang="en-US" sz="1400" dirty="0" smtClean="0"/>
+            <a:rPr lang="en-US" sz="1400" dirty="0"/>
             <a:t>Annual Income Bin</a:t>
           </a:r>
-          <a:endParaRPr lang="en-US" sz="1400" dirty="0"/>
         </a:p>
       </dgm:t>
     </dgm:pt>
@@ -3061,10 +3027,9 @@
         <a:lstStyle/>
         <a:p>
           <a:r>
-            <a:rPr lang="en-US" sz="1400" dirty="0" smtClean="0"/>
+            <a:rPr lang="en-US" sz="1400" dirty="0"/>
             <a:t>Annual Income</a:t>
           </a:r>
-          <a:endParaRPr lang="en-US" sz="1400" dirty="0"/>
         </a:p>
       </dgm:t>
     </dgm:pt>
@@ -3098,18 +3063,9 @@
         <a:lstStyle/>
         <a:p>
           <a:r>
-            <a:rPr lang="en-US" sz="1200" dirty="0" smtClean="0"/>
-            <a:t>Annual Income bins to understand </a:t>
+            <a:rPr lang="en-US" sz="1200" dirty="0"/>
+            <a:t>Annual Income bins to understand patterns by specific bins</a:t>
           </a:r>
-          <a:r>
-            <a:rPr lang="en-US" sz="1200" dirty="0"/>
-            <a:t>patterns by </a:t>
-          </a:r>
-          <a:r>
-            <a:rPr lang="en-US" sz="1200" dirty="0" smtClean="0"/>
-            <a:t>specific bins</a:t>
-          </a:r>
-          <a:endParaRPr lang="en-US" sz="1200" dirty="0"/>
         </a:p>
       </dgm:t>
     </dgm:pt>
@@ -3143,10 +3099,9 @@
         <a:lstStyle/>
         <a:p>
           <a:r>
-            <a:rPr lang="en-US" sz="1400" dirty="0" smtClean="0"/>
+            <a:rPr lang="en-US" sz="1400" dirty="0"/>
             <a:t>Loan Default</a:t>
           </a:r>
-          <a:endParaRPr lang="en-US" sz="1400" dirty="0"/>
         </a:p>
       </dgm:t>
     </dgm:pt>
@@ -3180,10 +3135,9 @@
         <a:lstStyle/>
         <a:p>
           <a:r>
-            <a:rPr lang="en-US" sz="1400" dirty="0" smtClean="0"/>
+            <a:rPr lang="en-US" sz="1400" dirty="0"/>
             <a:t>Loan Status	</a:t>
           </a:r>
-          <a:endParaRPr lang="en-US" sz="1400" dirty="0"/>
         </a:p>
       </dgm:t>
     </dgm:pt>
@@ -3217,10 +3171,9 @@
         <a:lstStyle/>
         <a:p>
           <a:r>
-            <a:rPr lang="en-US" sz="1200" dirty="0" smtClean="0"/>
+            <a:rPr lang="en-US" sz="1200" dirty="0"/>
             <a:t>Loan Default will have 1 for Charged Off and 0 for Fully Paid and Current. This will help in aggregating data</a:t>
           </a:r>
-          <a:endParaRPr lang="en-US" sz="1200" dirty="0"/>
         </a:p>
       </dgm:t>
     </dgm:pt>
@@ -3240,35 +3193,14 @@
         </dgm:presLayoutVars>
       </dgm:prSet>
       <dgm:spPr/>
-      <dgm:t>
-        <a:bodyPr/>
-        <a:lstStyle/>
-        <a:p>
-          <a:endParaRPr lang="en-US"/>
-        </a:p>
-      </dgm:t>
     </dgm:pt>
     <dgm:pt modelId="{8D36B8EE-95BD-42E9-97E4-C76FF1BEC880}" type="pres">
       <dgm:prSet presAssocID="{EF1B1446-69BC-47C4-8514-F150AA28F0EA}" presName="composite" presStyleCnt="0"/>
       <dgm:spPr/>
-      <dgm:t>
-        <a:bodyPr/>
-        <a:lstStyle/>
-        <a:p>
-          <a:endParaRPr lang="en-US"/>
-        </a:p>
-      </dgm:t>
     </dgm:pt>
     <dgm:pt modelId="{3B66FC59-1B17-4256-BC4A-69EBCA3E6787}" type="pres">
       <dgm:prSet presAssocID="{EF1B1446-69BC-47C4-8514-F150AA28F0EA}" presName="bgChev" presStyleLbl="node1" presStyleIdx="0" presStyleCnt="3"/>
       <dgm:spPr/>
-      <dgm:t>
-        <a:bodyPr/>
-        <a:lstStyle/>
-        <a:p>
-          <a:endParaRPr lang="en-US"/>
-        </a:p>
-      </dgm:t>
     </dgm:pt>
     <dgm:pt modelId="{2038D8A7-44D1-4F6C-96B1-E9C5DB2ECD20}" type="pres">
       <dgm:prSet presAssocID="{EF1B1446-69BC-47C4-8514-F150AA28F0EA}" presName="txNode" presStyleLbl="fgAcc1" presStyleIdx="0" presStyleCnt="3">
@@ -3277,46 +3209,18 @@
         </dgm:presLayoutVars>
       </dgm:prSet>
       <dgm:spPr/>
-      <dgm:t>
-        <a:bodyPr/>
-        <a:lstStyle/>
-        <a:p>
-          <a:endParaRPr lang="en-US"/>
-        </a:p>
-      </dgm:t>
     </dgm:pt>
     <dgm:pt modelId="{BBB44E7E-AB3E-4D92-871E-B292ADB76B47}" type="pres">
       <dgm:prSet presAssocID="{7F856221-4F2B-4CA4-B600-9543E5A308DE}" presName="compositeSpace" presStyleCnt="0"/>
       <dgm:spPr/>
-      <dgm:t>
-        <a:bodyPr/>
-        <a:lstStyle/>
-        <a:p>
-          <a:endParaRPr lang="en-US"/>
-        </a:p>
-      </dgm:t>
     </dgm:pt>
     <dgm:pt modelId="{5FFFD53B-4C2E-4F7C-96F7-FC9F197EAFE0}" type="pres">
       <dgm:prSet presAssocID="{86B8F369-2BAD-44A2-B061-A58F77A3D914}" presName="composite" presStyleCnt="0"/>
       <dgm:spPr/>
-      <dgm:t>
-        <a:bodyPr/>
-        <a:lstStyle/>
-        <a:p>
-          <a:endParaRPr lang="en-US"/>
-        </a:p>
-      </dgm:t>
     </dgm:pt>
     <dgm:pt modelId="{51531E4D-7BAC-4397-A3C0-7B12FBC5010C}" type="pres">
       <dgm:prSet presAssocID="{86B8F369-2BAD-44A2-B061-A58F77A3D914}" presName="bgChev" presStyleLbl="node1" presStyleIdx="1" presStyleCnt="3"/>
       <dgm:spPr/>
-      <dgm:t>
-        <a:bodyPr/>
-        <a:lstStyle/>
-        <a:p>
-          <a:endParaRPr lang="en-US"/>
-        </a:p>
-      </dgm:t>
     </dgm:pt>
     <dgm:pt modelId="{58A6145A-6296-47E3-BC97-C07C29E364BC}" type="pres">
       <dgm:prSet presAssocID="{86B8F369-2BAD-44A2-B061-A58F77A3D914}" presName="txNode" presStyleLbl="fgAcc1" presStyleIdx="1" presStyleCnt="3">
@@ -3325,46 +3229,18 @@
         </dgm:presLayoutVars>
       </dgm:prSet>
       <dgm:spPr/>
-      <dgm:t>
-        <a:bodyPr/>
-        <a:lstStyle/>
-        <a:p>
-          <a:endParaRPr lang="en-US"/>
-        </a:p>
-      </dgm:t>
     </dgm:pt>
     <dgm:pt modelId="{EA368C30-64A2-47E9-941D-4C1C0539C4AC}" type="pres">
       <dgm:prSet presAssocID="{C15E0D35-8EE1-43BE-99E2-026621475164}" presName="compositeSpace" presStyleCnt="0"/>
       <dgm:spPr/>
-      <dgm:t>
-        <a:bodyPr/>
-        <a:lstStyle/>
-        <a:p>
-          <a:endParaRPr lang="en-US"/>
-        </a:p>
-      </dgm:t>
     </dgm:pt>
     <dgm:pt modelId="{D3DE9953-9BF6-4750-A4A1-DDC58D5B5A2A}" type="pres">
       <dgm:prSet presAssocID="{81D1BB8B-FAA6-4D95-9961-8D6FAA4CE46E}" presName="composite" presStyleCnt="0"/>
       <dgm:spPr/>
-      <dgm:t>
-        <a:bodyPr/>
-        <a:lstStyle/>
-        <a:p>
-          <a:endParaRPr lang="en-US"/>
-        </a:p>
-      </dgm:t>
     </dgm:pt>
     <dgm:pt modelId="{3A457D63-83D2-4ABC-9F16-B3ECA7C24D62}" type="pres">
       <dgm:prSet presAssocID="{81D1BB8B-FAA6-4D95-9961-8D6FAA4CE46E}" presName="bgChev" presStyleLbl="node1" presStyleIdx="2" presStyleCnt="3"/>
       <dgm:spPr/>
-      <dgm:t>
-        <a:bodyPr/>
-        <a:lstStyle/>
-        <a:p>
-          <a:endParaRPr lang="en-US"/>
-        </a:p>
-      </dgm:t>
     </dgm:pt>
     <dgm:pt modelId="{B107831F-CEBB-41D5-95CB-0396851292DD}" type="pres">
       <dgm:prSet presAssocID="{81D1BB8B-FAA6-4D95-9961-8D6FAA4CE46E}" presName="txNode" presStyleLbl="fgAcc1" presStyleIdx="2" presStyleCnt="3" custScaleY="111805">
@@ -3373,35 +3249,28 @@
         </dgm:presLayoutVars>
       </dgm:prSet>
       <dgm:spPr/>
-      <dgm:t>
-        <a:bodyPr/>
-        <a:lstStyle/>
-        <a:p>
-          <a:endParaRPr lang="en-US"/>
-        </a:p>
-      </dgm:t>
     </dgm:pt>
   </dgm:ptLst>
   <dgm:cxnLst>
-    <dgm:cxn modelId="{71545CF0-566C-4C30-BEF2-EB1AF8B6747C}" srcId="{86B8F369-2BAD-44A2-B061-A58F77A3D914}" destId="{F30F06E4-DC9C-4F09-ADAB-0A909D4BB14D}" srcOrd="0" destOrd="0" parTransId="{F73A12B3-C849-420B-978A-C2E42D7C7834}" sibTransId="{66928491-A25A-4754-8622-7431AE382D31}"/>
-    <dgm:cxn modelId="{3016284C-82FE-4C4C-B1D2-96D4ABD04232}" type="presOf" srcId="{EF1B1446-69BC-47C4-8514-F150AA28F0EA}" destId="{2038D8A7-44D1-4F6C-96B1-E9C5DB2ECD20}" srcOrd="0" destOrd="0" presId="urn:microsoft.com/office/officeart/2005/8/layout/chevronAccent+Icon"/>
+    <dgm:cxn modelId="{375D9F00-A4E3-4DDB-88BE-A02D0F0266CC}" srcId="{260ED0EC-3CE0-4CED-A9DE-21D7404BDCD0}" destId="{86B8F369-2BAD-44A2-B061-A58F77A3D914}" srcOrd="1" destOrd="0" parTransId="{17AC7101-8587-49E1-8062-06B18423A11C}" sibTransId="{C15E0D35-8EE1-43BE-99E2-026621475164}"/>
     <dgm:cxn modelId="{1613A132-5CD7-469D-B6F3-B8BEF2FC088E}" type="presOf" srcId="{260ED0EC-3CE0-4CED-A9DE-21D7404BDCD0}" destId="{7D301E9D-EBE8-4637-A01D-BB538FC5E50B}" srcOrd="0" destOrd="0" presId="urn:microsoft.com/office/officeart/2005/8/layout/chevronAccent+Icon"/>
     <dgm:cxn modelId="{D4C0733D-68A9-4B86-AC7B-AD40D4D60DF6}" srcId="{260ED0EC-3CE0-4CED-A9DE-21D7404BDCD0}" destId="{EF1B1446-69BC-47C4-8514-F150AA28F0EA}" srcOrd="0" destOrd="0" parTransId="{7C22C5F4-35E8-4AD7-8731-9D394C041A22}" sibTransId="{7F856221-4F2B-4CA4-B600-9543E5A308DE}"/>
-    <dgm:cxn modelId="{51BF79CB-7D8B-43FC-8780-04B5D1E7A40B}" srcId="{81D1BB8B-FAA6-4D95-9961-8D6FAA4CE46E}" destId="{1D125DE1-7771-4E8C-B2B6-21F2C0D9C2F5}" srcOrd="1" destOrd="0" parTransId="{F21DB5E3-F568-49D7-A531-C28513B38106}" sibTransId="{E7969BA0-B8D1-471E-996C-BB5B65201A7C}"/>
+    <dgm:cxn modelId="{3016284C-82FE-4C4C-B1D2-96D4ABD04232}" type="presOf" srcId="{EF1B1446-69BC-47C4-8514-F150AA28F0EA}" destId="{2038D8A7-44D1-4F6C-96B1-E9C5DB2ECD20}" srcOrd="0" destOrd="0" presId="urn:microsoft.com/office/officeart/2005/8/layout/chevronAccent+Icon"/>
     <dgm:cxn modelId="{8D148974-C0A9-4432-A920-9EF041C32694}" type="presOf" srcId="{C22126E4-D9D6-4406-A97E-8721897B7987}" destId="{2038D8A7-44D1-4F6C-96B1-E9C5DB2ECD20}" srcOrd="0" destOrd="1" presId="urn:microsoft.com/office/officeart/2005/8/layout/chevronAccent+Icon"/>
-    <dgm:cxn modelId="{D16177CC-4D00-4EAF-8033-F0182D8FDD2A}" type="presOf" srcId="{F30F06E4-DC9C-4F09-ADAB-0A909D4BB14D}" destId="{58A6145A-6296-47E3-BC97-C07C29E364BC}" srcOrd="0" destOrd="1" presId="urn:microsoft.com/office/officeart/2005/8/layout/chevronAccent+Icon"/>
     <dgm:cxn modelId="{6E2D2096-5646-491E-9860-081842F19729}" type="presOf" srcId="{1D125DE1-7771-4E8C-B2B6-21F2C0D9C2F5}" destId="{B107831F-CEBB-41D5-95CB-0396851292DD}" srcOrd="0" destOrd="2" presId="urn:microsoft.com/office/officeart/2005/8/layout/chevronAccent+Icon"/>
-    <dgm:cxn modelId="{E6EBCCB2-D91B-4A72-8B58-552EA26E149A}" type="presOf" srcId="{F5212BBA-779A-46BB-9A61-AAC29A260A75}" destId="{2038D8A7-44D1-4F6C-96B1-E9C5DB2ECD20}" srcOrd="0" destOrd="2" presId="urn:microsoft.com/office/officeart/2005/8/layout/chevronAccent+Icon"/>
-    <dgm:cxn modelId="{CDA9D7E9-97D4-4E02-9257-FD7463CBF676}" srcId="{86B8F369-2BAD-44A2-B061-A58F77A3D914}" destId="{31E364CA-B981-4057-A779-A996CA2F34B2}" srcOrd="1" destOrd="0" parTransId="{0426EFB4-46D2-40AE-9C56-D1D4B923FDE6}" sibTransId="{A155A401-493D-4ACE-B747-12CE40125C05}"/>
+    <dgm:cxn modelId="{ACBBED9C-C8D0-4FC6-8734-1D4B490E593F}" type="presOf" srcId="{86B8F369-2BAD-44A2-B061-A58F77A3D914}" destId="{58A6145A-6296-47E3-BC97-C07C29E364BC}" srcOrd="0" destOrd="0" presId="urn:microsoft.com/office/officeart/2005/8/layout/chevronAccent+Icon"/>
+    <dgm:cxn modelId="{FFEBB1A7-4574-4D8F-BDE4-B687D415FB8A}" srcId="{EF1B1446-69BC-47C4-8514-F150AA28F0EA}" destId="{C22126E4-D9D6-4406-A97E-8721897B7987}" srcOrd="0" destOrd="0" parTransId="{15D43299-0801-4844-A658-D850E193BD3D}" sibTransId="{482582C1-E0E5-485A-B66A-91E58EE6C971}"/>
     <dgm:cxn modelId="{CA5079AA-19BF-40ED-BE5A-F56E59647B37}" srcId="{81D1BB8B-FAA6-4D95-9961-8D6FAA4CE46E}" destId="{FF8DEC90-0BB5-4CC5-B690-76CE4C123E1A}" srcOrd="0" destOrd="0" parTransId="{1F5C6231-86D9-4E19-8845-56D2221D5474}" sibTransId="{F38A8B1D-D1B7-4CB8-8223-9A37A9884A8F}"/>
     <dgm:cxn modelId="{940607AB-4675-4257-9C0D-80C7D67DAB18}" srcId="{260ED0EC-3CE0-4CED-A9DE-21D7404BDCD0}" destId="{81D1BB8B-FAA6-4D95-9961-8D6FAA4CE46E}" srcOrd="2" destOrd="0" parTransId="{370B0C6A-D786-4B69-B009-B7650CAD43ED}" sibTransId="{41B71C27-8B5C-40A4-8634-7AC27047E0E4}"/>
+    <dgm:cxn modelId="{42AC1BAB-5B19-4C47-B5F1-C9B841F1DB2E}" srcId="{EF1B1446-69BC-47C4-8514-F150AA28F0EA}" destId="{F5212BBA-779A-46BB-9A61-AAC29A260A75}" srcOrd="1" destOrd="0" parTransId="{D95FEF63-7E47-4BCE-9B13-64CF192CF975}" sibTransId="{E7DCE3BD-D517-4CDA-A3E4-108813FD5D13}"/>
+    <dgm:cxn modelId="{E6EBCCB2-D91B-4A72-8B58-552EA26E149A}" type="presOf" srcId="{F5212BBA-779A-46BB-9A61-AAC29A260A75}" destId="{2038D8A7-44D1-4F6C-96B1-E9C5DB2ECD20}" srcOrd="0" destOrd="2" presId="urn:microsoft.com/office/officeart/2005/8/layout/chevronAccent+Icon"/>
     <dgm:cxn modelId="{981DD1B4-BCD7-4CF0-BC11-F0C858964C93}" type="presOf" srcId="{FF8DEC90-0BB5-4CC5-B690-76CE4C123E1A}" destId="{B107831F-CEBB-41D5-95CB-0396851292DD}" srcOrd="0" destOrd="1" presId="urn:microsoft.com/office/officeart/2005/8/layout/chevronAccent+Icon"/>
+    <dgm:cxn modelId="{09C468C7-8FFA-45DD-9BAE-7F37E9F607D8}" type="presOf" srcId="{81D1BB8B-FAA6-4D95-9961-8D6FAA4CE46E}" destId="{B107831F-CEBB-41D5-95CB-0396851292DD}" srcOrd="0" destOrd="0" presId="urn:microsoft.com/office/officeart/2005/8/layout/chevronAccent+Icon"/>
+    <dgm:cxn modelId="{51BF79CB-7D8B-43FC-8780-04B5D1E7A40B}" srcId="{81D1BB8B-FAA6-4D95-9961-8D6FAA4CE46E}" destId="{1D125DE1-7771-4E8C-B2B6-21F2C0D9C2F5}" srcOrd="1" destOrd="0" parTransId="{F21DB5E3-F568-49D7-A531-C28513B38106}" sibTransId="{E7969BA0-B8D1-471E-996C-BB5B65201A7C}"/>
+    <dgm:cxn modelId="{D16177CC-4D00-4EAF-8033-F0182D8FDD2A}" type="presOf" srcId="{F30F06E4-DC9C-4F09-ADAB-0A909D4BB14D}" destId="{58A6145A-6296-47E3-BC97-C07C29E364BC}" srcOrd="0" destOrd="1" presId="urn:microsoft.com/office/officeart/2005/8/layout/chevronAccent+Icon"/>
     <dgm:cxn modelId="{DEC225CE-AA36-4EFC-8411-5E730B3AFD7F}" type="presOf" srcId="{31E364CA-B981-4057-A779-A996CA2F34B2}" destId="{58A6145A-6296-47E3-BC97-C07C29E364BC}" srcOrd="0" destOrd="2" presId="urn:microsoft.com/office/officeart/2005/8/layout/chevronAccent+Icon"/>
-    <dgm:cxn modelId="{375D9F00-A4E3-4DDB-88BE-A02D0F0266CC}" srcId="{260ED0EC-3CE0-4CED-A9DE-21D7404BDCD0}" destId="{86B8F369-2BAD-44A2-B061-A58F77A3D914}" srcOrd="1" destOrd="0" parTransId="{17AC7101-8587-49E1-8062-06B18423A11C}" sibTransId="{C15E0D35-8EE1-43BE-99E2-026621475164}"/>
-    <dgm:cxn modelId="{ACBBED9C-C8D0-4FC6-8734-1D4B490E593F}" type="presOf" srcId="{86B8F369-2BAD-44A2-B061-A58F77A3D914}" destId="{58A6145A-6296-47E3-BC97-C07C29E364BC}" srcOrd="0" destOrd="0" presId="urn:microsoft.com/office/officeart/2005/8/layout/chevronAccent+Icon"/>
-    <dgm:cxn modelId="{42AC1BAB-5B19-4C47-B5F1-C9B841F1DB2E}" srcId="{EF1B1446-69BC-47C4-8514-F150AA28F0EA}" destId="{F5212BBA-779A-46BB-9A61-AAC29A260A75}" srcOrd="1" destOrd="0" parTransId="{D95FEF63-7E47-4BCE-9B13-64CF192CF975}" sibTransId="{E7DCE3BD-D517-4CDA-A3E4-108813FD5D13}"/>
-    <dgm:cxn modelId="{FFEBB1A7-4574-4D8F-BDE4-B687D415FB8A}" srcId="{EF1B1446-69BC-47C4-8514-F150AA28F0EA}" destId="{C22126E4-D9D6-4406-A97E-8721897B7987}" srcOrd="0" destOrd="0" parTransId="{15D43299-0801-4844-A658-D850E193BD3D}" sibTransId="{482582C1-E0E5-485A-B66A-91E58EE6C971}"/>
-    <dgm:cxn modelId="{09C468C7-8FFA-45DD-9BAE-7F37E9F607D8}" type="presOf" srcId="{81D1BB8B-FAA6-4D95-9961-8D6FAA4CE46E}" destId="{B107831F-CEBB-41D5-95CB-0396851292DD}" srcOrd="0" destOrd="0" presId="urn:microsoft.com/office/officeart/2005/8/layout/chevronAccent+Icon"/>
+    <dgm:cxn modelId="{CDA9D7E9-97D4-4E02-9257-FD7463CBF676}" srcId="{86B8F369-2BAD-44A2-B061-A58F77A3D914}" destId="{31E364CA-B981-4057-A779-A996CA2F34B2}" srcOrd="1" destOrd="0" parTransId="{0426EFB4-46D2-40AE-9C56-D1D4B923FDE6}" sibTransId="{A155A401-493D-4ACE-B747-12CE40125C05}"/>
+    <dgm:cxn modelId="{71545CF0-566C-4C30-BEF2-EB1AF8B6747C}" srcId="{86B8F369-2BAD-44A2-B061-A58F77A3D914}" destId="{F30F06E4-DC9C-4F09-ADAB-0A909D4BB14D}" srcOrd="0" destOrd="0" parTransId="{F73A12B3-C849-420B-978A-C2E42D7C7834}" sibTransId="{66928491-A25A-4754-8622-7431AE382D31}"/>
     <dgm:cxn modelId="{535CDB2B-2A61-4E28-AEE6-6DCACAA03F96}" type="presParOf" srcId="{7D301E9D-EBE8-4637-A01D-BB538FC5E50B}" destId="{8D36B8EE-95BD-42E9-97E4-C76FF1BEC880}" srcOrd="0" destOrd="0" presId="urn:microsoft.com/office/officeart/2005/8/layout/chevronAccent+Icon"/>
     <dgm:cxn modelId="{C08B2D41-B79C-458C-BA10-D74550071C68}" type="presParOf" srcId="{8D36B8EE-95BD-42E9-97E4-C76FF1BEC880}" destId="{3B66FC59-1B17-4256-BC4A-69EBCA3E6787}" srcOrd="0" destOrd="0" presId="urn:microsoft.com/office/officeart/2005/8/layout/chevronAccent+Icon"/>
     <dgm:cxn modelId="{E2223627-FD27-4E20-92BE-D0C69FE74916}" type="presParOf" srcId="{8D36B8EE-95BD-42E9-97E4-C76FF1BEC880}" destId="{2038D8A7-44D1-4F6C-96B1-E9C5DB2ECD20}" srcOrd="1" destOrd="0" presId="urn:microsoft.com/office/officeart/2005/8/layout/chevronAccent+Icon"/>
@@ -3449,10 +3318,9 @@
         <a:p>
           <a:pPr algn="l"/>
           <a:r>
-            <a:rPr lang="en-US" dirty="0" smtClean="0"/>
+            <a:rPr lang="en-US" dirty="0"/>
             <a:t>Interest Rate</a:t>
           </a:r>
-          <a:endParaRPr lang="en-US" dirty="0"/>
         </a:p>
       </dgm:t>
     </dgm:pt>
@@ -3487,10 +3355,9 @@
         <a:p>
           <a:pPr algn="l"/>
           <a:r>
-            <a:rPr lang="en-US" dirty="0" smtClean="0"/>
+            <a:rPr lang="en-US" dirty="0"/>
             <a:t>DTI : Debt to Income Ratio</a:t>
           </a:r>
-          <a:endParaRPr lang="en-US" dirty="0"/>
         </a:p>
       </dgm:t>
     </dgm:pt>
@@ -3524,7 +3391,22 @@
         <a:lstStyle/>
         <a:p>
           <a:pPr algn="l"/>
-          <a:endParaRPr lang="en-US" dirty="0"/>
+          <a:r>
+            <a:rPr lang="en-US" dirty="0" err="1"/>
+            <a:t>Revol</a:t>
+          </a:r>
+          <a:r>
+            <a:rPr lang="en-US" dirty="0"/>
+            <a:t> </a:t>
+          </a:r>
+          <a:r>
+            <a:rPr lang="en-US" dirty="0" err="1"/>
+            <a:t>Util</a:t>
+          </a:r>
+          <a:r>
+            <a:rPr lang="en-US" dirty="0"/>
+            <a:t>: Revolving Utilization %</a:t>
+          </a:r>
         </a:p>
       </dgm:t>
     </dgm:pt>
@@ -3558,7 +3440,10 @@
         <a:lstStyle/>
         <a:p>
           <a:pPr algn="l"/>
-          <a:endParaRPr lang="en-US" dirty="0"/>
+          <a:r>
+            <a:rPr lang="en-US" dirty="0"/>
+            <a:t>Loan purpose</a:t>
+          </a:r>
         </a:p>
       </dgm:t>
     </dgm:pt>
@@ -3586,13 +3471,56 @@
     </dgm:pt>
     <dgm:pt modelId="{8A48A12A-C404-4020-824E-D49F89E14C71}">
       <dgm:prSet phldrT="[Text]" custT="1"/>
-      <dgm:spPr/>
+      <dgm:spPr>
+        <a:solidFill>
+          <a:srgbClr val="44546A">
+            <a:hueOff val="0"/>
+            <a:satOff val="0"/>
+            <a:lumOff val="0"/>
+            <a:alphaOff val="0"/>
+          </a:srgbClr>
+        </a:solidFill>
+        <a:ln w="19050" cap="flat" cmpd="sng" algn="ctr">
+          <a:solidFill>
+            <a:srgbClr val="E7E6E6">
+              <a:hueOff val="0"/>
+              <a:satOff val="0"/>
+              <a:lumOff val="0"/>
+              <a:alphaOff val="0"/>
+            </a:srgbClr>
+          </a:solidFill>
+          <a:prstDash val="solid"/>
+          <a:miter lim="800000"/>
+        </a:ln>
+        <a:effectLst/>
+      </dgm:spPr>
       <dgm:t>
-        <a:bodyPr/>
+        <a:bodyPr spcFirstLastPara="0" vert="horz" wrap="square" lIns="110490" tIns="55245" rIns="110490" bIns="55245" numCol="1" spcCol="1270" anchor="ctr" anchorCtr="0"/>
         <a:lstStyle/>
         <a:p>
-          <a:pPr algn="ctr"/>
-          <a:endParaRPr lang="en-US" sz="1500" dirty="0"/>
+          <a:pPr marL="0" lvl="0" indent="0" algn="l" defTabSz="1289050">
+            <a:lnSpc>
+              <a:spcPct val="90000"/>
+            </a:lnSpc>
+            <a:spcBef>
+              <a:spcPct val="0"/>
+            </a:spcBef>
+            <a:spcAft>
+              <a:spcPct val="35000"/>
+            </a:spcAft>
+            <a:buNone/>
+          </a:pPr>
+          <a:r>
+            <a:rPr lang="en-US" sz="2900" kern="1200" dirty="0">
+              <a:solidFill>
+                <a:prstClr val="white"/>
+              </a:solidFill>
+              <a:latin typeface="Calibri" panose="020F0502020204030204"/>
+              <a:ea typeface="+mn-ea"/>
+              <a:cs typeface="+mn-cs"/>
+            </a:rPr>
+            <a:t>Home Ownership</a:t>
+          </a:r>
         </a:p>
       </dgm:t>
     </dgm:pt>
@@ -3627,20 +3555,33 @@
         <a:p>
           <a:pPr algn="l"/>
           <a:r>
-            <a:rPr lang="en-US" dirty="0" smtClean="0"/>
+            <a:rPr lang="en-US" dirty="0"/>
             <a:t>Higher interest rates are having higher charged off</a:t>
           </a:r>
-          <a:endParaRPr lang="en-US" dirty="0"/>
         </a:p>
       </dgm:t>
     </dgm:pt>
     <dgm:pt modelId="{14FA42E5-9026-4DD4-8D5B-73060AAA0839}" type="parTrans" cxnId="{C247A8E3-0EA0-46CE-B0A7-7AB72645B3C6}">
       <dgm:prSet/>
       <dgm:spPr/>
+      <dgm:t>
+        <a:bodyPr/>
+        <a:lstStyle/>
+        <a:p>
+          <a:endParaRPr lang="en-US"/>
+        </a:p>
+      </dgm:t>
     </dgm:pt>
     <dgm:pt modelId="{72D6EB60-EAAE-456F-B6F9-CAFEF2668F45}" type="sibTrans" cxnId="{C247A8E3-0EA0-46CE-B0A7-7AB72645B3C6}">
       <dgm:prSet/>
       <dgm:spPr/>
+      <dgm:t>
+        <a:bodyPr/>
+        <a:lstStyle/>
+        <a:p>
+          <a:endParaRPr lang="en-US"/>
+        </a:p>
+      </dgm:t>
     </dgm:pt>
     <dgm:pt modelId="{39923927-2CF6-425F-9428-E8701B7D480A}">
       <dgm:prSet phldrT="[Text]"/>
@@ -3651,20 +3592,33 @@
         <a:p>
           <a:pPr algn="l"/>
           <a:r>
-            <a:rPr lang="en-US" dirty="0" smtClean="0"/>
+            <a:rPr lang="en-US" dirty="0"/>
             <a:t>Since interest rates are derived by grades and subgrade, higher risk grades needs to be monitored for charged off</a:t>
           </a:r>
-          <a:endParaRPr lang="en-US" dirty="0"/>
         </a:p>
       </dgm:t>
     </dgm:pt>
     <dgm:pt modelId="{51B98856-5E7F-4589-9690-54EEBA6525A3}" type="parTrans" cxnId="{B55F2DE8-F09A-4823-931C-449CEC430404}">
       <dgm:prSet/>
       <dgm:spPr/>
+      <dgm:t>
+        <a:bodyPr/>
+        <a:lstStyle/>
+        <a:p>
+          <a:endParaRPr lang="en-US"/>
+        </a:p>
+      </dgm:t>
     </dgm:pt>
     <dgm:pt modelId="{E68AC9D6-C8AF-4468-BF0C-FA4DC915C412}" type="sibTrans" cxnId="{B55F2DE8-F09A-4823-931C-449CEC430404}">
       <dgm:prSet/>
       <dgm:spPr/>
+      <dgm:t>
+        <a:bodyPr/>
+        <a:lstStyle/>
+        <a:p>
+          <a:endParaRPr lang="en-US"/>
+        </a:p>
+      </dgm:t>
     </dgm:pt>
     <dgm:pt modelId="{0D49AD60-F5D9-44CB-94F6-411467CAB09B}">
       <dgm:prSet phldrT="[Text]"/>
@@ -3681,10 +3635,493 @@
     <dgm:pt modelId="{DBC4C1E3-A293-4514-AC96-E47FC5A43C7A}" type="parTrans" cxnId="{2D8BC0D7-DD76-4982-95D0-9672ACFDDF1C}">
       <dgm:prSet/>
       <dgm:spPr/>
+      <dgm:t>
+        <a:bodyPr/>
+        <a:lstStyle/>
+        <a:p>
+          <a:endParaRPr lang="en-US"/>
+        </a:p>
+      </dgm:t>
     </dgm:pt>
     <dgm:pt modelId="{5E064BE7-F7E8-4BD5-83B6-23EAE85AC1EA}" type="sibTrans" cxnId="{2D8BC0D7-DD76-4982-95D0-9672ACFDDF1C}">
       <dgm:prSet/>
       <dgm:spPr/>
+      <dgm:t>
+        <a:bodyPr/>
+        <a:lstStyle/>
+        <a:p>
+          <a:endParaRPr lang="en-US"/>
+        </a:p>
+      </dgm:t>
+    </dgm:pt>
+    <dgm:pt modelId="{612AD7E2-1CD8-479C-9CE6-D97CB74FD0DC}">
+      <dgm:prSet phldrT="[Text]" custT="1"/>
+      <dgm:spPr>
+        <a:solidFill>
+          <a:srgbClr val="44546A">
+            <a:hueOff val="0"/>
+            <a:satOff val="0"/>
+            <a:lumOff val="0"/>
+            <a:alphaOff val="0"/>
+          </a:srgbClr>
+        </a:solidFill>
+        <a:ln w="19050" cap="flat" cmpd="sng" algn="ctr">
+          <a:solidFill>
+            <a:srgbClr val="E7E6E6">
+              <a:hueOff val="0"/>
+              <a:satOff val="0"/>
+              <a:lumOff val="0"/>
+              <a:alphaOff val="0"/>
+            </a:srgbClr>
+          </a:solidFill>
+          <a:prstDash val="solid"/>
+          <a:miter lim="800000"/>
+        </a:ln>
+        <a:effectLst/>
+      </dgm:spPr>
+      <dgm:t>
+        <a:bodyPr spcFirstLastPara="0" vert="horz" wrap="square" lIns="110490" tIns="55245" rIns="110490" bIns="55245" numCol="1" spcCol="1270" anchor="ctr" anchorCtr="0"/>
+        <a:lstStyle/>
+        <a:p>
+          <a:pPr marL="0" lvl="0" indent="0" algn="l" defTabSz="1289050">
+            <a:lnSpc>
+              <a:spcPct val="90000"/>
+            </a:lnSpc>
+            <a:spcBef>
+              <a:spcPct val="0"/>
+            </a:spcBef>
+            <a:spcAft>
+              <a:spcPct val="35000"/>
+            </a:spcAft>
+            <a:buNone/>
+          </a:pPr>
+          <a:r>
+            <a:rPr lang="en-US" sz="2900" kern="1200" dirty="0">
+              <a:solidFill>
+                <a:prstClr val="white"/>
+              </a:solidFill>
+              <a:latin typeface="Calibri" panose="020F0502020204030204"/>
+              <a:ea typeface="+mn-ea"/>
+              <a:cs typeface="+mn-cs"/>
+            </a:rPr>
+            <a:t>Verification Status</a:t>
+          </a:r>
+        </a:p>
+      </dgm:t>
+    </dgm:pt>
+    <dgm:pt modelId="{218B778E-9D05-44A3-9BBF-74BC09051EF9}" type="parTrans" cxnId="{E18D7708-2E58-4DA9-BB60-ECE131FE877D}">
+      <dgm:prSet/>
+      <dgm:spPr/>
+      <dgm:t>
+        <a:bodyPr/>
+        <a:lstStyle/>
+        <a:p>
+          <a:endParaRPr lang="en-US"/>
+        </a:p>
+      </dgm:t>
+    </dgm:pt>
+    <dgm:pt modelId="{729B2D9F-2D7B-44CD-BF64-517DDBDE5EAB}" type="sibTrans" cxnId="{E18D7708-2E58-4DA9-BB60-ECE131FE877D}">
+      <dgm:prSet/>
+      <dgm:spPr/>
+      <dgm:t>
+        <a:bodyPr/>
+        <a:lstStyle/>
+        <a:p>
+          <a:endParaRPr lang="en-US"/>
+        </a:p>
+      </dgm:t>
+    </dgm:pt>
+    <dgm:pt modelId="{CA3830C4-54E8-41E4-AE4F-A20C2462B4EB}">
+      <dgm:prSet/>
+      <dgm:spPr/>
+      <dgm:t>
+        <a:bodyPr/>
+        <a:lstStyle/>
+        <a:p>
+          <a:pPr algn="l"/>
+          <a:r>
+            <a:rPr lang="en-US" dirty="0"/>
+            <a:t>Higher the debt to income ratio there is a high risk of people defaulting on the loan</a:t>
+          </a:r>
+        </a:p>
+      </dgm:t>
+    </dgm:pt>
+    <dgm:pt modelId="{C5B37EF4-CFA2-4E82-B5C4-979C9D2383E9}" type="parTrans" cxnId="{4A414864-D55D-4DFB-8FFF-E6AD427D335C}">
+      <dgm:prSet/>
+      <dgm:spPr/>
+      <dgm:t>
+        <a:bodyPr/>
+        <a:lstStyle/>
+        <a:p>
+          <a:endParaRPr lang="en-US"/>
+        </a:p>
+      </dgm:t>
+    </dgm:pt>
+    <dgm:pt modelId="{6D7362C6-4917-41E2-81E5-309047783D7B}" type="sibTrans" cxnId="{4A414864-D55D-4DFB-8FFF-E6AD427D335C}">
+      <dgm:prSet/>
+      <dgm:spPr/>
+      <dgm:t>
+        <a:bodyPr/>
+        <a:lstStyle/>
+        <a:p>
+          <a:endParaRPr lang="en-US"/>
+        </a:p>
+      </dgm:t>
+    </dgm:pt>
+    <dgm:pt modelId="{E6F29A5B-CCB0-4546-A605-422E9097B1AA}">
+      <dgm:prSet/>
+      <dgm:spPr/>
+      <dgm:t>
+        <a:bodyPr/>
+        <a:lstStyle/>
+        <a:p>
+          <a:pPr algn="l"/>
+          <a:endParaRPr lang="en-US" dirty="0"/>
+        </a:p>
+      </dgm:t>
+    </dgm:pt>
+    <dgm:pt modelId="{9AE6F52A-F837-49B2-9FF5-0C9FB787D5A9}" type="parTrans" cxnId="{732D6A1E-A257-4A78-9547-CAF8A0CACD9B}">
+      <dgm:prSet/>
+      <dgm:spPr/>
+      <dgm:t>
+        <a:bodyPr/>
+        <a:lstStyle/>
+        <a:p>
+          <a:endParaRPr lang="en-US"/>
+        </a:p>
+      </dgm:t>
+    </dgm:pt>
+    <dgm:pt modelId="{5BA201F6-9F04-4EB1-BDBF-0ED0F2ECC1BD}" type="sibTrans" cxnId="{732D6A1E-A257-4A78-9547-CAF8A0CACD9B}">
+      <dgm:prSet/>
+      <dgm:spPr/>
+      <dgm:t>
+        <a:bodyPr/>
+        <a:lstStyle/>
+        <a:p>
+          <a:endParaRPr lang="en-US"/>
+        </a:p>
+      </dgm:t>
+    </dgm:pt>
+    <dgm:pt modelId="{D852AE0F-F366-4F0F-986A-D1936F05CEDF}">
+      <dgm:prSet phldrT="[Text]"/>
+      <dgm:spPr/>
+      <dgm:t>
+        <a:bodyPr/>
+        <a:lstStyle/>
+        <a:p>
+          <a:pPr algn="l"/>
+          <a:endParaRPr lang="en-US" dirty="0"/>
+        </a:p>
+      </dgm:t>
+    </dgm:pt>
+    <dgm:pt modelId="{85245966-1622-4C97-8590-8C1A3E72417E}" type="parTrans" cxnId="{270F987E-0B68-4317-A896-15E344ED4F8D}">
+      <dgm:prSet/>
+      <dgm:spPr/>
+      <dgm:t>
+        <a:bodyPr/>
+        <a:lstStyle/>
+        <a:p>
+          <a:endParaRPr lang="en-US"/>
+        </a:p>
+      </dgm:t>
+    </dgm:pt>
+    <dgm:pt modelId="{A138BC53-9E6B-4E8F-B509-B273603600AE}" type="sibTrans" cxnId="{270F987E-0B68-4317-A896-15E344ED4F8D}">
+      <dgm:prSet/>
+      <dgm:spPr/>
+      <dgm:t>
+        <a:bodyPr/>
+        <a:lstStyle/>
+        <a:p>
+          <a:endParaRPr lang="en-US"/>
+        </a:p>
+      </dgm:t>
+    </dgm:pt>
+    <dgm:pt modelId="{064D90C0-976B-4DB1-97FE-FA01ED62671F}">
+      <dgm:prSet/>
+      <dgm:spPr/>
+      <dgm:t>
+        <a:bodyPr/>
+        <a:lstStyle/>
+        <a:p>
+          <a:pPr algn="l"/>
+          <a:r>
+            <a:rPr lang="en-US" dirty="0"/>
+            <a:t>Customers having higher revolving utilizations have a high risk of defaulting on the loan</a:t>
+          </a:r>
+        </a:p>
+      </dgm:t>
+    </dgm:pt>
+    <dgm:pt modelId="{FBE6D490-137E-492F-9404-8523A63FE418}" type="parTrans" cxnId="{717D60E6-437B-411F-9CB2-943460606961}">
+      <dgm:prSet/>
+      <dgm:spPr/>
+      <dgm:t>
+        <a:bodyPr/>
+        <a:lstStyle/>
+        <a:p>
+          <a:endParaRPr lang="en-US"/>
+        </a:p>
+      </dgm:t>
+    </dgm:pt>
+    <dgm:pt modelId="{4A8B35FF-0CC3-4EC3-8A83-608003F0E397}" type="sibTrans" cxnId="{717D60E6-437B-411F-9CB2-943460606961}">
+      <dgm:prSet/>
+      <dgm:spPr/>
+      <dgm:t>
+        <a:bodyPr/>
+        <a:lstStyle/>
+        <a:p>
+          <a:endParaRPr lang="en-US"/>
+        </a:p>
+      </dgm:t>
+    </dgm:pt>
+    <dgm:pt modelId="{CD5CCBEA-8FB6-4AEC-B55D-96CF4B11988B}">
+      <dgm:prSet/>
+      <dgm:spPr/>
+      <dgm:t>
+        <a:bodyPr/>
+        <a:lstStyle/>
+        <a:p>
+          <a:pPr algn="l"/>
+          <a:endParaRPr lang="en-US" dirty="0"/>
+        </a:p>
+      </dgm:t>
+    </dgm:pt>
+    <dgm:pt modelId="{56793EA4-482F-45F0-9A15-58B32923E59B}" type="parTrans" cxnId="{0C08595D-F49A-4FF5-80AD-B31C79E2BC96}">
+      <dgm:prSet/>
+      <dgm:spPr/>
+      <dgm:t>
+        <a:bodyPr/>
+        <a:lstStyle/>
+        <a:p>
+          <a:endParaRPr lang="en-US"/>
+        </a:p>
+      </dgm:t>
+    </dgm:pt>
+    <dgm:pt modelId="{B2190EF2-F64F-4811-ABEF-ED823255468A}" type="sibTrans" cxnId="{0C08595D-F49A-4FF5-80AD-B31C79E2BC96}">
+      <dgm:prSet/>
+      <dgm:spPr/>
+      <dgm:t>
+        <a:bodyPr/>
+        <a:lstStyle/>
+        <a:p>
+          <a:endParaRPr lang="en-US"/>
+        </a:p>
+      </dgm:t>
+    </dgm:pt>
+    <dgm:pt modelId="{E1C9F402-39E1-4B6E-A08C-1DDA8F89FC0B}">
+      <dgm:prSet phldrT="[Text]"/>
+      <dgm:spPr/>
+      <dgm:t>
+        <a:bodyPr/>
+        <a:lstStyle/>
+        <a:p>
+          <a:pPr algn="l"/>
+          <a:endParaRPr lang="en-US" dirty="0"/>
+        </a:p>
+      </dgm:t>
+    </dgm:pt>
+    <dgm:pt modelId="{D4DFEA14-9FD9-4011-A715-137D736D2F1C}" type="parTrans" cxnId="{288241B6-D293-47FC-8996-ADD23231AF5A}">
+      <dgm:prSet/>
+      <dgm:spPr/>
+      <dgm:t>
+        <a:bodyPr/>
+        <a:lstStyle/>
+        <a:p>
+          <a:endParaRPr lang="en-US"/>
+        </a:p>
+      </dgm:t>
+    </dgm:pt>
+    <dgm:pt modelId="{0D040808-0050-4515-9E98-D9589807EEE0}" type="sibTrans" cxnId="{288241B6-D293-47FC-8996-ADD23231AF5A}">
+      <dgm:prSet/>
+      <dgm:spPr/>
+      <dgm:t>
+        <a:bodyPr/>
+        <a:lstStyle/>
+        <a:p>
+          <a:endParaRPr lang="en-US"/>
+        </a:p>
+      </dgm:t>
+    </dgm:pt>
+    <dgm:pt modelId="{C8BE6338-FB9B-446C-A2DE-C8FE9813CC36}">
+      <dgm:prSet/>
+      <dgm:spPr/>
+      <dgm:t>
+        <a:bodyPr/>
+        <a:lstStyle/>
+        <a:p>
+          <a:pPr algn="l"/>
+          <a:r>
+            <a:rPr lang="en-US" dirty="0"/>
+            <a:t>People take loan with better rate to consolidate their loans</a:t>
+          </a:r>
+        </a:p>
+      </dgm:t>
+    </dgm:pt>
+    <dgm:pt modelId="{488BF5A0-30BD-46A0-A55B-F222B86836CB}" type="parTrans" cxnId="{19159F72-5867-48C4-892D-FD2470560D9B}">
+      <dgm:prSet/>
+      <dgm:spPr/>
+      <dgm:t>
+        <a:bodyPr/>
+        <a:lstStyle/>
+        <a:p>
+          <a:endParaRPr lang="en-US"/>
+        </a:p>
+      </dgm:t>
+    </dgm:pt>
+    <dgm:pt modelId="{02181FAB-5C3E-457E-947D-2A37BEC80134}" type="sibTrans" cxnId="{19159F72-5867-48C4-892D-FD2470560D9B}">
+      <dgm:prSet/>
+      <dgm:spPr/>
+      <dgm:t>
+        <a:bodyPr/>
+        <a:lstStyle/>
+        <a:p>
+          <a:endParaRPr lang="en-US"/>
+        </a:p>
+      </dgm:t>
+    </dgm:pt>
+    <dgm:pt modelId="{22207062-28C4-42DA-BF19-3F979D7C1C94}">
+      <dgm:prSet/>
+      <dgm:spPr/>
+      <dgm:t>
+        <a:bodyPr/>
+        <a:lstStyle/>
+        <a:p>
+          <a:pPr algn="l"/>
+          <a:r>
+            <a:rPr lang="en-US" dirty="0"/>
+            <a:t>Small business have high risk of failure, hence loan default is also quite high</a:t>
+          </a:r>
+        </a:p>
+      </dgm:t>
+    </dgm:pt>
+    <dgm:pt modelId="{63974AB3-9BD7-4AF2-858A-D4D8DF8EEFB2}" type="parTrans" cxnId="{9D356AAE-4564-4333-AB2B-B388B08E6F10}">
+      <dgm:prSet/>
+      <dgm:spPr/>
+      <dgm:t>
+        <a:bodyPr/>
+        <a:lstStyle/>
+        <a:p>
+          <a:endParaRPr lang="en-US"/>
+        </a:p>
+      </dgm:t>
+    </dgm:pt>
+    <dgm:pt modelId="{855565DF-74D3-4DDF-A5CD-95DB021D57DB}" type="sibTrans" cxnId="{9D356AAE-4564-4333-AB2B-B388B08E6F10}">
+      <dgm:prSet/>
+      <dgm:spPr/>
+      <dgm:t>
+        <a:bodyPr/>
+        <a:lstStyle/>
+        <a:p>
+          <a:endParaRPr lang="en-US"/>
+        </a:p>
+      </dgm:t>
+    </dgm:pt>
+    <dgm:pt modelId="{A521C4C8-8829-49C1-8C2D-5942DC96A697}">
+      <dgm:prSet/>
+      <dgm:spPr/>
+      <dgm:t>
+        <a:bodyPr/>
+        <a:lstStyle/>
+        <a:p>
+          <a:pPr algn="l"/>
+          <a:endParaRPr lang="en-US" dirty="0"/>
+        </a:p>
+      </dgm:t>
+    </dgm:pt>
+    <dgm:pt modelId="{BAD1E6EA-FEA8-40E3-BC11-212991FE2711}" type="parTrans" cxnId="{5ABC8AA9-1433-422E-9F09-9C7DB190AF21}">
+      <dgm:prSet/>
+      <dgm:spPr/>
+      <dgm:t>
+        <a:bodyPr/>
+        <a:lstStyle/>
+        <a:p>
+          <a:endParaRPr lang="en-US"/>
+        </a:p>
+      </dgm:t>
+    </dgm:pt>
+    <dgm:pt modelId="{C05C576F-477B-4D2D-83A9-DB56F83F4250}" type="sibTrans" cxnId="{5ABC8AA9-1433-422E-9F09-9C7DB190AF21}">
+      <dgm:prSet/>
+      <dgm:spPr/>
+      <dgm:t>
+        <a:bodyPr/>
+        <a:lstStyle/>
+        <a:p>
+          <a:endParaRPr lang="en-US"/>
+        </a:p>
+      </dgm:t>
+    </dgm:pt>
+    <dgm:pt modelId="{57E782FF-E00E-46B4-8520-1FD02F823861}">
+      <dgm:prSet phldrT="[Text]" custT="1"/>
+      <dgm:spPr>
+        <a:solidFill>
+          <a:srgbClr val="44546A">
+            <a:hueOff val="0"/>
+            <a:satOff val="0"/>
+            <a:lumOff val="0"/>
+            <a:alphaOff val="0"/>
+          </a:srgbClr>
+        </a:solidFill>
+        <a:ln w="19050" cap="flat" cmpd="sng" algn="ctr">
+          <a:solidFill>
+            <a:srgbClr val="E7E6E6">
+              <a:hueOff val="0"/>
+              <a:satOff val="0"/>
+              <a:lumOff val="0"/>
+              <a:alphaOff val="0"/>
+            </a:srgbClr>
+          </a:solidFill>
+          <a:prstDash val="solid"/>
+          <a:miter lim="800000"/>
+        </a:ln>
+        <a:effectLst/>
+      </dgm:spPr>
+      <dgm:t>
+        <a:bodyPr spcFirstLastPara="0" vert="horz" wrap="square" lIns="110490" tIns="55245" rIns="110490" bIns="55245" numCol="1" spcCol="1270" anchor="ctr" anchorCtr="0"/>
+        <a:lstStyle/>
+        <a:p>
+          <a:pPr marL="0" lvl="0" indent="0" algn="l" defTabSz="1289050">
+            <a:lnSpc>
+              <a:spcPct val="90000"/>
+            </a:lnSpc>
+            <a:spcBef>
+              <a:spcPct val="0"/>
+            </a:spcBef>
+            <a:spcAft>
+              <a:spcPct val="35000"/>
+            </a:spcAft>
+            <a:buNone/>
+          </a:pPr>
+          <a:endParaRPr lang="en-US" sz="2900" kern="1200" dirty="0">
+            <a:solidFill>
+              <a:prstClr val="white"/>
+            </a:solidFill>
+            <a:latin typeface="Calibri" panose="020F0502020204030204"/>
+            <a:ea typeface="+mn-ea"/>
+            <a:cs typeface="+mn-cs"/>
+          </a:endParaRPr>
+        </a:p>
+      </dgm:t>
+    </dgm:pt>
+    <dgm:pt modelId="{D361E648-17A6-42FE-91AE-536C8292F2F8}" type="parTrans" cxnId="{1B537D06-77CA-43B5-89E1-29D00D30C582}">
+      <dgm:prSet/>
+      <dgm:spPr/>
+      <dgm:t>
+        <a:bodyPr/>
+        <a:lstStyle/>
+        <a:p>
+          <a:endParaRPr lang="en-US"/>
+        </a:p>
+      </dgm:t>
+    </dgm:pt>
+    <dgm:pt modelId="{0A570B26-3383-42CF-BBE8-B10397577072}" type="sibTrans" cxnId="{1B537D06-77CA-43B5-89E1-29D00D30C582}">
+      <dgm:prSet/>
+      <dgm:spPr/>
+      <dgm:t>
+        <a:bodyPr/>
+        <a:lstStyle/>
+        <a:p>
+          <a:endParaRPr lang="en-US"/>
+        </a:p>
+      </dgm:t>
     </dgm:pt>
     <dgm:pt modelId="{2A5BC991-A0DF-4028-A53E-B370256924F1}" type="pres">
       <dgm:prSet presAssocID="{DC041154-F0B5-4CBD-A6DD-E0EFB8D014E4}" presName="Name0" presStyleCnt="0">
@@ -3695,242 +4132,194 @@
         </dgm:presLayoutVars>
       </dgm:prSet>
       <dgm:spPr/>
-      <dgm:t>
-        <a:bodyPr/>
-        <a:lstStyle/>
-        <a:p>
-          <a:endParaRPr lang="en-US"/>
-        </a:p>
-      </dgm:t>
     </dgm:pt>
     <dgm:pt modelId="{5A657AE5-0581-418D-8949-DD74DAA5B283}" type="pres">
       <dgm:prSet presAssocID="{174B8CC8-94C2-40B2-8B16-226A635FDB2E}" presName="linNode" presStyleCnt="0"/>
       <dgm:spPr/>
-      <dgm:t>
-        <a:bodyPr/>
-        <a:lstStyle/>
-        <a:p>
-          <a:endParaRPr lang="en-US"/>
-        </a:p>
-      </dgm:t>
     </dgm:pt>
     <dgm:pt modelId="{361A6850-DD8F-45ED-909A-410C98CF1104}" type="pres">
-      <dgm:prSet presAssocID="{174B8CC8-94C2-40B2-8B16-226A635FDB2E}" presName="parentText" presStyleLbl="node1" presStyleIdx="0" presStyleCnt="5">
+      <dgm:prSet presAssocID="{174B8CC8-94C2-40B2-8B16-226A635FDB2E}" presName="parentText" presStyleLbl="node1" presStyleIdx="0" presStyleCnt="6">
         <dgm:presLayoutVars>
           <dgm:chMax val="1"/>
           <dgm:bulletEnabled val="1"/>
         </dgm:presLayoutVars>
       </dgm:prSet>
       <dgm:spPr/>
-      <dgm:t>
-        <a:bodyPr/>
-        <a:lstStyle/>
-        <a:p>
-          <a:endParaRPr lang="en-US"/>
-        </a:p>
-      </dgm:t>
     </dgm:pt>
     <dgm:pt modelId="{62421612-7476-46E1-BB43-CDC2E7F24183}" type="pres">
-      <dgm:prSet presAssocID="{174B8CC8-94C2-40B2-8B16-226A635FDB2E}" presName="descendantText" presStyleLbl="alignAccFollowNode1" presStyleIdx="0" presStyleCnt="2">
+      <dgm:prSet presAssocID="{174B8CC8-94C2-40B2-8B16-226A635FDB2E}" presName="descendantText" presStyleLbl="alignAccFollowNode1" presStyleIdx="0" presStyleCnt="5">
         <dgm:presLayoutVars>
           <dgm:bulletEnabled val="1"/>
         </dgm:presLayoutVars>
       </dgm:prSet>
       <dgm:spPr/>
-      <dgm:t>
-        <a:bodyPr/>
-        <a:lstStyle/>
-        <a:p>
-          <a:endParaRPr lang="en-US"/>
-        </a:p>
-      </dgm:t>
     </dgm:pt>
     <dgm:pt modelId="{14418DF0-29E4-4BB7-8898-DC3E05D5FAA4}" type="pres">
       <dgm:prSet presAssocID="{AD8CC473-C8FB-40CF-AE2F-4DC96737587F}" presName="sp" presStyleCnt="0"/>
       <dgm:spPr/>
-      <dgm:t>
-        <a:bodyPr/>
-        <a:lstStyle/>
-        <a:p>
-          <a:endParaRPr lang="en-US"/>
-        </a:p>
-      </dgm:t>
     </dgm:pt>
     <dgm:pt modelId="{675596C5-EADC-43E1-B13D-CA028EA69734}" type="pres">
       <dgm:prSet presAssocID="{79299D3B-EE87-40C6-830C-068B540B7E07}" presName="linNode" presStyleCnt="0"/>
       <dgm:spPr/>
-      <dgm:t>
-        <a:bodyPr/>
-        <a:lstStyle/>
-        <a:p>
-          <a:endParaRPr lang="en-US"/>
-        </a:p>
-      </dgm:t>
     </dgm:pt>
     <dgm:pt modelId="{75543A78-F5F9-4A8D-9BA4-707BDC9E8C66}" type="pres">
-      <dgm:prSet presAssocID="{79299D3B-EE87-40C6-830C-068B540B7E07}" presName="parentText" presStyleLbl="node1" presStyleIdx="1" presStyleCnt="5">
+      <dgm:prSet presAssocID="{79299D3B-EE87-40C6-830C-068B540B7E07}" presName="parentText" presStyleLbl="node1" presStyleIdx="1" presStyleCnt="6">
         <dgm:presLayoutVars>
           <dgm:chMax val="1"/>
           <dgm:bulletEnabled val="1"/>
         </dgm:presLayoutVars>
       </dgm:prSet>
       <dgm:spPr/>
-      <dgm:t>
-        <a:bodyPr/>
-        <a:lstStyle/>
-        <a:p>
-          <a:endParaRPr lang="en-US"/>
-        </a:p>
-      </dgm:t>
     </dgm:pt>
     <dgm:pt modelId="{C5F5BA09-EE82-4C3C-ABBC-57E13534D0D4}" type="pres">
-      <dgm:prSet presAssocID="{79299D3B-EE87-40C6-830C-068B540B7E07}" presName="descendantText" presStyleLbl="alignAccFollowNode1" presStyleIdx="1" presStyleCnt="2">
+      <dgm:prSet presAssocID="{79299D3B-EE87-40C6-830C-068B540B7E07}" presName="descendantText" presStyleLbl="alignAccFollowNode1" presStyleIdx="1" presStyleCnt="5">
         <dgm:presLayoutVars>
           <dgm:bulletEnabled val="1"/>
         </dgm:presLayoutVars>
       </dgm:prSet>
       <dgm:spPr/>
-      <dgm:t>
-        <a:bodyPr/>
-        <a:lstStyle/>
-        <a:p>
-          <a:endParaRPr lang="en-US"/>
-        </a:p>
-      </dgm:t>
     </dgm:pt>
     <dgm:pt modelId="{0E5208B5-169B-4C62-B0D0-65972256E679}" type="pres">
       <dgm:prSet presAssocID="{5AB5BABC-897C-450F-9521-43B086FCB8AC}" presName="sp" presStyleCnt="0"/>
       <dgm:spPr/>
-      <dgm:t>
-        <a:bodyPr/>
-        <a:lstStyle/>
-        <a:p>
-          <a:endParaRPr lang="en-US"/>
-        </a:p>
-      </dgm:t>
     </dgm:pt>
     <dgm:pt modelId="{EE58F977-3BD8-443F-A521-C81E5FDC29E6}" type="pres">
       <dgm:prSet presAssocID="{6571444D-1E06-44E8-ABF4-5EC377577174}" presName="linNode" presStyleCnt="0"/>
       <dgm:spPr/>
-      <dgm:t>
-        <a:bodyPr/>
-        <a:lstStyle/>
-        <a:p>
-          <a:endParaRPr lang="en-US"/>
-        </a:p>
-      </dgm:t>
     </dgm:pt>
     <dgm:pt modelId="{39307DE9-0198-4C5E-B84F-EC93D1A278FC}" type="pres">
-      <dgm:prSet presAssocID="{6571444D-1E06-44E8-ABF4-5EC377577174}" presName="parentText" presStyleLbl="node1" presStyleIdx="2" presStyleCnt="5">
+      <dgm:prSet presAssocID="{6571444D-1E06-44E8-ABF4-5EC377577174}" presName="parentText" presStyleLbl="node1" presStyleIdx="2" presStyleCnt="6">
         <dgm:presLayoutVars>
           <dgm:chMax val="1"/>
           <dgm:bulletEnabled val="1"/>
         </dgm:presLayoutVars>
       </dgm:prSet>
       <dgm:spPr/>
-      <dgm:t>
-        <a:bodyPr/>
-        <a:lstStyle/>
-        <a:p>
-          <a:endParaRPr lang="en-US"/>
-        </a:p>
-      </dgm:t>
+    </dgm:pt>
+    <dgm:pt modelId="{CE312CC8-2E1F-4EE0-8687-6CA402734AA0}" type="pres">
+      <dgm:prSet presAssocID="{6571444D-1E06-44E8-ABF4-5EC377577174}" presName="descendantText" presStyleLbl="alignAccFollowNode1" presStyleIdx="2" presStyleCnt="5">
+        <dgm:presLayoutVars>
+          <dgm:bulletEnabled val="1"/>
+        </dgm:presLayoutVars>
+      </dgm:prSet>
+      <dgm:spPr/>
     </dgm:pt>
     <dgm:pt modelId="{3868A8C3-0AF7-478B-ADD7-BA1B310A61A0}" type="pres">
       <dgm:prSet presAssocID="{EAE8AC85-36E8-4A1A-9D8A-DED9FEF958B7}" presName="sp" presStyleCnt="0"/>
       <dgm:spPr/>
-      <dgm:t>
-        <a:bodyPr/>
-        <a:lstStyle/>
-        <a:p>
-          <a:endParaRPr lang="en-US"/>
-        </a:p>
-      </dgm:t>
     </dgm:pt>
     <dgm:pt modelId="{D85383AA-4CAC-4289-9330-251AB0F379C6}" type="pres">
       <dgm:prSet presAssocID="{665B8820-E5D6-4421-A892-5BC573708853}" presName="linNode" presStyleCnt="0"/>
       <dgm:spPr/>
-      <dgm:t>
-        <a:bodyPr/>
-        <a:lstStyle/>
-        <a:p>
-          <a:endParaRPr lang="en-US"/>
-        </a:p>
-      </dgm:t>
     </dgm:pt>
     <dgm:pt modelId="{37484C98-9704-4D2D-8256-3FFF55592DD3}" type="pres">
-      <dgm:prSet presAssocID="{665B8820-E5D6-4421-A892-5BC573708853}" presName="parentText" presStyleLbl="node1" presStyleIdx="3" presStyleCnt="5">
+      <dgm:prSet presAssocID="{665B8820-E5D6-4421-A892-5BC573708853}" presName="parentText" presStyleLbl="node1" presStyleIdx="3" presStyleCnt="6">
         <dgm:presLayoutVars>
           <dgm:chMax val="1"/>
           <dgm:bulletEnabled val="1"/>
         </dgm:presLayoutVars>
       </dgm:prSet>
       <dgm:spPr/>
-      <dgm:t>
-        <a:bodyPr/>
-        <a:lstStyle/>
-        <a:p>
-          <a:endParaRPr lang="en-US"/>
-        </a:p>
-      </dgm:t>
+    </dgm:pt>
+    <dgm:pt modelId="{CF0DB0B5-99DA-43B4-861B-5B75CC256AB6}" type="pres">
+      <dgm:prSet presAssocID="{665B8820-E5D6-4421-A892-5BC573708853}" presName="descendantText" presStyleLbl="alignAccFollowNode1" presStyleIdx="3" presStyleCnt="5">
+        <dgm:presLayoutVars>
+          <dgm:bulletEnabled val="1"/>
+        </dgm:presLayoutVars>
+      </dgm:prSet>
+      <dgm:spPr/>
     </dgm:pt>
     <dgm:pt modelId="{1AA79198-0E41-4BF7-B22D-C3BD913B2392}" type="pres">
       <dgm:prSet presAssocID="{A54F562E-A39F-44A7-AB3E-F5142D8E4C86}" presName="sp" presStyleCnt="0"/>
       <dgm:spPr/>
-      <dgm:t>
-        <a:bodyPr/>
-        <a:lstStyle/>
-        <a:p>
-          <a:endParaRPr lang="en-US"/>
-        </a:p>
-      </dgm:t>
     </dgm:pt>
     <dgm:pt modelId="{6495288D-EC41-4ACD-9406-50260B3B5F25}" type="pres">
       <dgm:prSet presAssocID="{8A48A12A-C404-4020-824E-D49F89E14C71}" presName="linNode" presStyleCnt="0"/>
       <dgm:spPr/>
-      <dgm:t>
-        <a:bodyPr/>
-        <a:lstStyle/>
-        <a:p>
-          <a:endParaRPr lang="en-US"/>
-        </a:p>
-      </dgm:t>
     </dgm:pt>
     <dgm:pt modelId="{358D7957-496C-44C8-872C-682A572E18A6}" type="pres">
-      <dgm:prSet presAssocID="{8A48A12A-C404-4020-824E-D49F89E14C71}" presName="parentText" presStyleLbl="node1" presStyleIdx="4" presStyleCnt="5">
+      <dgm:prSet presAssocID="{8A48A12A-C404-4020-824E-D49F89E14C71}" presName="parentText" presStyleLbl="node1" presStyleIdx="4" presStyleCnt="6">
+        <dgm:presLayoutVars>
+          <dgm:chMax val="1"/>
+          <dgm:bulletEnabled val="1"/>
+        </dgm:presLayoutVars>
+      </dgm:prSet>
+      <dgm:spPr>
+        <a:xfrm>
+          <a:off x="0" y="4788097"/>
+          <a:ext cx="3398095" cy="1139402"/>
+        </a:xfrm>
+        <a:prstGeom prst="roundRect">
+          <a:avLst/>
+        </a:prstGeom>
+      </dgm:spPr>
+    </dgm:pt>
+    <dgm:pt modelId="{440285CF-7915-4D19-9CDC-894F21F5CD6A}" type="pres">
+      <dgm:prSet presAssocID="{8A48A12A-C404-4020-824E-D49F89E14C71}" presName="descendantText" presStyleLbl="alignAccFollowNode1" presStyleIdx="4" presStyleCnt="5">
+        <dgm:presLayoutVars>
+          <dgm:bulletEnabled val="1"/>
+        </dgm:presLayoutVars>
+      </dgm:prSet>
+      <dgm:spPr/>
+    </dgm:pt>
+    <dgm:pt modelId="{4E31D258-2DB8-4409-8D72-2F5B6C6ED87C}" type="pres">
+      <dgm:prSet presAssocID="{88FC3478-113E-4C59-853B-80F01AF6397E}" presName="sp" presStyleCnt="0"/>
+      <dgm:spPr/>
+    </dgm:pt>
+    <dgm:pt modelId="{D5CE061E-CCBA-44F4-A88B-A285043D8853}" type="pres">
+      <dgm:prSet presAssocID="{612AD7E2-1CD8-479C-9CE6-D97CB74FD0DC}" presName="linNode" presStyleCnt="0"/>
+      <dgm:spPr/>
+    </dgm:pt>
+    <dgm:pt modelId="{320C793C-3FF1-47F6-92D4-4D94ADF6A18E}" type="pres">
+      <dgm:prSet presAssocID="{612AD7E2-1CD8-479C-9CE6-D97CB74FD0DC}" presName="parentText" presStyleLbl="node1" presStyleIdx="5" presStyleCnt="6">
         <dgm:presLayoutVars>
           <dgm:chMax val="1"/>
           <dgm:bulletEnabled val="1"/>
         </dgm:presLayoutVars>
       </dgm:prSet>
       <dgm:spPr/>
-      <dgm:t>
-        <a:bodyPr/>
-        <a:lstStyle/>
-        <a:p>
-          <a:endParaRPr lang="en-US"/>
-        </a:p>
-      </dgm:t>
     </dgm:pt>
   </dgm:ptLst>
   <dgm:cxnLst>
-    <dgm:cxn modelId="{9791354C-3134-4447-A7D7-DFA2FC71DBA7}" type="presOf" srcId="{665B8820-E5D6-4421-A892-5BC573708853}" destId="{37484C98-9704-4D2D-8256-3FFF55592DD3}" srcOrd="0" destOrd="0" presId="urn:microsoft.com/office/officeart/2005/8/layout/vList5"/>
-    <dgm:cxn modelId="{6EA343EB-4CD3-49DA-8205-50744B566761}" srcId="{DC041154-F0B5-4CBD-A6DD-E0EFB8D014E4}" destId="{6571444D-1E06-44E8-ABF4-5EC377577174}" srcOrd="2" destOrd="0" parTransId="{F3B846BD-3D51-4CC2-B0D9-F5ADB274E2A0}" sibTransId="{EAE8AC85-36E8-4A1A-9D8A-DED9FEF958B7}"/>
-    <dgm:cxn modelId="{F69D03B9-A598-4C25-A351-2197B1D12AC0}" srcId="{DC041154-F0B5-4CBD-A6DD-E0EFB8D014E4}" destId="{174B8CC8-94C2-40B2-8B16-226A635FDB2E}" srcOrd="0" destOrd="0" parTransId="{6D17835A-FE69-4A43-94A1-A0BAAA172FC5}" sibTransId="{AD8CC473-C8FB-40CF-AE2F-4DC96737587F}"/>
-    <dgm:cxn modelId="{B55F2DE8-F09A-4823-931C-449CEC430404}" srcId="{174B8CC8-94C2-40B2-8B16-226A635FDB2E}" destId="{39923927-2CF6-425F-9428-E8701B7D480A}" srcOrd="1" destOrd="0" parTransId="{51B98856-5E7F-4589-9690-54EEBA6525A3}" sibTransId="{E68AC9D6-C8AF-4468-BF0C-FA4DC915C412}"/>
-    <dgm:cxn modelId="{4D59CFBD-01C6-4888-8244-5AF33DADBB65}" type="presOf" srcId="{AE2DEB4A-2365-4E73-A0D1-A63F32EAE477}" destId="{62421612-7476-46E1-BB43-CDC2E7F24183}" srcOrd="0" destOrd="0" presId="urn:microsoft.com/office/officeart/2005/8/layout/vList5"/>
-    <dgm:cxn modelId="{A349FC8A-7633-444E-8E30-28600BE81252}" srcId="{DC041154-F0B5-4CBD-A6DD-E0EFB8D014E4}" destId="{665B8820-E5D6-4421-A892-5BC573708853}" srcOrd="3" destOrd="0" parTransId="{2DB81970-C5DD-4AE2-86EC-33039910C0CB}" sibTransId="{A54F562E-A39F-44A7-AB3E-F5142D8E4C86}"/>
-    <dgm:cxn modelId="{B67E89B5-456C-4222-A7DA-23A6B2FD676E}" type="presOf" srcId="{DC041154-F0B5-4CBD-A6DD-E0EFB8D014E4}" destId="{2A5BC991-A0DF-4028-A53E-B370256924F1}" srcOrd="0" destOrd="0" presId="urn:microsoft.com/office/officeart/2005/8/layout/vList5"/>
+    <dgm:cxn modelId="{1B537D06-77CA-43B5-89E1-29D00D30C582}" srcId="{8A48A12A-C404-4020-824E-D49F89E14C71}" destId="{57E782FF-E00E-46B4-8520-1FD02F823861}" srcOrd="0" destOrd="0" parTransId="{D361E648-17A6-42FE-91AE-536C8292F2F8}" sibTransId="{0A570B26-3383-42CF-BBE8-B10397577072}"/>
+    <dgm:cxn modelId="{E18D7708-2E58-4DA9-BB60-ECE131FE877D}" srcId="{DC041154-F0B5-4CBD-A6DD-E0EFB8D014E4}" destId="{612AD7E2-1CD8-479C-9CE6-D97CB74FD0DC}" srcOrd="5" destOrd="0" parTransId="{218B778E-9D05-44A3-9BBF-74BC09051EF9}" sibTransId="{729B2D9F-2D7B-44CD-BF64-517DDBDE5EAB}"/>
     <dgm:cxn modelId="{69FF5B19-2C17-49C7-818B-06F4E8CCB19F}" srcId="{DC041154-F0B5-4CBD-A6DD-E0EFB8D014E4}" destId="{79299D3B-EE87-40C6-830C-068B540B7E07}" srcOrd="1" destOrd="0" parTransId="{8080858D-49E0-4698-B567-0FAB52965F9A}" sibTransId="{5AB5BABC-897C-450F-9521-43B086FCB8AC}"/>
-    <dgm:cxn modelId="{37FA4C66-46B9-4BBE-8FC2-B66A4EBFF125}" type="presOf" srcId="{8A48A12A-C404-4020-824E-D49F89E14C71}" destId="{358D7957-496C-44C8-872C-682A572E18A6}" srcOrd="0" destOrd="0" presId="urn:microsoft.com/office/officeart/2005/8/layout/vList5"/>
+    <dgm:cxn modelId="{732D6A1E-A257-4A78-9547-CAF8A0CACD9B}" srcId="{79299D3B-EE87-40C6-830C-068B540B7E07}" destId="{E6F29A5B-CCB0-4546-A605-422E9097B1AA}" srcOrd="2" destOrd="0" parTransId="{9AE6F52A-F837-49B2-9FF5-0C9FB787D5A9}" sibTransId="{5BA201F6-9F04-4EB1-BDBF-0ED0F2ECC1BD}"/>
+    <dgm:cxn modelId="{B1B33E29-4D0F-492A-AB98-0AEBCE45242A}" type="presOf" srcId="{064D90C0-976B-4DB1-97FE-FA01ED62671F}" destId="{CE312CC8-2E1F-4EE0-8687-6CA402734AA0}" srcOrd="0" destOrd="1" presId="urn:microsoft.com/office/officeart/2005/8/layout/vList5"/>
+    <dgm:cxn modelId="{8169F85B-EF6C-423D-B9BC-3DF342F9725E}" type="presOf" srcId="{39923927-2CF6-425F-9428-E8701B7D480A}" destId="{62421612-7476-46E1-BB43-CDC2E7F24183}" srcOrd="0" destOrd="1" presId="urn:microsoft.com/office/officeart/2005/8/layout/vList5"/>
+    <dgm:cxn modelId="{4260FF5C-15AC-4F74-9117-58E6FABACA09}" type="presOf" srcId="{CD5CCBEA-8FB6-4AEC-B55D-96CF4B11988B}" destId="{CE312CC8-2E1F-4EE0-8687-6CA402734AA0}" srcOrd="0" destOrd="2" presId="urn:microsoft.com/office/officeart/2005/8/layout/vList5"/>
+    <dgm:cxn modelId="{FEFC195D-7D82-4279-91D7-F2EE6263D475}" srcId="{DC041154-F0B5-4CBD-A6DD-E0EFB8D014E4}" destId="{8A48A12A-C404-4020-824E-D49F89E14C71}" srcOrd="4" destOrd="0" parTransId="{58EE057A-5814-47FB-A983-1A71B5DF6146}" sibTransId="{88FC3478-113E-4C59-853B-80F01AF6397E}"/>
+    <dgm:cxn modelId="{0C08595D-F49A-4FF5-80AD-B31C79E2BC96}" srcId="{6571444D-1E06-44E8-ABF4-5EC377577174}" destId="{CD5CCBEA-8FB6-4AEC-B55D-96CF4B11988B}" srcOrd="2" destOrd="0" parTransId="{56793EA4-482F-45F0-9A15-58B32923E59B}" sibTransId="{B2190EF2-F64F-4811-ABEF-ED823255468A}"/>
     <dgm:cxn modelId="{596D1560-AFD4-4146-8719-39389DAF6229}" type="presOf" srcId="{79299D3B-EE87-40C6-830C-068B540B7E07}" destId="{75543A78-F5F9-4A8D-9BA4-707BDC9E8C66}" srcOrd="0" destOrd="0" presId="urn:microsoft.com/office/officeart/2005/8/layout/vList5"/>
     <dgm:cxn modelId="{C0C33343-7FF7-4A60-B8E8-313E5D76D488}" type="presOf" srcId="{174B8CC8-94C2-40B2-8B16-226A635FDB2E}" destId="{361A6850-DD8F-45ED-909A-410C98CF1104}" srcOrd="0" destOrd="0" presId="urn:microsoft.com/office/officeart/2005/8/layout/vList5"/>
-    <dgm:cxn modelId="{8169F85B-EF6C-423D-B9BC-3DF342F9725E}" type="presOf" srcId="{39923927-2CF6-425F-9428-E8701B7D480A}" destId="{62421612-7476-46E1-BB43-CDC2E7F24183}" srcOrd="0" destOrd="1" presId="urn:microsoft.com/office/officeart/2005/8/layout/vList5"/>
+    <dgm:cxn modelId="{4A414864-D55D-4DFB-8FFF-E6AD427D335C}" srcId="{79299D3B-EE87-40C6-830C-068B540B7E07}" destId="{CA3830C4-54E8-41E4-AE4F-A20C2462B4EB}" srcOrd="1" destOrd="0" parTransId="{C5B37EF4-CFA2-4E82-B5C4-979C9D2383E9}" sibTransId="{6D7362C6-4917-41E2-81E5-309047783D7B}"/>
+    <dgm:cxn modelId="{7EDA7E65-A4C1-43E7-BF42-72A79E7AB89B}" type="presOf" srcId="{612AD7E2-1CD8-479C-9CE6-D97CB74FD0DC}" destId="{320C793C-3FF1-47F6-92D4-4D94ADF6A18E}" srcOrd="0" destOrd="0" presId="urn:microsoft.com/office/officeart/2005/8/layout/vList5"/>
+    <dgm:cxn modelId="{37FA4C66-46B9-4BBE-8FC2-B66A4EBFF125}" type="presOf" srcId="{8A48A12A-C404-4020-824E-D49F89E14C71}" destId="{358D7957-496C-44C8-872C-682A572E18A6}" srcOrd="0" destOrd="0" presId="urn:microsoft.com/office/officeart/2005/8/layout/vList5"/>
+    <dgm:cxn modelId="{9791354C-3134-4447-A7D7-DFA2FC71DBA7}" type="presOf" srcId="{665B8820-E5D6-4421-A892-5BC573708853}" destId="{37484C98-9704-4D2D-8256-3FFF55592DD3}" srcOrd="0" destOrd="0" presId="urn:microsoft.com/office/officeart/2005/8/layout/vList5"/>
     <dgm:cxn modelId="{C5F9A84F-5AF2-4B27-9D40-A7CC6A88C149}" type="presOf" srcId="{6571444D-1E06-44E8-ABF4-5EC377577174}" destId="{39307DE9-0198-4C5E-B84F-EC93D1A278FC}" srcOrd="0" destOrd="0" presId="urn:microsoft.com/office/officeart/2005/8/layout/vList5"/>
+    <dgm:cxn modelId="{19159F72-5867-48C4-892D-FD2470560D9B}" srcId="{665B8820-E5D6-4421-A892-5BC573708853}" destId="{C8BE6338-FB9B-446C-A2DE-C8FE9813CC36}" srcOrd="1" destOrd="0" parTransId="{488BF5A0-30BD-46A0-A55B-F222B86836CB}" sibTransId="{02181FAB-5C3E-457E-947D-2A37BEC80134}"/>
+    <dgm:cxn modelId="{8DCC7A78-243F-475E-A0EC-562391F86957}" type="presOf" srcId="{CA3830C4-54E8-41E4-AE4F-A20C2462B4EB}" destId="{C5F5BA09-EE82-4C3C-ABBC-57E13534D0D4}" srcOrd="0" destOrd="1" presId="urn:microsoft.com/office/officeart/2005/8/layout/vList5"/>
+    <dgm:cxn modelId="{270F987E-0B68-4317-A896-15E344ED4F8D}" srcId="{6571444D-1E06-44E8-ABF4-5EC377577174}" destId="{D852AE0F-F366-4F0F-986A-D1936F05CEDF}" srcOrd="0" destOrd="0" parTransId="{85245966-1622-4C97-8590-8C1A3E72417E}" sibTransId="{A138BC53-9E6B-4E8F-B509-B273603600AE}"/>
+    <dgm:cxn modelId="{A349FC8A-7633-444E-8E30-28600BE81252}" srcId="{DC041154-F0B5-4CBD-A6DD-E0EFB8D014E4}" destId="{665B8820-E5D6-4421-A892-5BC573708853}" srcOrd="3" destOrd="0" parTransId="{2DB81970-C5DD-4AE2-86EC-33039910C0CB}" sibTransId="{A54F562E-A39F-44A7-AB3E-F5142D8E4C86}"/>
+    <dgm:cxn modelId="{FE7B6B97-A16B-4E07-951E-A5974A6D6E60}" type="presOf" srcId="{22207062-28C4-42DA-BF19-3F979D7C1C94}" destId="{CF0DB0B5-99DA-43B4-861B-5B75CC256AB6}" srcOrd="0" destOrd="2" presId="urn:microsoft.com/office/officeart/2005/8/layout/vList5"/>
+    <dgm:cxn modelId="{76B69CA7-D192-425F-85F1-37FD1679A5F6}" type="presOf" srcId="{E1C9F402-39E1-4B6E-A08C-1DDA8F89FC0B}" destId="{CF0DB0B5-99DA-43B4-861B-5B75CC256AB6}" srcOrd="0" destOrd="0" presId="urn:microsoft.com/office/officeart/2005/8/layout/vList5"/>
+    <dgm:cxn modelId="{5ABC8AA9-1433-422E-9F09-9C7DB190AF21}" srcId="{665B8820-E5D6-4421-A892-5BC573708853}" destId="{A521C4C8-8829-49C1-8C2D-5942DC96A697}" srcOrd="3" destOrd="0" parTransId="{BAD1E6EA-FEA8-40E3-BC11-212991FE2711}" sibTransId="{C05C576F-477B-4D2D-83A9-DB56F83F4250}"/>
+    <dgm:cxn modelId="{271FA3A9-E556-4AD0-A1B6-004D48DAA03B}" type="presOf" srcId="{A521C4C8-8829-49C1-8C2D-5942DC96A697}" destId="{CF0DB0B5-99DA-43B4-861B-5B75CC256AB6}" srcOrd="0" destOrd="3" presId="urn:microsoft.com/office/officeart/2005/8/layout/vList5"/>
+    <dgm:cxn modelId="{9D356AAE-4564-4333-AB2B-B388B08E6F10}" srcId="{665B8820-E5D6-4421-A892-5BC573708853}" destId="{22207062-28C4-42DA-BF19-3F979D7C1C94}" srcOrd="2" destOrd="0" parTransId="{63974AB3-9BD7-4AF2-858A-D4D8DF8EEFB2}" sibTransId="{855565DF-74D3-4DDF-A5CD-95DB021D57DB}"/>
+    <dgm:cxn modelId="{B67E89B5-456C-4222-A7DA-23A6B2FD676E}" type="presOf" srcId="{DC041154-F0B5-4CBD-A6DD-E0EFB8D014E4}" destId="{2A5BC991-A0DF-4028-A53E-B370256924F1}" srcOrd="0" destOrd="0" presId="urn:microsoft.com/office/officeart/2005/8/layout/vList5"/>
+    <dgm:cxn modelId="{288241B6-D293-47FC-8996-ADD23231AF5A}" srcId="{665B8820-E5D6-4421-A892-5BC573708853}" destId="{E1C9F402-39E1-4B6E-A08C-1DDA8F89FC0B}" srcOrd="0" destOrd="0" parTransId="{D4DFEA14-9FD9-4011-A715-137D736D2F1C}" sibTransId="{0D040808-0050-4515-9E98-D9589807EEE0}"/>
+    <dgm:cxn modelId="{F69D03B9-A598-4C25-A351-2197B1D12AC0}" srcId="{DC041154-F0B5-4CBD-A6DD-E0EFB8D014E4}" destId="{174B8CC8-94C2-40B2-8B16-226A635FDB2E}" srcOrd="0" destOrd="0" parTransId="{6D17835A-FE69-4A43-94A1-A0BAAA172FC5}" sibTransId="{AD8CC473-C8FB-40CF-AE2F-4DC96737587F}"/>
+    <dgm:cxn modelId="{4D59CFBD-01C6-4888-8244-5AF33DADBB65}" type="presOf" srcId="{AE2DEB4A-2365-4E73-A0D1-A63F32EAE477}" destId="{62421612-7476-46E1-BB43-CDC2E7F24183}" srcOrd="0" destOrd="0" presId="urn:microsoft.com/office/officeart/2005/8/layout/vList5"/>
+    <dgm:cxn modelId="{A13A59BE-D162-410C-A9EA-3E3ED8422BEE}" type="presOf" srcId="{C8BE6338-FB9B-446C-A2DE-C8FE9813CC36}" destId="{CF0DB0B5-99DA-43B4-861B-5B75CC256AB6}" srcOrd="0" destOrd="1" presId="urn:microsoft.com/office/officeart/2005/8/layout/vList5"/>
+    <dgm:cxn modelId="{D2274BBF-6079-4B8F-93EC-98AF5415E55C}" type="presOf" srcId="{D852AE0F-F366-4F0F-986A-D1936F05CEDF}" destId="{CE312CC8-2E1F-4EE0-8687-6CA402734AA0}" srcOrd="0" destOrd="0" presId="urn:microsoft.com/office/officeart/2005/8/layout/vList5"/>
+    <dgm:cxn modelId="{ABD69BD2-50A1-4650-BCBA-8BD735D7CF3B}" type="presOf" srcId="{E6F29A5B-CCB0-4546-A605-422E9097B1AA}" destId="{C5F5BA09-EE82-4C3C-ABBC-57E13534D0D4}" srcOrd="0" destOrd="2" presId="urn:microsoft.com/office/officeart/2005/8/layout/vList5"/>
+    <dgm:cxn modelId="{2D8BC0D7-DD76-4982-95D0-9672ACFDDF1C}" srcId="{79299D3B-EE87-40C6-830C-068B540B7E07}" destId="{0D49AD60-F5D9-44CB-94F6-411467CAB09B}" srcOrd="0" destOrd="0" parTransId="{DBC4C1E3-A293-4514-AC96-E47FC5A43C7A}" sibTransId="{5E064BE7-F7E8-4BD5-83B6-23EAE85AC1EA}"/>
+    <dgm:cxn modelId="{C247A8E3-0EA0-46CE-B0A7-7AB72645B3C6}" srcId="{174B8CC8-94C2-40B2-8B16-226A635FDB2E}" destId="{AE2DEB4A-2365-4E73-A0D1-A63F32EAE477}" srcOrd="0" destOrd="0" parTransId="{14FA42E5-9026-4DD4-8D5B-73060AAA0839}" sibTransId="{72D6EB60-EAAE-456F-B6F9-CAFEF2668F45}"/>
+    <dgm:cxn modelId="{717D60E6-437B-411F-9CB2-943460606961}" srcId="{6571444D-1E06-44E8-ABF4-5EC377577174}" destId="{064D90C0-976B-4DB1-97FE-FA01ED62671F}" srcOrd="1" destOrd="0" parTransId="{FBE6D490-137E-492F-9404-8523A63FE418}" sibTransId="{4A8B35FF-0CC3-4EC3-8A83-608003F0E397}"/>
+    <dgm:cxn modelId="{B55F2DE8-F09A-4823-931C-449CEC430404}" srcId="{174B8CC8-94C2-40B2-8B16-226A635FDB2E}" destId="{39923927-2CF6-425F-9428-E8701B7D480A}" srcOrd="1" destOrd="0" parTransId="{51B98856-5E7F-4589-9690-54EEBA6525A3}" sibTransId="{E68AC9D6-C8AF-4468-BF0C-FA4DC915C412}"/>
     <dgm:cxn modelId="{4B306CEA-0CFC-4E30-93FF-BCB4A3138208}" type="presOf" srcId="{0D49AD60-F5D9-44CB-94F6-411467CAB09B}" destId="{C5F5BA09-EE82-4C3C-ABBC-57E13534D0D4}" srcOrd="0" destOrd="0" presId="urn:microsoft.com/office/officeart/2005/8/layout/vList5"/>
-    <dgm:cxn modelId="{C247A8E3-0EA0-46CE-B0A7-7AB72645B3C6}" srcId="{174B8CC8-94C2-40B2-8B16-226A635FDB2E}" destId="{AE2DEB4A-2365-4E73-A0D1-A63F32EAE477}" srcOrd="0" destOrd="0" parTransId="{14FA42E5-9026-4DD4-8D5B-73060AAA0839}" sibTransId="{72D6EB60-EAAE-456F-B6F9-CAFEF2668F45}"/>
-    <dgm:cxn modelId="{2D8BC0D7-DD76-4982-95D0-9672ACFDDF1C}" srcId="{79299D3B-EE87-40C6-830C-068B540B7E07}" destId="{0D49AD60-F5D9-44CB-94F6-411467CAB09B}" srcOrd="0" destOrd="0" parTransId="{DBC4C1E3-A293-4514-AC96-E47FC5A43C7A}" sibTransId="{5E064BE7-F7E8-4BD5-83B6-23EAE85AC1EA}"/>
-    <dgm:cxn modelId="{FEFC195D-7D82-4279-91D7-F2EE6263D475}" srcId="{DC041154-F0B5-4CBD-A6DD-E0EFB8D014E4}" destId="{8A48A12A-C404-4020-824E-D49F89E14C71}" srcOrd="4" destOrd="0" parTransId="{58EE057A-5814-47FB-A983-1A71B5DF6146}" sibTransId="{88FC3478-113E-4C59-853B-80F01AF6397E}"/>
+    <dgm:cxn modelId="{6EA343EB-4CD3-49DA-8205-50744B566761}" srcId="{DC041154-F0B5-4CBD-A6DD-E0EFB8D014E4}" destId="{6571444D-1E06-44E8-ABF4-5EC377577174}" srcOrd="2" destOrd="0" parTransId="{F3B846BD-3D51-4CC2-B0D9-F5ADB274E2A0}" sibTransId="{EAE8AC85-36E8-4A1A-9D8A-DED9FEF958B7}"/>
+    <dgm:cxn modelId="{FB2D42ED-1D90-4882-9247-AEE25A0762D6}" type="presOf" srcId="{57E782FF-E00E-46B4-8520-1FD02F823861}" destId="{440285CF-7915-4D19-9CDC-894F21F5CD6A}" srcOrd="0" destOrd="0" presId="urn:microsoft.com/office/officeart/2005/8/layout/vList5"/>
     <dgm:cxn modelId="{7110EC6B-353B-4E1D-8446-90D426A61022}" type="presParOf" srcId="{2A5BC991-A0DF-4028-A53E-B370256924F1}" destId="{5A657AE5-0581-418D-8949-DD74DAA5B283}" srcOrd="0" destOrd="0" presId="urn:microsoft.com/office/officeart/2005/8/layout/vList5"/>
     <dgm:cxn modelId="{F78653D5-CD97-431F-9038-77A1EB147C14}" type="presParOf" srcId="{5A657AE5-0581-418D-8949-DD74DAA5B283}" destId="{361A6850-DD8F-45ED-909A-410C98CF1104}" srcOrd="0" destOrd="0" presId="urn:microsoft.com/office/officeart/2005/8/layout/vList5"/>
     <dgm:cxn modelId="{CD2FAD89-405A-4667-9E58-5CB9F8CC8868}" type="presParOf" srcId="{5A657AE5-0581-418D-8949-DD74DAA5B283}" destId="{62421612-7476-46E1-BB43-CDC2E7F24183}" srcOrd="1" destOrd="0" presId="urn:microsoft.com/office/officeart/2005/8/layout/vList5"/>
@@ -3941,12 +4330,18 @@
     <dgm:cxn modelId="{E04C5FA3-4F8D-423F-BEBE-9889F4271F55}" type="presParOf" srcId="{2A5BC991-A0DF-4028-A53E-B370256924F1}" destId="{0E5208B5-169B-4C62-B0D0-65972256E679}" srcOrd="3" destOrd="0" presId="urn:microsoft.com/office/officeart/2005/8/layout/vList5"/>
     <dgm:cxn modelId="{5D576C83-D695-4B63-94D8-16D435BBB100}" type="presParOf" srcId="{2A5BC991-A0DF-4028-A53E-B370256924F1}" destId="{EE58F977-3BD8-443F-A521-C81E5FDC29E6}" srcOrd="4" destOrd="0" presId="urn:microsoft.com/office/officeart/2005/8/layout/vList5"/>
     <dgm:cxn modelId="{639D766C-E1C2-4D3D-85D6-9BD90A19C582}" type="presParOf" srcId="{EE58F977-3BD8-443F-A521-C81E5FDC29E6}" destId="{39307DE9-0198-4C5E-B84F-EC93D1A278FC}" srcOrd="0" destOrd="0" presId="urn:microsoft.com/office/officeart/2005/8/layout/vList5"/>
+    <dgm:cxn modelId="{87C96532-C51C-4754-9095-F92218DAB3E8}" type="presParOf" srcId="{EE58F977-3BD8-443F-A521-C81E5FDC29E6}" destId="{CE312CC8-2E1F-4EE0-8687-6CA402734AA0}" srcOrd="1" destOrd="0" presId="urn:microsoft.com/office/officeart/2005/8/layout/vList5"/>
     <dgm:cxn modelId="{30D37F43-AE0E-47D1-80B4-1B9650EBC8A7}" type="presParOf" srcId="{2A5BC991-A0DF-4028-A53E-B370256924F1}" destId="{3868A8C3-0AF7-478B-ADD7-BA1B310A61A0}" srcOrd="5" destOrd="0" presId="urn:microsoft.com/office/officeart/2005/8/layout/vList5"/>
     <dgm:cxn modelId="{7F29DD72-157A-465C-8F43-2F94B6CDDC4A}" type="presParOf" srcId="{2A5BC991-A0DF-4028-A53E-B370256924F1}" destId="{D85383AA-4CAC-4289-9330-251AB0F379C6}" srcOrd="6" destOrd="0" presId="urn:microsoft.com/office/officeart/2005/8/layout/vList5"/>
     <dgm:cxn modelId="{BAB2D35F-12BE-4F10-BC2E-A49D59860C84}" type="presParOf" srcId="{D85383AA-4CAC-4289-9330-251AB0F379C6}" destId="{37484C98-9704-4D2D-8256-3FFF55592DD3}" srcOrd="0" destOrd="0" presId="urn:microsoft.com/office/officeart/2005/8/layout/vList5"/>
+    <dgm:cxn modelId="{B8323D92-C574-423C-9F4E-667C46E6C5A9}" type="presParOf" srcId="{D85383AA-4CAC-4289-9330-251AB0F379C6}" destId="{CF0DB0B5-99DA-43B4-861B-5B75CC256AB6}" srcOrd="1" destOrd="0" presId="urn:microsoft.com/office/officeart/2005/8/layout/vList5"/>
     <dgm:cxn modelId="{98D9D5E1-A9DD-46F5-AD44-9DD38A10E43D}" type="presParOf" srcId="{2A5BC991-A0DF-4028-A53E-B370256924F1}" destId="{1AA79198-0E41-4BF7-B22D-C3BD913B2392}" srcOrd="7" destOrd="0" presId="urn:microsoft.com/office/officeart/2005/8/layout/vList5"/>
     <dgm:cxn modelId="{0B79D74A-20AE-4E2E-AE0C-27BE4A4B04DF}" type="presParOf" srcId="{2A5BC991-A0DF-4028-A53E-B370256924F1}" destId="{6495288D-EC41-4ACD-9406-50260B3B5F25}" srcOrd="8" destOrd="0" presId="urn:microsoft.com/office/officeart/2005/8/layout/vList5"/>
     <dgm:cxn modelId="{6B944D31-5F0B-4AF3-AD87-BDFBFBA7CFF5}" type="presParOf" srcId="{6495288D-EC41-4ACD-9406-50260B3B5F25}" destId="{358D7957-496C-44C8-872C-682A572E18A6}" srcOrd="0" destOrd="0" presId="urn:microsoft.com/office/officeart/2005/8/layout/vList5"/>
+    <dgm:cxn modelId="{C883B27E-F689-4186-9380-8EDD20C062CC}" type="presParOf" srcId="{6495288D-EC41-4ACD-9406-50260B3B5F25}" destId="{440285CF-7915-4D19-9CDC-894F21F5CD6A}" srcOrd="1" destOrd="0" presId="urn:microsoft.com/office/officeart/2005/8/layout/vList5"/>
+    <dgm:cxn modelId="{FF495C2A-CF0C-4863-A754-4CF6B8B2BF73}" type="presParOf" srcId="{2A5BC991-A0DF-4028-A53E-B370256924F1}" destId="{4E31D258-2DB8-4409-8D72-2F5B6C6ED87C}" srcOrd="9" destOrd="0" presId="urn:microsoft.com/office/officeart/2005/8/layout/vList5"/>
+    <dgm:cxn modelId="{F9E9FB56-B122-4228-AE40-54C2F54E437C}" type="presParOf" srcId="{2A5BC991-A0DF-4028-A53E-B370256924F1}" destId="{D5CE061E-CCBA-44F4-A88B-A285043D8853}" srcOrd="10" destOrd="0" presId="urn:microsoft.com/office/officeart/2005/8/layout/vList5"/>
+    <dgm:cxn modelId="{4705DFBF-35D4-4D63-8B68-A91234B86324}" type="presParOf" srcId="{D5CE061E-CCBA-44F4-A88B-A285043D8853}" destId="{320C793C-3FF1-47F6-92D4-4D94ADF6A18E}" srcOrd="0" destOrd="0" presId="urn:microsoft.com/office/officeart/2005/8/layout/vList5"/>
   </dgm:cxnLst>
   <dgm:bg/>
   <dgm:whole/>
@@ -4074,7 +4469,7 @@
         </a:bodyPr>
         <a:lstStyle/>
         <a:p>
-          <a:pPr lvl="0" algn="l" defTabSz="889000">
+          <a:pPr marL="0" lvl="0" indent="0" algn="l" defTabSz="889000">
             <a:lnSpc>
               <a:spcPct val="90000"/>
             </a:lnSpc>
@@ -4084,6 +4479,7 @@
             <a:spcAft>
               <a:spcPct val="35000"/>
             </a:spcAft>
+            <a:buNone/>
           </a:pPr>
           <a:r>
             <a:rPr lang="en-US" sz="2000" kern="1200" dirty="0"/>
@@ -4101,7 +4497,7 @@
             <a:spcAft>
               <a:spcPct val="15000"/>
             </a:spcAft>
-            <a:buChar char="••"/>
+            <a:buChar char="•"/>
           </a:pPr>
           <a:r>
             <a:rPr lang="en-US" sz="1400" kern="1200" dirty="0"/>
@@ -4119,7 +4515,7 @@
             <a:spcAft>
               <a:spcPct val="15000"/>
             </a:spcAft>
-            <a:buChar char="••"/>
+            <a:buChar char="•"/>
           </a:pPr>
           <a:r>
             <a:rPr lang="en-US" sz="1400" kern="1200" dirty="0"/>
@@ -4137,7 +4533,7 @@
             <a:spcAft>
               <a:spcPct val="15000"/>
             </a:spcAft>
-            <a:buChar char="••"/>
+            <a:buChar char="•"/>
           </a:pPr>
           <a:r>
             <a:rPr lang="en-US" sz="1400" kern="1200" dirty="0"/>
@@ -4258,7 +4654,7 @@
         </a:bodyPr>
         <a:lstStyle/>
         <a:p>
-          <a:pPr lvl="0" algn="l" defTabSz="800100">
+          <a:pPr marL="0" lvl="0" indent="0" algn="l" defTabSz="800100">
             <a:lnSpc>
               <a:spcPct val="90000"/>
             </a:lnSpc>
@@ -4268,6 +4664,7 @@
             <a:spcAft>
               <a:spcPct val="35000"/>
             </a:spcAft>
+            <a:buNone/>
           </a:pPr>
           <a:r>
             <a:rPr lang="en-US" sz="1800" kern="1200" dirty="0"/>
@@ -4285,7 +4682,7 @@
             <a:spcAft>
               <a:spcPct val="15000"/>
             </a:spcAft>
-            <a:buChar char="••"/>
+            <a:buChar char="•"/>
           </a:pPr>
           <a:r>
             <a:rPr lang="en-US" sz="1400" kern="1200" dirty="0"/>
@@ -4303,7 +4700,7 @@
             <a:spcAft>
               <a:spcPct val="15000"/>
             </a:spcAft>
-            <a:buChar char="••"/>
+            <a:buChar char="•"/>
           </a:pPr>
           <a:r>
             <a:rPr lang="en-US" sz="1400" kern="1200" dirty="0"/>
@@ -4321,7 +4718,7 @@
             <a:spcAft>
               <a:spcPct val="15000"/>
             </a:spcAft>
-            <a:buChar char="••"/>
+            <a:buChar char="•"/>
           </a:pPr>
           <a:r>
             <a:rPr lang="en-US" sz="1400" kern="1200" dirty="0"/>
@@ -4442,7 +4839,7 @@
         </a:bodyPr>
         <a:lstStyle/>
         <a:p>
-          <a:pPr lvl="0" algn="l" defTabSz="711200">
+          <a:pPr marL="0" lvl="0" indent="0" algn="l" defTabSz="711200">
             <a:lnSpc>
               <a:spcPct val="90000"/>
             </a:lnSpc>
@@ -4452,6 +4849,7 @@
             <a:spcAft>
               <a:spcPct val="35000"/>
             </a:spcAft>
+            <a:buNone/>
           </a:pPr>
           <a:r>
             <a:rPr lang="en-US" sz="1600" kern="1200" dirty="0"/>
@@ -4469,17 +4867,12 @@
             <a:spcAft>
               <a:spcPct val="15000"/>
             </a:spcAft>
-            <a:buChar char="••"/>
+            <a:buChar char="•"/>
           </a:pPr>
           <a:r>
             <a:rPr lang="en-US" sz="1200" kern="1200" dirty="0"/>
-            <a:t>To understand patterns by </a:t>
+            <a:t>To understand patterns by specific bins</a:t>
           </a:r>
-          <a:r>
-            <a:rPr lang="en-US" sz="1200" kern="1200" dirty="0" smtClean="0"/>
-            <a:t>specific bins</a:t>
-          </a:r>
-          <a:endParaRPr lang="en-US" sz="1200" kern="1200" dirty="0"/>
         </a:p>
       </dsp:txBody>
       <dsp:txXfrm>
@@ -4607,7 +5000,7 @@
         </a:bodyPr>
         <a:lstStyle/>
         <a:p>
-          <a:pPr lvl="0" algn="l" defTabSz="889000">
+          <a:pPr marL="0" lvl="0" indent="0" algn="l" defTabSz="889000">
             <a:lnSpc>
               <a:spcPct val="90000"/>
             </a:lnSpc>
@@ -4617,6 +5010,7 @@
             <a:spcAft>
               <a:spcPct val="35000"/>
             </a:spcAft>
+            <a:buNone/>
           </a:pPr>
           <a:r>
             <a:rPr lang="en-US" sz="2000" kern="1200" dirty="0"/>
@@ -4634,13 +5028,12 @@
             <a:spcAft>
               <a:spcPct val="15000"/>
             </a:spcAft>
-            <a:buChar char="••"/>
+            <a:buChar char="•"/>
           </a:pPr>
           <a:r>
-            <a:rPr lang="en-US" sz="1400" kern="1200" dirty="0" smtClean="0"/>
+            <a:rPr lang="en-US" sz="1400" kern="1200" dirty="0"/>
             <a:t>Annual Income</a:t>
           </a:r>
-          <a:endParaRPr lang="en-US" sz="1400" kern="1200" dirty="0"/>
         </a:p>
         <a:p>
           <a:pPr marL="114300" lvl="1" indent="-114300" algn="l" defTabSz="622300">
@@ -4653,13 +5046,12 @@
             <a:spcAft>
               <a:spcPct val="15000"/>
             </a:spcAft>
-            <a:buChar char="••"/>
+            <a:buChar char="•"/>
           </a:pPr>
           <a:r>
-            <a:rPr lang="en-US" sz="1400" kern="1200" dirty="0" smtClean="0"/>
+            <a:rPr lang="en-US" sz="1400" kern="1200" dirty="0"/>
             <a:t>Loan Status	</a:t>
           </a:r>
-          <a:endParaRPr lang="en-US" sz="1400" kern="1200" dirty="0"/>
         </a:p>
       </dsp:txBody>
       <dsp:txXfrm>
@@ -4775,7 +5167,7 @@
         </a:bodyPr>
         <a:lstStyle/>
         <a:p>
-          <a:pPr lvl="0" algn="l" defTabSz="800100">
+          <a:pPr marL="0" lvl="0" indent="0" algn="l" defTabSz="800100">
             <a:lnSpc>
               <a:spcPct val="90000"/>
             </a:lnSpc>
@@ -4785,6 +5177,7 @@
             <a:spcAft>
               <a:spcPct val="35000"/>
             </a:spcAft>
+            <a:buNone/>
           </a:pPr>
           <a:r>
             <a:rPr lang="en-US" sz="1800" kern="1200" dirty="0"/>
@@ -4802,13 +5195,12 @@
             <a:spcAft>
               <a:spcPct val="15000"/>
             </a:spcAft>
-            <a:buChar char="••"/>
+            <a:buChar char="•"/>
           </a:pPr>
           <a:r>
-            <a:rPr lang="en-US" sz="1400" kern="1200" dirty="0" smtClean="0"/>
+            <a:rPr lang="en-US" sz="1400" kern="1200" dirty="0"/>
             <a:t>Annual Income Bin</a:t>
           </a:r>
-          <a:endParaRPr lang="en-US" sz="1400" kern="1200" dirty="0"/>
         </a:p>
         <a:p>
           <a:pPr marL="114300" lvl="1" indent="-114300" algn="l" defTabSz="622300">
@@ -4821,13 +5213,12 @@
             <a:spcAft>
               <a:spcPct val="15000"/>
             </a:spcAft>
-            <a:buChar char="••"/>
+            <a:buChar char="•"/>
           </a:pPr>
           <a:r>
-            <a:rPr lang="en-US" sz="1400" kern="1200" dirty="0" smtClean="0"/>
+            <a:rPr lang="en-US" sz="1400" kern="1200" dirty="0"/>
             <a:t>Loan Default</a:t>
           </a:r>
-          <a:endParaRPr lang="en-US" sz="1400" kern="1200" dirty="0"/>
         </a:p>
       </dsp:txBody>
       <dsp:txXfrm>
@@ -4943,7 +5334,7 @@
         </a:bodyPr>
         <a:lstStyle/>
         <a:p>
-          <a:pPr lvl="0" algn="l" defTabSz="711200">
+          <a:pPr marL="0" lvl="0" indent="0" algn="l" defTabSz="711200">
             <a:lnSpc>
               <a:spcPct val="90000"/>
             </a:lnSpc>
@@ -4953,6 +5344,7 @@
             <a:spcAft>
               <a:spcPct val="35000"/>
             </a:spcAft>
+            <a:buNone/>
           </a:pPr>
           <a:r>
             <a:rPr lang="en-US" sz="1600" kern="1200" dirty="0"/>
@@ -4970,21 +5362,12 @@
             <a:spcAft>
               <a:spcPct val="15000"/>
             </a:spcAft>
-            <a:buChar char="••"/>
+            <a:buChar char="•"/>
           </a:pPr>
           <a:r>
-            <a:rPr lang="en-US" sz="1200" kern="1200" dirty="0" smtClean="0"/>
-            <a:t>Annual Income bins to understand </a:t>
+            <a:rPr lang="en-US" sz="1200" kern="1200" dirty="0"/>
+            <a:t>Annual Income bins to understand patterns by specific bins</a:t>
           </a:r>
-          <a:r>
-            <a:rPr lang="en-US" sz="1200" kern="1200" dirty="0"/>
-            <a:t>patterns by </a:t>
-          </a:r>
-          <a:r>
-            <a:rPr lang="en-US" sz="1200" kern="1200" dirty="0" smtClean="0"/>
-            <a:t>specific bins</a:t>
-          </a:r>
-          <a:endParaRPr lang="en-US" sz="1200" kern="1200" dirty="0"/>
         </a:p>
         <a:p>
           <a:pPr marL="114300" lvl="1" indent="-114300" algn="l" defTabSz="533400">
@@ -4997,13 +5380,12 @@
             <a:spcAft>
               <a:spcPct val="15000"/>
             </a:spcAft>
-            <a:buChar char="••"/>
+            <a:buChar char="•"/>
           </a:pPr>
           <a:r>
-            <a:rPr lang="en-US" sz="1200" kern="1200" dirty="0" smtClean="0"/>
+            <a:rPr lang="en-US" sz="1200" kern="1200" dirty="0"/>
             <a:t>Loan Default will have 1 for Charged Off and 0 for Fully Paid and Current. This will help in aggregating data</a:t>
           </a:r>
-          <a:endParaRPr lang="en-US" sz="1200" kern="1200" dirty="0"/>
         </a:p>
       </dsp:txBody>
       <dsp:txXfrm>
@@ -5030,8 +5412,8 @@
       </dsp:nvSpPr>
       <dsp:spPr>
         <a:xfrm rot="5400000">
-          <a:off x="5962862" y="-2448221"/>
-          <a:ext cx="911522" cy="6041057"/>
+          <a:off x="6039305" y="-2544752"/>
+          <a:ext cx="758636" cy="6041057"/>
         </a:xfrm>
         <a:prstGeom prst="round2SameRect">
           <a:avLst/>
@@ -5075,12 +5457,12 @@
         <a:fontRef idx="minor"/>
       </dsp:style>
       <dsp:txBody>
-        <a:bodyPr spcFirstLastPara="0" vert="horz" wrap="square" lIns="64770" tIns="32385" rIns="64770" bIns="32385" numCol="1" spcCol="1270" anchor="ctr" anchorCtr="0">
+        <a:bodyPr spcFirstLastPara="0" vert="horz" wrap="square" lIns="38100" tIns="19050" rIns="38100" bIns="19050" numCol="1" spcCol="1270" anchor="ctr" anchorCtr="0">
           <a:noAutofit/>
         </a:bodyPr>
         <a:lstStyle/>
         <a:p>
-          <a:pPr marL="171450" lvl="1" indent="-171450" algn="l" defTabSz="755650">
+          <a:pPr marL="57150" lvl="1" indent="-57150" algn="l" defTabSz="444500">
             <a:lnSpc>
               <a:spcPct val="90000"/>
             </a:lnSpc>
@@ -5090,16 +5472,15 @@
             <a:spcAft>
               <a:spcPct val="15000"/>
             </a:spcAft>
-            <a:buChar char="••"/>
+            <a:buChar char="•"/>
           </a:pPr>
           <a:r>
-            <a:rPr lang="en-US" sz="1700" kern="1200" dirty="0" smtClean="0"/>
+            <a:rPr lang="en-US" sz="1000" kern="1200" dirty="0"/>
             <a:t>Higher interest rates are having higher charged off</a:t>
           </a:r>
-          <a:endParaRPr lang="en-US" sz="1700" kern="1200" dirty="0"/>
         </a:p>
         <a:p>
-          <a:pPr marL="171450" lvl="1" indent="-171450" algn="l" defTabSz="755650">
+          <a:pPr marL="57150" lvl="1" indent="-57150" algn="l" defTabSz="444500">
             <a:lnSpc>
               <a:spcPct val="90000"/>
             </a:lnSpc>
@@ -5109,18 +5490,17 @@
             <a:spcAft>
               <a:spcPct val="15000"/>
             </a:spcAft>
-            <a:buChar char="••"/>
+            <a:buChar char="•"/>
           </a:pPr>
           <a:r>
-            <a:rPr lang="en-US" sz="1700" kern="1200" dirty="0" smtClean="0"/>
+            <a:rPr lang="en-US" sz="1000" kern="1200" dirty="0"/>
             <a:t>Since interest rates are derived by grades and subgrade, higher risk grades needs to be monitored for charged off</a:t>
           </a:r>
-          <a:endParaRPr lang="en-US" sz="1700" kern="1200" dirty="0"/>
         </a:p>
       </dsp:txBody>
       <dsp:txXfrm rot="-5400000">
-        <a:off x="3398095" y="161043"/>
-        <a:ext cx="5996560" cy="822528"/>
+        <a:off x="3398095" y="133492"/>
+        <a:ext cx="6004023" cy="684568"/>
       </dsp:txXfrm>
     </dsp:sp>
     <dsp:sp modelId="{361A6850-DD8F-45ED-909A-410C98CF1104}">
@@ -5130,8 +5510,8 @@
       </dsp:nvSpPr>
       <dsp:spPr>
         <a:xfrm>
-          <a:off x="0" y="2606"/>
-          <a:ext cx="3398095" cy="1139402"/>
+          <a:off x="0" y="1628"/>
+          <a:ext cx="3398095" cy="948295"/>
         </a:xfrm>
         <a:prstGeom prst="roundRect">
           <a:avLst/>
@@ -5173,12 +5553,12 @@
         </a:fontRef>
       </dsp:style>
       <dsp:txBody>
-        <a:bodyPr spcFirstLastPara="0" vert="horz" wrap="square" lIns="121920" tIns="60960" rIns="121920" bIns="60960" numCol="1" spcCol="1270" anchor="ctr" anchorCtr="0">
+        <a:bodyPr spcFirstLastPara="0" vert="horz" wrap="square" lIns="99060" tIns="49530" rIns="99060" bIns="49530" numCol="1" spcCol="1270" anchor="ctr" anchorCtr="0">
           <a:noAutofit/>
         </a:bodyPr>
         <a:lstStyle/>
         <a:p>
-          <a:pPr lvl="0" algn="l" defTabSz="1422400">
+          <a:pPr marL="0" lvl="0" indent="0" algn="l" defTabSz="1155700">
             <a:lnSpc>
               <a:spcPct val="90000"/>
             </a:lnSpc>
@@ -5188,17 +5568,17 @@
             <a:spcAft>
               <a:spcPct val="35000"/>
             </a:spcAft>
+            <a:buNone/>
           </a:pPr>
           <a:r>
-            <a:rPr lang="en-US" sz="3200" kern="1200" dirty="0" smtClean="0"/>
+            <a:rPr lang="en-US" sz="2600" kern="1200" dirty="0"/>
             <a:t>Interest Rate</a:t>
           </a:r>
-          <a:endParaRPr lang="en-US" sz="3200" kern="1200" dirty="0"/>
         </a:p>
       </dsp:txBody>
       <dsp:txXfrm>
-        <a:off x="55621" y="58227"/>
-        <a:ext cx="3286853" cy="1028160"/>
+        <a:off x="46292" y="47920"/>
+        <a:ext cx="3305511" cy="855711"/>
       </dsp:txXfrm>
     </dsp:sp>
     <dsp:sp modelId="{C5F5BA09-EE82-4C3C-ABBC-57E13534D0D4}">
@@ -5208,8 +5588,8 @@
       </dsp:nvSpPr>
       <dsp:spPr>
         <a:xfrm rot="5400000">
-          <a:off x="5962862" y="-1251848"/>
-          <a:ext cx="911522" cy="6041057"/>
+          <a:off x="6039305" y="-1549041"/>
+          <a:ext cx="758636" cy="6041057"/>
         </a:xfrm>
         <a:prstGeom prst="round2SameRect">
           <a:avLst/>
@@ -5253,12 +5633,12 @@
         <a:fontRef idx="minor"/>
       </dsp:style>
       <dsp:txBody>
-        <a:bodyPr spcFirstLastPara="0" vert="horz" wrap="square" lIns="64770" tIns="32385" rIns="64770" bIns="32385" numCol="1" spcCol="1270" anchor="ctr" anchorCtr="0">
+        <a:bodyPr spcFirstLastPara="0" vert="horz" wrap="square" lIns="38100" tIns="19050" rIns="38100" bIns="19050" numCol="1" spcCol="1270" anchor="ctr" anchorCtr="0">
           <a:noAutofit/>
         </a:bodyPr>
         <a:lstStyle/>
         <a:p>
-          <a:pPr marL="171450" lvl="1" indent="-171450" algn="l" defTabSz="755650">
+          <a:pPr marL="57150" lvl="1" indent="-57150" algn="l" defTabSz="444500">
             <a:lnSpc>
               <a:spcPct val="90000"/>
             </a:lnSpc>
@@ -5268,14 +5648,47 @@
             <a:spcAft>
               <a:spcPct val="15000"/>
             </a:spcAft>
-            <a:buChar char="••"/>
+            <a:buChar char="•"/>
           </a:pPr>
-          <a:endParaRPr lang="en-US" sz="1700" kern="1200" dirty="0"/>
+          <a:endParaRPr lang="en-US" sz="1000" kern="1200" dirty="0"/>
+        </a:p>
+        <a:p>
+          <a:pPr marL="57150" lvl="1" indent="-57150" algn="l" defTabSz="444500">
+            <a:lnSpc>
+              <a:spcPct val="90000"/>
+            </a:lnSpc>
+            <a:spcBef>
+              <a:spcPct val="0"/>
+            </a:spcBef>
+            <a:spcAft>
+              <a:spcPct val="15000"/>
+            </a:spcAft>
+            <a:buChar char="•"/>
+          </a:pPr>
+          <a:r>
+            <a:rPr lang="en-US" sz="1000" kern="1200" dirty="0"/>
+            <a:t>Higher the debt to income ratio there is a high risk of people defaulting on the loan</a:t>
+          </a:r>
+        </a:p>
+        <a:p>
+          <a:pPr marL="57150" lvl="1" indent="-57150" algn="l" defTabSz="444500">
+            <a:lnSpc>
+              <a:spcPct val="90000"/>
+            </a:lnSpc>
+            <a:spcBef>
+              <a:spcPct val="0"/>
+            </a:spcBef>
+            <a:spcAft>
+              <a:spcPct val="15000"/>
+            </a:spcAft>
+            <a:buChar char="•"/>
+          </a:pPr>
+          <a:endParaRPr lang="en-US" sz="1000" kern="1200" dirty="0"/>
         </a:p>
       </dsp:txBody>
       <dsp:txXfrm rot="-5400000">
-        <a:off x="3398095" y="1357416"/>
-        <a:ext cx="5996560" cy="822528"/>
+        <a:off x="3398095" y="1129203"/>
+        <a:ext cx="6004023" cy="684568"/>
       </dsp:txXfrm>
     </dsp:sp>
     <dsp:sp modelId="{75543A78-F5F9-4A8D-9BA4-707BDC9E8C66}">
@@ -5285,8 +5698,8 @@
       </dsp:nvSpPr>
       <dsp:spPr>
         <a:xfrm>
-          <a:off x="0" y="1198978"/>
-          <a:ext cx="3398095" cy="1139402"/>
+          <a:off x="0" y="997339"/>
+          <a:ext cx="3398095" cy="948295"/>
         </a:xfrm>
         <a:prstGeom prst="roundRect">
           <a:avLst/>
@@ -5328,12 +5741,12 @@
         </a:fontRef>
       </dsp:style>
       <dsp:txBody>
-        <a:bodyPr spcFirstLastPara="0" vert="horz" wrap="square" lIns="121920" tIns="60960" rIns="121920" bIns="60960" numCol="1" spcCol="1270" anchor="ctr" anchorCtr="0">
+        <a:bodyPr spcFirstLastPara="0" vert="horz" wrap="square" lIns="99060" tIns="49530" rIns="99060" bIns="49530" numCol="1" spcCol="1270" anchor="ctr" anchorCtr="0">
           <a:noAutofit/>
         </a:bodyPr>
         <a:lstStyle/>
         <a:p>
-          <a:pPr lvl="0" algn="l" defTabSz="1422400">
+          <a:pPr marL="0" lvl="0" indent="0" algn="l" defTabSz="1155700">
             <a:lnSpc>
               <a:spcPct val="90000"/>
             </a:lnSpc>
@@ -5343,17 +5756,127 @@
             <a:spcAft>
               <a:spcPct val="35000"/>
             </a:spcAft>
+            <a:buNone/>
           </a:pPr>
           <a:r>
-            <a:rPr lang="en-US" sz="3200" kern="1200" dirty="0" smtClean="0"/>
+            <a:rPr lang="en-US" sz="2600" kern="1200" dirty="0"/>
             <a:t>DTI : Debt to Income Ratio</a:t>
           </a:r>
-          <a:endParaRPr lang="en-US" sz="3200" kern="1200" dirty="0"/>
         </a:p>
       </dsp:txBody>
       <dsp:txXfrm>
-        <a:off x="55621" y="1254599"/>
-        <a:ext cx="3286853" cy="1028160"/>
+        <a:off x="46292" y="1043631"/>
+        <a:ext cx="3305511" cy="855711"/>
+      </dsp:txXfrm>
+    </dsp:sp>
+    <dsp:sp modelId="{CE312CC8-2E1F-4EE0-8687-6CA402734AA0}">
+      <dsp:nvSpPr>
+        <dsp:cNvPr id="0" name=""/>
+        <dsp:cNvSpPr/>
+      </dsp:nvSpPr>
+      <dsp:spPr>
+        <a:xfrm rot="5400000">
+          <a:off x="6039305" y="-553331"/>
+          <a:ext cx="758636" cy="6041057"/>
+        </a:xfrm>
+        <a:prstGeom prst="round2SameRect">
+          <a:avLst/>
+        </a:prstGeom>
+        <a:solidFill>
+          <a:schemeClr val="dk2">
+            <a:alpha val="90000"/>
+            <a:tint val="40000"/>
+            <a:hueOff val="0"/>
+            <a:satOff val="0"/>
+            <a:lumOff val="0"/>
+            <a:alphaOff val="0"/>
+          </a:schemeClr>
+        </a:solidFill>
+        <a:ln w="12700" cap="flat" cmpd="sng" algn="ctr">
+          <a:solidFill>
+            <a:schemeClr val="dk2">
+              <a:alpha val="90000"/>
+              <a:tint val="40000"/>
+              <a:hueOff val="0"/>
+              <a:satOff val="0"/>
+              <a:lumOff val="0"/>
+              <a:alphaOff val="0"/>
+            </a:schemeClr>
+          </a:solidFill>
+          <a:prstDash val="solid"/>
+          <a:miter lim="800000"/>
+        </a:ln>
+        <a:effectLst/>
+      </dsp:spPr>
+      <dsp:style>
+        <a:lnRef idx="2">
+          <a:scrgbClr r="0" g="0" b="0"/>
+        </a:lnRef>
+        <a:fillRef idx="1">
+          <a:scrgbClr r="0" g="0" b="0"/>
+        </a:fillRef>
+        <a:effectRef idx="0">
+          <a:scrgbClr r="0" g="0" b="0"/>
+        </a:effectRef>
+        <a:fontRef idx="minor"/>
+      </dsp:style>
+      <dsp:txBody>
+        <a:bodyPr spcFirstLastPara="0" vert="horz" wrap="square" lIns="38100" tIns="19050" rIns="38100" bIns="19050" numCol="1" spcCol="1270" anchor="ctr" anchorCtr="0">
+          <a:noAutofit/>
+        </a:bodyPr>
+        <a:lstStyle/>
+        <a:p>
+          <a:pPr marL="57150" lvl="1" indent="-57150" algn="l" defTabSz="444500">
+            <a:lnSpc>
+              <a:spcPct val="90000"/>
+            </a:lnSpc>
+            <a:spcBef>
+              <a:spcPct val="0"/>
+            </a:spcBef>
+            <a:spcAft>
+              <a:spcPct val="15000"/>
+            </a:spcAft>
+            <a:buChar char="•"/>
+          </a:pPr>
+          <a:endParaRPr lang="en-US" sz="1000" kern="1200" dirty="0"/>
+        </a:p>
+        <a:p>
+          <a:pPr marL="57150" lvl="1" indent="-57150" algn="l" defTabSz="444500">
+            <a:lnSpc>
+              <a:spcPct val="90000"/>
+            </a:lnSpc>
+            <a:spcBef>
+              <a:spcPct val="0"/>
+            </a:spcBef>
+            <a:spcAft>
+              <a:spcPct val="15000"/>
+            </a:spcAft>
+            <a:buChar char="•"/>
+          </a:pPr>
+          <a:r>
+            <a:rPr lang="en-US" sz="1000" kern="1200" dirty="0"/>
+            <a:t>Customers having higher revolving utilizations have a high risk of defaulting on the loan</a:t>
+          </a:r>
+        </a:p>
+        <a:p>
+          <a:pPr marL="57150" lvl="1" indent="-57150" algn="l" defTabSz="444500">
+            <a:lnSpc>
+              <a:spcPct val="90000"/>
+            </a:lnSpc>
+            <a:spcBef>
+              <a:spcPct val="0"/>
+            </a:spcBef>
+            <a:spcAft>
+              <a:spcPct val="15000"/>
+            </a:spcAft>
+            <a:buChar char="•"/>
+          </a:pPr>
+          <a:endParaRPr lang="en-US" sz="1000" kern="1200" dirty="0"/>
+        </a:p>
+      </dsp:txBody>
+      <dsp:txXfrm rot="-5400000">
+        <a:off x="3398095" y="2124913"/>
+        <a:ext cx="6004023" cy="684568"/>
       </dsp:txXfrm>
     </dsp:sp>
     <dsp:sp modelId="{39307DE9-0198-4C5E-B84F-EC93D1A278FC}">
@@ -5363,8 +5886,8 @@
       </dsp:nvSpPr>
       <dsp:spPr>
         <a:xfrm>
-          <a:off x="0" y="2395351"/>
-          <a:ext cx="3398095" cy="1139402"/>
+          <a:off x="0" y="1993049"/>
+          <a:ext cx="3398095" cy="948295"/>
         </a:xfrm>
         <a:prstGeom prst="roundRect">
           <a:avLst/>
@@ -5406,12 +5929,12 @@
         </a:fontRef>
       </dsp:style>
       <dsp:txBody>
-        <a:bodyPr spcFirstLastPara="0" vert="horz" wrap="square" lIns="121920" tIns="60960" rIns="121920" bIns="60960" numCol="1" spcCol="1270" anchor="ctr" anchorCtr="0">
+        <a:bodyPr spcFirstLastPara="0" vert="horz" wrap="square" lIns="99060" tIns="49530" rIns="99060" bIns="49530" numCol="1" spcCol="1270" anchor="ctr" anchorCtr="0">
           <a:noAutofit/>
         </a:bodyPr>
         <a:lstStyle/>
         <a:p>
-          <a:pPr lvl="0" algn="l" defTabSz="1422400">
+          <a:pPr marL="0" lvl="0" indent="0" algn="l" defTabSz="1155700">
             <a:lnSpc>
               <a:spcPct val="90000"/>
             </a:lnSpc>
@@ -5421,13 +5944,157 @@
             <a:spcAft>
               <a:spcPct val="35000"/>
             </a:spcAft>
+            <a:buNone/>
           </a:pPr>
-          <a:endParaRPr lang="en-US" sz="3200" kern="1200" dirty="0"/>
+          <a:r>
+            <a:rPr lang="en-US" sz="2600" kern="1200" dirty="0" err="1"/>
+            <a:t>Revol</a:t>
+          </a:r>
+          <a:r>
+            <a:rPr lang="en-US" sz="2600" kern="1200" dirty="0"/>
+            <a:t> </a:t>
+          </a:r>
+          <a:r>
+            <a:rPr lang="en-US" sz="2600" kern="1200" dirty="0" err="1"/>
+            <a:t>Util</a:t>
+          </a:r>
+          <a:r>
+            <a:rPr lang="en-US" sz="2600" kern="1200" dirty="0"/>
+            <a:t>: Revolving Utilization %</a:t>
+          </a:r>
         </a:p>
       </dsp:txBody>
       <dsp:txXfrm>
-        <a:off x="55621" y="2450972"/>
-        <a:ext cx="3286853" cy="1028160"/>
+        <a:off x="46292" y="2039341"/>
+        <a:ext cx="3305511" cy="855711"/>
+      </dsp:txXfrm>
+    </dsp:sp>
+    <dsp:sp modelId="{CF0DB0B5-99DA-43B4-861B-5B75CC256AB6}">
+      <dsp:nvSpPr>
+        <dsp:cNvPr id="0" name=""/>
+        <dsp:cNvSpPr/>
+      </dsp:nvSpPr>
+      <dsp:spPr>
+        <a:xfrm rot="5400000">
+          <a:off x="6039305" y="442379"/>
+          <a:ext cx="758636" cy="6041057"/>
+        </a:xfrm>
+        <a:prstGeom prst="round2SameRect">
+          <a:avLst/>
+        </a:prstGeom>
+        <a:solidFill>
+          <a:schemeClr val="dk2">
+            <a:alpha val="90000"/>
+            <a:tint val="40000"/>
+            <a:hueOff val="0"/>
+            <a:satOff val="0"/>
+            <a:lumOff val="0"/>
+            <a:alphaOff val="0"/>
+          </a:schemeClr>
+        </a:solidFill>
+        <a:ln w="12700" cap="flat" cmpd="sng" algn="ctr">
+          <a:solidFill>
+            <a:schemeClr val="dk2">
+              <a:alpha val="90000"/>
+              <a:tint val="40000"/>
+              <a:hueOff val="0"/>
+              <a:satOff val="0"/>
+              <a:lumOff val="0"/>
+              <a:alphaOff val="0"/>
+            </a:schemeClr>
+          </a:solidFill>
+          <a:prstDash val="solid"/>
+          <a:miter lim="800000"/>
+        </a:ln>
+        <a:effectLst/>
+      </dsp:spPr>
+      <dsp:style>
+        <a:lnRef idx="2">
+          <a:scrgbClr r="0" g="0" b="0"/>
+        </a:lnRef>
+        <a:fillRef idx="1">
+          <a:scrgbClr r="0" g="0" b="0"/>
+        </a:fillRef>
+        <a:effectRef idx="0">
+          <a:scrgbClr r="0" g="0" b="0"/>
+        </a:effectRef>
+        <a:fontRef idx="minor"/>
+      </dsp:style>
+      <dsp:txBody>
+        <a:bodyPr spcFirstLastPara="0" vert="horz" wrap="square" lIns="38100" tIns="19050" rIns="38100" bIns="19050" numCol="1" spcCol="1270" anchor="ctr" anchorCtr="0">
+          <a:noAutofit/>
+        </a:bodyPr>
+        <a:lstStyle/>
+        <a:p>
+          <a:pPr marL="57150" lvl="1" indent="-57150" algn="l" defTabSz="444500">
+            <a:lnSpc>
+              <a:spcPct val="90000"/>
+            </a:lnSpc>
+            <a:spcBef>
+              <a:spcPct val="0"/>
+            </a:spcBef>
+            <a:spcAft>
+              <a:spcPct val="15000"/>
+            </a:spcAft>
+            <a:buChar char="•"/>
+          </a:pPr>
+          <a:endParaRPr lang="en-US" sz="1000" kern="1200" dirty="0"/>
+        </a:p>
+        <a:p>
+          <a:pPr marL="57150" lvl="1" indent="-57150" algn="l" defTabSz="444500">
+            <a:lnSpc>
+              <a:spcPct val="90000"/>
+            </a:lnSpc>
+            <a:spcBef>
+              <a:spcPct val="0"/>
+            </a:spcBef>
+            <a:spcAft>
+              <a:spcPct val="15000"/>
+            </a:spcAft>
+            <a:buChar char="•"/>
+          </a:pPr>
+          <a:r>
+            <a:rPr lang="en-US" sz="1000" kern="1200" dirty="0"/>
+            <a:t>People take loan with better rate to consolidate their loans</a:t>
+          </a:r>
+        </a:p>
+        <a:p>
+          <a:pPr marL="57150" lvl="1" indent="-57150" algn="l" defTabSz="444500">
+            <a:lnSpc>
+              <a:spcPct val="90000"/>
+            </a:lnSpc>
+            <a:spcBef>
+              <a:spcPct val="0"/>
+            </a:spcBef>
+            <a:spcAft>
+              <a:spcPct val="15000"/>
+            </a:spcAft>
+            <a:buChar char="•"/>
+          </a:pPr>
+          <a:r>
+            <a:rPr lang="en-US" sz="1000" kern="1200" dirty="0"/>
+            <a:t>Small business have high risk of failure, hence loan default is also quite high</a:t>
+          </a:r>
+        </a:p>
+        <a:p>
+          <a:pPr marL="57150" lvl="1" indent="-57150" algn="l" defTabSz="444500">
+            <a:lnSpc>
+              <a:spcPct val="90000"/>
+            </a:lnSpc>
+            <a:spcBef>
+              <a:spcPct val="0"/>
+            </a:spcBef>
+            <a:spcAft>
+              <a:spcPct val="15000"/>
+            </a:spcAft>
+            <a:buChar char="•"/>
+          </a:pPr>
+          <a:endParaRPr lang="en-US" sz="1000" kern="1200" dirty="0"/>
+        </a:p>
+      </dsp:txBody>
+      <dsp:txXfrm rot="-5400000">
+        <a:off x="3398095" y="3120623"/>
+        <a:ext cx="6004023" cy="684568"/>
       </dsp:txXfrm>
     </dsp:sp>
     <dsp:sp modelId="{37484C98-9704-4D2D-8256-3FFF55592DD3}">
@@ -5437,8 +6104,8 @@
       </dsp:nvSpPr>
       <dsp:spPr>
         <a:xfrm>
-          <a:off x="0" y="3591724"/>
-          <a:ext cx="3398095" cy="1139402"/>
+          <a:off x="0" y="2988760"/>
+          <a:ext cx="3398095" cy="948295"/>
         </a:xfrm>
         <a:prstGeom prst="roundRect">
           <a:avLst/>
@@ -5480,12 +6147,12 @@
         </a:fontRef>
       </dsp:style>
       <dsp:txBody>
-        <a:bodyPr spcFirstLastPara="0" vert="horz" wrap="square" lIns="121920" tIns="60960" rIns="121920" bIns="60960" numCol="1" spcCol="1270" anchor="ctr" anchorCtr="0">
+        <a:bodyPr spcFirstLastPara="0" vert="horz" wrap="square" lIns="99060" tIns="49530" rIns="99060" bIns="49530" numCol="1" spcCol="1270" anchor="ctr" anchorCtr="0">
           <a:noAutofit/>
         </a:bodyPr>
         <a:lstStyle/>
         <a:p>
-          <a:pPr lvl="0" algn="l" defTabSz="1422400">
+          <a:pPr marL="0" lvl="0" indent="0" algn="l" defTabSz="1155700">
             <a:lnSpc>
               <a:spcPct val="90000"/>
             </a:lnSpc>
@@ -5495,13 +6162,97 @@
             <a:spcAft>
               <a:spcPct val="35000"/>
             </a:spcAft>
+            <a:buNone/>
           </a:pPr>
-          <a:endParaRPr lang="en-US" sz="3200" kern="1200" dirty="0"/>
+          <a:r>
+            <a:rPr lang="en-US" sz="2600" kern="1200" dirty="0"/>
+            <a:t>Loan purpose</a:t>
+          </a:r>
         </a:p>
       </dsp:txBody>
       <dsp:txXfrm>
-        <a:off x="55621" y="3647345"/>
-        <a:ext cx="3286853" cy="1028160"/>
+        <a:off x="46292" y="3035052"/>
+        <a:ext cx="3305511" cy="855711"/>
+      </dsp:txXfrm>
+    </dsp:sp>
+    <dsp:sp modelId="{440285CF-7915-4D19-9CDC-894F21F5CD6A}">
+      <dsp:nvSpPr>
+        <dsp:cNvPr id="0" name=""/>
+        <dsp:cNvSpPr/>
+      </dsp:nvSpPr>
+      <dsp:spPr>
+        <a:xfrm rot="5400000">
+          <a:off x="6039305" y="1438089"/>
+          <a:ext cx="758636" cy="6041057"/>
+        </a:xfrm>
+        <a:prstGeom prst="round2SameRect">
+          <a:avLst/>
+        </a:prstGeom>
+        <a:solidFill>
+          <a:srgbClr val="44546A">
+            <a:hueOff val="0"/>
+            <a:satOff val="0"/>
+            <a:lumOff val="0"/>
+            <a:alphaOff val="0"/>
+          </a:srgbClr>
+        </a:solidFill>
+        <a:ln w="19050" cap="flat" cmpd="sng" algn="ctr">
+          <a:solidFill>
+            <a:srgbClr val="E7E6E6">
+              <a:hueOff val="0"/>
+              <a:satOff val="0"/>
+              <a:lumOff val="0"/>
+              <a:alphaOff val="0"/>
+            </a:srgbClr>
+          </a:solidFill>
+          <a:prstDash val="solid"/>
+          <a:miter lim="800000"/>
+        </a:ln>
+        <a:effectLst/>
+      </dsp:spPr>
+      <dsp:style>
+        <a:lnRef idx="2">
+          <a:scrgbClr r="0" g="0" b="0"/>
+        </a:lnRef>
+        <a:fillRef idx="1">
+          <a:scrgbClr r="0" g="0" b="0"/>
+        </a:fillRef>
+        <a:effectRef idx="0">
+          <a:scrgbClr r="0" g="0" b="0"/>
+        </a:effectRef>
+        <a:fontRef idx="minor"/>
+      </dsp:style>
+      <dsp:txBody>
+        <a:bodyPr spcFirstLastPara="0" vert="horz" wrap="square" lIns="110490" tIns="55245" rIns="110490" bIns="55245" numCol="1" spcCol="1270" anchor="ctr" anchorCtr="0">
+          <a:noAutofit/>
+        </a:bodyPr>
+        <a:lstStyle/>
+        <a:p>
+          <a:pPr marL="0" lvl="0" indent="0" algn="l" defTabSz="1289050">
+            <a:lnSpc>
+              <a:spcPct val="90000"/>
+            </a:lnSpc>
+            <a:spcBef>
+              <a:spcPct val="0"/>
+            </a:spcBef>
+            <a:spcAft>
+              <a:spcPct val="35000"/>
+            </a:spcAft>
+            <a:buNone/>
+          </a:pPr>
+          <a:endParaRPr lang="en-US" sz="2900" kern="1200" dirty="0">
+            <a:solidFill>
+              <a:prstClr val="white"/>
+            </a:solidFill>
+            <a:latin typeface="Calibri" panose="020F0502020204030204"/>
+            <a:ea typeface="+mn-ea"/>
+            <a:cs typeface="+mn-cs"/>
+          </a:endParaRPr>
+        </a:p>
+      </dsp:txBody>
+      <dsp:txXfrm rot="-5400000">
+        <a:off x="3398095" y="4116333"/>
+        <a:ext cx="6004023" cy="684568"/>
       </dsp:txXfrm>
     </dsp:sp>
     <dsp:sp modelId="{358D7957-496C-44C8-872C-682A572E18A6}">
@@ -5511,28 +6262,28 @@
       </dsp:nvSpPr>
       <dsp:spPr>
         <a:xfrm>
-          <a:off x="0" y="4788097"/>
-          <a:ext cx="3398095" cy="1139402"/>
+          <a:off x="0" y="3984470"/>
+          <a:ext cx="3398095" cy="948295"/>
         </a:xfrm>
         <a:prstGeom prst="roundRect">
           <a:avLst/>
         </a:prstGeom>
         <a:solidFill>
-          <a:schemeClr val="dk2">
+          <a:srgbClr val="44546A">
             <a:hueOff val="0"/>
             <a:satOff val="0"/>
             <a:lumOff val="0"/>
             <a:alphaOff val="0"/>
-          </a:schemeClr>
+          </a:srgbClr>
         </a:solidFill>
         <a:ln w="19050" cap="flat" cmpd="sng" algn="ctr">
           <a:solidFill>
-            <a:schemeClr val="lt2">
+            <a:srgbClr val="E7E6E6">
               <a:hueOff val="0"/>
               <a:satOff val="0"/>
               <a:lumOff val="0"/>
               <a:alphaOff val="0"/>
-            </a:schemeClr>
+            </a:srgbClr>
           </a:solidFill>
           <a:prstDash val="solid"/>
           <a:miter lim="800000"/>
@@ -5554,12 +6305,12 @@
         </a:fontRef>
       </dsp:style>
       <dsp:txBody>
-        <a:bodyPr spcFirstLastPara="0" vert="horz" wrap="square" lIns="57150" tIns="28575" rIns="57150" bIns="28575" numCol="1" spcCol="1270" anchor="ctr" anchorCtr="0">
+        <a:bodyPr spcFirstLastPara="0" vert="horz" wrap="square" lIns="110490" tIns="55245" rIns="110490" bIns="55245" numCol="1" spcCol="1270" anchor="ctr" anchorCtr="0">
           <a:noAutofit/>
         </a:bodyPr>
         <a:lstStyle/>
         <a:p>
-          <a:pPr lvl="0" algn="ctr" defTabSz="666750">
+          <a:pPr marL="0" lvl="0" indent="0" algn="l" defTabSz="1289050">
             <a:lnSpc>
               <a:spcPct val="90000"/>
             </a:lnSpc>
@@ -5569,13 +6320,109 @@
             <a:spcAft>
               <a:spcPct val="35000"/>
             </a:spcAft>
+            <a:buNone/>
           </a:pPr>
-          <a:endParaRPr lang="en-US" sz="1500" kern="1200" dirty="0"/>
+          <a:r>
+            <a:rPr lang="en-US" sz="2900" kern="1200" dirty="0">
+              <a:solidFill>
+                <a:prstClr val="white"/>
+              </a:solidFill>
+              <a:latin typeface="Calibri" panose="020F0502020204030204"/>
+              <a:ea typeface="+mn-ea"/>
+              <a:cs typeface="+mn-cs"/>
+            </a:rPr>
+            <a:t>Home Ownership</a:t>
+          </a:r>
         </a:p>
       </dsp:txBody>
       <dsp:txXfrm>
-        <a:off x="55621" y="4843718"/>
-        <a:ext cx="3286853" cy="1028160"/>
+        <a:off x="46292" y="4030762"/>
+        <a:ext cx="3305511" cy="855711"/>
+      </dsp:txXfrm>
+    </dsp:sp>
+    <dsp:sp modelId="{320C793C-3FF1-47F6-92D4-4D94ADF6A18E}">
+      <dsp:nvSpPr>
+        <dsp:cNvPr id="0" name=""/>
+        <dsp:cNvSpPr/>
+      </dsp:nvSpPr>
+      <dsp:spPr>
+        <a:xfrm>
+          <a:off x="0" y="4980181"/>
+          <a:ext cx="3398095" cy="948295"/>
+        </a:xfrm>
+        <a:prstGeom prst="roundRect">
+          <a:avLst/>
+        </a:prstGeom>
+        <a:solidFill>
+          <a:srgbClr val="44546A">
+            <a:hueOff val="0"/>
+            <a:satOff val="0"/>
+            <a:lumOff val="0"/>
+            <a:alphaOff val="0"/>
+          </a:srgbClr>
+        </a:solidFill>
+        <a:ln w="19050" cap="flat" cmpd="sng" algn="ctr">
+          <a:solidFill>
+            <a:srgbClr val="E7E6E6">
+              <a:hueOff val="0"/>
+              <a:satOff val="0"/>
+              <a:lumOff val="0"/>
+              <a:alphaOff val="0"/>
+            </a:srgbClr>
+          </a:solidFill>
+          <a:prstDash val="solid"/>
+          <a:miter lim="800000"/>
+        </a:ln>
+        <a:effectLst/>
+      </dsp:spPr>
+      <dsp:style>
+        <a:lnRef idx="3">
+          <a:scrgbClr r="0" g="0" b="0"/>
+        </a:lnRef>
+        <a:fillRef idx="1">
+          <a:scrgbClr r="0" g="0" b="0"/>
+        </a:fillRef>
+        <a:effectRef idx="1">
+          <a:scrgbClr r="0" g="0" b="0"/>
+        </a:effectRef>
+        <a:fontRef idx="minor">
+          <a:schemeClr val="lt1"/>
+        </a:fontRef>
+      </dsp:style>
+      <dsp:txBody>
+        <a:bodyPr spcFirstLastPara="0" vert="horz" wrap="square" lIns="110490" tIns="55245" rIns="110490" bIns="55245" numCol="1" spcCol="1270" anchor="ctr" anchorCtr="0">
+          <a:noAutofit/>
+        </a:bodyPr>
+        <a:lstStyle/>
+        <a:p>
+          <a:pPr marL="0" lvl="0" indent="0" algn="l" defTabSz="1289050">
+            <a:lnSpc>
+              <a:spcPct val="90000"/>
+            </a:lnSpc>
+            <a:spcBef>
+              <a:spcPct val="0"/>
+            </a:spcBef>
+            <a:spcAft>
+              <a:spcPct val="35000"/>
+            </a:spcAft>
+            <a:buNone/>
+          </a:pPr>
+          <a:r>
+            <a:rPr lang="en-US" sz="2900" kern="1200" dirty="0">
+              <a:solidFill>
+                <a:prstClr val="white"/>
+              </a:solidFill>
+              <a:latin typeface="Calibri" panose="020F0502020204030204"/>
+              <a:ea typeface="+mn-ea"/>
+              <a:cs typeface="+mn-cs"/>
+            </a:rPr>
+            <a:t>Verification Status</a:t>
+          </a:r>
+        </a:p>
+      </dsp:txBody>
+      <dsp:txXfrm>
+        <a:off x="46292" y="5026473"/>
+        <a:ext cx="3305511" cy="855711"/>
       </dsp:txXfrm>
     </dsp:sp>
   </dsp:spTree>
@@ -13054,13 +13901,6 @@
   <p:clrMapOvr>
     <a:masterClrMapping/>
   </p:clrMapOvr>
-  <p:timing>
-    <p:tnLst>
-      <p:par>
-        <p:cTn id="1" dur="indefinite" restart="never" nodeType="tmRoot"/>
-      </p:par>
-    </p:tnLst>
-  </p:timing>
 </p:sld>
 </file>
 
@@ -13086,7 +13926,7 @@
           <p:cNvPr id="6" name="Title 1">
             <a:extLst>
               <a:ext uri="{FF2B5EF4-FFF2-40B4-BE49-F238E27FC236}">
-                <a16:creationId xmlns:a16="http://schemas.microsoft.com/office/drawing/2014/main" xmlns="" id="{C9ED24FB-F1DF-43A2-A28A-E1B9714DF31A}"/>
+                <a16:creationId xmlns:a16="http://schemas.microsoft.com/office/drawing/2014/main" id="{C9ED24FB-F1DF-43A2-A28A-E1B9714DF31A}"/>
               </a:ext>
             </a:extLst>
           </p:cNvPr>
@@ -13110,10 +13950,9 @@
           <a:lstStyle/>
           <a:p>
             <a:r>
-              <a:rPr lang="en-IN" sz="2400" b="1" dirty="0" smtClean="0"/>
+              <a:rPr lang="en-IN" sz="2400" b="1" dirty="0"/>
               <a:t>Debt to income ratio impact</a:t>
             </a:r>
-            <a:endParaRPr lang="en-IN" sz="2400" b="1" dirty="0"/>
           </a:p>
         </p:txBody>
       </p:sp>
@@ -13162,7 +14001,7 @@
               <a:buChar char="Ø"/>
             </a:pPr>
             <a:r>
-              <a:rPr lang="en-US" sz="1400" dirty="0" smtClean="0"/>
+              <a:rPr lang="en-US" sz="1400" dirty="0"/>
               <a:t>DTI is higher for charged off compared to fully paid</a:t>
             </a:r>
           </a:p>
@@ -13175,10 +14014,9 @@
               <a:buChar char="Ø"/>
             </a:pPr>
             <a:r>
-              <a:rPr lang="en-US" sz="1400" dirty="0" smtClean="0"/>
+              <a:rPr lang="en-US" sz="1400" dirty="0"/>
               <a:t>Charged off count to Fully paid count ratio is highest in the 20-25 DTI Bin</a:t>
             </a:r>
-            <a:endParaRPr lang="en-US" sz="1400" dirty="0"/>
           </a:p>
           <a:p>
             <a:pPr>
@@ -13204,7 +14042,7 @@
               <a:buChar char="Ø"/>
             </a:pPr>
             <a:r>
-              <a:rPr lang="en-US" sz="1400" dirty="0" smtClean="0"/>
+              <a:rPr lang="en-US" sz="1400" dirty="0"/>
               <a:t>Higher the debt to income ratio there is a high risk of people defaulting on the loan</a:t>
             </a:r>
           </a:p>
@@ -13290,13 +14128,6 @@
   <p:clrMapOvr>
     <a:masterClrMapping/>
   </p:clrMapOvr>
-  <p:timing>
-    <p:tnLst>
-      <p:par>
-        <p:cTn id="1" dur="indefinite" restart="never" nodeType="tmRoot"/>
-      </p:par>
-    </p:tnLst>
-  </p:timing>
 </p:sld>
 </file>
 
@@ -13322,7 +14153,7 @@
           <p:cNvPr id="6" name="Title 1">
             <a:extLst>
               <a:ext uri="{FF2B5EF4-FFF2-40B4-BE49-F238E27FC236}">
-                <a16:creationId xmlns:a16="http://schemas.microsoft.com/office/drawing/2014/main" xmlns="" id="{C9ED24FB-F1DF-43A2-A28A-E1B9714DF31A}"/>
+                <a16:creationId xmlns:a16="http://schemas.microsoft.com/office/drawing/2014/main" id="{C9ED24FB-F1DF-43A2-A28A-E1B9714DF31A}"/>
               </a:ext>
             </a:extLst>
           </p:cNvPr>
@@ -13346,10 +14177,9 @@
           <a:lstStyle/>
           <a:p>
             <a:r>
-              <a:rPr lang="en-IN" sz="2400" b="1" dirty="0" smtClean="0"/>
+              <a:rPr lang="en-IN" sz="2400" b="1" dirty="0"/>
               <a:t>Revolving utilization percentage impact</a:t>
             </a:r>
-            <a:endParaRPr lang="en-IN" sz="2400" b="1" dirty="0"/>
           </a:p>
         </p:txBody>
       </p:sp>
@@ -13398,15 +14228,15 @@
               <a:buChar char="Ø"/>
             </a:pPr>
             <a:r>
-              <a:rPr lang="en-US" sz="1400" dirty="0" smtClean="0"/>
+              <a:rPr lang="en-US" sz="1400" dirty="0"/>
               <a:t>Revolving Utilization %</a:t>
             </a:r>
             <a:r>
-              <a:rPr lang="en-US" sz="1400" dirty="0" err="1" smtClean="0"/>
+              <a:rPr lang="en-US" sz="1400" dirty="0" err="1"/>
               <a:t>ge</a:t>
             </a:r>
             <a:r>
-              <a:rPr lang="en-US" sz="1400" dirty="0" smtClean="0"/>
+              <a:rPr lang="en-US" sz="1400" dirty="0"/>
               <a:t> is higher for charged off compared to fully paid</a:t>
             </a:r>
           </a:p>
@@ -13419,18 +14249,17 @@
               <a:buChar char="Ø"/>
             </a:pPr>
             <a:r>
-              <a:rPr lang="en-US" sz="1400" dirty="0" smtClean="0"/>
+              <a:rPr lang="en-US" sz="1400" dirty="0"/>
               <a:t>Charged off count to Fully paid count ratio is increases as Revolving utilization %</a:t>
             </a:r>
             <a:r>
-              <a:rPr lang="en-US" sz="1400" dirty="0" err="1" smtClean="0"/>
+              <a:rPr lang="en-US" sz="1400" dirty="0" err="1"/>
               <a:t>ge</a:t>
             </a:r>
             <a:r>
-              <a:rPr lang="en-US" sz="1400" dirty="0" smtClean="0"/>
+              <a:rPr lang="en-US" sz="1400" dirty="0"/>
               <a:t> increases</a:t>
             </a:r>
-            <a:endParaRPr lang="en-US" sz="1400" dirty="0"/>
           </a:p>
           <a:p>
             <a:pPr>
@@ -13456,7 +14285,7 @@
               <a:buChar char="Ø"/>
             </a:pPr>
             <a:r>
-              <a:rPr lang="en-US" sz="1400" dirty="0" smtClean="0"/>
+              <a:rPr lang="en-US" sz="1400" dirty="0"/>
               <a:t>Customers having higher revolving utilizations have a high risk of defaulting on the loan</a:t>
             </a:r>
           </a:p>
@@ -13542,13 +14371,6 @@
   <p:clrMapOvr>
     <a:masterClrMapping/>
   </p:clrMapOvr>
-  <p:timing>
-    <p:tnLst>
-      <p:par>
-        <p:cTn id="1" dur="indefinite" restart="never" nodeType="tmRoot"/>
-      </p:par>
-    </p:tnLst>
-  </p:timing>
 </p:sld>
 </file>
 
@@ -13574,7 +14396,7 @@
           <p:cNvPr id="6" name="Title 1">
             <a:extLst>
               <a:ext uri="{FF2B5EF4-FFF2-40B4-BE49-F238E27FC236}">
-                <a16:creationId xmlns:a16="http://schemas.microsoft.com/office/drawing/2014/main" xmlns="" id="{C9ED24FB-F1DF-43A2-A28A-E1B9714DF31A}"/>
+                <a16:creationId xmlns:a16="http://schemas.microsoft.com/office/drawing/2014/main" id="{C9ED24FB-F1DF-43A2-A28A-E1B9714DF31A}"/>
               </a:ext>
             </a:extLst>
           </p:cNvPr>
@@ -13801,18 +14623,13 @@
           <a:lstStyle/>
           <a:p>
             <a:r>
-              <a:rPr lang="en-US" sz="1400" b="1" dirty="0" smtClean="0">
+              <a:rPr lang="en-US" sz="1400" b="1" dirty="0">
                 <a:solidFill>
                   <a:srgbClr val="FF0000"/>
                 </a:solidFill>
               </a:rPr>
               <a:t>* Red trend line shows the Charged off count to Fully paid count ratio. This is a good indicator of the likely hood of default</a:t>
             </a:r>
-            <a:endParaRPr lang="en-US" sz="1400" b="1" dirty="0">
-              <a:solidFill>
-                <a:srgbClr val="FF0000"/>
-              </a:solidFill>
-            </a:endParaRPr>
           </a:p>
         </p:txBody>
       </p:sp>
@@ -13826,13 +14643,6 @@
   <p:clrMapOvr>
     <a:masterClrMapping/>
   </p:clrMapOvr>
-  <p:timing>
-    <p:tnLst>
-      <p:par>
-        <p:cTn id="1" dur="indefinite" restart="never" nodeType="tmRoot"/>
-      </p:par>
-    </p:tnLst>
-  </p:timing>
 </p:sld>
 </file>
 
@@ -13858,7 +14668,7 @@
           <p:cNvPr id="6" name="Title 1">
             <a:extLst>
               <a:ext uri="{FF2B5EF4-FFF2-40B4-BE49-F238E27FC236}">
-                <a16:creationId xmlns:a16="http://schemas.microsoft.com/office/drawing/2014/main" xmlns="" id="{C9ED24FB-F1DF-43A2-A28A-E1B9714DF31A}"/>
+                <a16:creationId xmlns:a16="http://schemas.microsoft.com/office/drawing/2014/main" id="{C9ED24FB-F1DF-43A2-A28A-E1B9714DF31A}"/>
               </a:ext>
             </a:extLst>
           </p:cNvPr>
@@ -14075,18 +14885,13 @@
           <a:lstStyle/>
           <a:p>
             <a:r>
-              <a:rPr lang="en-US" sz="1400" b="1" dirty="0" smtClean="0">
+              <a:rPr lang="en-US" sz="1400" b="1" dirty="0">
                 <a:solidFill>
                   <a:srgbClr val="FF0000"/>
                 </a:solidFill>
               </a:rPr>
               <a:t>* Red trend line shows the Charged off count to Fully paid count ratio. This is a good indicator of the likely hood of default</a:t>
             </a:r>
-            <a:endParaRPr lang="en-US" sz="1400" b="1" dirty="0">
-              <a:solidFill>
-                <a:srgbClr val="FF0000"/>
-              </a:solidFill>
-            </a:endParaRPr>
           </a:p>
         </p:txBody>
       </p:sp>
@@ -14100,13 +14905,6 @@
   <p:clrMapOvr>
     <a:masterClrMapping/>
   </p:clrMapOvr>
-  <p:timing>
-    <p:tnLst>
-      <p:par>
-        <p:cTn id="1" dur="indefinite" restart="never" nodeType="tmRoot"/>
-      </p:par>
-    </p:tnLst>
-  </p:timing>
 </p:sld>
 </file>
 
@@ -14132,7 +14930,7 @@
           <p:cNvPr id="6" name="Title 1">
             <a:extLst>
               <a:ext uri="{FF2B5EF4-FFF2-40B4-BE49-F238E27FC236}">
-                <a16:creationId xmlns:a16="http://schemas.microsoft.com/office/drawing/2014/main" xmlns="" id="{C9ED24FB-F1DF-43A2-A28A-E1B9714DF31A}"/>
+                <a16:creationId xmlns:a16="http://schemas.microsoft.com/office/drawing/2014/main" id="{C9ED24FB-F1DF-43A2-A28A-E1B9714DF31A}"/>
               </a:ext>
             </a:extLst>
           </p:cNvPr>
@@ -14157,7 +14955,7 @@
           <a:p>
             <a:r>
               <a:rPr lang="en-IN" sz="3600" b="1" dirty="0"/>
-              <a:t>Loan purpose impact</a:t>
+              <a:t>Verification status impact</a:t>
             </a:r>
           </a:p>
         </p:txBody>
@@ -14346,18 +15144,13 @@
           <a:lstStyle/>
           <a:p>
             <a:r>
-              <a:rPr lang="en-US" sz="1400" b="1" dirty="0" smtClean="0">
+              <a:rPr lang="en-US" sz="1400" b="1" dirty="0">
                 <a:solidFill>
                   <a:srgbClr val="FF0000"/>
                 </a:solidFill>
               </a:rPr>
               <a:t>* Red trend line shows the Charged off count to Fully paid count ratio. This is a good indicator of the likely hood of default</a:t>
             </a:r>
-            <a:endParaRPr lang="en-US" sz="1400" b="1" dirty="0">
-              <a:solidFill>
-                <a:srgbClr val="FF0000"/>
-              </a:solidFill>
-            </a:endParaRPr>
           </a:p>
         </p:txBody>
       </p:sp>
@@ -14371,13 +15164,6 @@
   <p:clrMapOvr>
     <a:masterClrMapping/>
   </p:clrMapOvr>
-  <p:timing>
-    <p:tnLst>
-      <p:par>
-        <p:cTn id="1" dur="indefinite" restart="never" nodeType="tmRoot"/>
-      </p:par>
-    </p:tnLst>
-  </p:timing>
 </p:sld>
 </file>
 
@@ -14403,7 +15189,7 @@
           <p:cNvPr id="6" name="Title 1">
             <a:extLst>
               <a:ext uri="{FF2B5EF4-FFF2-40B4-BE49-F238E27FC236}">
-                <a16:creationId xmlns:a16="http://schemas.microsoft.com/office/drawing/2014/main" xmlns="" id="{C9ED24FB-F1DF-43A2-A28A-E1B9714DF31A}"/>
+                <a16:creationId xmlns:a16="http://schemas.microsoft.com/office/drawing/2014/main" id="{C9ED24FB-F1DF-43A2-A28A-E1B9714DF31A}"/>
               </a:ext>
             </a:extLst>
           </p:cNvPr>
@@ -14428,7 +15214,7 @@
           <a:p>
             <a:r>
               <a:rPr lang="en-IN" sz="2800" b="1" dirty="0"/>
-              <a:t>Conclusions</a:t>
+              <a:t>Conclusions – Driver Variables for Loan Default</a:t>
             </a:r>
           </a:p>
         </p:txBody>
@@ -14440,7 +15226,7 @@
           <p:nvPr>
             <p:extLst>
               <p:ext uri="{D42A27DB-BD31-4B8C-83A1-F6EECF244321}">
-                <p14:modId xmlns:p14="http://schemas.microsoft.com/office/powerpoint/2010/main" val="2317170462"/>
+                <p14:modId xmlns:p14="http://schemas.microsoft.com/office/powerpoint/2010/main" val="3075580009"/>
               </p:ext>
             </p:extLst>
           </p:nvPr>
@@ -14465,13 +15251,6 @@
   <p:clrMapOvr>
     <a:masterClrMapping/>
   </p:clrMapOvr>
-  <p:timing>
-    <p:tnLst>
-      <p:par>
-        <p:cTn id="1" dur="indefinite" restart="never" nodeType="tmRoot"/>
-      </p:par>
-    </p:tnLst>
-  </p:timing>
 </p:sld>
 </file>
 
@@ -14602,13 +15381,6 @@
   <p:clrMapOvr>
     <a:masterClrMapping/>
   </p:clrMapOvr>
-  <p:timing>
-    <p:tnLst>
-      <p:par>
-        <p:cTn id="1" dur="indefinite" restart="never" nodeType="tmRoot"/>
-      </p:par>
-    </p:tnLst>
-  </p:timing>
 </p:sld>
 </file>
 
@@ -14764,13 +15536,6 @@
   <p:clrMapOvr>
     <a:masterClrMapping/>
   </p:clrMapOvr>
-  <p:timing>
-    <p:tnLst>
-      <p:par>
-        <p:cTn id="1" dur="indefinite" restart="never" nodeType="tmRoot"/>
-      </p:par>
-    </p:tnLst>
-  </p:timing>
 </p:sld>
 </file>
 
@@ -14819,14 +15584,14 @@
                 <a:gridCol w="2103519">
                   <a:extLst>
                     <a:ext uri="{9D8B030D-6E8A-4147-A177-3AD203B41FA5}">
-                      <a16:colId xmlns:a16="http://schemas.microsoft.com/office/drawing/2014/main" xmlns="" val="20000"/>
+                      <a16:colId xmlns:a16="http://schemas.microsoft.com/office/drawing/2014/main" val="20000"/>
                     </a:ext>
                   </a:extLst>
                 </a:gridCol>
                 <a:gridCol w="9252055">
                   <a:extLst>
                     <a:ext uri="{9D8B030D-6E8A-4147-A177-3AD203B41FA5}">
-                      <a16:colId xmlns:a16="http://schemas.microsoft.com/office/drawing/2014/main" xmlns="" val="20001"/>
+                      <a16:colId xmlns:a16="http://schemas.microsoft.com/office/drawing/2014/main" val="20001"/>
                     </a:ext>
                   </a:extLst>
                 </a:gridCol>
@@ -14979,7 +15744,7 @@
                 </a:tc>
                 <a:extLst>
                   <a:ext uri="{0D108BD9-81ED-4DB2-BD59-A6C34878D82A}">
-                    <a16:rowId xmlns:a16="http://schemas.microsoft.com/office/drawing/2014/main" xmlns="" val="10000"/>
+                    <a16:rowId xmlns:a16="http://schemas.microsoft.com/office/drawing/2014/main" val="10000"/>
                   </a:ext>
                 </a:extLst>
               </a:tr>
@@ -15114,7 +15879,7 @@
                 </a:tc>
                 <a:extLst>
                   <a:ext uri="{0D108BD9-81ED-4DB2-BD59-A6C34878D82A}">
-                    <a16:rowId xmlns:a16="http://schemas.microsoft.com/office/drawing/2014/main" xmlns="" val="10001"/>
+                    <a16:rowId xmlns:a16="http://schemas.microsoft.com/office/drawing/2014/main" val="10001"/>
                   </a:ext>
                 </a:extLst>
               </a:tr>
@@ -15249,7 +16014,7 @@
                 </a:tc>
                 <a:extLst>
                   <a:ext uri="{0D108BD9-81ED-4DB2-BD59-A6C34878D82A}">
-                    <a16:rowId xmlns:a16="http://schemas.microsoft.com/office/drawing/2014/main" xmlns="" val="10002"/>
+                    <a16:rowId xmlns:a16="http://schemas.microsoft.com/office/drawing/2014/main" val="10002"/>
                   </a:ext>
                 </a:extLst>
               </a:tr>
@@ -15384,7 +16149,7 @@
                 </a:tc>
                 <a:extLst>
                   <a:ext uri="{0D108BD9-81ED-4DB2-BD59-A6C34878D82A}">
-                    <a16:rowId xmlns:a16="http://schemas.microsoft.com/office/drawing/2014/main" xmlns="" val="10003"/>
+                    <a16:rowId xmlns:a16="http://schemas.microsoft.com/office/drawing/2014/main" val="10003"/>
                   </a:ext>
                 </a:extLst>
               </a:tr>
@@ -15519,7 +16284,7 @@
                 </a:tc>
                 <a:extLst>
                   <a:ext uri="{0D108BD9-81ED-4DB2-BD59-A6C34878D82A}">
-                    <a16:rowId xmlns:a16="http://schemas.microsoft.com/office/drawing/2014/main" xmlns="" val="10004"/>
+                    <a16:rowId xmlns:a16="http://schemas.microsoft.com/office/drawing/2014/main" val="10004"/>
                   </a:ext>
                 </a:extLst>
               </a:tr>
@@ -15654,7 +16419,7 @@
                 </a:tc>
                 <a:extLst>
                   <a:ext uri="{0D108BD9-81ED-4DB2-BD59-A6C34878D82A}">
-                    <a16:rowId xmlns:a16="http://schemas.microsoft.com/office/drawing/2014/main" xmlns="" val="10005"/>
+                    <a16:rowId xmlns:a16="http://schemas.microsoft.com/office/drawing/2014/main" val="10005"/>
                   </a:ext>
                 </a:extLst>
               </a:tr>
@@ -15789,7 +16554,7 @@
                 </a:tc>
                 <a:extLst>
                   <a:ext uri="{0D108BD9-81ED-4DB2-BD59-A6C34878D82A}">
-                    <a16:rowId xmlns:a16="http://schemas.microsoft.com/office/drawing/2014/main" xmlns="" val="10006"/>
+                    <a16:rowId xmlns:a16="http://schemas.microsoft.com/office/drawing/2014/main" val="10006"/>
                   </a:ext>
                 </a:extLst>
               </a:tr>
@@ -15924,7 +16689,7 @@
                 </a:tc>
                 <a:extLst>
                   <a:ext uri="{0D108BD9-81ED-4DB2-BD59-A6C34878D82A}">
-                    <a16:rowId xmlns:a16="http://schemas.microsoft.com/office/drawing/2014/main" xmlns="" val="10007"/>
+                    <a16:rowId xmlns:a16="http://schemas.microsoft.com/office/drawing/2014/main" val="10007"/>
                   </a:ext>
                 </a:extLst>
               </a:tr>
@@ -16059,7 +16824,7 @@
                 </a:tc>
                 <a:extLst>
                   <a:ext uri="{0D108BD9-81ED-4DB2-BD59-A6C34878D82A}">
-                    <a16:rowId xmlns:a16="http://schemas.microsoft.com/office/drawing/2014/main" xmlns="" val="10008"/>
+                    <a16:rowId xmlns:a16="http://schemas.microsoft.com/office/drawing/2014/main" val="10008"/>
                   </a:ext>
                 </a:extLst>
               </a:tr>
@@ -16194,7 +16959,7 @@
                 </a:tc>
                 <a:extLst>
                   <a:ext uri="{0D108BD9-81ED-4DB2-BD59-A6C34878D82A}">
-                    <a16:rowId xmlns:a16="http://schemas.microsoft.com/office/drawing/2014/main" xmlns="" val="10009"/>
+                    <a16:rowId xmlns:a16="http://schemas.microsoft.com/office/drawing/2014/main" val="10009"/>
                   </a:ext>
                 </a:extLst>
               </a:tr>
@@ -16329,7 +17094,7 @@
                 </a:tc>
                 <a:extLst>
                   <a:ext uri="{0D108BD9-81ED-4DB2-BD59-A6C34878D82A}">
-                    <a16:rowId xmlns:a16="http://schemas.microsoft.com/office/drawing/2014/main" xmlns="" val="10010"/>
+                    <a16:rowId xmlns:a16="http://schemas.microsoft.com/office/drawing/2014/main" val="10010"/>
                   </a:ext>
                 </a:extLst>
               </a:tr>
@@ -16480,7 +17245,7 @@
                 </a:tc>
                 <a:extLst>
                   <a:ext uri="{0D108BD9-81ED-4DB2-BD59-A6C34878D82A}">
-                    <a16:rowId xmlns:a16="http://schemas.microsoft.com/office/drawing/2014/main" xmlns="" val="10011"/>
+                    <a16:rowId xmlns:a16="http://schemas.microsoft.com/office/drawing/2014/main" val="10011"/>
                   </a:ext>
                 </a:extLst>
               </a:tr>
@@ -16623,7 +17388,7 @@
                 </a:tc>
                 <a:extLst>
                   <a:ext uri="{0D108BD9-81ED-4DB2-BD59-A6C34878D82A}">
-                    <a16:rowId xmlns:a16="http://schemas.microsoft.com/office/drawing/2014/main" xmlns="" val="10012"/>
+                    <a16:rowId xmlns:a16="http://schemas.microsoft.com/office/drawing/2014/main" val="10012"/>
                   </a:ext>
                 </a:extLst>
               </a:tr>
@@ -16758,7 +17523,7 @@
                 </a:tc>
                 <a:extLst>
                   <a:ext uri="{0D108BD9-81ED-4DB2-BD59-A6C34878D82A}">
-                    <a16:rowId xmlns:a16="http://schemas.microsoft.com/office/drawing/2014/main" xmlns="" val="10013"/>
+                    <a16:rowId xmlns:a16="http://schemas.microsoft.com/office/drawing/2014/main" val="10013"/>
                   </a:ext>
                 </a:extLst>
               </a:tr>
@@ -16909,7 +17674,7 @@
                 </a:tc>
                 <a:extLst>
                   <a:ext uri="{0D108BD9-81ED-4DB2-BD59-A6C34878D82A}">
-                    <a16:rowId xmlns:a16="http://schemas.microsoft.com/office/drawing/2014/main" xmlns="" val="10014"/>
+                    <a16:rowId xmlns:a16="http://schemas.microsoft.com/office/drawing/2014/main" val="10014"/>
                   </a:ext>
                 </a:extLst>
               </a:tr>
@@ -17044,7 +17809,7 @@
                 </a:tc>
                 <a:extLst>
                   <a:ext uri="{0D108BD9-81ED-4DB2-BD59-A6C34878D82A}">
-                    <a16:rowId xmlns:a16="http://schemas.microsoft.com/office/drawing/2014/main" xmlns="" val="10015"/>
+                    <a16:rowId xmlns:a16="http://schemas.microsoft.com/office/drawing/2014/main" val="10015"/>
                   </a:ext>
                 </a:extLst>
               </a:tr>
@@ -17179,7 +17944,7 @@
                 </a:tc>
                 <a:extLst>
                   <a:ext uri="{0D108BD9-81ED-4DB2-BD59-A6C34878D82A}">
-                    <a16:rowId xmlns:a16="http://schemas.microsoft.com/office/drawing/2014/main" xmlns="" val="10016"/>
+                    <a16:rowId xmlns:a16="http://schemas.microsoft.com/office/drawing/2014/main" val="10016"/>
                   </a:ext>
                 </a:extLst>
               </a:tr>
@@ -17314,7 +18079,7 @@
                 </a:tc>
                 <a:extLst>
                   <a:ext uri="{0D108BD9-81ED-4DB2-BD59-A6C34878D82A}">
-                    <a16:rowId xmlns:a16="http://schemas.microsoft.com/office/drawing/2014/main" xmlns="" val="10017"/>
+                    <a16:rowId xmlns:a16="http://schemas.microsoft.com/office/drawing/2014/main" val="10017"/>
                   </a:ext>
                 </a:extLst>
               </a:tr>
@@ -17449,7 +18214,7 @@
                 </a:tc>
                 <a:extLst>
                   <a:ext uri="{0D108BD9-81ED-4DB2-BD59-A6C34878D82A}">
-                    <a16:rowId xmlns:a16="http://schemas.microsoft.com/office/drawing/2014/main" xmlns="" val="10018"/>
+                    <a16:rowId xmlns:a16="http://schemas.microsoft.com/office/drawing/2014/main" val="10018"/>
                   </a:ext>
                 </a:extLst>
               </a:tr>
@@ -17467,13 +18232,6 @@
   <p:clrMapOvr>
     <a:masterClrMapping/>
   </p:clrMapOvr>
-  <p:timing>
-    <p:tnLst>
-      <p:par>
-        <p:cTn id="1" dur="indefinite" restart="never" nodeType="tmRoot"/>
-      </p:par>
-    </p:tnLst>
-  </p:timing>
 </p:sld>
 </file>
 
@@ -17522,14 +18280,14 @@
                 <a:gridCol w="2103519">
                   <a:extLst>
                     <a:ext uri="{9D8B030D-6E8A-4147-A177-3AD203B41FA5}">
-                      <a16:colId xmlns:a16="http://schemas.microsoft.com/office/drawing/2014/main" xmlns="" val="20000"/>
+                      <a16:colId xmlns:a16="http://schemas.microsoft.com/office/drawing/2014/main" val="20000"/>
                     </a:ext>
                   </a:extLst>
                 </a:gridCol>
                 <a:gridCol w="9252055">
                   <a:extLst>
                     <a:ext uri="{9D8B030D-6E8A-4147-A177-3AD203B41FA5}">
-                      <a16:colId xmlns:a16="http://schemas.microsoft.com/office/drawing/2014/main" xmlns="" val="20001"/>
+                      <a16:colId xmlns:a16="http://schemas.microsoft.com/office/drawing/2014/main" val="20001"/>
                     </a:ext>
                   </a:extLst>
                 </a:gridCol>
@@ -17682,7 +18440,7 @@
                 </a:tc>
                 <a:extLst>
                   <a:ext uri="{0D108BD9-81ED-4DB2-BD59-A6C34878D82A}">
-                    <a16:rowId xmlns:a16="http://schemas.microsoft.com/office/drawing/2014/main" xmlns="" val="10000"/>
+                    <a16:rowId xmlns:a16="http://schemas.microsoft.com/office/drawing/2014/main" val="10000"/>
                   </a:ext>
                 </a:extLst>
               </a:tr>
@@ -17834,7 +18592,7 @@
                 </a:tc>
                 <a:extLst>
                   <a:ext uri="{0D108BD9-81ED-4DB2-BD59-A6C34878D82A}">
-                    <a16:rowId xmlns:a16="http://schemas.microsoft.com/office/drawing/2014/main" xmlns="" val="10001"/>
+                    <a16:rowId xmlns:a16="http://schemas.microsoft.com/office/drawing/2014/main" val="10001"/>
                   </a:ext>
                 </a:extLst>
               </a:tr>
@@ -17975,7 +18733,7 @@
                 </a:tc>
                 <a:extLst>
                   <a:ext uri="{0D108BD9-81ED-4DB2-BD59-A6C34878D82A}">
-                    <a16:rowId xmlns:a16="http://schemas.microsoft.com/office/drawing/2014/main" xmlns="" val="10002"/>
+                    <a16:rowId xmlns:a16="http://schemas.microsoft.com/office/drawing/2014/main" val="10002"/>
                   </a:ext>
                 </a:extLst>
               </a:tr>
@@ -18116,7 +18874,7 @@
                 </a:tc>
                 <a:extLst>
                   <a:ext uri="{0D108BD9-81ED-4DB2-BD59-A6C34878D82A}">
-                    <a16:rowId xmlns:a16="http://schemas.microsoft.com/office/drawing/2014/main" xmlns="" val="10003"/>
+                    <a16:rowId xmlns:a16="http://schemas.microsoft.com/office/drawing/2014/main" val="10003"/>
                   </a:ext>
                 </a:extLst>
               </a:tr>
@@ -18257,7 +19015,7 @@
                 </a:tc>
                 <a:extLst>
                   <a:ext uri="{0D108BD9-81ED-4DB2-BD59-A6C34878D82A}">
-                    <a16:rowId xmlns:a16="http://schemas.microsoft.com/office/drawing/2014/main" xmlns="" val="10004"/>
+                    <a16:rowId xmlns:a16="http://schemas.microsoft.com/office/drawing/2014/main" val="10004"/>
                   </a:ext>
                 </a:extLst>
               </a:tr>
@@ -18390,7 +19148,7 @@
                 </a:tc>
                 <a:extLst>
                   <a:ext uri="{0D108BD9-81ED-4DB2-BD59-A6C34878D82A}">
-                    <a16:rowId xmlns:a16="http://schemas.microsoft.com/office/drawing/2014/main" xmlns="" val="10005"/>
+                    <a16:rowId xmlns:a16="http://schemas.microsoft.com/office/drawing/2014/main" val="10005"/>
                   </a:ext>
                 </a:extLst>
               </a:tr>
@@ -18542,7 +19300,7 @@
                 </a:tc>
                 <a:extLst>
                   <a:ext uri="{0D108BD9-81ED-4DB2-BD59-A6C34878D82A}">
-                    <a16:rowId xmlns:a16="http://schemas.microsoft.com/office/drawing/2014/main" xmlns="" val="10006"/>
+                    <a16:rowId xmlns:a16="http://schemas.microsoft.com/office/drawing/2014/main" val="10006"/>
                   </a:ext>
                 </a:extLst>
               </a:tr>
@@ -18694,7 +19452,7 @@
                 </a:tc>
                 <a:extLst>
                   <a:ext uri="{0D108BD9-81ED-4DB2-BD59-A6C34878D82A}">
-                    <a16:rowId xmlns:a16="http://schemas.microsoft.com/office/drawing/2014/main" xmlns="" val="10007"/>
+                    <a16:rowId xmlns:a16="http://schemas.microsoft.com/office/drawing/2014/main" val="10007"/>
                   </a:ext>
                 </a:extLst>
               </a:tr>
@@ -18741,13 +19499,6 @@
   <p:clrMapOvr>
     <a:masterClrMapping/>
   </p:clrMapOvr>
-  <p:timing>
-    <p:tnLst>
-      <p:par>
-        <p:cTn id="1" dur="indefinite" restart="never" nodeType="tmRoot"/>
-      </p:par>
-    </p:tnLst>
-  </p:timing>
 </p:sld>
 </file>
 
@@ -18856,13 +19607,6 @@
   <p:clrMapOvr>
     <a:masterClrMapping/>
   </p:clrMapOvr>
-  <p:timing>
-    <p:tnLst>
-      <p:par>
-        <p:cTn id="1" dur="indefinite" restart="never" nodeType="tmRoot"/>
-      </p:par>
-    </p:tnLst>
-  </p:timing>
 </p:sld>
 </file>
 
@@ -18949,13 +19693,6 @@
   <p:clrMapOvr>
     <a:masterClrMapping/>
   </p:clrMapOvr>
-  <p:timing>
-    <p:tnLst>
-      <p:par>
-        <p:cTn id="1" dur="indefinite" restart="never" nodeType="tmRoot"/>
-      </p:par>
-    </p:tnLst>
-  </p:timing>
 </p:sld>
 </file>
 
@@ -18981,7 +19718,7 @@
           <p:cNvPr id="2" name="Title 1">
             <a:extLst>
               <a:ext uri="{FF2B5EF4-FFF2-40B4-BE49-F238E27FC236}">
-                <a16:creationId xmlns:a16="http://schemas.microsoft.com/office/drawing/2014/main" xmlns="" id="{703D027D-982D-473A-9128-2B36AFB31D45}"/>
+                <a16:creationId xmlns:a16="http://schemas.microsoft.com/office/drawing/2014/main" id="{703D027D-982D-473A-9128-2B36AFB31D45}"/>
               </a:ext>
             </a:extLst>
           </p:cNvPr>
@@ -19005,10 +19742,9 @@
           <a:lstStyle/>
           <a:p>
             <a:r>
-              <a:rPr lang="en-US" sz="2800" dirty="0" smtClean="0"/>
+              <a:rPr lang="en-US" sz="2800" dirty="0"/>
               <a:t>Univariate and outlier Analysis</a:t>
             </a:r>
-            <a:endParaRPr lang="en-US" sz="2800" dirty="0"/>
           </a:p>
         </p:txBody>
       </p:sp>
@@ -19066,43 +19802,12 @@
           <a:p>
             <a:pPr algn="ctr"/>
             <a:r>
-              <a:rPr lang="en-US" dirty="0" smtClean="0"/>
+              <a:rPr lang="en-US" dirty="0"/>
               <a:t>Annual income distribution – With all data</a:t>
             </a:r>
-            <a:endParaRPr lang="en-US" dirty="0"/>
           </a:p>
         </p:txBody>
       </p:sp>
-      <p:pic>
-        <p:nvPicPr>
-          <p:cNvPr id="6" name="Picture 5"/>
-          <p:cNvPicPr>
-            <a:picLocks noChangeAspect="1"/>
-          </p:cNvPicPr>
-          <p:nvPr/>
-        </p:nvPicPr>
-        <p:blipFill>
-          <a:blip r:embed="rId2">
-            <a:extLst>
-              <a:ext uri="{28A0092B-C50C-407E-A947-70E740481C1C}">
-                <a14:useLocalDpi xmlns:a14="http://schemas.microsoft.com/office/drawing/2010/main" val="0"/>
-              </a:ext>
-            </a:extLst>
-          </a:blip>
-          <a:stretch>
-            <a:fillRect/>
-          </a:stretch>
-        </p:blipFill>
-        <p:spPr>
-          <a:xfrm>
-            <a:off x="5547965" y="1511628"/>
-            <a:ext cx="5309810" cy="3023289"/>
-          </a:xfrm>
-          <a:prstGeom prst="rect">
-            <a:avLst/>
-          </a:prstGeom>
-        </p:spPr>
-      </p:pic>
       <p:sp>
         <p:nvSpPr>
           <p:cNvPr id="7" name="TextBox 6"/>
@@ -19127,10 +19832,9 @@
           <a:p>
             <a:pPr algn="ctr"/>
             <a:r>
-              <a:rPr lang="en-US" dirty="0" smtClean="0"/>
+              <a:rPr lang="en-US" dirty="0"/>
               <a:t>Annual income distribution – removing outliers</a:t>
             </a:r>
-            <a:endParaRPr lang="en-US" dirty="0"/>
           </a:p>
         </p:txBody>
       </p:sp>
@@ -19160,7 +19864,7 @@
               <a:buAutoNum type="arabicParenR"/>
             </a:pPr>
             <a:r>
-              <a:rPr lang="en-US" dirty="0" smtClean="0"/>
+              <a:rPr lang="en-US" dirty="0"/>
               <a:t>Univariate and Outlier analysis was performed on all important value columns and appropriate percentiles were taken to remove the outliers</a:t>
             </a:r>
           </a:p>
@@ -19169,21 +19873,21 @@
               <a:buAutoNum type="arabicParenR"/>
             </a:pPr>
             <a:r>
-              <a:rPr lang="en-US" dirty="0" smtClean="0"/>
+              <a:rPr lang="en-US" dirty="0"/>
               <a:t>Annual income graphs are shown </a:t>
             </a:r>
             <a:r>
-              <a:rPr lang="en-US" dirty="0" err="1" smtClean="0"/>
+              <a:rPr lang="en-US" dirty="0" err="1"/>
               <a:t>abov</a:t>
             </a:r>
-            <a:endParaRPr lang="en-US" dirty="0" smtClean="0"/>
+            <a:endParaRPr lang="en-US" dirty="0"/>
           </a:p>
           <a:p>
             <a:pPr marL="342900" indent="-342900">
               <a:buAutoNum type="arabicParenR"/>
             </a:pPr>
             <a:r>
-              <a:rPr lang="en-US" dirty="0" smtClean="0"/>
+              <a:rPr lang="en-US" dirty="0"/>
               <a:t>Similar exercise was done for</a:t>
             </a:r>
           </a:p>
@@ -19192,21 +19896,21 @@
               <a:buAutoNum type="arabicParenR"/>
             </a:pPr>
             <a:r>
-              <a:rPr lang="en-US" dirty="0" smtClean="0"/>
+              <a:rPr lang="en-US" dirty="0"/>
               <a:t>Instalment				4) </a:t>
             </a:r>
             <a:r>
-              <a:rPr lang="en-US" dirty="0" err="1" smtClean="0"/>
+              <a:rPr lang="en-US" dirty="0" err="1"/>
               <a:t>funded_amnt</a:t>
             </a:r>
-            <a:endParaRPr lang="en-US" dirty="0" smtClean="0"/>
+            <a:endParaRPr lang="en-US" dirty="0"/>
           </a:p>
           <a:p>
             <a:pPr marL="800100" lvl="1" indent="-342900">
               <a:buAutoNum type="arabicParenR"/>
             </a:pPr>
             <a:r>
-              <a:rPr lang="en-US" dirty="0" smtClean="0"/>
+              <a:rPr lang="en-US" dirty="0"/>
               <a:t>DTI					5) Interest rate</a:t>
             </a:r>
           </a:p>
@@ -19215,16 +19919,62 @@
               <a:buAutoNum type="arabicParenR"/>
             </a:pPr>
             <a:r>
-              <a:rPr lang="en-US" dirty="0" err="1" smtClean="0"/>
+              <a:rPr lang="en-US" dirty="0" err="1"/>
               <a:t>Revol_bal</a:t>
             </a:r>
             <a:r>
-              <a:rPr lang="en-US" dirty="0" smtClean="0"/>
+              <a:rPr lang="en-US" dirty="0"/>
               <a:t>				6) Loan Amount</a:t>
             </a:r>
           </a:p>
         </p:txBody>
       </p:sp>
+      <p:pic>
+        <p:nvPicPr>
+          <p:cNvPr id="1030" name="Picture 6">
+            <a:extLst>
+              <a:ext uri="{FF2B5EF4-FFF2-40B4-BE49-F238E27FC236}">
+                <a16:creationId xmlns:a16="http://schemas.microsoft.com/office/drawing/2014/main" id="{A17F56BA-CB5A-4CBA-93BD-95DB10FF5C79}"/>
+              </a:ext>
+            </a:extLst>
+          </p:cNvPr>
+          <p:cNvPicPr>
+            <a:picLocks noChangeAspect="1" noChangeArrowheads="1"/>
+          </p:cNvPicPr>
+          <p:nvPr/>
+        </p:nvPicPr>
+        <p:blipFill>
+          <a:blip r:embed="rId3">
+            <a:extLst>
+              <a:ext uri="{28A0092B-C50C-407E-A947-70E740481C1C}">
+                <a14:useLocalDpi xmlns:a14="http://schemas.microsoft.com/office/drawing/2010/main" val="0"/>
+              </a:ext>
+            </a:extLst>
+          </a:blip>
+          <a:srcRect/>
+          <a:stretch>
+            <a:fillRect/>
+          </a:stretch>
+        </p:blipFill>
+        <p:spPr bwMode="auto">
+          <a:xfrm>
+            <a:off x="6441894" y="1497894"/>
+            <a:ext cx="4517708" cy="3017520"/>
+          </a:xfrm>
+          <a:prstGeom prst="rect">
+            <a:avLst/>
+          </a:prstGeom>
+          <a:extLst>
+            <a:ext uri="{909E8E84-426E-40DD-AFC4-6F175D3DCCD1}">
+              <a14:hiddenFill xmlns:a14="http://schemas.microsoft.com/office/drawing/2010/main">
+                <a:solidFill>
+                  <a:srgbClr val="FFFFFF"/>
+                </a:solidFill>
+              </a14:hiddenFill>
+            </a:ext>
+          </a:extLst>
+        </p:spPr>
+      </p:pic>
     </p:spTree>
     <p:extLst>
       <p:ext uri="{BB962C8B-B14F-4D97-AF65-F5344CB8AC3E}">
@@ -19235,13 +19985,6 @@
   <p:clrMapOvr>
     <a:masterClrMapping/>
   </p:clrMapOvr>
-  <p:timing>
-    <p:tnLst>
-      <p:par>
-        <p:cTn id="1" dur="indefinite" restart="never" nodeType="tmRoot"/>
-      </p:par>
-    </p:tnLst>
-  </p:timing>
 </p:sld>
 </file>
 
@@ -19267,7 +20010,7 @@
           <p:cNvPr id="6" name="Title 1">
             <a:extLst>
               <a:ext uri="{FF2B5EF4-FFF2-40B4-BE49-F238E27FC236}">
-                <a16:creationId xmlns:a16="http://schemas.microsoft.com/office/drawing/2014/main" xmlns="" id="{C9ED24FB-F1DF-43A2-A28A-E1B9714DF31A}"/>
+                <a16:creationId xmlns:a16="http://schemas.microsoft.com/office/drawing/2014/main" id="{C9ED24FB-F1DF-43A2-A28A-E1B9714DF31A}"/>
               </a:ext>
             </a:extLst>
           </p:cNvPr>
@@ -19305,7 +20048,7 @@
         </p:nvSpPr>
         <p:spPr>
           <a:xfrm>
-            <a:off x="8091377" y="1562986"/>
+            <a:off x="8133260" y="1562986"/>
             <a:ext cx="3949995" cy="4293483"/>
           </a:xfrm>
           <a:prstGeom prst="rect">
@@ -19343,19 +20086,7 @@
             </a:pPr>
             <a:r>
               <a:rPr lang="en-US" sz="1400" dirty="0"/>
-              <a:t>Rate of interest for fully paid is consistently lower </a:t>
-            </a:r>
-            <a:r>
-              <a:rPr lang="en-US" sz="1400" dirty="0" smtClean="0"/>
-              <a:t>compared </a:t>
-            </a:r>
-            <a:r>
-              <a:rPr lang="en-US" sz="1400" dirty="0"/>
-              <a:t>to charged off/default over the </a:t>
-            </a:r>
-            <a:r>
-              <a:rPr lang="en-US" sz="1400" dirty="0" smtClean="0"/>
-              <a:t>years</a:t>
+              <a:t>Rate of interest for fully paid is consistently lower compared to charged off/default over the years</a:t>
             </a:r>
           </a:p>
           <a:p>
@@ -19367,10 +20098,9 @@
               <a:buChar char="Ø"/>
             </a:pPr>
             <a:r>
-              <a:rPr lang="en-US" sz="1400" dirty="0" smtClean="0"/>
+              <a:rPr lang="en-US" sz="1400" dirty="0"/>
               <a:t>Median of interest rate is higher for charged off compared to Fully paid</a:t>
             </a:r>
-            <a:endParaRPr lang="en-US" sz="1400" dirty="0"/>
           </a:p>
           <a:p>
             <a:pPr marL="285750" indent="-285750">
@@ -19493,7 +20223,7 @@
         </p:blipFill>
         <p:spPr>
           <a:xfrm>
-            <a:off x="3239116" y="3621101"/>
+            <a:off x="3817704" y="3457482"/>
             <a:ext cx="4273673" cy="3178074"/>
           </a:xfrm>
           <a:prstGeom prst="rect">
@@ -19511,13 +20241,6 @@
   <p:clrMapOvr>
     <a:masterClrMapping/>
   </p:clrMapOvr>
-  <p:timing>
-    <p:tnLst>
-      <p:par>
-        <p:cTn id="1" dur="indefinite" restart="never" nodeType="tmRoot"/>
-      </p:par>
-    </p:tnLst>
-  </p:timing>
 </p:sld>
 </file>
 

--- a/case-study-2/Loan Default case study findings.pptx
+++ b/case-study-2/Loan Default case study findings.pptx
@@ -5,7 +5,7 @@
     <p:sldMasterId id="2147483660" r:id="rId1"/>
   </p:sldMasterIdLst>
   <p:notesMasterIdLst>
-    <p:notesMasterId r:id="rId17"/>
+    <p:notesMasterId r:id="rId19"/>
   </p:notesMasterIdLst>
   <p:sldIdLst>
     <p:sldId id="256" r:id="rId2"/>
@@ -22,7 +22,9 @@
     <p:sldId id="287" r:id="rId13"/>
     <p:sldId id="259" r:id="rId14"/>
     <p:sldId id="288" r:id="rId15"/>
-    <p:sldId id="270" r:id="rId16"/>
+    <p:sldId id="292" r:id="rId16"/>
+    <p:sldId id="293" r:id="rId17"/>
+    <p:sldId id="270" r:id="rId18"/>
   </p:sldIdLst>
   <p:sldSz cx="12192000" cy="6858000"/>
   <p:notesSz cx="6858000" cy="9144000"/>
@@ -2759,6 +2761,13 @@
         </dgm:presLayoutVars>
       </dgm:prSet>
       <dgm:spPr/>
+      <dgm:t>
+        <a:bodyPr/>
+        <a:lstStyle/>
+        <a:p>
+          <a:endParaRPr lang="en-US"/>
+        </a:p>
+      </dgm:t>
     </dgm:pt>
     <dgm:pt modelId="{8D36B8EE-95BD-42E9-97E4-C76FF1BEC880}" type="pres">
       <dgm:prSet presAssocID="{EF1B1446-69BC-47C4-8514-F150AA28F0EA}" presName="composite" presStyleCnt="0"/>
@@ -2775,6 +2784,13 @@
         </dgm:presLayoutVars>
       </dgm:prSet>
       <dgm:spPr/>
+      <dgm:t>
+        <a:bodyPr/>
+        <a:lstStyle/>
+        <a:p>
+          <a:endParaRPr lang="en-US"/>
+        </a:p>
+      </dgm:t>
     </dgm:pt>
     <dgm:pt modelId="{BBB44E7E-AB3E-4D92-871E-B292ADB76B47}" type="pres">
       <dgm:prSet presAssocID="{7F856221-4F2B-4CA4-B600-9543E5A308DE}" presName="compositeSpace" presStyleCnt="0"/>
@@ -2795,6 +2811,13 @@
         </dgm:presLayoutVars>
       </dgm:prSet>
       <dgm:spPr/>
+      <dgm:t>
+        <a:bodyPr/>
+        <a:lstStyle/>
+        <a:p>
+          <a:endParaRPr lang="en-US"/>
+        </a:p>
+      </dgm:t>
     </dgm:pt>
     <dgm:pt modelId="{EA368C30-64A2-47E9-941D-4C1C0539C4AC}" type="pres">
       <dgm:prSet presAssocID="{C15E0D35-8EE1-43BE-99E2-026621475164}" presName="compositeSpace" presStyleCnt="0"/>
@@ -2815,30 +2838,37 @@
         </dgm:presLayoutVars>
       </dgm:prSet>
       <dgm:spPr/>
+      <dgm:t>
+        <a:bodyPr/>
+        <a:lstStyle/>
+        <a:p>
+          <a:endParaRPr lang="en-US"/>
+        </a:p>
+      </dgm:t>
     </dgm:pt>
   </dgm:ptLst>
   <dgm:cxnLst>
+    <dgm:cxn modelId="{CDA9D7E9-97D4-4E02-9257-FD7463CBF676}" srcId="{86B8F369-2BAD-44A2-B061-A58F77A3D914}" destId="{31E364CA-B981-4057-A779-A996CA2F34B2}" srcOrd="1" destOrd="0" parTransId="{0426EFB4-46D2-40AE-9C56-D1D4B923FDE6}" sibTransId="{A155A401-493D-4ACE-B747-12CE40125C05}"/>
+    <dgm:cxn modelId="{6B332801-2428-4431-84A6-351E5BB1B875}" type="presOf" srcId="{C22126E4-D9D6-4406-A97E-8721897B7987}" destId="{2038D8A7-44D1-4F6C-96B1-E9C5DB2ECD20}" srcOrd="0" destOrd="1" presId="urn:microsoft.com/office/officeart/2005/8/layout/chevronAccent+Icon"/>
+    <dgm:cxn modelId="{89754CB2-798E-4FF8-91A4-6433A8F09D0E}" type="presOf" srcId="{31E364CA-B981-4057-A779-A996CA2F34B2}" destId="{58A6145A-6296-47E3-BC97-C07C29E364BC}" srcOrd="0" destOrd="2" presId="urn:microsoft.com/office/officeart/2005/8/layout/chevronAccent+Icon"/>
     <dgm:cxn modelId="{375D9F00-A4E3-4DDB-88BE-A02D0F0266CC}" srcId="{260ED0EC-3CE0-4CED-A9DE-21D7404BDCD0}" destId="{86B8F369-2BAD-44A2-B061-A58F77A3D914}" srcOrd="1" destOrd="0" parTransId="{17AC7101-8587-49E1-8062-06B18423A11C}" sibTransId="{C15E0D35-8EE1-43BE-99E2-026621475164}"/>
-    <dgm:cxn modelId="{6B332801-2428-4431-84A6-351E5BB1B875}" type="presOf" srcId="{C22126E4-D9D6-4406-A97E-8721897B7987}" destId="{2038D8A7-44D1-4F6C-96B1-E9C5DB2ECD20}" srcOrd="0" destOrd="1" presId="urn:microsoft.com/office/officeart/2005/8/layout/chevronAccent+Icon"/>
-    <dgm:cxn modelId="{EA60E505-4B26-4BC5-A132-A1C5A3B167B4}" type="presOf" srcId="{81D1BB8B-FAA6-4D95-9961-8D6FAA4CE46E}" destId="{B107831F-CEBB-41D5-95CB-0396851292DD}" srcOrd="0" destOrd="0" presId="urn:microsoft.com/office/officeart/2005/8/layout/chevronAccent+Icon"/>
+    <dgm:cxn modelId="{FFEBB1A7-4574-4D8F-BDE4-B687D415FB8A}" srcId="{EF1B1446-69BC-47C4-8514-F150AA28F0EA}" destId="{C22126E4-D9D6-4406-A97E-8721897B7987}" srcOrd="0" destOrd="0" parTransId="{15D43299-0801-4844-A658-D850E193BD3D}" sibTransId="{482582C1-E0E5-485A-B66A-91E58EE6C971}"/>
+    <dgm:cxn modelId="{71545CF0-566C-4C30-BEF2-EB1AF8B6747C}" srcId="{86B8F369-2BAD-44A2-B061-A58F77A3D914}" destId="{F30F06E4-DC9C-4F09-ADAB-0A909D4BB14D}" srcOrd="0" destOrd="0" parTransId="{F73A12B3-C849-420B-978A-C2E42D7C7834}" sibTransId="{66928491-A25A-4754-8622-7431AE382D31}"/>
+    <dgm:cxn modelId="{CA5079AA-19BF-40ED-BE5A-F56E59647B37}" srcId="{81D1BB8B-FAA6-4D95-9961-8D6FAA4CE46E}" destId="{FF8DEC90-0BB5-4CC5-B690-76CE4C123E1A}" srcOrd="0" destOrd="0" parTransId="{1F5C6231-86D9-4E19-8845-56D2221D5474}" sibTransId="{F38A8B1D-D1B7-4CB8-8223-9A37A9884A8F}"/>
+    <dgm:cxn modelId="{F60B8966-7C8C-4407-A0C3-6E3925D16A82}" type="presOf" srcId="{F30F06E4-DC9C-4F09-ADAB-0A909D4BB14D}" destId="{58A6145A-6296-47E3-BC97-C07C29E364BC}" srcOrd="0" destOrd="1" presId="urn:microsoft.com/office/officeart/2005/8/layout/chevronAccent+Icon"/>
     <dgm:cxn modelId="{3C561A1E-D16C-4848-A12F-509C6BA03CB3}" type="presOf" srcId="{ED1CF0BA-E2DE-4DA7-946A-14214A8680F9}" destId="{58A6145A-6296-47E3-BC97-C07C29E364BC}" srcOrd="0" destOrd="3" presId="urn:microsoft.com/office/officeart/2005/8/layout/chevronAccent+Icon"/>
-    <dgm:cxn modelId="{23315F2E-1438-493A-B0F0-47AFBD37827F}" type="presOf" srcId="{78939EBB-1C96-4E36-B0FE-829E192333B6}" destId="{2038D8A7-44D1-4F6C-96B1-E9C5DB2ECD20}" srcOrd="0" destOrd="3" presId="urn:microsoft.com/office/officeart/2005/8/layout/chevronAccent+Icon"/>
-    <dgm:cxn modelId="{D4C0733D-68A9-4B86-AC7B-AD40D4D60DF6}" srcId="{260ED0EC-3CE0-4CED-A9DE-21D7404BDCD0}" destId="{EF1B1446-69BC-47C4-8514-F150AA28F0EA}" srcOrd="0" destOrd="0" parTransId="{7C22C5F4-35E8-4AD7-8731-9D394C041A22}" sibTransId="{7F856221-4F2B-4CA4-B600-9543E5A308DE}"/>
-    <dgm:cxn modelId="{F8929C62-CF7A-466B-9A8C-05B721052F36}" srcId="{86B8F369-2BAD-44A2-B061-A58F77A3D914}" destId="{ED1CF0BA-E2DE-4DA7-946A-14214A8680F9}" srcOrd="2" destOrd="0" parTransId="{8CA5FFB9-6664-4FA8-813A-395D0BC99AA5}" sibTransId="{80BE054C-6C31-48B2-A46A-7273F69CC5A5}"/>
-    <dgm:cxn modelId="{F60B8966-7C8C-4407-A0C3-6E3925D16A82}" type="presOf" srcId="{F30F06E4-DC9C-4F09-ADAB-0A909D4BB14D}" destId="{58A6145A-6296-47E3-BC97-C07C29E364BC}" srcOrd="0" destOrd="1" presId="urn:microsoft.com/office/officeart/2005/8/layout/chevronAccent+Icon"/>
     <dgm:cxn modelId="{7B2A5F76-A6DB-4AB4-BAE4-A6976238A83F}" type="presOf" srcId="{EF1B1446-69BC-47C4-8514-F150AA28F0EA}" destId="{2038D8A7-44D1-4F6C-96B1-E9C5DB2ECD20}" srcOrd="0" destOrd="0" presId="urn:microsoft.com/office/officeart/2005/8/layout/chevronAccent+Icon"/>
     <dgm:cxn modelId="{6C1CF68E-7E78-40D5-8D7E-F72754F60CEF}" type="presOf" srcId="{4A9D639A-18EB-43A3-9E6C-966481711B33}" destId="{2038D8A7-44D1-4F6C-96B1-E9C5DB2ECD20}" srcOrd="0" destOrd="2" presId="urn:microsoft.com/office/officeart/2005/8/layout/chevronAccent+Icon"/>
+    <dgm:cxn modelId="{F8929C62-CF7A-466B-9A8C-05B721052F36}" srcId="{86B8F369-2BAD-44A2-B061-A58F77A3D914}" destId="{ED1CF0BA-E2DE-4DA7-946A-14214A8680F9}" srcOrd="2" destOrd="0" parTransId="{8CA5FFB9-6664-4FA8-813A-395D0BC99AA5}" sibTransId="{80BE054C-6C31-48B2-A46A-7273F69CC5A5}"/>
+    <dgm:cxn modelId="{D4C0733D-68A9-4B86-AC7B-AD40D4D60DF6}" srcId="{260ED0EC-3CE0-4CED-A9DE-21D7404BDCD0}" destId="{EF1B1446-69BC-47C4-8514-F150AA28F0EA}" srcOrd="0" destOrd="0" parTransId="{7C22C5F4-35E8-4AD7-8731-9D394C041A22}" sibTransId="{7F856221-4F2B-4CA4-B600-9543E5A308DE}"/>
+    <dgm:cxn modelId="{CC1B06E5-17F1-4AB9-A456-5A0AE6E4F5FE}" type="presOf" srcId="{260ED0EC-3CE0-4CED-A9DE-21D7404BDCD0}" destId="{7D301E9D-EBE8-4637-A01D-BB538FC5E50B}" srcOrd="0" destOrd="0" presId="urn:microsoft.com/office/officeart/2005/8/layout/chevronAccent+Icon"/>
+    <dgm:cxn modelId="{940607AB-4675-4257-9C0D-80C7D67DAB18}" srcId="{260ED0EC-3CE0-4CED-A9DE-21D7404BDCD0}" destId="{81D1BB8B-FAA6-4D95-9961-8D6FAA4CE46E}" srcOrd="2" destOrd="0" parTransId="{370B0C6A-D786-4B69-B009-B7650CAD43ED}" sibTransId="{41B71C27-8B5C-40A4-8634-7AC27047E0E4}"/>
+    <dgm:cxn modelId="{23315F2E-1438-493A-B0F0-47AFBD37827F}" type="presOf" srcId="{78939EBB-1C96-4E36-B0FE-829E192333B6}" destId="{2038D8A7-44D1-4F6C-96B1-E9C5DB2ECD20}" srcOrd="0" destOrd="3" presId="urn:microsoft.com/office/officeart/2005/8/layout/chevronAccent+Icon"/>
+    <dgm:cxn modelId="{24D3B892-5992-45F1-9BF6-7EC3C08C4476}" type="presOf" srcId="{86B8F369-2BAD-44A2-B061-A58F77A3D914}" destId="{58A6145A-6296-47E3-BC97-C07C29E364BC}" srcOrd="0" destOrd="0" presId="urn:microsoft.com/office/officeart/2005/8/layout/chevronAccent+Icon"/>
+    <dgm:cxn modelId="{EA60E505-4B26-4BC5-A132-A1C5A3B167B4}" type="presOf" srcId="{81D1BB8B-FAA6-4D95-9961-8D6FAA4CE46E}" destId="{B107831F-CEBB-41D5-95CB-0396851292DD}" srcOrd="0" destOrd="0" presId="urn:microsoft.com/office/officeart/2005/8/layout/chevronAccent+Icon"/>
     <dgm:cxn modelId="{854D128F-8789-413A-A294-715FABDD1119}" srcId="{EF1B1446-69BC-47C4-8514-F150AA28F0EA}" destId="{4A9D639A-18EB-43A3-9E6C-966481711B33}" srcOrd="1" destOrd="0" parTransId="{7F968EA3-C2C9-47DF-945E-1A6F1E259885}" sibTransId="{F9550CE1-1AE7-485B-BC91-02771481EFF6}"/>
-    <dgm:cxn modelId="{24D3B892-5992-45F1-9BF6-7EC3C08C4476}" type="presOf" srcId="{86B8F369-2BAD-44A2-B061-A58F77A3D914}" destId="{58A6145A-6296-47E3-BC97-C07C29E364BC}" srcOrd="0" destOrd="0" presId="urn:microsoft.com/office/officeart/2005/8/layout/chevronAccent+Icon"/>
-    <dgm:cxn modelId="{FFEBB1A7-4574-4D8F-BDE4-B687D415FB8A}" srcId="{EF1B1446-69BC-47C4-8514-F150AA28F0EA}" destId="{C22126E4-D9D6-4406-A97E-8721897B7987}" srcOrd="0" destOrd="0" parTransId="{15D43299-0801-4844-A658-D850E193BD3D}" sibTransId="{482582C1-E0E5-485A-B66A-91E58EE6C971}"/>
-    <dgm:cxn modelId="{CA5079AA-19BF-40ED-BE5A-F56E59647B37}" srcId="{81D1BB8B-FAA6-4D95-9961-8D6FAA4CE46E}" destId="{FF8DEC90-0BB5-4CC5-B690-76CE4C123E1A}" srcOrd="0" destOrd="0" parTransId="{1F5C6231-86D9-4E19-8845-56D2221D5474}" sibTransId="{F38A8B1D-D1B7-4CB8-8223-9A37A9884A8F}"/>
-    <dgm:cxn modelId="{940607AB-4675-4257-9C0D-80C7D67DAB18}" srcId="{260ED0EC-3CE0-4CED-A9DE-21D7404BDCD0}" destId="{81D1BB8B-FAA6-4D95-9961-8D6FAA4CE46E}" srcOrd="2" destOrd="0" parTransId="{370B0C6A-D786-4B69-B009-B7650CAD43ED}" sibTransId="{41B71C27-8B5C-40A4-8634-7AC27047E0E4}"/>
-    <dgm:cxn modelId="{89754CB2-798E-4FF8-91A4-6433A8F09D0E}" type="presOf" srcId="{31E364CA-B981-4057-A779-A996CA2F34B2}" destId="{58A6145A-6296-47E3-BC97-C07C29E364BC}" srcOrd="0" destOrd="2" presId="urn:microsoft.com/office/officeart/2005/8/layout/chevronAccent+Icon"/>
     <dgm:cxn modelId="{407E0AC5-EA5E-4C56-8632-700DD14F3FC2}" srcId="{EF1B1446-69BC-47C4-8514-F150AA28F0EA}" destId="{78939EBB-1C96-4E36-B0FE-829E192333B6}" srcOrd="2" destOrd="0" parTransId="{3FD27A03-F7A2-431E-97D5-04010645A050}" sibTransId="{B2D72634-189B-483C-965D-2E37C9A85657}"/>
     <dgm:cxn modelId="{E2F960E4-743C-4ECB-B80A-F721AFE7E072}" type="presOf" srcId="{FF8DEC90-0BB5-4CC5-B690-76CE4C123E1A}" destId="{B107831F-CEBB-41D5-95CB-0396851292DD}" srcOrd="0" destOrd="1" presId="urn:microsoft.com/office/officeart/2005/8/layout/chevronAccent+Icon"/>
-    <dgm:cxn modelId="{CC1B06E5-17F1-4AB9-A456-5A0AE6E4F5FE}" type="presOf" srcId="{260ED0EC-3CE0-4CED-A9DE-21D7404BDCD0}" destId="{7D301E9D-EBE8-4637-A01D-BB538FC5E50B}" srcOrd="0" destOrd="0" presId="urn:microsoft.com/office/officeart/2005/8/layout/chevronAccent+Icon"/>
-    <dgm:cxn modelId="{CDA9D7E9-97D4-4E02-9257-FD7463CBF676}" srcId="{86B8F369-2BAD-44A2-B061-A58F77A3D914}" destId="{31E364CA-B981-4057-A779-A996CA2F34B2}" srcOrd="1" destOrd="0" parTransId="{0426EFB4-46D2-40AE-9C56-D1D4B923FDE6}" sibTransId="{A155A401-493D-4ACE-B747-12CE40125C05}"/>
-    <dgm:cxn modelId="{71545CF0-566C-4C30-BEF2-EB1AF8B6747C}" srcId="{86B8F369-2BAD-44A2-B061-A58F77A3D914}" destId="{F30F06E4-DC9C-4F09-ADAB-0A909D4BB14D}" srcOrd="0" destOrd="0" parTransId="{F73A12B3-C849-420B-978A-C2E42D7C7834}" sibTransId="{66928491-A25A-4754-8622-7431AE382D31}"/>
     <dgm:cxn modelId="{0E023CB3-98AE-4B85-9551-431FA1AD5DA3}" type="presParOf" srcId="{7D301E9D-EBE8-4637-A01D-BB538FC5E50B}" destId="{8D36B8EE-95BD-42E9-97E4-C76FF1BEC880}" srcOrd="0" destOrd="0" presId="urn:microsoft.com/office/officeart/2005/8/layout/chevronAccent+Icon"/>
     <dgm:cxn modelId="{C74D6C2B-9426-4A43-8A6F-8D7A324726A4}" type="presParOf" srcId="{8D36B8EE-95BD-42E9-97E4-C76FF1BEC880}" destId="{3B66FC59-1B17-4256-BC4A-69EBCA3E6787}" srcOrd="0" destOrd="0" presId="urn:microsoft.com/office/officeart/2005/8/layout/chevronAccent+Icon"/>
     <dgm:cxn modelId="{7AE9414F-E5CB-4CBA-BC6F-6EA12785ECB4}" type="presParOf" srcId="{8D36B8EE-95BD-42E9-97E4-C76FF1BEC880}" destId="{2038D8A7-44D1-4F6C-96B1-E9C5DB2ECD20}" srcOrd="1" destOrd="0" presId="urn:microsoft.com/office/officeart/2005/8/layout/chevronAccent+Icon"/>
@@ -3193,6 +3223,13 @@
         </dgm:presLayoutVars>
       </dgm:prSet>
       <dgm:spPr/>
+      <dgm:t>
+        <a:bodyPr/>
+        <a:lstStyle/>
+        <a:p>
+          <a:endParaRPr lang="en-US"/>
+        </a:p>
+      </dgm:t>
     </dgm:pt>
     <dgm:pt modelId="{8D36B8EE-95BD-42E9-97E4-C76FF1BEC880}" type="pres">
       <dgm:prSet presAssocID="{EF1B1446-69BC-47C4-8514-F150AA28F0EA}" presName="composite" presStyleCnt="0"/>
@@ -3209,6 +3246,13 @@
         </dgm:presLayoutVars>
       </dgm:prSet>
       <dgm:spPr/>
+      <dgm:t>
+        <a:bodyPr/>
+        <a:lstStyle/>
+        <a:p>
+          <a:endParaRPr lang="en-US"/>
+        </a:p>
+      </dgm:t>
     </dgm:pt>
     <dgm:pt modelId="{BBB44E7E-AB3E-4D92-871E-B292ADB76B47}" type="pres">
       <dgm:prSet presAssocID="{7F856221-4F2B-4CA4-B600-9543E5A308DE}" presName="compositeSpace" presStyleCnt="0"/>
@@ -3229,6 +3273,13 @@
         </dgm:presLayoutVars>
       </dgm:prSet>
       <dgm:spPr/>
+      <dgm:t>
+        <a:bodyPr/>
+        <a:lstStyle/>
+        <a:p>
+          <a:endParaRPr lang="en-US"/>
+        </a:p>
+      </dgm:t>
     </dgm:pt>
     <dgm:pt modelId="{EA368C30-64A2-47E9-941D-4C1C0539C4AC}" type="pres">
       <dgm:prSet presAssocID="{C15E0D35-8EE1-43BE-99E2-026621475164}" presName="compositeSpace" presStyleCnt="0"/>
@@ -3249,28 +3300,35 @@
         </dgm:presLayoutVars>
       </dgm:prSet>
       <dgm:spPr/>
+      <dgm:t>
+        <a:bodyPr/>
+        <a:lstStyle/>
+        <a:p>
+          <a:endParaRPr lang="en-US"/>
+        </a:p>
+      </dgm:t>
     </dgm:pt>
   </dgm:ptLst>
   <dgm:cxnLst>
+    <dgm:cxn modelId="{71545CF0-566C-4C30-BEF2-EB1AF8B6747C}" srcId="{86B8F369-2BAD-44A2-B061-A58F77A3D914}" destId="{F30F06E4-DC9C-4F09-ADAB-0A909D4BB14D}" srcOrd="0" destOrd="0" parTransId="{F73A12B3-C849-420B-978A-C2E42D7C7834}" sibTransId="{66928491-A25A-4754-8622-7431AE382D31}"/>
+    <dgm:cxn modelId="{1613A132-5CD7-469D-B6F3-B8BEF2FC088E}" type="presOf" srcId="{260ED0EC-3CE0-4CED-A9DE-21D7404BDCD0}" destId="{7D301E9D-EBE8-4637-A01D-BB538FC5E50B}" srcOrd="0" destOrd="0" presId="urn:microsoft.com/office/officeart/2005/8/layout/chevronAccent+Icon"/>
+    <dgm:cxn modelId="{3016284C-82FE-4C4C-B1D2-96D4ABD04232}" type="presOf" srcId="{EF1B1446-69BC-47C4-8514-F150AA28F0EA}" destId="{2038D8A7-44D1-4F6C-96B1-E9C5DB2ECD20}" srcOrd="0" destOrd="0" presId="urn:microsoft.com/office/officeart/2005/8/layout/chevronAccent+Icon"/>
+    <dgm:cxn modelId="{D4C0733D-68A9-4B86-AC7B-AD40D4D60DF6}" srcId="{260ED0EC-3CE0-4CED-A9DE-21D7404BDCD0}" destId="{EF1B1446-69BC-47C4-8514-F150AA28F0EA}" srcOrd="0" destOrd="0" parTransId="{7C22C5F4-35E8-4AD7-8731-9D394C041A22}" sibTransId="{7F856221-4F2B-4CA4-B600-9543E5A308DE}"/>
+    <dgm:cxn modelId="{51BF79CB-7D8B-43FC-8780-04B5D1E7A40B}" srcId="{81D1BB8B-FAA6-4D95-9961-8D6FAA4CE46E}" destId="{1D125DE1-7771-4E8C-B2B6-21F2C0D9C2F5}" srcOrd="1" destOrd="0" parTransId="{F21DB5E3-F568-49D7-A531-C28513B38106}" sibTransId="{E7969BA0-B8D1-471E-996C-BB5B65201A7C}"/>
+    <dgm:cxn modelId="{8D148974-C0A9-4432-A920-9EF041C32694}" type="presOf" srcId="{C22126E4-D9D6-4406-A97E-8721897B7987}" destId="{2038D8A7-44D1-4F6C-96B1-E9C5DB2ECD20}" srcOrd="0" destOrd="1" presId="urn:microsoft.com/office/officeart/2005/8/layout/chevronAccent+Icon"/>
+    <dgm:cxn modelId="{D16177CC-4D00-4EAF-8033-F0182D8FDD2A}" type="presOf" srcId="{F30F06E4-DC9C-4F09-ADAB-0A909D4BB14D}" destId="{58A6145A-6296-47E3-BC97-C07C29E364BC}" srcOrd="0" destOrd="1" presId="urn:microsoft.com/office/officeart/2005/8/layout/chevronAccent+Icon"/>
+    <dgm:cxn modelId="{6E2D2096-5646-491E-9860-081842F19729}" type="presOf" srcId="{1D125DE1-7771-4E8C-B2B6-21F2C0D9C2F5}" destId="{B107831F-CEBB-41D5-95CB-0396851292DD}" srcOrd="0" destOrd="2" presId="urn:microsoft.com/office/officeart/2005/8/layout/chevronAccent+Icon"/>
+    <dgm:cxn modelId="{E6EBCCB2-D91B-4A72-8B58-552EA26E149A}" type="presOf" srcId="{F5212BBA-779A-46BB-9A61-AAC29A260A75}" destId="{2038D8A7-44D1-4F6C-96B1-E9C5DB2ECD20}" srcOrd="0" destOrd="2" presId="urn:microsoft.com/office/officeart/2005/8/layout/chevronAccent+Icon"/>
+    <dgm:cxn modelId="{CDA9D7E9-97D4-4E02-9257-FD7463CBF676}" srcId="{86B8F369-2BAD-44A2-B061-A58F77A3D914}" destId="{31E364CA-B981-4057-A779-A996CA2F34B2}" srcOrd="1" destOrd="0" parTransId="{0426EFB4-46D2-40AE-9C56-D1D4B923FDE6}" sibTransId="{A155A401-493D-4ACE-B747-12CE40125C05}"/>
+    <dgm:cxn modelId="{CA5079AA-19BF-40ED-BE5A-F56E59647B37}" srcId="{81D1BB8B-FAA6-4D95-9961-8D6FAA4CE46E}" destId="{FF8DEC90-0BB5-4CC5-B690-76CE4C123E1A}" srcOrd="0" destOrd="0" parTransId="{1F5C6231-86D9-4E19-8845-56D2221D5474}" sibTransId="{F38A8B1D-D1B7-4CB8-8223-9A37A9884A8F}"/>
+    <dgm:cxn modelId="{981DD1B4-BCD7-4CF0-BC11-F0C858964C93}" type="presOf" srcId="{FF8DEC90-0BB5-4CC5-B690-76CE4C123E1A}" destId="{B107831F-CEBB-41D5-95CB-0396851292DD}" srcOrd="0" destOrd="1" presId="urn:microsoft.com/office/officeart/2005/8/layout/chevronAccent+Icon"/>
+    <dgm:cxn modelId="{940607AB-4675-4257-9C0D-80C7D67DAB18}" srcId="{260ED0EC-3CE0-4CED-A9DE-21D7404BDCD0}" destId="{81D1BB8B-FAA6-4D95-9961-8D6FAA4CE46E}" srcOrd="2" destOrd="0" parTransId="{370B0C6A-D786-4B69-B009-B7650CAD43ED}" sibTransId="{41B71C27-8B5C-40A4-8634-7AC27047E0E4}"/>
+    <dgm:cxn modelId="{DEC225CE-AA36-4EFC-8411-5E730B3AFD7F}" type="presOf" srcId="{31E364CA-B981-4057-A779-A996CA2F34B2}" destId="{58A6145A-6296-47E3-BC97-C07C29E364BC}" srcOrd="0" destOrd="2" presId="urn:microsoft.com/office/officeart/2005/8/layout/chevronAccent+Icon"/>
     <dgm:cxn modelId="{375D9F00-A4E3-4DDB-88BE-A02D0F0266CC}" srcId="{260ED0EC-3CE0-4CED-A9DE-21D7404BDCD0}" destId="{86B8F369-2BAD-44A2-B061-A58F77A3D914}" srcOrd="1" destOrd="0" parTransId="{17AC7101-8587-49E1-8062-06B18423A11C}" sibTransId="{C15E0D35-8EE1-43BE-99E2-026621475164}"/>
-    <dgm:cxn modelId="{1613A132-5CD7-469D-B6F3-B8BEF2FC088E}" type="presOf" srcId="{260ED0EC-3CE0-4CED-A9DE-21D7404BDCD0}" destId="{7D301E9D-EBE8-4637-A01D-BB538FC5E50B}" srcOrd="0" destOrd="0" presId="urn:microsoft.com/office/officeart/2005/8/layout/chevronAccent+Icon"/>
-    <dgm:cxn modelId="{D4C0733D-68A9-4B86-AC7B-AD40D4D60DF6}" srcId="{260ED0EC-3CE0-4CED-A9DE-21D7404BDCD0}" destId="{EF1B1446-69BC-47C4-8514-F150AA28F0EA}" srcOrd="0" destOrd="0" parTransId="{7C22C5F4-35E8-4AD7-8731-9D394C041A22}" sibTransId="{7F856221-4F2B-4CA4-B600-9543E5A308DE}"/>
-    <dgm:cxn modelId="{3016284C-82FE-4C4C-B1D2-96D4ABD04232}" type="presOf" srcId="{EF1B1446-69BC-47C4-8514-F150AA28F0EA}" destId="{2038D8A7-44D1-4F6C-96B1-E9C5DB2ECD20}" srcOrd="0" destOrd="0" presId="urn:microsoft.com/office/officeart/2005/8/layout/chevronAccent+Icon"/>
-    <dgm:cxn modelId="{8D148974-C0A9-4432-A920-9EF041C32694}" type="presOf" srcId="{C22126E4-D9D6-4406-A97E-8721897B7987}" destId="{2038D8A7-44D1-4F6C-96B1-E9C5DB2ECD20}" srcOrd="0" destOrd="1" presId="urn:microsoft.com/office/officeart/2005/8/layout/chevronAccent+Icon"/>
-    <dgm:cxn modelId="{6E2D2096-5646-491E-9860-081842F19729}" type="presOf" srcId="{1D125DE1-7771-4E8C-B2B6-21F2C0D9C2F5}" destId="{B107831F-CEBB-41D5-95CB-0396851292DD}" srcOrd="0" destOrd="2" presId="urn:microsoft.com/office/officeart/2005/8/layout/chevronAccent+Icon"/>
     <dgm:cxn modelId="{ACBBED9C-C8D0-4FC6-8734-1D4B490E593F}" type="presOf" srcId="{86B8F369-2BAD-44A2-B061-A58F77A3D914}" destId="{58A6145A-6296-47E3-BC97-C07C29E364BC}" srcOrd="0" destOrd="0" presId="urn:microsoft.com/office/officeart/2005/8/layout/chevronAccent+Icon"/>
+    <dgm:cxn modelId="{42AC1BAB-5B19-4C47-B5F1-C9B841F1DB2E}" srcId="{EF1B1446-69BC-47C4-8514-F150AA28F0EA}" destId="{F5212BBA-779A-46BB-9A61-AAC29A260A75}" srcOrd="1" destOrd="0" parTransId="{D95FEF63-7E47-4BCE-9B13-64CF192CF975}" sibTransId="{E7DCE3BD-D517-4CDA-A3E4-108813FD5D13}"/>
     <dgm:cxn modelId="{FFEBB1A7-4574-4D8F-BDE4-B687D415FB8A}" srcId="{EF1B1446-69BC-47C4-8514-F150AA28F0EA}" destId="{C22126E4-D9D6-4406-A97E-8721897B7987}" srcOrd="0" destOrd="0" parTransId="{15D43299-0801-4844-A658-D850E193BD3D}" sibTransId="{482582C1-E0E5-485A-B66A-91E58EE6C971}"/>
-    <dgm:cxn modelId="{CA5079AA-19BF-40ED-BE5A-F56E59647B37}" srcId="{81D1BB8B-FAA6-4D95-9961-8D6FAA4CE46E}" destId="{FF8DEC90-0BB5-4CC5-B690-76CE4C123E1A}" srcOrd="0" destOrd="0" parTransId="{1F5C6231-86D9-4E19-8845-56D2221D5474}" sibTransId="{F38A8B1D-D1B7-4CB8-8223-9A37A9884A8F}"/>
-    <dgm:cxn modelId="{940607AB-4675-4257-9C0D-80C7D67DAB18}" srcId="{260ED0EC-3CE0-4CED-A9DE-21D7404BDCD0}" destId="{81D1BB8B-FAA6-4D95-9961-8D6FAA4CE46E}" srcOrd="2" destOrd="0" parTransId="{370B0C6A-D786-4B69-B009-B7650CAD43ED}" sibTransId="{41B71C27-8B5C-40A4-8634-7AC27047E0E4}"/>
-    <dgm:cxn modelId="{42AC1BAB-5B19-4C47-B5F1-C9B841F1DB2E}" srcId="{EF1B1446-69BC-47C4-8514-F150AA28F0EA}" destId="{F5212BBA-779A-46BB-9A61-AAC29A260A75}" srcOrd="1" destOrd="0" parTransId="{D95FEF63-7E47-4BCE-9B13-64CF192CF975}" sibTransId="{E7DCE3BD-D517-4CDA-A3E4-108813FD5D13}"/>
-    <dgm:cxn modelId="{E6EBCCB2-D91B-4A72-8B58-552EA26E149A}" type="presOf" srcId="{F5212BBA-779A-46BB-9A61-AAC29A260A75}" destId="{2038D8A7-44D1-4F6C-96B1-E9C5DB2ECD20}" srcOrd="0" destOrd="2" presId="urn:microsoft.com/office/officeart/2005/8/layout/chevronAccent+Icon"/>
-    <dgm:cxn modelId="{981DD1B4-BCD7-4CF0-BC11-F0C858964C93}" type="presOf" srcId="{FF8DEC90-0BB5-4CC5-B690-76CE4C123E1A}" destId="{B107831F-CEBB-41D5-95CB-0396851292DD}" srcOrd="0" destOrd="1" presId="urn:microsoft.com/office/officeart/2005/8/layout/chevronAccent+Icon"/>
     <dgm:cxn modelId="{09C468C7-8FFA-45DD-9BAE-7F37E9F607D8}" type="presOf" srcId="{81D1BB8B-FAA6-4D95-9961-8D6FAA4CE46E}" destId="{B107831F-CEBB-41D5-95CB-0396851292DD}" srcOrd="0" destOrd="0" presId="urn:microsoft.com/office/officeart/2005/8/layout/chevronAccent+Icon"/>
-    <dgm:cxn modelId="{51BF79CB-7D8B-43FC-8780-04B5D1E7A40B}" srcId="{81D1BB8B-FAA6-4D95-9961-8D6FAA4CE46E}" destId="{1D125DE1-7771-4E8C-B2B6-21F2C0D9C2F5}" srcOrd="1" destOrd="0" parTransId="{F21DB5E3-F568-49D7-A531-C28513B38106}" sibTransId="{E7969BA0-B8D1-471E-996C-BB5B65201A7C}"/>
-    <dgm:cxn modelId="{D16177CC-4D00-4EAF-8033-F0182D8FDD2A}" type="presOf" srcId="{F30F06E4-DC9C-4F09-ADAB-0A909D4BB14D}" destId="{58A6145A-6296-47E3-BC97-C07C29E364BC}" srcOrd="0" destOrd="1" presId="urn:microsoft.com/office/officeart/2005/8/layout/chevronAccent+Icon"/>
-    <dgm:cxn modelId="{DEC225CE-AA36-4EFC-8411-5E730B3AFD7F}" type="presOf" srcId="{31E364CA-B981-4057-A779-A996CA2F34B2}" destId="{58A6145A-6296-47E3-BC97-C07C29E364BC}" srcOrd="0" destOrd="2" presId="urn:microsoft.com/office/officeart/2005/8/layout/chevronAccent+Icon"/>
-    <dgm:cxn modelId="{CDA9D7E9-97D4-4E02-9257-FD7463CBF676}" srcId="{86B8F369-2BAD-44A2-B061-A58F77A3D914}" destId="{31E364CA-B981-4057-A779-A996CA2F34B2}" srcOrd="1" destOrd="0" parTransId="{0426EFB4-46D2-40AE-9C56-D1D4B923FDE6}" sibTransId="{A155A401-493D-4ACE-B747-12CE40125C05}"/>
-    <dgm:cxn modelId="{71545CF0-566C-4C30-BEF2-EB1AF8B6747C}" srcId="{86B8F369-2BAD-44A2-B061-A58F77A3D914}" destId="{F30F06E4-DC9C-4F09-ADAB-0A909D4BB14D}" srcOrd="0" destOrd="0" parTransId="{F73A12B3-C849-420B-978A-C2E42D7C7834}" sibTransId="{66928491-A25A-4754-8622-7431AE382D31}"/>
     <dgm:cxn modelId="{535CDB2B-2A61-4E28-AEE6-6DCACAA03F96}" type="presParOf" srcId="{7D301E9D-EBE8-4637-A01D-BB538FC5E50B}" destId="{8D36B8EE-95BD-42E9-97E4-C76FF1BEC880}" srcOrd="0" destOrd="0" presId="urn:microsoft.com/office/officeart/2005/8/layout/chevronAccent+Icon"/>
     <dgm:cxn modelId="{C08B2D41-B79C-458C-BA10-D74550071C68}" type="presParOf" srcId="{8D36B8EE-95BD-42E9-97E4-C76FF1BEC880}" destId="{3B66FC59-1B17-4256-BC4A-69EBCA3E6787}" srcOrd="0" destOrd="0" presId="urn:microsoft.com/office/officeart/2005/8/layout/chevronAccent+Icon"/>
     <dgm:cxn modelId="{E2223627-FD27-4E20-92BE-D0C69FE74916}" type="presParOf" srcId="{8D36B8EE-95BD-42E9-97E4-C76FF1BEC880}" destId="{2038D8A7-44D1-4F6C-96B1-E9C5DB2ECD20}" srcOrd="1" destOrd="0" presId="urn:microsoft.com/office/officeart/2005/8/layout/chevronAccent+Icon"/>
@@ -3432,68 +3490,9 @@
         </a:p>
       </dgm:t>
     </dgm:pt>
-    <dgm:pt modelId="{665B8820-E5D6-4421-A892-5BC573708853}">
-      <dgm:prSet phldrT="[Text]"/>
-      <dgm:spPr/>
-      <dgm:t>
-        <a:bodyPr/>
-        <a:lstStyle/>
-        <a:p>
-          <a:pPr algn="l"/>
-          <a:r>
-            <a:rPr lang="en-US" dirty="0"/>
-            <a:t>Loan purpose</a:t>
-          </a:r>
-        </a:p>
-      </dgm:t>
-    </dgm:pt>
-    <dgm:pt modelId="{2DB81970-C5DD-4AE2-86EC-33039910C0CB}" type="parTrans" cxnId="{A349FC8A-7633-444E-8E30-28600BE81252}">
-      <dgm:prSet/>
-      <dgm:spPr/>
-      <dgm:t>
-        <a:bodyPr/>
-        <a:lstStyle/>
-        <a:p>
-          <a:endParaRPr lang="en-US"/>
-        </a:p>
-      </dgm:t>
-    </dgm:pt>
-    <dgm:pt modelId="{A54F562E-A39F-44A7-AB3E-F5142D8E4C86}" type="sibTrans" cxnId="{A349FC8A-7633-444E-8E30-28600BE81252}">
-      <dgm:prSet/>
-      <dgm:spPr/>
-      <dgm:t>
-        <a:bodyPr/>
-        <a:lstStyle/>
-        <a:p>
-          <a:endParaRPr lang="en-US"/>
-        </a:p>
-      </dgm:t>
-    </dgm:pt>
     <dgm:pt modelId="{8A48A12A-C404-4020-824E-D49F89E14C71}">
       <dgm:prSet phldrT="[Text]" custT="1"/>
-      <dgm:spPr>
-        <a:solidFill>
-          <a:srgbClr val="44546A">
-            <a:hueOff val="0"/>
-            <a:satOff val="0"/>
-            <a:lumOff val="0"/>
-            <a:alphaOff val="0"/>
-          </a:srgbClr>
-        </a:solidFill>
-        <a:ln w="19050" cap="flat" cmpd="sng" algn="ctr">
-          <a:solidFill>
-            <a:srgbClr val="E7E6E6">
-              <a:hueOff val="0"/>
-              <a:satOff val="0"/>
-              <a:lumOff val="0"/>
-              <a:alphaOff val="0"/>
-            </a:srgbClr>
-          </a:solidFill>
-          <a:prstDash val="solid"/>
-          <a:miter lim="800000"/>
-        </a:ln>
-        <a:effectLst/>
-      </dgm:spPr>
+      <dgm:spPr/>
       <dgm:t>
         <a:bodyPr spcFirstLastPara="0" vert="horz" wrap="square" lIns="110490" tIns="55245" rIns="110490" bIns="55245" numCol="1" spcCol="1270" anchor="ctr" anchorCtr="0"/>
         <a:lstStyle/>
@@ -3511,16 +3510,18 @@
             <a:buNone/>
           </a:pPr>
           <a:r>
-            <a:rPr lang="en-US" sz="2900" kern="1200" dirty="0">
-              <a:solidFill>
-                <a:prstClr val="white"/>
-              </a:solidFill>
+            <a:rPr lang="en-US" sz="2900" kern="1200" smtClean="0">
               <a:latin typeface="Calibri" panose="020F0502020204030204"/>
               <a:ea typeface="+mn-ea"/>
               <a:cs typeface="+mn-cs"/>
             </a:rPr>
             <a:t>Home Ownership</a:t>
           </a:r>
+          <a:endParaRPr lang="en-US" sz="2900" kern="1200" dirty="0">
+            <a:latin typeface="Calibri" panose="020F0502020204030204"/>
+            <a:ea typeface="+mn-ea"/>
+            <a:cs typeface="+mn-cs"/>
+          </a:endParaRPr>
         </a:p>
       </dgm:t>
     </dgm:pt>
@@ -3628,6 +3629,10 @@
         <a:lstStyle/>
         <a:p>
           <a:pPr algn="l"/>
+          <a:r>
+            <a:rPr lang="en-US" dirty="0" smtClean="0"/>
+            <a:t>Higher the debt to income ratio there is a high risk of people defaulting on the loan</a:t>
+          </a:r>
           <a:endParaRPr lang="en-US" dirty="0"/>
         </a:p>
       </dgm:t>
@@ -3654,154 +3659,6 @@
         </a:p>
       </dgm:t>
     </dgm:pt>
-    <dgm:pt modelId="{612AD7E2-1CD8-479C-9CE6-D97CB74FD0DC}">
-      <dgm:prSet phldrT="[Text]" custT="1"/>
-      <dgm:spPr>
-        <a:solidFill>
-          <a:srgbClr val="44546A">
-            <a:hueOff val="0"/>
-            <a:satOff val="0"/>
-            <a:lumOff val="0"/>
-            <a:alphaOff val="0"/>
-          </a:srgbClr>
-        </a:solidFill>
-        <a:ln w="19050" cap="flat" cmpd="sng" algn="ctr">
-          <a:solidFill>
-            <a:srgbClr val="E7E6E6">
-              <a:hueOff val="0"/>
-              <a:satOff val="0"/>
-              <a:lumOff val="0"/>
-              <a:alphaOff val="0"/>
-            </a:srgbClr>
-          </a:solidFill>
-          <a:prstDash val="solid"/>
-          <a:miter lim="800000"/>
-        </a:ln>
-        <a:effectLst/>
-      </dgm:spPr>
-      <dgm:t>
-        <a:bodyPr spcFirstLastPara="0" vert="horz" wrap="square" lIns="110490" tIns="55245" rIns="110490" bIns="55245" numCol="1" spcCol="1270" anchor="ctr" anchorCtr="0"/>
-        <a:lstStyle/>
-        <a:p>
-          <a:pPr marL="0" lvl="0" indent="0" algn="l" defTabSz="1289050">
-            <a:lnSpc>
-              <a:spcPct val="90000"/>
-            </a:lnSpc>
-            <a:spcBef>
-              <a:spcPct val="0"/>
-            </a:spcBef>
-            <a:spcAft>
-              <a:spcPct val="35000"/>
-            </a:spcAft>
-            <a:buNone/>
-          </a:pPr>
-          <a:r>
-            <a:rPr lang="en-US" sz="2900" kern="1200" dirty="0">
-              <a:solidFill>
-                <a:prstClr val="white"/>
-              </a:solidFill>
-              <a:latin typeface="Calibri" panose="020F0502020204030204"/>
-              <a:ea typeface="+mn-ea"/>
-              <a:cs typeface="+mn-cs"/>
-            </a:rPr>
-            <a:t>Verification Status</a:t>
-          </a:r>
-        </a:p>
-      </dgm:t>
-    </dgm:pt>
-    <dgm:pt modelId="{218B778E-9D05-44A3-9BBF-74BC09051EF9}" type="parTrans" cxnId="{E18D7708-2E58-4DA9-BB60-ECE131FE877D}">
-      <dgm:prSet/>
-      <dgm:spPr/>
-      <dgm:t>
-        <a:bodyPr/>
-        <a:lstStyle/>
-        <a:p>
-          <a:endParaRPr lang="en-US"/>
-        </a:p>
-      </dgm:t>
-    </dgm:pt>
-    <dgm:pt modelId="{729B2D9F-2D7B-44CD-BF64-517DDBDE5EAB}" type="sibTrans" cxnId="{E18D7708-2E58-4DA9-BB60-ECE131FE877D}">
-      <dgm:prSet/>
-      <dgm:spPr/>
-      <dgm:t>
-        <a:bodyPr/>
-        <a:lstStyle/>
-        <a:p>
-          <a:endParaRPr lang="en-US"/>
-        </a:p>
-      </dgm:t>
-    </dgm:pt>
-    <dgm:pt modelId="{CA3830C4-54E8-41E4-AE4F-A20C2462B4EB}">
-      <dgm:prSet/>
-      <dgm:spPr/>
-      <dgm:t>
-        <a:bodyPr/>
-        <a:lstStyle/>
-        <a:p>
-          <a:pPr algn="l"/>
-          <a:r>
-            <a:rPr lang="en-US" dirty="0"/>
-            <a:t>Higher the debt to income ratio there is a high risk of people defaulting on the loan</a:t>
-          </a:r>
-        </a:p>
-      </dgm:t>
-    </dgm:pt>
-    <dgm:pt modelId="{C5B37EF4-CFA2-4E82-B5C4-979C9D2383E9}" type="parTrans" cxnId="{4A414864-D55D-4DFB-8FFF-E6AD427D335C}">
-      <dgm:prSet/>
-      <dgm:spPr/>
-      <dgm:t>
-        <a:bodyPr/>
-        <a:lstStyle/>
-        <a:p>
-          <a:endParaRPr lang="en-US"/>
-        </a:p>
-      </dgm:t>
-    </dgm:pt>
-    <dgm:pt modelId="{6D7362C6-4917-41E2-81E5-309047783D7B}" type="sibTrans" cxnId="{4A414864-D55D-4DFB-8FFF-E6AD427D335C}">
-      <dgm:prSet/>
-      <dgm:spPr/>
-      <dgm:t>
-        <a:bodyPr/>
-        <a:lstStyle/>
-        <a:p>
-          <a:endParaRPr lang="en-US"/>
-        </a:p>
-      </dgm:t>
-    </dgm:pt>
-    <dgm:pt modelId="{E6F29A5B-CCB0-4546-A605-422E9097B1AA}">
-      <dgm:prSet/>
-      <dgm:spPr/>
-      <dgm:t>
-        <a:bodyPr/>
-        <a:lstStyle/>
-        <a:p>
-          <a:pPr algn="l"/>
-          <a:endParaRPr lang="en-US" dirty="0"/>
-        </a:p>
-      </dgm:t>
-    </dgm:pt>
-    <dgm:pt modelId="{9AE6F52A-F837-49B2-9FF5-0C9FB787D5A9}" type="parTrans" cxnId="{732D6A1E-A257-4A78-9547-CAF8A0CACD9B}">
-      <dgm:prSet/>
-      <dgm:spPr/>
-      <dgm:t>
-        <a:bodyPr/>
-        <a:lstStyle/>
-        <a:p>
-          <a:endParaRPr lang="en-US"/>
-        </a:p>
-      </dgm:t>
-    </dgm:pt>
-    <dgm:pt modelId="{5BA201F6-9F04-4EB1-BDBF-0ED0F2ECC1BD}" type="sibTrans" cxnId="{732D6A1E-A257-4A78-9547-CAF8A0CACD9B}">
-      <dgm:prSet/>
-      <dgm:spPr/>
-      <dgm:t>
-        <a:bodyPr/>
-        <a:lstStyle/>
-        <a:p>
-          <a:endParaRPr lang="en-US"/>
-        </a:p>
-      </dgm:t>
-    </dgm:pt>
     <dgm:pt modelId="{D852AE0F-F366-4F0F-986A-D1936F05CEDF}">
       <dgm:prSet phldrT="[Text]"/>
       <dgm:spPr/>
@@ -3810,6 +3667,10 @@
         <a:lstStyle/>
         <a:p>
           <a:pPr algn="l"/>
+          <a:r>
+            <a:rPr lang="en-US" dirty="0" smtClean="0"/>
+            <a:t>Customers having higher revolving utilizations have a high risk of defaulting on the loan</a:t>
+          </a:r>
           <a:endParaRPr lang="en-US" dirty="0"/>
         </a:p>
       </dgm:t>
@@ -3836,77 +3697,6 @@
         </a:p>
       </dgm:t>
     </dgm:pt>
-    <dgm:pt modelId="{064D90C0-976B-4DB1-97FE-FA01ED62671F}">
-      <dgm:prSet/>
-      <dgm:spPr/>
-      <dgm:t>
-        <a:bodyPr/>
-        <a:lstStyle/>
-        <a:p>
-          <a:pPr algn="l"/>
-          <a:r>
-            <a:rPr lang="en-US" dirty="0"/>
-            <a:t>Customers having higher revolving utilizations have a high risk of defaulting on the loan</a:t>
-          </a:r>
-        </a:p>
-      </dgm:t>
-    </dgm:pt>
-    <dgm:pt modelId="{FBE6D490-137E-492F-9404-8523A63FE418}" type="parTrans" cxnId="{717D60E6-437B-411F-9CB2-943460606961}">
-      <dgm:prSet/>
-      <dgm:spPr/>
-      <dgm:t>
-        <a:bodyPr/>
-        <a:lstStyle/>
-        <a:p>
-          <a:endParaRPr lang="en-US"/>
-        </a:p>
-      </dgm:t>
-    </dgm:pt>
-    <dgm:pt modelId="{4A8B35FF-0CC3-4EC3-8A83-608003F0E397}" type="sibTrans" cxnId="{717D60E6-437B-411F-9CB2-943460606961}">
-      <dgm:prSet/>
-      <dgm:spPr/>
-      <dgm:t>
-        <a:bodyPr/>
-        <a:lstStyle/>
-        <a:p>
-          <a:endParaRPr lang="en-US"/>
-        </a:p>
-      </dgm:t>
-    </dgm:pt>
-    <dgm:pt modelId="{CD5CCBEA-8FB6-4AEC-B55D-96CF4B11988B}">
-      <dgm:prSet/>
-      <dgm:spPr/>
-      <dgm:t>
-        <a:bodyPr/>
-        <a:lstStyle/>
-        <a:p>
-          <a:pPr algn="l"/>
-          <a:endParaRPr lang="en-US" dirty="0"/>
-        </a:p>
-      </dgm:t>
-    </dgm:pt>
-    <dgm:pt modelId="{56793EA4-482F-45F0-9A15-58B32923E59B}" type="parTrans" cxnId="{0C08595D-F49A-4FF5-80AD-B31C79E2BC96}">
-      <dgm:prSet/>
-      <dgm:spPr/>
-      <dgm:t>
-        <a:bodyPr/>
-        <a:lstStyle/>
-        <a:p>
-          <a:endParaRPr lang="en-US"/>
-        </a:p>
-      </dgm:t>
-    </dgm:pt>
-    <dgm:pt modelId="{B2190EF2-F64F-4811-ABEF-ED823255468A}" type="sibTrans" cxnId="{0C08595D-F49A-4FF5-80AD-B31C79E2BC96}">
-      <dgm:prSet/>
-      <dgm:spPr/>
-      <dgm:t>
-        <a:bodyPr/>
-        <a:lstStyle/>
-        <a:p>
-          <a:endParaRPr lang="en-US"/>
-        </a:p>
-      </dgm:t>
-    </dgm:pt>
     <dgm:pt modelId="{E1C9F402-39E1-4B6E-A08C-1DDA8F89FC0B}">
       <dgm:prSet phldrT="[Text]"/>
       <dgm:spPr/>
@@ -3915,6 +3705,10 @@
         <a:lstStyle/>
         <a:p>
           <a:pPr algn="l"/>
+          <a:r>
+            <a:rPr lang="en-US" dirty="0" smtClean="0"/>
+            <a:t>People take loan with better rate to consolidate their loans</a:t>
+          </a:r>
           <a:endParaRPr lang="en-US" dirty="0"/>
         </a:p>
       </dgm:t>
@@ -3931,43 +3725,6 @@
       </dgm:t>
     </dgm:pt>
     <dgm:pt modelId="{0D040808-0050-4515-9E98-D9589807EEE0}" type="sibTrans" cxnId="{288241B6-D293-47FC-8996-ADD23231AF5A}">
-      <dgm:prSet/>
-      <dgm:spPr/>
-      <dgm:t>
-        <a:bodyPr/>
-        <a:lstStyle/>
-        <a:p>
-          <a:endParaRPr lang="en-US"/>
-        </a:p>
-      </dgm:t>
-    </dgm:pt>
-    <dgm:pt modelId="{C8BE6338-FB9B-446C-A2DE-C8FE9813CC36}">
-      <dgm:prSet/>
-      <dgm:spPr/>
-      <dgm:t>
-        <a:bodyPr/>
-        <a:lstStyle/>
-        <a:p>
-          <a:pPr algn="l"/>
-          <a:r>
-            <a:rPr lang="en-US" dirty="0"/>
-            <a:t>People take loan with better rate to consolidate their loans</a:t>
-          </a:r>
-        </a:p>
-      </dgm:t>
-    </dgm:pt>
-    <dgm:pt modelId="{488BF5A0-30BD-46A0-A55B-F222B86836CB}" type="parTrans" cxnId="{19159F72-5867-48C4-892D-FD2470560D9B}">
-      <dgm:prSet/>
-      <dgm:spPr/>
-      <dgm:t>
-        <a:bodyPr/>
-        <a:lstStyle/>
-        <a:p>
-          <a:endParaRPr lang="en-US"/>
-        </a:p>
-      </dgm:t>
-    </dgm:pt>
-    <dgm:pt modelId="{02181FAB-5C3E-457E-947D-2A37BEC80134}" type="sibTrans" cxnId="{19159F72-5867-48C4-892D-FD2470560D9B}">
       <dgm:prSet/>
       <dgm:spPr/>
       <dgm:t>
@@ -4015,65 +3772,9 @@
         </a:p>
       </dgm:t>
     </dgm:pt>
-    <dgm:pt modelId="{A521C4C8-8829-49C1-8C2D-5942DC96A697}">
-      <dgm:prSet/>
-      <dgm:spPr/>
-      <dgm:t>
-        <a:bodyPr/>
-        <a:lstStyle/>
-        <a:p>
-          <a:pPr algn="l"/>
-          <a:endParaRPr lang="en-US" dirty="0"/>
-        </a:p>
-      </dgm:t>
-    </dgm:pt>
-    <dgm:pt modelId="{BAD1E6EA-FEA8-40E3-BC11-212991FE2711}" type="parTrans" cxnId="{5ABC8AA9-1433-422E-9F09-9C7DB190AF21}">
-      <dgm:prSet/>
-      <dgm:spPr/>
-      <dgm:t>
-        <a:bodyPr/>
-        <a:lstStyle/>
-        <a:p>
-          <a:endParaRPr lang="en-US"/>
-        </a:p>
-      </dgm:t>
-    </dgm:pt>
-    <dgm:pt modelId="{C05C576F-477B-4D2D-83A9-DB56F83F4250}" type="sibTrans" cxnId="{5ABC8AA9-1433-422E-9F09-9C7DB190AF21}">
-      <dgm:prSet/>
-      <dgm:spPr/>
-      <dgm:t>
-        <a:bodyPr/>
-        <a:lstStyle/>
-        <a:p>
-          <a:endParaRPr lang="en-US"/>
-        </a:p>
-      </dgm:t>
-    </dgm:pt>
     <dgm:pt modelId="{57E782FF-E00E-46B4-8520-1FD02F823861}">
       <dgm:prSet phldrT="[Text]" custT="1"/>
-      <dgm:spPr>
-        <a:solidFill>
-          <a:srgbClr val="44546A">
-            <a:hueOff val="0"/>
-            <a:satOff val="0"/>
-            <a:lumOff val="0"/>
-            <a:alphaOff val="0"/>
-          </a:srgbClr>
-        </a:solidFill>
-        <a:ln w="19050" cap="flat" cmpd="sng" algn="ctr">
-          <a:solidFill>
-            <a:srgbClr val="E7E6E6">
-              <a:hueOff val="0"/>
-              <a:satOff val="0"/>
-              <a:lumOff val="0"/>
-              <a:alphaOff val="0"/>
-            </a:srgbClr>
-          </a:solidFill>
-          <a:prstDash val="solid"/>
-          <a:miter lim="800000"/>
-        </a:ln>
-        <a:effectLst/>
-      </dgm:spPr>
+      <dgm:spPr/>
       <dgm:t>
         <a:bodyPr spcFirstLastPara="0" vert="horz" wrap="square" lIns="110490" tIns="55245" rIns="110490" bIns="55245" numCol="1" spcCol="1270" anchor="ctr" anchorCtr="0"/>
         <a:lstStyle/>
@@ -4090,10 +3791,15 @@
             </a:spcAft>
             <a:buNone/>
           </a:pPr>
+          <a:r>
+            <a:rPr lang="en-US" sz="2900" kern="1200" dirty="0" smtClean="0">
+              <a:latin typeface="Calibri" panose="020F0502020204030204"/>
+              <a:ea typeface="+mn-ea"/>
+              <a:cs typeface="+mn-cs"/>
+            </a:rPr>
+            <a:t>Verification Status</a:t>
+          </a:r>
           <a:endParaRPr lang="en-US" sz="2900" kern="1200" dirty="0">
-            <a:solidFill>
-              <a:prstClr val="white"/>
-            </a:solidFill>
             <a:latin typeface="Calibri" panose="020F0502020204030204"/>
             <a:ea typeface="+mn-ea"/>
             <a:cs typeface="+mn-cs"/>
@@ -4123,6 +3829,341 @@
         </a:p>
       </dgm:t>
     </dgm:pt>
+    <dgm:pt modelId="{665B8820-E5D6-4421-A892-5BC573708853}">
+      <dgm:prSet phldrT="[Text]"/>
+      <dgm:spPr/>
+      <dgm:t>
+        <a:bodyPr/>
+        <a:lstStyle/>
+        <a:p>
+          <a:pPr algn="l"/>
+          <a:r>
+            <a:rPr lang="en-US" dirty="0"/>
+            <a:t>Loan purpose</a:t>
+          </a:r>
+        </a:p>
+      </dgm:t>
+    </dgm:pt>
+    <dgm:pt modelId="{A54F562E-A39F-44A7-AB3E-F5142D8E4C86}" type="sibTrans" cxnId="{A349FC8A-7633-444E-8E30-28600BE81252}">
+      <dgm:prSet/>
+      <dgm:spPr/>
+      <dgm:t>
+        <a:bodyPr/>
+        <a:lstStyle/>
+        <a:p>
+          <a:endParaRPr lang="en-US"/>
+        </a:p>
+      </dgm:t>
+    </dgm:pt>
+    <dgm:pt modelId="{2DB81970-C5DD-4AE2-86EC-33039910C0CB}" type="parTrans" cxnId="{A349FC8A-7633-444E-8E30-28600BE81252}">
+      <dgm:prSet/>
+      <dgm:spPr/>
+      <dgm:t>
+        <a:bodyPr/>
+        <a:lstStyle/>
+        <a:p>
+          <a:endParaRPr lang="en-US"/>
+        </a:p>
+      </dgm:t>
+    </dgm:pt>
+    <dgm:pt modelId="{593D73CC-90A4-4E74-8165-BA4CA01F7E85}">
+      <dgm:prSet custT="1"/>
+      <dgm:spPr/>
+      <dgm:t>
+        <a:bodyPr/>
+        <a:lstStyle/>
+        <a:p>
+          <a:pPr algn="l"/>
+          <a:endParaRPr lang="en-US" sz="1100" dirty="0"/>
+        </a:p>
+      </dgm:t>
+    </dgm:pt>
+    <dgm:pt modelId="{6FF55544-3AA5-44DD-B5A9-263D929DF3B7}" type="parTrans" cxnId="{E477DCCC-EADB-4503-A2F9-9B89708FFA0F}">
+      <dgm:prSet/>
+      <dgm:spPr/>
+      <dgm:t>
+        <a:bodyPr/>
+        <a:lstStyle/>
+        <a:p>
+          <a:endParaRPr lang="en-US"/>
+        </a:p>
+      </dgm:t>
+    </dgm:pt>
+    <dgm:pt modelId="{0AF010CC-BDAE-4202-B06E-09E6705A06C4}" type="sibTrans" cxnId="{E477DCCC-EADB-4503-A2F9-9B89708FFA0F}">
+      <dgm:prSet/>
+      <dgm:spPr/>
+      <dgm:t>
+        <a:bodyPr/>
+        <a:lstStyle/>
+        <a:p>
+          <a:endParaRPr lang="en-US"/>
+        </a:p>
+      </dgm:t>
+    </dgm:pt>
+    <dgm:pt modelId="{D515B120-D7E1-46F5-9977-8D306DA8E6A3}">
+      <dgm:prSet custT="1"/>
+      <dgm:spPr/>
+      <dgm:t>
+        <a:bodyPr/>
+        <a:lstStyle/>
+        <a:p>
+          <a:r>
+            <a:rPr lang="en-US" sz="1100" dirty="0" smtClean="0"/>
+            <a:t>Mortgage has lower percentage of default. Since mortgage is a major loan and any default on other loan will increase the </a:t>
+          </a:r>
+          <a:r>
+            <a:rPr lang="en-US" sz="1100" dirty="0" err="1" smtClean="0"/>
+            <a:t>RoI</a:t>
+          </a:r>
+          <a:r>
+            <a:rPr lang="en-US" sz="1100" dirty="0" smtClean="0"/>
+            <a:t> or loan category, hence Mortgage owners tends to pay back and have a less risk of defaulting</a:t>
+          </a:r>
+          <a:endParaRPr lang="en-US" sz="1100" dirty="0"/>
+        </a:p>
+      </dgm:t>
+    </dgm:pt>
+    <dgm:pt modelId="{F0A1E1F6-E2D6-41BE-8EA9-793A47738D27}" type="parTrans" cxnId="{28138A6F-A94A-45A1-A227-6B3B1300AE7B}">
+      <dgm:prSet/>
+      <dgm:spPr/>
+      <dgm:t>
+        <a:bodyPr/>
+        <a:lstStyle/>
+        <a:p>
+          <a:endParaRPr lang="en-US"/>
+        </a:p>
+      </dgm:t>
+    </dgm:pt>
+    <dgm:pt modelId="{52241705-77A9-4462-B61E-12FFF1F8579F}" type="sibTrans" cxnId="{28138A6F-A94A-45A1-A227-6B3B1300AE7B}">
+      <dgm:prSet/>
+      <dgm:spPr/>
+      <dgm:t>
+        <a:bodyPr/>
+        <a:lstStyle/>
+        <a:p>
+          <a:endParaRPr lang="en-US"/>
+        </a:p>
+      </dgm:t>
+    </dgm:pt>
+    <dgm:pt modelId="{BD9B7F5B-73B7-4B08-8E90-7FB13FF749B0}">
+      <dgm:prSet phldrT="[Text]" custT="1"/>
+      <dgm:spPr/>
+      <dgm:t>
+        <a:bodyPr/>
+        <a:lstStyle/>
+        <a:p>
+          <a:pPr marL="0" lvl="0" indent="0" algn="l" defTabSz="1289050">
+            <a:lnSpc>
+              <a:spcPct val="90000"/>
+            </a:lnSpc>
+            <a:spcBef>
+              <a:spcPct val="0"/>
+            </a:spcBef>
+            <a:spcAft>
+              <a:spcPct val="35000"/>
+            </a:spcAft>
+            <a:buNone/>
+          </a:pPr>
+          <a:endParaRPr lang="en-US" sz="1100" dirty="0"/>
+        </a:p>
+      </dgm:t>
+    </dgm:pt>
+    <dgm:pt modelId="{3C566EAA-F2FB-4888-B22A-4247387278FD}" type="parTrans" cxnId="{C353E788-AAD6-4439-BC35-3BF3434D9628}">
+      <dgm:prSet/>
+      <dgm:spPr/>
+      <dgm:t>
+        <a:bodyPr/>
+        <a:lstStyle/>
+        <a:p>
+          <a:endParaRPr lang="en-US"/>
+        </a:p>
+      </dgm:t>
+    </dgm:pt>
+    <dgm:pt modelId="{E69262CF-DFF1-4A52-92DA-17D991F89C9D}" type="sibTrans" cxnId="{C353E788-AAD6-4439-BC35-3BF3434D9628}">
+      <dgm:prSet/>
+      <dgm:spPr/>
+      <dgm:t>
+        <a:bodyPr/>
+        <a:lstStyle/>
+        <a:p>
+          <a:endParaRPr lang="en-US"/>
+        </a:p>
+      </dgm:t>
+    </dgm:pt>
+    <dgm:pt modelId="{C5795211-9CFD-413C-A914-554B102FA722}">
+      <dgm:prSet phldrT="[Text]" custT="1"/>
+      <dgm:spPr/>
+      <dgm:t>
+        <a:bodyPr/>
+        <a:lstStyle/>
+        <a:p>
+          <a:pPr marL="0" lvl="0" indent="0" algn="l" defTabSz="1289050">
+            <a:lnSpc>
+              <a:spcPct val="90000"/>
+            </a:lnSpc>
+            <a:spcBef>
+              <a:spcPct val="0"/>
+            </a:spcBef>
+            <a:spcAft>
+              <a:spcPct val="35000"/>
+            </a:spcAft>
+            <a:buNone/>
+          </a:pPr>
+          <a:r>
+            <a:rPr lang="en-US" sz="1100" dirty="0" smtClean="0"/>
+            <a:t> Others is an undefined category, need more data to understand why it has more defaults</a:t>
+          </a:r>
+          <a:endParaRPr lang="en-US" sz="1100" dirty="0"/>
+        </a:p>
+      </dgm:t>
+    </dgm:pt>
+    <dgm:pt modelId="{BC4CBAFA-1283-4AF7-8621-0278F7430990}" type="sibTrans" cxnId="{07A263E1-A2C5-42F8-876D-94610F495381}">
+      <dgm:prSet/>
+      <dgm:spPr/>
+      <dgm:t>
+        <a:bodyPr/>
+        <a:lstStyle/>
+        <a:p>
+          <a:endParaRPr lang="en-US"/>
+        </a:p>
+      </dgm:t>
+    </dgm:pt>
+    <dgm:pt modelId="{37B83D2B-D4A8-4E32-875A-0A2C9A4EAE49}" type="parTrans" cxnId="{07A263E1-A2C5-42F8-876D-94610F495381}">
+      <dgm:prSet/>
+      <dgm:spPr/>
+      <dgm:t>
+        <a:bodyPr/>
+        <a:lstStyle/>
+        <a:p>
+          <a:endParaRPr lang="en-US"/>
+        </a:p>
+      </dgm:t>
+    </dgm:pt>
+    <dgm:pt modelId="{9A990A58-2B4C-4CED-8073-CF9C2F71A9F1}">
+      <dgm:prSet phldrT="[Text]" custT="1"/>
+      <dgm:spPr/>
+      <dgm:t>
+        <a:bodyPr/>
+        <a:lstStyle/>
+        <a:p>
+          <a:pPr marL="0" lvl="0" indent="0" algn="l" defTabSz="1289050">
+            <a:lnSpc>
+              <a:spcPct val="90000"/>
+            </a:lnSpc>
+            <a:spcBef>
+              <a:spcPct val="0"/>
+            </a:spcBef>
+            <a:spcAft>
+              <a:spcPct val="35000"/>
+            </a:spcAft>
+            <a:buNone/>
+          </a:pPr>
+          <a:r>
+            <a:rPr lang="en-US" sz="1400" kern="1200" dirty="0" smtClean="0"/>
+            <a:t>Verification process need to be relooked into to see what are the reasons for default even after verification</a:t>
+          </a:r>
+          <a:endParaRPr lang="en-US" sz="1400" kern="1200" dirty="0">
+            <a:latin typeface="Calibri" panose="020F0502020204030204"/>
+            <a:ea typeface="+mn-ea"/>
+            <a:cs typeface="+mn-cs"/>
+          </a:endParaRPr>
+        </a:p>
+      </dgm:t>
+    </dgm:pt>
+    <dgm:pt modelId="{3F1469AD-E37A-4F90-8FF8-EE40696798A9}" type="parTrans" cxnId="{C05D0B21-AA5E-4B8C-9557-A89C3E5DCFF9}">
+      <dgm:prSet/>
+      <dgm:spPr/>
+    </dgm:pt>
+    <dgm:pt modelId="{C0124F2E-4578-467E-B4D0-698C3E2CBCE6}" type="sibTrans" cxnId="{C05D0B21-AA5E-4B8C-9557-A89C3E5DCFF9}">
+      <dgm:prSet/>
+      <dgm:spPr/>
+    </dgm:pt>
+    <dgm:pt modelId="{B3FDD362-86B9-4895-859B-DC01EECE111C}">
+      <dgm:prSet phldrT="[Text]" custT="1"/>
+      <dgm:spPr/>
+      <dgm:t>
+        <a:bodyPr/>
+        <a:lstStyle/>
+        <a:p>
+          <a:pPr marL="0" lvl="0" indent="0" algn="l" defTabSz="1289050">
+            <a:lnSpc>
+              <a:spcPct val="90000"/>
+            </a:lnSpc>
+            <a:spcBef>
+              <a:spcPct val="0"/>
+            </a:spcBef>
+            <a:spcAft>
+              <a:spcPct val="35000"/>
+            </a:spcAft>
+            <a:buNone/>
+          </a:pPr>
+          <a:r>
+            <a:rPr lang="en-US" sz="2900" kern="1200" dirty="0" smtClean="0">
+              <a:latin typeface="Calibri" panose="020F0502020204030204"/>
+              <a:ea typeface="+mn-ea"/>
+              <a:cs typeface="+mn-cs"/>
+            </a:rPr>
+            <a:t>Annual Income</a:t>
+          </a:r>
+          <a:endParaRPr lang="en-US" sz="2900" kern="1200" dirty="0">
+            <a:latin typeface="Calibri" panose="020F0502020204030204"/>
+            <a:ea typeface="+mn-ea"/>
+            <a:cs typeface="+mn-cs"/>
+          </a:endParaRPr>
+        </a:p>
+      </dgm:t>
+    </dgm:pt>
+    <dgm:pt modelId="{72ACD590-348C-4159-95B4-7EFB44E4D44D}" type="parTrans" cxnId="{9B0E1367-12FA-43A6-8378-B6D1E61C7A68}">
+      <dgm:prSet/>
+      <dgm:spPr/>
+    </dgm:pt>
+    <dgm:pt modelId="{37483B7A-6E2F-4A2F-B086-EFE30C20D5E6}" type="sibTrans" cxnId="{9B0E1367-12FA-43A6-8378-B6D1E61C7A68}">
+      <dgm:prSet/>
+      <dgm:spPr/>
+    </dgm:pt>
+    <dgm:pt modelId="{B7328F02-4DEF-4DB8-921D-125A4A0D0351}">
+      <dgm:prSet phldrT="[Text]" custT="1"/>
+      <dgm:spPr/>
+      <dgm:t>
+        <a:bodyPr/>
+        <a:lstStyle/>
+        <a:p>
+          <a:pPr marL="0" lvl="0" indent="0" algn="l" defTabSz="1289050">
+            <a:lnSpc>
+              <a:spcPct val="90000"/>
+            </a:lnSpc>
+            <a:spcBef>
+              <a:spcPct val="0"/>
+            </a:spcBef>
+            <a:spcAft>
+              <a:spcPct val="35000"/>
+            </a:spcAft>
+            <a:buNone/>
+          </a:pPr>
+          <a:r>
+            <a:rPr lang="en-US" sz="1400" kern="1200" dirty="0" smtClean="0">
+              <a:latin typeface="Calibri" panose="020F0502020204030204"/>
+              <a:ea typeface="+mn-ea"/>
+              <a:cs typeface="+mn-cs"/>
+            </a:rPr>
+            <a:t>People with higher annual income have lesser default rate</a:t>
+          </a:r>
+          <a:endParaRPr lang="en-US" sz="1400" kern="1200" dirty="0">
+            <a:latin typeface="Calibri" panose="020F0502020204030204"/>
+            <a:ea typeface="+mn-ea"/>
+            <a:cs typeface="+mn-cs"/>
+          </a:endParaRPr>
+        </a:p>
+      </dgm:t>
+    </dgm:pt>
+    <dgm:pt modelId="{D179C51C-66D0-43E2-93D2-E0555EC2CF9F}" type="parTrans" cxnId="{87FD54A6-9977-4DD3-8259-4259E49A68CF}">
+      <dgm:prSet/>
+      <dgm:spPr/>
+    </dgm:pt>
+    <dgm:pt modelId="{F8F6CF83-8A91-4751-AA12-071432AFD02B}" type="sibTrans" cxnId="{87FD54A6-9977-4DD3-8259-4259E49A68CF}">
+      <dgm:prSet/>
+      <dgm:spPr/>
+    </dgm:pt>
     <dgm:pt modelId="{2A5BC991-A0DF-4028-A53E-B370256924F1}" type="pres">
       <dgm:prSet presAssocID="{DC041154-F0B5-4CBD-A6DD-E0EFB8D014E4}" presName="Name0" presStyleCnt="0">
         <dgm:presLayoutVars>
@@ -4132,113 +4173,239 @@
         </dgm:presLayoutVars>
       </dgm:prSet>
       <dgm:spPr/>
+      <dgm:t>
+        <a:bodyPr/>
+        <a:lstStyle/>
+        <a:p>
+          <a:endParaRPr lang="en-US"/>
+        </a:p>
+      </dgm:t>
     </dgm:pt>
     <dgm:pt modelId="{5A657AE5-0581-418D-8949-DD74DAA5B283}" type="pres">
       <dgm:prSet presAssocID="{174B8CC8-94C2-40B2-8B16-226A635FDB2E}" presName="linNode" presStyleCnt="0"/>
       <dgm:spPr/>
+      <dgm:t>
+        <a:bodyPr/>
+        <a:lstStyle/>
+        <a:p>
+          <a:endParaRPr lang="en-US"/>
+        </a:p>
+      </dgm:t>
     </dgm:pt>
     <dgm:pt modelId="{361A6850-DD8F-45ED-909A-410C98CF1104}" type="pres">
-      <dgm:prSet presAssocID="{174B8CC8-94C2-40B2-8B16-226A635FDB2E}" presName="parentText" presStyleLbl="node1" presStyleIdx="0" presStyleCnt="6">
+      <dgm:prSet presAssocID="{174B8CC8-94C2-40B2-8B16-226A635FDB2E}" presName="parentText" presStyleLbl="node1" presStyleIdx="0" presStyleCnt="7">
         <dgm:presLayoutVars>
           <dgm:chMax val="1"/>
           <dgm:bulletEnabled val="1"/>
         </dgm:presLayoutVars>
       </dgm:prSet>
       <dgm:spPr/>
+      <dgm:t>
+        <a:bodyPr/>
+        <a:lstStyle/>
+        <a:p>
+          <a:endParaRPr lang="en-US"/>
+        </a:p>
+      </dgm:t>
     </dgm:pt>
     <dgm:pt modelId="{62421612-7476-46E1-BB43-CDC2E7F24183}" type="pres">
-      <dgm:prSet presAssocID="{174B8CC8-94C2-40B2-8B16-226A635FDB2E}" presName="descendantText" presStyleLbl="alignAccFollowNode1" presStyleIdx="0" presStyleCnt="5">
+      <dgm:prSet presAssocID="{174B8CC8-94C2-40B2-8B16-226A635FDB2E}" presName="descendantText" presStyleLbl="alignAccFollowNode1" presStyleIdx="0" presStyleCnt="7">
         <dgm:presLayoutVars>
           <dgm:bulletEnabled val="1"/>
         </dgm:presLayoutVars>
       </dgm:prSet>
       <dgm:spPr/>
+      <dgm:t>
+        <a:bodyPr/>
+        <a:lstStyle/>
+        <a:p>
+          <a:endParaRPr lang="en-US"/>
+        </a:p>
+      </dgm:t>
     </dgm:pt>
     <dgm:pt modelId="{14418DF0-29E4-4BB7-8898-DC3E05D5FAA4}" type="pres">
       <dgm:prSet presAssocID="{AD8CC473-C8FB-40CF-AE2F-4DC96737587F}" presName="sp" presStyleCnt="0"/>
       <dgm:spPr/>
+      <dgm:t>
+        <a:bodyPr/>
+        <a:lstStyle/>
+        <a:p>
+          <a:endParaRPr lang="en-US"/>
+        </a:p>
+      </dgm:t>
     </dgm:pt>
     <dgm:pt modelId="{675596C5-EADC-43E1-B13D-CA028EA69734}" type="pres">
       <dgm:prSet presAssocID="{79299D3B-EE87-40C6-830C-068B540B7E07}" presName="linNode" presStyleCnt="0"/>
       <dgm:spPr/>
+      <dgm:t>
+        <a:bodyPr/>
+        <a:lstStyle/>
+        <a:p>
+          <a:endParaRPr lang="en-US"/>
+        </a:p>
+      </dgm:t>
     </dgm:pt>
     <dgm:pt modelId="{75543A78-F5F9-4A8D-9BA4-707BDC9E8C66}" type="pres">
-      <dgm:prSet presAssocID="{79299D3B-EE87-40C6-830C-068B540B7E07}" presName="parentText" presStyleLbl="node1" presStyleIdx="1" presStyleCnt="6">
+      <dgm:prSet presAssocID="{79299D3B-EE87-40C6-830C-068B540B7E07}" presName="parentText" presStyleLbl="node1" presStyleIdx="1" presStyleCnt="7">
         <dgm:presLayoutVars>
           <dgm:chMax val="1"/>
           <dgm:bulletEnabled val="1"/>
         </dgm:presLayoutVars>
       </dgm:prSet>
       <dgm:spPr/>
+      <dgm:t>
+        <a:bodyPr/>
+        <a:lstStyle/>
+        <a:p>
+          <a:endParaRPr lang="en-US"/>
+        </a:p>
+      </dgm:t>
     </dgm:pt>
     <dgm:pt modelId="{C5F5BA09-EE82-4C3C-ABBC-57E13534D0D4}" type="pres">
-      <dgm:prSet presAssocID="{79299D3B-EE87-40C6-830C-068B540B7E07}" presName="descendantText" presStyleLbl="alignAccFollowNode1" presStyleIdx="1" presStyleCnt="5">
+      <dgm:prSet presAssocID="{79299D3B-EE87-40C6-830C-068B540B7E07}" presName="descendantText" presStyleLbl="alignAccFollowNode1" presStyleIdx="1" presStyleCnt="7">
         <dgm:presLayoutVars>
           <dgm:bulletEnabled val="1"/>
         </dgm:presLayoutVars>
       </dgm:prSet>
       <dgm:spPr/>
+      <dgm:t>
+        <a:bodyPr/>
+        <a:lstStyle/>
+        <a:p>
+          <a:endParaRPr lang="en-US"/>
+        </a:p>
+      </dgm:t>
     </dgm:pt>
     <dgm:pt modelId="{0E5208B5-169B-4C62-B0D0-65972256E679}" type="pres">
       <dgm:prSet presAssocID="{5AB5BABC-897C-450F-9521-43B086FCB8AC}" presName="sp" presStyleCnt="0"/>
       <dgm:spPr/>
+      <dgm:t>
+        <a:bodyPr/>
+        <a:lstStyle/>
+        <a:p>
+          <a:endParaRPr lang="en-US"/>
+        </a:p>
+      </dgm:t>
     </dgm:pt>
     <dgm:pt modelId="{EE58F977-3BD8-443F-A521-C81E5FDC29E6}" type="pres">
       <dgm:prSet presAssocID="{6571444D-1E06-44E8-ABF4-5EC377577174}" presName="linNode" presStyleCnt="0"/>
       <dgm:spPr/>
+      <dgm:t>
+        <a:bodyPr/>
+        <a:lstStyle/>
+        <a:p>
+          <a:endParaRPr lang="en-US"/>
+        </a:p>
+      </dgm:t>
     </dgm:pt>
     <dgm:pt modelId="{39307DE9-0198-4C5E-B84F-EC93D1A278FC}" type="pres">
-      <dgm:prSet presAssocID="{6571444D-1E06-44E8-ABF4-5EC377577174}" presName="parentText" presStyleLbl="node1" presStyleIdx="2" presStyleCnt="6">
+      <dgm:prSet presAssocID="{6571444D-1E06-44E8-ABF4-5EC377577174}" presName="parentText" presStyleLbl="node1" presStyleIdx="2" presStyleCnt="7">
         <dgm:presLayoutVars>
           <dgm:chMax val="1"/>
           <dgm:bulletEnabled val="1"/>
         </dgm:presLayoutVars>
       </dgm:prSet>
       <dgm:spPr/>
+      <dgm:t>
+        <a:bodyPr/>
+        <a:lstStyle/>
+        <a:p>
+          <a:endParaRPr lang="en-US"/>
+        </a:p>
+      </dgm:t>
     </dgm:pt>
     <dgm:pt modelId="{CE312CC8-2E1F-4EE0-8687-6CA402734AA0}" type="pres">
-      <dgm:prSet presAssocID="{6571444D-1E06-44E8-ABF4-5EC377577174}" presName="descendantText" presStyleLbl="alignAccFollowNode1" presStyleIdx="2" presStyleCnt="5">
+      <dgm:prSet presAssocID="{6571444D-1E06-44E8-ABF4-5EC377577174}" presName="descendantText" presStyleLbl="alignAccFollowNode1" presStyleIdx="2" presStyleCnt="7">
         <dgm:presLayoutVars>
           <dgm:bulletEnabled val="1"/>
         </dgm:presLayoutVars>
       </dgm:prSet>
       <dgm:spPr/>
+      <dgm:t>
+        <a:bodyPr/>
+        <a:lstStyle/>
+        <a:p>
+          <a:endParaRPr lang="en-US"/>
+        </a:p>
+      </dgm:t>
     </dgm:pt>
     <dgm:pt modelId="{3868A8C3-0AF7-478B-ADD7-BA1B310A61A0}" type="pres">
       <dgm:prSet presAssocID="{EAE8AC85-36E8-4A1A-9D8A-DED9FEF958B7}" presName="sp" presStyleCnt="0"/>
       <dgm:spPr/>
+      <dgm:t>
+        <a:bodyPr/>
+        <a:lstStyle/>
+        <a:p>
+          <a:endParaRPr lang="en-US"/>
+        </a:p>
+      </dgm:t>
     </dgm:pt>
     <dgm:pt modelId="{D85383AA-4CAC-4289-9330-251AB0F379C6}" type="pres">
       <dgm:prSet presAssocID="{665B8820-E5D6-4421-A892-5BC573708853}" presName="linNode" presStyleCnt="0"/>
       <dgm:spPr/>
+      <dgm:t>
+        <a:bodyPr/>
+        <a:lstStyle/>
+        <a:p>
+          <a:endParaRPr lang="en-US"/>
+        </a:p>
+      </dgm:t>
     </dgm:pt>
     <dgm:pt modelId="{37484C98-9704-4D2D-8256-3FFF55592DD3}" type="pres">
-      <dgm:prSet presAssocID="{665B8820-E5D6-4421-A892-5BC573708853}" presName="parentText" presStyleLbl="node1" presStyleIdx="3" presStyleCnt="6">
+      <dgm:prSet presAssocID="{665B8820-E5D6-4421-A892-5BC573708853}" presName="parentText" presStyleLbl="node1" presStyleIdx="3" presStyleCnt="7">
         <dgm:presLayoutVars>
           <dgm:chMax val="1"/>
           <dgm:bulletEnabled val="1"/>
         </dgm:presLayoutVars>
       </dgm:prSet>
       <dgm:spPr/>
+      <dgm:t>
+        <a:bodyPr/>
+        <a:lstStyle/>
+        <a:p>
+          <a:endParaRPr lang="en-US"/>
+        </a:p>
+      </dgm:t>
     </dgm:pt>
     <dgm:pt modelId="{CF0DB0B5-99DA-43B4-861B-5B75CC256AB6}" type="pres">
-      <dgm:prSet presAssocID="{665B8820-E5D6-4421-A892-5BC573708853}" presName="descendantText" presStyleLbl="alignAccFollowNode1" presStyleIdx="3" presStyleCnt="5">
+      <dgm:prSet presAssocID="{665B8820-E5D6-4421-A892-5BC573708853}" presName="descendantText" presStyleLbl="alignAccFollowNode1" presStyleIdx="3" presStyleCnt="7">
         <dgm:presLayoutVars>
           <dgm:bulletEnabled val="1"/>
         </dgm:presLayoutVars>
       </dgm:prSet>
       <dgm:spPr/>
+      <dgm:t>
+        <a:bodyPr/>
+        <a:lstStyle/>
+        <a:p>
+          <a:endParaRPr lang="en-US"/>
+        </a:p>
+      </dgm:t>
     </dgm:pt>
     <dgm:pt modelId="{1AA79198-0E41-4BF7-B22D-C3BD913B2392}" type="pres">
       <dgm:prSet presAssocID="{A54F562E-A39F-44A7-AB3E-F5142D8E4C86}" presName="sp" presStyleCnt="0"/>
       <dgm:spPr/>
+      <dgm:t>
+        <a:bodyPr/>
+        <a:lstStyle/>
+        <a:p>
+          <a:endParaRPr lang="en-US"/>
+        </a:p>
+      </dgm:t>
     </dgm:pt>
     <dgm:pt modelId="{6495288D-EC41-4ACD-9406-50260B3B5F25}" type="pres">
       <dgm:prSet presAssocID="{8A48A12A-C404-4020-824E-D49F89E14C71}" presName="linNode" presStyleCnt="0"/>
       <dgm:spPr/>
+      <dgm:t>
+        <a:bodyPr/>
+        <a:lstStyle/>
+        <a:p>
+          <a:endParaRPr lang="en-US"/>
+        </a:p>
+      </dgm:t>
     </dgm:pt>
     <dgm:pt modelId="{358D7957-496C-44C8-872C-682A572E18A6}" type="pres">
-      <dgm:prSet presAssocID="{8A48A12A-C404-4020-824E-D49F89E14C71}" presName="parentText" presStyleLbl="node1" presStyleIdx="4" presStyleCnt="6">
+      <dgm:prSet presAssocID="{8A48A12A-C404-4020-824E-D49F89E14C71}" presName="parentText" presStyleLbl="node1" presStyleIdx="4" presStyleCnt="7">
         <dgm:presLayoutVars>
           <dgm:chMax val="1"/>
           <dgm:bulletEnabled val="1"/>
@@ -4253,73 +4420,162 @@
           <a:avLst/>
         </a:prstGeom>
       </dgm:spPr>
+      <dgm:t>
+        <a:bodyPr/>
+        <a:lstStyle/>
+        <a:p>
+          <a:endParaRPr lang="en-US"/>
+        </a:p>
+      </dgm:t>
     </dgm:pt>
     <dgm:pt modelId="{440285CF-7915-4D19-9CDC-894F21F5CD6A}" type="pres">
-      <dgm:prSet presAssocID="{8A48A12A-C404-4020-824E-D49F89E14C71}" presName="descendantText" presStyleLbl="alignAccFollowNode1" presStyleIdx="4" presStyleCnt="5">
+      <dgm:prSet presAssocID="{8A48A12A-C404-4020-824E-D49F89E14C71}" presName="descendantText" presStyleLbl="alignAccFollowNode1" presStyleIdx="4" presStyleCnt="7">
         <dgm:presLayoutVars>
           <dgm:bulletEnabled val="1"/>
         </dgm:presLayoutVars>
       </dgm:prSet>
       <dgm:spPr/>
+      <dgm:t>
+        <a:bodyPr/>
+        <a:lstStyle/>
+        <a:p>
+          <a:endParaRPr lang="en-US"/>
+        </a:p>
+      </dgm:t>
     </dgm:pt>
     <dgm:pt modelId="{4E31D258-2DB8-4409-8D72-2F5B6C6ED87C}" type="pres">
       <dgm:prSet presAssocID="{88FC3478-113E-4C59-853B-80F01AF6397E}" presName="sp" presStyleCnt="0"/>
       <dgm:spPr/>
+      <dgm:t>
+        <a:bodyPr/>
+        <a:lstStyle/>
+        <a:p>
+          <a:endParaRPr lang="en-US"/>
+        </a:p>
+      </dgm:t>
     </dgm:pt>
-    <dgm:pt modelId="{D5CE061E-CCBA-44F4-A88B-A285043D8853}" type="pres">
-      <dgm:prSet presAssocID="{612AD7E2-1CD8-479C-9CE6-D97CB74FD0DC}" presName="linNode" presStyleCnt="0"/>
+    <dgm:pt modelId="{53DA5EE8-8504-455E-9C34-70398423BBF1}" type="pres">
+      <dgm:prSet presAssocID="{57E782FF-E00E-46B4-8520-1FD02F823861}" presName="linNode" presStyleCnt="0"/>
       <dgm:spPr/>
+      <dgm:t>
+        <a:bodyPr/>
+        <a:lstStyle/>
+        <a:p>
+          <a:endParaRPr lang="en-US"/>
+        </a:p>
+      </dgm:t>
     </dgm:pt>
-    <dgm:pt modelId="{320C793C-3FF1-47F6-92D4-4D94ADF6A18E}" type="pres">
-      <dgm:prSet presAssocID="{612AD7E2-1CD8-479C-9CE6-D97CB74FD0DC}" presName="parentText" presStyleLbl="node1" presStyleIdx="5" presStyleCnt="6">
+    <dgm:pt modelId="{8222261A-23D1-462F-9A59-2028968AE569}" type="pres">
+      <dgm:prSet presAssocID="{57E782FF-E00E-46B4-8520-1FD02F823861}" presName="parentText" presStyleLbl="node1" presStyleIdx="5" presStyleCnt="7">
         <dgm:presLayoutVars>
           <dgm:chMax val="1"/>
           <dgm:bulletEnabled val="1"/>
         </dgm:presLayoutVars>
       </dgm:prSet>
       <dgm:spPr/>
+      <dgm:t>
+        <a:bodyPr/>
+        <a:lstStyle/>
+        <a:p>
+          <a:endParaRPr lang="en-US"/>
+        </a:p>
+      </dgm:t>
+    </dgm:pt>
+    <dgm:pt modelId="{1F9EE95F-4D26-4E84-84A8-1917B03E8DD4}" type="pres">
+      <dgm:prSet presAssocID="{57E782FF-E00E-46B4-8520-1FD02F823861}" presName="descendantText" presStyleLbl="alignAccFollowNode1" presStyleIdx="5" presStyleCnt="7">
+        <dgm:presLayoutVars>
+          <dgm:bulletEnabled val="1"/>
+        </dgm:presLayoutVars>
+      </dgm:prSet>
+      <dgm:spPr/>
+      <dgm:t>
+        <a:bodyPr/>
+        <a:lstStyle/>
+        <a:p>
+          <a:endParaRPr lang="en-US"/>
+        </a:p>
+      </dgm:t>
+    </dgm:pt>
+    <dgm:pt modelId="{B901BCD7-E469-46F7-B555-F517D13A5CA4}" type="pres">
+      <dgm:prSet presAssocID="{0A570B26-3383-42CF-BBE8-B10397577072}" presName="sp" presStyleCnt="0"/>
+      <dgm:spPr/>
+    </dgm:pt>
+    <dgm:pt modelId="{D0875BAD-785E-4457-90C5-F6CC680F3B6A}" type="pres">
+      <dgm:prSet presAssocID="{B3FDD362-86B9-4895-859B-DC01EECE111C}" presName="linNode" presStyleCnt="0"/>
+      <dgm:spPr/>
+    </dgm:pt>
+    <dgm:pt modelId="{37C68598-FAA9-4822-9062-2FD904289EF7}" type="pres">
+      <dgm:prSet presAssocID="{B3FDD362-86B9-4895-859B-DC01EECE111C}" presName="parentText" presStyleLbl="node1" presStyleIdx="6" presStyleCnt="7">
+        <dgm:presLayoutVars>
+          <dgm:chMax val="1"/>
+          <dgm:bulletEnabled val="1"/>
+        </dgm:presLayoutVars>
+      </dgm:prSet>
+      <dgm:spPr/>
+      <dgm:t>
+        <a:bodyPr/>
+        <a:lstStyle/>
+        <a:p>
+          <a:endParaRPr lang="en-US"/>
+        </a:p>
+      </dgm:t>
+    </dgm:pt>
+    <dgm:pt modelId="{FAD05CC2-74EF-49D9-99CF-1F485520A4F5}" type="pres">
+      <dgm:prSet presAssocID="{B3FDD362-86B9-4895-859B-DC01EECE111C}" presName="descendantText" presStyleLbl="alignAccFollowNode1" presStyleIdx="6" presStyleCnt="7">
+        <dgm:presLayoutVars>
+          <dgm:bulletEnabled val="1"/>
+        </dgm:presLayoutVars>
+      </dgm:prSet>
+      <dgm:spPr/>
+      <dgm:t>
+        <a:bodyPr/>
+        <a:lstStyle/>
+        <a:p>
+          <a:endParaRPr lang="en-US"/>
+        </a:p>
+      </dgm:t>
     </dgm:pt>
   </dgm:ptLst>
   <dgm:cxnLst>
-    <dgm:cxn modelId="{1B537D06-77CA-43B5-89E1-29D00D30C582}" srcId="{8A48A12A-C404-4020-824E-D49F89E14C71}" destId="{57E782FF-E00E-46B4-8520-1FD02F823861}" srcOrd="0" destOrd="0" parTransId="{D361E648-17A6-42FE-91AE-536C8292F2F8}" sibTransId="{0A570B26-3383-42CF-BBE8-B10397577072}"/>
-    <dgm:cxn modelId="{E18D7708-2E58-4DA9-BB60-ECE131FE877D}" srcId="{DC041154-F0B5-4CBD-A6DD-E0EFB8D014E4}" destId="{612AD7E2-1CD8-479C-9CE6-D97CB74FD0DC}" srcOrd="5" destOrd="0" parTransId="{218B778E-9D05-44A3-9BBF-74BC09051EF9}" sibTransId="{729B2D9F-2D7B-44CD-BF64-517DDBDE5EAB}"/>
-    <dgm:cxn modelId="{69FF5B19-2C17-49C7-818B-06F4E8CCB19F}" srcId="{DC041154-F0B5-4CBD-A6DD-E0EFB8D014E4}" destId="{79299D3B-EE87-40C6-830C-068B540B7E07}" srcOrd="1" destOrd="0" parTransId="{8080858D-49E0-4698-B567-0FAB52965F9A}" sibTransId="{5AB5BABC-897C-450F-9521-43B086FCB8AC}"/>
-    <dgm:cxn modelId="{732D6A1E-A257-4A78-9547-CAF8A0CACD9B}" srcId="{79299D3B-EE87-40C6-830C-068B540B7E07}" destId="{E6F29A5B-CCB0-4546-A605-422E9097B1AA}" srcOrd="2" destOrd="0" parTransId="{9AE6F52A-F837-49B2-9FF5-0C9FB787D5A9}" sibTransId="{5BA201F6-9F04-4EB1-BDBF-0ED0F2ECC1BD}"/>
-    <dgm:cxn modelId="{B1B33E29-4D0F-492A-AB98-0AEBCE45242A}" type="presOf" srcId="{064D90C0-976B-4DB1-97FE-FA01ED62671F}" destId="{CE312CC8-2E1F-4EE0-8687-6CA402734AA0}" srcOrd="0" destOrd="1" presId="urn:microsoft.com/office/officeart/2005/8/layout/vList5"/>
-    <dgm:cxn modelId="{8169F85B-EF6C-423D-B9BC-3DF342F9725E}" type="presOf" srcId="{39923927-2CF6-425F-9428-E8701B7D480A}" destId="{62421612-7476-46E1-BB43-CDC2E7F24183}" srcOrd="0" destOrd="1" presId="urn:microsoft.com/office/officeart/2005/8/layout/vList5"/>
-    <dgm:cxn modelId="{4260FF5C-15AC-4F74-9117-58E6FABACA09}" type="presOf" srcId="{CD5CCBEA-8FB6-4AEC-B55D-96CF4B11988B}" destId="{CE312CC8-2E1F-4EE0-8687-6CA402734AA0}" srcOrd="0" destOrd="2" presId="urn:microsoft.com/office/officeart/2005/8/layout/vList5"/>
-    <dgm:cxn modelId="{FEFC195D-7D82-4279-91D7-F2EE6263D475}" srcId="{DC041154-F0B5-4CBD-A6DD-E0EFB8D014E4}" destId="{8A48A12A-C404-4020-824E-D49F89E14C71}" srcOrd="4" destOrd="0" parTransId="{58EE057A-5814-47FB-A983-1A71B5DF6146}" sibTransId="{88FC3478-113E-4C59-853B-80F01AF6397E}"/>
-    <dgm:cxn modelId="{0C08595D-F49A-4FF5-80AD-B31C79E2BC96}" srcId="{6571444D-1E06-44E8-ABF4-5EC377577174}" destId="{CD5CCBEA-8FB6-4AEC-B55D-96CF4B11988B}" srcOrd="2" destOrd="0" parTransId="{56793EA4-482F-45F0-9A15-58B32923E59B}" sibTransId="{B2190EF2-F64F-4811-ABEF-ED823255468A}"/>
+    <dgm:cxn modelId="{21809C13-5110-4FAD-8EF9-946E06AC1BE0}" type="presOf" srcId="{C5795211-9CFD-413C-A914-554B102FA722}" destId="{440285CF-7915-4D19-9CDC-894F21F5CD6A}" srcOrd="0" destOrd="1" presId="urn:microsoft.com/office/officeart/2005/8/layout/vList5"/>
+    <dgm:cxn modelId="{C05D0B21-AA5E-4B8C-9557-A89C3E5DCFF9}" srcId="{57E782FF-E00E-46B4-8520-1FD02F823861}" destId="{9A990A58-2B4C-4CED-8073-CF9C2F71A9F1}" srcOrd="0" destOrd="0" parTransId="{3F1469AD-E37A-4F90-8FF8-EE40696798A9}" sibTransId="{C0124F2E-4578-467E-B4D0-698C3E2CBCE6}"/>
     <dgm:cxn modelId="{596D1560-AFD4-4146-8719-39389DAF6229}" type="presOf" srcId="{79299D3B-EE87-40C6-830C-068B540B7E07}" destId="{75543A78-F5F9-4A8D-9BA4-707BDC9E8C66}" srcOrd="0" destOrd="0" presId="urn:microsoft.com/office/officeart/2005/8/layout/vList5"/>
-    <dgm:cxn modelId="{C0C33343-7FF7-4A60-B8E8-313E5D76D488}" type="presOf" srcId="{174B8CC8-94C2-40B2-8B16-226A635FDB2E}" destId="{361A6850-DD8F-45ED-909A-410C98CF1104}" srcOrd="0" destOrd="0" presId="urn:microsoft.com/office/officeart/2005/8/layout/vList5"/>
-    <dgm:cxn modelId="{4A414864-D55D-4DFB-8FFF-E6AD427D335C}" srcId="{79299D3B-EE87-40C6-830C-068B540B7E07}" destId="{CA3830C4-54E8-41E4-AE4F-A20C2462B4EB}" srcOrd="1" destOrd="0" parTransId="{C5B37EF4-CFA2-4E82-B5C4-979C9D2383E9}" sibTransId="{6D7362C6-4917-41E2-81E5-309047783D7B}"/>
-    <dgm:cxn modelId="{7EDA7E65-A4C1-43E7-BF42-72A79E7AB89B}" type="presOf" srcId="{612AD7E2-1CD8-479C-9CE6-D97CB74FD0DC}" destId="{320C793C-3FF1-47F6-92D4-4D94ADF6A18E}" srcOrd="0" destOrd="0" presId="urn:microsoft.com/office/officeart/2005/8/layout/vList5"/>
-    <dgm:cxn modelId="{37FA4C66-46B9-4BBE-8FC2-B66A4EBFF125}" type="presOf" srcId="{8A48A12A-C404-4020-824E-D49F89E14C71}" destId="{358D7957-496C-44C8-872C-682A572E18A6}" srcOrd="0" destOrd="0" presId="urn:microsoft.com/office/officeart/2005/8/layout/vList5"/>
+    <dgm:cxn modelId="{4004612E-648C-4F56-B5AE-72B97162197C}" type="presOf" srcId="{D515B120-D7E1-46F5-9977-8D306DA8E6A3}" destId="{440285CF-7915-4D19-9CDC-894F21F5CD6A}" srcOrd="0" destOrd="2" presId="urn:microsoft.com/office/officeart/2005/8/layout/vList5"/>
+    <dgm:cxn modelId="{9D356AAE-4564-4333-AB2B-B388B08E6F10}" srcId="{665B8820-E5D6-4421-A892-5BC573708853}" destId="{22207062-28C4-42DA-BF19-3F979D7C1C94}" srcOrd="1" destOrd="0" parTransId="{63974AB3-9BD7-4AF2-858A-D4D8DF8EEFB2}" sibTransId="{855565DF-74D3-4DDF-A5CD-95DB021D57DB}"/>
+    <dgm:cxn modelId="{C247A8E3-0EA0-46CE-B0A7-7AB72645B3C6}" srcId="{174B8CC8-94C2-40B2-8B16-226A635FDB2E}" destId="{AE2DEB4A-2365-4E73-A0D1-A63F32EAE477}" srcOrd="0" destOrd="0" parTransId="{14FA42E5-9026-4DD4-8D5B-73060AAA0839}" sibTransId="{72D6EB60-EAAE-456F-B6F9-CAFEF2668F45}"/>
+    <dgm:cxn modelId="{07A263E1-A2C5-42F8-876D-94610F495381}" srcId="{8A48A12A-C404-4020-824E-D49F89E14C71}" destId="{C5795211-9CFD-413C-A914-554B102FA722}" srcOrd="1" destOrd="0" parTransId="{37B83D2B-D4A8-4E32-875A-0A2C9A4EAE49}" sibTransId="{BC4CBAFA-1283-4AF7-8621-0278F7430990}"/>
+    <dgm:cxn modelId="{76B69CA7-D192-425F-85F1-37FD1679A5F6}" type="presOf" srcId="{E1C9F402-39E1-4B6E-A08C-1DDA8F89FC0B}" destId="{CF0DB0B5-99DA-43B4-861B-5B75CC256AB6}" srcOrd="0" destOrd="0" presId="urn:microsoft.com/office/officeart/2005/8/layout/vList5"/>
+    <dgm:cxn modelId="{2D8BC0D7-DD76-4982-95D0-9672ACFDDF1C}" srcId="{79299D3B-EE87-40C6-830C-068B540B7E07}" destId="{0D49AD60-F5D9-44CB-94F6-411467CAB09B}" srcOrd="0" destOrd="0" parTransId="{DBC4C1E3-A293-4514-AC96-E47FC5A43C7A}" sibTransId="{5E064BE7-F7E8-4BD5-83B6-23EAE85AC1EA}"/>
+    <dgm:cxn modelId="{88632E68-34DC-4342-9361-F43C8E8E8FC4}" type="presOf" srcId="{B3FDD362-86B9-4895-859B-DC01EECE111C}" destId="{37C68598-FAA9-4822-9062-2FD904289EF7}" srcOrd="0" destOrd="0" presId="urn:microsoft.com/office/officeart/2005/8/layout/vList5"/>
+    <dgm:cxn modelId="{D2274BBF-6079-4B8F-93EC-98AF5415E55C}" type="presOf" srcId="{D852AE0F-F366-4F0F-986A-D1936F05CEDF}" destId="{CE312CC8-2E1F-4EE0-8687-6CA402734AA0}" srcOrd="0" destOrd="0" presId="urn:microsoft.com/office/officeart/2005/8/layout/vList5"/>
+    <dgm:cxn modelId="{B67E89B5-456C-4222-A7DA-23A6B2FD676E}" type="presOf" srcId="{DC041154-F0B5-4CBD-A6DD-E0EFB8D014E4}" destId="{2A5BC991-A0DF-4028-A53E-B370256924F1}" srcOrd="0" destOrd="0" presId="urn:microsoft.com/office/officeart/2005/8/layout/vList5"/>
     <dgm:cxn modelId="{9791354C-3134-4447-A7D7-DFA2FC71DBA7}" type="presOf" srcId="{665B8820-E5D6-4421-A892-5BC573708853}" destId="{37484C98-9704-4D2D-8256-3FFF55592DD3}" srcOrd="0" destOrd="0" presId="urn:microsoft.com/office/officeart/2005/8/layout/vList5"/>
     <dgm:cxn modelId="{C5F9A84F-5AF2-4B27-9D40-A7CC6A88C149}" type="presOf" srcId="{6571444D-1E06-44E8-ABF4-5EC377577174}" destId="{39307DE9-0198-4C5E-B84F-EC93D1A278FC}" srcOrd="0" destOrd="0" presId="urn:microsoft.com/office/officeart/2005/8/layout/vList5"/>
-    <dgm:cxn modelId="{19159F72-5867-48C4-892D-FD2470560D9B}" srcId="{665B8820-E5D6-4421-A892-5BC573708853}" destId="{C8BE6338-FB9B-446C-A2DE-C8FE9813CC36}" srcOrd="1" destOrd="0" parTransId="{488BF5A0-30BD-46A0-A55B-F222B86836CB}" sibTransId="{02181FAB-5C3E-457E-947D-2A37BEC80134}"/>
-    <dgm:cxn modelId="{8DCC7A78-243F-475E-A0EC-562391F86957}" type="presOf" srcId="{CA3830C4-54E8-41E4-AE4F-A20C2462B4EB}" destId="{C5F5BA09-EE82-4C3C-ABBC-57E13534D0D4}" srcOrd="0" destOrd="1" presId="urn:microsoft.com/office/officeart/2005/8/layout/vList5"/>
+    <dgm:cxn modelId="{6EA343EB-4CD3-49DA-8205-50744B566761}" srcId="{DC041154-F0B5-4CBD-A6DD-E0EFB8D014E4}" destId="{6571444D-1E06-44E8-ABF4-5EC377577174}" srcOrd="2" destOrd="0" parTransId="{F3B846BD-3D51-4CC2-B0D9-F5ADB274E2A0}" sibTransId="{EAE8AC85-36E8-4A1A-9D8A-DED9FEF958B7}"/>
+    <dgm:cxn modelId="{C0C33343-7FF7-4A60-B8E8-313E5D76D488}" type="presOf" srcId="{174B8CC8-94C2-40B2-8B16-226A635FDB2E}" destId="{361A6850-DD8F-45ED-909A-410C98CF1104}" srcOrd="0" destOrd="0" presId="urn:microsoft.com/office/officeart/2005/8/layout/vList5"/>
+    <dgm:cxn modelId="{E4469FC9-665F-4EE0-AC2B-6D3673B3ABE7}" type="presOf" srcId="{57E782FF-E00E-46B4-8520-1FD02F823861}" destId="{8222261A-23D1-462F-9A59-2028968AE569}" srcOrd="0" destOrd="0" presId="urn:microsoft.com/office/officeart/2005/8/layout/vList5"/>
+    <dgm:cxn modelId="{4B306CEA-0CFC-4E30-93FF-BCB4A3138208}" type="presOf" srcId="{0D49AD60-F5D9-44CB-94F6-411467CAB09B}" destId="{C5F5BA09-EE82-4C3C-ABBC-57E13534D0D4}" srcOrd="0" destOrd="0" presId="urn:microsoft.com/office/officeart/2005/8/layout/vList5"/>
+    <dgm:cxn modelId="{B55F2DE8-F09A-4823-931C-449CEC430404}" srcId="{174B8CC8-94C2-40B2-8B16-226A635FDB2E}" destId="{39923927-2CF6-425F-9428-E8701B7D480A}" srcOrd="1" destOrd="0" parTransId="{51B98856-5E7F-4589-9690-54EEBA6525A3}" sibTransId="{E68AC9D6-C8AF-4468-BF0C-FA4DC915C412}"/>
+    <dgm:cxn modelId="{467EB5F6-019E-4FB7-96E3-53F627447A83}" type="presOf" srcId="{593D73CC-90A4-4E74-8165-BA4CA01F7E85}" destId="{440285CF-7915-4D19-9CDC-894F21F5CD6A}" srcOrd="0" destOrd="3" presId="urn:microsoft.com/office/officeart/2005/8/layout/vList5"/>
+    <dgm:cxn modelId="{A349FC8A-7633-444E-8E30-28600BE81252}" srcId="{DC041154-F0B5-4CBD-A6DD-E0EFB8D014E4}" destId="{665B8820-E5D6-4421-A892-5BC573708853}" srcOrd="3" destOrd="0" parTransId="{2DB81970-C5DD-4AE2-86EC-33039910C0CB}" sibTransId="{A54F562E-A39F-44A7-AB3E-F5142D8E4C86}"/>
+    <dgm:cxn modelId="{87FD54A6-9977-4DD3-8259-4259E49A68CF}" srcId="{B3FDD362-86B9-4895-859B-DC01EECE111C}" destId="{B7328F02-4DEF-4DB8-921D-125A4A0D0351}" srcOrd="0" destOrd="0" parTransId="{D179C51C-66D0-43E2-93D2-E0555EC2CF9F}" sibTransId="{F8F6CF83-8A91-4751-AA12-071432AFD02B}"/>
+    <dgm:cxn modelId="{28138A6F-A94A-45A1-A227-6B3B1300AE7B}" srcId="{8A48A12A-C404-4020-824E-D49F89E14C71}" destId="{D515B120-D7E1-46F5-9977-8D306DA8E6A3}" srcOrd="2" destOrd="0" parTransId="{F0A1E1F6-E2D6-41BE-8EA9-793A47738D27}" sibTransId="{52241705-77A9-4462-B61E-12FFF1F8579F}"/>
+    <dgm:cxn modelId="{C353E788-AAD6-4439-BC35-3BF3434D9628}" srcId="{8A48A12A-C404-4020-824E-D49F89E14C71}" destId="{BD9B7F5B-73B7-4B08-8E90-7FB13FF749B0}" srcOrd="0" destOrd="0" parTransId="{3C566EAA-F2FB-4888-B22A-4247387278FD}" sibTransId="{E69262CF-DFF1-4A52-92DA-17D991F89C9D}"/>
     <dgm:cxn modelId="{270F987E-0B68-4317-A896-15E344ED4F8D}" srcId="{6571444D-1E06-44E8-ABF4-5EC377577174}" destId="{D852AE0F-F366-4F0F-986A-D1936F05CEDF}" srcOrd="0" destOrd="0" parTransId="{85245966-1622-4C97-8590-8C1A3E72417E}" sibTransId="{A138BC53-9E6B-4E8F-B509-B273603600AE}"/>
-    <dgm:cxn modelId="{A349FC8A-7633-444E-8E30-28600BE81252}" srcId="{DC041154-F0B5-4CBD-A6DD-E0EFB8D014E4}" destId="{665B8820-E5D6-4421-A892-5BC573708853}" srcOrd="3" destOrd="0" parTransId="{2DB81970-C5DD-4AE2-86EC-33039910C0CB}" sibTransId="{A54F562E-A39F-44A7-AB3E-F5142D8E4C86}"/>
-    <dgm:cxn modelId="{FE7B6B97-A16B-4E07-951E-A5974A6D6E60}" type="presOf" srcId="{22207062-28C4-42DA-BF19-3F979D7C1C94}" destId="{CF0DB0B5-99DA-43B4-861B-5B75CC256AB6}" srcOrd="0" destOrd="2" presId="urn:microsoft.com/office/officeart/2005/8/layout/vList5"/>
-    <dgm:cxn modelId="{76B69CA7-D192-425F-85F1-37FD1679A5F6}" type="presOf" srcId="{E1C9F402-39E1-4B6E-A08C-1DDA8F89FC0B}" destId="{CF0DB0B5-99DA-43B4-861B-5B75CC256AB6}" srcOrd="0" destOrd="0" presId="urn:microsoft.com/office/officeart/2005/8/layout/vList5"/>
-    <dgm:cxn modelId="{5ABC8AA9-1433-422E-9F09-9C7DB190AF21}" srcId="{665B8820-E5D6-4421-A892-5BC573708853}" destId="{A521C4C8-8829-49C1-8C2D-5942DC96A697}" srcOrd="3" destOrd="0" parTransId="{BAD1E6EA-FEA8-40E3-BC11-212991FE2711}" sibTransId="{C05C576F-477B-4D2D-83A9-DB56F83F4250}"/>
-    <dgm:cxn modelId="{271FA3A9-E556-4AD0-A1B6-004D48DAA03B}" type="presOf" srcId="{A521C4C8-8829-49C1-8C2D-5942DC96A697}" destId="{CF0DB0B5-99DA-43B4-861B-5B75CC256AB6}" srcOrd="0" destOrd="3" presId="urn:microsoft.com/office/officeart/2005/8/layout/vList5"/>
-    <dgm:cxn modelId="{9D356AAE-4564-4333-AB2B-B388B08E6F10}" srcId="{665B8820-E5D6-4421-A892-5BC573708853}" destId="{22207062-28C4-42DA-BF19-3F979D7C1C94}" srcOrd="2" destOrd="0" parTransId="{63974AB3-9BD7-4AF2-858A-D4D8DF8EEFB2}" sibTransId="{855565DF-74D3-4DDF-A5CD-95DB021D57DB}"/>
-    <dgm:cxn modelId="{B67E89B5-456C-4222-A7DA-23A6B2FD676E}" type="presOf" srcId="{DC041154-F0B5-4CBD-A6DD-E0EFB8D014E4}" destId="{2A5BC991-A0DF-4028-A53E-B370256924F1}" srcOrd="0" destOrd="0" presId="urn:microsoft.com/office/officeart/2005/8/layout/vList5"/>
+    <dgm:cxn modelId="{1B537D06-77CA-43B5-89E1-29D00D30C582}" srcId="{DC041154-F0B5-4CBD-A6DD-E0EFB8D014E4}" destId="{57E782FF-E00E-46B4-8520-1FD02F823861}" srcOrd="5" destOrd="0" parTransId="{D361E648-17A6-42FE-91AE-536C8292F2F8}" sibTransId="{0A570B26-3383-42CF-BBE8-B10397577072}"/>
+    <dgm:cxn modelId="{F69D03B9-A598-4C25-A351-2197B1D12AC0}" srcId="{DC041154-F0B5-4CBD-A6DD-E0EFB8D014E4}" destId="{174B8CC8-94C2-40B2-8B16-226A635FDB2E}" srcOrd="0" destOrd="0" parTransId="{6D17835A-FE69-4A43-94A1-A0BAAA172FC5}" sibTransId="{AD8CC473-C8FB-40CF-AE2F-4DC96737587F}"/>
+    <dgm:cxn modelId="{FE7B6B97-A16B-4E07-951E-A5974A6D6E60}" type="presOf" srcId="{22207062-28C4-42DA-BF19-3F979D7C1C94}" destId="{CF0DB0B5-99DA-43B4-861B-5B75CC256AB6}" srcOrd="0" destOrd="1" presId="urn:microsoft.com/office/officeart/2005/8/layout/vList5"/>
+    <dgm:cxn modelId="{4D59CFBD-01C6-4888-8244-5AF33DADBB65}" type="presOf" srcId="{AE2DEB4A-2365-4E73-A0D1-A63F32EAE477}" destId="{62421612-7476-46E1-BB43-CDC2E7F24183}" srcOrd="0" destOrd="0" presId="urn:microsoft.com/office/officeart/2005/8/layout/vList5"/>
+    <dgm:cxn modelId="{5663BC47-D95B-482E-AA35-8DAF6504BB02}" type="presOf" srcId="{9A990A58-2B4C-4CED-8073-CF9C2F71A9F1}" destId="{1F9EE95F-4D26-4E84-84A8-1917B03E8DD4}" srcOrd="0" destOrd="0" presId="urn:microsoft.com/office/officeart/2005/8/layout/vList5"/>
+    <dgm:cxn modelId="{2A6873A6-4875-4755-95BC-3C2203A43A66}" type="presOf" srcId="{BD9B7F5B-73B7-4B08-8E90-7FB13FF749B0}" destId="{440285CF-7915-4D19-9CDC-894F21F5CD6A}" srcOrd="0" destOrd="0" presId="urn:microsoft.com/office/officeart/2005/8/layout/vList5"/>
     <dgm:cxn modelId="{288241B6-D293-47FC-8996-ADD23231AF5A}" srcId="{665B8820-E5D6-4421-A892-5BC573708853}" destId="{E1C9F402-39E1-4B6E-A08C-1DDA8F89FC0B}" srcOrd="0" destOrd="0" parTransId="{D4DFEA14-9FD9-4011-A715-137D736D2F1C}" sibTransId="{0D040808-0050-4515-9E98-D9589807EEE0}"/>
-    <dgm:cxn modelId="{F69D03B9-A598-4C25-A351-2197B1D12AC0}" srcId="{DC041154-F0B5-4CBD-A6DD-E0EFB8D014E4}" destId="{174B8CC8-94C2-40B2-8B16-226A635FDB2E}" srcOrd="0" destOrd="0" parTransId="{6D17835A-FE69-4A43-94A1-A0BAAA172FC5}" sibTransId="{AD8CC473-C8FB-40CF-AE2F-4DC96737587F}"/>
-    <dgm:cxn modelId="{4D59CFBD-01C6-4888-8244-5AF33DADBB65}" type="presOf" srcId="{AE2DEB4A-2365-4E73-A0D1-A63F32EAE477}" destId="{62421612-7476-46E1-BB43-CDC2E7F24183}" srcOrd="0" destOrd="0" presId="urn:microsoft.com/office/officeart/2005/8/layout/vList5"/>
-    <dgm:cxn modelId="{A13A59BE-D162-410C-A9EA-3E3ED8422BEE}" type="presOf" srcId="{C8BE6338-FB9B-446C-A2DE-C8FE9813CC36}" destId="{CF0DB0B5-99DA-43B4-861B-5B75CC256AB6}" srcOrd="0" destOrd="1" presId="urn:microsoft.com/office/officeart/2005/8/layout/vList5"/>
-    <dgm:cxn modelId="{D2274BBF-6079-4B8F-93EC-98AF5415E55C}" type="presOf" srcId="{D852AE0F-F366-4F0F-986A-D1936F05CEDF}" destId="{CE312CC8-2E1F-4EE0-8687-6CA402734AA0}" srcOrd="0" destOrd="0" presId="urn:microsoft.com/office/officeart/2005/8/layout/vList5"/>
-    <dgm:cxn modelId="{ABD69BD2-50A1-4650-BCBA-8BD735D7CF3B}" type="presOf" srcId="{E6F29A5B-CCB0-4546-A605-422E9097B1AA}" destId="{C5F5BA09-EE82-4C3C-ABBC-57E13534D0D4}" srcOrd="0" destOrd="2" presId="urn:microsoft.com/office/officeart/2005/8/layout/vList5"/>
-    <dgm:cxn modelId="{2D8BC0D7-DD76-4982-95D0-9672ACFDDF1C}" srcId="{79299D3B-EE87-40C6-830C-068B540B7E07}" destId="{0D49AD60-F5D9-44CB-94F6-411467CAB09B}" srcOrd="0" destOrd="0" parTransId="{DBC4C1E3-A293-4514-AC96-E47FC5A43C7A}" sibTransId="{5E064BE7-F7E8-4BD5-83B6-23EAE85AC1EA}"/>
-    <dgm:cxn modelId="{C247A8E3-0EA0-46CE-B0A7-7AB72645B3C6}" srcId="{174B8CC8-94C2-40B2-8B16-226A635FDB2E}" destId="{AE2DEB4A-2365-4E73-A0D1-A63F32EAE477}" srcOrd="0" destOrd="0" parTransId="{14FA42E5-9026-4DD4-8D5B-73060AAA0839}" sibTransId="{72D6EB60-EAAE-456F-B6F9-CAFEF2668F45}"/>
-    <dgm:cxn modelId="{717D60E6-437B-411F-9CB2-943460606961}" srcId="{6571444D-1E06-44E8-ABF4-5EC377577174}" destId="{064D90C0-976B-4DB1-97FE-FA01ED62671F}" srcOrd="1" destOrd="0" parTransId="{FBE6D490-137E-492F-9404-8523A63FE418}" sibTransId="{4A8B35FF-0CC3-4EC3-8A83-608003F0E397}"/>
-    <dgm:cxn modelId="{B55F2DE8-F09A-4823-931C-449CEC430404}" srcId="{174B8CC8-94C2-40B2-8B16-226A635FDB2E}" destId="{39923927-2CF6-425F-9428-E8701B7D480A}" srcOrd="1" destOrd="0" parTransId="{51B98856-5E7F-4589-9690-54EEBA6525A3}" sibTransId="{E68AC9D6-C8AF-4468-BF0C-FA4DC915C412}"/>
-    <dgm:cxn modelId="{4B306CEA-0CFC-4E30-93FF-BCB4A3138208}" type="presOf" srcId="{0D49AD60-F5D9-44CB-94F6-411467CAB09B}" destId="{C5F5BA09-EE82-4C3C-ABBC-57E13534D0D4}" srcOrd="0" destOrd="0" presId="urn:microsoft.com/office/officeart/2005/8/layout/vList5"/>
-    <dgm:cxn modelId="{6EA343EB-4CD3-49DA-8205-50744B566761}" srcId="{DC041154-F0B5-4CBD-A6DD-E0EFB8D014E4}" destId="{6571444D-1E06-44E8-ABF4-5EC377577174}" srcOrd="2" destOrd="0" parTransId="{F3B846BD-3D51-4CC2-B0D9-F5ADB274E2A0}" sibTransId="{EAE8AC85-36E8-4A1A-9D8A-DED9FEF958B7}"/>
-    <dgm:cxn modelId="{FB2D42ED-1D90-4882-9247-AEE25A0762D6}" type="presOf" srcId="{57E782FF-E00E-46B4-8520-1FD02F823861}" destId="{440285CF-7915-4D19-9CDC-894F21F5CD6A}" srcOrd="0" destOrd="0" presId="urn:microsoft.com/office/officeart/2005/8/layout/vList5"/>
+    <dgm:cxn modelId="{FEFC195D-7D82-4279-91D7-F2EE6263D475}" srcId="{DC041154-F0B5-4CBD-A6DD-E0EFB8D014E4}" destId="{8A48A12A-C404-4020-824E-D49F89E14C71}" srcOrd="4" destOrd="0" parTransId="{58EE057A-5814-47FB-A983-1A71B5DF6146}" sibTransId="{88FC3478-113E-4C59-853B-80F01AF6397E}"/>
+    <dgm:cxn modelId="{37FA4C66-46B9-4BBE-8FC2-B66A4EBFF125}" type="presOf" srcId="{8A48A12A-C404-4020-824E-D49F89E14C71}" destId="{358D7957-496C-44C8-872C-682A572E18A6}" srcOrd="0" destOrd="0" presId="urn:microsoft.com/office/officeart/2005/8/layout/vList5"/>
+    <dgm:cxn modelId="{69FF5B19-2C17-49C7-818B-06F4E8CCB19F}" srcId="{DC041154-F0B5-4CBD-A6DD-E0EFB8D014E4}" destId="{79299D3B-EE87-40C6-830C-068B540B7E07}" srcOrd="1" destOrd="0" parTransId="{8080858D-49E0-4698-B567-0FAB52965F9A}" sibTransId="{5AB5BABC-897C-450F-9521-43B086FCB8AC}"/>
+    <dgm:cxn modelId="{9B0E1367-12FA-43A6-8378-B6D1E61C7A68}" srcId="{DC041154-F0B5-4CBD-A6DD-E0EFB8D014E4}" destId="{B3FDD362-86B9-4895-859B-DC01EECE111C}" srcOrd="6" destOrd="0" parTransId="{72ACD590-348C-4159-95B4-7EFB44E4D44D}" sibTransId="{37483B7A-6E2F-4A2F-B086-EFE30C20D5E6}"/>
+    <dgm:cxn modelId="{98A6AB55-4BA1-458B-A262-E03BD258ED71}" type="presOf" srcId="{B7328F02-4DEF-4DB8-921D-125A4A0D0351}" destId="{FAD05CC2-74EF-49D9-99CF-1F485520A4F5}" srcOrd="0" destOrd="0" presId="urn:microsoft.com/office/officeart/2005/8/layout/vList5"/>
+    <dgm:cxn modelId="{E477DCCC-EADB-4503-A2F9-9B89708FFA0F}" srcId="{8A48A12A-C404-4020-824E-D49F89E14C71}" destId="{593D73CC-90A4-4E74-8165-BA4CA01F7E85}" srcOrd="3" destOrd="0" parTransId="{6FF55544-3AA5-44DD-B5A9-263D929DF3B7}" sibTransId="{0AF010CC-BDAE-4202-B06E-09E6705A06C4}"/>
+    <dgm:cxn modelId="{8169F85B-EF6C-423D-B9BC-3DF342F9725E}" type="presOf" srcId="{39923927-2CF6-425F-9428-E8701B7D480A}" destId="{62421612-7476-46E1-BB43-CDC2E7F24183}" srcOrd="0" destOrd="1" presId="urn:microsoft.com/office/officeart/2005/8/layout/vList5"/>
     <dgm:cxn modelId="{7110EC6B-353B-4E1D-8446-90D426A61022}" type="presParOf" srcId="{2A5BC991-A0DF-4028-A53E-B370256924F1}" destId="{5A657AE5-0581-418D-8949-DD74DAA5B283}" srcOrd="0" destOrd="0" presId="urn:microsoft.com/office/officeart/2005/8/layout/vList5"/>
     <dgm:cxn modelId="{F78653D5-CD97-431F-9038-77A1EB147C14}" type="presParOf" srcId="{5A657AE5-0581-418D-8949-DD74DAA5B283}" destId="{361A6850-DD8F-45ED-909A-410C98CF1104}" srcOrd="0" destOrd="0" presId="urn:microsoft.com/office/officeart/2005/8/layout/vList5"/>
     <dgm:cxn modelId="{CD2FAD89-405A-4667-9E58-5CB9F8CC8868}" type="presParOf" srcId="{5A657AE5-0581-418D-8949-DD74DAA5B283}" destId="{62421612-7476-46E1-BB43-CDC2E7F24183}" srcOrd="1" destOrd="0" presId="urn:microsoft.com/office/officeart/2005/8/layout/vList5"/>
@@ -4338,10 +4594,15 @@
     <dgm:cxn modelId="{98D9D5E1-A9DD-46F5-AD44-9DD38A10E43D}" type="presParOf" srcId="{2A5BC991-A0DF-4028-A53E-B370256924F1}" destId="{1AA79198-0E41-4BF7-B22D-C3BD913B2392}" srcOrd="7" destOrd="0" presId="urn:microsoft.com/office/officeart/2005/8/layout/vList5"/>
     <dgm:cxn modelId="{0B79D74A-20AE-4E2E-AE0C-27BE4A4B04DF}" type="presParOf" srcId="{2A5BC991-A0DF-4028-A53E-B370256924F1}" destId="{6495288D-EC41-4ACD-9406-50260B3B5F25}" srcOrd="8" destOrd="0" presId="urn:microsoft.com/office/officeart/2005/8/layout/vList5"/>
     <dgm:cxn modelId="{6B944D31-5F0B-4AF3-AD87-BDFBFBA7CFF5}" type="presParOf" srcId="{6495288D-EC41-4ACD-9406-50260B3B5F25}" destId="{358D7957-496C-44C8-872C-682A572E18A6}" srcOrd="0" destOrd="0" presId="urn:microsoft.com/office/officeart/2005/8/layout/vList5"/>
-    <dgm:cxn modelId="{C883B27E-F689-4186-9380-8EDD20C062CC}" type="presParOf" srcId="{6495288D-EC41-4ACD-9406-50260B3B5F25}" destId="{440285CF-7915-4D19-9CDC-894F21F5CD6A}" srcOrd="1" destOrd="0" presId="urn:microsoft.com/office/officeart/2005/8/layout/vList5"/>
+    <dgm:cxn modelId="{CA232D71-93E0-4397-81DB-DEB6F7EB749B}" type="presParOf" srcId="{6495288D-EC41-4ACD-9406-50260B3B5F25}" destId="{440285CF-7915-4D19-9CDC-894F21F5CD6A}" srcOrd="1" destOrd="0" presId="urn:microsoft.com/office/officeart/2005/8/layout/vList5"/>
     <dgm:cxn modelId="{FF495C2A-CF0C-4863-A754-4CF6B8B2BF73}" type="presParOf" srcId="{2A5BC991-A0DF-4028-A53E-B370256924F1}" destId="{4E31D258-2DB8-4409-8D72-2F5B6C6ED87C}" srcOrd="9" destOrd="0" presId="urn:microsoft.com/office/officeart/2005/8/layout/vList5"/>
-    <dgm:cxn modelId="{F9E9FB56-B122-4228-AE40-54C2F54E437C}" type="presParOf" srcId="{2A5BC991-A0DF-4028-A53E-B370256924F1}" destId="{D5CE061E-CCBA-44F4-A88B-A285043D8853}" srcOrd="10" destOrd="0" presId="urn:microsoft.com/office/officeart/2005/8/layout/vList5"/>
-    <dgm:cxn modelId="{4705DFBF-35D4-4D63-8B68-A91234B86324}" type="presParOf" srcId="{D5CE061E-CCBA-44F4-A88B-A285043D8853}" destId="{320C793C-3FF1-47F6-92D4-4D94ADF6A18E}" srcOrd="0" destOrd="0" presId="urn:microsoft.com/office/officeart/2005/8/layout/vList5"/>
+    <dgm:cxn modelId="{8E435FF0-3417-4336-8BAF-A3A779C89878}" type="presParOf" srcId="{2A5BC991-A0DF-4028-A53E-B370256924F1}" destId="{53DA5EE8-8504-455E-9C34-70398423BBF1}" srcOrd="10" destOrd="0" presId="urn:microsoft.com/office/officeart/2005/8/layout/vList5"/>
+    <dgm:cxn modelId="{CC2EBA58-9A8A-47E1-9C59-0D06C4BC6C9D}" type="presParOf" srcId="{53DA5EE8-8504-455E-9C34-70398423BBF1}" destId="{8222261A-23D1-462F-9A59-2028968AE569}" srcOrd="0" destOrd="0" presId="urn:microsoft.com/office/officeart/2005/8/layout/vList5"/>
+    <dgm:cxn modelId="{72FE6BBE-5D36-41F2-9770-BC367B9DE83D}" type="presParOf" srcId="{53DA5EE8-8504-455E-9C34-70398423BBF1}" destId="{1F9EE95F-4D26-4E84-84A8-1917B03E8DD4}" srcOrd="1" destOrd="0" presId="urn:microsoft.com/office/officeart/2005/8/layout/vList5"/>
+    <dgm:cxn modelId="{4596DE57-16B2-430E-AEAB-72FFE7FDE50A}" type="presParOf" srcId="{2A5BC991-A0DF-4028-A53E-B370256924F1}" destId="{B901BCD7-E469-46F7-B555-F517D13A5CA4}" srcOrd="11" destOrd="0" presId="urn:microsoft.com/office/officeart/2005/8/layout/vList5"/>
+    <dgm:cxn modelId="{7EF1C45D-24ED-4612-8244-1A61BBA6D58A}" type="presParOf" srcId="{2A5BC991-A0DF-4028-A53E-B370256924F1}" destId="{D0875BAD-785E-4457-90C5-F6CC680F3B6A}" srcOrd="12" destOrd="0" presId="urn:microsoft.com/office/officeart/2005/8/layout/vList5"/>
+    <dgm:cxn modelId="{BDF8EE7D-80A1-45C2-8380-1D70D8028D8C}" type="presParOf" srcId="{D0875BAD-785E-4457-90C5-F6CC680F3B6A}" destId="{37C68598-FAA9-4822-9062-2FD904289EF7}" srcOrd="0" destOrd="0" presId="urn:microsoft.com/office/officeart/2005/8/layout/vList5"/>
+    <dgm:cxn modelId="{E46FDC61-8614-4115-A691-E8916867AF93}" type="presParOf" srcId="{D0875BAD-785E-4457-90C5-F6CC680F3B6A}" destId="{FAD05CC2-74EF-49D9-99CF-1F485520A4F5}" srcOrd="1" destOrd="0" presId="urn:microsoft.com/office/officeart/2005/8/layout/vList5"/>
   </dgm:cxnLst>
   <dgm:bg/>
   <dgm:whole/>
@@ -4361,525 +4622,6 @@
       <dsp:cNvGrpSpPr/>
     </dsp:nvGrpSpPr>
     <dsp:grpSpPr/>
-    <dsp:sp modelId="{3B66FC59-1B17-4256-BC4A-69EBCA3E6787}">
-      <dsp:nvSpPr>
-        <dsp:cNvPr id="0" name=""/>
-        <dsp:cNvSpPr/>
-      </dsp:nvSpPr>
-      <dsp:spPr>
-        <a:xfrm>
-          <a:off x="1308" y="505544"/>
-          <a:ext cx="3288720" cy="1269445"/>
-        </a:xfrm>
-        <a:prstGeom prst="chevron">
-          <a:avLst>
-            <a:gd name="adj" fmla="val 40000"/>
-          </a:avLst>
-        </a:prstGeom>
-        <a:solidFill>
-          <a:schemeClr val="accent1">
-            <a:hueOff val="0"/>
-            <a:satOff val="0"/>
-            <a:lumOff val="0"/>
-            <a:alphaOff val="0"/>
-          </a:schemeClr>
-        </a:solidFill>
-        <a:ln w="12700" cap="flat" cmpd="sng" algn="ctr">
-          <a:solidFill>
-            <a:schemeClr val="lt1">
-              <a:hueOff val="0"/>
-              <a:satOff val="0"/>
-              <a:lumOff val="0"/>
-              <a:alphaOff val="0"/>
-            </a:schemeClr>
-          </a:solidFill>
-          <a:prstDash val="solid"/>
-          <a:miter lim="800000"/>
-        </a:ln>
-        <a:effectLst/>
-      </dsp:spPr>
-      <dsp:style>
-        <a:lnRef idx="2">
-          <a:scrgbClr r="0" g="0" b="0"/>
-        </a:lnRef>
-        <a:fillRef idx="1">
-          <a:scrgbClr r="0" g="0" b="0"/>
-        </a:fillRef>
-        <a:effectRef idx="0">
-          <a:scrgbClr r="0" g="0" b="0"/>
-        </a:effectRef>
-        <a:fontRef idx="minor">
-          <a:schemeClr val="lt1"/>
-        </a:fontRef>
-      </dsp:style>
-    </dsp:sp>
-    <dsp:sp modelId="{2038D8A7-44D1-4F6C-96B1-E9C5DB2ECD20}">
-      <dsp:nvSpPr>
-        <dsp:cNvPr id="0" name=""/>
-        <dsp:cNvSpPr/>
-      </dsp:nvSpPr>
-      <dsp:spPr>
-        <a:xfrm>
-          <a:off x="878300" y="822906"/>
-          <a:ext cx="2777141" cy="1269445"/>
-        </a:xfrm>
-        <a:prstGeom prst="roundRect">
-          <a:avLst>
-            <a:gd name="adj" fmla="val 10000"/>
-          </a:avLst>
-        </a:prstGeom>
-        <a:solidFill>
-          <a:schemeClr val="lt1">
-            <a:alpha val="90000"/>
-            <a:hueOff val="0"/>
-            <a:satOff val="0"/>
-            <a:lumOff val="0"/>
-            <a:alphaOff val="0"/>
-          </a:schemeClr>
-        </a:solidFill>
-        <a:ln w="12700" cap="flat" cmpd="sng" algn="ctr">
-          <a:solidFill>
-            <a:schemeClr val="accent1">
-              <a:hueOff val="0"/>
-              <a:satOff val="0"/>
-              <a:lumOff val="0"/>
-              <a:alphaOff val="0"/>
-            </a:schemeClr>
-          </a:solidFill>
-          <a:prstDash val="solid"/>
-          <a:miter lim="800000"/>
-        </a:ln>
-        <a:effectLst/>
-      </dsp:spPr>
-      <dsp:style>
-        <a:lnRef idx="2">
-          <a:scrgbClr r="0" g="0" b="0"/>
-        </a:lnRef>
-        <a:fillRef idx="1">
-          <a:scrgbClr r="0" g="0" b="0"/>
-        </a:fillRef>
-        <a:effectRef idx="0">
-          <a:scrgbClr r="0" g="0" b="0"/>
-        </a:effectRef>
-        <a:fontRef idx="minor"/>
-      </dsp:style>
-      <dsp:txBody>
-        <a:bodyPr spcFirstLastPara="0" vert="horz" wrap="square" lIns="142240" tIns="142240" rIns="142240" bIns="142240" numCol="1" spcCol="1270" anchor="t" anchorCtr="0">
-          <a:noAutofit/>
-        </a:bodyPr>
-        <a:lstStyle/>
-        <a:p>
-          <a:pPr marL="0" lvl="0" indent="0" algn="l" defTabSz="889000">
-            <a:lnSpc>
-              <a:spcPct val="90000"/>
-            </a:lnSpc>
-            <a:spcBef>
-              <a:spcPct val="0"/>
-            </a:spcBef>
-            <a:spcAft>
-              <a:spcPct val="35000"/>
-            </a:spcAft>
-            <a:buNone/>
-          </a:pPr>
-          <a:r>
-            <a:rPr lang="en-US" sz="2000" kern="1200" dirty="0"/>
-            <a:t>Available column</a:t>
-          </a:r>
-        </a:p>
-        <a:p>
-          <a:pPr marL="114300" lvl="1" indent="-114300" algn="l" defTabSz="622300">
-            <a:lnSpc>
-              <a:spcPct val="90000"/>
-            </a:lnSpc>
-            <a:spcBef>
-              <a:spcPct val="0"/>
-            </a:spcBef>
-            <a:spcAft>
-              <a:spcPct val="15000"/>
-            </a:spcAft>
-            <a:buChar char="•"/>
-          </a:pPr>
-          <a:r>
-            <a:rPr lang="en-US" sz="1400" kern="1200" dirty="0"/>
-            <a:t>DTI</a:t>
-          </a:r>
-        </a:p>
-        <a:p>
-          <a:pPr marL="114300" lvl="1" indent="-114300" algn="l" defTabSz="622300">
-            <a:lnSpc>
-              <a:spcPct val="90000"/>
-            </a:lnSpc>
-            <a:spcBef>
-              <a:spcPct val="0"/>
-            </a:spcBef>
-            <a:spcAft>
-              <a:spcPct val="15000"/>
-            </a:spcAft>
-            <a:buChar char="•"/>
-          </a:pPr>
-          <a:r>
-            <a:rPr lang="en-US" sz="1400" kern="1200" dirty="0"/>
-            <a:t>Revolving Utilization</a:t>
-          </a:r>
-        </a:p>
-        <a:p>
-          <a:pPr marL="114300" lvl="1" indent="-114300" algn="l" defTabSz="622300">
-            <a:lnSpc>
-              <a:spcPct val="90000"/>
-            </a:lnSpc>
-            <a:spcBef>
-              <a:spcPct val="0"/>
-            </a:spcBef>
-            <a:spcAft>
-              <a:spcPct val="15000"/>
-            </a:spcAft>
-            <a:buChar char="•"/>
-          </a:pPr>
-          <a:r>
-            <a:rPr lang="en-US" sz="1400" kern="1200" dirty="0"/>
-            <a:t>Interest rate</a:t>
-          </a:r>
-        </a:p>
-      </dsp:txBody>
-      <dsp:txXfrm>
-        <a:off x="915481" y="860087"/>
-        <a:ext cx="2702779" cy="1195083"/>
-      </dsp:txXfrm>
-    </dsp:sp>
-    <dsp:sp modelId="{51531E4D-7BAC-4397-A3C0-7B12FBC5010C}">
-      <dsp:nvSpPr>
-        <dsp:cNvPr id="0" name=""/>
-        <dsp:cNvSpPr/>
-      </dsp:nvSpPr>
-      <dsp:spPr>
-        <a:xfrm>
-          <a:off x="3757758" y="505544"/>
-          <a:ext cx="3288720" cy="1269445"/>
-        </a:xfrm>
-        <a:prstGeom prst="chevron">
-          <a:avLst>
-            <a:gd name="adj" fmla="val 40000"/>
-          </a:avLst>
-        </a:prstGeom>
-        <a:solidFill>
-          <a:schemeClr val="accent1">
-            <a:hueOff val="0"/>
-            <a:satOff val="0"/>
-            <a:lumOff val="0"/>
-            <a:alphaOff val="0"/>
-          </a:schemeClr>
-        </a:solidFill>
-        <a:ln w="12700" cap="flat" cmpd="sng" algn="ctr">
-          <a:solidFill>
-            <a:schemeClr val="lt1">
-              <a:hueOff val="0"/>
-              <a:satOff val="0"/>
-              <a:lumOff val="0"/>
-              <a:alphaOff val="0"/>
-            </a:schemeClr>
-          </a:solidFill>
-          <a:prstDash val="solid"/>
-          <a:miter lim="800000"/>
-        </a:ln>
-        <a:effectLst/>
-      </dsp:spPr>
-      <dsp:style>
-        <a:lnRef idx="2">
-          <a:scrgbClr r="0" g="0" b="0"/>
-        </a:lnRef>
-        <a:fillRef idx="1">
-          <a:scrgbClr r="0" g="0" b="0"/>
-        </a:fillRef>
-        <a:effectRef idx="0">
-          <a:scrgbClr r="0" g="0" b="0"/>
-        </a:effectRef>
-        <a:fontRef idx="minor">
-          <a:schemeClr val="lt1"/>
-        </a:fontRef>
-      </dsp:style>
-    </dsp:sp>
-    <dsp:sp modelId="{58A6145A-6296-47E3-BC97-C07C29E364BC}">
-      <dsp:nvSpPr>
-        <dsp:cNvPr id="0" name=""/>
-        <dsp:cNvSpPr/>
-      </dsp:nvSpPr>
-      <dsp:spPr>
-        <a:xfrm>
-          <a:off x="4634750" y="822906"/>
-          <a:ext cx="2777141" cy="1269445"/>
-        </a:xfrm>
-        <a:prstGeom prst="roundRect">
-          <a:avLst>
-            <a:gd name="adj" fmla="val 10000"/>
-          </a:avLst>
-        </a:prstGeom>
-        <a:solidFill>
-          <a:schemeClr val="lt1">
-            <a:alpha val="90000"/>
-            <a:hueOff val="0"/>
-            <a:satOff val="0"/>
-            <a:lumOff val="0"/>
-            <a:alphaOff val="0"/>
-          </a:schemeClr>
-        </a:solidFill>
-        <a:ln w="12700" cap="flat" cmpd="sng" algn="ctr">
-          <a:solidFill>
-            <a:schemeClr val="accent1">
-              <a:hueOff val="0"/>
-              <a:satOff val="0"/>
-              <a:lumOff val="0"/>
-              <a:alphaOff val="0"/>
-            </a:schemeClr>
-          </a:solidFill>
-          <a:prstDash val="solid"/>
-          <a:miter lim="800000"/>
-        </a:ln>
-        <a:effectLst/>
-      </dsp:spPr>
-      <dsp:style>
-        <a:lnRef idx="2">
-          <a:scrgbClr r="0" g="0" b="0"/>
-        </a:lnRef>
-        <a:fillRef idx="1">
-          <a:scrgbClr r="0" g="0" b="0"/>
-        </a:fillRef>
-        <a:effectRef idx="0">
-          <a:scrgbClr r="0" g="0" b="0"/>
-        </a:effectRef>
-        <a:fontRef idx="minor"/>
-      </dsp:style>
-      <dsp:txBody>
-        <a:bodyPr spcFirstLastPara="0" vert="horz" wrap="square" lIns="128016" tIns="128016" rIns="128016" bIns="128016" numCol="1" spcCol="1270" anchor="t" anchorCtr="0">
-          <a:noAutofit/>
-        </a:bodyPr>
-        <a:lstStyle/>
-        <a:p>
-          <a:pPr marL="0" lvl="0" indent="0" algn="l" defTabSz="800100">
-            <a:lnSpc>
-              <a:spcPct val="90000"/>
-            </a:lnSpc>
-            <a:spcBef>
-              <a:spcPct val="0"/>
-            </a:spcBef>
-            <a:spcAft>
-              <a:spcPct val="35000"/>
-            </a:spcAft>
-            <a:buNone/>
-          </a:pPr>
-          <a:r>
-            <a:rPr lang="en-US" sz="1800" kern="1200" dirty="0"/>
-            <a:t>Derived Columns</a:t>
-          </a:r>
-        </a:p>
-        <a:p>
-          <a:pPr marL="114300" lvl="1" indent="-114300" algn="l" defTabSz="622300">
-            <a:lnSpc>
-              <a:spcPct val="90000"/>
-            </a:lnSpc>
-            <a:spcBef>
-              <a:spcPct val="0"/>
-            </a:spcBef>
-            <a:spcAft>
-              <a:spcPct val="15000"/>
-            </a:spcAft>
-            <a:buChar char="•"/>
-          </a:pPr>
-          <a:r>
-            <a:rPr lang="en-US" sz="1400" kern="1200" dirty="0"/>
-            <a:t>DTI Bin</a:t>
-          </a:r>
-        </a:p>
-        <a:p>
-          <a:pPr marL="114300" lvl="1" indent="-114300" algn="l" defTabSz="622300">
-            <a:lnSpc>
-              <a:spcPct val="90000"/>
-            </a:lnSpc>
-            <a:spcBef>
-              <a:spcPct val="0"/>
-            </a:spcBef>
-            <a:spcAft>
-              <a:spcPct val="15000"/>
-            </a:spcAft>
-            <a:buChar char="•"/>
-          </a:pPr>
-          <a:r>
-            <a:rPr lang="en-US" sz="1400" kern="1200" dirty="0"/>
-            <a:t>Revolving Utilization</a:t>
-          </a:r>
-        </a:p>
-        <a:p>
-          <a:pPr marL="114300" lvl="1" indent="-114300" algn="l" defTabSz="622300">
-            <a:lnSpc>
-              <a:spcPct val="90000"/>
-            </a:lnSpc>
-            <a:spcBef>
-              <a:spcPct val="0"/>
-            </a:spcBef>
-            <a:spcAft>
-              <a:spcPct val="15000"/>
-            </a:spcAft>
-            <a:buChar char="•"/>
-          </a:pPr>
-          <a:r>
-            <a:rPr lang="en-US" sz="1400" kern="1200" dirty="0"/>
-            <a:t>Interest rate</a:t>
-          </a:r>
-        </a:p>
-      </dsp:txBody>
-      <dsp:txXfrm>
-        <a:off x="4671931" y="860087"/>
-        <a:ext cx="2702779" cy="1195083"/>
-      </dsp:txXfrm>
-    </dsp:sp>
-    <dsp:sp modelId="{3A457D63-83D2-4ABC-9F16-B3ECA7C24D62}">
-      <dsp:nvSpPr>
-        <dsp:cNvPr id="0" name=""/>
-        <dsp:cNvSpPr/>
-      </dsp:nvSpPr>
-      <dsp:spPr>
-        <a:xfrm>
-          <a:off x="7514207" y="468080"/>
-          <a:ext cx="3288720" cy="1269445"/>
-        </a:xfrm>
-        <a:prstGeom prst="chevron">
-          <a:avLst>
-            <a:gd name="adj" fmla="val 40000"/>
-          </a:avLst>
-        </a:prstGeom>
-        <a:solidFill>
-          <a:schemeClr val="accent1">
-            <a:hueOff val="0"/>
-            <a:satOff val="0"/>
-            <a:lumOff val="0"/>
-            <a:alphaOff val="0"/>
-          </a:schemeClr>
-        </a:solidFill>
-        <a:ln w="12700" cap="flat" cmpd="sng" algn="ctr">
-          <a:solidFill>
-            <a:schemeClr val="lt1">
-              <a:hueOff val="0"/>
-              <a:satOff val="0"/>
-              <a:lumOff val="0"/>
-              <a:alphaOff val="0"/>
-            </a:schemeClr>
-          </a:solidFill>
-          <a:prstDash val="solid"/>
-          <a:miter lim="800000"/>
-        </a:ln>
-        <a:effectLst/>
-      </dsp:spPr>
-      <dsp:style>
-        <a:lnRef idx="2">
-          <a:scrgbClr r="0" g="0" b="0"/>
-        </a:lnRef>
-        <a:fillRef idx="1">
-          <a:scrgbClr r="0" g="0" b="0"/>
-        </a:fillRef>
-        <a:effectRef idx="0">
-          <a:scrgbClr r="0" g="0" b="0"/>
-        </a:effectRef>
-        <a:fontRef idx="minor">
-          <a:schemeClr val="lt1"/>
-        </a:fontRef>
-      </dsp:style>
-    </dsp:sp>
-    <dsp:sp modelId="{B107831F-CEBB-41D5-95CB-0396851292DD}">
-      <dsp:nvSpPr>
-        <dsp:cNvPr id="0" name=""/>
-        <dsp:cNvSpPr/>
-      </dsp:nvSpPr>
-      <dsp:spPr>
-        <a:xfrm>
-          <a:off x="8391199" y="710512"/>
-          <a:ext cx="2777141" cy="1419304"/>
-        </a:xfrm>
-        <a:prstGeom prst="roundRect">
-          <a:avLst>
-            <a:gd name="adj" fmla="val 10000"/>
-          </a:avLst>
-        </a:prstGeom>
-        <a:solidFill>
-          <a:schemeClr val="lt1">
-            <a:alpha val="90000"/>
-            <a:hueOff val="0"/>
-            <a:satOff val="0"/>
-            <a:lumOff val="0"/>
-            <a:alphaOff val="0"/>
-          </a:schemeClr>
-        </a:solidFill>
-        <a:ln w="12700" cap="flat" cmpd="sng" algn="ctr">
-          <a:solidFill>
-            <a:schemeClr val="accent1">
-              <a:hueOff val="0"/>
-              <a:satOff val="0"/>
-              <a:lumOff val="0"/>
-              <a:alphaOff val="0"/>
-            </a:schemeClr>
-          </a:solidFill>
-          <a:prstDash val="solid"/>
-          <a:miter lim="800000"/>
-        </a:ln>
-        <a:effectLst/>
-      </dsp:spPr>
-      <dsp:style>
-        <a:lnRef idx="2">
-          <a:scrgbClr r="0" g="0" b="0"/>
-        </a:lnRef>
-        <a:fillRef idx="1">
-          <a:scrgbClr r="0" g="0" b="0"/>
-        </a:fillRef>
-        <a:effectRef idx="0">
-          <a:scrgbClr r="0" g="0" b="0"/>
-        </a:effectRef>
-        <a:fontRef idx="minor"/>
-      </dsp:style>
-      <dsp:txBody>
-        <a:bodyPr spcFirstLastPara="0" vert="horz" wrap="square" lIns="113792" tIns="113792" rIns="113792" bIns="113792" numCol="1" spcCol="1270" anchor="t" anchorCtr="0">
-          <a:noAutofit/>
-        </a:bodyPr>
-        <a:lstStyle/>
-        <a:p>
-          <a:pPr marL="0" lvl="0" indent="0" algn="l" defTabSz="711200">
-            <a:lnSpc>
-              <a:spcPct val="90000"/>
-            </a:lnSpc>
-            <a:spcBef>
-              <a:spcPct val="0"/>
-            </a:spcBef>
-            <a:spcAft>
-              <a:spcPct val="35000"/>
-            </a:spcAft>
-            <a:buNone/>
-          </a:pPr>
-          <a:r>
-            <a:rPr lang="en-US" sz="1600" kern="1200" dirty="0"/>
-            <a:t>Reason</a:t>
-          </a:r>
-        </a:p>
-        <a:p>
-          <a:pPr marL="114300" lvl="1" indent="-114300" algn="l" defTabSz="533400">
-            <a:lnSpc>
-              <a:spcPct val="90000"/>
-            </a:lnSpc>
-            <a:spcBef>
-              <a:spcPct val="0"/>
-            </a:spcBef>
-            <a:spcAft>
-              <a:spcPct val="15000"/>
-            </a:spcAft>
-            <a:buChar char="•"/>
-          </a:pPr>
-          <a:r>
-            <a:rPr lang="en-US" sz="1200" kern="1200" dirty="0"/>
-            <a:t>To understand patterns by specific bins</a:t>
-          </a:r>
-        </a:p>
-      </dsp:txBody>
-      <dsp:txXfrm>
-        <a:off x="8432769" y="752082"/>
-        <a:ext cx="2694001" cy="1336164"/>
-      </dsp:txXfrm>
-    </dsp:sp>
   </dsp:spTree>
 </dsp:drawing>
 </file>
@@ -4892,507 +4634,6 @@
       <dsp:cNvGrpSpPr/>
     </dsp:nvGrpSpPr>
     <dsp:grpSpPr/>
-    <dsp:sp modelId="{3B66FC59-1B17-4256-BC4A-69EBCA3E6787}">
-      <dsp:nvSpPr>
-        <dsp:cNvPr id="0" name=""/>
-        <dsp:cNvSpPr/>
-      </dsp:nvSpPr>
-      <dsp:spPr>
-        <a:xfrm>
-          <a:off x="1308" y="505544"/>
-          <a:ext cx="3288720" cy="1269445"/>
-        </a:xfrm>
-        <a:prstGeom prst="chevron">
-          <a:avLst>
-            <a:gd name="adj" fmla="val 40000"/>
-          </a:avLst>
-        </a:prstGeom>
-        <a:solidFill>
-          <a:schemeClr val="accent2">
-            <a:hueOff val="0"/>
-            <a:satOff val="0"/>
-            <a:lumOff val="0"/>
-            <a:alphaOff val="0"/>
-          </a:schemeClr>
-        </a:solidFill>
-        <a:ln w="12700" cap="flat" cmpd="sng" algn="ctr">
-          <a:solidFill>
-            <a:schemeClr val="lt1">
-              <a:hueOff val="0"/>
-              <a:satOff val="0"/>
-              <a:lumOff val="0"/>
-              <a:alphaOff val="0"/>
-            </a:schemeClr>
-          </a:solidFill>
-          <a:prstDash val="solid"/>
-          <a:miter lim="800000"/>
-        </a:ln>
-        <a:effectLst/>
-      </dsp:spPr>
-      <dsp:style>
-        <a:lnRef idx="2">
-          <a:scrgbClr r="0" g="0" b="0"/>
-        </a:lnRef>
-        <a:fillRef idx="1">
-          <a:scrgbClr r="0" g="0" b="0"/>
-        </a:fillRef>
-        <a:effectRef idx="0">
-          <a:scrgbClr r="0" g="0" b="0"/>
-        </a:effectRef>
-        <a:fontRef idx="minor">
-          <a:schemeClr val="lt1"/>
-        </a:fontRef>
-      </dsp:style>
-    </dsp:sp>
-    <dsp:sp modelId="{2038D8A7-44D1-4F6C-96B1-E9C5DB2ECD20}">
-      <dsp:nvSpPr>
-        <dsp:cNvPr id="0" name=""/>
-        <dsp:cNvSpPr/>
-      </dsp:nvSpPr>
-      <dsp:spPr>
-        <a:xfrm>
-          <a:off x="878300" y="822906"/>
-          <a:ext cx="2777141" cy="1269445"/>
-        </a:xfrm>
-        <a:prstGeom prst="roundRect">
-          <a:avLst>
-            <a:gd name="adj" fmla="val 10000"/>
-          </a:avLst>
-        </a:prstGeom>
-        <a:solidFill>
-          <a:schemeClr val="lt1">
-            <a:alpha val="90000"/>
-            <a:hueOff val="0"/>
-            <a:satOff val="0"/>
-            <a:lumOff val="0"/>
-            <a:alphaOff val="0"/>
-          </a:schemeClr>
-        </a:solidFill>
-        <a:ln w="12700" cap="flat" cmpd="sng" algn="ctr">
-          <a:solidFill>
-            <a:schemeClr val="accent2">
-              <a:hueOff val="0"/>
-              <a:satOff val="0"/>
-              <a:lumOff val="0"/>
-              <a:alphaOff val="0"/>
-            </a:schemeClr>
-          </a:solidFill>
-          <a:prstDash val="solid"/>
-          <a:miter lim="800000"/>
-        </a:ln>
-        <a:effectLst/>
-      </dsp:spPr>
-      <dsp:style>
-        <a:lnRef idx="2">
-          <a:scrgbClr r="0" g="0" b="0"/>
-        </a:lnRef>
-        <a:fillRef idx="1">
-          <a:scrgbClr r="0" g="0" b="0"/>
-        </a:fillRef>
-        <a:effectRef idx="0">
-          <a:scrgbClr r="0" g="0" b="0"/>
-        </a:effectRef>
-        <a:fontRef idx="minor"/>
-      </dsp:style>
-      <dsp:txBody>
-        <a:bodyPr spcFirstLastPara="0" vert="horz" wrap="square" lIns="142240" tIns="142240" rIns="142240" bIns="142240" numCol="1" spcCol="1270" anchor="t" anchorCtr="0">
-          <a:noAutofit/>
-        </a:bodyPr>
-        <a:lstStyle/>
-        <a:p>
-          <a:pPr marL="0" lvl="0" indent="0" algn="l" defTabSz="889000">
-            <a:lnSpc>
-              <a:spcPct val="90000"/>
-            </a:lnSpc>
-            <a:spcBef>
-              <a:spcPct val="0"/>
-            </a:spcBef>
-            <a:spcAft>
-              <a:spcPct val="35000"/>
-            </a:spcAft>
-            <a:buNone/>
-          </a:pPr>
-          <a:r>
-            <a:rPr lang="en-US" sz="2000" kern="1200" dirty="0"/>
-            <a:t>Available column</a:t>
-          </a:r>
-        </a:p>
-        <a:p>
-          <a:pPr marL="114300" lvl="1" indent="-114300" algn="l" defTabSz="622300">
-            <a:lnSpc>
-              <a:spcPct val="90000"/>
-            </a:lnSpc>
-            <a:spcBef>
-              <a:spcPct val="0"/>
-            </a:spcBef>
-            <a:spcAft>
-              <a:spcPct val="15000"/>
-            </a:spcAft>
-            <a:buChar char="•"/>
-          </a:pPr>
-          <a:r>
-            <a:rPr lang="en-US" sz="1400" kern="1200" dirty="0"/>
-            <a:t>Annual Income</a:t>
-          </a:r>
-        </a:p>
-        <a:p>
-          <a:pPr marL="114300" lvl="1" indent="-114300" algn="l" defTabSz="622300">
-            <a:lnSpc>
-              <a:spcPct val="90000"/>
-            </a:lnSpc>
-            <a:spcBef>
-              <a:spcPct val="0"/>
-            </a:spcBef>
-            <a:spcAft>
-              <a:spcPct val="15000"/>
-            </a:spcAft>
-            <a:buChar char="•"/>
-          </a:pPr>
-          <a:r>
-            <a:rPr lang="en-US" sz="1400" kern="1200" dirty="0"/>
-            <a:t>Loan Status	</a:t>
-          </a:r>
-        </a:p>
-      </dsp:txBody>
-      <dsp:txXfrm>
-        <a:off x="915481" y="860087"/>
-        <a:ext cx="2702779" cy="1195083"/>
-      </dsp:txXfrm>
-    </dsp:sp>
-    <dsp:sp modelId="{51531E4D-7BAC-4397-A3C0-7B12FBC5010C}">
-      <dsp:nvSpPr>
-        <dsp:cNvPr id="0" name=""/>
-        <dsp:cNvSpPr/>
-      </dsp:nvSpPr>
-      <dsp:spPr>
-        <a:xfrm>
-          <a:off x="3757758" y="505544"/>
-          <a:ext cx="3288720" cy="1269445"/>
-        </a:xfrm>
-        <a:prstGeom prst="chevron">
-          <a:avLst>
-            <a:gd name="adj" fmla="val 40000"/>
-          </a:avLst>
-        </a:prstGeom>
-        <a:solidFill>
-          <a:schemeClr val="accent2">
-            <a:hueOff val="0"/>
-            <a:satOff val="0"/>
-            <a:lumOff val="0"/>
-            <a:alphaOff val="0"/>
-          </a:schemeClr>
-        </a:solidFill>
-        <a:ln w="12700" cap="flat" cmpd="sng" algn="ctr">
-          <a:solidFill>
-            <a:schemeClr val="lt1">
-              <a:hueOff val="0"/>
-              <a:satOff val="0"/>
-              <a:lumOff val="0"/>
-              <a:alphaOff val="0"/>
-            </a:schemeClr>
-          </a:solidFill>
-          <a:prstDash val="solid"/>
-          <a:miter lim="800000"/>
-        </a:ln>
-        <a:effectLst/>
-      </dsp:spPr>
-      <dsp:style>
-        <a:lnRef idx="2">
-          <a:scrgbClr r="0" g="0" b="0"/>
-        </a:lnRef>
-        <a:fillRef idx="1">
-          <a:scrgbClr r="0" g="0" b="0"/>
-        </a:fillRef>
-        <a:effectRef idx="0">
-          <a:scrgbClr r="0" g="0" b="0"/>
-        </a:effectRef>
-        <a:fontRef idx="minor">
-          <a:schemeClr val="lt1"/>
-        </a:fontRef>
-      </dsp:style>
-    </dsp:sp>
-    <dsp:sp modelId="{58A6145A-6296-47E3-BC97-C07C29E364BC}">
-      <dsp:nvSpPr>
-        <dsp:cNvPr id="0" name=""/>
-        <dsp:cNvSpPr/>
-      </dsp:nvSpPr>
-      <dsp:spPr>
-        <a:xfrm>
-          <a:off x="4634750" y="822906"/>
-          <a:ext cx="2777141" cy="1269445"/>
-        </a:xfrm>
-        <a:prstGeom prst="roundRect">
-          <a:avLst>
-            <a:gd name="adj" fmla="val 10000"/>
-          </a:avLst>
-        </a:prstGeom>
-        <a:solidFill>
-          <a:schemeClr val="lt1">
-            <a:alpha val="90000"/>
-            <a:hueOff val="0"/>
-            <a:satOff val="0"/>
-            <a:lumOff val="0"/>
-            <a:alphaOff val="0"/>
-          </a:schemeClr>
-        </a:solidFill>
-        <a:ln w="12700" cap="flat" cmpd="sng" algn="ctr">
-          <a:solidFill>
-            <a:schemeClr val="accent2">
-              <a:hueOff val="0"/>
-              <a:satOff val="0"/>
-              <a:lumOff val="0"/>
-              <a:alphaOff val="0"/>
-            </a:schemeClr>
-          </a:solidFill>
-          <a:prstDash val="solid"/>
-          <a:miter lim="800000"/>
-        </a:ln>
-        <a:effectLst/>
-      </dsp:spPr>
-      <dsp:style>
-        <a:lnRef idx="2">
-          <a:scrgbClr r="0" g="0" b="0"/>
-        </a:lnRef>
-        <a:fillRef idx="1">
-          <a:scrgbClr r="0" g="0" b="0"/>
-        </a:fillRef>
-        <a:effectRef idx="0">
-          <a:scrgbClr r="0" g="0" b="0"/>
-        </a:effectRef>
-        <a:fontRef idx="minor"/>
-      </dsp:style>
-      <dsp:txBody>
-        <a:bodyPr spcFirstLastPara="0" vert="horz" wrap="square" lIns="128016" tIns="128016" rIns="128016" bIns="128016" numCol="1" spcCol="1270" anchor="t" anchorCtr="0">
-          <a:noAutofit/>
-        </a:bodyPr>
-        <a:lstStyle/>
-        <a:p>
-          <a:pPr marL="0" lvl="0" indent="0" algn="l" defTabSz="800100">
-            <a:lnSpc>
-              <a:spcPct val="90000"/>
-            </a:lnSpc>
-            <a:spcBef>
-              <a:spcPct val="0"/>
-            </a:spcBef>
-            <a:spcAft>
-              <a:spcPct val="35000"/>
-            </a:spcAft>
-            <a:buNone/>
-          </a:pPr>
-          <a:r>
-            <a:rPr lang="en-US" sz="1800" kern="1200" dirty="0"/>
-            <a:t>Derived Columns</a:t>
-          </a:r>
-        </a:p>
-        <a:p>
-          <a:pPr marL="114300" lvl="1" indent="-114300" algn="l" defTabSz="622300">
-            <a:lnSpc>
-              <a:spcPct val="90000"/>
-            </a:lnSpc>
-            <a:spcBef>
-              <a:spcPct val="0"/>
-            </a:spcBef>
-            <a:spcAft>
-              <a:spcPct val="15000"/>
-            </a:spcAft>
-            <a:buChar char="•"/>
-          </a:pPr>
-          <a:r>
-            <a:rPr lang="en-US" sz="1400" kern="1200" dirty="0"/>
-            <a:t>Annual Income Bin</a:t>
-          </a:r>
-        </a:p>
-        <a:p>
-          <a:pPr marL="114300" lvl="1" indent="-114300" algn="l" defTabSz="622300">
-            <a:lnSpc>
-              <a:spcPct val="90000"/>
-            </a:lnSpc>
-            <a:spcBef>
-              <a:spcPct val="0"/>
-            </a:spcBef>
-            <a:spcAft>
-              <a:spcPct val="15000"/>
-            </a:spcAft>
-            <a:buChar char="•"/>
-          </a:pPr>
-          <a:r>
-            <a:rPr lang="en-US" sz="1400" kern="1200" dirty="0"/>
-            <a:t>Loan Default</a:t>
-          </a:r>
-        </a:p>
-      </dsp:txBody>
-      <dsp:txXfrm>
-        <a:off x="4671931" y="860087"/>
-        <a:ext cx="2702779" cy="1195083"/>
-      </dsp:txXfrm>
-    </dsp:sp>
-    <dsp:sp modelId="{3A457D63-83D2-4ABC-9F16-B3ECA7C24D62}">
-      <dsp:nvSpPr>
-        <dsp:cNvPr id="0" name=""/>
-        <dsp:cNvSpPr/>
-      </dsp:nvSpPr>
-      <dsp:spPr>
-        <a:xfrm>
-          <a:off x="7514207" y="468080"/>
-          <a:ext cx="3288720" cy="1269445"/>
-        </a:xfrm>
-        <a:prstGeom prst="chevron">
-          <a:avLst>
-            <a:gd name="adj" fmla="val 40000"/>
-          </a:avLst>
-        </a:prstGeom>
-        <a:solidFill>
-          <a:schemeClr val="accent2">
-            <a:hueOff val="0"/>
-            <a:satOff val="0"/>
-            <a:lumOff val="0"/>
-            <a:alphaOff val="0"/>
-          </a:schemeClr>
-        </a:solidFill>
-        <a:ln w="12700" cap="flat" cmpd="sng" algn="ctr">
-          <a:solidFill>
-            <a:schemeClr val="lt1">
-              <a:hueOff val="0"/>
-              <a:satOff val="0"/>
-              <a:lumOff val="0"/>
-              <a:alphaOff val="0"/>
-            </a:schemeClr>
-          </a:solidFill>
-          <a:prstDash val="solid"/>
-          <a:miter lim="800000"/>
-        </a:ln>
-        <a:effectLst/>
-      </dsp:spPr>
-      <dsp:style>
-        <a:lnRef idx="2">
-          <a:scrgbClr r="0" g="0" b="0"/>
-        </a:lnRef>
-        <a:fillRef idx="1">
-          <a:scrgbClr r="0" g="0" b="0"/>
-        </a:fillRef>
-        <a:effectRef idx="0">
-          <a:scrgbClr r="0" g="0" b="0"/>
-        </a:effectRef>
-        <a:fontRef idx="minor">
-          <a:schemeClr val="lt1"/>
-        </a:fontRef>
-      </dsp:style>
-    </dsp:sp>
-    <dsp:sp modelId="{B107831F-CEBB-41D5-95CB-0396851292DD}">
-      <dsp:nvSpPr>
-        <dsp:cNvPr id="0" name=""/>
-        <dsp:cNvSpPr/>
-      </dsp:nvSpPr>
-      <dsp:spPr>
-        <a:xfrm>
-          <a:off x="8391199" y="710512"/>
-          <a:ext cx="2777141" cy="1419304"/>
-        </a:xfrm>
-        <a:prstGeom prst="roundRect">
-          <a:avLst>
-            <a:gd name="adj" fmla="val 10000"/>
-          </a:avLst>
-        </a:prstGeom>
-        <a:solidFill>
-          <a:schemeClr val="lt1">
-            <a:alpha val="90000"/>
-            <a:hueOff val="0"/>
-            <a:satOff val="0"/>
-            <a:lumOff val="0"/>
-            <a:alphaOff val="0"/>
-          </a:schemeClr>
-        </a:solidFill>
-        <a:ln w="12700" cap="flat" cmpd="sng" algn="ctr">
-          <a:solidFill>
-            <a:schemeClr val="accent2">
-              <a:hueOff val="0"/>
-              <a:satOff val="0"/>
-              <a:lumOff val="0"/>
-              <a:alphaOff val="0"/>
-            </a:schemeClr>
-          </a:solidFill>
-          <a:prstDash val="solid"/>
-          <a:miter lim="800000"/>
-        </a:ln>
-        <a:effectLst/>
-      </dsp:spPr>
-      <dsp:style>
-        <a:lnRef idx="2">
-          <a:scrgbClr r="0" g="0" b="0"/>
-        </a:lnRef>
-        <a:fillRef idx="1">
-          <a:scrgbClr r="0" g="0" b="0"/>
-        </a:fillRef>
-        <a:effectRef idx="0">
-          <a:scrgbClr r="0" g="0" b="0"/>
-        </a:effectRef>
-        <a:fontRef idx="minor"/>
-      </dsp:style>
-      <dsp:txBody>
-        <a:bodyPr spcFirstLastPara="0" vert="horz" wrap="square" lIns="113792" tIns="113792" rIns="113792" bIns="113792" numCol="1" spcCol="1270" anchor="t" anchorCtr="0">
-          <a:noAutofit/>
-        </a:bodyPr>
-        <a:lstStyle/>
-        <a:p>
-          <a:pPr marL="0" lvl="0" indent="0" algn="l" defTabSz="711200">
-            <a:lnSpc>
-              <a:spcPct val="90000"/>
-            </a:lnSpc>
-            <a:spcBef>
-              <a:spcPct val="0"/>
-            </a:spcBef>
-            <a:spcAft>
-              <a:spcPct val="35000"/>
-            </a:spcAft>
-            <a:buNone/>
-          </a:pPr>
-          <a:r>
-            <a:rPr lang="en-US" sz="1600" kern="1200" dirty="0"/>
-            <a:t>Reason</a:t>
-          </a:r>
-        </a:p>
-        <a:p>
-          <a:pPr marL="114300" lvl="1" indent="-114300" algn="l" defTabSz="533400">
-            <a:lnSpc>
-              <a:spcPct val="90000"/>
-            </a:lnSpc>
-            <a:spcBef>
-              <a:spcPct val="0"/>
-            </a:spcBef>
-            <a:spcAft>
-              <a:spcPct val="15000"/>
-            </a:spcAft>
-            <a:buChar char="•"/>
-          </a:pPr>
-          <a:r>
-            <a:rPr lang="en-US" sz="1200" kern="1200" dirty="0"/>
-            <a:t>Annual Income bins to understand patterns by specific bins</a:t>
-          </a:r>
-        </a:p>
-        <a:p>
-          <a:pPr marL="114300" lvl="1" indent="-114300" algn="l" defTabSz="533400">
-            <a:lnSpc>
-              <a:spcPct val="90000"/>
-            </a:lnSpc>
-            <a:spcBef>
-              <a:spcPct val="0"/>
-            </a:spcBef>
-            <a:spcAft>
-              <a:spcPct val="15000"/>
-            </a:spcAft>
-            <a:buChar char="•"/>
-          </a:pPr>
-          <a:r>
-            <a:rPr lang="en-US" sz="1200" kern="1200" dirty="0"/>
-            <a:t>Loan Default will have 1 for Charged Off and 0 for Fully Paid and Current. This will help in aggregating data</a:t>
-          </a:r>
-        </a:p>
-      </dsp:txBody>
-      <dsp:txXfrm>
-        <a:off x="8432769" y="752082"/>
-        <a:ext cx="2694001" cy="1336164"/>
-      </dsp:txXfrm>
-    </dsp:sp>
   </dsp:spTree>
 </dsp:drawing>
 </file>
@@ -5412,8 +4653,8 @@
       </dsp:nvSpPr>
       <dsp:spPr>
         <a:xfrm rot="5400000">
-          <a:off x="6039305" y="-2544752"/>
-          <a:ext cx="758636" cy="6041057"/>
+          <a:off x="6093742" y="-2613920"/>
+          <a:ext cx="649763" cy="6041057"/>
         </a:xfrm>
         <a:prstGeom prst="round2SameRect">
           <a:avLst/>
@@ -5457,12 +4698,12 @@
         <a:fontRef idx="minor"/>
       </dsp:style>
       <dsp:txBody>
-        <a:bodyPr spcFirstLastPara="0" vert="horz" wrap="square" lIns="38100" tIns="19050" rIns="38100" bIns="19050" numCol="1" spcCol="1270" anchor="ctr" anchorCtr="0">
+        <a:bodyPr spcFirstLastPara="0" vert="horz" wrap="square" lIns="45720" tIns="22860" rIns="45720" bIns="22860" numCol="1" spcCol="1270" anchor="ctr" anchorCtr="0">
           <a:noAutofit/>
         </a:bodyPr>
         <a:lstStyle/>
         <a:p>
-          <a:pPr marL="57150" lvl="1" indent="-57150" algn="l" defTabSz="444500">
+          <a:pPr marL="114300" lvl="1" indent="-114300" algn="l" defTabSz="533400">
             <a:lnSpc>
               <a:spcPct val="90000"/>
             </a:lnSpc>
@@ -5472,15 +4713,15 @@
             <a:spcAft>
               <a:spcPct val="15000"/>
             </a:spcAft>
-            <a:buChar char="•"/>
+            <a:buChar char="••"/>
           </a:pPr>
           <a:r>
-            <a:rPr lang="en-US" sz="1000" kern="1200" dirty="0"/>
+            <a:rPr lang="en-US" sz="1200" kern="1200" dirty="0"/>
             <a:t>Higher interest rates are having higher charged off</a:t>
           </a:r>
         </a:p>
         <a:p>
-          <a:pPr marL="57150" lvl="1" indent="-57150" algn="l" defTabSz="444500">
+          <a:pPr marL="114300" lvl="1" indent="-114300" algn="l" defTabSz="533400">
             <a:lnSpc>
               <a:spcPct val="90000"/>
             </a:lnSpc>
@@ -5490,17 +4731,17 @@
             <a:spcAft>
               <a:spcPct val="15000"/>
             </a:spcAft>
-            <a:buChar char="•"/>
+            <a:buChar char="••"/>
           </a:pPr>
           <a:r>
-            <a:rPr lang="en-US" sz="1000" kern="1200" dirty="0"/>
+            <a:rPr lang="en-US" sz="1200" kern="1200" dirty="0"/>
             <a:t>Since interest rates are derived by grades and subgrade, higher risk grades needs to be monitored for charged off</a:t>
           </a:r>
         </a:p>
       </dsp:txBody>
       <dsp:txXfrm rot="-5400000">
-        <a:off x="3398095" y="133492"/>
-        <a:ext cx="6004023" cy="684568"/>
+        <a:off x="3398096" y="113445"/>
+        <a:ext cx="6009338" cy="586325"/>
       </dsp:txXfrm>
     </dsp:sp>
     <dsp:sp modelId="{361A6850-DD8F-45ED-909A-410C98CF1104}">
@@ -5510,8 +4751,8 @@
       </dsp:nvSpPr>
       <dsp:spPr>
         <a:xfrm>
-          <a:off x="0" y="1628"/>
-          <a:ext cx="3398095" cy="948295"/>
+          <a:off x="0" y="506"/>
+          <a:ext cx="3398095" cy="812204"/>
         </a:xfrm>
         <a:prstGeom prst="roundRect">
           <a:avLst/>
@@ -5553,12 +4794,12 @@
         </a:fontRef>
       </dsp:style>
       <dsp:txBody>
-        <a:bodyPr spcFirstLastPara="0" vert="horz" wrap="square" lIns="99060" tIns="49530" rIns="99060" bIns="49530" numCol="1" spcCol="1270" anchor="ctr" anchorCtr="0">
+        <a:bodyPr spcFirstLastPara="0" vert="horz" wrap="square" lIns="87630" tIns="43815" rIns="87630" bIns="43815" numCol="1" spcCol="1270" anchor="ctr" anchorCtr="0">
           <a:noAutofit/>
         </a:bodyPr>
         <a:lstStyle/>
         <a:p>
-          <a:pPr marL="0" lvl="0" indent="0" algn="l" defTabSz="1155700">
+          <a:pPr lvl="0" algn="l" defTabSz="1022350">
             <a:lnSpc>
               <a:spcPct val="90000"/>
             </a:lnSpc>
@@ -5568,17 +4809,16 @@
             <a:spcAft>
               <a:spcPct val="35000"/>
             </a:spcAft>
-            <a:buNone/>
           </a:pPr>
           <a:r>
-            <a:rPr lang="en-US" sz="2600" kern="1200" dirty="0"/>
+            <a:rPr lang="en-US" sz="2300" kern="1200" dirty="0"/>
             <a:t>Interest Rate</a:t>
           </a:r>
         </a:p>
       </dsp:txBody>
       <dsp:txXfrm>
-        <a:off x="46292" y="47920"/>
-        <a:ext cx="3305511" cy="855711"/>
+        <a:off x="39649" y="40155"/>
+        <a:ext cx="3318797" cy="732906"/>
       </dsp:txXfrm>
     </dsp:sp>
     <dsp:sp modelId="{C5F5BA09-EE82-4C3C-ABBC-57E13534D0D4}">
@@ -5588,8 +4828,8 @@
       </dsp:nvSpPr>
       <dsp:spPr>
         <a:xfrm rot="5400000">
-          <a:off x="6039305" y="-1549041"/>
-          <a:ext cx="758636" cy="6041057"/>
+          <a:off x="6093742" y="-1761105"/>
+          <a:ext cx="649763" cy="6041057"/>
         </a:xfrm>
         <a:prstGeom prst="round2SameRect">
           <a:avLst/>
@@ -5633,12 +4873,12 @@
         <a:fontRef idx="minor"/>
       </dsp:style>
       <dsp:txBody>
-        <a:bodyPr spcFirstLastPara="0" vert="horz" wrap="square" lIns="38100" tIns="19050" rIns="38100" bIns="19050" numCol="1" spcCol="1270" anchor="ctr" anchorCtr="0">
+        <a:bodyPr spcFirstLastPara="0" vert="horz" wrap="square" lIns="45720" tIns="22860" rIns="45720" bIns="22860" numCol="1" spcCol="1270" anchor="ctr" anchorCtr="0">
           <a:noAutofit/>
         </a:bodyPr>
         <a:lstStyle/>
         <a:p>
-          <a:pPr marL="57150" lvl="1" indent="-57150" algn="l" defTabSz="444500">
+          <a:pPr marL="114300" lvl="1" indent="-114300" algn="l" defTabSz="533400">
             <a:lnSpc>
               <a:spcPct val="90000"/>
             </a:lnSpc>
@@ -5648,47 +4888,18 @@
             <a:spcAft>
               <a:spcPct val="15000"/>
             </a:spcAft>
-            <a:buChar char="•"/>
-          </a:pPr>
-          <a:endParaRPr lang="en-US" sz="1000" kern="1200" dirty="0"/>
-        </a:p>
-        <a:p>
-          <a:pPr marL="57150" lvl="1" indent="-57150" algn="l" defTabSz="444500">
-            <a:lnSpc>
-              <a:spcPct val="90000"/>
-            </a:lnSpc>
-            <a:spcBef>
-              <a:spcPct val="0"/>
-            </a:spcBef>
-            <a:spcAft>
-              <a:spcPct val="15000"/>
-            </a:spcAft>
-            <a:buChar char="•"/>
+            <a:buChar char="••"/>
           </a:pPr>
           <a:r>
-            <a:rPr lang="en-US" sz="1000" kern="1200" dirty="0"/>
+            <a:rPr lang="en-US" sz="1200" kern="1200" dirty="0" smtClean="0"/>
             <a:t>Higher the debt to income ratio there is a high risk of people defaulting on the loan</a:t>
           </a:r>
-        </a:p>
-        <a:p>
-          <a:pPr marL="57150" lvl="1" indent="-57150" algn="l" defTabSz="444500">
-            <a:lnSpc>
-              <a:spcPct val="90000"/>
-            </a:lnSpc>
-            <a:spcBef>
-              <a:spcPct val="0"/>
-            </a:spcBef>
-            <a:spcAft>
-              <a:spcPct val="15000"/>
-            </a:spcAft>
-            <a:buChar char="•"/>
-          </a:pPr>
-          <a:endParaRPr lang="en-US" sz="1000" kern="1200" dirty="0"/>
+          <a:endParaRPr lang="en-US" sz="1200" kern="1200" dirty="0"/>
         </a:p>
       </dsp:txBody>
       <dsp:txXfrm rot="-5400000">
-        <a:off x="3398095" y="1129203"/>
-        <a:ext cx="6004023" cy="684568"/>
+        <a:off x="3398096" y="966260"/>
+        <a:ext cx="6009338" cy="586325"/>
       </dsp:txXfrm>
     </dsp:sp>
     <dsp:sp modelId="{75543A78-F5F9-4A8D-9BA4-707BDC9E8C66}">
@@ -5698,8 +4909,8 @@
       </dsp:nvSpPr>
       <dsp:spPr>
         <a:xfrm>
-          <a:off x="0" y="997339"/>
-          <a:ext cx="3398095" cy="948295"/>
+          <a:off x="0" y="853321"/>
+          <a:ext cx="3398095" cy="812204"/>
         </a:xfrm>
         <a:prstGeom prst="roundRect">
           <a:avLst/>
@@ -5741,12 +4952,12 @@
         </a:fontRef>
       </dsp:style>
       <dsp:txBody>
-        <a:bodyPr spcFirstLastPara="0" vert="horz" wrap="square" lIns="99060" tIns="49530" rIns="99060" bIns="49530" numCol="1" spcCol="1270" anchor="ctr" anchorCtr="0">
+        <a:bodyPr spcFirstLastPara="0" vert="horz" wrap="square" lIns="87630" tIns="43815" rIns="87630" bIns="43815" numCol="1" spcCol="1270" anchor="ctr" anchorCtr="0">
           <a:noAutofit/>
         </a:bodyPr>
         <a:lstStyle/>
         <a:p>
-          <a:pPr marL="0" lvl="0" indent="0" algn="l" defTabSz="1155700">
+          <a:pPr lvl="0" algn="l" defTabSz="1022350">
             <a:lnSpc>
               <a:spcPct val="90000"/>
             </a:lnSpc>
@@ -5756,17 +4967,16 @@
             <a:spcAft>
               <a:spcPct val="35000"/>
             </a:spcAft>
-            <a:buNone/>
           </a:pPr>
           <a:r>
-            <a:rPr lang="en-US" sz="2600" kern="1200" dirty="0"/>
+            <a:rPr lang="en-US" sz="2300" kern="1200" dirty="0"/>
             <a:t>DTI : Debt to Income Ratio</a:t>
           </a:r>
         </a:p>
       </dsp:txBody>
       <dsp:txXfrm>
-        <a:off x="46292" y="1043631"/>
-        <a:ext cx="3305511" cy="855711"/>
+        <a:off x="39649" y="892970"/>
+        <a:ext cx="3318797" cy="732906"/>
       </dsp:txXfrm>
     </dsp:sp>
     <dsp:sp modelId="{CE312CC8-2E1F-4EE0-8687-6CA402734AA0}">
@@ -5776,8 +4986,8 @@
       </dsp:nvSpPr>
       <dsp:spPr>
         <a:xfrm rot="5400000">
-          <a:off x="6039305" y="-553331"/>
-          <a:ext cx="758636" cy="6041057"/>
+          <a:off x="6093742" y="-908290"/>
+          <a:ext cx="649763" cy="6041057"/>
         </a:xfrm>
         <a:prstGeom prst="round2SameRect">
           <a:avLst/>
@@ -5821,12 +5031,12 @@
         <a:fontRef idx="minor"/>
       </dsp:style>
       <dsp:txBody>
-        <a:bodyPr spcFirstLastPara="0" vert="horz" wrap="square" lIns="38100" tIns="19050" rIns="38100" bIns="19050" numCol="1" spcCol="1270" anchor="ctr" anchorCtr="0">
+        <a:bodyPr spcFirstLastPara="0" vert="horz" wrap="square" lIns="45720" tIns="22860" rIns="45720" bIns="22860" numCol="1" spcCol="1270" anchor="ctr" anchorCtr="0">
           <a:noAutofit/>
         </a:bodyPr>
         <a:lstStyle/>
         <a:p>
-          <a:pPr marL="57150" lvl="1" indent="-57150" algn="l" defTabSz="444500">
+          <a:pPr marL="114300" lvl="1" indent="-114300" algn="l" defTabSz="533400">
             <a:lnSpc>
               <a:spcPct val="90000"/>
             </a:lnSpc>
@@ -5836,47 +5046,18 @@
             <a:spcAft>
               <a:spcPct val="15000"/>
             </a:spcAft>
-            <a:buChar char="•"/>
-          </a:pPr>
-          <a:endParaRPr lang="en-US" sz="1000" kern="1200" dirty="0"/>
-        </a:p>
-        <a:p>
-          <a:pPr marL="57150" lvl="1" indent="-57150" algn="l" defTabSz="444500">
-            <a:lnSpc>
-              <a:spcPct val="90000"/>
-            </a:lnSpc>
-            <a:spcBef>
-              <a:spcPct val="0"/>
-            </a:spcBef>
-            <a:spcAft>
-              <a:spcPct val="15000"/>
-            </a:spcAft>
-            <a:buChar char="•"/>
+            <a:buChar char="••"/>
           </a:pPr>
           <a:r>
-            <a:rPr lang="en-US" sz="1000" kern="1200" dirty="0"/>
+            <a:rPr lang="en-US" sz="1200" kern="1200" dirty="0" smtClean="0"/>
             <a:t>Customers having higher revolving utilizations have a high risk of defaulting on the loan</a:t>
           </a:r>
-        </a:p>
-        <a:p>
-          <a:pPr marL="57150" lvl="1" indent="-57150" algn="l" defTabSz="444500">
-            <a:lnSpc>
-              <a:spcPct val="90000"/>
-            </a:lnSpc>
-            <a:spcBef>
-              <a:spcPct val="0"/>
-            </a:spcBef>
-            <a:spcAft>
-              <a:spcPct val="15000"/>
-            </a:spcAft>
-            <a:buChar char="•"/>
-          </a:pPr>
-          <a:endParaRPr lang="en-US" sz="1000" kern="1200" dirty="0"/>
+          <a:endParaRPr lang="en-US" sz="1200" kern="1200" dirty="0"/>
         </a:p>
       </dsp:txBody>
       <dsp:txXfrm rot="-5400000">
-        <a:off x="3398095" y="2124913"/>
-        <a:ext cx="6004023" cy="684568"/>
+        <a:off x="3398096" y="1819075"/>
+        <a:ext cx="6009338" cy="586325"/>
       </dsp:txXfrm>
     </dsp:sp>
     <dsp:sp modelId="{39307DE9-0198-4C5E-B84F-EC93D1A278FC}">
@@ -5886,8 +5067,8 @@
       </dsp:nvSpPr>
       <dsp:spPr>
         <a:xfrm>
-          <a:off x="0" y="1993049"/>
-          <a:ext cx="3398095" cy="948295"/>
+          <a:off x="0" y="1706136"/>
+          <a:ext cx="3398095" cy="812204"/>
         </a:xfrm>
         <a:prstGeom prst="roundRect">
           <a:avLst/>
@@ -5929,12 +5110,12 @@
         </a:fontRef>
       </dsp:style>
       <dsp:txBody>
-        <a:bodyPr spcFirstLastPara="0" vert="horz" wrap="square" lIns="99060" tIns="49530" rIns="99060" bIns="49530" numCol="1" spcCol="1270" anchor="ctr" anchorCtr="0">
+        <a:bodyPr spcFirstLastPara="0" vert="horz" wrap="square" lIns="87630" tIns="43815" rIns="87630" bIns="43815" numCol="1" spcCol="1270" anchor="ctr" anchorCtr="0">
           <a:noAutofit/>
         </a:bodyPr>
         <a:lstStyle/>
         <a:p>
-          <a:pPr marL="0" lvl="0" indent="0" algn="l" defTabSz="1155700">
+          <a:pPr lvl="0" algn="l" defTabSz="1022350">
             <a:lnSpc>
               <a:spcPct val="90000"/>
             </a:lnSpc>
@@ -5944,29 +5125,28 @@
             <a:spcAft>
               <a:spcPct val="35000"/>
             </a:spcAft>
-            <a:buNone/>
           </a:pPr>
           <a:r>
-            <a:rPr lang="en-US" sz="2600" kern="1200" dirty="0" err="1"/>
+            <a:rPr lang="en-US" sz="2300" kern="1200" dirty="0" err="1"/>
             <a:t>Revol</a:t>
           </a:r>
           <a:r>
-            <a:rPr lang="en-US" sz="2600" kern="1200" dirty="0"/>
+            <a:rPr lang="en-US" sz="2300" kern="1200" dirty="0"/>
             <a:t> </a:t>
           </a:r>
           <a:r>
-            <a:rPr lang="en-US" sz="2600" kern="1200" dirty="0" err="1"/>
+            <a:rPr lang="en-US" sz="2300" kern="1200" dirty="0" err="1"/>
             <a:t>Util</a:t>
           </a:r>
           <a:r>
-            <a:rPr lang="en-US" sz="2600" kern="1200" dirty="0"/>
+            <a:rPr lang="en-US" sz="2300" kern="1200" dirty="0"/>
             <a:t>: Revolving Utilization %</a:t>
           </a:r>
         </a:p>
       </dsp:txBody>
       <dsp:txXfrm>
-        <a:off x="46292" y="2039341"/>
-        <a:ext cx="3305511" cy="855711"/>
+        <a:off x="39649" y="1745785"/>
+        <a:ext cx="3318797" cy="732906"/>
       </dsp:txXfrm>
     </dsp:sp>
     <dsp:sp modelId="{CF0DB0B5-99DA-43B4-861B-5B75CC256AB6}">
@@ -5976,8 +5156,8 @@
       </dsp:nvSpPr>
       <dsp:spPr>
         <a:xfrm rot="5400000">
-          <a:off x="6039305" y="442379"/>
-          <a:ext cx="758636" cy="6041057"/>
+          <a:off x="6093742" y="-55475"/>
+          <a:ext cx="649763" cy="6041057"/>
         </a:xfrm>
         <a:prstGeom prst="round2SameRect">
           <a:avLst/>
@@ -6021,12 +5201,12 @@
         <a:fontRef idx="minor"/>
       </dsp:style>
       <dsp:txBody>
-        <a:bodyPr spcFirstLastPara="0" vert="horz" wrap="square" lIns="38100" tIns="19050" rIns="38100" bIns="19050" numCol="1" spcCol="1270" anchor="ctr" anchorCtr="0">
+        <a:bodyPr spcFirstLastPara="0" vert="horz" wrap="square" lIns="45720" tIns="22860" rIns="45720" bIns="22860" numCol="1" spcCol="1270" anchor="ctr" anchorCtr="0">
           <a:noAutofit/>
         </a:bodyPr>
         <a:lstStyle/>
         <a:p>
-          <a:pPr marL="57150" lvl="1" indent="-57150" algn="l" defTabSz="444500">
+          <a:pPr marL="114300" lvl="1" indent="-114300" algn="l" defTabSz="533400">
             <a:lnSpc>
               <a:spcPct val="90000"/>
             </a:lnSpc>
@@ -6036,12 +5216,16 @@
             <a:spcAft>
               <a:spcPct val="15000"/>
             </a:spcAft>
-            <a:buChar char="•"/>
+            <a:buChar char="••"/>
           </a:pPr>
-          <a:endParaRPr lang="en-US" sz="1000" kern="1200" dirty="0"/>
+          <a:r>
+            <a:rPr lang="en-US" sz="1200" kern="1200" dirty="0" smtClean="0"/>
+            <a:t>People take loan with better rate to consolidate their loans</a:t>
+          </a:r>
+          <a:endParaRPr lang="en-US" sz="1200" kern="1200" dirty="0"/>
         </a:p>
         <a:p>
-          <a:pPr marL="57150" lvl="1" indent="-57150" algn="l" defTabSz="444500">
+          <a:pPr marL="114300" lvl="1" indent="-114300" algn="l" defTabSz="533400">
             <a:lnSpc>
               <a:spcPct val="90000"/>
             </a:lnSpc>
@@ -6051,50 +5235,17 @@
             <a:spcAft>
               <a:spcPct val="15000"/>
             </a:spcAft>
-            <a:buChar char="•"/>
+            <a:buChar char="••"/>
           </a:pPr>
           <a:r>
-            <a:rPr lang="en-US" sz="1000" kern="1200" dirty="0"/>
-            <a:t>People take loan with better rate to consolidate their loans</a:t>
-          </a:r>
-        </a:p>
-        <a:p>
-          <a:pPr marL="57150" lvl="1" indent="-57150" algn="l" defTabSz="444500">
-            <a:lnSpc>
-              <a:spcPct val="90000"/>
-            </a:lnSpc>
-            <a:spcBef>
-              <a:spcPct val="0"/>
-            </a:spcBef>
-            <a:spcAft>
-              <a:spcPct val="15000"/>
-            </a:spcAft>
-            <a:buChar char="•"/>
-          </a:pPr>
-          <a:r>
-            <a:rPr lang="en-US" sz="1000" kern="1200" dirty="0"/>
+            <a:rPr lang="en-US" sz="1200" kern="1200" dirty="0"/>
             <a:t>Small business have high risk of failure, hence loan default is also quite high</a:t>
           </a:r>
         </a:p>
-        <a:p>
-          <a:pPr marL="57150" lvl="1" indent="-57150" algn="l" defTabSz="444500">
-            <a:lnSpc>
-              <a:spcPct val="90000"/>
-            </a:lnSpc>
-            <a:spcBef>
-              <a:spcPct val="0"/>
-            </a:spcBef>
-            <a:spcAft>
-              <a:spcPct val="15000"/>
-            </a:spcAft>
-            <a:buChar char="•"/>
-          </a:pPr>
-          <a:endParaRPr lang="en-US" sz="1000" kern="1200" dirty="0"/>
-        </a:p>
       </dsp:txBody>
       <dsp:txXfrm rot="-5400000">
-        <a:off x="3398095" y="3120623"/>
-        <a:ext cx="6004023" cy="684568"/>
+        <a:off x="3398096" y="2671890"/>
+        <a:ext cx="6009338" cy="586325"/>
       </dsp:txXfrm>
     </dsp:sp>
     <dsp:sp modelId="{37484C98-9704-4D2D-8256-3FFF55592DD3}">
@@ -6104,8 +5255,8 @@
       </dsp:nvSpPr>
       <dsp:spPr>
         <a:xfrm>
-          <a:off x="0" y="2988760"/>
-          <a:ext cx="3398095" cy="948295"/>
+          <a:off x="0" y="2558950"/>
+          <a:ext cx="3398095" cy="812204"/>
         </a:xfrm>
         <a:prstGeom prst="roundRect">
           <a:avLst/>
@@ -6147,12 +5298,12 @@
         </a:fontRef>
       </dsp:style>
       <dsp:txBody>
-        <a:bodyPr spcFirstLastPara="0" vert="horz" wrap="square" lIns="99060" tIns="49530" rIns="99060" bIns="49530" numCol="1" spcCol="1270" anchor="ctr" anchorCtr="0">
+        <a:bodyPr spcFirstLastPara="0" vert="horz" wrap="square" lIns="87630" tIns="43815" rIns="87630" bIns="43815" numCol="1" spcCol="1270" anchor="ctr" anchorCtr="0">
           <a:noAutofit/>
         </a:bodyPr>
         <a:lstStyle/>
         <a:p>
-          <a:pPr marL="0" lvl="0" indent="0" algn="l" defTabSz="1155700">
+          <a:pPr lvl="0" algn="l" defTabSz="1022350">
             <a:lnSpc>
               <a:spcPct val="90000"/>
             </a:lnSpc>
@@ -6162,17 +5313,16 @@
             <a:spcAft>
               <a:spcPct val="35000"/>
             </a:spcAft>
-            <a:buNone/>
           </a:pPr>
           <a:r>
-            <a:rPr lang="en-US" sz="2600" kern="1200" dirty="0"/>
+            <a:rPr lang="en-US" sz="2300" kern="1200" dirty="0"/>
             <a:t>Loan purpose</a:t>
           </a:r>
         </a:p>
       </dsp:txBody>
       <dsp:txXfrm>
-        <a:off x="46292" y="3035052"/>
-        <a:ext cx="3305511" cy="855711"/>
+        <a:off x="39649" y="2598599"/>
+        <a:ext cx="3318797" cy="732906"/>
       </dsp:txXfrm>
     </dsp:sp>
     <dsp:sp modelId="{440285CF-7915-4D19-9CDC-894F21F5CD6A}">
@@ -6182,28 +5332,32 @@
       </dsp:nvSpPr>
       <dsp:spPr>
         <a:xfrm rot="5400000">
-          <a:off x="6039305" y="1438089"/>
-          <a:ext cx="758636" cy="6041057"/>
+          <a:off x="6093742" y="797338"/>
+          <a:ext cx="649763" cy="6041057"/>
         </a:xfrm>
         <a:prstGeom prst="round2SameRect">
           <a:avLst/>
         </a:prstGeom>
         <a:solidFill>
-          <a:srgbClr val="44546A">
+          <a:schemeClr val="dk2">
+            <a:alpha val="90000"/>
+            <a:tint val="40000"/>
             <a:hueOff val="0"/>
             <a:satOff val="0"/>
             <a:lumOff val="0"/>
             <a:alphaOff val="0"/>
-          </a:srgbClr>
+          </a:schemeClr>
         </a:solidFill>
-        <a:ln w="19050" cap="flat" cmpd="sng" algn="ctr">
+        <a:ln w="12700" cap="flat" cmpd="sng" algn="ctr">
           <a:solidFill>
-            <a:srgbClr val="E7E6E6">
+            <a:schemeClr val="dk2">
+              <a:alpha val="90000"/>
+              <a:tint val="40000"/>
               <a:hueOff val="0"/>
               <a:satOff val="0"/>
               <a:lumOff val="0"/>
               <a:alphaOff val="0"/>
-            </a:srgbClr>
+            </a:schemeClr>
           </a:solidFill>
           <a:prstDash val="solid"/>
           <a:miter lim="800000"/>
@@ -6223,7 +5377,7 @@
         <a:fontRef idx="minor"/>
       </dsp:style>
       <dsp:txBody>
-        <a:bodyPr spcFirstLastPara="0" vert="horz" wrap="square" lIns="110490" tIns="55245" rIns="110490" bIns="55245" numCol="1" spcCol="1270" anchor="ctr" anchorCtr="0">
+        <a:bodyPr spcFirstLastPara="0" vert="horz" wrap="square" lIns="45720" tIns="22860" rIns="45720" bIns="22860" numCol="1" spcCol="1270" anchor="ctr" anchorCtr="0">
           <a:noAutofit/>
         </a:bodyPr>
         <a:lstStyle/>
@@ -6238,21 +5392,75 @@
             <a:spcAft>
               <a:spcPct val="35000"/>
             </a:spcAft>
-            <a:buNone/>
+            <a:buChar char="••"/>
           </a:pPr>
-          <a:endParaRPr lang="en-US" sz="2900" kern="1200" dirty="0">
-            <a:solidFill>
-              <a:prstClr val="white"/>
-            </a:solidFill>
-            <a:latin typeface="Calibri" panose="020F0502020204030204"/>
-            <a:ea typeface="+mn-ea"/>
-            <a:cs typeface="+mn-cs"/>
-          </a:endParaRPr>
+          <a:endParaRPr lang="en-US" sz="1100" kern="1200" dirty="0"/>
+        </a:p>
+        <a:p>
+          <a:pPr marL="0" lvl="0" indent="0" algn="l" defTabSz="1289050">
+            <a:lnSpc>
+              <a:spcPct val="90000"/>
+            </a:lnSpc>
+            <a:spcBef>
+              <a:spcPct val="0"/>
+            </a:spcBef>
+            <a:spcAft>
+              <a:spcPct val="35000"/>
+            </a:spcAft>
+            <a:buChar char="••"/>
+          </a:pPr>
+          <a:r>
+            <a:rPr lang="en-US" sz="1100" kern="1200" dirty="0" smtClean="0"/>
+            <a:t> Others is an undefined category, need more data to understand why it has more defaults</a:t>
+          </a:r>
+          <a:endParaRPr lang="en-US" sz="1100" kern="1200" dirty="0"/>
+        </a:p>
+        <a:p>
+          <a:pPr marL="57150" lvl="1" indent="-57150" algn="l" defTabSz="488950">
+            <a:lnSpc>
+              <a:spcPct val="90000"/>
+            </a:lnSpc>
+            <a:spcBef>
+              <a:spcPct val="0"/>
+            </a:spcBef>
+            <a:spcAft>
+              <a:spcPct val="15000"/>
+            </a:spcAft>
+            <a:buChar char="••"/>
+          </a:pPr>
+          <a:r>
+            <a:rPr lang="en-US" sz="1100" kern="1200" dirty="0" smtClean="0"/>
+            <a:t>Mortgage has lower percentage of default. Since mortgage is a major loan and any default on other loan will increase the </a:t>
+          </a:r>
+          <a:r>
+            <a:rPr lang="en-US" sz="1100" kern="1200" dirty="0" err="1" smtClean="0"/>
+            <a:t>RoI</a:t>
+          </a:r>
+          <a:r>
+            <a:rPr lang="en-US" sz="1100" kern="1200" dirty="0" smtClean="0"/>
+            <a:t> or loan category, hence Mortgage owners tends to pay back and have a less risk of defaulting</a:t>
+          </a:r>
+          <a:endParaRPr lang="en-US" sz="1100" kern="1200" dirty="0"/>
+        </a:p>
+        <a:p>
+          <a:pPr marL="57150" lvl="1" indent="-57150" algn="l" defTabSz="488950">
+            <a:lnSpc>
+              <a:spcPct val="90000"/>
+            </a:lnSpc>
+            <a:spcBef>
+              <a:spcPct val="0"/>
+            </a:spcBef>
+            <a:spcAft>
+              <a:spcPct val="15000"/>
+            </a:spcAft>
+            <a:buChar char="••"/>
+          </a:pPr>
+          <a:endParaRPr lang="en-US" sz="1100" kern="1200" dirty="0"/>
         </a:p>
       </dsp:txBody>
       <dsp:txXfrm rot="-5400000">
-        <a:off x="3398095" y="4116333"/>
-        <a:ext cx="6004023" cy="684568"/>
+        <a:off x="3398096" y="3524704"/>
+        <a:ext cx="6009338" cy="586325"/>
       </dsp:txXfrm>
     </dsp:sp>
     <dsp:sp modelId="{358D7957-496C-44C8-872C-682A572E18A6}">
@@ -6262,28 +5470,28 @@
       </dsp:nvSpPr>
       <dsp:spPr>
         <a:xfrm>
-          <a:off x="0" y="3984470"/>
-          <a:ext cx="3398095" cy="948295"/>
+          <a:off x="0" y="3411765"/>
+          <a:ext cx="3398095" cy="812204"/>
         </a:xfrm>
         <a:prstGeom prst="roundRect">
           <a:avLst/>
         </a:prstGeom>
         <a:solidFill>
-          <a:srgbClr val="44546A">
+          <a:schemeClr val="dk2">
             <a:hueOff val="0"/>
             <a:satOff val="0"/>
             <a:lumOff val="0"/>
             <a:alphaOff val="0"/>
-          </a:srgbClr>
+          </a:schemeClr>
         </a:solidFill>
         <a:ln w="19050" cap="flat" cmpd="sng" algn="ctr">
           <a:solidFill>
-            <a:srgbClr val="E7E6E6">
+            <a:schemeClr val="lt2">
               <a:hueOff val="0"/>
               <a:satOff val="0"/>
               <a:lumOff val="0"/>
               <a:alphaOff val="0"/>
-            </a:srgbClr>
+            </a:schemeClr>
           </a:solidFill>
           <a:prstDash val="solid"/>
           <a:miter lim="800000"/>
@@ -6323,52 +5531,139 @@
             <a:buNone/>
           </a:pPr>
           <a:r>
-            <a:rPr lang="en-US" sz="2900" kern="1200" dirty="0">
-              <a:solidFill>
-                <a:prstClr val="white"/>
-              </a:solidFill>
+            <a:rPr lang="en-US" sz="2900" kern="1200" smtClean="0">
               <a:latin typeface="Calibri" panose="020F0502020204030204"/>
               <a:ea typeface="+mn-ea"/>
               <a:cs typeface="+mn-cs"/>
             </a:rPr>
             <a:t>Home Ownership</a:t>
           </a:r>
+          <a:endParaRPr lang="en-US" sz="2900" kern="1200" dirty="0">
+            <a:latin typeface="Calibri" panose="020F0502020204030204"/>
+            <a:ea typeface="+mn-ea"/>
+            <a:cs typeface="+mn-cs"/>
+          </a:endParaRPr>
         </a:p>
       </dsp:txBody>
       <dsp:txXfrm>
-        <a:off x="46292" y="4030762"/>
-        <a:ext cx="3305511" cy="855711"/>
+        <a:off x="39649" y="3451414"/>
+        <a:ext cx="3318797" cy="732906"/>
       </dsp:txXfrm>
     </dsp:sp>
-    <dsp:sp modelId="{320C793C-3FF1-47F6-92D4-4D94ADF6A18E}">
+    <dsp:sp modelId="{1F9EE95F-4D26-4E84-84A8-1917B03E8DD4}">
+      <dsp:nvSpPr>
+        <dsp:cNvPr id="0" name=""/>
+        <dsp:cNvSpPr/>
+      </dsp:nvSpPr>
+      <dsp:spPr>
+        <a:xfrm rot="5400000">
+          <a:off x="6093742" y="1650153"/>
+          <a:ext cx="649763" cy="6041057"/>
+        </a:xfrm>
+        <a:prstGeom prst="round2SameRect">
+          <a:avLst/>
+        </a:prstGeom>
+        <a:solidFill>
+          <a:schemeClr val="dk2">
+            <a:alpha val="90000"/>
+            <a:tint val="40000"/>
+            <a:hueOff val="0"/>
+            <a:satOff val="0"/>
+            <a:lumOff val="0"/>
+            <a:alphaOff val="0"/>
+          </a:schemeClr>
+        </a:solidFill>
+        <a:ln w="12700" cap="flat" cmpd="sng" algn="ctr">
+          <a:solidFill>
+            <a:schemeClr val="dk2">
+              <a:alpha val="90000"/>
+              <a:tint val="40000"/>
+              <a:hueOff val="0"/>
+              <a:satOff val="0"/>
+              <a:lumOff val="0"/>
+              <a:alphaOff val="0"/>
+            </a:schemeClr>
+          </a:solidFill>
+          <a:prstDash val="solid"/>
+          <a:miter lim="800000"/>
+        </a:ln>
+        <a:effectLst/>
+      </dsp:spPr>
+      <dsp:style>
+        <a:lnRef idx="2">
+          <a:scrgbClr r="0" g="0" b="0"/>
+        </a:lnRef>
+        <a:fillRef idx="1">
+          <a:scrgbClr r="0" g="0" b="0"/>
+        </a:fillRef>
+        <a:effectRef idx="0">
+          <a:scrgbClr r="0" g="0" b="0"/>
+        </a:effectRef>
+        <a:fontRef idx="minor"/>
+      </dsp:style>
+      <dsp:txBody>
+        <a:bodyPr spcFirstLastPara="0" vert="horz" wrap="square" lIns="45720" tIns="22860" rIns="45720" bIns="22860" numCol="1" spcCol="1270" anchor="ctr" anchorCtr="0">
+          <a:noAutofit/>
+        </a:bodyPr>
+        <a:lstStyle/>
+        <a:p>
+          <a:pPr marL="0" lvl="0" indent="0" algn="l" defTabSz="1289050">
+            <a:lnSpc>
+              <a:spcPct val="90000"/>
+            </a:lnSpc>
+            <a:spcBef>
+              <a:spcPct val="0"/>
+            </a:spcBef>
+            <a:spcAft>
+              <a:spcPct val="35000"/>
+            </a:spcAft>
+            <a:buChar char="••"/>
+          </a:pPr>
+          <a:r>
+            <a:rPr lang="en-US" sz="1400" kern="1200" dirty="0" smtClean="0"/>
+            <a:t>Verification process need to be relooked into to see what are the reasons for default even after verification</a:t>
+          </a:r>
+          <a:endParaRPr lang="en-US" sz="1400" kern="1200" dirty="0">
+            <a:latin typeface="Calibri" panose="020F0502020204030204"/>
+            <a:ea typeface="+mn-ea"/>
+            <a:cs typeface="+mn-cs"/>
+          </a:endParaRPr>
+        </a:p>
+      </dsp:txBody>
+      <dsp:txXfrm rot="-5400000">
+        <a:off x="3398096" y="4377519"/>
+        <a:ext cx="6009338" cy="586325"/>
+      </dsp:txXfrm>
+    </dsp:sp>
+    <dsp:sp modelId="{8222261A-23D1-462F-9A59-2028968AE569}">
       <dsp:nvSpPr>
         <dsp:cNvPr id="0" name=""/>
         <dsp:cNvSpPr/>
       </dsp:nvSpPr>
       <dsp:spPr>
         <a:xfrm>
-          <a:off x="0" y="4980181"/>
-          <a:ext cx="3398095" cy="948295"/>
+          <a:off x="0" y="4264580"/>
+          <a:ext cx="3398095" cy="812204"/>
         </a:xfrm>
         <a:prstGeom prst="roundRect">
           <a:avLst/>
         </a:prstGeom>
         <a:solidFill>
-          <a:srgbClr val="44546A">
+          <a:schemeClr val="dk2">
             <a:hueOff val="0"/>
             <a:satOff val="0"/>
             <a:lumOff val="0"/>
             <a:alphaOff val="0"/>
-          </a:srgbClr>
+          </a:schemeClr>
         </a:solidFill>
         <a:ln w="19050" cap="flat" cmpd="sng" algn="ctr">
           <a:solidFill>
-            <a:srgbClr val="E7E6E6">
+            <a:schemeClr val="lt2">
               <a:hueOff val="0"/>
               <a:satOff val="0"/>
               <a:lumOff val="0"/>
               <a:alphaOff val="0"/>
-            </a:srgbClr>
+            </a:schemeClr>
           </a:solidFill>
           <a:prstDash val="solid"/>
           <a:miter lim="800000"/>
@@ -6408,21 +5703,199 @@
             <a:buNone/>
           </a:pPr>
           <a:r>
-            <a:rPr lang="en-US" sz="2900" kern="1200" dirty="0">
-              <a:solidFill>
-                <a:prstClr val="white"/>
-              </a:solidFill>
+            <a:rPr lang="en-US" sz="2900" kern="1200" dirty="0" smtClean="0">
               <a:latin typeface="Calibri" panose="020F0502020204030204"/>
               <a:ea typeface="+mn-ea"/>
               <a:cs typeface="+mn-cs"/>
             </a:rPr>
             <a:t>Verification Status</a:t>
           </a:r>
+          <a:endParaRPr lang="en-US" sz="2900" kern="1200" dirty="0">
+            <a:latin typeface="Calibri" panose="020F0502020204030204"/>
+            <a:ea typeface="+mn-ea"/>
+            <a:cs typeface="+mn-cs"/>
+          </a:endParaRPr>
         </a:p>
       </dsp:txBody>
       <dsp:txXfrm>
-        <a:off x="46292" y="5026473"/>
-        <a:ext cx="3305511" cy="855711"/>
+        <a:off x="39649" y="4304229"/>
+        <a:ext cx="3318797" cy="732906"/>
+      </dsp:txXfrm>
+    </dsp:sp>
+    <dsp:sp modelId="{FAD05CC2-74EF-49D9-99CF-1F485520A4F5}">
+      <dsp:nvSpPr>
+        <dsp:cNvPr id="0" name=""/>
+        <dsp:cNvSpPr/>
+      </dsp:nvSpPr>
+      <dsp:spPr>
+        <a:xfrm rot="5400000">
+          <a:off x="6093742" y="2502968"/>
+          <a:ext cx="649763" cy="6041057"/>
+        </a:xfrm>
+        <a:prstGeom prst="round2SameRect">
+          <a:avLst/>
+        </a:prstGeom>
+        <a:solidFill>
+          <a:schemeClr val="dk2">
+            <a:alpha val="90000"/>
+            <a:tint val="40000"/>
+            <a:hueOff val="0"/>
+            <a:satOff val="0"/>
+            <a:lumOff val="0"/>
+            <a:alphaOff val="0"/>
+          </a:schemeClr>
+        </a:solidFill>
+        <a:ln w="12700" cap="flat" cmpd="sng" algn="ctr">
+          <a:solidFill>
+            <a:schemeClr val="dk2">
+              <a:alpha val="90000"/>
+              <a:tint val="40000"/>
+              <a:hueOff val="0"/>
+              <a:satOff val="0"/>
+              <a:lumOff val="0"/>
+              <a:alphaOff val="0"/>
+            </a:schemeClr>
+          </a:solidFill>
+          <a:prstDash val="solid"/>
+          <a:miter lim="800000"/>
+        </a:ln>
+        <a:effectLst/>
+      </dsp:spPr>
+      <dsp:style>
+        <a:lnRef idx="2">
+          <a:scrgbClr r="0" g="0" b="0"/>
+        </a:lnRef>
+        <a:fillRef idx="1">
+          <a:scrgbClr r="0" g="0" b="0"/>
+        </a:fillRef>
+        <a:effectRef idx="0">
+          <a:scrgbClr r="0" g="0" b="0"/>
+        </a:effectRef>
+        <a:fontRef idx="minor"/>
+      </dsp:style>
+      <dsp:txBody>
+        <a:bodyPr spcFirstLastPara="0" vert="horz" wrap="square" lIns="45720" tIns="22860" rIns="45720" bIns="22860" numCol="1" spcCol="1270" anchor="ctr" anchorCtr="0">
+          <a:noAutofit/>
+        </a:bodyPr>
+        <a:lstStyle/>
+        <a:p>
+          <a:pPr marL="0" lvl="0" indent="0" algn="l" defTabSz="1289050">
+            <a:lnSpc>
+              <a:spcPct val="90000"/>
+            </a:lnSpc>
+            <a:spcBef>
+              <a:spcPct val="0"/>
+            </a:spcBef>
+            <a:spcAft>
+              <a:spcPct val="35000"/>
+            </a:spcAft>
+            <a:buChar char="••"/>
+          </a:pPr>
+          <a:r>
+            <a:rPr lang="en-US" sz="1400" kern="1200" dirty="0" smtClean="0">
+              <a:latin typeface="Calibri" panose="020F0502020204030204"/>
+              <a:ea typeface="+mn-ea"/>
+              <a:cs typeface="+mn-cs"/>
+            </a:rPr>
+            <a:t>People with higher annual income have lesser default rate</a:t>
+          </a:r>
+          <a:endParaRPr lang="en-US" sz="1400" kern="1200" dirty="0">
+            <a:latin typeface="Calibri" panose="020F0502020204030204"/>
+            <a:ea typeface="+mn-ea"/>
+            <a:cs typeface="+mn-cs"/>
+          </a:endParaRPr>
+        </a:p>
+      </dsp:txBody>
+      <dsp:txXfrm rot="-5400000">
+        <a:off x="3398096" y="5230334"/>
+        <a:ext cx="6009338" cy="586325"/>
+      </dsp:txXfrm>
+    </dsp:sp>
+    <dsp:sp modelId="{37C68598-FAA9-4822-9062-2FD904289EF7}">
+      <dsp:nvSpPr>
+        <dsp:cNvPr id="0" name=""/>
+        <dsp:cNvSpPr/>
+      </dsp:nvSpPr>
+      <dsp:spPr>
+        <a:xfrm>
+          <a:off x="0" y="5117394"/>
+          <a:ext cx="3398095" cy="812204"/>
+        </a:xfrm>
+        <a:prstGeom prst="roundRect">
+          <a:avLst/>
+        </a:prstGeom>
+        <a:solidFill>
+          <a:schemeClr val="dk2">
+            <a:hueOff val="0"/>
+            <a:satOff val="0"/>
+            <a:lumOff val="0"/>
+            <a:alphaOff val="0"/>
+          </a:schemeClr>
+        </a:solidFill>
+        <a:ln w="19050" cap="flat" cmpd="sng" algn="ctr">
+          <a:solidFill>
+            <a:schemeClr val="lt2">
+              <a:hueOff val="0"/>
+              <a:satOff val="0"/>
+              <a:lumOff val="0"/>
+              <a:alphaOff val="0"/>
+            </a:schemeClr>
+          </a:solidFill>
+          <a:prstDash val="solid"/>
+          <a:miter lim="800000"/>
+        </a:ln>
+        <a:effectLst/>
+      </dsp:spPr>
+      <dsp:style>
+        <a:lnRef idx="3">
+          <a:scrgbClr r="0" g="0" b="0"/>
+        </a:lnRef>
+        <a:fillRef idx="1">
+          <a:scrgbClr r="0" g="0" b="0"/>
+        </a:fillRef>
+        <a:effectRef idx="1">
+          <a:scrgbClr r="0" g="0" b="0"/>
+        </a:effectRef>
+        <a:fontRef idx="minor">
+          <a:schemeClr val="lt1"/>
+        </a:fontRef>
+      </dsp:style>
+      <dsp:txBody>
+        <a:bodyPr spcFirstLastPara="0" vert="horz" wrap="square" lIns="110490" tIns="55245" rIns="110490" bIns="55245" numCol="1" spcCol="1270" anchor="ctr" anchorCtr="0">
+          <a:noAutofit/>
+        </a:bodyPr>
+        <a:lstStyle/>
+        <a:p>
+          <a:pPr marL="0" lvl="0" indent="0" algn="l" defTabSz="1289050">
+            <a:lnSpc>
+              <a:spcPct val="90000"/>
+            </a:lnSpc>
+            <a:spcBef>
+              <a:spcPct val="0"/>
+            </a:spcBef>
+            <a:spcAft>
+              <a:spcPct val="35000"/>
+            </a:spcAft>
+            <a:buNone/>
+          </a:pPr>
+          <a:r>
+            <a:rPr lang="en-US" sz="2900" kern="1200" dirty="0" smtClean="0">
+              <a:latin typeface="Calibri" panose="020F0502020204030204"/>
+              <a:ea typeface="+mn-ea"/>
+              <a:cs typeface="+mn-cs"/>
+            </a:rPr>
+            <a:t>Annual Income</a:t>
+          </a:r>
+          <a:endParaRPr lang="en-US" sz="2900" kern="1200" dirty="0">
+            <a:latin typeface="Calibri" panose="020F0502020204030204"/>
+            <a:ea typeface="+mn-ea"/>
+            <a:cs typeface="+mn-cs"/>
+          </a:endParaRPr>
+        </a:p>
+      </dsp:txBody>
+      <dsp:txXfrm>
+        <a:off x="39649" y="5157043"/>
+        <a:ext cx="3318797" cy="732906"/>
       </dsp:txXfrm>
     </dsp:sp>
   </dsp:spTree>
@@ -10607,6 +10080,180 @@
 </p:notes>
 </file>
 
+<file path=ppt/notesSlides/notesSlide3.xml><?xml version="1.0" encoding="utf-8"?>
+<p:notes xmlns:a="http://schemas.openxmlformats.org/drawingml/2006/main" xmlns:r="http://schemas.openxmlformats.org/officeDocument/2006/relationships" xmlns:p="http://schemas.openxmlformats.org/presentationml/2006/main">
+  <p:cSld>
+    <p:spTree>
+      <p:nvGrpSpPr>
+        <p:cNvPr id="1" name=""/>
+        <p:cNvGrpSpPr/>
+        <p:nvPr/>
+      </p:nvGrpSpPr>
+      <p:grpSpPr>
+        <a:xfrm>
+          <a:off x="0" y="0"/>
+          <a:ext cx="0" cy="0"/>
+          <a:chOff x="0" y="0"/>
+          <a:chExt cx="0" cy="0"/>
+        </a:xfrm>
+      </p:grpSpPr>
+      <p:sp>
+        <p:nvSpPr>
+          <p:cNvPr id="2" name="Slide Image Placeholder 1"/>
+          <p:cNvSpPr>
+            <a:spLocks noGrp="1" noRot="1" noChangeAspect="1"/>
+          </p:cNvSpPr>
+          <p:nvPr>
+            <p:ph type="sldImg"/>
+          </p:nvPr>
+        </p:nvSpPr>
+        <p:spPr/>
+      </p:sp>
+      <p:sp>
+        <p:nvSpPr>
+          <p:cNvPr id="3" name="Notes Placeholder 2"/>
+          <p:cNvSpPr>
+            <a:spLocks noGrp="1"/>
+          </p:cNvSpPr>
+          <p:nvPr>
+            <p:ph type="body" idx="1"/>
+          </p:nvPr>
+        </p:nvSpPr>
+        <p:spPr/>
+        <p:txBody>
+          <a:bodyPr/>
+          <a:lstStyle/>
+          <a:p>
+            <a:r>
+              <a:rPr lang="en-US" dirty="0"/>
+              <a:t>Change the title</a:t>
+            </a:r>
+          </a:p>
+        </p:txBody>
+      </p:sp>
+      <p:sp>
+        <p:nvSpPr>
+          <p:cNvPr id="4" name="Slide Number Placeholder 3"/>
+          <p:cNvSpPr>
+            <a:spLocks noGrp="1"/>
+          </p:cNvSpPr>
+          <p:nvPr>
+            <p:ph type="sldNum" sz="quarter" idx="5"/>
+          </p:nvPr>
+        </p:nvSpPr>
+        <p:spPr/>
+        <p:txBody>
+          <a:bodyPr/>
+          <a:lstStyle/>
+          <a:p>
+            <a:fld id="{5354517F-9C19-4E9A-AB98-AA89BD9F1D1D}" type="slidenum">
+              <a:rPr lang="en-IN" smtClean="0"/>
+              <a:t>15</a:t>
+            </a:fld>
+            <a:endParaRPr lang="en-IN"/>
+          </a:p>
+        </p:txBody>
+      </p:sp>
+    </p:spTree>
+    <p:extLst>
+      <p:ext uri="{BB962C8B-B14F-4D97-AF65-F5344CB8AC3E}">
+        <p14:creationId xmlns:p14="http://schemas.microsoft.com/office/powerpoint/2010/main" val="2684921312"/>
+      </p:ext>
+    </p:extLst>
+  </p:cSld>
+  <p:clrMapOvr>
+    <a:masterClrMapping/>
+  </p:clrMapOvr>
+</p:notes>
+</file>
+
+<file path=ppt/notesSlides/notesSlide4.xml><?xml version="1.0" encoding="utf-8"?>
+<p:notes xmlns:a="http://schemas.openxmlformats.org/drawingml/2006/main" xmlns:r="http://schemas.openxmlformats.org/officeDocument/2006/relationships" xmlns:p="http://schemas.openxmlformats.org/presentationml/2006/main">
+  <p:cSld>
+    <p:spTree>
+      <p:nvGrpSpPr>
+        <p:cNvPr id="1" name=""/>
+        <p:cNvGrpSpPr/>
+        <p:nvPr/>
+      </p:nvGrpSpPr>
+      <p:grpSpPr>
+        <a:xfrm>
+          <a:off x="0" y="0"/>
+          <a:ext cx="0" cy="0"/>
+          <a:chOff x="0" y="0"/>
+          <a:chExt cx="0" cy="0"/>
+        </a:xfrm>
+      </p:grpSpPr>
+      <p:sp>
+        <p:nvSpPr>
+          <p:cNvPr id="2" name="Slide Image Placeholder 1"/>
+          <p:cNvSpPr>
+            <a:spLocks noGrp="1" noRot="1" noChangeAspect="1"/>
+          </p:cNvSpPr>
+          <p:nvPr>
+            <p:ph type="sldImg"/>
+          </p:nvPr>
+        </p:nvSpPr>
+        <p:spPr/>
+      </p:sp>
+      <p:sp>
+        <p:nvSpPr>
+          <p:cNvPr id="3" name="Notes Placeholder 2"/>
+          <p:cNvSpPr>
+            <a:spLocks noGrp="1"/>
+          </p:cNvSpPr>
+          <p:nvPr>
+            <p:ph type="body" idx="1"/>
+          </p:nvPr>
+        </p:nvSpPr>
+        <p:spPr/>
+        <p:txBody>
+          <a:bodyPr/>
+          <a:lstStyle/>
+          <a:p>
+            <a:r>
+              <a:rPr lang="en-US" dirty="0"/>
+              <a:t>Change the title</a:t>
+            </a:r>
+          </a:p>
+        </p:txBody>
+      </p:sp>
+      <p:sp>
+        <p:nvSpPr>
+          <p:cNvPr id="4" name="Slide Number Placeholder 3"/>
+          <p:cNvSpPr>
+            <a:spLocks noGrp="1"/>
+          </p:cNvSpPr>
+          <p:nvPr>
+            <p:ph type="sldNum" sz="quarter" idx="5"/>
+          </p:nvPr>
+        </p:nvSpPr>
+        <p:spPr/>
+        <p:txBody>
+          <a:bodyPr/>
+          <a:lstStyle/>
+          <a:p>
+            <a:fld id="{5354517F-9C19-4E9A-AB98-AA89BD9F1D1D}" type="slidenum">
+              <a:rPr lang="en-IN" smtClean="0"/>
+              <a:t>16</a:t>
+            </a:fld>
+            <a:endParaRPr lang="en-IN"/>
+          </a:p>
+        </p:txBody>
+      </p:sp>
+    </p:spTree>
+    <p:extLst>
+      <p:ext uri="{BB962C8B-B14F-4D97-AF65-F5344CB8AC3E}">
+        <p14:creationId xmlns:p14="http://schemas.microsoft.com/office/powerpoint/2010/main" val="2457877759"/>
+      </p:ext>
+    </p:extLst>
+  </p:cSld>
+  <p:clrMapOvr>
+    <a:masterClrMapping/>
+  </p:clrMapOvr>
+</p:notes>
+</file>
+
 <file path=ppt/slideLayouts/slideLayout1.xml><?xml version="1.0" encoding="utf-8"?>
 <p:sldLayout xmlns:a="http://schemas.openxmlformats.org/drawingml/2006/main" xmlns:r="http://schemas.openxmlformats.org/officeDocument/2006/relationships" xmlns:p="http://schemas.openxmlformats.org/presentationml/2006/main" type="title" preserve="1">
   <p:cSld name="Title Slide">
@@ -13901,6 +13548,13 @@
   <p:clrMapOvr>
     <a:masterClrMapping/>
   </p:clrMapOvr>
+  <p:timing>
+    <p:tnLst>
+      <p:par>
+        <p:cTn id="1" dur="indefinite" restart="never" nodeType="tmRoot"/>
+      </p:par>
+    </p:tnLst>
+  </p:timing>
 </p:sld>
 </file>
 
@@ -13926,7 +13580,7 @@
           <p:cNvPr id="6" name="Title 1">
             <a:extLst>
               <a:ext uri="{FF2B5EF4-FFF2-40B4-BE49-F238E27FC236}">
-                <a16:creationId xmlns:a16="http://schemas.microsoft.com/office/drawing/2014/main" id="{C9ED24FB-F1DF-43A2-A28A-E1B9714DF31A}"/>
+                <a16:creationId xmlns="" xmlns:a16="http://schemas.microsoft.com/office/drawing/2014/main" id="{C9ED24FB-F1DF-43A2-A28A-E1B9714DF31A}"/>
               </a:ext>
             </a:extLst>
           </p:cNvPr>
@@ -14153,7 +13807,7 @@
           <p:cNvPr id="6" name="Title 1">
             <a:extLst>
               <a:ext uri="{FF2B5EF4-FFF2-40B4-BE49-F238E27FC236}">
-                <a16:creationId xmlns:a16="http://schemas.microsoft.com/office/drawing/2014/main" id="{C9ED24FB-F1DF-43A2-A28A-E1B9714DF31A}"/>
+                <a16:creationId xmlns="" xmlns:a16="http://schemas.microsoft.com/office/drawing/2014/main" id="{C9ED24FB-F1DF-43A2-A28A-E1B9714DF31A}"/>
               </a:ext>
             </a:extLst>
           </p:cNvPr>
@@ -14396,7 +14050,7 @@
           <p:cNvPr id="6" name="Title 1">
             <a:extLst>
               <a:ext uri="{FF2B5EF4-FFF2-40B4-BE49-F238E27FC236}">
-                <a16:creationId xmlns:a16="http://schemas.microsoft.com/office/drawing/2014/main" id="{C9ED24FB-F1DF-43A2-A28A-E1B9714DF31A}"/>
+                <a16:creationId xmlns="" xmlns:a16="http://schemas.microsoft.com/office/drawing/2014/main" id="{C9ED24FB-F1DF-43A2-A28A-E1B9714DF31A}"/>
               </a:ext>
             </a:extLst>
           </p:cNvPr>
@@ -14668,7 +14322,7 @@
           <p:cNvPr id="6" name="Title 1">
             <a:extLst>
               <a:ext uri="{FF2B5EF4-FFF2-40B4-BE49-F238E27FC236}">
-                <a16:creationId xmlns:a16="http://schemas.microsoft.com/office/drawing/2014/main" id="{C9ED24FB-F1DF-43A2-A28A-E1B9714DF31A}"/>
+                <a16:creationId xmlns="" xmlns:a16="http://schemas.microsoft.com/office/drawing/2014/main" id="{C9ED24FB-F1DF-43A2-A28A-E1B9714DF31A}"/>
               </a:ext>
             </a:extLst>
           </p:cNvPr>
@@ -14822,12 +14476,12 @@
               <a:t> or loan </a:t>
             </a:r>
             <a:r>
-              <a:rPr lang="en-US" sz="1400" dirty="0" err="1"/>
-              <a:t>categrory</a:t>
+              <a:rPr lang="en-US" sz="1400" dirty="0" smtClean="0"/>
+              <a:t>category, </a:t>
             </a:r>
             <a:r>
               <a:rPr lang="en-US" sz="1400" dirty="0"/>
-              <a:t>, hence Mortgage owners tends to pay back and have a less risk of defaulting</a:t>
+              <a:t>hence Mortgage owners tends to pay back and have a less risk of defaulting</a:t>
             </a:r>
           </a:p>
         </p:txBody>
@@ -14905,6 +14559,13 @@
   <p:clrMapOvr>
     <a:masterClrMapping/>
   </p:clrMapOvr>
+  <p:timing>
+    <p:tnLst>
+      <p:par>
+        <p:cTn id="1" dur="indefinite" restart="never" nodeType="tmRoot"/>
+      </p:par>
+    </p:tnLst>
+  </p:timing>
 </p:sld>
 </file>
 
@@ -14930,7 +14591,7 @@
           <p:cNvPr id="6" name="Title 1">
             <a:extLst>
               <a:ext uri="{FF2B5EF4-FFF2-40B4-BE49-F238E27FC236}">
-                <a16:creationId xmlns:a16="http://schemas.microsoft.com/office/drawing/2014/main" id="{C9ED24FB-F1DF-43A2-A28A-E1B9714DF31A}"/>
+                <a16:creationId xmlns="" xmlns:a16="http://schemas.microsoft.com/office/drawing/2014/main" id="{C9ED24FB-F1DF-43A2-A28A-E1B9714DF31A}"/>
               </a:ext>
             </a:extLst>
           </p:cNvPr>
@@ -15164,6 +14825,13 @@
   <p:clrMapOvr>
     <a:masterClrMapping/>
   </p:clrMapOvr>
+  <p:timing>
+    <p:tnLst>
+      <p:par>
+        <p:cTn id="1" dur="indefinite" restart="never" nodeType="tmRoot"/>
+      </p:par>
+    </p:tnLst>
+  </p:timing>
 </p:sld>
 </file>
 
@@ -15189,7 +14857,493 @@
           <p:cNvPr id="6" name="Title 1">
             <a:extLst>
               <a:ext uri="{FF2B5EF4-FFF2-40B4-BE49-F238E27FC236}">
-                <a16:creationId xmlns:a16="http://schemas.microsoft.com/office/drawing/2014/main" id="{C9ED24FB-F1DF-43A2-A28A-E1B9714DF31A}"/>
+                <a16:creationId xmlns="" xmlns:a16="http://schemas.microsoft.com/office/drawing/2014/main" id="{C9ED24FB-F1DF-43A2-A28A-E1B9714DF31A}"/>
+              </a:ext>
+            </a:extLst>
+          </p:cNvPr>
+          <p:cNvSpPr>
+            <a:spLocks noGrp="1"/>
+          </p:cNvSpPr>
+          <p:nvPr>
+            <p:ph type="title"/>
+          </p:nvPr>
+        </p:nvSpPr>
+        <p:spPr>
+          <a:xfrm>
+            <a:off x="404949" y="800336"/>
+            <a:ext cx="11168742" cy="856138"/>
+          </a:xfrm>
+        </p:spPr>
+        <p:txBody>
+          <a:bodyPr>
+            <a:normAutofit/>
+          </a:bodyPr>
+          <a:lstStyle/>
+          <a:p>
+            <a:r>
+              <a:rPr lang="en-IN" sz="3600" b="1" dirty="0" smtClean="0"/>
+              <a:t>Annual income impact</a:t>
+            </a:r>
+            <a:endParaRPr lang="en-IN" sz="3600" b="1" dirty="0"/>
+          </a:p>
+        </p:txBody>
+      </p:sp>
+      <p:sp>
+        <p:nvSpPr>
+          <p:cNvPr id="9" name="TextBox 8"/>
+          <p:cNvSpPr txBox="1"/>
+          <p:nvPr/>
+        </p:nvSpPr>
+        <p:spPr>
+          <a:xfrm>
+            <a:off x="8091377" y="1562986"/>
+            <a:ext cx="3949995" cy="2031325"/>
+          </a:xfrm>
+          <a:prstGeom prst="rect">
+            <a:avLst/>
+          </a:prstGeom>
+          <a:noFill/>
+        </p:spPr>
+        <p:txBody>
+          <a:bodyPr wrap="square" rtlCol="0">
+            <a:spAutoFit/>
+          </a:bodyPr>
+          <a:lstStyle/>
+          <a:p>
+            <a:pPr>
+              <a:lnSpc>
+                <a:spcPct val="150000"/>
+              </a:lnSpc>
+            </a:pPr>
+            <a:r>
+              <a:rPr lang="en-US" sz="1400" b="1" u="sng" dirty="0"/>
+              <a:t>Observations:</a:t>
+            </a:r>
+            <a:r>
+              <a:rPr lang="en-US" sz="1400" dirty="0"/>
+              <a:t> </a:t>
+            </a:r>
+          </a:p>
+          <a:p>
+            <a:pPr marL="285750" indent="-285750">
+              <a:lnSpc>
+                <a:spcPct val="150000"/>
+              </a:lnSpc>
+              <a:buFont typeface="Wingdings" panose="05000000000000000000" pitchFamily="2" charset="2"/>
+              <a:buChar char="Ø"/>
+            </a:pPr>
+            <a:r>
+              <a:rPr lang="en-US" sz="1400" dirty="0" smtClean="0"/>
+              <a:t>Higher the income rate lower the chance of default</a:t>
+            </a:r>
+            <a:endParaRPr lang="en-US" sz="1400" dirty="0"/>
+          </a:p>
+          <a:p>
+            <a:pPr>
+              <a:lnSpc>
+                <a:spcPct val="150000"/>
+              </a:lnSpc>
+            </a:pPr>
+            <a:r>
+              <a:rPr lang="en-US" sz="1400" b="1" u="sng" dirty="0"/>
+              <a:t>Inferences:</a:t>
+            </a:r>
+            <a:r>
+              <a:rPr lang="en-US" sz="1400" dirty="0"/>
+              <a:t> </a:t>
+            </a:r>
+          </a:p>
+          <a:p>
+            <a:pPr marL="285750" indent="-285750">
+              <a:lnSpc>
+                <a:spcPct val="150000"/>
+              </a:lnSpc>
+              <a:buFont typeface="Wingdings" panose="05000000000000000000" pitchFamily="2" charset="2"/>
+              <a:buChar char="Ø"/>
+            </a:pPr>
+            <a:r>
+              <a:rPr lang="en-US" sz="1400" dirty="0" smtClean="0"/>
+              <a:t>People on higher income bracket tends to default less</a:t>
+            </a:r>
+            <a:endParaRPr lang="en-US" sz="1400" dirty="0"/>
+          </a:p>
+        </p:txBody>
+      </p:sp>
+      <p:sp>
+        <p:nvSpPr>
+          <p:cNvPr id="3" name="AutoShape 2" descr="data:image/png;base64,iVBORw0KGgoAAAANSUhEUgAAA20AAAITCAYAAACUrfTPAAAABHNCSVQICAgIfAhkiAAAAAlwSFlzAAALEgAACxIB0t1+/AAAADl0RVh0U29mdHdhcmUAbWF0cGxvdGxpYiB2ZXJzaW9uIDIuMi4zLCBodHRwOi8vbWF0cGxvdGxpYi5vcmcvIxREBQAAIABJREFUeJzs3XmcVNWZ//HPA42AzQ4uCCigKLJ0NYgbAsriFnGNSTT6C5j8JBod/ZmJUScZyWCcOGo0Y+ISEtdMIlHighE1VSyKogho2+wCQhBBZVHAZm36+f1xbzkFdDfdTVXd6q7v+/Wq1+0699x7n6r2hTycc55j7o6IiIiIiIjkpkZRByAiIiIiIiJVU9ImIiIiIiKSw5S0iYiIiIiI5DAlbSIiIiIiIjlMSZuIiIiIiEgOU9ImIiIiIiKSw5S0iYhIzjOzX5rZejP7NA33cjM7JlP9RURE0k1Jm4hIA2ZmK81sRMQxuJmVmdlXZrbBzKaY2XdqcX0X4F+BXu5+eJpje8LMfpnOe1bzrNFmtjv8HjabWYmZjczGs0VEpH5T0iYiItkQc/cWwHHAE8DvzGxsDa89Ctjg7p9nKrgsejv8HtoAjwLPmFm72t7EzBqnPTIREclZStpERPKUmV1tZsvMbKOZTTKzI1LO/beZfRyOCM01s8Ep535hZs+Y2VNmtsXMFpjZgJo8093Xu/ufgGuB28ysfXjP1mb2qJmtNbNPwumQjcNRwjhwRDhC9UTY/1kz+9TMNpnZG2bWOyW+6Wb2f1PejzazNyv5/GOAK4Cfhvd+qZrQv2FmH4VTNO8xs0Zm1jT87vqm3PNQM9tmZofs53uoAB4DmgPdK4sxdVpmOCL4sJlNNrMyYGjY9oiZxcPfw+tmdlTK9QPNbHb4Hc02s4F7fScfhdetMLMrUs5938wWmdkXZvZa6j1FRCQaStpERPKQmQ0DfgV8G+gI/BOYkNJlNlAMtAP+AjxrZs1Szl8Q9m8DTAJ+V8sQXgQKgJPC908C5cAxQD/gLOD/unsCOBdY4+4t3H102P8VoAdwKPAe8OdaPh93Hx9ed3d47/Or6X4xMADoD1wIfN/ddxB8B1em9LscSLj7uuqebWYFwP8FvgKW1jDk7wJ3Ai2BZIJ3BXAH0AEoCT8P4ejdy8ADQHvgPuBlM2tvZoVh+7nu3hIYGF6LmV0E/BtwCXAIMAN4uobxiYhIhihpExHJT1cAj7n7e2HycRtwqpl1BXD3/3H3De5e7u6/BpoSTG1MetPdJ7v7buBPQKw2D3f3XcB6oJ2ZHUaQmP0/dy8Lp0HeD1xWzfWPufuWMPZfADEza12bGGrpv9x9o7uvAn5DkJxBkGx+18yS/z/9PwTfR1VOMbMvgU/De1zs7ptqGMOL7v6Wu1e4+/aw7WV3fyP8Hn5G8DvsApwHLHX3P4W/w6eBxUAyMa0A+phZc3df6+4LwvYfAr9y90XuXg78J1Cs0TYRkWgpaRMRyU9HEIyuAeDuXwEbgE4AZvav4RS5TWGS0ZpgNCcptYrjVqBZOHpUI2bWhGAkZyPBmrUmwFoz+zJ83u8JRtEqu7axmd1lZsvNbDOwMjzVobL+afJxys//JPj+cPdZQBlwupn1JBgpnFTNfd5x9zbu3sHdTwlHEusSwz5t4e9wYxjbHr/flLg7uXsZ8B3gGoLv/OUwdgh+F/+d8nvYCBjhfxciIhINJW0iIvlpDcFf0AEIp8y1Bz4J16/dQjB1sq27twE2EfzlPV0uJJgO+S5B4rED6BAmNG3cvZW7967i2u+G148gSCa7Jj9GeCwDDk7pX13FSa9hvF1Sfj6S4PtLepJgiuT/ASamjILVxh4xm1llMVcW69dxmVkLgumsa9jr95sS9ycA7v6au59JMDV2MfCHsM/HwA9Tfg9t3L25u8+sw2cSEZE0UdImItLwNTGzZimvAoJ1aleZWbGZNSWYBjfL3VcSrJkqB9YBBWZ2O9AqHYGYWbuw6MWDBFMON7j7WuAfwK/NrFVY5ONoMzu9itu0JEjyNhAkOv+51/kS4BIzOzgs5PGDakL6DOheg9BvNrO24dTDG4G/ppz7E8GatyuBp2pwr8p8APQOfx/NCKZ81sQ3zGyQmR1EsLZtlrt/DEwGjjWz75pZgQVbLPQC/m5mh5nZBWGivoNgXd3u8H6PEBSI6Q1fF4j5Vh0/k4iIpImSNhGRhm8ysC3l9Qt3nwL8O/A3YC1wNP+7huw1gkIfHxJMqdtO5VPzauMDM/sKWEZQgOMmd7895fz3gIOAhcAXwESCUaDKPBXG9UnY/529zt8P7CRIyJ6k+iIljwK9wumAL1TT70VgLkFC+HJ4HQDuvpqgGIoTFO6oNXf/EBgHJAgKk+xT7bIKfwHGEkxjPIFgrSLuvgEYSbC/3Qbgp8BId19P8P/+fyUYjdsInA78KLzueeC/gAnh1NP5BOsNRUQkQuZe05khIiIiUhkze4ygwuXPs/jMJ4DV2XymiIhEo8aLxkVERGRfYcXNSwi2KhAREUk7TY8UERGpIzO7g2AK4T3uviLqeEREpGHKWNJmZo+Z2edmNn+v9n8xsyVmtsDM7k5pv83MloXnzk5pPydsW2Zmt6a0dzOzWWa21Mz+Gi7CFhERyRp3//dwY+47I3j2aE2NFBHJD5kcaXsCOCe1wcyGEpRpLgpLOd8btvciWADfO7zmoXAfnsYEFcbOJah6dXnYF4KF0ve7ew+CRevVVQcTERERERGplzK2ps3d3wjn+ae6FrjL3XeEfT4P2y8EJoTtK8xsGXBSeG6Zu38EYGYTgAvNbBEwjGCvHgiqg/0CeHh/cTVq1MibN29e148lIiIiIiIN3NatW93dc2YpWbYLkRwLDDazOwlKSP/E3WcDndizZPPqsA32LDO9GjiZYAPYL929vJL+1WrevDllZWV1/wQiIiIiItKgmdm2qGNIle2krQBoC5wCnAg8Y2bdAaukr1P59E2vpn+lzGwMMAbgoIO09E1EREREROqPbCdtq4HnPNgc7l0zqwA6hO1dUvp1Jtj0kyra1wNtzKwgHG1L7b8Pdx8PjAcoLCzUxnQiIiIiIlJvZHue5gsEa9Ews2OBgwgSsEnAZWbW1My6AT2Ad4HZQI+wUuRBBMVKJoVJ3zTg0vC+o4AXs/pJREREREREsiBjI21m9jRwBtDBzFYDY4HHgMfCbQB2AqPCBGyBmT0DLATKgevcfXd4n+uB14DGwGPuviB8xC3ABDP7JfA+8GimPouIiIiISF3s2rWL1atXs3379qhDkUo0a9aMzp0706RJk6hDqZYFOVP+KCwsdBUiEREREZFsWLFiBS1btqR9+/aYVVaWQaLi7mzYsIEtW7bQrVu3Pc6Z2VZ3L4wotH3kTBlLEREREZGGZvv27UrYcpSZ0b59+3oxCqqkTUREREQkg5Sw5a768rtR0iYiIiIiIpLDlLSJiIiIiAi/+c1v2Lp1a9r6SfooaRMRERERESVtOUxJm4iIiIhInikrK+O8884jFovRp08f/uM//oM1a9YwdOhQhg4dCsC1117LgAED6N27N2PHjgXggQce2KdfixYtvr7vxIkTGT16NADPPvssffr0IRaLMWTIkOx+wAYmY/u0iYiIiIhIbnr11Vc54ogjePnllwHYtGkTjz/+ONOmTaNDhw4A3HnnnbRr147du3czfPhwSktLueGGG7jvvvv26FeVcePG8dprr9GpUye+/PLLjH+mhkwjbSIiIiIieaZv374kEgluueUWZsyYQevWrffp88wzz9C/f3/69evHggULWLhwYa2ecdpppzF69Gj+8Ic/sHv37nSFnpc00iYiIiIikmeOPfZY5s6dy+TJk7nttts466yz9ji/YsUK7r33XmbPnk3btm0ZPXp0lfuZpZbNT+3zyCOPMGvWLF5++WWKi4spKSmhffv2mflADZxG2kREREQk92zZAjt2RB1Fg7VmzRoOPvhgrrzySn7yk5/w3nvv0bJlS7Zs2QLA5s2bKSwspHXr1nz22We88sorX1+b2g/gsMMOY9GiRVRUVPD8889/3b58+XJOPvlkxo0bR4cOHfj444+z9wEbGI20iYiIiEhucYeTT4bhw+G3v406mgZp3rx53HzzzTRq1IgmTZrw8MMP8/bbb3PuuefSsWNHpk2bRr9+/ejduzfdu3fntNNO+/raMWPG7NHvrrvuYuTIkXTp0oU+ffrw1VdfAXDzzTezdOlS3J3hw4cTi8Wi+rj1nrl71DFkVWFhoZeVlUUdhuShVeP6pvV+R94+L633ExERyRlLl8Kxx0IsBiUlUUdzQBYtWsTxxx8fdRhSjcp+R2a21d0LIwppH5oeKSIiIiK5JR4PjgsXws6d0cYikgOUtImIiIhIbkkkguOuXbB4cbSxiOQAJW0iIiIikjvKy2HqVEiuofrgg2jjEckBStpEREREJHfMnQubNsGPfgTNmtX7NW0i6aCkTURERERyR3I921lnQZ8+GmkTQUmbiIiIiOSSRAL69YMOHYLqkR98EGwBIJLHtE+biIiIiOSGr76CmTPhppuC97EYPPoorF0LRxwRbWxpcsLNT6X1fnPv+V5a7ye5SSNtIiIiIpIbZswIKkaOGBG8Ly4OjpoimVa/+MUvuPfee6s8v27dOk4++WT69evHjBkzan3/J554guuvvx6AF154gYULF9Y51nSYPn06M2fOjDSGA6WkTURERERyQzwOTZvCoEHB+6Ki4KhiJFk1ZcoUevbsyfvvv8/gwYMP6F5K2tJDSZuIiIiI5IZEIkjYmjcP3rduDV27aqQtDe68806OO+44RowYwZIlSwBYvnw555xzDieccAKDBw9m8eLFlJSU8NOf/pTJkydTXFzMtm3buPbaaxkwYAC9e/dm7NixX9+za9eurF+/HoA5c+Zwxhln7PHMmTNnMmnSJG6++WaKi4tZvnx5pbEtW7aMESNGEIvF6N+/P8uXL8fdufnmm+nTpw99+/blr3/9KxAkYCNHjvz62uuvv54nnnji63jGjh1L//796du3L4sXL2blypU88sgj3H///RQXF9dp5DAXaE2biIiIiETv009h3jy4664925PFSKTO5s6dy4QJE3j//fcpLy+nf//+nHDCCYwZM4ZHHnmEHj16MGvWLH70ox8xdepUxo0bx5w5c/jd734HBAlfu3bt2L17N8OHD6e0tJSi5ChoNQYOHMgFF1zAyJEjufTSS6vsd8UVV3Drrbdy8cUXs337dioqKnjuuecoKSnhgw8+YP369Zx44okMGTJkv8/s0KED7733Hg899BD33nsvf/zjH7nmmmto0aIFP/nJT2r+peUYJW0iIiIiEr0pU4Jjcj1bUiwGL70E27b97wic1MqMGTO4+OKLOfjggwG44IIL2L59OzNnzuRb3/rW1/127NhR6fXPPPMM48ePp7y8nLVr17Jw4cIaJW01sWXLFj755BMuvvhiAJo1awbAm2++yeWXX07jxo057LDDOP3005k9ezatWrWq9n6XXHIJACeccALPPfdcWmLMBUraRERERCR68Ti0axeU+09VXAwVFTB/Ppx4YjSxNQBmtsf7iooK2rRpQ8l+1guuWLGCe++9l9mzZ9O2bVtGjx7N9u3bASgoKKCiogLg67ba8iq2c6iqPfWZlT23adOmADRu3Jjy8vI6xZSLlLSJiIiISLTcg/Vsw4dDo71KLsRiwbGkpEEkbVGU6B8yZAijR4/m1ltvpby8nJdeeokf/vCHdOvWjWeffZZvfetbuDulpaXEkt93aPPmzRQWFtK6dWs+++wzXnnlla/XrnXt2pW5c+dy7rnn8re//a3SZ7ds2ZItW7ZUGVurVq3o3LkzL7zwAhdddBE7duxg9+7dDBkyhN///veMGjWKjRs38sYbb3DPPfewa9cuFi5cyI4dO9i+fTtTpkxhULJwTRVatmzJ5s2ba/el5RgVIhERERGRaC1eDJ98Ameeue+5rl2hZUutazsA/fv35zvf+Q7FxcV885vf/Loi5J///GceffRRYrEYvXv35sUXX9zn2lgsRr9+/ejduzff//73Oe20074+N3bsWG688UYGDx5M48aNK332ZZddxj333EO/fv2qLETypz/9iQceeICioiIGDhzIp59+ysUXX0xRURGxWIxhw4Zx9913c/jhh9OlSxe+/e1vU1RUxBVXXEG/vUdmK3H++efz/PPP1+tCJFbV0GNDVVhY6GVlZVGHIXlo1bi+ab3fkbfPS+v9REREIvPb38INN8BHH0G3bvueHzQIzIJ93OqZRYsWcfzxx0cdhlSjst+RmW1198KIQtqHRtpEREREJFrxOBx9dOUJGwRTJEtLg2mUInlISZuIiIiIRGfXLpg+fd+qkaliMdi8GVauzFZUkgHXXXcdxcXFe7wef/zxqMOqF1SIRERERESi8+67sGVL5evZkoqLg2NJSdWjcZLzHnzwwahDqLc00iYiIiIi0UkkgvVqQ4dW3adPn6CqpIqRSJ5S0iYiIiIi0YnHYcCAYI+2qhx8MPTooaRN8paSNhERERGJxubN8M471a9nS4rFlLRJ3tKaNhERERGJxuuvw+7d1a9nS4rF4JlngkSvVavMx5Yh2gJI6kIjbSIiIiISjUQCmjeHgQP33zdZjKS0NLMxCbfffjuJRGKf9unTpzNy5MgIIgqsXLmSv/zlL5E9P0pK2kREREQkGvE4DBkCTZvuv28sFhxLSjIbkzBu3DhG1GTKapblWtJmZueY2RIzW2Zmt1Zy/hozm2dmJWb2ppn1Ctu7mtm2sL3EzB7Z37OUtImIiIhI9n3yCSxaVLP1bABHHAHt22tdWx2sXLmSnj17MmrUKIqKirj00kvZunUr48aN48QTT6RPnz6MGTMGDzcvHz16NBMnTgTg1VdfpWfPngwaNIjnnnuu2ud89dVXXHXVVfTt25eioiL+9re/AfD000/Tt29f+vTpwy233PJ1/xYtWnz988SJExk9evTXz7/hhhsYOHAg3bt3/zqWW2+9lRkzZlBcXMz999+ftu+nLsysMfAgcC7QC7g8mZSl+Iu793X3YuBu4L6Uc8vdvTh8XbO/5ylpExEREZHsS06/q8l6Ngi2BVAxkjpbsmQJY8aMobS0lFatWvHQQw9x/fXXM3v2bObPn8+2bdv4+9//vsc127dv5+qrr+all15ixowZfPrpp9U+44477qB169bMmzeP0tJShg0bxpo1a7jllluYOnUqJSUlzJ49mxdeeGG/8a5du5Y333yTv//979x6azCIdddddzF48GBKSkq46aab6v5lpMdJwDJ3/8jddwITgAtTO7j75pS3hYDX9WEZS9rM7DEz+9zM5ldy7idm5mbWIXxvZvZAOLRYamb9U/qOMrOl4WtUSvsJ4XDjsvBay9RnEREREZE0SyTgkEOgby0Kc8RiMH9+ULxEaqVLly6cdtppAFx55ZW8+eabTJs2jZNPPpm+ffsydepUFixYsMc1ixcvplu3bvTo0QMz48orr6z2GYlEguuuu+7r923btmX27NmcccYZHHLIIRQUFHDFFVfwxhtv7Dfeiy66iEaNGtGrVy8+++yzOnziA1ZgZnNSXmP2Ot8J+Djl/eqwbQ9mdp2ZLScYabsh5VQ3M3vfzF43s8H7CyaTI21PAOfs3WhmXYAzgVUpzecCPcLXGODhsG87YCxwMkE2O9bM2obXPBz2TV63z7NEREREJAe5B0nbiBHBptk1VVwM27bB0qWZi62B2nt8w8z40Y9+xMSJE5k3bx5XX30127dv3+911XH3ffonp1zuL6a9n900ZZ1jdffIoHJ3H5DyGr/X+cq+mH0CdfcH3f1o4Bbg52HzWuBId+8H/Bj4i5lVWxI1YyX/3f0NM+tayan7gZ8CL6a0XQg85cFv5B0za2NmHYEzgLi7bwQwszhwjplNB1q5+9th+1PARcArmfk0IiIiIpI2CxbAp5/WfD1bUmoxkp490x9XFkRVon/VqlW8/fbbnHrqqTz99NMMGjSImTNn0qFDB7766ismTpzIpZdeusc1PXv2ZMWKFSxfvpyjjz6ap59+utpnnHXWWfzud7/jN7/5DQBffPEFJ598MjfeeCPr16+nbdu2PP300/zLv/wLAIcddhiLFi3iuOOO4/nnn6dly5bV3r9ly5Zs2bLlAL6FtFoNdEl53xlYU03/CYQDU+6+A9gR/jw3HIk7FphT1cVZXdNmZhcAn7j73pORqxperK59dSXtVT13THJos7y8/AA+gYiIiIgcsHg8ONY2aTv+eGjSROva6uD444/nySefpKioiI0bN3Lttddy9dVX07dvXy666CJOPPHEfa5p1qwZ48eP57zzzmPQoEEcddRR1T7j5z//OV988QV9+vQhFosxbdo0OnbsyK9+9SuGDh1KLBajf//+XHhhsPTrrrvuYuTIkQwbNoyOHTvu9zMUFRVRUFBALBaLvBAJMBvoYWbdzOwg4DJgUmoHM+uR8vY8YGnYfkhYyAQz604wa/Cj6h5mmRxuDEfa/u7ufczsYGAacJa7bzKzlcAAd19vZi8Dv3L3N8PrphCMxg0Dmrr7L8P2fwe2Am+E/UeE7YOBn7r7+fuLqbCw0MvKytL8SUX2T5tpioiIhM47D5YtgyVLan9tLAadOsHkyemPKwMWLVrE8ccfH2kMK1euZOTIkcyfv0+pCaHy35GZbXX3wuquM7NvAL8BGgOPufudZjYOmOPuk8zsv4ERwC7gC+B6d19gZt8ExgHlwG5grLu/VN2zMjY9shJHA92AD8L5q52B98zsJKoeXlxNMEUytX162N65kv4iIiIikst27oTXX4ewvHutxWIwZUpaQxKpC3efDEzeq+32lJ9vrOK6vwF/q82zsjY90t3nufuh7t7V3bsSJF793f1TgqHE74VVJE8BNrn7WuA14CwzaxsWIDkLeC08t8XMTgmrRn6PPdfIiYiIiEgueucdKCur/dTIpOJiWLMG1q1Lb1wNWNeuXdM6yvb4449TXFy8xyu1aqSkX8ZG2szsaYJRsg5mtppg2O/RKrpPBr4BLCOY/ngVgLtvNLM7COaMAoxLFiUBriWoUNmcoACJipCIiIiI5Lp4PKgYOXRo3a5PFiP54IO6J35ZVllVxfrsqquu4qqrroo6jLSIqDJlrWWyeuTl+znfNeVnBypNz939MeCxStrnAH0OLEoRERERyapEAk46CVq3rtv19Sxpa9asGRs2bKB9+/YNKnFrCNydDRs20KxZs6hD2a9srmkTERERkXz25Zfw7rvws5/V/R4dOsARR9SbCpKdO3dm9erVrNN0zpzUrFkzOnfuvP+OEVPSJiIiIiLZMX06VFQc+AhZLFZvkrYmTZrQrVu3qMOQei6r+7SJiIiISB6Lx6GwEE455cDuE4vBokVBJUqRPKCkTURERESyI5GA00+Hgw46sPsUF8OuXbBwYXriEslxStpEREREJPNWrYIPP4Qzzzzwe6UWIxHJA0raRERERCTzEongmI6Kjz16QPPmStokbyhpExEREZHMi8fh8MOhd+8Dv1fjxtCnj5I2yRtK2kREREQksyoqYMqUYJQtXXuVJStI1pPNkUUOhJI2EREREcms0lJYty4969mSiothwwb45JP03VMkRylpExEREZHMSq5nGz48ffdUMRLJI0raRERERCSz4nHo1Qs6dUrfPYuKgqOSNskDStpEREREJHO2b4cZM9JTNTJVq1bQrZuSNskLStpEREREJHNmzoRt29K7ni0pWYxEpIFT0iYiIiIimZNIQEEBnH56+u9dXBxs2F1Wlv57i+QQJW0iIiIikjnxOJxyCrRsmf57x2JByf/589N/b5EcoqRNRERERDJj40aYOzf969mSVEFS8oSSNhERERHJjKlTg5GwTKxnA+jaNShIoqRNGjglbSIiIiKSGYlEMC3yxBMzc3+zoPS/kjZp4JS0iYiIiEhmxOMwdCg0aZK5ZxQXQ2kpVFRk7hkiEVPSJiIiIiLp99FHwStT69mSYjHYsgVWrMjsc0QipKRNRERERNIvkQiOmVrPlqRiJJIHlLSJiIiISPolEtCpExx3XGaf06cPNGqkpE0aNCVtIiIiIpJeu3fDlCnBKJtZZp/VvDkce6ySNmnQlLSJiIiISHqVlAR7tGV6PVtScbGSNmnQlLSJiIiISHrF48ExW0lbLAYrV8KXX2bneSJZpqRNRERERNIrkYC+feGww7LzvGQxktLS7DxPJMuUtImIiIhI+mzbBm++mfmqkalUQVIaOCVtIiIiIpI+b74JO3Zkb2okQMeO0KGDkjZpsJS0iYiIiEj6xOPQpAkMGZK9Z5oFo21K2qSBUtImIiIiIumTSMDAgVBYmN3nFhfDvHlQXp7d54pkgZI2EREREUmPdevg/fezOzUyKRYLpmV++GH2ny2SYUraRERERCQ9pk4NjtksQpKkYiTSgClpExEREZH0SCSgdWs44YTsP7tnz2AtnZI2aYCUtImIiIjIgXMPipAMGwYFBdl//kEHQa9eStqkQVLSJiIiIiIHbvly+Oc/o1nPllRcDCUl0T1fJEOUtImIiIjIgYvHg2MU69mSYjH49FP4/PPoYhDJACVtIiIiInLgEgk48kg45pjoYlAxEmmglLSJiIiIyIHZvTuoHHnmmcFG11FR0iYNVMaSNjN7zMw+N7P5KW33mNliMys1s+fNrE3KudvMbJmZLTGzs1PazwnblpnZrSnt3cxslpktNbO/mtlBmfosIiIiIlKNuXPhyy+jXc8G0L49dOqkpE0anEyOtD0BnLNXWxzo4+5FwIfAbQBm1gu4DOgdXvOQmTU2s8bAg8C5QC/g8rAvwH8B97t7D+AL4AcZ/CwiIiIiUpXkerbhw6ONA4JiJErapIHJWNLm7m8AG/dq+4e7l4dv3wE6hz9fCExw9x3uvgJYBpwUvpa5+0fuvhOYAFxoZgYMAyaG1z8JXJSpzyIiIiIi1UgkgmTpkEOijiSYIrloEezYEXUkImkT5Zq27wOvhD93Aj5OObc6bKuqvT3wZUoCmGyvlJmNMbM5ZjanvLy8qm4iIiIiUltlZfDWW9FWjUwVi0F5OSxcGHUkImkTSdJmZj8DyoE/J5sq6eaqZYjmAAAgAElEQVR1aK+Uu4939wHuPqAgis0eRURERBqqGTNg167o17MlqRiJNEBZz2DMbBQwEhju7slEazXQJaVbZ2BN+HNl7euBNmZWEI62pfYXERERkWyJx6FpUxg8OOpIAsccA82bK2mTBiWrI21mdg5wC3CBu29NOTUJuMzMmppZN6AH8C4wG+gRVoo8iKBYyaQw2ZsGXBpePwp4MVufQ0RERERCiQScdlqQKOWCxo2hqEhJmzQomSz5/zTwNnCcma02sx8AvwNaAnEzKzGzRwDcfQHwDLAQeBW4zt13h6No1wOvAYuAZ8K+ECR/PzazZQRr3B7N1GcRERERkUp89hmUlubOerakWAxKSsCrXD0jUq9kbHqku19eSXOViZW73wncWUn7ZGByJe0fEVSXFBEREZEoTJkSHHNlPVtSLAbjx8Pq1dCly/77i+S4KKtHioiIiEh9Fo9Du3bQr1/UkexJxUikgVHSJiIiIiK15x6sZxs2LFhHlkuKioKjkjZpIJS0iYiIiEjtLVkSTD/MtfVsAC1bQvfuStqkwVDSJiIiIiK1l0gEx1xbz5ZUXBwUIxFpAJS0iYiIiEjtxePBaFb37lFHUrlYDJYtg7KyqCMROWBK2kRERESkdsrLYdq03B1lgyBpc4d586KOROSAKWkTERERkdp5913YsiU317MlqYKkNCBK2kRERESkdhIJMIOhQ6OOpGpHHQWtWytpkwZBSZuIiIiI1E48DiecAO3bRx1J1cyC0TYVI5EGQEmbiIiIiNTcli3wzju5vZ4tKRaD0lKoqIg6EmmAzOwcM1tiZsvM7NZKzl9jZvPMrMTM3jSzXinnbguvW2JmZ+/vWUraRERERKTmXn89KESSy+vZkmKxoHrkRx9FHYk0MGbWGHgQOBfoBVyempSF/uLufd29GLgbuC+8thdwGdAbOAd4KLxflZS0iYiIiEjNJRLQrBkMHBh1JPunYiSSOScBy9z9I3ffCUwALkzt4O6bU94WAh7+fCEwwd13uPsKYFl4vyopaRMRERGRmovHYciQIHHLdb17Q6NGStqkLgrMbE7Ka8xe5zsBH6e8Xx227cHMrjOz5QQjbTfU5to9gqlt9CIiIiKSp9asgYULYfToqCOpmebNoWdPFSORuih39wHVnLdK2nyfBvcHgQfN7LvAz4FRNb02lUbaRERERKRmEongWB/WsyXFYhppk0xYDXRJed8ZWFNN/wnARXW8VkmbiIiIiNRQIgGHHAJFRVFHUnOxGKxaBV98EXUk0rDMBnqYWTczO4igsMik1A5m1iPl7XnA0vDnScBlZtbUzLoBPYB3q3uYpkeKiIiIyP65B0nb8OHBOrH6IlmMpLQUTj892likwXD3cjO7HngNaAw85u4LzGwcMMfdJwHXm9kIYBfwBcHUSMJ+zwALgXLgOnffXd3zlLSJiIiIyP4tXAhr19aP/dlSpVaQVNImaeTuk4HJe7XdnvLzjdVceydwZ02fVY/+mUREREREIhOPB8f6tJ4N4PDD4dBDVYxE6jUlbSIiIiKyf4kE9OgBRx4ZdSS1Y6ZiJFLvKWkTERERkert3AnTp9e/UbakWAwWLIDy8qgjEakTJW0iIiIiUr1Zs6CsrP6tZ0uKxWDHDliyJOpIROpESZuIiIiIVC8eDypGDh0adSR1k1qMRKQeUtImIiIiItVLJODEE6FNm6gjqZuePeGgg5S0Sb2lpE1EREREqrZpE7z7bv1dzwbQpAn07q0KklJvKWkTERERkapNnw67d9ff9WxJqiAp9ZiSNhERERGpWjwOBx8Mp54adSQHJhaDzz4LXiL1jJI2EREREalaIgGnnx6sCavPVIxE6jElbSIiIiJSuY8/Dsrk1+f1bElK2qQeU9ImIiIiIpVLJIJjfV/PBtCuHXTpomIkUi8paRMRERGRysXjcNhh0KdP1JGkh4qRSD2lpE1ERERE9lVREYy0jRgBZlFHkx6xGCxeDNu3Rx2JSK0oaRMRERGRfc2bB+vWNYz1bEmxWLB9wcKFUUciUitK2kRERERkXw1pPVuSipFIPaWkTURERET2FY/D8cdDp05RR5I+Rx8NhYUqRiL1jpI2EREREdnTjh3wxhsNa5QNoHFj6NtXI21S7yhpExEREZE9zZwJ27Y1rPVsSckKku5RRyJSY0raRERERGRPiUQwKnX66VFHkn6xGHz5ZbBxuEg9oaRNRERERPYUj8Mpp0CrVlFHkn4qRiL1UMaSNjN7zMw+N7P5KW3tzCxuZkvDY9uw3czsATNbZmalZtY/5ZpRYf+lZjYqpf0EM5sXXvOAWUPZQEREREQkQl98AXPmNLz1bEl9+wb7zqkYidQjmRxpewI4Z6+2W4Ep7t4DmBK+BzgX6BG+xgAPQ5DkAWOBk4GTgLHJRC/sMyblur2fJSIiIiK1NXVqsN6rIa5nA2jZMqgiqZE2qUcylrS5+xvAxr2aLwSeDH9+Ergopf0pD7wDtDGzjsDZQNzdN7r7F0AcOCc818rd33Z3B55KuZeIiIiI1FUiESQ2J50UdSSZkyxGIlJPZHtN22HuvhYgPB4atncCUleDrg7bqmtfXUl7pcxsjJnNMbM55eXlB/whRERERBqseBzOOAOaNIk6ksyJxWD5cvjqq6gjEamRXClEUtl6NK9De6Xcfby7D3D3AQUFBXUMUURERKSBW7EiSGYa6nq2pFgsmAI6b17UkYjUSLaTts/CqY2Ex8/D9tVAl5R+nYE1+2nvXEm7iIiIiNRVIhEcG+p6tqTi4uCoYiRST2Q7aZsEJCtAjgJeTGn/XlhF8hRgUzh98jXgLDNrGxYgOQt4LTy3xcxOCatGfi/lXiIiIiJSF4kEHHEE9OwZdSSZ1aULtGmjdW1Sb2RsrqCZPQ2cAXQws9UEVSDvAp4xsx8Aq4Bvhd0nA98AlgFbgasA3H2jmd0BzA77jXP3ZHGTawkqVDYHXglfIiIiIlIXFRUwZQqMHBmUxG/IzFSMROqVjCVt7n55FaeGV9LXgeuquM9jwGOVtM8B+hxIjCIiIiISKimBDRsa/nq2pFgMHn00SFYb5UqZB5HK6b9QEREREQmqRkJ+JW1lZUHhFZEcp6RNRERERIL1bH36wOGHRx1JdsRiwVFTJKUeUNImIiIiku+2bYMZMxp+1chUvXtD48aqICn1gpI2ERERkXz31luwY0f+TI0EaNYsqJKpkTapB5S0iYiIiOS7eByaNIEhQ6KOJLtUQVLqCSVtIiIiIvkukYBTT4UWLaKOJLtiMfj4Y9i4cf99RSKkpE1EREQkn61fD++/n1/r2ZKSxUhKS6ONQ2Q/lLSJiIiI5LOpU8E9v9azJRUXB0cVI5Ecp6RNREREJJ/F49C6NQwYEHUk2XfYYcFL69okxylpExEREclX7kHSNnQoFBREHU00VIxE6gElbSIiIiL5avly+Oc/83M9W1IsBgsWwK5dUUciUiUlbSIiIiL5KpEIjvm4ni0pFoOdO2HJkqgjEamSkjYRERGRfBWPw5FHQo8eUUcSHRUjkXpASZuIiIhIPtq9O6gcOWIEmEUdTXSOOw6aNtW6NslpStpERERE8tHcufDll/m9ng2CAiy9eytpk5ympE1EREQkHyXXsw0bFm0cuUAVJCXHKWkTERERyUfxeLCe69BDo44kerEYfP45fPpp1JGIVEpJm4iIiEi+KSuDmTPzu2pkKhUjkRynpE1EREQk38yYEZS5z/f1bElFRcFRUyQlRylpExEREck3iQQcdBAMGhR1JLmhbdtg6wMlbZKjlLSJiIiI5Jt4PEjYDj446khyh4qRSA5T0iYiIiKSTz77DEpLtZ5tb7EYLFkC27ZFHYnIPpS0iYiIiOSTKVOCo5K2PcViwYbjCxZEHYnIPpS0iYiIiOSTRCJYw9W/f9SR5JZkBUlNkZQcpKRNREREJF+4B+vZhg2Dxo2jjia3dO8OLVooaZOcpKRNREREJF98+CGsXq1S/5Vp1Aj69lXSJjlJSZuIiIhIvojHg6PWs1UuWUHSPepIRPagpE1EREQkXyQS0K0bHH101JHkplgMNm2CVauijkRkD0raRERERPJBeTlMm6ZRtuoki5GUlEQbh9QLZnaOmS0xs2Vmdmsl539sZgvNrNTMppjZUSnndptZSfiatL9nKWkTERERyQezZ8PmzVrPVp2+fcFM69pkv8ysMfAgcC7QC7jczHrt1e19YIC7FwETgbtTzm1z9+LwdcH+nlejpM3MptSkTURERERyVDweJCTDhkUdSe4qLIRjjlHSJjVxErDM3T9y953ABODC1A7uPs3dt4Zv3wE61/Vh1SZtZtbMzNoBHcysrZm1C19dgSPq+lARERERybJEItibrX37qCPJbcliJJLvCsxsTsprzF7nOwEfp7xfHbZV5QfAKynvm4X3fcfMLtpvMPs5/0Pg/xEkaHMBC9s3EwwHioiIiEiu27IF3n4b/vVfo44k98ViMHFi8J21bBl1NBKdcncfUM15q6St0rKjZnYlMAA4PaX5SHdfY2bdgalmNs/dl1f1sGpH2tz9v929G/ATd+/u7t3CV8zdf1fdtSIiIiKSI954IyhEovVs+5csRlJaGm0ckutWA11S3ncG1uzdycxGAD8DLnD3Hcl2d18THj8CpgP9qnvY/kbakjf9rZkNBLqmXuPuT9XkehERERGJUDwOzZrBaadFHUnui8WC4wcf6PuS6swGephZN+AT4DLgu6kdzKwf8HvgHHf/PKW9LbDV3XeYWQfgNPYsUrKPGiVtZvYn4GigBNgdNjugpE1EREQk1yUSMHhwkLhJ9Tp3hrZtta5NquXu5WZ2PfAa0Bh4zN0XmNk4YI67TwLuAVoAz5oZwKqwUuTxwO/NrIJg5uNd7r6wuufVKGkjmIPZy13bw4uIiIjUK2vWwIIF8L3vRR1J/WCmYiRSI+4+GZi8V9vtKT9Xuimiu88E+tbmWTXdp20+cHhtbiwiIiIiOWBKuEuT1rPVXCwG8+bB7t377yuSBTVN2joAC83sNTOblHzV9aFmdpOZLTCz+Wb2dLi1QDczm2VmS83sr2Z2UNi3afh+WXi+a8p9bgvbl5jZ2XWNR0RERKTBisehQ4f/Xasl+1dcDFu3wrJlUUciAtR8euQv0vVAM+sE3EAw3XKbmT1DsHDvG8D97j7BzB4h2Mvg4fD4hbsfY2aXAf8FfCfccfwyoDfBlgQJMzvW3fVPIiIiIiIA7sF6tuHDoVFN/61e9ihGctxx0cYiQg1H2tz99cpeB/DcAqC5mRUABwNrgWHAxPD8k0Byk7kLw/eE54dbsJLvQmCCu+9w9xXAMoKdyUVEREQEYOFCWLsWRlS6tEaq0qsXFBRoXZvkjBolbWa2xcw2h6/tZrbbzDbX5YHu/glwL7CKIFnbRLBx95fuXh52S91R/OvdxsPzm4D21GIXcjMbk9zNvLy8vLIuIiIiIg1PIhEctZ6tdpo2hZ49lbRJzqjpSFtLd28VvpoB3wTqtLl2uC/BhUA3gmmNhcC5lT02eUkV52q8C7m7j3f3Ae4+oKCgpjNCRUREROq5eByOOQaOOirqSOofVZCUHFKnyc3u/gLBdMa6GAGscPd17r4LeA4YCLQJp0vCnjuKf73beHi+NbCRGu5CLiIiIpKXdu2C6dM1ylZXxcWwejVs2BB1JCI1nh55ScrrUjO7iypGtWpgFXCKmR0crk0bDiwEpgGXhn1GAS+GP08K3xOenxruFzcJuCysLtkN6AG8W8eYRERERBqWd96BsjKtZ6ur1GIkIhGr6VzB81N+LgdWEkxxrDV3n2VmE4H3wnu9D4wHXgYmmNkvw7ZHw0seBf5kZssIRtguC++zIKw8uTC8z3WqHCkiIiISSiSCipFDh0YdSf2UmrQNq+sEM5H0sGDQKn8UFhZ6WVlZ1GFIHlo1rlYb3+/XkbfPS+v9RESkgRk4MNgcetasqCOpvzp2hLPPhieeiDoSyTIz2+ruhVHHkVTT6ZGdzex5M/vczD4zs7+ZWedMByciIiIidbBpE7z7rtazHSgVI5EcUdNCJI8TrCE7gqCs/kthm4iIiIjkmunTg1E2rWc7MLEYLFgAO3dGHYnkuZombYe4++PuXh6+ngAOyWBcIiIiIlJXiQQcfDCcemrUkdRvxcVBFc7Fi6OORPJcTZO29WZ2pZk1Dl9XAqp/KiIiIpKL4nEYMiTYJFrqThUkJUfUNGn7PvBt4FNgLUHp/asyFZSIiIiI1NHHH8OSJVrPlg7HHhskvkraJGI1Lfl/BzDK3b8AMLN2wL0EyZyIiIiI5IpEIjhqPduBKyiAPn2UtEnkajrSVpRM2ADcfSPQLzMhiYiIiEidJRJw6KHQN71bzeStZAXJPNsmS3JLTZO2RmbWNvkmHGmr6SidiIiIiGRDRUWQtI0YAWZRR9MwFBfDunWwdm3UkUgeq2ni9WtgpplNBJxgfdudGYtKRERERGpv/nz4/HOtZ0un1GIkRxwRbSySt2o00ubuTwHfBD4D1gGXuPufMhmYiIiIiNRSPB4ctZ4tfYqKgqPWtUmEajzF0d0XAgszGIuIiIiIHIhEAnr2hM6do46k4WjTBo46SkmbRKqma9pEREREJJft2AGvv65RtkxIFiMRiYiSNhEREZGG4JlnYNs2rWfLhOLiYO+7bduijkTylJI2ERERkfruwQdh9Gg48UQlbZkQiwWVOefPjzoSyVNK2kRERETqq9274cc/huuvh/PPh2nToHnzqKNqeFIrSIpEQHutiYiIiNRHW7fClVfC88/DDTfAffdB48ZRR9UwdesGLVooaZPIKGkTERERqW8+/zwYWZs9G37zG7jxxqgjatgaNQpK/ytpk4hoeqSIiIhIfbJ4MZxyCsybB889p4QtW4qLg6TNPepIJA8paRMRERGpL954AwYOhLKyoLz/RRdFHVH+iMVg82ZYuTLqSCQPKWkTERERqQ/+8pegMuThh8M77wSVIiV7VIxEIqSkTURERCSXucMvfwlXXBGMsr31VlAYQ7KrTx8wU9ImkVAhEhEREZFctWsXXHMNPPZYUCnyj3+Epk2jjio/FRZCjx5K2iQSGmkTERERyUWbNsE3vhEkbLffDk89pYQtarEYlJREHYXkISVtIiIiIrlm1SoYNAimT4fHH4f/+I9gap5Eq7gYVqwICpKIZJGSNhEREZFc8t57QUn/Vavg1Vdh9OioI5KkZDGS0tJo45C8o6RNREREJFe8/DIMGQJNmsDMmTB8eNQRSSpVkJSIKGkTERERyQUPPQQXXADHHReU9O/dO+qIZG+dOkG7dkraJOuUtImIiIhEqaICbr4ZrrsuKDzy+uvQsWPUUUllzFSMRCKhpE1EREQkKtu2wbe/DffeGyRtL7wALVpEHZVUp7gY5s+H3bujjkTyiJI2ERERkSisWwfDhsFzz8F998FvfwuNG0cdlexPLBYk20uXRh2J5BElbSIiIiLZ9uGHQYXIkhKYOBFuukkl/esLFSORCChpExEREcmmGTPg1FNhyxaYNg0uuSTqiKQ2jj8eCgqUtElWKWkTERERyZann4YRI+CQQ4IKkaecEnVEUltNmwaJm4qRSBYpaRMRERHJNHf41a/gu98NErWZM6F796ijkroqLtZIm2SVkjYRERGRTNq1C8aMgX/7tyBp+8c/gr2+pP6KxWDNGli/PupIJE8oaRMRERHJlM2bYeRI+OMf4ec/h//5n2B6ndRvKkYiWaakTURERCQTVq+GQYNgypQgabvjDlWIbCiUtEmWFUQdgIiIiEiDU1IC550XVIicPBnOOivqiCSdDjkEOnZU0iZZE8lIm5m1MbOJZrbYzBaZ2alm1s7M4ma2NDy2DfuamT1gZsvMrNTM+qfcZ1TYf6mZjYris4iIiIjs4ZVXYPBgaNQI3npLCVtDVVysCpKSNVFNj/xv4FV37wnEgEXArcAUd+8BTAnfA5wL9AhfY4CHAcysHTAWOBk4CRibTPREREREIvH738P550OPHjBrFvTtG3VEkimxGCxaBDt3Rh2J5IGsJ21m1goYAjwK4O473f1L4ELgybDbk8BF4c8XAk954B2gjZl1BM4G4u6+0d2/AOLAOVn8KCL5Z+fOYCH9lVdCRUXU0YiI5I6KCrjlFrjmGjj7bHjjDTjiiKijkkyKxYLKoIsWRR2J5IEoRtq6A+uAx83sfTP7o5kVAoe5+1qA8Hho2L8T8HHK9avDtqraRSQTliyBgQPhzjvhz3+GCROijkhEJDds3w6XXQZ33x0kbS++CC1aRB2VZJqKkUgWRZG0FQD9gYfdvR9Qxv9OhaxMZWWWvJr2fW9gNsbM5pjZnPLy8trGK5Lf3OEPf4D+/WHFCpg4MZjH/7OfwY4dUUcnIhKt9eth+HB49lm45x546CEoUJ23vNCjBzRrpqRNsiKKpG01sNrdZ4XvJxIkcZ+F0x4Jj5+n9O+Scn1nYE017ftw9/HuPsDdBxToD1KRmtuwAb75zWBT2FNPhdLS4P1dd8HKlcHaDRGRfLV0afBn49y58Mwz8JOfqKR/PikoCNYsqhiJZEHWkzZ3/xT42MyOC5uGAwuBSUCyAuQo4MXw50nA98IqkqcAm8Lpk68BZ5lZ27AAyVlhm4ikw5QpUFQEf/978K/H//gHdApnIJ91FgwbFuw5tHlztHGKiEThrbeChO3LL2HqVPjWt6KOSKIQiwUjbV7pZC+RtImqeuS/AH82s1KgGPhP4C7gTDNbCpwZvgeYDHwELAP+APwIwN03AncAs8PXuLBNRA7Ezp3w05/CmWdCy5bwzjvBvx43SvnjwiwYbVu/Hn796+hiFRGJwl//GkyJbNcO3n47WO8r+SkWC2alrKl0spdI2pjn2b8MFBYWellZWdRhSB5aNS69ZZ+PvH1eWu8HwOLF8N3vwvvvww9/CPfdBwcfXHX/b3872DR2+XI47LD0xyMikkvcg2Ijt94KgwbBCy9A+/ZRRyVRmjEDhgyBl1+Gb3wj6mgkjcxsq7sXRh1HUlQjbSKSS9xh/Pig2MiqVcFfRB55pPqEDYJKktu3B9MkRUQasvJyuPbaIGG77DKIx5WwSbCMAFSMRDJOSZtIvlu/Hi65JBhZGzQoKDZy4YU1u7ZHD7j66qAgybJlmY1TRCQqW7YEG2b//vdw223BtifNmkUdleSC1q2ha1cVI5GMU9Imks8SieBfCSdPDtamvfpq7TeDvf12OOgg+Pd/z0yMIiJRWr0aBg8ORtbGj4f//M891/iKFBdrpC1Pmdk5ZrbEzJaZ2T5bmJnZj81soZmVmtkUMzsq5dwoM1savkbtfe3e9KeOSD7asSMoLnLmmdCmDcyaBT/+cd3+ItKxI9x0U7DZ9ty56Y9VRCQqH3wAp5wSrNt9+eVgZoHI3mKxYPuHrVujjkSyyMwaAw8C5wK9gMvNrNde3d4HBrh7EcE2Z3eH17YDxgInAycBY8Nq+FVS0iaSbxYtCv4S8utfB+sz5swJ/pXwQNx8c7C247bb0hOjiEjUXnstmDIO8OabcPbZ0cYjuSsWg4oKmD8/6kgku04Clrn7R+6+E5gA7LG+xN2nuXsym3+HYF9pgLOBuLtvdPcvgDhwTnUPU9Imki/cg+IiJ5wQTPeZNAkeemj/xUZqonVr+PnPg+lD8fiB309EJEp/+AOcdx507x5sexKLRR2R5LLkfx+aItnQFJjZnJTXmL3OdwI+Tnm/Omyryg+AV+p4rZI2kbywbh1cdFEwsjZ4cFBs5Pzz0/uMa6+Fo44KKqtVVKT33iIi2VBRAf/2bzBmTDB9fMYM6Nx5/9dJfuvaNdjXVMVIGppydx+Q8hq/13mr5JpK91IzsyuBAcA9tb02SUmbSEP3j38ExUZefRXuvx9eeSVYh5ZuTZsGpf/few+efTb99xcRyaTt24N9Kn/1qyBpe+klaNUq6qjk/7N33+FRVtkDx7+HBAi9iaBgRcQGsYCKKFYsa+997b2uBesSxQa2VVl7W3tZK7p2115QVEDRH4oNEQTpNYGQ8/vjvLMZIJQkk9y5M+fzPHnCvJlMzkCYec97zz0nBg0a2Gqbr7Tlm/HAGmm3OwNLTVkXkV2Ay4B9VLWsOt+bzpM253JVWZk1F9ltN2jbFj7/HM49t267nh1xBHTvDpddBgsW1N3Pcc65TJo6FXbZBZ56CgYPtlLywsLQUbmYFBdbFYtXmuSTz4GuIrKOiDQCDgOGpt9BRDYD7sYStslpX3od2FVE2iQNSHZNji2TJ23O5aJvv4Utt7SVtTPPtGYjqQGgdamgAAYNsk5r991X9z/POedqY+FCqw7o3dteJ598Evr3B6mqcsm55Sgutnl+v/wSOhJXT1S1HDgTS7a+A55W1dEiMlBE9knudgPQHPi3iIwQkaHJ904DrsISv8+BgcmxZRLV5ZZP5pxmzZrp3LlzQ4fh8tC4gd0z+nhrDvh66YOqcOedcP75Vl//4IO2mb4+qcKOO1qXyh9/hObN6/fnO+dcOlWYPBm+/x7GjKn8+P57e40qL7dqhBdfrOwW6Vx1ffYZbLUVPPcc7L9/6GhcBojIPFVtFjqOFF/7dy5XTJ4MJ5wAL78Mu+9uCVvHjvUfh4ittvXuDTffbMO3nXOurs2fb7Oy0pOy1J9nzqy8X+PG0LUrbLIJHHAAdOtmpZGdltu4zbnl22QT234wYoQnba5OeNLmXC547TU49liYMQNuvdVKIuty79qKbL21nQzdcIN1lWzfPlwszrncUVEBv/22dFI2ZgyMG7f4fTt3toTsyCPtc7dusP76sOaaVsrtXCY1bWq/X96MxNURT9qci1lpqbXYv/VW2Hhjm5HWPbNlmDV2zTXwwgtw9dUWn3POrawZM6ouZ/zhB1tRS2nRwpKx7bazE+ZUcta1KzTLmqomly+Ki2HYsNBRuBzlSZtzsfrmG+vW+PXXcNZZ1vGsSZPQUVXaYAMr17zzTnbgcegAACAASURBVOtauc46oSNyzmWThQvhp5+qLmecnNZkraDAhlyvv76VMaavmnXs6E1DXPYoLrYOpDNnQqtWoaNxOcaTNudio0rzz6bBdb1shtB//gN/+UvoqKpWUgKPPgp//7t9dnVr/HhrXV5cHDoS54wqTJq09KrZmDGWsC1aVHnf9u0tGdt778VXzdZdFxo1CvccnFtZqdfeUaNs9de5DPKkzbmINJhTTrsXxtPkhzmWqD3wAHToEDqsZevUCc45xxqTXHABbLpp6Ihy16xZdpIwZYq1nG7XLnRELp/Mm7fsJiCzZlXer6jIShd79ICDD1581axNm3DxO5cJqaRt5EhP2lzGect/5+pJbVv+F/0wm3bPj6dBWQXTd+1I25d/j6MsaMYMu1K+1Vbw6quho8ldxx4LjzxiKxuXXGJ7Cp3LpEWLlt0E5LffFr/vGmtUJmSppKxbN2sCErJJknN1SRVWXRX23ddnleYAb/nvnKuehRW0efMPWgybxoIOjZl8zBos7FBE2xgSNoDWreHSS+HCC+Gdd2yGm8usZ56Bhx6yMtQxY+C22+C883y1zdXM1KmVSVn65x9+gLKyyvu1bGmJWN++iydo663nTUBcfhKx1TbvIOnqgK+0OVdParLS1nBSKe2e+Y1Gk8uYtXU7ZuzSARraVeoqh2tnq9LSyqYBw4bFsUIYi99/t1KzLl3go4/sBLtHD19tc8tXWgpjx1adnE2dWnm/wkL73UqtlKV/7tDB/y87t6Tzz4c77oDZs+3/j4uWr7Q551ZMlebDptHmzT+oKCpg8lFrUdq1Reioaq6oCAYOhOOOg2efhYMOCh1RbqiosL/T0lJr9NKwoQ14PfhgGDLEV9vyXUWFNadZMikbMwZ+/dVKuVJWW82SsQMPXDw5W3tt+71yzq2c4mJ7Tf7hB9hww9DRuBziK23O1ZOVXWlrMKecds+Pp8nYOcxfvwVT9+1ERfOlr69EtdIGth+muBgWLIDRo/1EMBNuvdXGKdx9N5x8cuXxb76xeX2XXWZz8lxumz592eWM6TPNmje3ZCy9M2PqdouILwo5l01GjrSmW088AYcdFjoaVwvZttLmSZtz9WRlkrai72fT7oXxSFkFM3bryJxebZdZfhRd0gbw0kuwzz5w111wyimho4nb6NGwxRbQrx8MHbr078khh8Brr1knybZtg4ToMqisrHKmWXoTkO+/hz//rLxfQYHNRFyylLFbN1tN83JG5+rWggV2geS886xzsouWJ22BedLmQlle0iYLK2j9xh+0+GwaCzoUMfWgzixctWi5jxdl0qZqbZB//NH203izgpopK7NunBMn2nD1VVdd+j6p1bbLL4errqr/GF31qdoexapWzX7+2codUzp0qHqfmc80cy68TTe1iyTeMTlq2Za0+Z425wJr+EfSbOTPMmb1TpqNFOZoS2wRGDwYtt0WbrnFyvdc9f3971aC89JLVSdsYHvbDjrISij/9jdfbcsmM2daIlZVcjZvXuX9mja1RGyLLeCIIyqTs65drSurcy47FRfDm2+GjsLlGF9pc66eLLXSVqG0GDaV1m9OoqJJAVP370Tpeiu/ryTKlbaU/faz9v8//girrBI6mri8+y7stJPtYbvrruXf9+uvrZOkr7aF9/TTcPvtlpxNmlR5vEEDa/ZRVTnj6qv7TDPnYnTzzdZFcvJkaN8+dDSuhrJtpc2TNufqSXrS1mD2Qtq98DtNxs5hXrcWTNu3ExXNqrfwHXXS9u23Vrp3zjn25uZWzowZloQVFcFXX61ceenBB8Prr/vetpAmTLDVsU6dbJU5vQlIly7QuHHoCJ1zmfT227DLLrbatssuoaNxNZRtSZuXRzpXz5qMmUXbF35HFlYwba/VmdOzTf41B9hoIzj2WFt5OOccWGut0BHF4YwzLAH45JOV3w84YIAN377lFhu74OrfgAFQXm7J8zrrhI7GOVfXiovt84gRnrS5jPG6C+fqiSyooM3LE2j/+DgWtWzIH6d0WW53yJx3xRVW+jVgQOhI4vDEE/D44/b31qvXyn9f9+42e+vWW2HatDoLzy3DN9/Agw/CmWd6wuZcvlhlFVtZHzkydCQuh3jS5lx9GDmSjvf8SIvPpzFrm3b8cdK6lLdffnfInLfGGnDWWfDIIzBqVOhostu4cXDaadC7N1x8cfW/f8AAmDXLVttc/erfH1q29KY7zuWb4mJP2lxG+Z42l7VWdhh1dQTZBzZ2LBQXU16wgGn7d6a0S/OMPGzUe9pSpk2zPT19+sDLL4eOJjtVVMDOO8Pw4VZq06VLzR7noINsf8Uvv0CbNhkN0S1Dal/LjTdaUwLnXP649FK44QaYM8f3rUYq2/a0+Uqbc3VJFU49FQoLmXRSl4wlbDmjbVtbOfrPf+D990NHk51uvtk6Rt52W80TNvDVtvpWUQEXXmidIc88M3Q0zrn6Vlxse1m/+y50JC5HeNLmXF16+GG72j54MItaNQwdTXY6+2yr/b/oIktyXaWRI+1q7QEHWOOW2ujRwx7nlltg+vSMhOeW47HHrMPntdf6VXbn8lF6MxLnMsCTNufqyp9/wnnnwTbb2EwtV7UmTeDKK+HTT+GFF0JHkz1KS+HII6FdO7j77sw0rEmttt16a+0fyy3b/Pm2h61nTzj00NDROOdC6NrV3t98X5vLEE/anKsr550Hs2fDPff4gNwVOeYY2GADuOQSKydx9ncxejT861+ZG0BeXFy52jZjRmYe0y3tttvgt99sL5v/33cuPxUUWPdeT9pchvi7iXN14Y034NFHbb/WxhuHjib7FRbCddfBmDGWpOS7N9+0xOqss2C33TL72AMGwMyZvretrkyZYiWRe+8N228fOhrnXEipDpJe+u8ywJM25zJt7lxrPtKtm+1Hcitn332tpX1JCcybFzqacKZNs/1rG24Igwdn/vGLi2H//X21ra5cdZW9BtTFv51zLi7Fxfaa/vvvoSNxOcCTNucy7cor4eefbR9SUZ7PYqsOERg0CCZMgCFDQkcThiqccorth3z0UdsPURdSq22+ty2zxo6FO+6AE0+0pNs5l9+8GYnLIE/anMukr76yFu0nnuilUTXRty/stZeVSk6bFjqa+vfII/DMM7Zas/nmdfdzNt0U9tsP/vEPX23LpEsusU6RV1wROhLnXDbo0cM++742lwHBkjYRKRCRr0Tk5eT2OiIyTER+EJGnRKRRcrxxcnts8vW10x7jkuT4GBHJ8MYP56pp0SI46SRrGnH99aGjide111qHw+uuCx1J/fr5Z5vn1bcvXHBB3f88X23LrE8+sYS7f3/o2DF0NM65bNCyJay7ridtLiNCrrSdA6RPHBwM/ENVuwLTgROS4ycA01V1PeAfyf0QkY2Aw4CNgd2BO0SkoJ5id25pt90GX3xhn9u0CR1NvLp3h7/+1Uokf/stdDT1Y9Eie84iNtuvoB5eyjbbzFbbfG9b7alaor3aanD++aGjcc5lk1QzEudqKUjSJiKdgT2B+5LbAuwEPJPc5SFgv+TP+ya3Sb6+c3L/fYEnVbVMVX8GxgJb1s8zcG4Jv/wCl18Oe+4JBx8cOpr4XXmlnQiXlISOpH5cfz18+CHcfjustVb9/dwBAyxhu+22+vuZuej55+Hjj2HgQGjWLHQ0zrlsUlwMP/xgDYqcq4VQK223AP2BiuR2O2CGqqYGNI0HOiV/7gT8BpB8fWZy//8dr+J7FiMiJ4vIcBEZXu4zoFymqcLpp9sqye23Z2YIcr5bay0rFXzoIZtVlsu++MKSp0MPtWHa9Wmzzaxrp+9tq7mFCytHexx3XOhonHPZprjYzhO++SZ0JC5y9Z60ichewGRV/SL9cBV31RV8bXnfs/hB1XtUtaeq9iwsLKxWvM6t0NNPw6uvwtVX1+8qSa679FJo3jy3xybMm2eJWseOcOedYRL+khJfbauNu++2q+jXX18/Za3Oubh4B0mXISFW2voA+4jIL8CTWFnkLUBrEUllVJ2BCcmfxwNrACRfbwVMSz9exfc4Vz+mTYOzz4aePW0Qssucdu3gootg6FArHcxF/ftXDhQPtQ8yfbVt5swwMcRq5kzrFLnTTrDHHqGjcc5lo7XXtoYkvq/N1VK9J22qeomqdlbVtbFGIv9V1SOBd4CDkrsdA7yY/Hlocpvk6/9VVU2OH5Z0l1wH6Ap8Vk9PwznTvz9MnQr33utX2evCOedYc4eLL7byklzyyitWTnveebDzzmFj8b1tNTNokP3/v+EGL4t2zlVNxJuRuIzIpjltFwHnichYbM/a/cnx+4F2yfHzgIsBVHU08DTwLfAacIaqLqr3qF3+evdduP9+6xa36aaho8lNzZpZ+d5HH8FLL4WOJnP+/BOOP946ZV5zTehobCbcPvvYjEFfbVs5v/1mnTePOqpuZ+o55+JXXAyjRkFFxYrv69wyBE3aVPVdVd0r+fNPqrqlqq6nqgerallyvDS5vV7y9Z/Svv8aVe2iqt1U9dVQz8PlodJSOOUUm7+SLx0OQzn+eFh/fRtcvCgHrsuowsknw/Tp8NhjUFQUOiKT2ts2ZEjoSOJw+eX2b3n11aEjcc5lu+JimDPH5nE6V0PZtNLmXDyuuQa+/x7uuguaNg0dTW5r2NAGbn/7rc0wi90DD8ALL9jw8O7dQ0dTafPNYe+9fbVtZYwYAY88YuW73nzIObci3ozEZYAnbc5V1zff2F6Wo4+Gfv1CR5MfDjgAttzS9l7Nnx86mpobO9ZO9HfaCc49N3Q0SyspsRVAX21bNlW48EJo29ZWf51zbkU22QQaNPB9ba5WPGlzrjoqKqy0rVUruOmm0NHkDxEYPBjGj7fmHTEqL7f9Tw0b2vy5Bln48rvFFpWrbbNmhY4mO73+Orz1Fvz979C6dehonHMxaNIEunXzpM3VShaeNTiXxe6+Gz75xE5q27cPHU1+2WEH2H13K5WcPj10NNV37bUwbJiV1HbuHDqaZfPVtmVbtMhW2bp0gdNOCx2Ncy4m3kHS1ZInbc6trN9/t7lhu+xipZGu/g0aZM0yBg8OHUn1DBsGAwfaStuhh4aOZvm22AL22stWkn21bXEPPWTl0dddB40ahY7GOReTTTeFX3+1/dnO1YAnbc6trLPOgoULbaXEZzKFUVwMRx4Jt95qSXQM5syxZK1TJ/jnP0NHs3J8tW1pc+daSeTWW8NBB634/s45l+7oo61C56CD7H3BuWrypM25lfH88/ZxxRVWGuXCGTjQytSuuCJ0JCvnvPPgxx+t22CrVqGjWTk9e9pqm+9tq/SPf8CECXDjjX7RxjlXfauvDk8+CWPGwAknWFMj56rBkzbnVmTWLDjzTFvlOe+80NG4ddaB00+31vn/93+ho1m+oUPh3nuhf3/o2zd0NNVTUgLTpsWzOliXJk2yktz994c+fUJH45yL1U472f7mp5+GW24JHY2LjCdtzq3IJZfAxIl28t2wYehoHMBll0GzZnDppaEjWbY//rCrqZtuaquDsenZE/bc0/a2zZ4dOpqwrrwSSkttT6VzztVG//52AejCC+GDD0JH4yLiSZtzy/Pxx3DnnXD22dCrV+hoXEr79vaG9/zz1s0z26hawjZnDjz2WLxNK3y1zVZz77kHTjkF1l8/dDTOudiJwIMPwrrrwiGH2EVh51aCJ23OLcuCBTaTrXNnuOqq0NG4Jf3tb9Chg3X0zLa9AXffDa+8AjfcABttFDqamuvVy1bbbrwxf1fbLr4Ymja1BNY55zKhVSt47jnbfnHIIdbkzLkV8KTNuWW54QYYPRruuANatAgdjVtS8+YwYICVl7zySuhoKo0ZY3sfd9sNzjgjdDS1l8+rbR98AC++aImbz2V0zmXSJpvAfffBhx9ayaRzKyCabVeo61izZs107ty5ocNwK2HcwO4Zf8w1B3y9cnf8/nvo0QP23ReeeiojPzvTz2eln0suW7jQVrKaNIGvvoKCgvDx9O4Nv/wCo0ZZt7BcsOee8Omn9rzy5QKGqrX3//13ez1o2jR0RK4OBX2/cfnt7LNtvMpTT9mqm8saIjJPVZuFjiPFV9qcW5KqlUUWFdk8MJe9GjaEa66Br7+2vWOhXXklfPGF7YHKlYQNKlfbbr89dCT15+mn4bPP4OqrPWFzztWdG2+EbbaB44/3wdtuuTxpc25JDz4I771n5ZEdO4aOxq3IQQfBFlvY4OPS0nBxfPQRXHcdHHccHHBAuDjqwpZbwh575M/etrIy6xrbo4cNxHXOubrSqJFdJGrWzN47fDamWwZP2pxLN2kSXHABbLeddf9z2a9BA5uhNW6cdfoMYdYsO7lfe+3cXZ0tKYGpU/Njte2OO+Dnn+3CTeiSW+dc7uvUycojx461Fbc827rkVo4nbc6lO/dcmDvXytsa+H+PaOy8M/TrZ6VsM2fW/88/5xz49Vd45JHc3fO11VaVq21z5oSOpu5Mn27dYnfd1T6cc64+7LCDzYJ89lmbj+ncEvys1LmUV16BJ5+0wc0bbBA6GlddgwbZvqsbbqjfn/vss/Cvf9nvzTbb1O/Prm/5sNp27bUwY0b9/x4559z558OBB1rH2nffDR2NyzKetDkHtnJw+umw4YY298vFZ/PN4fDD4eab629Y6YQJ1rSmVy/bU5frttoKdt/dEppcXG375Re47TY45hjbz+acc/UpNXh7vfXg0EOte61zCU/anANbQfj1VyuLbNw4dDSupq66ytruX3ll3f+sigo49lhrfvLoo9bJMh+kVtvuuCN0JJl32WW2h+2qq0JH4pzLVy1a2ODtuXNtBMCCBaEjclnCkzbnhg+HW26BU0+FbbcNHY2rjS5d7N/xvvtstlZd+uc/4c03bWVv/fXr9mdlk623zs3VtuHD4fHH4W9/g86dQ0fjnMtnG20E998PH38MF14YOhqXJTxpc/mtvBxOOgk6dLB27S5+l19uM/Yuu6zufsbo0VZGu9deVh6Zb0pKYMqU3FltU7UTo/btvTzaOZcdDj3UmqPddhs88UToaNwyiMjuIjJGRMaKyMVVfL2viHwpIuUictASX1skIiOSj6Er+lmetLn8dsstMGIEDBkCrVuHjsZlQocONrbhmWdsOHKmlZXBUUdZCct999kehHyz9daw2265s9r2n//Ypv+SEmjZMnQ0zjlnrr/eKoBOPBG++SZ0NG4JIlIA3A7sAWwEHC4iGy1xt3HAscDjVTzEfFXdNPnYZ0U/r7CW8ToXr59/hgEDYJ99lhqGvMWFD2f8xz2fo53gs9L559sq0EUXwX//m9nEasAAS/SHDrUEMV+VlFi3zDvvjLt8p7wc+ve3Etd8XDV1zmWvhg1t8Pbmm9t5yuefQ6tWoaNylbYExqrqTwAi8iSwL/Bt6g6q+kvytYra/jBfaXP5SdX2PhUUWPvyfFwtyWUtWlg3x3ffhddfz9zjvveerS6dcgrsvXfmHjdGvXvbatv119uG+Vg98AB8952NjMiXZjLOuXistpolbj/9BMcd54O361ehiAxP+1jyyl4n4Le02+OTYyurKHncT0VkvxXd2ZM2l58efxzeeMP2sXnTgdx0yimwzjo276ai1he4bHbXX/9qrZh98KmJfW/bnDm2ctqnD+y3wvdL55wLY7vt7ILh88/7DMn6Va6qPdM+7lni61Vd8a9OVr2mqvYEjgBuEZEuy7uzJ20u/0ydapt7t9oKTjstdDSurjRqBFdfDSNHZmYT95ln2sycRx+FZs1q/3i5oHdv2HVXO4mIcbXtxhth0iT77Kvtzrlsdu65NgLgkkus7N9lg/HAGmm3OwMTVvabVXVC8vkn4F1gs+Xd35M2l38uuMBWTe6918ojXe467DDYdFPrKFlWVvPHefJJeOwxW1nacsvMxZcLSkrgzz9tb1tMJk60ZPPgg62xinPOZTMRa37VrZu9t40fHzoiB58DXUVkHRFpBBwGrLALJICItBGRxsmfVwH6kLYXriqetLn88vbb8K9/WeOB7t1DR+PqWoMGMHgw/PIL3H13zR7jt99sRbZ3b7vC6Ra3zTbQr198e9tKSmwQu4/6cM7FIjV4e/58u+Dkg7eDUtVy4EzgdeA74GlVHS0iA0VkHwAR6SUi44GDgbtFZHTy7RsCw0VkJPAOMEhVl5u0iebZhsZmzZrp3JhOLPLYuIGZTapkYQVrPFFmV6tGjYImTZZ537rpHpnZOvQ1B3yd0cfLWaqwyy72b/7jj1W2dF/m71qFsurDv9Do9/n8cVoXyts2XqkfmXf/Nh99ZG2pb7jBVrKz3ejR0KMHnHWWjf1weS/T7zeQh68Drv4884wlbWecAf/8Z+hocpaIzFPVrNkP4SttLm+0fG+ynbTfffdyEzaXY0SsM+CUKdVuINLik6kU/TyX6XusttIJW17q08dW22LZ23bRRZUdRp1zLjYHHWSjbW6/3fZZu7zgSZvLCw3/KKXlR1OsXe5OO4UOx9W3Xr3squRNN8Eff6zUtzT8o5TWb09i3oYtmbuZD15foZISmDwZ7rordCTL9847Nkz70kuhXbvQ0TjnXM0MGgR9+9p8yVGjQkfj6oEnbS73VShth/5ORZMCb5Wbz665BkpL4aqrVnzfhRW0e/Y3KpoUMG3v1b2z4Mro08fKUK+/HubNCx1N1SoqrHxzzTXh7LNDR+OcczVXWAhPPQWtW8OBB1qDNZfTPGlzOa/5Z9No/Pt8pu++ml9Zz2ddu9oVyXvugbFjl3vX1m9PotHkMqbu14mKZoX1FGAOyPbVtieegC+/tAS+qCh0NM45VzsdO8K//23Nto45JjMzSV3W8qTN5bSCmQto/fYk5q/XnHndW4UOx4U2YIDNb7v88mXepfGPc2j5yVRmb9mW0q4t6jG4HLDttrbaNnhw9q22lZZaSeTmm8MRR4SOxjnnMqNPHyv9HzrUXntdzvKkzeUuVdr8ZyKoMm0vL3Fz2FXJ886zkpIvvljqyw3mldPu+fEsbN+YGf06BggwB2TratuQITBunJVIN/C3PudcDjnrLDj8cLsg+dZboaNxdcTfuVzOavLtLJqOmc3MHTuwqE2j0OG4bHHhhVYme/HFix9Xpc3LEyiYt4gpB3RGG/nLY41suy3svHN27W2bOtVKIv/yF29E5JzLPSJW+r/hhpa8jRsXOiJXB/ysxOUkmb+Itq9MZMFqRcze2vexuTQtW1ZejXzzzf8dbjpqBs1Gz2LmjquycHUfCVErJSUwaVLNB5pn2tVXw+zZlkg651wuat7cBm+XldlIgLKy0BG5DKv3pE1E1hCRd0TkOxEZLSLnJMfbisibIvJD8rlNclxE5DYRGSsio0Rk87THOia5/w8ickx9PxeXvVq/9QcN5pYzdZ9OUOBlkW4Jp50Ga61lq20VFRRMX0Db/0ykdK2mzOqzSujo4rfddrailQ1723780WYZHX88bLxx2Ficc64urb8+/Otf8PnncO65oaNxGRZipa0cOF9VNwS2Bs4QkY2Ai4G3VbUr8HZyG2APoGvycTJwJ1iSB5QAWwFbAiWpRM/lt8a/zqXF8OnM7t3OV0xc1Ro3ttb/X34JTzxBu+fHAzB1/87QwJP8jMiW1bZLL4WGDWHgwLBxOOdcfTjgAOjf3/YVP/RQ6GhcBtV70qaqE1X1y+TPs4HvgE7AvkDqt+shYL/kz/sCD6v5FGgtIqsBuwFvquo0VZ0OvAnsXo9PxWWj8graDp1AeeuGzNyxQ+hoXDY74gjo0QOOP56iX+cxbc/VfO9jJvXta6tt118P8+eHiWHYMHj6aZvNttpqYWJwzrn6ds01sOOOcOqpMGJE6GhchgTd0yYiawObAcOADqo6ESyxA1ZN7tYJ+C3t28Ynx5Z1vKqfc7KIDBeR4eXl5Zl8Ci7LtPxgCg2nlDFtr9W9kYRbvoICGDQIFixg7sYtmdejdeiIck9JCfzxR5jVNlVL1jp0sOYzzjmXLwoLbS5lu3Y2eHv69NARuQwIdlYrIs2BZ4FzVXXW8u5axTFdzvGlD6reo6o9VbVnYaEPys1VhX+W0uqDP5nbvZXP13IrZ/fd4b33mLZfZx8JURf69rWrvYMH1/9q24svwocfwpVX2gZ955zLJx062ODt336Do4/2wds5IEgGIyINsYTtMVV9Ljk8SURWU9WJSfnj5OT4eGCNtG/vDExIju+wxPF36zJul8UqlLYvTaCiUQOm7+5lUG4liUDfvui7vipbZ0pKYIcdrB31OedU+9vHDexe/Z+5SFnt9h+gfWMmThgCA//5vy+tOeDr6j+ec87FqHdv+Mc/4Mwz4dprrXOyi1aI7pEC3A98p6o3p31pKJDqAHkM8GLa8b8mXSS3BmYm5ZOvA7uKSJukAcmuyTGXh5p9OZ2iX+cxY7eOVDT31VTnssb229tq26BB9bba1vyLaTScuoAZ/Tp491jnXH47/XQ48kgYMABe99PkmIW4vNwHOBrYSURGJB9/AQYB/UTkB6BfchvgFeAnYCxwL3A6gKpOA64CPk8+BibHXJ5pMHshbd78g9K1mzF3U9+X5FzWSe1tu+eeOv9RUrqIVu9OpnTtpsxf38uknXN5TsT2FW+8sTXg+vXX0BG5Gqr3JQlV/ZCq96MB7FzF/RU4YxmP9QDwQOaiczFq8+pEpFyZts/qvi/JuWy0/fZWIjloEJx8MjSpu1EcLT+aQsHcRfx55Gr+euCccwDNmtng7Z49bfD2Bx9AUVHoqFw1+UYOF7UmY2bRbPQsZm7fnvJ2jUOH45xbltRq27331tmPKJi5kBafTGFu91Ys6OQzGp1z7n+6doWHH4bhw+Hss0NH42rAkzYXLSlbRJuXJ7Bg1cbM2maV0OE455Znhx0qV9vqaG9bq/9OQipgxs4+o9E555ay775wySV28ewBL1SLjSdtLlqt355Mwexypu3TCQr9V9m5rFdSAhMn1slqW8M/5tNs5Axmb9XWh6Q7LTFHrAAAIABJREFU59yyXHUV7LyzNSj58svQ0bhq8DNdF6VG4+fR/LOpzOnVlgVrNA0djnNuZeywg+1vGzQISksz+tCt35hERVEBM/uumtHHdc65nFJQYIO327e3wdvTvIdfLDxpc/FZpLQdOoFFLQq9DMq52FxxRcZX24rGzqbJj3OY1bc92qQgY4/rnHM5qX17eOYZ+P13OOooH7wdCU/aXHRafjyFRpNKmb7n6miRn6A5F5UddoC+fTO32lahtH5jEuVtGjJ7y7a1fzznnMsHW20Ft94Kr75qJZMu63nS5qJSOLWMlu9OZt6GLZm/QcvQ4TjnauKKK2DCBLjvvlo/VLORM2g0qdRW3X1vq3POrbxTT4W//hWuvNKSN5fV/B3OxUOVti9PgAJh+l9WCx2Nc66mUqtt111Xq9U2WVBBq/9OoqxTE+Zt0ipz8TnnXD4QgTvvhO7d4cgj4eefQ0fklsOTNheNZiNnUPTTXGb068iilg1Dh+OcqymRjKy2tfh0CoWzypmxa0cfpO2cczXRtKkN3q6osMHbdTSSxdWeJ20uCg3mltP69T8oW6Mpc7ZoEzoc51xt7bADbLddjVfbGswpp+WHU5jXrQVlazfLfHzOOZcvunSBRx+1EQBnnhk6GrcMhaEDcJk1bmD3jD7emgO+zujj1VSb1ybSoKyCafusDg38irpz0Uuttu28M9x/P5xxRrW+vdV7k5GFFczo17Fu4nPOuXyy115w+eVw9dXQuzeceGLoiNwSPGlzWa9o7GyajZrJzO3bs3DVotDhOOcyZccdK1fbTjgBilbu/3fhlDKaD5/GnM3bUt6+cR0H6ZwLKVcvRmelK66Azz6z1bZNN4WePUNH5NJ4eaTLarKggrYvT2DhKo2YuV370OE45zJJBEpKbFbQ/fev9Le1fmsSWtiAmTv6IG3nnMuYggJ47DHo0MH2t02dGjoil8aTNpfVWr07mcLpC5m2dydo6L+uzuWcnXaCbbe11bayshXevfGvc2n63Sxm9VmFiuZeLOKccxm1yio2eHviROsouWhR6Ihcws+CXdZqOHE+LT6ZwpzN23ijAedyVWpv28qstqnS+o0/KG9RyOxtVqmX8JxzLu/06gVDhsDrr9sMN5cVPGlz2WnRItoO/Z2KpoVM39UbDTiX01Krbddeu9zVtibfzqLx+PnM3HFVtJG/fTnnXJ056SQ47ji46ip4+eXQ0Ti8EYmrLlU7qZo/v/Jj3rzFb1f1Ud37zJ1L4+mlTDl4DbRJQehn7ZyrS6m9bf362Wrb6acvfZ/yClq/NYkFqzZm7mY+9sM55+qUCNx+O4wYAUcfDV98AeuuGzqqvOZJWy6ZMIHCqWXIQkXKK5CFFUi5Lv45+VqDtD8v+3MFPNJ18cSqtNQSt5po1AiaNKn6o2VL2/iadmzauBeYt3HLzP4dOeey0847Q58+lZ0kGy/eFbLF59NoOG0Bk49ay8d+OOdcfWjSxPa39ewJBx4IH39sx1wQnrTlki5dWL0aQ2q1UNBCoaJhA/tzwwb2UShUFBWgzQtptFmvpROspk2XnXwt675FRdaVqBrmDHy/un8DzrlYpfa29esHDzwAp51W+aX5i2j53p+UrtuM0vWah4vROefyzbrr2uDtvfay1+UHH7TXa1fvPGnLJXfdxZShl6MNBS1skPa5wdLHCmWlrlavOeDxegjcOeew1bZttrG9bccf/7/VtlYf/EmD0kW2v9VPFpxzrn795S/w97/DwIE2ePuUU0JHlJd8J3cuOeYY5hW3Zv5GrShdvwVl6zRnwRpNWdixiPJ2jVnUqiEVTQttA7+XFznnsk1qtW38eLuaCxTMWECLYVOZ16M1C1fzshznnAtiwADYfXc4+2wbwO3qnSdtzjnnsscuu1SutpWV0frtSQDM2MkHaTvnXDAFBVYmudpqNnh7ypTQEeUdL490zjmXPVKrbbvuCuecQ7NRM5m57Sosat0odGTOOZff2rWDZ5+1plGHH864PhMzWrm15oCvM/ZYuchX2pxzzmWXXXaxfRN3382ipgXM2q596Iicc84BbLGFjQJ46y1avTM5dDR5xZM255xz2UUErrwSgJnbr4oW+axG55zLGiecABdf7N1865knbc4557JPv37w3XfM2apt6Eicc84t6brrKFurWego8oonbc4557LTBht4i3/nnHMOb0TinHPOuYhsceHDGX/M51tk/CGdcy6jPGlzzjnn6sG4gd0z/pjebc055/KDJ20uYzJ99dOvfDrnnHPOOedJm3POOeeqyVcNnXOufnnS5pxzzjnnas33GzpXd7x7pHPOOeecc85lMU/anHPOOeeccy6LeXmkcy4qXn6zfL7XyDnnspO/Prva8KTNOVdt/sbjnHPOOVd/vDzSOeecc84557KYr7Q555zLCC9ddc455+qGJ20B+QmOc84555xzbkWiT9pEZHfgVqAAuE9VBwUOyTnnXOT8oppzzrlsEnXSJiIFwO1AP2A88LmIDFXVb8NG5lx2yfQJqJ98Zo7/27j64L9n+cMbRbmq+IWo+EWdtAFbAmNV9ScAEXkS2BfwpM0555xzWc8T6uzl/zYum4iqho6hxkTkIGB3VT0xuX00sJWqnrnE/U4GTk5ubg7Mr9dA61chUB46iAzJpecCufV8cum5QG49n1x6LpBbz8efS/bKpeeTS88Fcuv55NJzgdx7PktqoqpZ02k/9pU2qeLYUlmoqt4D3FP34YQnIsNVtWfoODIhl54L5NbzyaXnArn1fHLpuUBuPR9/Ltkrl55PLj0XyK3nk0vPBXLv+WS7rMkea2g8sEba7c7AhECxOOecc84551zGxZ60fQ50FZF1RKQRcBgwNHBMzjnnnHPOOZcxUZdHqmq5iJwJvI61/H9AVUcHDiu0XCoDzaXnArn1fHLpuUBuPZ9cei6QW8/Hn0v2yqXnk0vPBXLr+eTSc4Hcez5ZLepGJM4555xzzjmX62Ivj3TOOeecc865nOZJm3POOeecc85lMU/anHPOOeeccy6LedIWMREpEJFHQ8fhnHPOxSJ57/xb6Dicc646ou4eme9UdZGItBeRRqq6IHQ8tSEibZf3dVWdVl+xZJqIdALWIu3/m6q+Hy6i6hGRl6hiaH2Kqu5Tj+FkjIg8oqpHr+hYDEREgCOBdVV1oIisCXRU1c8Ch1ZjIrIW0FVV3xKRJkChqs4OHdfKEpEhLP//zdn1GE5GiMjmVRyeCfyqquX1HU9NJe+d+wL/CB1LJonIcOBB4HFVnR46ntoQkeuBq4H5wGtAMXCuqkZ3oVpE+gBXUHkeIICq6roh46qJZZwPzASGA3eramn9R5U/PGmL3y/ARyIyFJibOqiqNweLqGa+wF4IBFgTmJ78uTUwDlgnXGg1JyKDgUOBb4FFyWEFoknagBtDB1BHNk6/ISIFwBaBYqmtO4AKYCdgIDAbeBboFTKomhKRk4CTgbZAF6AzcBewc8i4qml46ADqwB3A5sAo7PV5k+TP7UTkVFV9I2Rw1fSRiPwTeIrF3zu/DBdSrR0GHAd8npbAvaFxtgnfVVX7i8j+wHjgYOAdILqkDbgf+Bt2nrNoBffNdj8B7YEnktuHApOA9YF7geguesbEk7b4TUg+GgAtAsdSY6q6DoCI3AUMVdVXktt7ALuEjK2W9gO6qWpZ6EBqSlXfCx1DJonIJcClQBMRmZU6DCwg3pkzW6nq5iLyFYCqTheRRqGDqoUzgC2BYQCq+oOIrBo2pOpR1YdCx1AHfgFOSM1DFZGNgAuBq4DngJiStm2SzwPTjil24SNKqjoWuExE/g7sBTwAVIjIA8CtkVWsNEw+/wV4QlWnWUFBlGaq6quhg8iQzVS1b9rtl0TkfVXtKyL5Pie5znnSFjlVvTJ0DBnWS1VPTd1Q1VdF5KqQAdXST9ibT7RJW4qIdAWuAzYCilLHYyvxUNXrgOtE5DpVvSR0PBmyMFkpVAARaY+tvMWqTFUXpE7SRKSQ5ZQaZrPk3+Iilv5/E2NysEEqYQNQ1W9FZDNV/Sm2E2pV3TF0DHVBRHpgq21/wVbbHwO2Bf4LbBowtOp6SUT+DyuPPD35fxRr6d07InIDdmHjf+cCka7qtheRNVV1HEBSir9K8rWot+nEwJO2yCUvZP2xUq/YTwgApojI5VgJhAJHAVPDhlQr84ARIvI2i79YR7efBSu1KcH2geyInRjEdaaWRlUviX2/YZrbgOeBVUXkGuAg4PKwIdXKeyKSWg3tB5wOvBQ4ppp6DCvB2xM4FTgG+DNoRDU3RkTuBJ5Mbh8KfC8ijYGF4cKqPhHpAFwLrK6qeySrhr1V9f7AodWYiHwBzMDK8S5Oq/AYluyrioaqXpxsL5iV7EGcC+wbOq4a2ir53DPtWKyruucDH4rIj9j7/zpYUt0MyMXqgqwicZY6uxQReQM7IbiAtBMCVb0oaGA1lDQkKQH6Urn3a2BkZR3/IyLHVHU8xtIpEflCVbcQka9VtXty7ANV3S50bDUhIoOwPSCL7TeMuLHKBtieLwHeVtXvAodUYyLSADgB2BV7Pq8D98W4Nyft/80oVe2RHHtPVbcPHVt1JQ1hTsdWbgT4ENvnVgo0VdU5AcOrFhF5FbsQdZmqFieruV+lXttiJCLrqupPoePIBBE5GHhNVWcnF3I3B66OdHUqpyQXaTbAXgP+z5uP1B9P2iKXYycEBcAgVb0wdCyZlOwtWj+5OUZVo7oinSIiHwHbAc9gpTa/Y/9e3YIGVkMiMgboEfN+wxQR6QKMV9UyEdkB6AE8rKozwkZWe8mFnM6qOip0LDUhIp+q6tYi8jq2IjoBeEZVuwQOLa+JyOeq2ktEvlLVzZJjI1Q1phLCxYjIeVUcngl8oaoj6jue2kid04jItlhZ/o3Apaq61Qq+NeuISCsqL0YDvIddjJ4ZLqqaE5FtgLVZvELl4WAB5RGf0xa/VAIwUUT2FJHNsE5r0VHVRcTbva9KyQn0D8Dt2BXp70Wk73K/KXudCzQFzsb+nY7GVnZjldpvmAueBRaJyHrAfVjJyuNhQ6o5EXlXRFomCdsI4EERia0jbsrVyUnb+VhFxH1YJ7noiEgfEXlTRL4XkZ9SH6HjqqG5ItKOyn2gW2MJTsx6YhU3nZKPk4EdgHtFpH/AuGoiVf2wJ3Cnqr4IxNpc6QGso+8hyccsbJU3OiLyCJZAb4t1J+7F4mWfrg75SlvkRGQv4ANgDWAI0BK4QlWj3P8hIjcBXYF/s3gb5ueCBVULyR6DI1R1THJ7fawTVk4lpzESkWex2T/R7zcUkS+T7pH9gfmqOiR9BSE2qdhF5ERgDVUtSa8mcGEkjSGWal2uqtHtOxabOTcEG1vwDdbG/KBYV3QBktXcA1NlqiLSHKuM2B9bbdsoZHzVISIvY9Ucu2AXCecDn6lqcdDAaqCqFdxYV3VF5DtgoxhL1XOBNyKJ38HAh6r6DbBjcmX6RuLdtN8WazySvkFXsa5LMWqYStgAVPV7EYlydSdJOC9k6cYdMW6mBhiafOSChSJyOPBXYO/kWJS/Z4lCEVkNuyp9WehgakNEHgLOSZWqikgb4CZVPT5sZDWSM63LVfVLEdke6IbtzYm2dD3NmizewW8hsJaqzheR2MrADwF2B25U1RnJ60GsWyfmi8i2qvoh/G/Y9vzAMdXUN0BHYGLoQPKRJ23x65G+byWZZRLl1XUAVT0udAwZNlxE7gceSW4fiV2ljtG/sQHH9xL/gFBU9aGkscKa6Yl1pI7DyqKuUdWfRWQd4hxCmzIQaz7yoap+LiLrYmXGMVryNXp6xK/RudS6HGwW4NrYudDmIhL73pzHgU9F5MXk9t7AE0lnv2/DhVV9qjpPRCZjZXg/AOXE+xpwGvBQUiYtwDTg2KAR1dwqwLci8hmLvwZE2cArNl4eGTkRGQnsoKrTk9ttgfdi7YAlIkVY17glRxjEeFU61WXpDCq7rb0P3BFj84tU05vQcWSKiOyNrUo3UtV1RGRTbHO4v/m4jMml12gReaeKwxrjanuyN6cLtmcyvXtsdOXR6URkC9K6e6rq8MAh1YiIlGB7pbqp6voisjrwb1WNanRBOhFpCaCqs0LHUlPJ6vRSVPW9+o4lH/lKW/xuAj4WkWewMsJDgGvChlQrjwD/B+yGXW0/Eoi2dXmSnN2cfMTuJRE5HZsHln6FLcpxDMAV2JX2dwFUdUSyQhUdEfmZKoZPa2SDz1Ny7OJN+ms0WEl7lK/ROTaQuic5tDcnGZMxSlU3Id5qjnT7A5sBXwKo6gQRaRE2pOoRkaNU9dElu3pKMoheVaM7L/DkLCxP2iKnqg+LyHBsD5gAB6hqVGUQS1hPVQ8WkX2T8rXHsTKpqIjI06p6iIh8TdUn0zE2VEh1ikzfV6BAlIkBUK6qM1NvoIlYT+DSu3cVYYlB20CxZELOXLzJhdfoZZ18psR48kmO7c1R1QoRGSkia6rquNDxZMACVVURSXX3bBY6oBpIxVxVshnVe42IfKiq24rIbBaPXbAV6paBQssrnrTlgOQEIKqTgOVIbQSfISKbAH9gew5ic07yea+gUWSQqka5CrUc34jIEUCBiHTFRhl8HDimGqmie98tIvIhMCBEPBkQ/cUbEWmpqrOScsg/SBvBICJtI1uhXt7JZ1RE5CXspLMFubc3ZzVgdPKc0rsvx/icnhaRu4HWInIScDy2nzoaqnp38se3VPWj9K8lzUiioarbJp+jfw2Ime9pc1klafH9LNAd+BfQHBigqneFjKumRGSwql60omMxSLpenkblgNB3gbtj7bgmIk2xzoS7YlcLXweuUtXSoIHVQNK+PKUBtvJ2WoztsQFE5DNV3VJE3gdOx5Kez2Iq9xSRl1V1rypKV1NXpqN5Liki0l5V/wwdR20sa09OSszlX7m230hE+pH2+qyqbwYOqUZSI1lWdCybJReflimyi1DR8qTNuTq0jBfrKOdNich9WBv5h5JDRwOLVPXEcFE5WKpBRDnwC9YqO8qumGkXb3pgQ2ijvniTK0TkB+Bn4CnguVRzlRjl0gW1dCKyFtBVVd9KLkwVqOrs0HHlIxHpDWwDnAv8I+1LLYH9Y7qolnbxSbDREtOTP7cGxuVgJU5W8qTNZRURuRa4fomZRuer6uVhI6seETkNWyFYF/gx7UstgI9U9agggdWCiIxc8k2mqmOxEJGewKVUtvwGot1v6LLMEqufS4m1Tb6IbAkcBuyHleU/qarRjZfIpQtqKUkZ4clAW1XtkpR936WqOwcOrdpE5ABgMLAqlhxEt3cqWfncARvHkn7BaTbwkqpGN8JARO4ChqrqK8ntPYBdVPX8sJHlB0/aXFYRka9UdbMljkVVRgCQzGNpA1wHXJz2pdmxlhGIyJfAwar6Y3J7XeCZ2P5tUkRkDNZU5WugInVcVX8NFlQNJb9vJVSWrr6HjS+YGS6qmktGZRzI0gn1wFAxVVfa6mcRVq46Ejvx7AEMS+0RiZWIrIJ1xT1SVQtCx7Oy0i6odQHGpn2pBfCxqh4ZJLAMEJERWEfcYan3URH5OtLxEmOBvVU1ygZE6URkrRjfV6pS1egfERmuqj2X9T0uc7wRics2BSLSODXHTGz4cePAMVVbcrI8EzgcQERWxU7emotI80i7e12IDdf9CTv5XAsb6hyrP1V1aOggMuQBrBveIcnto7GywgOCRVQ7L2L/f74grUlETFLt8UXkSeBkVf06ub0JcEHI2GoqmTO1P7bS1gUb/7Fl0KCq73HgVeyC2iAqL3R8qKpfBYsqM8pUdUGqI66IFBJZl8I0k3IhYUvMExtKv+QIk+jmGwJTRORy4FHsd+soYMlGWK6OeNLmss2jwNsi8iD2gnA8lXuooiM2wPlmYHVgMpbofIe9eEdFVd9Oym26YUnb/2mEQ8LTlCT79N5m8e5xz4ULqca6qOqBabevTK66x6qzqu4eOogM2SCVsAGo6jdig9xjNBJ4AVvF/SR0MDWRuqAmIp9i7zfPYa9nD4nIvao6JGiAtfOeiFwKNEmaeJwOvBQ4ppoaLiJPYb9vsb8+P4btA90LK5U8Boi1oc/hWFXH88nt95Njrh54eaTLOiKyO7AL9kb6hqpG1eo7nYiMxOYzvaWqm4nIjsDhqnpy4NBWmojspKr/TfYYLCXSN1FE5FFgA2A0leWRqhEOcBaRT4ALVfXD5HYfrBFJ77CR1YyI3AMMSU92YiUiT2Dt19OvTDdX1ehOdEREktlZLbD/K3NCx1RTIjIK6K2qc5PbzYBPIt/T1gAbSp/eEfc+jfBEL7lwu6RYX5+/UNUt0vdMish7qrrcTqbOLclX2lzWUdXXgNeq+pqIfBLZiehCVZ0qIg1EpIGqviMig0MHVU3bA/8F9q7ia4pdqY5RcYx7PZbhNGyloFVyezqVw9CjIZXD6AuB45JS3DIqmxDEeEJ9HPbvk5rd+D5wZ7hwamVjEXkEG9wuIvIncIyqfhM4rpoQYFHa7UXJsWipagU2yyyqeWZVUdWYS++XlBqLM1FE9gQmAJ0DxlNtafMNq6RxzgKMjidtLjZFK75LVpkhIs2xE7XHRGQy1pI9GqpakvxxoKr+nP41EYm5ze+nIrKR2nD62H0HXI/tM2qN7QfbDxgVMqgayJlh9CmqWpp0XHsl1hEMae4BzlPVdwBEZIfk2DYhg6qhB4FhIpIq89oPuD9gPLWWrLBfgZXhFxLhTEAR6a+q14vIEKpIElT17ABh1dbVyQW184EhWMv/v4UNqdpuTD4fAHTEKgfASiN/CRFQPvLySBeV2DpJJiU3pdib55FAK+AxVY1u4+4yWmQv1UkqFiLyHZbk/Ezkqzki8howA/iStNUDVb0pWFC1ICJbA6NT86WScryNVHVY2MiqT0T2AW4AGqnqOsl+toExXpnOwbEfmwPbYv/334+9EYmI/B+WDHzB4q8D0bzfiMjeqvqSiFRZKaCq0e5xzwUi8r6q9l3RMVc3fKXNuTqU2i+RiPLNRkQ2wBqntFpiX1tL4lv5TJcrjS4gtxp3gJUPpl8gmFvFsViUYB0W3wVQ1REisnbAeGrjJxH5O/BIcvso7KJHlJJZeVHOy1uGmar6auggakNVX0o+/+/9Mtmr11xVZwULrBZE5CHgHF18/uxNMe7PA9qLyLqq+hP8r9qmfeCY8oYnbS42Uew5EJHZLL/+O5oBoVi3yL2wsrv0fW2zgZOCRJQBqvqriGwLdFXVB0WkPdA8dFw19LGIdM+Fxh0JSW+eoKoVSfvyGJWr6sxUG/bIHQ9cCTxLsjoFHBsyILeYd5LW8s+xeMfF6BJTEXkc67S4CFs5bCUiN6vqDWEjq5EeqYQNQFWni8hmy/uGLPY34N1kvzHYLM1TwoWTX2J9E3Q5SkQGq+pFyzl2dICwqk1VWwCIyEDgD+zKdKpEskXA0KpNVV8EXhSR3rG2+a6KiJRgQ4+7YftbGmJ1+n1CxlUdOdq4A2xF52wqG3acDvy0nPtns29E5AhsBmVX4Gzg48Ax1VQXYA2gAfY7tzPWHTfW37Ncs1XyOX3QsWL/RrHZSFVniciRwCvARVjyFmPS1kBE2qjqdAARaUuk59+q+lryOrZBcij20T9R8T1tLqssY9/UqFhPPkVkmKputaJjMRCRIqyd9JIDQmMs8SCZY7YZ8KWqbpYci+p3TUTWWt7XVfXX+oolk8SG0d+GnWwqNkvvXFWdHDSwGhCRpsBlWBt2sDbsV8V4oiMiY7DB4N9QOSYj2t8zl71EZDSwKTYM/Z+q+l6s+ydF5K/AJcAzyaGDgWtU9ZFlf1d2Sl7PzgPWUtWTUrNbVfXlwKHlhSgzfZd7ROQ07Gr6usn8nJQWwEdhosqIRcmVwiexk8/DWbzNdEweAf4P2A0YiK0afhc0otpZkMycUvhf05io5OLJsogUAEeq6mGhY8mQjZKPwuRjX2Af4lyd+jO158hlHxHpAFwLrK6qe4jIRtgsuhi7Yt6NdSUcCbyfXKCKck+bqj4sIl8AO2JVEAdE3LX4QWzFMzV6aTzwb8CTtnrgK20uKyTtcNsA1wEXp31ptqpOCxNV7SUNB27FSu4US0DPVdVfwkVVMyLyldqA8FGq2kNEGgKvq2qMpTeIyAVAV6Af9nt3PPC4qg4JGphDRN5V1R1Cx5EJubQ6JSI7Yxee3mbxPVOxzmrMKSLyKnZSfZmqFif7QL/KlXmUIlKoqlGNzEmXVBCkV6mMCxhOjYjIcFXtmTofSI5FuQIaI19pc9lCVfUXETljyS+ISNtYE7ckOds3dBwZkhoQOkNENsH26q0dLpzaUdUbRaQfdvW2GzBAVd8MHJYzH4nIP4GnsM6RQJwNFcit1anjsL0sDalMQBVrfOHCW0VVnxaRSwBUtVxEoqzsEJEBy/jSwHoNJAOSsR83AasDk7E5et9hWw1is0BEmpA0WhORLqRdwHF1y5M2ly0exzoUfoG9GKS3WlMgmuGgkLMDQu9JWhVfDgzFOi0u640164nI34B/e6KWlVLDmtNP0GJtqFAiIveRG6tTxbmyapOj5opIOypPqLcGZoYNqcbSx+UUYecHsZbjXwVsDbyVVKvsiK1Yx6gEeA1YQ0Qew6qIjg0aUR7x8kjn6oAPCM1+SffIQ4Bp2J7DZ1R1UtioXK4RkUex1anRpK1OxdjAR0TuBf4R8X6cnJYMCx8CbIKV47YHDlLVUcv9xgiISGNgqKruFjqW6korKRwJbJaMMPlMVbcMHVt1icgjwNfAfKyj7zBVnRI2qvzhSZvLCsmbzTJFWhaVU0TkWuD6JQaEnq+ql4eNrHZEpAdwKHAgMF5VdwkcUt5bVmmUqsZYGvV1rqxOich3WNv/n8mN0RI5J9nH1g37txmjqgvTvtYv1sqC5P3mM1XtGjqW6hKRt4D9gEFAO6xEspeqbrPcb8xCIrITsC2wHVYBNQJ4X1VvDRpYnvDySJctbko+F2EzZkZibzqLsOo9AAAUSUlEQVQ9gGHYi0Q0ROQllj9ce596DCdT9lDVS1M3kgGhf8HKJWM2GdufNxVYNXAszuRSadSnIrJRjqxO7R46ALd8SaOO0cv48mAgiqQtbQYlQAG2ahjdRZvE+0Br4BzgKKAVkT4XVf2viLwH9MK6YZ6K7c3zpK0eeNLmsoKq7gggIk8CJ6vq18ntTbDOa7G5MXQAdaBARBqn5kslm5EbB46pxpIxE4diJwPPACflyIl19FT1pvTbInIjto8yRtsCx4hI9KtTMXa8dIuRFd8la+yV9udyYFLEnSMFm8+YKsV/SlWnhg2pZkTkbaAZ8AnwAbZiGN38zFh50uayzQaphA1AVb8RkU1DBlQTqvpe6s8i0ghYP7m5WLlKZB4F3haRB7EroMcDMe/NWwsbvzAidCBuhZoSWTOiNL465bJFNPthVPXXZNvEtljcHwJfhY2qZlT1SuDKtFL890Qk1lL8UcAW2L7JmVg36U9UdX7YsPKD72lzWUVEnsBKox7FXqiPApqrapSdlkRkByyx+QW72rYGcIyqvh8wrBoTkT2AnbHn8oaqvh44pFoRkWKsNh/gA1UdGTIeZ5ZVGqWq/wwXlXNxE5EvVXW5+8ezRbKv9WAqx0nsh3X7vTpcVLUjIh2x53QY0CLG1fYUEWmOjQC5AOioqtFW3cTEkzaXVUSkCDgN6Jsceh+4U1VLw0VVcyLyBXCEqo5Jbq8PPKGqW4SNzInI2cDJVJ4U7A/c48O1wxORtdJuxl4a5VxWEJHnVPWA0HGsjKTpzWap9/6kHP9LVd0wbGTVV0Up/lOxluKLyJnYhc4tgF+xc7QPVPW/QQPLE14e6bKKqpaKyF3AK6lEJ3IN05+Hqn4vIg1DBlRTIjKbytWPRtiA3bmq2jJcVLVyIrCVqs4FEJHBWJ2+J22B5VJplHP1RUSaAucDa6rqSSLSFeimqi8DxJKwJX7BmhClLtg2Bn4MFk3t5FIpfhPgZuALv5BW/zxpc1lFRPYBbsCSgnWS/WwDI+22CDBcRO4HHkluH4UNEI+OqrZIvy0i+wHRzZlJI8CitNuLiGujfs6qojTqXyISdWmUc/XgQez9pXdyezzwb+DlYBFVk4gMwS7UlAGjReTN5HY/7OJNdFT14tAxZIqq3hA6hnzm5ZEuqyTlhDsB76rqZsmxUbHWficDQc/AVgwEKyW4I9WBMXYi8qmqbh06jpoQkfOAY4Dnk0P7Af9S1VvCReUgt0qjnKsvaUOcv0p7/xyp+v/t3XuUnVV9xvHvE0QJd6lYsRWQFMnCgCQgoETrpVIvXOQiLLxwa9VVqogsWRZFA1GqrgJaWFVQqyDSLqtIE8EiihAIaQgJ4SpSqoCKKIKAFKIh8vSP/Q5zJldyZs7s95x5PmvNOvPucyY8kzBzzu/svX/bL6ud7ZmSdNTa7rfdz82vIkYlM23RNitsPyoNxoRHU5ydBZwlaSvgz/u1YJPUubRmEuU8vb5918f2WZKuZrigPsZ2luC1wz0MztKoiPGyvHmDwwCSplBmrPrGMy3KJF1s+5Be54lokxRt0Ta3SXo75UywHYHjgQWVM3WtKQoOoPys3QT8RtI82ydWDdad/Ts+X0F5YX1gnSijI2kScIvtacCNtfPEKla7NErS2QC2j68ZLqKlZgGXAy+SdBGwD3B01US9069HgER0Lcsjo1WajdQfBfZthr4HfLKPu0cutT1d0t8CL7I9q5+Xew6S5kXNybZ/VjtLjJQlUhHdkfQnwN6U1QMLbT9YOVJP9NPxBRFjJTNt0RqSNgBOs30SpXAbBM+StA1wGH36PXVsDF+tPp712IYym7OIcjYgAH3c9GZgrKsoy9KoiGFNp9VO9ze320ra1nZWE0QMgBRt0Rq2/yhp0M4vm02ZLZxv+wZJOwB3Vc60vhY3t/sAOwPfaK7fRp92wmycVjtAdC1LoyKGnbmW+0xp7jVoBmPje8R6yPLIaBVJZwI7UtoUd85+fHuNXxTjQtJVwL62n2yuNwSusP3ausm6J+kFlGMLDNxg+1eVI8UzkKVRERObpH1tX1E7R8R4ykxbtM1WwEOMfGfQDJ/X1FckbQ28G9iejp8328fWyjQKLwQ2A37bXG/ajPWlZp/hx4EfUt61PUfSbNtfqZssImL9SdoIOI7hQ+mvBc7tpz3hkm5l9cvxBXhoP3gKtpiIUrRF20wCPmD7EQBJz2XtSz/abg7lifMHjDzIuR99Grix6YgJ8JfAqdXSjN5JlLPAHoKnN/AvAFK0tV+WRkWs6mvAY8A5zfURwIWUpez9Yr/aASLaKkVbtM2uQwUbgO2HJU2vGWiUNrb94dohxsj5lMLzBEqx9nHgBRXzjNYvKC9whjwG/LxSlmg0DYkusP3OtTxsUH6mIsbSTisdpH2VpJurpemC7XtrZ4hoqxRt0TaTJD3X9sMAzYHU/fz/6aWS3mz7u7WDjIHPA08Bk23PbWZBLwZeXjdW1+4Drpc0h7Ic50BgkaQToRy+XTPcRNU0JNpa0rNtL1/DY7I0KmJVSyXtbXshgKS9gOsqZ1ovkh5j7csjNx/nSBGt0c8vhmMwnQkskPQtyi/uw4DT60YalQ8AH5G0HHiyGevXJ569bM+QtBSengV9du1Qo/CT5mPInOZ2swpZYqR7gOskzWVkQ6IU0hEr6dgHtiFwpKSfNdfbAT+qmW192c7v34g1SNEWrWL7a5IWUxqRCDjYdl896XQasCegJ5ula4anm6w8VTdS92yn5X97/bL5mESK6Ih1Gdh9YJKeD2w0dG37ZxXjRFSVlv8RPSbpAODVzeXVti+tmadbkt4BHA7MAC4ADgVOsf3NqsG6JGkPyoHn2zGys+eu1ULFCJI2o8xM/1/tLBH9YhAKneZ580xKh+IHKL+n77D90qrBIipK0RbRQ5I+TdnzdVEzdASwxPY/1EvVPUlTgddTZkGvtH1H5Uhdk3QnpYPkrXTMGGYjfH2SplG63m3VDD0IHGn79nqpItptkAqdpoHK64Af2J4u6bXAEbbfUzlaRDUp2iJ6SNItwG62n2quNwCWZjanPknzbc+snSNWJWkB8FHbVzXXrwH+0fYrqwaLaLFBKnQkLba9R/M9Tbf9lKRFtvesnS2iluxpi+i9LRk+kHqLmkFihFmSvgxcCfxhaNB2Xx7kPmA2GSrYAGxfLWmTmoEi+sCTth+SNEnSJNtXSfpM7VBdekTSpsA1wEWSHgBWVM4UUVWKtoje+hSlDfNVlCWFrwZOrhspGscAUykd14aWRxpI0VbfTyV9jLJEEuCdwN0V80T0g0EqdA4Efg98EHgH5Q3P2VUTRVSW5ZERPSZpG8q+NgHX2/5V5UhBaZNte5faOWJVzRmApwEzKT831wCnDp3fGBGramajl1G6rg4VOhfZfqhqsFGQtDkjG0X9di0PjxhoKdoiekjSQcAPbT/aXG8JvMb2f9ZNFpK+BHy2n4+UiIgYIulY4Frbd9XOMlqS3kuZWVtGWQkxdLj2DlWDRVSUoi2ihyTdZHu3lcaW2p5eK1MUku4AplCW3f2B4RcFaRJTiaTP2T5B0ndozgPsYMre0PNsLxz/dBHtJmk2ZXZ6e2AxcC2liLupZq5uSLoLeIXtB2tniWiL7GmL6K1JqxnLz107vLF2gFjF0B62M9Zw//OArwA7j0+ciP5h++MAkiYD76YcafI5YIOaubr0E+CJ2iEi2iQvHiN6a7Gks4B/ocwUvB9YUjfSxCZpc9u/Ax6rnSVGsr2kuZ23psdIWj5+iSL6h6RTgH2ATYGlwIcos2396GRggaTrGdnd9/h6kSLqyvLIiB5qNoZ/DPirZugK4HTbj9dLNbFJutT2fpLuphTS6rg7eyZaQNKOlM6rOwMbDY3n3yZizSTdSOkWeRkwD1ho+/d1U3VH0iJgPnArw919sX1BtVARlaVoi6hI0jm23187R6xK0ktt3147x0QkaT4wC/gssD/leAbZnlU1WETLSdqMsq9tJnAY8GvbM+umWn+SFth+Ze0cEW2yuv02ETF+9qkdINbownU/JHpksu0rKYXavbZPBV5XOVNEq0maRjnT8CjgcOAXwA+rhureVZLeI2kbSVsNfdQOFVFT9rRFRKye1v2Q6JHfS5oE3CXpfcB9wPMrZ4pou89QzjQ8G7jB9pOV84zG25vbkxnZSTZLpGPCykxbRMTqZe14PScAGwPHA7tTZg+OrJooouVsv4VSsD3U5wUbwIeBl9l+MfBV4Gbg0LqRIupK0RZRV2ZzIlZlyvLUucAewEuAL1VNFNFykvYHbgIub653kzS3bqqunWL7d5JmAm8Azge+UDdSRF0p2iJ6SNLb1jH2z+MYJ9ZPWsvXcxHl3fVDgP2aj/2rJopov1OBPYFHAJpDtbevmGc0/tjcvgU41/Yc4NkV80RUl6ItordOXtuY7fPHL0p0UvFOSUMH0m4rac+h+23vXS/dhPcb23Nt3900IrnX9r21Q0W03Arbj9YOMUbuk3QepQPmdyU9h7xmjQkujUgiekDSm4A3A38m6eyOuzannKMT9X2ecv7P64DZlMO2LwZeXjNUADBL0peBKxl5sO6360WKaL3bJL0d2KA56/B4YEHlTN06DHgjcIbtRyRtA5xUOVNEVSnaInrjl8Bi4ABgScf4Y8AHqySKle1le4akpQC2H5aU5TftcAwwFdiQ4YN1DaRoi1iz9wMfpbzR8e/A94BPVE3UJdtP0PHzbvt+4P56iSLqy+HaET0kaUNKs5GplBedd9rOXqkWkHQ98EpKa+wZkrYGrrA9vXK0CU/SrbZ3qZ0jIiKiLTLTFtFbbwDOA35CKd5eLOm9tv+rbqygtMa+BHi+pNMp7aRPqRspGgsl7Wz7R7WDRPQLSS8BPkRpPvL06zvbOZg+YgBkpi2ihyT9GNjP9v8211OAy2xPrZssACRNBV5PKaivtH1H5UgBSLoDmALcTVnqJcC2d60aLKLFJN0MnEtZkj/UfRHbS9b4RRHRNzLTFtFbDwwVbI2fAg/UChOr+DVwLeV34WRJM2zfWDlTlAYEEbF+VtjOWWYRAypFW0QPSDq4+fR2Sd8F/oOyp+1twA3VgsXTJH0COJqydHVoyYEp3SSjorT3j+jKdyQdR1n23dl19bf1IkXEWMnyyIgekPTVtdxt28eOW5hYLUl3ArukMUxEDAJJd69m2LZ3GPcwETHmMtMW0QO2j6mdIdbpNmBLslw1IgaA7RfXzhARvZOZtogearp5fQH4U9vTJO0KHGD7k5WjTXiS9gDmUIq3zqVEB1QLFRHRJUkbAycC29p+T3PA9k62L60cLSLGQIq2iB6SNA84CThv6PwvSbfZnlY3WUi6nXIcw60MH+CM7XnVQkVEdEnSNyidI49s3iScDPy37d0qR4uIMZDlkRG9tbHtRZI6x1bUChMjPGj77NohIiLGyBTbh0s6AsD2Mq305BMR/StFW0RvPdiczWYASYcC99eNFI0lkj4FzGXk8si0/I+IfrS8mV0ber6ZQsfvtojobynaInrr74EvAlMl3Uc5LPgddSNFY3pzu3fHWFr+R0TfaWbUzgUuB14k6SJgH8qxJhExALKnLaIHJJ240tBkYBLwOIDts8Y9VEREDCxJS4B9KW9ECVho+8G6qSJirGSmLaI3NmtudwJeTulSKOBdwDW1QsUwSVsAs4BXN0PzgNm2H62XKiKiawuBHWxfVjtIRIy9zLRF9JCkK4BDbD/WXG8GfNP2G+smC0kXU9r9X9AMvQt4me2D66WKiOiOpB8BLwHupazqEOVw7V2rBouIMZGZtoje2hZY3nG9HNi+TpRYyRTbh3RcnybppmppIiJG5021A0RE76Roi+itC4FFki6hNLk4iOGZnahrmaSZtucDSNoHWFY5U0REV2zfWztDRPROlkdG9JikGcCrmstrbC+tmScKSbtRCugtmqGHgaNs31IvVURERMSqUrRFxIQk6TnAocAUYEvgUcr+j9lVg0VERESsJMsjI2KimgM8AtwI3Fc5S0RERMQaZaYtIiYkSbfZnlY7R0RERMS6TKodICKikgWSdqkdIiIiImJdMtMWEROKpFspnTyfBewI/BT4AznTKCIiIloqRVtETCiStlvb/WmbHREREW2Toi0iIiIiIqLFsqctIiIiIiKixVK0RUREREREtFiKtoiIiIiIiBZL0RYREROKpGfVzhAREbE+UrRFRETfkbS9pB9LukDSLZK+JWljSfdIel7zmD0kXd18fqqkL0q6AviapKMlzZF0uaQ7Jc3q+LNPlHRb83FCM7aJpMsk3dyMH96M7y5pnqQlkr4naZvx/9uIiIhBl3cbIyKiX+0E/I3t6yR9BThuHY/fHZhpe5mko4E9gWnAE8ANki6jnOF3DLAX5ey+6yXNA3YAfmn7LQCStpC0IXAOcKDt3zSF3OnAsWP9jUZExMSWoi0iIvrVz21f13z+deD4dTx+ru1lHdfft/0QgKRvAzMpRdslth/vGH8VcDlwhqTPAJfavlbSNErR931JABsA94/NtxYRETEsRVtERPSrlQ8aNbCC4aX/G610/+PP4Ou12v+Q/T+SdgfeDHyqWWZ5CXC77Vesb/CIiIj1kT1tERHRr7aVNFQwHQHMB+6hLIMEOGQdX/8GSVtJmgy8FbgOuAZ4a7M/bhPgIOBaSS8EnrD9deAMYAZwJ7D1UAZJG0p66dh9exEREUVm2iIiol/dARwl6TzgLuALwCLgXyV9BLh+HV8/H7gQ+Avg32wvBpB0fvPnAHzZ9lJJfw38k6SngCeBv7O9XNKhwNmStqA8p34OuH0sv8mIiAjZK68OiYiIaDdJ21P2lk3r8uuPBvaw/b4xjBUREdETWR4ZERERERHRYplpi4iIiIiIaLHMtEVERERERLRYiraIiIiIiIgWS9EWERERERHRYinaIiIiIiIiWixFW0RERERERIv9P90T0ex1uIGwAAAAAElFTkSuQmCC"/>
+          <p:cNvSpPr>
+            <a:spLocks noChangeAspect="1" noChangeArrowheads="1"/>
+          </p:cNvSpPr>
+          <p:nvPr/>
+        </p:nvSpPr>
+        <p:spPr bwMode="auto">
+          <a:xfrm>
+            <a:off x="155575" y="-144463"/>
+            <a:ext cx="304800" cy="304801"/>
+          </a:xfrm>
+          <a:prstGeom prst="rect">
+            <a:avLst/>
+          </a:prstGeom>
+          <a:noFill/>
+          <a:extLst>
+            <a:ext uri="{909E8E84-426E-40DD-AFC4-6F175D3DCCD1}">
+              <a14:hiddenFill xmlns:a14="http://schemas.microsoft.com/office/drawing/2010/main">
+                <a:solidFill>
+                  <a:srgbClr val="FFFFFF"/>
+                </a:solidFill>
+              </a14:hiddenFill>
+            </a:ext>
+          </a:extLst>
+        </p:spPr>
+        <p:txBody>
+          <a:bodyPr vert="horz" wrap="square" lIns="91440" tIns="45720" rIns="91440" bIns="45720" numCol="1" anchor="t" anchorCtr="0" compatLnSpc="1">
+            <a:prstTxWarp prst="textNoShape">
+              <a:avLst/>
+            </a:prstTxWarp>
+          </a:bodyPr>
+          <a:lstStyle/>
+          <a:p>
+            <a:endParaRPr lang="en-US"/>
+          </a:p>
+        </p:txBody>
+      </p:sp>
+      <p:pic>
+        <p:nvPicPr>
+          <p:cNvPr id="4" name="Picture 3"/>
+          <p:cNvPicPr>
+            <a:picLocks noChangeAspect="1"/>
+          </p:cNvPicPr>
+          <p:nvPr/>
+        </p:nvPicPr>
+        <p:blipFill>
+          <a:blip r:embed="rId3">
+            <a:extLst>
+              <a:ext uri="{28A0092B-C50C-407E-A947-70E740481C1C}">
+                <a14:useLocalDpi xmlns:a14="http://schemas.microsoft.com/office/drawing/2010/main" val="0"/>
+              </a:ext>
+            </a:extLst>
+          </a:blip>
+          <a:stretch>
+            <a:fillRect/>
+          </a:stretch>
+        </p:blipFill>
+        <p:spPr>
+          <a:xfrm>
+            <a:off x="460375" y="1840911"/>
+            <a:ext cx="7136402" cy="3791213"/>
+          </a:xfrm>
+          <a:prstGeom prst="rect">
+            <a:avLst/>
+          </a:prstGeom>
+        </p:spPr>
+      </p:pic>
+    </p:spTree>
+    <p:extLst>
+      <p:ext uri="{BB962C8B-B14F-4D97-AF65-F5344CB8AC3E}">
+        <p14:creationId xmlns:p14="http://schemas.microsoft.com/office/powerpoint/2010/main" val="2952638090"/>
+      </p:ext>
+    </p:extLst>
+  </p:cSld>
+  <p:clrMapOvr>
+    <a:masterClrMapping/>
+  </p:clrMapOvr>
+  <p:timing>
+    <p:tnLst>
+      <p:par>
+        <p:cTn id="1" dur="indefinite" restart="never" nodeType="tmRoot"/>
+      </p:par>
+    </p:tnLst>
+  </p:timing>
+</p:sld>
+</file>
+
+<file path=ppt/slides/slide16.xml><?xml version="1.0" encoding="utf-8"?>
+<p:sld xmlns:a="http://schemas.openxmlformats.org/drawingml/2006/main" xmlns:r="http://schemas.openxmlformats.org/officeDocument/2006/relationships" xmlns:p="http://schemas.openxmlformats.org/presentationml/2006/main">
+  <p:cSld>
+    <p:spTree>
+      <p:nvGrpSpPr>
+        <p:cNvPr id="1" name=""/>
+        <p:cNvGrpSpPr/>
+        <p:nvPr/>
+      </p:nvGrpSpPr>
+      <p:grpSpPr>
+        <a:xfrm>
+          <a:off x="0" y="0"/>
+          <a:ext cx="0" cy="0"/>
+          <a:chOff x="0" y="0"/>
+          <a:chExt cx="0" cy="0"/>
+        </a:xfrm>
+      </p:grpSpPr>
+      <p:sp>
+        <p:nvSpPr>
+          <p:cNvPr id="6" name="Title 1">
+            <a:extLst>
+              <a:ext uri="{FF2B5EF4-FFF2-40B4-BE49-F238E27FC236}">
+                <a16:creationId xmlns="" xmlns:a16="http://schemas.microsoft.com/office/drawing/2014/main" id="{C9ED24FB-F1DF-43A2-A28A-E1B9714DF31A}"/>
+              </a:ext>
+            </a:extLst>
+          </p:cNvPr>
+          <p:cNvSpPr>
+            <a:spLocks noGrp="1"/>
+          </p:cNvSpPr>
+          <p:nvPr>
+            <p:ph type="title"/>
+          </p:nvPr>
+        </p:nvSpPr>
+        <p:spPr>
+          <a:xfrm>
+            <a:off x="404949" y="800336"/>
+            <a:ext cx="11168742" cy="856138"/>
+          </a:xfrm>
+        </p:spPr>
+        <p:txBody>
+          <a:bodyPr>
+            <a:normAutofit/>
+          </a:bodyPr>
+          <a:lstStyle/>
+          <a:p>
+            <a:r>
+              <a:rPr lang="en-IN" sz="3600" b="1" dirty="0" smtClean="0"/>
+              <a:t>Employment length impact</a:t>
+            </a:r>
+            <a:endParaRPr lang="en-IN" sz="3600" b="1" dirty="0"/>
+          </a:p>
+        </p:txBody>
+      </p:sp>
+      <p:sp>
+        <p:nvSpPr>
+          <p:cNvPr id="9" name="TextBox 8"/>
+          <p:cNvSpPr txBox="1"/>
+          <p:nvPr/>
+        </p:nvSpPr>
+        <p:spPr>
+          <a:xfrm>
+            <a:off x="8091377" y="1562986"/>
+            <a:ext cx="3949995" cy="1708160"/>
+          </a:xfrm>
+          <a:prstGeom prst="rect">
+            <a:avLst/>
+          </a:prstGeom>
+          <a:noFill/>
+        </p:spPr>
+        <p:txBody>
+          <a:bodyPr wrap="square" rtlCol="0">
+            <a:spAutoFit/>
+          </a:bodyPr>
+          <a:lstStyle/>
+          <a:p>
+            <a:pPr>
+              <a:lnSpc>
+                <a:spcPct val="150000"/>
+              </a:lnSpc>
+            </a:pPr>
+            <a:r>
+              <a:rPr lang="en-US" sz="1400" b="1" u="sng" dirty="0"/>
+              <a:t>Observations:</a:t>
+            </a:r>
+            <a:r>
+              <a:rPr lang="en-US" sz="1400" dirty="0"/>
+              <a:t> </a:t>
+            </a:r>
+          </a:p>
+          <a:p>
+            <a:pPr marL="285750" indent="-285750">
+              <a:lnSpc>
+                <a:spcPct val="150000"/>
+              </a:lnSpc>
+              <a:buFont typeface="Wingdings" panose="05000000000000000000" pitchFamily="2" charset="2"/>
+              <a:buChar char="Ø"/>
+            </a:pPr>
+            <a:r>
+              <a:rPr lang="en-US" sz="1400" dirty="0" smtClean="0"/>
+              <a:t>Higher defaults are with people who have higher employment length 10+ years</a:t>
+            </a:r>
+          </a:p>
+          <a:p>
+            <a:pPr marL="285750" indent="-285750">
+              <a:lnSpc>
+                <a:spcPct val="150000"/>
+              </a:lnSpc>
+              <a:buFont typeface="Wingdings" panose="05000000000000000000" pitchFamily="2" charset="2"/>
+              <a:buChar char="Ø"/>
+            </a:pPr>
+            <a:r>
+              <a:rPr lang="en-US" sz="1400" dirty="0" smtClean="0"/>
+              <a:t>Less than 5 years tends to </a:t>
+            </a:r>
+            <a:r>
+              <a:rPr lang="en-US" sz="1400" dirty="0" err="1" smtClean="0"/>
+              <a:t>haave</a:t>
+            </a:r>
+            <a:r>
+              <a:rPr lang="en-US" sz="1400" dirty="0" smtClean="0"/>
+              <a:t> lesser default</a:t>
+            </a:r>
+            <a:endParaRPr lang="en-US" sz="1400" dirty="0"/>
+          </a:p>
+          <a:p>
+            <a:pPr>
+              <a:lnSpc>
+                <a:spcPct val="150000"/>
+              </a:lnSpc>
+            </a:pPr>
+            <a:r>
+              <a:rPr lang="en-US" sz="1400" b="1" u="sng" dirty="0"/>
+              <a:t>Inferences:</a:t>
+            </a:r>
+            <a:r>
+              <a:rPr lang="en-US" sz="1400" dirty="0"/>
+              <a:t> </a:t>
+            </a:r>
+          </a:p>
+        </p:txBody>
+      </p:sp>
+      <p:sp>
+        <p:nvSpPr>
+          <p:cNvPr id="3" name="AutoShape 2" descr="data:image/png;base64,iVBORw0KGgoAAAANSUhEUgAAA20AAAITCAYAAACUrfTPAAAABHNCSVQICAgIfAhkiAAAAAlwSFlzAAALEgAACxIB0t1+/AAAADl0RVh0U29mdHdhcmUAbWF0cGxvdGxpYiB2ZXJzaW9uIDIuMi4zLCBodHRwOi8vbWF0cGxvdGxpYi5vcmcvIxREBQAAIABJREFUeJzs3XmcVNWZ//HPA42AzQ4uCCigKLJ0NYgbAsriFnGNSTT6C5j8JBod/ZmJUScZyWCcOGo0Y+ISEtdMIlHighE1VSyKogho2+wCQhBBZVHAZm36+f1xbzkFdDfdTVXd6q7v+/Wq1+0699x7n6r2hTycc55j7o6IiIiIiIjkpkZRByAiIiIiIiJVU9ImIiIiIiKSw5S0iYiIiIiI5DAlbSIiIiIiIjlMSZuIiIiIiEgOU9ImIiIiIiKSw5S0iYhIzjOzX5rZejP7NA33cjM7JlP9RURE0k1Jm4hIA2ZmK81sRMQxuJmVmdlXZrbBzKaY2XdqcX0X4F+BXu5+eJpje8LMfpnOe1bzrNFmtjv8HjabWYmZjczGs0VEpH5T0iYiItkQc/cWwHHAE8DvzGxsDa89Ctjg7p9nKrgsejv8HtoAjwLPmFm72t7EzBqnPTIREclZStpERPKUmV1tZsvMbKOZTTKzI1LO/beZfRyOCM01s8Ep535hZs+Y2VNmtsXMFpjZgJo8093Xu/ufgGuB28ysfXjP1mb2qJmtNbNPwumQjcNRwjhwRDhC9UTY/1kz+9TMNpnZG2bWOyW+6Wb2f1PejzazNyv5/GOAK4Cfhvd+qZrQv2FmH4VTNO8xs0Zm1jT87vqm3PNQM9tmZofs53uoAB4DmgPdK4sxdVpmOCL4sJlNNrMyYGjY9oiZxcPfw+tmdlTK9QPNbHb4Hc02s4F7fScfhdetMLMrUs5938wWmdkXZvZa6j1FRCQaStpERPKQmQ0DfgV8G+gI/BOYkNJlNlAMtAP+AjxrZs1Szl8Q9m8DTAJ+V8sQXgQKgJPC908C5cAxQD/gLOD/unsCOBdY4+4t3H102P8VoAdwKPAe8OdaPh93Hx9ed3d47/Or6X4xMADoD1wIfN/ddxB8B1em9LscSLj7uuqebWYFwP8FvgKW1jDk7wJ3Ai2BZIJ3BXAH0AEoCT8P4ejdy8ADQHvgPuBlM2tvZoVh+7nu3hIYGF6LmV0E/BtwCXAIMAN4uobxiYhIhihpExHJT1cAj7n7e2HycRtwqpl1BXD3/3H3De5e7u6/BpoSTG1MetPdJ7v7buBPQKw2D3f3XcB6oJ2ZHUaQmP0/dy8Lp0HeD1xWzfWPufuWMPZfADEza12bGGrpv9x9o7uvAn5DkJxBkGx+18yS/z/9PwTfR1VOMbMvgU/De1zs7ptqGMOL7v6Wu1e4+/aw7WV3fyP8Hn5G8DvsApwHLHX3P4W/w6eBxUAyMa0A+phZc3df6+4LwvYfAr9y90XuXg78J1Cs0TYRkWgpaRMRyU9HEIyuAeDuXwEbgE4AZvav4RS5TWGS0ZpgNCcptYrjVqBZOHpUI2bWhGAkZyPBmrUmwFoz+zJ83u8JRtEqu7axmd1lZsvNbDOwMjzVobL+afJxys//JPj+cPdZQBlwupn1JBgpnFTNfd5x9zbu3sHdTwlHEusSwz5t4e9wYxjbHr/flLg7uXsZ8B3gGoLv/OUwdgh+F/+d8nvYCBjhfxciIhINJW0iIvlpDcFf0AEIp8y1Bz4J16/dQjB1sq27twE2EfzlPV0uJJgO+S5B4rED6BAmNG3cvZW7967i2u+G148gSCa7Jj9GeCwDDk7pX13FSa9hvF1Sfj6S4PtLepJgiuT/ASamjILVxh4xm1llMVcW69dxmVkLgumsa9jr95sS9ycA7v6au59JMDV2MfCHsM/HwA9Tfg9t3L25u8+sw2cSEZE0UdImItLwNTGzZimvAoJ1aleZWbGZNSWYBjfL3VcSrJkqB9YBBWZ2O9AqHYGYWbuw6MWDBFMON7j7WuAfwK/NrFVY5ONoMzu9itu0JEjyNhAkOv+51/kS4BIzOzgs5PGDakL6DOheg9BvNrO24dTDG4G/ppz7E8GatyuBp2pwr8p8APQOfx/NCKZ81sQ3zGyQmR1EsLZtlrt/DEwGjjWz75pZgQVbLPQC/m5mh5nZBWGivoNgXd3u8H6PEBSI6Q1fF4j5Vh0/k4iIpImSNhGRhm8ysC3l9Qt3nwL8O/A3YC1wNP+7huw1gkIfHxJMqdtO5VPzauMDM/sKWEZQgOMmd7895fz3gIOAhcAXwESCUaDKPBXG9UnY/529zt8P7CRIyJ6k+iIljwK9wumAL1TT70VgLkFC+HJ4HQDuvpqgGIoTFO6oNXf/EBgHJAgKk+xT7bIKfwHGEkxjPIFgrSLuvgEYSbC/3Qbgp8BId19P8P/+fyUYjdsInA78KLzueeC/gAnh1NP5BOsNRUQkQuZe05khIiIiUhkze4ygwuXPs/jMJ4DV2XymiIhEo8aLxkVERGRfYcXNSwi2KhAREUk7TY8UERGpIzO7g2AK4T3uviLqeEREpGHKWNJmZo+Z2edmNn+v9n8xsyVmtsDM7k5pv83MloXnzk5pPydsW2Zmt6a0dzOzWWa21Mz+Gi7CFhERyRp3//dwY+47I3j2aE2NFBHJD5kcaXsCOCe1wcyGEpRpLgpLOd8btvciWADfO7zmoXAfnsYEFcbOJah6dXnYF4KF0ve7ew+CRevVVQcTERERERGplzK2ps3d3wjn+ae6FrjL3XeEfT4P2y8EJoTtK8xsGXBSeG6Zu38EYGYTgAvNbBEwjGCvHgiqg/0CeHh/cTVq1MibN29e148lIiIiIiIN3NatW93dc2YpWbYLkRwLDDazOwlKSP/E3WcDndizZPPqsA32LDO9GjiZYAPYL929vJL+1WrevDllZWV1/wQiIiIiItKgmdm2qGNIle2krQBoC5wCnAg8Y2bdAaukr1P59E2vpn+lzGwMMAbgoIO09E1EREREROqPbCdtq4HnPNgc7l0zqwA6hO1dUvp1Jtj0kyra1wNtzKwgHG1L7b8Pdx8PjAcoLCzUxnQiIiIiIlJvZHue5gsEa9Ews2OBgwgSsEnAZWbW1My6AT2Ad4HZQI+wUuRBBMVKJoVJ3zTg0vC+o4AXs/pJREREREREsiBjI21m9jRwBtDBzFYDY4HHgMfCbQB2AqPCBGyBmT0DLATKgevcfXd4n+uB14DGwGPuviB8xC3ABDP7JfA+8GimPouIiIiISF3s2rWL1atXs3379qhDkUo0a9aMzp0706RJk6hDqZYFOVP+KCwsdBUiEREREZFsWLFiBS1btqR9+/aYVVaWQaLi7mzYsIEtW7bQrVu3Pc6Z2VZ3L4wotH3kTBlLEREREZGGZvv27UrYcpSZ0b59+3oxCqqkTUREREQkg5Sw5a768rtR0iYiIiIiIpLDlLSJiIiIiAi/+c1v2Lp1a9r6SfooaRMRERERESVtOUxJm4iIiIhInikrK+O8884jFovRp08f/uM//oM1a9YwdOhQhg4dCsC1117LgAED6N27N2PHjgXggQce2KdfixYtvr7vxIkTGT16NADPPvssffr0IRaLMWTIkOx+wAYmY/u0iYiIiIhIbnr11Vc54ogjePnllwHYtGkTjz/+ONOmTaNDhw4A3HnnnbRr147du3czfPhwSktLueGGG7jvvvv26FeVcePG8dprr9GpUye+/PLLjH+mhkwjbSIiIiIieaZv374kEgluueUWZsyYQevWrffp88wzz9C/f3/69evHggULWLhwYa2ecdpppzF69Gj+8Ic/sHv37nSFnpc00iYiIiIikmeOPfZY5s6dy+TJk7nttts466yz9ji/YsUK7r33XmbPnk3btm0ZPXp0lfuZpZbNT+3zyCOPMGvWLF5++WWKi4spKSmhffv2mflADZxG2kREREQk92zZAjt2RB1Fg7VmzRoOPvhgrrzySn7yk5/w3nvv0bJlS7Zs2QLA5s2bKSwspHXr1nz22We88sorX1+b2g/gsMMOY9GiRVRUVPD8889/3b58+XJOPvlkxo0bR4cOHfj444+z9wEbGI20iYiIiEhucYeTT4bhw+G3v406mgZp3rx53HzzzTRq1IgmTZrw8MMP8/bbb3PuuefSsWNHpk2bRr9+/ejduzfdu3fntNNO+/raMWPG7NHvrrvuYuTIkXTp0oU+ffrw1VdfAXDzzTezdOlS3J3hw4cTi8Wi+rj1nrl71DFkVWFhoZeVlUUdhuShVeP6pvV+R94+L633ExERyRlLl8Kxx0IsBiUlUUdzQBYtWsTxxx8fdRhSjcp+R2a21d0LIwppH5oeKSIiIiK5JR4PjgsXws6d0cYikgOUtImIiIhIbkkkguOuXbB4cbSxiOQAJW0iIiIikjvKy2HqVEiuofrgg2jjEckBStpEREREJHfMnQubNsGPfgTNmtX7NW0i6aCkTURERERyR3I921lnQZ8+GmkTQUmbiIiIiOSSRAL69YMOHYLqkR98EGwBIJLHtE+biIiIiOSGr76CmTPhppuC97EYPPoorF0LRxwRbWxpcsLNT6X1fnPv+V5a7ye5SSNtIiIiIpIbZswIKkaOGBG8Ly4OjpoimVa/+MUvuPfee6s8v27dOk4++WT69evHjBkzan3/J554guuvvx6AF154gYULF9Y51nSYPn06M2fOjDSGA6WkTURERERyQzwOTZvCoEHB+6Ki4KhiJFk1ZcoUevbsyfvvv8/gwYMP6F5K2tJDSZuIiIiI5IZEIkjYmjcP3rduDV27aqQtDe68806OO+44RowYwZIlSwBYvnw555xzDieccAKDBw9m8eLFlJSU8NOf/pTJkydTXFzMtm3buPbaaxkwYAC9e/dm7NixX9+za9eurF+/HoA5c+Zwxhln7PHMmTNnMmnSJG6++WaKi4tZvnx5pbEtW7aMESNGEIvF6N+/P8uXL8fdufnmm+nTpw99+/blr3/9KxAkYCNHjvz62uuvv54nnnji63jGjh1L//796du3L4sXL2blypU88sgj3H///RQXF9dp5DAXaE2biIiIiETv009h3jy4664925PFSKTO5s6dy4QJE3j//fcpLy+nf//+nHDCCYwZM4ZHHnmEHj16MGvWLH70ox8xdepUxo0bx5w5c/jd734HBAlfu3bt2L17N8OHD6e0tJSi5ChoNQYOHMgFF1zAyJEjufTSS6vsd8UVV3Drrbdy8cUXs337dioqKnjuuecoKSnhgw8+YP369Zx44okMGTJkv8/s0KED7733Hg899BD33nsvf/zjH7nmmmto0aIFP/nJT2r+peUYJW0iIiIiEr0pU4Jjcj1bUiwGL70E27b97wic1MqMGTO4+OKLOfjggwG44IIL2L59OzNnzuRb3/rW1/127NhR6fXPPPMM48ePp7y8nLVr17Jw4cIaJW01sWXLFj755BMuvvhiAJo1awbAm2++yeWXX07jxo057LDDOP3005k9ezatWrWq9n6XXHIJACeccALPPfdcWmLMBUraRERERCR68Ti0axeU+09VXAwVFTB/Ppx4YjSxNQBmtsf7iooK2rRpQ8l+1guuWLGCe++9l9mzZ9O2bVtGjx7N9u3bASgoKKCiogLg67ba8iq2c6iqPfWZlT23adOmADRu3Jjy8vI6xZSLlLSJiIiISLTcg/Vsw4dDo71KLsRiwbGkpEEkbVGU6B8yZAijR4/m1ltvpby8nJdeeokf/vCHdOvWjWeffZZvfetbuDulpaXEkt93aPPmzRQWFtK6dWs+++wzXnnlla/XrnXt2pW5c+dy7rnn8re//a3SZ7ds2ZItW7ZUGVurVq3o3LkzL7zwAhdddBE7duxg9+7dDBkyhN///veMGjWKjRs38sYbb3DPPfewa9cuFi5cyI4dO9i+fTtTpkxhULJwTRVatmzJ5s2ba/el5RgVIhERERGRaC1eDJ98Ameeue+5rl2hZUutazsA/fv35zvf+Q7FxcV885vf/Loi5J///GceffRRYrEYvXv35sUXX9zn2lgsRr9+/ejduzff//73Oe20074+N3bsWG688UYGDx5M48aNK332ZZddxj333EO/fv2qLETypz/9iQceeICioiIGDhzIp59+ysUXX0xRURGxWIxhw4Zx9913c/jhh9OlSxe+/e1vU1RUxBVXXEG/vUdmK3H++efz/PPP1+tCJFbV0GNDVVhY6GVlZVGHIXlo1bi+ab3fkbfPS+v9REREIvPb38INN8BHH0G3bvueHzQIzIJ93OqZRYsWcfzxx0cdhlSjst+RmW1198KIQtqHRtpEREREJFrxOBx9dOUJGwRTJEtLg2mUInlISZuIiIiIRGfXLpg+fd+qkaliMdi8GVauzFZUkgHXXXcdxcXFe7wef/zxqMOqF1SIRERERESi8+67sGVL5evZkoqLg2NJSdWjcZLzHnzwwahDqLc00iYiIiIi0UkkgvVqQ4dW3adPn6CqpIqRSJ5S0iYiIiIi0YnHYcCAYI+2qhx8MPTooaRN8paSNhERERGJxubN8M471a9nS4rFlLRJ3tKaNhERERGJxuuvw+7d1a9nS4rF4JlngkSvVavMx5Yh2gJI6kIjbSIiIiISjUQCmjeHgQP33zdZjKS0NLMxCbfffjuJRGKf9unTpzNy5MgIIgqsXLmSv/zlL5E9P0pK2kREREQkGvE4DBkCTZvuv28sFhxLSjIbkzBu3DhG1GTKapblWtJmZueY2RIzW2Zmt1Zy/hozm2dmJWb2ppn1Ctu7mtm2sL3EzB7Z37OUtImIiIhI9n3yCSxaVLP1bABHHAHt22tdWx2sXLmSnj17MmrUKIqKirj00kvZunUr48aN48QTT6RPnz6MGTMGDzcvHz16NBMnTgTg1VdfpWfPngwaNIjnnnuu2ud89dVXXHXVVfTt25eioiL+9re/AfD000/Tt29f+vTpwy233PJ1/xYtWnz988SJExk9evTXz7/hhhsYOHAg3bt3/zqWW2+9lRkzZlBcXMz999+ftu+nLsysMfAgcC7QC7g8mZSl+Iu793X3YuBu4L6Uc8vdvTh8XbO/5ylpExEREZHsS06/q8l6Ngi2BVAxkjpbsmQJY8aMobS0lFatWvHQQw9x/fXXM3v2bObPn8+2bdv4+9//vsc127dv5+qrr+all15ixowZfPrpp9U+44477qB169bMmzeP0tJShg0bxpo1a7jllluYOnUqJSUlzJ49mxdeeGG/8a5du5Y333yTv//979x6azCIdddddzF48GBKSkq46aab6v5lpMdJwDJ3/8jddwITgAtTO7j75pS3hYDX9WEZS9rM7DEz+9zM5ldy7idm5mbWIXxvZvZAOLRYamb9U/qOMrOl4WtUSvsJ4XDjsvBay9RnEREREZE0SyTgkEOgby0Kc8RiMH9+ULxEaqVLly6cdtppAFx55ZW8+eabTJs2jZNPPpm+ffsydepUFixYsMc1ixcvplu3bvTo0QMz48orr6z2GYlEguuuu+7r923btmX27NmcccYZHHLIIRQUFHDFFVfwxhtv7Dfeiy66iEaNGtGrVy8+++yzOnziA1ZgZnNSXmP2Ot8J+Djl/eqwbQ9mdp2ZLScYabsh5VQ3M3vfzF43s8H7CyaTI21PAOfs3WhmXYAzgVUpzecCPcLXGODhsG87YCxwMkE2O9bM2obXPBz2TV63z7NEREREJAe5B0nbiBHBptk1VVwM27bB0qWZi62B2nt8w8z40Y9+xMSJE5k3bx5XX30127dv3+911XH3ffonp1zuL6a9n900ZZ1jdffIoHJ3H5DyGr/X+cq+mH0CdfcH3f1o4Bbg52HzWuBId+8H/Bj4i5lVWxI1YyX/3f0NM+tayan7gZ8CL6a0XQg85cFv5B0za2NmHYEzgLi7bwQwszhwjplNB1q5+9th+1PARcArmfk0IiIiIpI2CxbAp5/WfD1bUmoxkp490x9XFkRVon/VqlW8/fbbnHrqqTz99NMMGjSImTNn0qFDB7766ismTpzIpZdeusc1PXv2ZMWKFSxfvpyjjz6ap59+utpnnHXWWfzud7/jN7/5DQBffPEFJ598MjfeeCPr16+nbdu2PP300/zLv/wLAIcddhiLFi3iuOOO4/nnn6dly5bV3r9ly5Zs2bLlAL6FtFoNdEl53xlYU03/CYQDU+6+A9gR/jw3HIk7FphT1cVZXdNmZhcAn7j73pORqxperK59dSXtVT13THJos7y8/AA+gYiIiIgcsHg8ONY2aTv+eGjSROva6uD444/nySefpKioiI0bN3Lttddy9dVX07dvXy666CJOPPHEfa5p1qwZ48eP57zzzmPQoEEcddRR1T7j5z//OV988QV9+vQhFosxbdo0OnbsyK9+9SuGDh1KLBajf//+XHhhsPTrrrvuYuTIkQwbNoyOHTvu9zMUFRVRUFBALBaLvBAJMBvoYWbdzOwg4DJgUmoHM+uR8vY8YGnYfkhYyAQz604wa/Cj6h5mmRxuDEfa/u7ufczsYGAacJa7bzKzlcAAd19vZi8Dv3L3N8PrphCMxg0Dmrr7L8P2fwe2Am+E/UeE7YOBn7r7+fuLqbCw0MvKytL8SUX2T5tpioiIhM47D5YtgyVLan9tLAadOsHkyemPKwMWLVrE8ccfH2kMK1euZOTIkcyfv0+pCaHy35GZbXX3wuquM7NvAL8BGgOPufudZjYOmOPuk8zsv4ERwC7gC+B6d19gZt8ExgHlwG5grLu/VN2zMjY9shJHA92AD8L5q52B98zsJKoeXlxNMEUytX162N65kv4iIiIikst27oTXX4ewvHutxWIwZUpaQxKpC3efDEzeq+32lJ9vrOK6vwF/q82zsjY90t3nufuh7t7V3bsSJF793f1TgqHE74VVJE8BNrn7WuA14CwzaxsWIDkLeC08t8XMTgmrRn6PPdfIiYiIiEgueucdKCur/dTIpOJiWLMG1q1Lb1wNWNeuXdM6yvb4449TXFy8xyu1aqSkX8ZG2szsaYJRsg5mtppg2O/RKrpPBr4BLCOY/ngVgLtvNLM7COaMAoxLFiUBriWoUNmcoACJipCIiIiI5Lp4PKgYOXRo3a5PFiP54IO6J35ZVllVxfrsqquu4qqrroo6jLSIqDJlrWWyeuTl+znfNeVnBypNz939MeCxStrnAH0OLEoRERERyapEAk46CVq3rtv19Sxpa9asGRs2bKB9+/YNKnFrCNydDRs20KxZs6hD2a9srmkTERERkXz25Zfw7rvws5/V/R4dOsARR9SbCpKdO3dm9erVrNN0zpzUrFkzOnfuvP+OEVPSJiIiIiLZMX06VFQc+AhZLFZvkrYmTZrQrVu3qMOQei6r+7SJiIiISB6Lx6GwEE455cDuE4vBokVBJUqRPKCkTURERESyI5GA00+Hgw46sPsUF8OuXbBwYXriEslxStpEREREJPNWrYIPP4Qzzzzwe6UWIxHJA0raRERERCTzEongmI6Kjz16QPPmStokbyhpExEREZHMi8fh8MOhd+8Dv1fjxtCnj5I2yRtK2kREREQksyoqYMqUYJQtXXuVJStI1pPNkUUOhJI2EREREcms0lJYty4969mSiothwwb45JP03VMkRylpExEREZHMSq5nGz48ffdUMRLJI0raRERERCSz4nHo1Qs6dUrfPYuKgqOSNskDStpEREREJHO2b4cZM9JTNTJVq1bQrZuSNskLStpEREREJHNmzoRt29K7ni0pWYxEpIFT0iYiIiIimZNIQEEBnH56+u9dXBxs2F1Wlv57i+QQJW0iIiIikjnxOJxyCrRsmf57x2JByf/589N/b5EcoqRNRERERDJj40aYOzf969mSVEFS8oSSNhERERHJjKlTg5GwTKxnA+jaNShIoqRNGjglbSIiIiKSGYlEMC3yxBMzc3+zoPS/kjZp4JS0iYiIiEhmxOMwdCg0aZK5ZxQXQ2kpVFRk7hkiEVPSJiIiIiLp99FHwStT69mSYjHYsgVWrMjsc0QipKRNRERERNIvkQiOmVrPlqRiJJIHlLSJiIiISPolEtCpExx3XGaf06cPNGqkpE0aNCVtIiIiIpJeu3fDlCnBKJtZZp/VvDkce6ySNmnQlLSJiIiISHqVlAR7tGV6PVtScbGSNmnQlLSJiIiISHrF48ExW0lbLAYrV8KXX2bneSJZpqRNRERERNIrkYC+feGww7LzvGQxktLS7DxPJMuUtImIiIhI+mzbBm++mfmqkalUQVIaOCVtIiIiIpI+b74JO3Zkb2okQMeO0KGDkjZpsJS0iYiIiEj6xOPQpAkMGZK9Z5oFo21K2qSBUtImIiIiIumTSMDAgVBYmN3nFhfDvHlQXp7d54pkgZI2EREREUmPdevg/fezOzUyKRYLpmV++GH2ny2SYUraRERERCQ9pk4NjtksQpKkYiTSgClpExEREZH0SCSgdWs44YTsP7tnz2AtnZI2aYCUtImIiIjIgXMPipAMGwYFBdl//kEHQa9eStqkQVLSJiIiIiIHbvly+Oc/o1nPllRcDCUl0T1fJEOUtImIiIjIgYvHg2MU69mSYjH49FP4/PPoYhDJACVtIiIiInLgEgk48kg45pjoYlAxEmmglLSJiIiIyIHZvTuoHHnmmcFG11FR0iYNVMaSNjN7zMw+N7P5KW33mNliMys1s+fNrE3KudvMbJmZLTGzs1PazwnblpnZrSnt3cxslpktNbO/mtlBmfosIiIiIlKNuXPhyy+jXc8G0L49dOqkpE0anEyOtD0BnLNXWxzo4+5FwIfAbQBm1gu4DOgdXvOQmTU2s8bAg8C5QC/g8rAvwH8B97t7D+AL4AcZ/CwiIiIiUpXkerbhw6ONA4JiJErapIHJWNLm7m8AG/dq+4e7l4dv3wE6hz9fCExw9x3uvgJYBpwUvpa5+0fuvhOYAFxoZgYMAyaG1z8JXJSpzyIiIiIi1UgkgmTpkEOijiSYIrloEezYEXUkImkT5Zq27wOvhD93Aj5OObc6bKuqvT3wZUoCmGyvlJmNMbM5ZjanvLy8qm4iIiIiUltlZfDWW9FWjUwVi0F5OSxcGHUkImkTSdJmZj8DyoE/J5sq6eaqZYjmAAAgAElEQVR1aK+Uu4939wHuPqAgis0eRURERBqqGTNg167o17MlqRiJNEBZz2DMbBQwEhju7slEazXQJaVbZ2BN+HNl7euBNmZWEI62pfYXERERkWyJx6FpUxg8OOpIAsccA82bK2mTBiWrI21mdg5wC3CBu29NOTUJuMzMmppZN6AH8C4wG+gRVoo8iKBYyaQw2ZsGXBpePwp4MVufQ0RERERCiQScdlqQKOWCxo2hqEhJmzQomSz5/zTwNnCcma02sx8AvwNaAnEzKzGzRwDcfQHwDLAQeBW4zt13h6No1wOvAYuAZ8K+ECR/PzazZQRr3B7N1GcRERERkUp89hmUlubOerakWAxKSsCrXD0jUq9kbHqku19eSXOViZW73wncWUn7ZGByJe0fEVSXFBEREZEoTJkSHHNlPVtSLAbjx8Pq1dCly/77i+S4KKtHioiIiEh9Fo9Du3bQr1/UkexJxUikgVHSJiIiIiK15x6sZxs2LFhHlkuKioKjkjZpIJS0iYiIiEjtLVkSTD/MtfVsAC1bQvfuStqkwVDSJiIiIiK1l0gEx1xbz5ZUXBwUIxFpAJS0iYiIiEjtxePBaFb37lFHUrlYDJYtg7KyqCMROWBK2kRERESkdsrLYdq03B1lgyBpc4d586KOROSAKWkTERERkdp5913YsiU317MlqYKkNCBK2kRERESkdhIJMIOhQ6OOpGpHHQWtWytpkwZBSZuIiIiI1E48DiecAO3bRx1J1cyC0TYVI5EGQEmbiIiIiNTcli3wzju5vZ4tKRaD0lKoqIg6EmmAzOwcM1tiZsvM7NZKzl9jZvPMrMTM3jSzXinnbguvW2JmZ+/vWUraRERERKTmXn89KESSy+vZkmKxoHrkRx9FHYk0MGbWGHgQOBfoBVyempSF/uLufd29GLgbuC+8thdwGdAbOAd4KLxflZS0iYiIiEjNJRLQrBkMHBh1JPunYiSSOScBy9z9I3ffCUwALkzt4O6bU94WAh7+fCEwwd13uPsKYFl4vyopaRMRERGRmovHYciQIHHLdb17Q6NGStqkLgrMbE7Ka8xe5zsBH6e8Xx227cHMrjOz5QQjbTfU5to9gqlt9CIiIiKSp9asgYULYfToqCOpmebNoWdPFSORuih39wHVnLdK2nyfBvcHgQfN7LvAz4FRNb02lUbaRERERKRmEongWB/WsyXFYhppk0xYDXRJed8ZWFNN/wnARXW8VkmbiIiIiNRQIgGHHAJFRVFHUnOxGKxaBV98EXUk0rDMBnqYWTczO4igsMik1A5m1iPl7XnA0vDnScBlZtbUzLoBPYB3q3uYpkeKiIiIyP65B0nb8OHBOrH6IlmMpLQUTj892likwXD3cjO7HngNaAw85u4LzGwcMMfdJwHXm9kIYBfwBcHUSMJ+zwALgXLgOnffXd3zlLSJiIiIyP4tXAhr19aP/dlSpVaQVNImaeTuk4HJe7XdnvLzjdVceydwZ02fVY/+mUREREREIhOPB8f6tJ4N4PDD4dBDVYxE6jUlbSIiIiKyf4kE9OgBRx4ZdSS1Y6ZiJFLvKWkTERERkert3AnTp9e/UbakWAwWLIDy8qgjEakTJW0iIiIiUr1Zs6CsrP6tZ0uKxWDHDliyJOpIROpESZuIiIiIVC8eDypGDh0adSR1k1qMRKQeUtImIiIiItVLJODEE6FNm6gjqZuePeGgg5S0Sb2lpE1EREREqrZpE7z7bv1dzwbQpAn07q0KklJvKWkTERERkapNnw67d9ff9WxJqiAp9ZiSNhERERGpWjwOBx8Mp54adSQHJhaDzz4LXiL1jJI2EREREalaIgGnnx6sCavPVIxE6jElbSIiIiJSuY8/Dsrk1+f1bElK2qQeU9ImIiIiIpVLJIJjfV/PBtCuHXTpomIkUi8paRMRERGRysXjcNhh0KdP1JGkh4qRSD2lpE1ERERE9lVREYy0jRgBZlFHkx6xGCxeDNu3Rx2JSK0oaRMRERGRfc2bB+vWNYz1bEmxWLB9wcKFUUciUitK2kRERERkXw1pPVuSipFIPaWkTURERET2FY/D8cdDp05RR5I+Rx8NhYUqRiL1jpI2EREREdnTjh3wxhsNa5QNoHFj6NtXI21S7yhpExEREZE9zZwJ27Y1rPVsSckKku5RRyJSY0raRERERGRPiUQwKnX66VFHkn6xGHz5ZbBxuEg9oaRNRERERPYUj8Mpp0CrVlFHkn4qRiL1UMaSNjN7zMw+N7P5KW3tzCxuZkvDY9uw3czsATNbZmalZtY/5ZpRYf+lZjYqpf0EM5sXXvOAWUPZQEREREQkQl98AXPmNLz1bEl9+wb7zqkYidQjmRxpewI4Z6+2W4Ep7t4DmBK+BzgX6BG+xgAPQ5DkAWOBk4GTgLHJRC/sMyblur2fJSIiIiK1NXVqsN6rIa5nA2jZMqgiqZE2qUcylrS5+xvAxr2aLwSeDH9+Ergopf0pD7wDtDGzjsDZQNzdN7r7F0AcOCc818rd33Z3B55KuZeIiIiI1FUiESQ2J50UdSSZkyxGIlJPZHtN22HuvhYgPB4atncCUleDrg7bqmtfXUl7pcxsjJnNMbM55eXlB/whRERERBqseBzOOAOaNIk6ksyJxWD5cvjqq6gjEamRXClEUtl6NK9De6Xcfby7D3D3AQUFBXUMUURERKSBW7EiSGYa6nq2pFgsmAI6b17UkYjUSLaTts/CqY2Ex8/D9tVAl5R+nYE1+2nvXEm7iIiIiNRVIhEcG+p6tqTi4uCoYiRST2Q7aZsEJCtAjgJeTGn/XlhF8hRgUzh98jXgLDNrGxYgOQt4LTy3xcxOCatGfi/lXiIiIiJSF4kEHHEE9OwZdSSZ1aULtGmjdW1Sb2RsrqCZPQ2cAXQws9UEVSDvAp4xsx8Aq4Bvhd0nA98AlgFbgasA3H2jmd0BzA77jXP3ZHGTawkqVDYHXglfIiIiIlIXFRUwZQqMHBmUxG/IzFSMROqVjCVt7n55FaeGV9LXgeuquM9jwGOVtM8B+hxIjCIiIiISKimBDRsa/nq2pFgMHn00SFYb5UqZB5HK6b9QEREREQmqRkJ+JW1lZUHhFZEcp6RNRERERIL1bH36wOGHRx1JdsRiwVFTJKUeUNImIiIiku+2bYMZMxp+1chUvXtD48aqICn1gpI2ERERkXz31luwY0f+TI0EaNYsqJKpkTapB5S0iYiIiOS7eByaNIEhQ6KOJLtUQVLqCSVtIiIiIvkukYBTT4UWLaKOJLtiMfj4Y9i4cf99RSKkpE1EREQkn61fD++/n1/r2ZKSxUhKS6ONQ2Q/lLSJiIiI5LOpU8E9v9azJRUXB0cVI5Ecp6RNREREJJ/F49C6NQwYEHUk2XfYYcFL69okxylpExEREclX7kHSNnQoFBREHU00VIxE6gElbSIiIiL5avly+Oc/83M9W1IsBgsWwK5dUUciUiUlbSIiIiL5KpEIjvm4ni0pFoOdO2HJkqgjEamSkjYRERGRfBWPw5FHQo8eUUcSHRUjkXpASZuIiIhIPtq9O6gcOWIEmEUdTXSOOw6aNtW6NslpStpERERE8tHcufDll/m9ng2CAiy9eytpk5ympE1EREQkHyXXsw0bFm0cuUAVJCXHKWkTERERyUfxeLCe69BDo44kerEYfP45fPpp1JGIVEpJm4iIiEi+KSuDmTPzu2pkKhUjkRynpE1EREQk38yYEZS5z/f1bElFRcFRUyQlRylpExEREck3iQQcdBAMGhR1JLmhbdtg6wMlbZKjlLSJiIiI5Jt4PEjYDj446khyh4qRSA5T0iYiIiKSTz77DEpLtZ5tb7EYLFkC27ZFHYnIPpS0iYiIiOSTKVOCo5K2PcViwYbjCxZEHYnIPpS0iYiIiOSTRCJYw9W/f9SR5JZkBUlNkZQcpKRNREREJF+4B+vZhg2Dxo2jjia3dO8OLVooaZOcpKRNREREJF98+CGsXq1S/5Vp1Aj69lXSJjlJSZuIiIhIvojHg6PWs1UuWUHSPepIRPagpE1EREQkXyQS0K0bHH101JHkplgMNm2CVauijkRkD0raRERERPJBeTlMm6ZRtuoki5GUlEQbh9QLZnaOmS0xs2Vmdmsl539sZgvNrNTMppjZUSnndptZSfiatL9nKWkTERERyQezZ8PmzVrPVp2+fcFM69pkv8ysMfAgcC7QC7jczHrt1e19YIC7FwETgbtTzm1z9+LwdcH+nlejpM3MptSkTURERERyVDweJCTDhkUdSe4qLIRjjlHSJjVxErDM3T9y953ABODC1A7uPs3dt4Zv3wE61/Vh1SZtZtbMzNoBHcysrZm1C19dgSPq+lARERERybJEItibrX37qCPJbcliJJLvCsxsTsprzF7nOwEfp7xfHbZV5QfAKynvm4X3fcfMLtpvMPs5/0Pg/xEkaHMBC9s3EwwHioiIiEiu27IF3n4b/vVfo44k98ViMHFi8J21bBl1NBKdcncfUM15q6St0rKjZnYlMAA4PaX5SHdfY2bdgalmNs/dl1f1sGpH2tz9v929G/ATd+/u7t3CV8zdf1fdtSIiIiKSI954IyhEovVs+5csRlJaGm0ckutWA11S3ncG1uzdycxGAD8DLnD3Hcl2d18THj8CpgP9qnvY/kbakjf9rZkNBLqmXuPuT9XkehERERGJUDwOzZrBaadFHUnui8WC4wcf6PuS6swGephZN+AT4DLgu6kdzKwf8HvgHHf/PKW9LbDV3XeYWQfgNPYsUrKPGiVtZvYn4GigBNgdNjugpE1EREQk1yUSMHhwkLhJ9Tp3hrZtta5NquXu5WZ2PfAa0Bh4zN0XmNk4YI67TwLuAVoAz5oZwKqwUuTxwO/NrIJg5uNd7r6wuufVKGkjmIPZy13bw4uIiIjUK2vWwIIF8L3vRR1J/WCmYiRSI+4+GZi8V9vtKT9Xuimiu88E+tbmWTXdp20+cHhtbiwiIiIiOWBKuEuT1rPVXCwG8+bB7t377yuSBTVN2joAC83sNTOblHzV9aFmdpOZLTCz+Wb2dLi1QDczm2VmS83sr2Z2UNi3afh+WXi+a8p9bgvbl5jZ2XWNR0RERKTBisehQ4f/Xasl+1dcDFu3wrJlUUciAtR8euQv0vVAM+sE3EAw3XKbmT1DsHDvG8D97j7BzB4h2Mvg4fD4hbsfY2aXAf8FfCfccfwyoDfBlgQJMzvW3fVPIiIiIiIA7sF6tuHDoVFN/61e9ihGctxx0cYiQg1H2tz99cpeB/DcAqC5mRUABwNrgWHAxPD8k0Byk7kLw/eE54dbsJLvQmCCu+9w9xXAMoKdyUVEREQEYOFCWLsWRlS6tEaq0qsXFBRoXZvkjBolbWa2xcw2h6/tZrbbzDbX5YHu/glwL7CKIFnbRLBx95fuXh52S91R/OvdxsPzm4D21GIXcjMbk9zNvLy8vLIuIiIiIg1PIhEctZ6tdpo2hZ49lbRJzqjpSFtLd28VvpoB3wTqtLl2uC/BhUA3gmmNhcC5lT02eUkV52q8C7m7j3f3Ae4+oKCgpjNCRUREROq5eByOOQaOOirqSOofVZCUHFKnyc3u/gLBdMa6GAGscPd17r4LeA4YCLQJp0vCnjuKf73beHi+NbCRGu5CLiIiIpKXdu2C6dM1ylZXxcWwejVs2BB1JCI1nh55ScrrUjO7iypGtWpgFXCKmR0crk0bDiwEpgGXhn1GAS+GP08K3xOenxruFzcJuCysLtkN6AG8W8eYRERERBqWd96BsjKtZ6ur1GIkIhGr6VzB81N+LgdWEkxxrDV3n2VmE4H3wnu9D4wHXgYmmNkvw7ZHw0seBf5kZssIRtguC++zIKw8uTC8z3WqHCkiIiISSiSCipFDh0YdSf2UmrQNq+sEM5H0sGDQKn8UFhZ6WVlZ1GFIHlo1rlYb3+/XkbfPS+v9RESkgRk4MNgcetasqCOpvzp2hLPPhieeiDoSyTIz2+ruhVHHkVTT6ZGdzex5M/vczD4zs7+ZWedMByciIiIidbBpE7z7rtazHSgVI5EcUdNCJI8TrCE7gqCs/kthm4iIiIjkmunTg1E2rWc7MLEYLFgAO3dGHYnkuZombYe4++PuXh6+ngAOyWBcIiIiIlJXiQQcfDCcemrUkdRvxcVBFc7Fi6OORPJcTZO29WZ2pZk1Dl9XAqp/KiIiIpKL4nEYMiTYJFrqThUkJUfUNGn7PvBt4FNgLUHp/asyFZSIiIiI1NHHH8OSJVrPlg7HHhskvkraJGI1Lfl/BzDK3b8AMLN2wL0EyZyIiIiI5IpEIjhqPduBKyiAPn2UtEnkajrSVpRM2ADcfSPQLzMhiYiIiEidJRJw6KHQN71bzeStZAXJPNsmS3JLTZO2RmbWNvkmHGmr6SidiIiIiGRDRUWQtI0YAWZRR9MwFBfDunWwdm3UkUgeq2ni9WtgpplNBJxgfdudGYtKRERERGpv/nz4/HOtZ0un1GIkRxwRbSySt2o00ubuTwHfBD4D1gGXuPufMhmYiIiIiNRSPB4ctZ4tfYqKgqPWtUmEajzF0d0XAgszGIuIiIiIHIhEAnr2hM6do46k4WjTBo46SkmbRKqma9pEREREJJft2AGvv65RtkxIFiMRiYiSNhEREZGG4JlnYNs2rWfLhOLiYO+7bduijkTylJI2ERERkfruwQdh9Gg48UQlbZkQiwWVOefPjzoSyVNK2kRERETqq9274cc/huuvh/PPh2nToHnzqKNqeFIrSIpEQHutiYiIiNRHW7fClVfC88/DDTfAffdB48ZRR9UwdesGLVooaZPIKGkTERERqW8+/zwYWZs9G37zG7jxxqgjatgaNQpK/ytpk4hoeqSIiIhIfbJ4MZxyCsybB889p4QtW4qLg6TNPepIJA8paRMRERGpL954AwYOhLKyoLz/RRdFHVH+iMVg82ZYuTLqSCQPKWkTERERqQ/+8pegMuThh8M77wSVIiV7VIxEIqSkTURERCSXucMvfwlXXBGMsr31VlAYQ7KrTx8wU9ImkVAhEhEREZFctWsXXHMNPPZYUCnyj3+Epk2jjio/FRZCjx5K2iQSGmkTERERyUWbNsE3vhEkbLffDk89pYQtarEYlJREHYXkISVtIiIiIrlm1SoYNAimT4fHH4f/+I9gap5Eq7gYVqwICpKIZJGSNhEREZFc8t57QUn/Vavg1Vdh9OioI5KkZDGS0tJo45C8o6RNREREJFe8/DIMGQJNmsDMmTB8eNQRSSpVkJSIKGkTERERyQUPPQQXXADHHReU9O/dO+qIZG+dOkG7dkraJOuUtImIiIhEqaICbr4ZrrsuKDzy+uvQsWPUUUllzFSMRCKhpE1EREQkKtu2wbe/DffeGyRtL7wALVpEHZVUp7gY5s+H3bujjkTyiJI2ERERkSisWwfDhsFzz8F998FvfwuNG0cdlexPLBYk20uXRh2J5BElbSIiIiLZ9uGHQYXIkhKYOBFuukkl/esLFSORCChpExEREcmmGTPg1FNhyxaYNg0uuSTqiKQ2jj8eCgqUtElWKWkTERERyZann4YRI+CQQ4IKkaecEnVEUltNmwaJm4qRSBYpaRMRERHJNHf41a/gu98NErWZM6F796ijkroqLtZIm2SVkjYRERGRTNq1C8aMgX/7tyBp+8c/gr2+pP6KxWDNGli/PupIJE8oaRMRERHJlM2bYeRI+OMf4ec/h//5n2B6ndRvKkYiWaakTURERCQTVq+GQYNgypQgabvjDlWIbCiUtEmWFUQdgIiIiEiDU1IC550XVIicPBnOOivqiCSdDjkEOnZU0iZZE8lIm5m1MbOJZrbYzBaZ2alm1s7M4ma2NDy2DfuamT1gZsvMrNTM+qfcZ1TYf6mZjYris4iIiIjs4ZVXYPBgaNQI3npLCVtDVVysCpKSNVFNj/xv4FV37wnEgEXArcAUd+8BTAnfA5wL9AhfY4CHAcysHTAWOBk4CRibTPREREREIvH738P550OPHjBrFvTtG3VEkimxGCxaBDt3Rh2J5IGsJ21m1goYAjwK4O473f1L4ELgybDbk8BF4c8XAk954B2gjZl1BM4G4u6+0d2/AOLAOVn8KCL5Z+fOYCH9lVdCRUXU0YiI5I6KCrjlFrjmGjj7bHjjDTjiiKijkkyKxYLKoIsWRR2J5IEoRtq6A+uAx83sfTP7o5kVAoe5+1qA8Hho2L8T8HHK9avDtqraRSQTliyBgQPhzjvhz3+GCROijkhEJDds3w6XXQZ33x0kbS++CC1aRB2VZJqKkUgWRZG0FQD9gYfdvR9Qxv9OhaxMZWWWvJr2fW9gNsbM5pjZnPLy8trGK5Lf3OEPf4D+/WHFCpg4MZjH/7OfwY4dUUcnIhKt9eth+HB49lm45x546CEoUJ23vNCjBzRrpqRNsiKKpG01sNrdZ4XvJxIkcZ+F0x4Jj5+n9O+Scn1nYE017ftw9/HuPsDdBxToD1KRmtuwAb75zWBT2FNPhdLS4P1dd8HKlcHaDRGRfLV0afBn49y58Mwz8JOfqKR/PikoCNYsqhiJZEHWkzZ3/xT42MyOC5uGAwuBSUCyAuQo4MXw50nA98IqkqcAm8Lpk68BZ5lZ27AAyVlhm4ikw5QpUFQEf/978K/H//gHdApnIJ91FgwbFuw5tHlztHGKiEThrbeChO3LL2HqVPjWt6KOSKIQiwUjbV7pZC+RtImqeuS/AH82s1KgGPhP4C7gTDNbCpwZvgeYDHwELAP+APwIwN03AncAs8PXuLBNRA7Ezp3w05/CmWdCy5bwzjvBvx43SvnjwiwYbVu/Hn796+hiFRGJwl//GkyJbNcO3n47WO8r+SkWC2alrKl0spdI2pjn2b8MFBYWellZWdRhSB5aNS69ZZ+PvH1eWu8HwOLF8N3vwvvvww9/CPfdBwcfXHX/b3872DR2+XI47LD0xyMikkvcg2Ijt94KgwbBCy9A+/ZRRyVRmjEDhgyBl1+Gb3wj6mgkjcxsq7sXRh1HUlQjbSKSS9xh/Pig2MiqVcFfRB55pPqEDYJKktu3B9MkRUQasvJyuPbaIGG77DKIx5WwSbCMAFSMRDJOSZtIvlu/Hi65JBhZGzQoKDZy4YU1u7ZHD7j66qAgybJlmY1TRCQqW7YEG2b//vdw223BtifNmkUdleSC1q2ha1cVI5GMU9Imks8SieBfCSdPDtamvfpq7TeDvf12OOgg+Pd/z0yMIiJRWr0aBg8ORtbGj4f//M891/iKFBdrpC1Pmdk5ZrbEzJaZ2T5bmJnZj81soZmVmtkUMzsq5dwoM1savkbtfe3e9KeOSD7asSMoLnLmmdCmDcyaBT/+cd3+ItKxI9x0U7DZ9ty56Y9VRCQqH3wAp5wSrNt9+eVgZoHI3mKxYPuHrVujjkSyyMwaAw8C5wK9gMvNrNde3d4HBrh7EcE2Z3eH17YDxgInAycBY8Nq+FVS0iaSbxYtCv4S8utfB+sz5swJ/pXwQNx8c7C247bb0hOjiEjUXnstmDIO8OabcPbZ0cYjuSsWg4oKmD8/6kgku04Clrn7R+6+E5gA7LG+xN2nuXsym3+HYF9pgLOBuLtvdPcvgDhwTnUPU9Imki/cg+IiJ5wQTPeZNAkeemj/xUZqonVr+PnPg+lD8fiB309EJEp/+AOcdx507x5sexKLRR2R5LLkfx+aItnQFJjZnJTXmL3OdwI+Tnm/Omyryg+AV+p4rZI2kbywbh1cdFEwsjZ4cFBs5Pzz0/uMa6+Fo44KKqtVVKT33iIi2VBRAf/2bzBmTDB9fMYM6Nx5/9dJfuvaNdjXVMVIGppydx+Q8hq/13mr5JpK91IzsyuBAcA9tb02SUmbSEP3j38ExUZefRXuvx9eeSVYh5ZuTZsGpf/few+efTb99xcRyaTt24N9Kn/1qyBpe+klaNUq6qjk/7N33+FRVtkDx7+HBAi9iaBgRcQGsYCKKFYsa+997b2uBesSxQa2VVl7W3tZK7p2115QVEDRH4oNEQTpNYGQ8/vjvLMZIJQkk9y5M+fzPHnCvJlMzkCYec97zz0nBg0a2Gqbr7Tlm/HAGmm3OwNLTVkXkV2Ay4B9VLWsOt+bzpM253JVWZk1F9ltN2jbFj7/HM49t267nh1xBHTvDpddBgsW1N3Pcc65TJo6FXbZBZ56CgYPtlLywsLQUbmYFBdbFYtXmuSTz4GuIrKOiDQCDgOGpt9BRDYD7sYStslpX3od2FVE2iQNSHZNji2TJ23O5aJvv4Utt7SVtTPPtGYjqQGgdamgAAYNsk5r991X9z/POedqY+FCqw7o3dteJ598Evr3B6mqcsm55Sgutnl+v/wSOhJXT1S1HDgTS7a+A55W1dEiMlBE9knudgPQHPi3iIwQkaHJ904DrsISv8+BgcmxZRLV5ZZP5pxmzZrp3LlzQ4fh8tC4gd0z+nhrDvh66YOqcOedcP75Vl//4IO2mb4+qcKOO1qXyh9/hObN6/fnO+dcOlWYPBm+/x7GjKn8+P57e40qL7dqhBdfrOwW6Vx1ffYZbLUVPPcc7L9/6GhcBojIPFVtFjqOFF/7dy5XTJ4MJ5wAL78Mu+9uCVvHjvUfh4ittvXuDTffbMO3nXOurs2fb7Oy0pOy1J9nzqy8X+PG0LUrbLIJHHAAdOtmpZGdltu4zbnl22QT234wYoQnba5OeNLmXC547TU49liYMQNuvdVKIuty79qKbL21nQzdcIN1lWzfPlwszrncUVEBv/22dFI2ZgyMG7f4fTt3toTsyCPtc7dusP76sOaaVsrtXCY1bWq/X96MxNURT9qci1lpqbXYv/VW2Hhjm5HWPbNlmDV2zTXwwgtw9dUWn3POrawZM6ouZ/zhB1tRS2nRwpKx7bazE+ZUcta1KzTLmqomly+Ki2HYsNBRuBzlSZtzsfrmG+vW+PXXcNZZ1vGsSZPQUVXaYAMr17zzTnbgcegAACAASURBVOtauc46oSNyzmWThQvhp5+qLmecnNZkraDAhlyvv76VMaavmnXs6E1DXPYoLrYOpDNnQqtWoaNxOcaTNudio0rzz6bBdb1shtB//gN/+UvoqKpWUgKPPgp//7t9dnVr/HhrXV5cHDoS54wqTJq09KrZmDGWsC1aVHnf9u0tGdt778VXzdZdFxo1CvccnFtZqdfeUaNs9de5DPKkzbmINJhTTrsXxtPkhzmWqD3wAHToEDqsZevUCc45xxqTXHABbLpp6Ihy16xZdpIwZYq1nG7XLnRELp/Mm7fsJiCzZlXer6jIShd79ICDD1581axNm3DxO5cJqaRt5EhP2lzGect/5+pJbVv+F/0wm3bPj6dBWQXTd+1I25d/j6MsaMYMu1K+1Vbw6quho8ldxx4LjzxiKxuXXGJ7Cp3LpEWLlt0E5LffFr/vGmtUJmSppKxbN2sCErJJknN1SRVWXRX23ddnleYAb/nvnKuehRW0efMPWgybxoIOjZl8zBos7FBE2xgSNoDWreHSS+HCC+Gdd2yGm8usZ56Bhx6yMtQxY+C22+C883y1zdXM1KmVSVn65x9+gLKyyvu1bGmJWN++iydo663nTUBcfhKx1TbvIOnqgK+0OVdParLS1nBSKe2e+Y1Gk8uYtXU7ZuzSARraVeoqh2tnq9LSyqYBw4bFsUIYi99/t1KzLl3go4/sBLtHD19tc8tXWgpjx1adnE2dWnm/wkL73UqtlKV/7tDB/y87t6Tzz4c77oDZs+3/j4uWr7Q551ZMlebDptHmzT+oKCpg8lFrUdq1Reioaq6oCAYOhOOOg2efhYMOCh1RbqiosL/T0lJr9NKwoQ14PfhgGDLEV9vyXUWFNadZMikbMwZ+/dVKuVJWW82SsQMPXDw5W3tt+71yzq2c4mJ7Tf7hB9hww9DRuBziK23O1ZOVXWlrMKecds+Pp8nYOcxfvwVT9+1ERfOlr69EtdIGth+muBgWLIDRo/1EMBNuvdXGKdx9N5x8cuXxb76xeX2XXWZz8lxumz592eWM6TPNmje3ZCy9M2PqdouILwo5l01GjrSmW088AYcdFjoaVwvZttLmSZtz9WRlkrai72fT7oXxSFkFM3bryJxebZdZfhRd0gbw0kuwzz5w111wyimho4nb6NGwxRbQrx8MHbr078khh8Brr1knybZtg4ToMqisrHKmWXoTkO+/hz//rLxfQYHNRFyylLFbN1tN83JG5+rWggV2geS886xzsouWJ22BedLmQlle0iYLK2j9xh+0+GwaCzoUMfWgzixctWi5jxdl0qZqbZB//NH203izgpopK7NunBMn2nD1VVdd+j6p1bbLL4errqr/GF31qdoexapWzX7+2codUzp0qHqfmc80cy68TTe1iyTeMTlq2Za0+Z425wJr+EfSbOTPMmb1TpqNFOZoS2wRGDwYtt0WbrnFyvdc9f3971aC89JLVSdsYHvbDjrISij/9jdfbcsmM2daIlZVcjZvXuX9mja1RGyLLeCIIyqTs65drSurcy47FRfDm2+GjsLlGF9pc66eLLXSVqG0GDaV1m9OoqJJAVP370Tpeiu/ryTKlbaU/faz9v8//girrBI6mri8+y7stJPtYbvrruXf9+uvrZOkr7aF9/TTcPvtlpxNmlR5vEEDa/ZRVTnj6qv7TDPnYnTzzdZFcvJkaN8+dDSuhrJtpc2TNufqSXrS1mD2Qtq98DtNxs5hXrcWTNu3ExXNqrfwHXXS9u23Vrp3zjn25uZWzowZloQVFcFXX61ceenBB8Prr/vetpAmTLDVsU6dbJU5vQlIly7QuHHoCJ1zmfT227DLLrbatssuoaNxNZRtSZuXRzpXz5qMmUXbF35HFlYwba/VmdOzTf41B9hoIzj2WFt5OOccWGut0BHF4YwzLAH45JOV3w84YIAN377lFhu74OrfgAFQXm7J8zrrhI7GOVfXiovt84gRnrS5jPG6C+fqiSyooM3LE2j/+DgWtWzIH6d0WW53yJx3xRVW+jVgQOhI4vDEE/D44/b31qvXyn9f9+42e+vWW2HatDoLzy3DN9/Agw/CmWd6wuZcvlhlFVtZHzkydCQuh3jS5lx9GDmSjvf8SIvPpzFrm3b8cdK6lLdffnfInLfGGnDWWfDIIzBqVOhostu4cXDaadC7N1x8cfW/f8AAmDXLVttc/erfH1q29KY7zuWb4mJP2lxG+Z42l7VWdhh1dQTZBzZ2LBQXU16wgGn7d6a0S/OMPGzUe9pSpk2zPT19+sDLL4eOJjtVVMDOO8Pw4VZq06VLzR7noINsf8Uvv0CbNhkN0S1Dal/LjTdaUwLnXP649FK44QaYM8f3rUYq2/a0+Uqbc3VJFU49FQoLmXRSl4wlbDmjbVtbOfrPf+D990NHk51uvtk6Rt52W80TNvDVtvpWUQEXXmidIc88M3Q0zrn6Vlxse1m/+y50JC5HeNLmXF16+GG72j54MItaNQwdTXY6+2yr/b/oIktyXaWRI+1q7QEHWOOW2ujRwx7nlltg+vSMhOeW47HHrMPntdf6VXbn8lF6MxLnMsCTNufqyp9/wnnnwTbb2EwtV7UmTeDKK+HTT+GFF0JHkz1KS+HII6FdO7j77sw0rEmttt16a+0fyy3b/Pm2h61nTzj00NDROOdC6NrV3t98X5vLEE/anKsr550Hs2fDPff4gNwVOeYY2GADuOQSKydx9ncxejT861+ZG0BeXFy52jZjRmYe0y3tttvgt99sL5v/33cuPxUUWPdeT9pchvi7iXN14Y034NFHbb/WxhuHjib7FRbCddfBmDGWpOS7N9+0xOqss2C33TL72AMGwMyZvretrkyZYiWRe+8N228fOhrnXEipDpJe+u8ywJM25zJt7lxrPtKtm+1Hcitn332tpX1JCcybFzqacKZNs/1rG24Igwdn/vGLi2H//X21ra5cdZW9BtTFv51zLi7Fxfaa/vvvoSNxOcCTNucy7cor4eefbR9SUZ7PYqsOERg0CCZMgCFDQkcThiqccorth3z0UdsPURdSq22+ty2zxo6FO+6AE0+0pNs5l9+8GYnLIE/anMukr76yFu0nnuilUTXRty/stZeVSk6bFjqa+vfII/DMM7Zas/nmdfdzNt0U9tsP/vEPX23LpEsusU6RV1wROhLnXDbo0cM++742lwHBkjYRKRCRr0Tk5eT2OiIyTER+EJGnRKRRcrxxcnts8vW10x7jkuT4GBHJ8MYP56pp0SI46SRrGnH99aGjide111qHw+uuCx1J/fr5Z5vn1bcvXHBB3f88X23LrE8+sYS7f3/o2DF0NM65bNCyJay7ridtLiNCrrSdA6RPHBwM/ENVuwLTgROS4ycA01V1PeAfyf0QkY2Aw4CNgd2BO0SkoJ5id25pt90GX3xhn9u0CR1NvLp3h7/+1Uokf/stdDT1Y9Eie84iNtuvoB5eyjbbzFbbfG9b7alaor3aanD++aGjcc5lk1QzEudqKUjSJiKdgT2B+5LbAuwEPJPc5SFgv+TP+ya3Sb6+c3L/fYEnVbVMVX8GxgJb1s8zcG4Jv/wCl18Oe+4JBx8cOpr4XXmlnQiXlISOpH5cfz18+CHcfjustVb9/dwBAyxhu+22+vuZuej55+Hjj2HgQGjWLHQ0zrlsUlwMP/xgDYqcq4VQK223AP2BiuR2O2CGqqYGNI0HOiV/7gT8BpB8fWZy//8dr+J7FiMiJ4vIcBEZXu4zoFymqcLpp9sqye23Z2YIcr5bay0rFXzoIZtVlsu++MKSp0MPtWHa9Wmzzaxrp+9tq7mFCytHexx3XOhonHPZprjYzhO++SZ0JC5y9Z60ichewGRV/SL9cBV31RV8bXnfs/hB1XtUtaeq9iwsLKxWvM6t0NNPw6uvwtVX1+8qSa679FJo3jy3xybMm2eJWseOcOedYRL+khJfbauNu++2q+jXX18/Za3Oubh4B0mXISFW2voA+4jIL8CTWFnkLUBrEUllVJ2BCcmfxwNrACRfbwVMSz9exfc4Vz+mTYOzz4aePW0Qssucdu3gootg6FArHcxF/ftXDhQPtQ8yfbVt5swwMcRq5kzrFLnTTrDHHqGjcc5lo7XXtoYkvq/N1VK9J22qeomqdlbVtbFGIv9V1SOBd4CDkrsdA7yY/Hlocpvk6/9VVU2OH5Z0l1wH6Ap8Vk9PwznTvz9MnQr33utX2evCOedYc4eLL7byklzyyitWTnveebDzzmFj8b1tNTNokP3/v+EGL4t2zlVNxJuRuIzIpjltFwHnichYbM/a/cnx+4F2yfHzgIsBVHU08DTwLfAacIaqLqr3qF3+evdduP9+6xa36aaho8lNzZpZ+d5HH8FLL4WOJnP+/BOOP946ZV5zTehobCbcPvvYjEFfbVs5v/1mnTePOqpuZ+o55+JXXAyjRkFFxYrv69wyBE3aVPVdVd0r+fNPqrqlqq6nqgerallyvDS5vV7y9Z/Svv8aVe2iqt1U9dVQz8PlodJSOOUUm7+SLx0OQzn+eFh/fRtcvCgHrsuowsknw/Tp8NhjUFQUOiKT2ts2ZEjoSOJw+eX2b3n11aEjcc5lu+JimDPH5nE6V0PZtNLmXDyuuQa+/x7uuguaNg0dTW5r2NAGbn/7rc0wi90DD8ALL9jw8O7dQ0dTafPNYe+9fbVtZYwYAY88YuW73nzIObci3ozEZYAnbc5V1zff2F6Wo4+Gfv1CR5MfDjgAttzS9l7Nnx86mpobO9ZO9HfaCc49N3Q0SyspsRVAX21bNlW48EJo29ZWf51zbkU22QQaNPB9ba5WPGlzrjoqKqy0rVUruOmm0NHkDxEYPBjGj7fmHTEqL7f9Tw0b2vy5Bln48rvFFpWrbbNmhY4mO73+Orz1Fvz979C6dehonHMxaNIEunXzpM3VShaeNTiXxe6+Gz75xE5q27cPHU1+2WEH2H13K5WcPj10NNV37bUwbJiV1HbuHDqaZfPVtmVbtMhW2bp0gdNOCx2Ncy4m3kHS1ZInbc6trN9/t7lhu+xipZGu/g0aZM0yBg8OHUn1DBsGAwfaStuhh4aOZvm22AL22stWkn21bXEPPWTl0dddB40ahY7GOReTTTeFX3+1/dnO1YAnbc6trLPOgoULbaXEZzKFUVwMRx4Jt95qSXQM5syxZK1TJ/jnP0NHs3J8tW1pc+daSeTWW8NBB634/s45l+7oo61C56CD7H3BuWrypM25lfH88/ZxxRVWGuXCGTjQytSuuCJ0JCvnvPPgxx+t22CrVqGjWTk9e9pqm+9tq/SPf8CECXDjjX7RxjlXfauvDk8+CWPGwAknWFMj56rBkzbnVmTWLDjzTFvlOe+80NG4ddaB00+31vn/93+ho1m+oUPh3nuhf3/o2zd0NNVTUgLTpsWzOliXJk2yktz994c+fUJH45yL1U472f7mp5+GW24JHY2LjCdtzq3IJZfAxIl28t2wYehoHMBll0GzZnDppaEjWbY//rCrqZtuaquDsenZE/bc0/a2zZ4dOpqwrrwSSkttT6VzztVG//52AejCC+GDD0JH4yLiSZtzy/Pxx3DnnXD22dCrV+hoXEr79vaG9/zz1s0z26hawjZnDjz2WLxNK3y1zVZz77kHTjkF1l8/dDTOudiJwIMPwrrrwiGH2EVh51aCJ23OLcuCBTaTrXNnuOqq0NG4Jf3tb9Chg3X0zLa9AXffDa+8AjfcABttFDqamuvVy1bbbrwxf1fbLr4Ymja1BNY55zKhVSt47jnbfnHIIdbkzLkV8KTNuWW54QYYPRruuANatAgdjVtS8+YwYICVl7zySuhoKo0ZY3sfd9sNzjgjdDS1l8+rbR98AC++aImbz2V0zmXSJpvAfffBhx9ayaRzKyCabVeo61izZs107ty5ocNwK2HcwO4Zf8w1B3y9cnf8/nvo0QP23ReeeiojPzvTz2eln0suW7jQVrKaNIGvvoKCgvDx9O4Nv/wCo0ZZt7BcsOee8Omn9rzy5QKGqrX3//13ez1o2jR0RK4OBX2/cfnt7LNtvMpTT9mqm8saIjJPVZuFjiPFV9qcW5KqlUUWFdk8MJe9GjaEa66Br7+2vWOhXXklfPGF7YHKlYQNKlfbbr89dCT15+mn4bPP4OqrPWFzztWdG2+EbbaB44/3wdtuuTxpc25JDz4I771n5ZEdO4aOxq3IQQfBFlvY4OPS0nBxfPQRXHcdHHccHHBAuDjqwpZbwh575M/etrIy6xrbo4cNxHXOubrSqJFdJGrWzN47fDamWwZP2pxLN2kSXHABbLeddf9z2a9BA5uhNW6cdfoMYdYsO7lfe+3cXZ0tKYGpU/Njte2OO+Dnn+3CTeiSW+dc7uvUycojx461Fbc827rkVo4nbc6lO/dcmDvXytsa+H+PaOy8M/TrZ6VsM2fW/88/5xz49Vd45JHc3fO11VaVq21z5oSOpu5Mn27dYnfd1T6cc64+7LCDzYJ89lmbj+ncEvys1LmUV16BJ5+0wc0bbBA6GlddgwbZvqsbbqjfn/vss/Cvf9nvzTbb1O/Prm/5sNp27bUwY0b9/x4559z558OBB1rH2nffDR2NyzKetDkHtnJw+umw4YY298vFZ/PN4fDD4eab629Y6YQJ1rSmVy/bU5frttoKdt/dEppcXG375Re47TY45hjbz+acc/UpNXh7vfXg0EOte61zCU/anANbQfj1VyuLbNw4dDSupq66ytruX3ll3f+sigo49lhrfvLoo9bJMh+kVtvuuCN0JJl32WW2h+2qq0JH4pzLVy1a2ODtuXNtBMCCBaEjclnCkzbnhg+HW26BU0+FbbcNHY2rjS5d7N/xvvtstlZd+uc/4c03bWVv/fXr9mdlk623zs3VtuHD4fHH4W9/g86dQ0fjnMtnG20E998PH38MF14YOhqXJTxpc/mtvBxOOgk6dLB27S5+l19uM/Yuu6zufsbo0VZGu9deVh6Zb0pKYMqU3FltU7UTo/btvTzaOZcdDj3UmqPddhs88UToaNwyiMjuIjJGRMaKyMVVfL2viHwpIuUictASX1skIiOSj6Er+lmetLn8dsstMGIEDBkCrVuHjsZlQocONrbhmWdsOHKmlZXBUUdZCct999kehHyz9daw2265s9r2n//Ypv+SEmjZMnQ0zjlnrr/eKoBOPBG++SZ0NG4JIlIA3A7sAWwEHC4iGy1xt3HAscDjVTzEfFXdNPnYZ0U/r7CW8ToXr59/hgEDYJ99lhqGvMWFD2f8xz2fo53gs9L559sq0EUXwX//m9nEasAAS/SHDrUEMV+VlFi3zDvvjLt8p7wc+ve3Etd8XDV1zmWvhg1t8Pbmm9t5yuefQ6tWoaNylbYExqrqTwAi8iSwL/Bt6g6q+kvytYra/jBfaXP5SdX2PhUUWPvyfFwtyWUtWlg3x3ffhddfz9zjvveerS6dcgrsvXfmHjdGvXvbatv119uG+Vg98AB8952NjMiXZjLOuXistpolbj/9BMcd54O361ehiAxP+1jyyl4n4Le02+OTYyurKHncT0VkvxXd2ZM2l58efxzeeMP2sXnTgdx0yimwzjo276ai1he4bHbXX/9qrZh98KmJfW/bnDm2ctqnD+y3wvdL55wLY7vt7ILh88/7DMn6Va6qPdM+7lni61Vd8a9OVr2mqvYEjgBuEZEuy7uzJ20u/0ydapt7t9oKTjstdDSurjRqBFdfDSNHZmYT95ln2sycRx+FZs1q/3i5oHdv2HVXO4mIcbXtxhth0iT77Kvtzrlsdu65NgLgkkus7N9lg/HAGmm3OwMTVvabVXVC8vkn4F1gs+Xd35M2l38uuMBWTe6918ojXe467DDYdFPrKFlWVvPHefJJeOwxW1nacsvMxZcLSkrgzz9tb1tMJk60ZPPgg62xinPOZTMRa37VrZu9t40fHzoiB58DXUVkHRFpBBwGrLALJICItBGRxsmfVwH6kLYXriqetLn88vbb8K9/WeOB7t1DR+PqWoMGMHgw/PIL3H13zR7jt99sRbZ3b7vC6Ra3zTbQr198e9tKSmwQu4/6cM7FIjV4e/58u+Dkg7eDUtVy4EzgdeA74GlVHS0iA0VkHwAR6SUi44GDgbtFZHTy7RsCw0VkJPAOMEhVl5u0iebZhsZmzZrp3JhOLPLYuIGZTapkYQVrPFFmV6tGjYImTZZ537rpHpnZOvQ1B3yd0cfLWaqwyy72b/7jj1W2dF/m71qFsurDv9Do9/n8cVoXyts2XqkfmXf/Nh99ZG2pb7jBVrKz3ejR0KMHnHWWjf1weS/T7zeQh68Drv4884wlbWecAf/8Z+hocpaIzFPVrNkP4SttLm+0fG+ynbTfffdyEzaXY0SsM+CUKdVuINLik6kU/TyX6XusttIJW17q08dW22LZ23bRRZUdRp1zLjYHHWSjbW6/3fZZu7zgSZvLCw3/KKXlR1OsXe5OO4UOx9W3Xr3squRNN8Eff6zUtzT8o5TWb09i3oYtmbuZD15foZISmDwZ7rordCTL9847Nkz70kuhXbvQ0TjnXM0MGgR9+9p8yVGjQkfj6oEnbS73VShth/5ORZMCb5Wbz665BkpL4aqrVnzfhRW0e/Y3KpoUMG3v1b2z4Mro08fKUK+/HubNCx1N1SoqrHxzzTXh7LNDR+OcczVXWAhPPQWtW8OBB1qDNZfTPGlzOa/5Z9No/Pt8pu++ml9Zz2ddu9oVyXvugbFjl3vX1m9PotHkMqbu14mKZoX1FGAOyPbVtieegC+/tAS+qCh0NM45VzsdO8K//23Nto45JjMzSV3W8qTN5bSCmQto/fYk5q/XnHndW4UOx4U2YIDNb7v88mXepfGPc2j5yVRmb9mW0q4t6jG4HLDttrbaNnhw9q22lZZaSeTmm8MRR4SOxjnnMqNPHyv9HzrUXntdzvKkzeUuVdr8ZyKoMm0vL3Fz2FXJ886zkpIvvljqyw3mldPu+fEsbN+YGf06BggwB2TratuQITBunJVIN/C3PudcDjnrLDj8cLsg+dZboaNxdcTfuVzOavLtLJqOmc3MHTuwqE2j0OG4bHHhhVYme/HFix9Xpc3LEyiYt4gpB3RGG/nLY41suy3svHN27W2bOtVKIv/yF29E5JzLPSJW+r/hhpa8jRsXOiJXB/ysxOUkmb+Itq9MZMFqRcze2vexuTQtW1ZejXzzzf8dbjpqBs1Gz2LmjquycHUfCVErJSUwaVLNB5pn2tVXw+zZlkg651wuat7cBm+XldlIgLKy0BG5DKv3pE1E1hCRd0TkOxEZLSLnJMfbisibIvJD8rlNclxE5DYRGSsio0Rk87THOia5/w8ickx9PxeXvVq/9QcN5pYzdZ9OUOBlkW4Jp50Ga61lq20VFRRMX0Db/0ykdK2mzOqzSujo4rfddrailQ1723780WYZHX88bLxx2Ficc64urb8+/Otf8PnncO65oaNxGRZipa0cOF9VNwS2Bs4QkY2Ai4G3VbUr8HZyG2APoGvycTJwJ1iSB5QAWwFbAiWpRM/lt8a/zqXF8OnM7t3OV0xc1Ro3ttb/X34JTzxBu+fHAzB1/87QwJP8jMiW1bZLL4WGDWHgwLBxOOdcfTjgAOjf3/YVP/RQ6GhcBtV70qaqE1X1y+TPs4HvgE7AvkDqt+shYL/kz/sCD6v5FGgtIqsBuwFvquo0VZ0OvAnsXo9PxWWj8graDp1AeeuGzNyxQ+hoXDY74gjo0QOOP56iX+cxbc/VfO9jJvXta6tt118P8+eHiWHYMHj6aZvNttpqYWJwzrn6ds01sOOOcOqpMGJE6GhchgTd0yYiawObAcOADqo6ESyxA1ZN7tYJ+C3t28Ynx5Z1vKqfc7KIDBeR4eXl5Zl8Ci7LtPxgCg2nlDFtr9W9kYRbvoICGDQIFixg7sYtmdejdeiIck9JCfzxR5jVNlVL1jp0sOYzzjmXLwoLbS5lu3Y2eHv69NARuQwIdlYrIs2BZ4FzVXXW8u5axTFdzvGlD6reo6o9VbVnYaEPys1VhX+W0uqDP5nbvZXP13IrZ/fd4b33mLZfZx8JURf69rWrvYMH1/9q24svwocfwpVX2gZ955zLJx062ODt336Do4/2wds5IEgGIyINsYTtMVV9Ljk8SURWU9WJSfnj5OT4eGCNtG/vDExIju+wxPF36zJul8UqlLYvTaCiUQOm7+5lUG4liUDfvui7vipbZ0pKYIcdrB31OedU+9vHDexe/Z+5SFnt9h+gfWMmThgCA//5vy+tOeDr6j+ec87FqHdv+Mc/4Mwz4dprrXOyi1aI7pEC3A98p6o3p31pKJDqAHkM8GLa8b8mXSS3BmYm5ZOvA7uKSJukAcmuyTGXh5p9OZ2iX+cxY7eOVDT31VTnssb229tq26BB9bba1vyLaTScuoAZ/Tp491jnXH47/XQ48kgYMABe99PkmIW4vNwHOBrYSURGJB9/AQYB/UTkB6BfchvgFeAnYCxwL3A6gKpOA64CPk8+BibHXJ5pMHshbd78g9K1mzF3U9+X5FzWSe1tu+eeOv9RUrqIVu9OpnTtpsxf38uknXN5TsT2FW+8sTXg+vXX0BG5Gqr3JQlV/ZCq96MB7FzF/RU4YxmP9QDwQOaiczFq8+pEpFyZts/qvi/JuWy0/fZWIjloEJx8MjSpu1EcLT+aQsHcRfx55Gr+euCccwDNmtng7Z49bfD2Bx9AUVHoqFw1+UYOF7UmY2bRbPQsZm7fnvJ2jUOH45xbltRq27331tmPKJi5kBafTGFu91Ys6OQzGp1z7n+6doWHH4bhw+Hss0NH42rAkzYXLSlbRJuXJ7Bg1cbM2maV0OE455Znhx0qV9vqaG9bq/9OQipgxs4+o9E555ay775wySV28ewBL1SLjSdtLlqt355Mwexypu3TCQr9V9m5rFdSAhMn1slqW8M/5tNs5Axmb9XWh6Q7LTFHrAAAIABJREFU59yyXHUV7LyzNSj58svQ0bhq8DNdF6VG4+fR/LOpzOnVlgVrNA0djnNuZeywg+1vGzQISksz+tCt35hERVEBM/uumtHHdc65nFJQYIO327e3wdvTvIdfLDxpc/FZpLQdOoFFLQq9DMq52FxxRcZX24rGzqbJj3OY1bc92qQgY4/rnHM5qX17eOYZ+P13OOooH7wdCU/aXHRafjyFRpNKmb7n6miRn6A5F5UddoC+fTO32lahtH5jEuVtGjJ7y7a1fzznnMsHW20Ft94Kr75qJZMu63nS5qJSOLWMlu9OZt6GLZm/QcvQ4TjnauKKK2DCBLjvvlo/VLORM2g0qdRW3X1vq3POrbxTT4W//hWuvNKSN5fV/B3OxUOVti9PgAJh+l9WCx2Nc66mUqtt111Xq9U2WVBBq/9OoqxTE+Zt0ipz8TnnXD4QgTvvhO7d4cgj4eefQ0fklsOTNheNZiNnUPTTXGb068iilg1Dh+OcqymRjKy2tfh0CoWzypmxa0cfpO2cczXRtKkN3q6osMHbdTSSxdWeJ20uCg3mltP69T8oW6Mpc7ZoEzoc51xt7bADbLddjVfbGswpp+WHU5jXrQVlazfLfHzOOZcvunSBRx+1EQBnnhk6GrcMhaEDcJk1bmD3jD7emgO+zujj1VSb1ybSoKyCafusDg38irpz0Uuttu28M9x/P5xxRrW+vdV7k5GFFczo17Fu4nPOuXyy115w+eVw9dXQuzeceGLoiNwSPGlzWa9o7GyajZrJzO3bs3DVotDhOOcyZccdK1fbTjgBilbu/3fhlDKaD5/GnM3bUt6+cR0H6ZwLKVcvRmelK66Azz6z1bZNN4WePUNH5NJ4eaTLarKggrYvT2DhKo2YuV370OE45zJJBEpKbFbQ/fev9Le1fmsSWtiAmTv6IG3nnMuYggJ47DHo0MH2t02dGjoil8aTNpfVWr07mcLpC5m2dydo6L+uzuWcnXaCbbe11bayshXevfGvc2n63Sxm9VmFiuZeLOKccxm1yio2eHviROsouWhR6Ihcws+CXdZqOHE+LT6ZwpzN23ijAedyVWpv28qstqnS+o0/KG9RyOxtVqmX8JxzLu/06gVDhsDrr9sMN5cVPGlz2WnRItoO/Z2KpoVM39UbDTiX01Krbddeu9zVtibfzqLx+PnM3HFVtJG/fTnnXJ056SQ47ji46ip4+eXQ0Ti8EYmrLlU7qZo/v/Jj3rzFb1f1Ud37zJ1L4+mlTDl4DbRJQehn7ZyrS6m9bf362Wrb6acvfZ/yClq/NYkFqzZm7mY+9sM55+qUCNx+O4wYAUcfDV98AeuuGzqqvOZJWy6ZMIHCqWXIQkXKK5CFFUi5Lv45+VqDtD8v+3MFPNJ18cSqtNQSt5po1AiaNKn6o2VL2/iadmzauBeYt3HLzP4dOeey0847Q58+lZ0kGy/eFbLF59NoOG0Bk49ay8d+OOdcfWjSxPa39ewJBx4IH39sx1wQnrTlki5dWL0aQ2q1UNBCoaJhA/tzwwb2UShUFBWgzQtptFmvpROspk2XnXwt675FRdaVqBrmDHy/un8DzrlYpfa29esHDzwAp51W+aX5i2j53p+UrtuM0vWah4vROefyzbrr2uDtvfay1+UHH7TXa1fvPGnLJXfdxZShl6MNBS1skPa5wdLHCmWlrlavOeDxegjcOeew1bZttrG9bccf/7/VtlYf/EmD0kW2v9VPFpxzrn795S/w97/DwIE2ePuUU0JHlJd8J3cuOeYY5hW3Zv5GrShdvwVl6zRnwRpNWdixiPJ2jVnUqiEVTQttA7+XFznnsk1qtW38eLuaCxTMWECLYVOZ16M1C1fzshznnAtiwADYfXc4+2wbwO3qnSdtzjnnsscuu1SutpWV0frtSQDM2MkHaTvnXDAFBVYmudpqNnh7ypTQEeUdL490zjmXPVKrbbvuCuecQ7NRM5m57Sosat0odGTOOZff2rWDZ5+1plGHH864PhMzWrm15oCvM/ZYuchX2pxzzmWXXXaxfRN3382ipgXM2q596Iicc84BbLGFjQJ46y1avTM5dDR5xZM255xz2UUErrwSgJnbr4oW+axG55zLGiecABdf7N1865knbc4557JPv37w3XfM2apt6Eicc84t6brrKFurWego8oonbc4557LTBht4i3/nnHMOb0TinHPOuYhsceHDGX/M51tk/CGdcy6jPGlzzjnn6sG4gd0z/pjebc055/KDJ20uYzJ99dOvfDrnnHPOOedJm3POOeeqyVcNnXOufnnS5pxzzjnnas33GzpXd7x7pHPOOeecc85lMU/anHPOOeeccy6LeXmkcy4qXn6zfL7XyDnnspO/Prva8KTNOVdt/sbjnHPOOVd/vDzSOeecc84557KYr7Q555zLCC9ddc455+qGJ20B+QmOc84555xzbkWiT9pEZHfgVqAAuE9VBwUOyTnnXOT8oppzzrlsEnXSJiIFwO1AP2A88LmIDFXVb8NG5lx2yfQJqJ98Zo7/27j64L9n+cMbRbmq+IWo+EWdtAFbAmNV9ScAEXkS2BfwpM0555xzWc8T6uzl/zYum4iqho6hxkTkIGB3VT0xuX00sJWqnrnE/U4GTk5ubg7Mr9dA61chUB46iAzJpecCufV8cum5QG49n1x6LpBbz8efS/bKpeeTS88Fcuv55NJzgdx7PktqoqpZ02k/9pU2qeLYUlmoqt4D3FP34YQnIsNVtWfoODIhl54L5NbzyaXnArn1fHLpuUBuPR9/Ltkrl55PLj0XyK3nk0vPBXLv+WS7rMkea2g8sEba7c7AhECxOOecc84551zGxZ60fQ50FZF1RKQRcBgwNHBMzjnnnHPOOZcxUZdHqmq5iJwJvI61/H9AVUcHDiu0XCoDzaXnArn1fHLpuUBuPZ9cei6QW8/Hn0v2yqXnk0vPBXLr+eTSc4Hcez5ZLepGJM4555xzzjmX62Ivj3TOOeecc865nOZJm3POOeecc85lMU/anHPOOeeccy6LedIWMREpEJFHQ8fhnHPOxSJ57/xb6Dicc646ou4eme9UdZGItBeRRqq6IHQ8tSEibZf3dVWdVl+xZJqIdALWIu3/m6q+Hy6i6hGRl6hiaH2Kqu5Tj+FkjIg8oqpHr+hYDEREgCOBdVV1oIisCXRU1c8Ch1ZjIrIW0FVV3xKRJkChqs4OHdfKEpEhLP//zdn1GE5GiMjmVRyeCfyqquX1HU9NJe+d+wL/CB1LJonIcOBB4HFVnR46ntoQkeuBq4H5wGtAMXCuqkZ3oVpE+gBXUHkeIICq6roh46qJZZwPzASGA3eramn9R5U/PGmL3y/ARyIyFJibOqiqNweLqGa+wF4IBFgTmJ78uTUwDlgnXGg1JyKDgUOBb4FFyWEFoknagBtDB1BHNk6/ISIFwBaBYqmtO4AKYCdgIDAbeBboFTKomhKRk4CTgbZAF6AzcBewc8i4qml46ADqwB3A5sAo7PV5k+TP7UTkVFV9I2Rw1fSRiPwTeIrF3zu/DBdSrR0GHAd8npbAvaFxtgnfVVX7i8j+wHjgYOAdILqkDbgf+Bt2nrNoBffNdj8B7YEnktuHApOA9YF7geguesbEk7b4TUg+GgAtAsdSY6q6DoCI3AUMVdVXktt7ALuEjK2W9gO6qWpZ6EBqSlXfCx1DJonIJcClQBMRmZU6DCwg3pkzW6nq5iLyFYCqTheRRqGDqoUzgC2BYQCq+oOIrBo2pOpR1YdCx1AHfgFOSM1DFZGNgAuBq4DngJiStm2SzwPTjil24SNKqjoWuExE/g7sBTwAVIjIA8CtkVWsNEw+/wV4QlWnWUFBlGaq6quhg8iQzVS1b9rtl0TkfVXtKyL5Pie5znnSFjlVvTJ0DBnWS1VPTd1Q1VdF5KqQAdXST9ibT7RJW4qIdAWuAzYCilLHYyvxUNXrgOtE5DpVvSR0PBmyMFkpVAARaY+tvMWqTFUXpE7SRKSQ5ZQaZrPk3+Iilv5/E2NysEEqYQNQ1W9FZDNV/Sm2E2pV3TF0DHVBRHpgq21/wVbbHwO2Bf4LbBowtOp6SUT+DyuPPD35fxRr6d07InIDdmHjf+cCka7qtheRNVV1HEBSir9K8rWot+nEwJO2yCUvZP2xUq/YTwgApojI5VgJhAJHAVPDhlQr84ARIvI2i79YR7efBSu1KcH2geyInRjEdaaWRlUviX2/YZrbgOeBVUXkGuAg4PKwIdXKeyKSWg3tB5wOvBQ4ppp6DCvB2xM4FTgG+DNoRDU3RkTuBJ5Mbh8KfC8ijYGF4cKqPhHpAFwLrK6qeySrhr1V9f7AodWYiHwBzMDK8S5Oq/AYluyrioaqXpxsL5iV7EGcC+wbOq4a2ir53DPtWKyruucDH4rIj9j7/zpYUt0MyMXqgqwicZY6uxQReQM7IbiAtBMCVb0oaGA1lDQkKQH6Urn3a2BkZR3/IyLHVHU8xtIpEflCVbcQka9VtXty7ANV3S50bDUhIoOwPSCL7TeMuLHKBtieLwHeVtXvAodUYyLSADgB2BV7Pq8D98W4Nyft/80oVe2RHHtPVbcPHVt1JQ1hTsdWbgT4ENvnVgo0VdU5AcOrFhF5FbsQdZmqFieruV+lXttiJCLrqupPoePIBBE5GHhNVWcnF3I3B66OdHUqpyQXaTbAXgP+z5uP1B9P2iKXYycEBcAgVb0wdCyZlOwtWj+5OUZVo7oinSIiHwHbAc9gpTa/Y/9e3YIGVkMiMgboEfN+wxQR6QKMV9UyEdkB6AE8rKozwkZWe8mFnM6qOip0LDUhIp+q6tYi8jq2IjoBeEZVuwQOLa+JyOeq2ktEvlLVzZJjI1Q1phLCxYjIeVUcngl8oaoj6jue2kid04jItlhZ/o3Apaq61Qq+NeuISCsqL0YDvIddjJ4ZLqqaE5FtgLVZvELl4WAB5RGf0xa/VAIwUUT2FJHNsE5r0VHVRcTbva9KyQn0D8Dt2BXp70Wk73K/KXudCzQFzsb+nY7GVnZjldpvmAueBRaJyHrAfVjJyuNhQ6o5EXlXRFomCdsI4EERia0jbsrVyUnb+VhFxH1YJ7noiEgfEXlTRL4XkZ9SH6HjqqG5ItKOyn2gW2MJTsx6YhU3nZKPk4EdgHtFpH/AuGoiVf2wJ3Cnqr4IxNpc6QGso+8hyccsbJU3OiLyCJZAb4t1J+7F4mWfrg75SlvkRGQv4ANgDWAI0BK4QlWj3P8hIjcBXYF/s3gb5ueCBVULyR6DI1R1THJ7fawTVk4lpzESkWex2T/R7zcUkS+T7pH9gfmqOiR9BSE2qdhF5ERgDVUtSa8mcGEkjSGWal2uqtHtOxabOTcEG1vwDdbG/KBYV3QBktXcA1NlqiLSHKuM2B9bbdsoZHzVISIvY9Ucu2AXCecDn6lqcdDAaqCqFdxYV3VF5DtgoxhL1XOBNyKJ38HAh6r6DbBjcmX6RuLdtN8WazySvkFXsa5LMWqYStgAVPV7EYlydSdJOC9k6cYdMW6mBhiafOSChSJyOPBXYO/kWJS/Z4lCEVkNuyp9WehgakNEHgLOSZWqikgb4CZVPT5sZDWSM63LVfVLEdke6IbtzYm2dD3NmizewW8hsJaqzheR2MrADwF2B25U1RnJ60GsWyfmi8i2qvoh/G/Y9vzAMdXUN0BHYGLoQPKRJ23x65G+byWZZRLl1XUAVT0udAwZNlxE7gceSW4fiV2ljtG/sQHH9xL/gFBU9aGkscKa6Yl1pI7DyqKuUdWfRWQd4hxCmzIQaz7yoap+LiLrYmXGMVryNXp6xK/RudS6HGwW4NrYudDmIhL73pzHgU9F5MXk9t7AE0lnv2/DhVV9qjpPRCZjZXg/AOXE+xpwGvBQUiYtwDTg2KAR1dwqwLci8hmLvwZE2cArNl4eGTkRGQnsoKrTk9ttgfdi7YAlIkVY17glRxjEeFU61WXpDCq7rb0P3BFj84tU05vQcWSKiOyNrUo3UtV1RGRTbHO4v/m4jMml12gReaeKwxrjanuyN6cLtmcyvXtsdOXR6URkC9K6e6rq8MAh1YiIlGB7pbqp6voisjrwb1WNanRBOhFpCaCqs0LHUlPJ6vRSVPW9+o4lH/lKW/xuAj4WkWewMsJDgGvChlQrjwD/B+yGXW0/Eoi2dXmSnN2cfMTuJRE5HZsHln6FLcpxDMAV2JX2dwFUdUSyQhUdEfmZKoZPa2SDz1Ny7OJN+ms0WEl7lK/ROTaQuic5tDcnGZMxSlU3Id5qjnT7A5sBXwKo6gQRaRE2pOoRkaNU9dElu3pKMoheVaM7L/DkLCxP2iKnqg+LyHBsD5gAB6hqVGUQS1hPVQ8WkX2T8rXHsTKpqIjI06p6iIh8TdUn0zE2VEh1ikzfV6BAlIkBUK6qM1NvoIlYT+DSu3cVYYlB20CxZELOXLzJhdfoZZ18psR48kmO7c1R1QoRGSkia6rquNDxZMACVVURSXX3bBY6oBpIxVxVshnVe42IfKiq24rIbBaPXbAV6paBQssrnrTlgOQEIKqTgOVIbQSfISKbAH9gew5ic07yea+gUWSQqka5CrUc34jIEUCBiHTFRhl8HDimGqmie98tIvIhMCBEPBkQ/cUbEWmpqrOScsg/SBvBICJtI1uhXt7JZ1RE5CXspLMFubc3ZzVgdPKc0rsvx/icnhaRu4HWInIScDy2nzoaqnp38se3VPWj9K8lzUiioarbJp+jfw2Ime9pc1klafH9LNAd+BfQHBigqneFjKumRGSwql60omMxSLpenkblgNB3gbtj7bgmIk2xzoS7YlcLXweuUtXSoIHVQNK+PKUBtvJ2WoztsQFE5DNV3VJE3gdOx5Kez2Iq9xSRl1V1rypKV1NXpqN5Liki0l5V/wwdR20sa09OSszlX7m230hE+pH2+qyqbwYOqUZSI1lWdCybJReflimyi1DR8qTNuTq0jBfrKOdNich9WBv5h5JDRwOLVPXEcFE5WKpBRDnwC9YqO8qumGkXb3pgQ2ijvniTK0TkB+Bn4CnguVRzlRjl0gW1dCKyFtBVVd9KLkwVqOrs0HHlIxHpDWwDnAv8I+1LLYH9Y7qolnbxSbDREtOTP7cGxuVgJU5W8qTNZRURuRa4fomZRuer6uVhI6seETkNWyFYF/gx7UstgI9U9agggdWCiIxc8k2mqmOxEJGewKVUtvwGot1v6LLMEqufS4m1Tb6IbAkcBuyHleU/qarRjZfIpQtqKUkZ4clAW1XtkpR936WqOwcOrdpE5ABgMLAqlhxEt3cqWfncARvHkn7BaTbwkqpGN8JARO4ChqrqK8ntPYBdVPX8sJHlB0/aXFYRka9UdbMljkVVRgCQzGNpA1wHXJz2pdmxlhGIyJfAwar6Y3J7XeCZ2P5tUkRkDNZU5WugInVcVX8NFlQNJb9vJVSWrr6HjS+YGS6qmktGZRzI0gn1wFAxVVfa6mcRVq46Ejvx7AEMS+0RiZWIrIJ1xT1SVQtCx7Oy0i6odQHGpn2pBfCxqh4ZJLAMEJERWEfcYan3URH5OtLxEmOBvVU1ygZE6URkrRjfV6pS1egfERmuqj2X9T0uc7wRics2BSLSODXHTGz4cePAMVVbcrI8EzgcQERWxU7emotI80i7e12IDdf9CTv5XAsb6hyrP1V1aOggMuQBrBveIcnto7GywgOCRVQ7L2L/f74grUlETFLt8UXkSeBkVf06ub0JcEHI2GoqmTO1P7bS1gUb/7Fl0KCq73HgVeyC2iAqL3R8qKpfBYsqM8pUdUGqI66IFBJZl8I0k3IhYUvMExtKv+QIk+jmGwJTRORy4FHsd+soYMlGWK6OeNLmss2jwNsi8iD2gnA8lXuooiM2wPlmYHVgMpbofIe9eEdFVd9Oym26YUnb/2mEQ8LTlCT79N5m8e5xz4ULqca6qOqBabevTK66x6qzqu4eOogM2SCVsAGo6jdig9xjNBJ4AVvF/SR0MDWRuqAmIp9i7zfPYa9nD4nIvao6JGiAtfOeiFwKNEmaeJwOvBQ4ppoaLiJPYb9vsb8+P4btA90LK5U8Boi1oc/hWFXH88nt95Njrh54eaTLOiKyO7AL9kb6hqpG1eo7nYiMxOYzvaWqm4nIjsDhqnpy4NBWmojspKr/TfYYLCXSN1FE5FFgA2A0leWRqhEOcBaRT4ALVfXD5HYfrBFJ77CR1YyI3AMMSU92YiUiT2Dt19OvTDdX1ehOdEREktlZLbD/K3NCx1RTIjIK6K2qc5PbzYBPIt/T1gAbSp/eEfc+jfBEL7lwu6RYX5+/UNUt0vdMish7qrrcTqbOLclX2lzWUdXXgNeq+pqIfBLZiehCVZ0qIg1EpIGqviMig0MHVU3bA/8F9q7ia4pdqY5RcYx7PZbhNGyloFVyezqVw9CjIZXD6AuB45JS3DIqmxDEeEJ9HPbvk5rd+D5wZ7hwamVjEXkEG9wuIvIncIyqfhM4rpoQYFHa7UXJsWipagU2yyyqeWZVUdWYS++XlBqLM1FE9gQmAJ0DxlNtafMNq6RxzgKMjidtLjZFK75LVpkhIs2xE7XHRGQy1pI9GqpakvxxoKr+nP41EYm5ze+nIrKR2nD62H0HXI/tM2qN7QfbDxgVMqgayJlh9CmqWpp0XHsl1hEMae4BzlPVdwBEZIfk2DYhg6qhB4FhIpIq89oPuD9gPLWWrLBfgZXhFxLhTEAR6a+q14vIEKpIElT17ABh1dbVyQW184EhWMv/v4UNqdpuTD4fAHTEKgfASiN/CRFQPvLySBeV2DpJJiU3pdib55FAK+AxVY1u4+4yWmQv1UkqFiLyHZbk/Ezkqzki8howA/iStNUDVb0pWFC1ICJbA6NT86WScryNVHVY2MiqT0T2AW4AGqnqOsl+toExXpnOwbEfmwPbYv/334+9EYmI/B+WDHzB4q8D0bzfiMjeqvqSiFRZKaCq0e5xzwUi8r6q9l3RMVc3fKXNuTqU2i+RiPLNRkQ2wBqntFpiX1tL4lv5TJcrjS4gtxp3gJUPpl8gmFvFsViUYB0W3wVQ1REisnbAeGrjJxH5O/BIcvso7KJHlJJZeVHOy1uGmar6auggakNVX0o+/+/9Mtmr11xVZwULrBZE5CHgHF18/uxNMe7PA9qLyLqq+hP8r9qmfeCY8oYnbS42Uew5EJHZLL/+O5oBoVi3yL2wsrv0fW2zgZOCRJQBqvqriGwLdFXVB0WkPdA8dFw19LGIdM+Fxh0JSW+eoKoVSfvyGJWr6sxUG/bIHQ9cCTxLsjoFHBsyILeYd5LW8s+xeMfF6BJTEXkc67S4CFs5bCUiN6vqDWEjq5EeqYQNQFWni8hmy/uGLPY34N1kvzHYLM1TwoWTX2J9E3Q5SkQGq+pFyzl2dICwqk1VWwCIyEDgD+zKdKpEskXA0KpNVV8EXhSR3rG2+a6KiJRgQ4+7YftbGmJ1+n1CxlUdOdq4A2xF52wqG3acDvy0nPtns29E5AhsBmVX4Gzg48Ax1VQXYA2gAfY7tzPWHTfW37Ncs1XyOX3QsWL/RrHZSFVniciRwCvARVjyFmPS1kBE2qjqdAARaUuk59+q+lryOrZBcij20T9R8T1tLqssY9/UqFhPPkVkmKputaJjMRCRIqyd9JIDQmMs8SCZY7YZ8KWqbpYci+p3TUTWWt7XVfXX+oolk8SG0d+GnWwqNkvvXFWdHDSwGhCRpsBlWBt2sDbsV8V4oiMiY7DB4N9QOSYj2t8zl71EZDSwKTYM/Z+q+l6s+ydF5K/AJcAzyaGDgWtU9ZFlf1d2Sl7PzgPWUtWTUrNbVfXlwKHlhSgzfZd7ROQ07Gr6usn8nJQWwEdhosqIRcmVwiexk8/DWbzNdEweAf4P2A0YiK0afhc0otpZkMycUvhf05io5OLJsogUAEeq6mGhY8mQjZKPwuRjX2Af4lyd+jO158hlHxHpAFwLrK6qe4jIRtgsuhi7Yt6NdSUcCbyfXKCKck+bqj4sIl8AO2JVEAdE3LX4QWzFMzV6aTzwb8CTtnrgK20uKyTtcNsA1wEXp31ptqpOCxNV7SUNB27FSu4US0DPVdVfwkVVMyLyldqA8FGq2kNEGgKvq2qMpTeIyAVAV6Af9nt3PPC4qg4JGphDRN5V1R1Cx5EJubQ6JSI7Yxee3mbxPVOxzmrMKSLyKnZSfZmqFif7QL/KlXmUIlKoqlGNzEmXVBCkV6mMCxhOjYjIcFXtmTofSI5FuQIaI19pc9lCVfUXETljyS+ISNtYE7ckOds3dBwZkhoQOkNENsH26q0dLpzaUdUbRaQfdvW2GzBAVd8MHJYzH4nIP4GnsM6RQJwNFcit1anjsL0sDalMQBVrfOHCW0VVnxaRSwBUtVxEoqzsEJEBy/jSwHoNJAOSsR83AasDk7E5et9hWw1is0BEmpA0WhORLqRdwHF1y5M2ly0exzoUfoG9GKS3WlMgmuGgkLMDQu9JWhVfDgzFOi0u640164nI34B/e6KWlVLDmtNP0GJtqFAiIveRG6tTxbmyapOj5opIOypPqLcGZoYNqcbSx+UUYecHsZbjXwVsDbyVVKvsiK1Yx6gEeA1YQ0Qew6qIjg0aUR7x8kjn6oAPCM1+SffIQ4Bp2J7DZ1R1UtioXK4RkUex1anRpK1OxdjAR0TuBf4R8X6cnJYMCx8CbIKV47YHDlLVUcv9xgiISGNgqKruFjqW6korKRwJbJaMMPlMVbcMHVt1icgjwNfAfKyj7zBVnRI2qvzhSZvLCsmbzTJFWhaVU0TkWuD6JQaEnq+ql4eNrHZEpAdwKHAgMF5VdwkcUt5bVmmUqsZYGvV1rqxOich3WNv/n8mN0RI5J9nH1g37txmjqgvTvtYv1sqC5P3mM1XtGjqW6hKRt4D9gEFAO6xEspeqbrPcb8xCIrITsC2wHVYBNQJ4X1VvDRpYnvDySJctbko+F2EzZkZibzqLsOo9AAAUSUlEQVQ9gGHYi0Q0ROQllj9ce596DCdT9lDVS1M3kgGhf8HKJWM2GdufNxVYNXAszuRSadSnIrJRjqxO7R46ALd8SaOO0cv48mAgiqQtbQYlQAG2ahjdRZvE+0Br4BzgKKAVkT4XVf2viLwH9MK6YZ6K7c3zpK0eeNLmsoKq7gggIk8CJ6vq18ntTbDOa7G5MXQAdaBARBqn5kslm5EbB46pxpIxE4diJwPPACflyIl19FT1pvTbInIjto8yRtsCx4hI9KtTMXa8dIuRFd8la+yV9udyYFLEnSMFm8+YKsV/SlWnhg2pZkTkbaAZ8AnwAbZiGN38zFh50uayzQaphA1AVb8RkU1DBlQTqvpe6s8i0ghYP7m5WLlKZB4F3haRB7EroMcDMe/NWwsbvzAidCBuhZoSWTOiNL465bJFNPthVPXXZNvEtljcHwJfhY2qZlT1SuDKtFL890Qk1lL8UcAW2L7JmVg36U9UdX7YsPKD72lzWUVEnsBKox7FXqiPApqrapSdlkRkByyx+QW72rYGcIyqvh8wrBoTkT2AnbHn8oaqvh44pFoRkWKsNh/gA1UdGTIeZ5ZVGqWq/wwXlXNxE5EvVXW5+8ezRbKv9WAqx0nsh3X7vTpcVLUjIh2x53QY0CLG1fYUEWmOjQC5AOioqtFW3cTEkzaXVUSkCDgN6Jsceh+4U1VLw0VVcyLyBXCEqo5Jbq8PPKGqW4SNzInI2cDJVJ4U7A/c48O1wxORtdJuxl4a5VxWEJHnVPWA0HGsjKTpzWap9/6kHP9LVd0wbGTVV0Up/lOxluKLyJnYhc4tgF+xc7QPVPW/QQPLE14e6bKKqpaKyF3AK6lEJ3IN05+Hqn4vIg1DBlRTIjKbytWPRtiA3bmq2jJcVLVyIrCVqs4FEJHBWJ2+J22B5VJplHP1RUSaAucDa6rqSSLSFeimqi8DxJKwJX7BmhClLtg2Bn4MFk3t5FIpfhPgZuALv5BW/zxpc1lFRPYBbsCSgnWS/WwDI+22CDBcRO4HHkluH4UNEI+OqrZIvy0i+wHRzZlJI8CitNuLiGujfs6qojTqXyISdWmUc/XgQez9pXdyezzwb+DlYBFVk4gMwS7UlAGjReTN5HY/7OJNdFT14tAxZIqq3hA6hnzm5ZEuqyTlhDsB76rqZsmxUbHWficDQc/AVgwEKyW4I9WBMXYi8qmqbh06jpoQkfOAY4Dnk0P7Af9S1VvCReUgt0qjnKsvaUOcv0p7/xyp+v/t3XuUnVV9xvHvE0QJd6lYsRWQFMnCgCQgoETrpVIvXOQiLLxwa9VVqogsWRZFA1GqrgJaWFVQqyDSLqtIE8EiihAIaQgJ4SpSqoCKKIKAFKIh8vSP/Q5zJldyZs7s95x5PmvNOvPucyY8kzBzzu/svX/bL6ud7ZmSdNTa7rfdz82vIkYlM23RNitsPyoNxoRHU5ydBZwlaSvgz/u1YJPUubRmEuU8vb5918f2WZKuZrigPsZ2luC1wz0MztKoiPGyvHmDwwCSplBmrPrGMy3KJF1s+5Be54lokxRt0Ta3SXo75UywHYHjgQWVM3WtKQoOoPys3QT8RtI82ydWDdad/Ts+X0F5YX1gnSijI2kScIvtacCNtfPEKla7NErS2QC2j68ZLqKlZgGXAy+SdBGwD3B01US9069HgER0Lcsjo1WajdQfBfZthr4HfLKPu0cutT1d0t8CL7I9q5+Xew6S5kXNybZ/VjtLjJQlUhHdkfQnwN6U1QMLbT9YOVJP9NPxBRFjJTNt0RqSNgBOs30SpXAbBM+StA1wGH36PXVsDF+tPp712IYym7OIcjYgAH3c9GZgrKsoy9KoiGFNp9VO9ze320ra1nZWE0QMgBRt0Rq2/yhp0M4vm02ZLZxv+wZJOwB3Vc60vhY3t/sAOwPfaK7fRp92wmycVjtAdC1LoyKGnbmW+0xp7jVoBmPje8R6yPLIaBVJZwI7UtoUd85+fHuNXxTjQtJVwL62n2yuNwSusP3ausm6J+kFlGMLDNxg+1eVI8UzkKVRERObpH1tX1E7R8R4ykxbtM1WwEOMfGfQDJ/X1FckbQ28G9iejp8328fWyjQKLwQ2A37bXG/ajPWlZp/hx4EfUt61PUfSbNtfqZssImL9SdoIOI7hQ+mvBc7tpz3hkm5l9cvxBXhoP3gKtpiIUrRF20wCPmD7EQBJz2XtSz/abg7lifMHjDzIuR99Grix6YgJ8JfAqdXSjN5JlLPAHoKnN/AvAFK0tV+WRkWs6mvAY8A5zfURwIWUpez9Yr/aASLaKkVbtM2uQwUbgO2HJU2vGWiUNrb94dohxsj5lMLzBEqx9nHgBRXzjNYvKC9whjwG/LxSlmg0DYkusP3OtTxsUH6mIsbSTisdpH2VpJurpemC7XtrZ4hoqxRt0TaTJD3X9sMAzYHU/fz/6aWS3mz7u7WDjIHPA08Bk23PbWZBLwZeXjdW1+4Drpc0h7Ic50BgkaQToRy+XTPcRNU0JNpa0rNtL1/DY7I0KmJVSyXtbXshgKS9gOsqZ1ovkh5j7csjNx/nSBGt0c8vhmMwnQkskPQtyi/uw4DT60YalQ8AH5G0HHiyGevXJ569bM+QtBSengV9du1Qo/CT5mPInOZ2swpZYqR7gOskzWVkQ6IU0hEr6dgHtiFwpKSfNdfbAT+qmW192c7v34g1SNEWrWL7a5IWUxqRCDjYdl896XQasCegJ5ula4anm6w8VTdS92yn5X97/bL5mESK6Ih1Gdh9YJKeD2w0dG37ZxXjRFSVlv8RPSbpAODVzeXVti+tmadbkt4BHA7MAC4ADgVOsf3NqsG6JGkPyoHn2zGys+eu1ULFCJI2o8xM/1/tLBH9YhAKneZ580xKh+IHKL+n77D90qrBIipK0RbRQ5I+TdnzdVEzdASwxPY/1EvVPUlTgddTZkGvtH1H5Uhdk3QnpYPkrXTMGGYjfH2SplG63m3VDD0IHGn79nqpItptkAqdpoHK64Af2J4u6bXAEbbfUzlaRDUp2iJ6SNItwG62n2quNwCWZjanPknzbc+snSNWJWkB8FHbVzXXrwH+0fYrqwaLaLFBKnQkLba9R/M9Tbf9lKRFtvesnS2iluxpi+i9LRk+kHqLmkFihFmSvgxcCfxhaNB2Xx7kPmA2GSrYAGxfLWmTmoEi+sCTth+SNEnSJNtXSfpM7VBdekTSpsA1wEWSHgBWVM4UUVWKtoje+hSlDfNVlCWFrwZOrhspGscAUykd14aWRxpI0VbfTyV9jLJEEuCdwN0V80T0g0EqdA4Efg98EHgH5Q3P2VUTRVSW5ZERPSZpG8q+NgHX2/5V5UhBaZNte5faOWJVzRmApwEzKT831wCnDp3fGBGramajl1G6rg4VOhfZfqhqsFGQtDkjG0X9di0PjxhoKdoiekjSQcAPbT/aXG8JvMb2f9ZNFpK+BHy2n4+UiIgYIulY4Frbd9XOMlqS3kuZWVtGWQkxdLj2DlWDRVSUoi2ihyTdZHu3lcaW2p5eK1MUku4AplCW3f2B4RcFaRJTiaTP2T5B0ndozgPsYMre0PNsLxz/dBHtJmk2ZXZ6e2AxcC2liLupZq5uSLoLeIXtB2tniWiL7GmL6K1JqxnLz107vLF2gFjF0B62M9Zw//OArwA7j0+ciP5h++MAkiYD76YcafI5YIOaubr0E+CJ2iEi2iQvHiN6a7Gks4B/ocwUvB9YUjfSxCZpc9u/Ax6rnSVGsr2kuZ23psdIWj5+iSL6h6RTgH2ATYGlwIcos2396GRggaTrGdnd9/h6kSLqyvLIiB5qNoZ/DPirZugK4HTbj9dLNbFJutT2fpLuphTS6rg7eyZaQNKOlM6rOwMbDY3n3yZizSTdSOkWeRkwD1ho+/d1U3VH0iJgPnArw919sX1BtVARlaVoi6hI0jm23187R6xK0ktt3147x0QkaT4wC/gssD/leAbZnlU1WETLSdqMsq9tJnAY8GvbM+umWn+SFth+Ze0cEW2yuv02ETF+9qkdINbownU/JHpksu0rKYXavbZPBV5XOVNEq0maRjnT8CjgcOAXwA+rhureVZLeI2kbSVsNfdQOFVFT9rRFRKye1v2Q6JHfS5oE3CXpfcB9wPMrZ4pou89QzjQ8G7jB9pOV84zG25vbkxnZSTZLpGPCykxbRMTqZe14PScAGwPHA7tTZg+OrJooouVsv4VSsD3U5wUbwIeBl9l+MfBV4Gbg0LqRIupK0RZRV2ZzIlZlyvLUucAewEuAL1VNFNFykvYHbgIub653kzS3bqqunWL7d5JmAm8Azge+UDdSRF0p2iJ6SNLb1jH2z+MYJ9ZPWsvXcxHl3fVDgP2aj/2rJopov1OBPYFHAJpDtbevmGc0/tjcvgU41/Yc4NkV80RUl6ItordOXtuY7fPHL0p0UvFOSUMH0m4rac+h+23vXS/dhPcb23Nt3900IrnX9r21Q0W03Arbj9YOMUbuk3QepQPmdyU9h7xmjQkujUgiekDSm4A3A38m6eyOuzannKMT9X2ecv7P64DZlMO2LwZeXjNUADBL0peBKxl5sO6360WKaL3bJL0d2KA56/B4YEHlTN06DHgjcIbtRyRtA5xUOVNEVSnaInrjl8Bi4ABgScf4Y8AHqySKle1le4akpQC2H5aU5TftcAwwFdiQ4YN1DaRoi1iz9wMfpbzR8e/A94BPVE3UJdtP0PHzbvt+4P56iSLqy+HaET0kaUNKs5GplBedd9rOXqkWkHQ98EpKa+wZkrYGrrA9vXK0CU/SrbZ3qZ0jIiKiLTLTFtFbbwDOA35CKd5eLOm9tv+rbqygtMa+BHi+pNMp7aRPqRspGgsl7Wz7R7WDRPQLSS8BPkRpPvL06zvbOZg+YgBkpi2ihyT9GNjP9v8211OAy2xPrZssACRNBV5PKaivtH1H5UgBSLoDmALcTVnqJcC2d60aLKLFJN0MnEtZkj/UfRHbS9b4RRHRNzLTFtFbDwwVbI2fAg/UChOr+DVwLeV34WRJM2zfWDlTlAYEEbF+VtjOWWYRAypFW0QPSDq4+fR2Sd8F/oOyp+1twA3VgsXTJH0COJqydHVoyYEp3SSjorT3j+jKdyQdR1n23dl19bf1IkXEWMnyyIgekPTVtdxt28eOW5hYLUl3ArukMUxEDAJJd69m2LZ3GPcwETHmMtMW0QO2j6mdIdbpNmBLslw1IgaA7RfXzhARvZOZtogearp5fQH4U9vTJO0KHGD7k5WjTXiS9gDmUIq3zqVEB1QLFRHRJUkbAycC29p+T3PA9k62L60cLSLGQIq2iB6SNA84CThv6PwvSbfZnlY3WUi6nXIcw60MH+CM7XnVQkVEdEnSNyidI49s3iScDPy37d0qR4uIMZDlkRG9tbHtRZI6x1bUChMjPGj77NohIiLGyBTbh0s6AsD2Mq305BMR/StFW0RvPdiczWYASYcC99eNFI0lkj4FzGXk8si0/I+IfrS8mV0ber6ZQsfvtojobynaInrr74EvAlMl3Uc5LPgddSNFY3pzu3fHWFr+R0TfaWbUzgUuB14k6SJgH8qxJhExALKnLaIHJJ240tBkYBLwOIDts8Y9VEREDCxJS4B9KW9ECVho+8G6qSJirGSmLaI3NmtudwJeTulSKOBdwDW1QsUwSVsAs4BXN0PzgNm2H62XKiKiawuBHWxfVjtIRIy9zLRF9JCkK4BDbD/WXG8GfNP2G+smC0kXU9r9X9AMvQt4me2D66WKiOiOpB8BLwHupazqEOVw7V2rBouIMZGZtoje2hZY3nG9HNi+TpRYyRTbh3RcnybppmppIiJG5021A0RE76Roi+itC4FFki6hNLk4iOGZnahrmaSZtucDSNoHWFY5U0REV2zfWztDRPROlkdG9JikGcCrmstrbC+tmScKSbtRCugtmqGHgaNs31IvVURERMSqUrRFxIQk6TnAocAUYEvgUcr+j9lVg0VERESsJMsjI2KimgM8AtwI3Fc5S0RERMQaZaYtIiYkSbfZnlY7R0RERMS6TKodICKikgWSdqkdIiIiImJdMtMWEROKpFspnTyfBewI/BT4AznTKCIiIloqRVtETCiStlvb/WmbHREREW2Toi0iIiIiIqLFsqctIiIiIiKixVK0RUREREREtFiKtoiIiIiIiBZL0RYREROKpGfVzhAREbE+UrRFRETfkbS9pB9LukDSLZK+JWljSfdIel7zmD0kXd18fqqkL0q6AviapKMlzZF0uaQ7Jc3q+LNPlHRb83FCM7aJpMsk3dyMH96M7y5pnqQlkr4naZvx/9uIiIhBl3cbIyKiX+0E/I3t6yR9BThuHY/fHZhpe5mko4E9gWnAE8ANki6jnOF3DLAX5ey+6yXNA3YAfmn7LQCStpC0IXAOcKDt3zSF3OnAsWP9jUZExMSWoi0iIvrVz21f13z+deD4dTx+ru1lHdfft/0QgKRvAzMpRdslth/vGH8VcDlwhqTPAJfavlbSNErR931JABsA94/NtxYRETEsRVtERPSrlQ8aNbCC4aX/G610/+PP4Ou12v+Q/T+SdgfeDHyqWWZ5CXC77Vesb/CIiIj1kT1tERHRr7aVNFQwHQHMB+6hLIMEOGQdX/8GSVtJmgy8FbgOuAZ4a7M/bhPgIOBaSS8EnrD9deAMYAZwJ7D1UAZJG0p66dh9exEREUVm2iIiol/dARwl6TzgLuALwCLgXyV9BLh+HV8/H7gQ+Avg32wvBpB0fvPnAHzZ9lJJfw38k6SngCeBv7O9XNKhwNmStqA8p34OuH0sv8mIiAjZK68OiYiIaDdJ21P2lk3r8uuPBvaw/b4xjBUREdETWR4ZERERERHRYplpi4iIiIiIaLHMtEVERERERLRYiraIiIiIiIgWS9EWERERERHRYinaIiIiIiIiWixFW0RERERERIv9P90T0ex1uIGwAAAAAElFTkSuQmCC"/>
+          <p:cNvSpPr>
+            <a:spLocks noChangeAspect="1" noChangeArrowheads="1"/>
+          </p:cNvSpPr>
+          <p:nvPr/>
+        </p:nvSpPr>
+        <p:spPr bwMode="auto">
+          <a:xfrm>
+            <a:off x="155575" y="-144463"/>
+            <a:ext cx="304800" cy="304801"/>
+          </a:xfrm>
+          <a:prstGeom prst="rect">
+            <a:avLst/>
+          </a:prstGeom>
+          <a:noFill/>
+          <a:extLst>
+            <a:ext uri="{909E8E84-426E-40DD-AFC4-6F175D3DCCD1}">
+              <a14:hiddenFill xmlns:a14="http://schemas.microsoft.com/office/drawing/2010/main">
+                <a:solidFill>
+                  <a:srgbClr val="FFFFFF"/>
+                </a:solidFill>
+              </a14:hiddenFill>
+            </a:ext>
+          </a:extLst>
+        </p:spPr>
+        <p:txBody>
+          <a:bodyPr vert="horz" wrap="square" lIns="91440" tIns="45720" rIns="91440" bIns="45720" numCol="1" anchor="t" anchorCtr="0" compatLnSpc="1">
+            <a:prstTxWarp prst="textNoShape">
+              <a:avLst/>
+            </a:prstTxWarp>
+          </a:bodyPr>
+          <a:lstStyle/>
+          <a:p>
+            <a:endParaRPr lang="en-US"/>
+          </a:p>
+        </p:txBody>
+      </p:sp>
+      <p:sp>
+        <p:nvSpPr>
+          <p:cNvPr id="7" name="TextBox 6"/>
+          <p:cNvSpPr txBox="1"/>
+          <p:nvPr/>
+        </p:nvSpPr>
+        <p:spPr>
+          <a:xfrm>
+            <a:off x="254334" y="6257444"/>
+            <a:ext cx="9513394" cy="307777"/>
+          </a:xfrm>
+          <a:prstGeom prst="rect">
+            <a:avLst/>
+          </a:prstGeom>
+          <a:noFill/>
+        </p:spPr>
+        <p:txBody>
+          <a:bodyPr wrap="square" rtlCol="0">
+            <a:spAutoFit/>
+          </a:bodyPr>
+          <a:lstStyle/>
+          <a:p>
+            <a:r>
+              <a:rPr lang="en-US" sz="1400" b="1" dirty="0">
+                <a:solidFill>
+                  <a:srgbClr val="FF0000"/>
+                </a:solidFill>
+              </a:rPr>
+              <a:t>* Red trend line shows the Charged off count to Fully paid count ratio. This is a good indicator of the likely hood of default</a:t>
+            </a:r>
+          </a:p>
+        </p:txBody>
+      </p:sp>
+      <p:pic>
+        <p:nvPicPr>
+          <p:cNvPr id="4" name="Picture 3"/>
+          <p:cNvPicPr>
+            <a:picLocks noChangeAspect="1"/>
+          </p:cNvPicPr>
+          <p:nvPr/>
+        </p:nvPicPr>
+        <p:blipFill>
+          <a:blip r:embed="rId3">
+            <a:extLst>
+              <a:ext uri="{28A0092B-C50C-407E-A947-70E740481C1C}">
+                <a14:useLocalDpi xmlns:a14="http://schemas.microsoft.com/office/drawing/2010/main" val="0"/>
+              </a:ext>
+            </a:extLst>
+          </a:blip>
+          <a:stretch>
+            <a:fillRect/>
+          </a:stretch>
+        </p:blipFill>
+        <p:spPr>
+          <a:xfrm>
+            <a:off x="0" y="1656474"/>
+            <a:ext cx="7998136" cy="4017245"/>
+          </a:xfrm>
+          <a:prstGeom prst="rect">
+            <a:avLst/>
+          </a:prstGeom>
+        </p:spPr>
+      </p:pic>
+    </p:spTree>
+    <p:extLst>
+      <p:ext uri="{BB962C8B-B14F-4D97-AF65-F5344CB8AC3E}">
+        <p14:creationId xmlns:p14="http://schemas.microsoft.com/office/powerpoint/2010/main" val="3265660767"/>
+      </p:ext>
+    </p:extLst>
+  </p:cSld>
+  <p:clrMapOvr>
+    <a:masterClrMapping/>
+  </p:clrMapOvr>
+  <p:timing>
+    <p:tnLst>
+      <p:par>
+        <p:cTn id="1" dur="indefinite" restart="never" nodeType="tmRoot"/>
+      </p:par>
+    </p:tnLst>
+  </p:timing>
+</p:sld>
+</file>
+
+<file path=ppt/slides/slide17.xml><?xml version="1.0" encoding="utf-8"?>
+<p:sld xmlns:a="http://schemas.openxmlformats.org/drawingml/2006/main" xmlns:r="http://schemas.openxmlformats.org/officeDocument/2006/relationships" xmlns:p="http://schemas.openxmlformats.org/presentationml/2006/main">
+  <p:cSld>
+    <p:spTree>
+      <p:nvGrpSpPr>
+        <p:cNvPr id="1" name=""/>
+        <p:cNvGrpSpPr/>
+        <p:nvPr/>
+      </p:nvGrpSpPr>
+      <p:grpSpPr>
+        <a:xfrm>
+          <a:off x="0" y="0"/>
+          <a:ext cx="0" cy="0"/>
+          <a:chOff x="0" y="0"/>
+          <a:chExt cx="0" cy="0"/>
+        </a:xfrm>
+      </p:grpSpPr>
+      <p:sp>
+        <p:nvSpPr>
+          <p:cNvPr id="6" name="Title 1">
+            <a:extLst>
+              <a:ext uri="{FF2B5EF4-FFF2-40B4-BE49-F238E27FC236}">
+                <a16:creationId xmlns="" xmlns:a16="http://schemas.microsoft.com/office/drawing/2014/main" id="{C9ED24FB-F1DF-43A2-A28A-E1B9714DF31A}"/>
               </a:ext>
             </a:extLst>
           </p:cNvPr>
@@ -15226,7 +15380,7 @@
           <p:nvPr>
             <p:extLst>
               <p:ext uri="{D42A27DB-BD31-4B8C-83A1-F6EECF244321}">
-                <p14:modId xmlns:p14="http://schemas.microsoft.com/office/powerpoint/2010/main" val="3075580009"/>
+                <p14:modId xmlns:p14="http://schemas.microsoft.com/office/powerpoint/2010/main" val="3838244132"/>
               </p:ext>
             </p:extLst>
           </p:nvPr>
@@ -15251,6 +15405,13 @@
   <p:clrMapOvr>
     <a:masterClrMapping/>
   </p:clrMapOvr>
+  <p:timing>
+    <p:tnLst>
+      <p:par>
+        <p:cTn id="1" dur="indefinite" restart="never" nodeType="tmRoot"/>
+      </p:par>
+    </p:tnLst>
+  </p:timing>
 </p:sld>
 </file>
 
@@ -15584,14 +15745,14 @@
                 <a:gridCol w="2103519">
                   <a:extLst>
                     <a:ext uri="{9D8B030D-6E8A-4147-A177-3AD203B41FA5}">
-                      <a16:colId xmlns:a16="http://schemas.microsoft.com/office/drawing/2014/main" val="20000"/>
+                      <a16:colId xmlns="" xmlns:a16="http://schemas.microsoft.com/office/drawing/2014/main" val="20000"/>
                     </a:ext>
                   </a:extLst>
                 </a:gridCol>
                 <a:gridCol w="9252055">
                   <a:extLst>
                     <a:ext uri="{9D8B030D-6E8A-4147-A177-3AD203B41FA5}">
-                      <a16:colId xmlns:a16="http://schemas.microsoft.com/office/drawing/2014/main" val="20001"/>
+                      <a16:colId xmlns="" xmlns:a16="http://schemas.microsoft.com/office/drawing/2014/main" val="20001"/>
                     </a:ext>
                   </a:extLst>
                 </a:gridCol>
@@ -15744,7 +15905,7 @@
                 </a:tc>
                 <a:extLst>
                   <a:ext uri="{0D108BD9-81ED-4DB2-BD59-A6C34878D82A}">
-                    <a16:rowId xmlns:a16="http://schemas.microsoft.com/office/drawing/2014/main" val="10000"/>
+                    <a16:rowId xmlns="" xmlns:a16="http://schemas.microsoft.com/office/drawing/2014/main" val="10000"/>
                   </a:ext>
                 </a:extLst>
               </a:tr>
@@ -15879,7 +16040,7 @@
                 </a:tc>
                 <a:extLst>
                   <a:ext uri="{0D108BD9-81ED-4DB2-BD59-A6C34878D82A}">
-                    <a16:rowId xmlns:a16="http://schemas.microsoft.com/office/drawing/2014/main" val="10001"/>
+                    <a16:rowId xmlns="" xmlns:a16="http://schemas.microsoft.com/office/drawing/2014/main" val="10001"/>
                   </a:ext>
                 </a:extLst>
               </a:tr>
@@ -16014,7 +16175,7 @@
                 </a:tc>
                 <a:extLst>
                   <a:ext uri="{0D108BD9-81ED-4DB2-BD59-A6C34878D82A}">
-                    <a16:rowId xmlns:a16="http://schemas.microsoft.com/office/drawing/2014/main" val="10002"/>
+                    <a16:rowId xmlns="" xmlns:a16="http://schemas.microsoft.com/office/drawing/2014/main" val="10002"/>
                   </a:ext>
                 </a:extLst>
               </a:tr>
@@ -16149,7 +16310,7 @@
                 </a:tc>
                 <a:extLst>
                   <a:ext uri="{0D108BD9-81ED-4DB2-BD59-A6C34878D82A}">
-                    <a16:rowId xmlns:a16="http://schemas.microsoft.com/office/drawing/2014/main" val="10003"/>
+                    <a16:rowId xmlns="" xmlns:a16="http://schemas.microsoft.com/office/drawing/2014/main" val="10003"/>
                   </a:ext>
                 </a:extLst>
               </a:tr>
@@ -16284,7 +16445,7 @@
                 </a:tc>
                 <a:extLst>
                   <a:ext uri="{0D108BD9-81ED-4DB2-BD59-A6C34878D82A}">
-                    <a16:rowId xmlns:a16="http://schemas.microsoft.com/office/drawing/2014/main" val="10004"/>
+                    <a16:rowId xmlns="" xmlns:a16="http://schemas.microsoft.com/office/drawing/2014/main" val="10004"/>
                   </a:ext>
                 </a:extLst>
               </a:tr>
@@ -16419,7 +16580,7 @@
                 </a:tc>
                 <a:extLst>
                   <a:ext uri="{0D108BD9-81ED-4DB2-BD59-A6C34878D82A}">
-                    <a16:rowId xmlns:a16="http://schemas.microsoft.com/office/drawing/2014/main" val="10005"/>
+                    <a16:rowId xmlns="" xmlns:a16="http://schemas.microsoft.com/office/drawing/2014/main" val="10005"/>
                   </a:ext>
                 </a:extLst>
               </a:tr>
@@ -16554,7 +16715,7 @@
                 </a:tc>
                 <a:extLst>
                   <a:ext uri="{0D108BD9-81ED-4DB2-BD59-A6C34878D82A}">
-                    <a16:rowId xmlns:a16="http://schemas.microsoft.com/office/drawing/2014/main" val="10006"/>
+                    <a16:rowId xmlns="" xmlns:a16="http://schemas.microsoft.com/office/drawing/2014/main" val="10006"/>
                   </a:ext>
                 </a:extLst>
               </a:tr>
@@ -16689,7 +16850,7 @@
                 </a:tc>
                 <a:extLst>
                   <a:ext uri="{0D108BD9-81ED-4DB2-BD59-A6C34878D82A}">
-                    <a16:rowId xmlns:a16="http://schemas.microsoft.com/office/drawing/2014/main" val="10007"/>
+                    <a16:rowId xmlns="" xmlns:a16="http://schemas.microsoft.com/office/drawing/2014/main" val="10007"/>
                   </a:ext>
                 </a:extLst>
               </a:tr>
@@ -16824,7 +16985,7 @@
                 </a:tc>
                 <a:extLst>
                   <a:ext uri="{0D108BD9-81ED-4DB2-BD59-A6C34878D82A}">
-                    <a16:rowId xmlns:a16="http://schemas.microsoft.com/office/drawing/2014/main" val="10008"/>
+                    <a16:rowId xmlns="" xmlns:a16="http://schemas.microsoft.com/office/drawing/2014/main" val="10008"/>
                   </a:ext>
                 </a:extLst>
               </a:tr>
@@ -16959,7 +17120,7 @@
                 </a:tc>
                 <a:extLst>
                   <a:ext uri="{0D108BD9-81ED-4DB2-BD59-A6C34878D82A}">
-                    <a16:rowId xmlns:a16="http://schemas.microsoft.com/office/drawing/2014/main" val="10009"/>
+                    <a16:rowId xmlns="" xmlns:a16="http://schemas.microsoft.com/office/drawing/2014/main" val="10009"/>
                   </a:ext>
                 </a:extLst>
               </a:tr>
@@ -17094,7 +17255,7 @@
                 </a:tc>
                 <a:extLst>
                   <a:ext uri="{0D108BD9-81ED-4DB2-BD59-A6C34878D82A}">
-                    <a16:rowId xmlns:a16="http://schemas.microsoft.com/office/drawing/2014/main" val="10010"/>
+                    <a16:rowId xmlns="" xmlns:a16="http://schemas.microsoft.com/office/drawing/2014/main" val="10010"/>
                   </a:ext>
                 </a:extLst>
               </a:tr>
@@ -17245,7 +17406,7 @@
                 </a:tc>
                 <a:extLst>
                   <a:ext uri="{0D108BD9-81ED-4DB2-BD59-A6C34878D82A}">
-                    <a16:rowId xmlns:a16="http://schemas.microsoft.com/office/drawing/2014/main" val="10011"/>
+                    <a16:rowId xmlns="" xmlns:a16="http://schemas.microsoft.com/office/drawing/2014/main" val="10011"/>
                   </a:ext>
                 </a:extLst>
               </a:tr>
@@ -17388,7 +17549,7 @@
                 </a:tc>
                 <a:extLst>
                   <a:ext uri="{0D108BD9-81ED-4DB2-BD59-A6C34878D82A}">
-                    <a16:rowId xmlns:a16="http://schemas.microsoft.com/office/drawing/2014/main" val="10012"/>
+                    <a16:rowId xmlns="" xmlns:a16="http://schemas.microsoft.com/office/drawing/2014/main" val="10012"/>
                   </a:ext>
                 </a:extLst>
               </a:tr>
@@ -17523,7 +17684,7 @@
                 </a:tc>
                 <a:extLst>
                   <a:ext uri="{0D108BD9-81ED-4DB2-BD59-A6C34878D82A}">
-                    <a16:rowId xmlns:a16="http://schemas.microsoft.com/office/drawing/2014/main" val="10013"/>
+                    <a16:rowId xmlns="" xmlns:a16="http://schemas.microsoft.com/office/drawing/2014/main" val="10013"/>
                   </a:ext>
                 </a:extLst>
               </a:tr>
@@ -17674,7 +17835,7 @@
                 </a:tc>
                 <a:extLst>
                   <a:ext uri="{0D108BD9-81ED-4DB2-BD59-A6C34878D82A}">
-                    <a16:rowId xmlns:a16="http://schemas.microsoft.com/office/drawing/2014/main" val="10014"/>
+                    <a16:rowId xmlns="" xmlns:a16="http://schemas.microsoft.com/office/drawing/2014/main" val="10014"/>
                   </a:ext>
                 </a:extLst>
               </a:tr>
@@ -17809,7 +17970,7 @@
                 </a:tc>
                 <a:extLst>
                   <a:ext uri="{0D108BD9-81ED-4DB2-BD59-A6C34878D82A}">
-                    <a16:rowId xmlns:a16="http://schemas.microsoft.com/office/drawing/2014/main" val="10015"/>
+                    <a16:rowId xmlns="" xmlns:a16="http://schemas.microsoft.com/office/drawing/2014/main" val="10015"/>
                   </a:ext>
                 </a:extLst>
               </a:tr>
@@ -17944,7 +18105,7 @@
                 </a:tc>
                 <a:extLst>
                   <a:ext uri="{0D108BD9-81ED-4DB2-BD59-A6C34878D82A}">
-                    <a16:rowId xmlns:a16="http://schemas.microsoft.com/office/drawing/2014/main" val="10016"/>
+                    <a16:rowId xmlns="" xmlns:a16="http://schemas.microsoft.com/office/drawing/2014/main" val="10016"/>
                   </a:ext>
                 </a:extLst>
               </a:tr>
@@ -18079,7 +18240,7 @@
                 </a:tc>
                 <a:extLst>
                   <a:ext uri="{0D108BD9-81ED-4DB2-BD59-A6C34878D82A}">
-                    <a16:rowId xmlns:a16="http://schemas.microsoft.com/office/drawing/2014/main" val="10017"/>
+                    <a16:rowId xmlns="" xmlns:a16="http://schemas.microsoft.com/office/drawing/2014/main" val="10017"/>
                   </a:ext>
                 </a:extLst>
               </a:tr>
@@ -18214,7 +18375,7 @@
                 </a:tc>
                 <a:extLst>
                   <a:ext uri="{0D108BD9-81ED-4DB2-BD59-A6C34878D82A}">
-                    <a16:rowId xmlns:a16="http://schemas.microsoft.com/office/drawing/2014/main" val="10018"/>
+                    <a16:rowId xmlns="" xmlns:a16="http://schemas.microsoft.com/office/drawing/2014/main" val="10018"/>
                   </a:ext>
                 </a:extLst>
               </a:tr>
@@ -18280,14 +18441,14 @@
                 <a:gridCol w="2103519">
                   <a:extLst>
                     <a:ext uri="{9D8B030D-6E8A-4147-A177-3AD203B41FA5}">
-                      <a16:colId xmlns:a16="http://schemas.microsoft.com/office/drawing/2014/main" val="20000"/>
+                      <a16:colId xmlns="" xmlns:a16="http://schemas.microsoft.com/office/drawing/2014/main" val="20000"/>
                     </a:ext>
                   </a:extLst>
                 </a:gridCol>
                 <a:gridCol w="9252055">
                   <a:extLst>
                     <a:ext uri="{9D8B030D-6E8A-4147-A177-3AD203B41FA5}">
-                      <a16:colId xmlns:a16="http://schemas.microsoft.com/office/drawing/2014/main" val="20001"/>
+                      <a16:colId xmlns="" xmlns:a16="http://schemas.microsoft.com/office/drawing/2014/main" val="20001"/>
                     </a:ext>
                   </a:extLst>
                 </a:gridCol>
@@ -18440,7 +18601,7 @@
                 </a:tc>
                 <a:extLst>
                   <a:ext uri="{0D108BD9-81ED-4DB2-BD59-A6C34878D82A}">
-                    <a16:rowId xmlns:a16="http://schemas.microsoft.com/office/drawing/2014/main" val="10000"/>
+                    <a16:rowId xmlns="" xmlns:a16="http://schemas.microsoft.com/office/drawing/2014/main" val="10000"/>
                   </a:ext>
                 </a:extLst>
               </a:tr>
@@ -18592,7 +18753,7 @@
                 </a:tc>
                 <a:extLst>
                   <a:ext uri="{0D108BD9-81ED-4DB2-BD59-A6C34878D82A}">
-                    <a16:rowId xmlns:a16="http://schemas.microsoft.com/office/drawing/2014/main" val="10001"/>
+                    <a16:rowId xmlns="" xmlns:a16="http://schemas.microsoft.com/office/drawing/2014/main" val="10001"/>
                   </a:ext>
                 </a:extLst>
               </a:tr>
@@ -18733,7 +18894,7 @@
                 </a:tc>
                 <a:extLst>
                   <a:ext uri="{0D108BD9-81ED-4DB2-BD59-A6C34878D82A}">
-                    <a16:rowId xmlns:a16="http://schemas.microsoft.com/office/drawing/2014/main" val="10002"/>
+                    <a16:rowId xmlns="" xmlns:a16="http://schemas.microsoft.com/office/drawing/2014/main" val="10002"/>
                   </a:ext>
                 </a:extLst>
               </a:tr>
@@ -18874,7 +19035,7 @@
                 </a:tc>
                 <a:extLst>
                   <a:ext uri="{0D108BD9-81ED-4DB2-BD59-A6C34878D82A}">
-                    <a16:rowId xmlns:a16="http://schemas.microsoft.com/office/drawing/2014/main" val="10003"/>
+                    <a16:rowId xmlns="" xmlns:a16="http://schemas.microsoft.com/office/drawing/2014/main" val="10003"/>
                   </a:ext>
                 </a:extLst>
               </a:tr>
@@ -19015,7 +19176,7 @@
                 </a:tc>
                 <a:extLst>
                   <a:ext uri="{0D108BD9-81ED-4DB2-BD59-A6C34878D82A}">
-                    <a16:rowId xmlns:a16="http://schemas.microsoft.com/office/drawing/2014/main" val="10004"/>
+                    <a16:rowId xmlns="" xmlns:a16="http://schemas.microsoft.com/office/drawing/2014/main" val="10004"/>
                   </a:ext>
                 </a:extLst>
               </a:tr>
@@ -19148,7 +19309,7 @@
                 </a:tc>
                 <a:extLst>
                   <a:ext uri="{0D108BD9-81ED-4DB2-BD59-A6C34878D82A}">
-                    <a16:rowId xmlns:a16="http://schemas.microsoft.com/office/drawing/2014/main" val="10005"/>
+                    <a16:rowId xmlns="" xmlns:a16="http://schemas.microsoft.com/office/drawing/2014/main" val="10005"/>
                   </a:ext>
                 </a:extLst>
               </a:tr>
@@ -19300,7 +19461,7 @@
                 </a:tc>
                 <a:extLst>
                   <a:ext uri="{0D108BD9-81ED-4DB2-BD59-A6C34878D82A}">
-                    <a16:rowId xmlns:a16="http://schemas.microsoft.com/office/drawing/2014/main" val="10006"/>
+                    <a16:rowId xmlns="" xmlns:a16="http://schemas.microsoft.com/office/drawing/2014/main" val="10006"/>
                   </a:ext>
                 </a:extLst>
               </a:tr>
@@ -19452,7 +19613,7 @@
                 </a:tc>
                 <a:extLst>
                   <a:ext uri="{0D108BD9-81ED-4DB2-BD59-A6C34878D82A}">
-                    <a16:rowId xmlns:a16="http://schemas.microsoft.com/office/drawing/2014/main" val="10007"/>
+                    <a16:rowId xmlns="" xmlns:a16="http://schemas.microsoft.com/office/drawing/2014/main" val="10007"/>
                   </a:ext>
                 </a:extLst>
               </a:tr>
@@ -19718,7 +19879,7 @@
           <p:cNvPr id="2" name="Title 1">
             <a:extLst>
               <a:ext uri="{FF2B5EF4-FFF2-40B4-BE49-F238E27FC236}">
-                <a16:creationId xmlns:a16="http://schemas.microsoft.com/office/drawing/2014/main" id="{703D027D-982D-473A-9128-2B36AFB31D45}"/>
+                <a16:creationId xmlns="" xmlns:a16="http://schemas.microsoft.com/office/drawing/2014/main" id="{703D027D-982D-473A-9128-2B36AFB31D45}"/>
               </a:ext>
             </a:extLst>
           </p:cNvPr>
@@ -19757,7 +19918,7 @@
           <p:nvPr/>
         </p:nvPicPr>
         <p:blipFill>
-          <a:blip r:embed="rId2">
+          <a:blip r:embed="rId3">
             <a:extLst>
               <a:ext uri="{28A0092B-C50C-407E-A947-70E740481C1C}">
                 <a14:useLocalDpi xmlns:a14="http://schemas.microsoft.com/office/drawing/2010/main" val="0"/>
@@ -19847,7 +20008,7 @@
         <p:spPr>
           <a:xfrm>
             <a:off x="399672" y="4662834"/>
-            <a:ext cx="11039411" cy="2031325"/>
+            <a:ext cx="8992609" cy="2031325"/>
           </a:xfrm>
           <a:prstGeom prst="rect">
             <a:avLst/>
@@ -19934,7 +20095,7 @@
           <p:cNvPr id="1030" name="Picture 6">
             <a:extLst>
               <a:ext uri="{FF2B5EF4-FFF2-40B4-BE49-F238E27FC236}">
-                <a16:creationId xmlns:a16="http://schemas.microsoft.com/office/drawing/2014/main" id="{A17F56BA-CB5A-4CBA-93BD-95DB10FF5C79}"/>
+                <a16:creationId xmlns="" xmlns:a16="http://schemas.microsoft.com/office/drawing/2014/main" id="{A17F56BA-CB5A-4CBA-93BD-95DB10FF5C79}"/>
               </a:ext>
             </a:extLst>
           </p:cNvPr>
@@ -19944,7 +20105,7 @@
           <p:nvPr/>
         </p:nvPicPr>
         <p:blipFill>
-          <a:blip r:embed="rId3">
+          <a:blip r:embed="rId4">
             <a:extLst>
               <a:ext uri="{28A0092B-C50C-407E-A947-70E740481C1C}">
                 <a14:useLocalDpi xmlns:a14="http://schemas.microsoft.com/office/drawing/2010/main" val="0"/>
@@ -19975,6 +20136,63 @@
           </a:extLst>
         </p:spPr>
       </p:pic>
+      <p:graphicFrame>
+        <p:nvGraphicFramePr>
+          <p:cNvPr id="3" name="Object 2"/>
+          <p:cNvGraphicFramePr>
+            <a:graphicFrameLocks noChangeAspect="1"/>
+          </p:cNvGraphicFramePr>
+          <p:nvPr>
+            <p:extLst>
+              <p:ext uri="{D42A27DB-BD31-4B8C-83A1-F6EECF244321}">
+                <p14:modId xmlns:p14="http://schemas.microsoft.com/office/powerpoint/2010/main" val="566407198"/>
+              </p:ext>
+            </p:extLst>
+          </p:nvPr>
+        </p:nvGraphicFramePr>
+        <p:xfrm>
+          <a:off x="10228966" y="5092627"/>
+          <a:ext cx="914400" cy="788987"/>
+        </p:xfrm>
+        <a:graphic>
+          <a:graphicData uri="http://schemas.openxmlformats.org/presentationml/2006/ole">
+            <mc:AlternateContent xmlns:mc="http://schemas.openxmlformats.org/markup-compatibility/2006">
+              <mc:Choice xmlns:v="urn:schemas-microsoft-com:vml" Requires="v">
+                <p:oleObj spid="_x0000_s1026" name="Worksheet" showAsIcon="1" r:id="rId5" imgW="914400" imgH="788760" progId="Excel.Sheet.12">
+                  <p:embed/>
+                </p:oleObj>
+              </mc:Choice>
+              <mc:Fallback>
+                <p:oleObj name="Worksheet" showAsIcon="1" r:id="rId5" imgW="914400" imgH="788760" progId="Excel.Sheet.12">
+                  <p:embed/>
+                  <p:pic>
+                    <p:nvPicPr>
+                      <p:cNvPr id="0" name=""/>
+                      <p:cNvPicPr/>
+                      <p:nvPr/>
+                    </p:nvPicPr>
+                    <p:blipFill>
+                      <a:blip r:embed="rId6"/>
+                      <a:stretch>
+                        <a:fillRect/>
+                      </a:stretch>
+                    </p:blipFill>
+                    <p:spPr>
+                      <a:xfrm>
+                        <a:off x="10228966" y="5092627"/>
+                        <a:ext cx="914400" cy="788987"/>
+                      </a:xfrm>
+                      <a:prstGeom prst="rect">
+                        <a:avLst/>
+                      </a:prstGeom>
+                    </p:spPr>
+                  </p:pic>
+                </p:oleObj>
+              </mc:Fallback>
+            </mc:AlternateContent>
+          </a:graphicData>
+        </a:graphic>
+      </p:graphicFrame>
     </p:spTree>
     <p:extLst>
       <p:ext uri="{BB962C8B-B14F-4D97-AF65-F5344CB8AC3E}">
@@ -19985,6 +20203,13 @@
   <p:clrMapOvr>
     <a:masterClrMapping/>
   </p:clrMapOvr>
+  <p:timing>
+    <p:tnLst>
+      <p:par>
+        <p:cTn id="1" dur="indefinite" restart="never" nodeType="tmRoot"/>
+      </p:par>
+    </p:tnLst>
+  </p:timing>
 </p:sld>
 </file>
 
@@ -20010,7 +20235,7 @@
           <p:cNvPr id="6" name="Title 1">
             <a:extLst>
               <a:ext uri="{FF2B5EF4-FFF2-40B4-BE49-F238E27FC236}">
-                <a16:creationId xmlns:a16="http://schemas.microsoft.com/office/drawing/2014/main" id="{C9ED24FB-F1DF-43A2-A28A-E1B9714DF31A}"/>
+                <a16:creationId xmlns="" xmlns:a16="http://schemas.microsoft.com/office/drawing/2014/main" id="{C9ED24FB-F1DF-43A2-A28A-E1B9714DF31A}"/>
               </a:ext>
             </a:extLst>
           </p:cNvPr>
